--- a/lectures/infrastructure-week-10.pptx
+++ b/lectures/infrastructure-week-10.pptx
@@ -7,7 +7,18 @@
   <p:sldIdLst>
     <p:sldId id="256" r:id="rId2"/>
     <p:sldId id="257" r:id="rId3"/>
-    <p:sldId id="258" r:id="rId4"/>
+    <p:sldId id="259" r:id="rId4"/>
+    <p:sldId id="260" r:id="rId5"/>
+    <p:sldId id="261" r:id="rId6"/>
+    <p:sldId id="262" r:id="rId7"/>
+    <p:sldId id="263" r:id="rId8"/>
+    <p:sldId id="264" r:id="rId9"/>
+    <p:sldId id="265" r:id="rId10"/>
+    <p:sldId id="266" r:id="rId11"/>
+    <p:sldId id="267" r:id="rId12"/>
+    <p:sldId id="268" r:id="rId13"/>
+    <p:sldId id="270" r:id="rId14"/>
+    <p:sldId id="258" r:id="rId15"/>
   </p:sldIdLst>
   <p:sldSz cx="9144000" cy="6858000" type="screen4x3"/>
   <p:notesSz cx="6858000" cy="9144000"/>
@@ -106,6 +117,22 @@
       </a:defRPr>
     </a:lvl9pPr>
   </p:defaultTextStyle>
+  <p:extLst>
+    <p:ext uri="{EFAFB233-063F-42B5-8137-9DF3F51BA10A}">
+      <p15:sldGuideLst xmlns:p15="http://schemas.microsoft.com/office/powerpoint/2012/main">
+        <p15:guide id="1" orient="horz" pos="2160">
+          <p15:clr>
+            <a:srgbClr val="A4A3A4"/>
+          </p15:clr>
+        </p15:guide>
+        <p15:guide id="2" pos="2880">
+          <p15:clr>
+            <a:srgbClr val="A4A3A4"/>
+          </p15:clr>
+        </p15:guide>
+      </p15:sldGuideLst>
+    </p:ext>
+  </p:extLst>
 </p:presentation>
 </file>
 
@@ -290,7 +317,7 @@
           <a:p>
             <a:fld id="{972605B8-2E90-124E-924E-6F58993143C6}" type="datetimeFigureOut">
               <a:rPr lang="en-US" smtClean="0"/>
-              <a:t>8/13/16</a:t>
+              <a:t>10/30/16</a:t>
             </a:fld>
             <a:endParaRPr lang="en-US"/>
           </a:p>
@@ -460,7 +487,7 @@
           <a:p>
             <a:fld id="{972605B8-2E90-124E-924E-6F58993143C6}" type="datetimeFigureOut">
               <a:rPr lang="en-US" smtClean="0"/>
-              <a:t>8/13/16</a:t>
+              <a:t>10/30/16</a:t>
             </a:fld>
             <a:endParaRPr lang="en-US"/>
           </a:p>
@@ -640,7 +667,7 @@
           <a:p>
             <a:fld id="{972605B8-2E90-124E-924E-6F58993143C6}" type="datetimeFigureOut">
               <a:rPr lang="en-US" smtClean="0"/>
-              <a:t>8/13/16</a:t>
+              <a:t>10/30/16</a:t>
             </a:fld>
             <a:endParaRPr lang="en-US"/>
           </a:p>
@@ -810,7 +837,7 @@
           <a:p>
             <a:fld id="{972605B8-2E90-124E-924E-6F58993143C6}" type="datetimeFigureOut">
               <a:rPr lang="en-US" smtClean="0"/>
-              <a:t>8/13/16</a:t>
+              <a:t>10/30/16</a:t>
             </a:fld>
             <a:endParaRPr lang="en-US"/>
           </a:p>
@@ -1056,7 +1083,7 @@
           <a:p>
             <a:fld id="{972605B8-2E90-124E-924E-6F58993143C6}" type="datetimeFigureOut">
               <a:rPr lang="en-US" smtClean="0"/>
-              <a:t>8/13/16</a:t>
+              <a:t>10/30/16</a:t>
             </a:fld>
             <a:endParaRPr lang="en-US"/>
           </a:p>
@@ -1344,7 +1371,7 @@
           <a:p>
             <a:fld id="{972605B8-2E90-124E-924E-6F58993143C6}" type="datetimeFigureOut">
               <a:rPr lang="en-US" smtClean="0"/>
-              <a:t>8/13/16</a:t>
+              <a:t>10/30/16</a:t>
             </a:fld>
             <a:endParaRPr lang="en-US"/>
           </a:p>
@@ -1766,7 +1793,7 @@
           <a:p>
             <a:fld id="{972605B8-2E90-124E-924E-6F58993143C6}" type="datetimeFigureOut">
               <a:rPr lang="en-US" smtClean="0"/>
-              <a:t>8/13/16</a:t>
+              <a:t>10/30/16</a:t>
             </a:fld>
             <a:endParaRPr lang="en-US"/>
           </a:p>
@@ -1884,7 +1911,7 @@
           <a:p>
             <a:fld id="{972605B8-2E90-124E-924E-6F58993143C6}" type="datetimeFigureOut">
               <a:rPr lang="en-US" smtClean="0"/>
-              <a:t>8/13/16</a:t>
+              <a:t>10/30/16</a:t>
             </a:fld>
             <a:endParaRPr lang="en-US"/>
           </a:p>
@@ -1979,7 +2006,7 @@
           <a:p>
             <a:fld id="{972605B8-2E90-124E-924E-6F58993143C6}" type="datetimeFigureOut">
               <a:rPr lang="en-US" smtClean="0"/>
-              <a:t>8/13/16</a:t>
+              <a:t>10/30/16</a:t>
             </a:fld>
             <a:endParaRPr lang="en-US"/>
           </a:p>
@@ -2256,7 +2283,7 @@
           <a:p>
             <a:fld id="{972605B8-2E90-124E-924E-6F58993143C6}" type="datetimeFigureOut">
               <a:rPr lang="en-US" smtClean="0"/>
-              <a:t>8/13/16</a:t>
+              <a:t>10/30/16</a:t>
             </a:fld>
             <a:endParaRPr lang="en-US"/>
           </a:p>
@@ -2509,7 +2536,7 @@
           <a:p>
             <a:fld id="{972605B8-2E90-124E-924E-6F58993143C6}" type="datetimeFigureOut">
               <a:rPr lang="en-US" smtClean="0"/>
-              <a:t>8/13/16</a:t>
+              <a:t>10/30/16</a:t>
             </a:fld>
             <a:endParaRPr lang="en-US"/>
           </a:p>
@@ -2722,7 +2749,7 @@
           <a:p>
             <a:fld id="{972605B8-2E90-124E-924E-6F58993143C6}" type="datetimeFigureOut">
               <a:rPr lang="en-US" smtClean="0"/>
-              <a:t>8/13/16</a:t>
+              <a:t>10/30/16</a:t>
             </a:fld>
             <a:endParaRPr lang="en-US"/>
           </a:p>
@@ -3253,6 +3280,811 @@
 </p:sld>
 </file>
 
+<file path=ppt/slides/slide10.xml><?xml version="1.0" encoding="utf-8"?>
+<p:sld xmlns:a="http://schemas.openxmlformats.org/drawingml/2006/main" xmlns:r="http://schemas.openxmlformats.org/officeDocument/2006/relationships" xmlns:p="http://schemas.openxmlformats.org/presentationml/2006/main">
+  <p:cSld>
+    <p:spTree>
+      <p:nvGrpSpPr>
+        <p:cNvPr id="1" name=""/>
+        <p:cNvGrpSpPr/>
+        <p:nvPr/>
+      </p:nvGrpSpPr>
+      <p:grpSpPr>
+        <a:xfrm>
+          <a:off x="0" y="0"/>
+          <a:ext cx="0" cy="0"/>
+          <a:chOff x="0" y="0"/>
+          <a:chExt cx="0" cy="0"/>
+        </a:xfrm>
+      </p:grpSpPr>
+      <p:sp>
+        <p:nvSpPr>
+          <p:cNvPr id="2" name="Title 1"/>
+          <p:cNvSpPr>
+            <a:spLocks noGrp="1"/>
+          </p:cNvSpPr>
+          <p:nvPr>
+            <p:ph type="title"/>
+          </p:nvPr>
+        </p:nvSpPr>
+        <p:spPr/>
+        <p:txBody>
+          <a:bodyPr/>
+          <a:lstStyle/>
+          <a:p>
+            <a:r>
+              <a:rPr lang="en-US" dirty="0" smtClean="0"/>
+              <a:t>Immutable Infrastructure</a:t>
+            </a:r>
+            <a:endParaRPr lang="en-US" dirty="0"/>
+          </a:p>
+        </p:txBody>
+      </p:sp>
+      <p:sp>
+        <p:nvSpPr>
+          <p:cNvPr id="3" name="Content Placeholder 2"/>
+          <p:cNvSpPr>
+            <a:spLocks noGrp="1"/>
+          </p:cNvSpPr>
+          <p:nvPr>
+            <p:ph idx="1"/>
+          </p:nvPr>
+        </p:nvSpPr>
+        <p:spPr/>
+        <p:txBody>
+          <a:bodyPr>
+            <a:normAutofit fontScale="92500" lnSpcReduction="20000"/>
+          </a:bodyPr>
+          <a:lstStyle/>
+          <a:p>
+            <a:r>
+              <a:rPr lang="en-US" dirty="0" smtClean="0"/>
+              <a:t>How do we rebuild servers using automation?</a:t>
+            </a:r>
+          </a:p>
+          <a:p>
+            <a:pPr lvl="1"/>
+            <a:r>
+              <a:rPr lang="en-US" dirty="0" smtClean="0"/>
+              <a:t>Server consists of:</a:t>
+            </a:r>
+          </a:p>
+          <a:p>
+            <a:pPr lvl="2"/>
+            <a:r>
+              <a:rPr lang="en-US" dirty="0"/>
+              <a:t>I</a:t>
+            </a:r>
+            <a:r>
+              <a:rPr lang="en-US" dirty="0" smtClean="0"/>
+              <a:t>nfrastructure definition (server type)</a:t>
+            </a:r>
+          </a:p>
+          <a:p>
+            <a:pPr lvl="2"/>
+            <a:r>
+              <a:rPr lang="en-US" dirty="0" smtClean="0"/>
+              <a:t>Operating system</a:t>
+            </a:r>
+          </a:p>
+          <a:p>
+            <a:pPr lvl="2"/>
+            <a:r>
+              <a:rPr lang="en-US" dirty="0" smtClean="0"/>
+              <a:t>Software (</a:t>
+            </a:r>
+            <a:r>
+              <a:rPr lang="en-US" dirty="0" err="1" smtClean="0"/>
+              <a:t>php</a:t>
+            </a:r>
+            <a:r>
+              <a:rPr lang="en-US" dirty="0" smtClean="0"/>
+              <a:t>, apache, </a:t>
+            </a:r>
+            <a:r>
+              <a:rPr lang="en-US" dirty="0" err="1" smtClean="0"/>
+              <a:t>mysql</a:t>
+            </a:r>
+            <a:r>
+              <a:rPr lang="en-US" dirty="0" smtClean="0"/>
+              <a:t>)</a:t>
+            </a:r>
+          </a:p>
+          <a:p>
+            <a:pPr lvl="2"/>
+            <a:r>
+              <a:rPr lang="en-US" dirty="0" smtClean="0"/>
+              <a:t>OS &amp; application configuration</a:t>
+            </a:r>
+          </a:p>
+          <a:p>
+            <a:pPr lvl="2"/>
+            <a:r>
+              <a:rPr lang="en-US" dirty="0" smtClean="0"/>
+              <a:t>Data</a:t>
+            </a:r>
+          </a:p>
+          <a:p>
+            <a:pPr lvl="1"/>
+            <a:endParaRPr lang="en-US" dirty="0" smtClean="0"/>
+          </a:p>
+          <a:p>
+            <a:pPr lvl="1"/>
+            <a:r>
+              <a:rPr lang="en-US" dirty="0" smtClean="0"/>
+              <a:t>We can use Terraform, CloudFormation, Auto-scaling or other tools to create the infrastructure.</a:t>
+            </a:r>
+          </a:p>
+          <a:p>
+            <a:pPr lvl="1"/>
+            <a:endParaRPr lang="en-US" dirty="0" smtClean="0"/>
+          </a:p>
+          <a:p>
+            <a:pPr lvl="1"/>
+            <a:r>
+              <a:rPr lang="en-US" dirty="0" smtClean="0"/>
+              <a:t>Need a way to all all the software pieces.</a:t>
+            </a:r>
+          </a:p>
+        </p:txBody>
+      </p:sp>
+    </p:spTree>
+    <p:extLst>
+      <p:ext uri="{BB962C8B-B14F-4D97-AF65-F5344CB8AC3E}">
+        <p14:creationId xmlns:p14="http://schemas.microsoft.com/office/powerpoint/2010/main" val="1108213971"/>
+      </p:ext>
+    </p:extLst>
+  </p:cSld>
+  <p:clrMapOvr>
+    <a:masterClrMapping/>
+  </p:clrMapOvr>
+</p:sld>
+</file>
+
+<file path=ppt/slides/slide11.xml><?xml version="1.0" encoding="utf-8"?>
+<p:sld xmlns:a="http://schemas.openxmlformats.org/drawingml/2006/main" xmlns:r="http://schemas.openxmlformats.org/officeDocument/2006/relationships" xmlns:p="http://schemas.openxmlformats.org/presentationml/2006/main">
+  <p:cSld>
+    <p:spTree>
+      <p:nvGrpSpPr>
+        <p:cNvPr id="1" name=""/>
+        <p:cNvGrpSpPr/>
+        <p:nvPr/>
+      </p:nvGrpSpPr>
+      <p:grpSpPr>
+        <a:xfrm>
+          <a:off x="0" y="0"/>
+          <a:ext cx="0" cy="0"/>
+          <a:chOff x="0" y="0"/>
+          <a:chExt cx="0" cy="0"/>
+        </a:xfrm>
+      </p:grpSpPr>
+      <p:sp>
+        <p:nvSpPr>
+          <p:cNvPr id="2" name="Title 1"/>
+          <p:cNvSpPr>
+            <a:spLocks noGrp="1"/>
+          </p:cNvSpPr>
+          <p:nvPr>
+            <p:ph type="title"/>
+          </p:nvPr>
+        </p:nvSpPr>
+        <p:spPr/>
+        <p:txBody>
+          <a:bodyPr/>
+          <a:lstStyle/>
+          <a:p>
+            <a:r>
+              <a:rPr lang="en-US" dirty="0" smtClean="0"/>
+              <a:t>Bake vs. Fry</a:t>
+            </a:r>
+            <a:endParaRPr lang="en-US" dirty="0"/>
+          </a:p>
+        </p:txBody>
+      </p:sp>
+      <p:sp>
+        <p:nvSpPr>
+          <p:cNvPr id="3" name="Content Placeholder 2"/>
+          <p:cNvSpPr>
+            <a:spLocks noGrp="1"/>
+          </p:cNvSpPr>
+          <p:nvPr>
+            <p:ph idx="1"/>
+          </p:nvPr>
+        </p:nvSpPr>
+        <p:spPr>
+          <a:xfrm>
+            <a:off x="457200" y="1600200"/>
+            <a:ext cx="8229600" cy="5149921"/>
+          </a:xfrm>
+        </p:spPr>
+        <p:txBody>
+          <a:bodyPr>
+            <a:normAutofit fontScale="85000" lnSpcReduction="20000"/>
+          </a:bodyPr>
+          <a:lstStyle/>
+          <a:p>
+            <a:r>
+              <a:rPr lang="en-US" dirty="0" smtClean="0"/>
+              <a:t>There are two general approaches to installing software on a server:</a:t>
+            </a:r>
+          </a:p>
+          <a:p>
+            <a:pPr lvl="1"/>
+            <a:r>
+              <a:rPr lang="en-US" b="1" dirty="0" smtClean="0"/>
+              <a:t>Bake</a:t>
+            </a:r>
+            <a:r>
+              <a:rPr lang="en-US" dirty="0" smtClean="0"/>
+              <a:t>: pre-generate a software image which contains an OS and all the required software components.</a:t>
+            </a:r>
+          </a:p>
+          <a:p>
+            <a:pPr lvl="2"/>
+            <a:r>
+              <a:rPr lang="en-US" dirty="0" smtClean="0"/>
+              <a:t>Like an AMI based on a snapshot of a fully working system.</a:t>
+            </a:r>
+          </a:p>
+          <a:p>
+            <a:pPr lvl="2"/>
+            <a:r>
+              <a:rPr lang="en-US" dirty="0" smtClean="0"/>
+              <a:t>May need to perform a few configuration tasks once it’s launched.</a:t>
+            </a:r>
+          </a:p>
+          <a:p>
+            <a:pPr lvl="2"/>
+            <a:r>
+              <a:rPr lang="en-US" dirty="0" smtClean="0"/>
+              <a:t>Benefit: Allows you to launch a new server quickly.</a:t>
+            </a:r>
+          </a:p>
+          <a:p>
+            <a:pPr lvl="2"/>
+            <a:r>
+              <a:rPr lang="en-US" dirty="0" smtClean="0"/>
+              <a:t>Risk: May require you to frequently create and manage new images.</a:t>
+            </a:r>
+          </a:p>
+          <a:p>
+            <a:pPr lvl="2"/>
+            <a:endParaRPr lang="en-US" dirty="0" smtClean="0"/>
+          </a:p>
+          <a:p>
+            <a:pPr lvl="1"/>
+            <a:r>
+              <a:rPr lang="en-US" b="1" dirty="0" smtClean="0"/>
+              <a:t>Fry</a:t>
+            </a:r>
+            <a:r>
+              <a:rPr lang="en-US" dirty="0" smtClean="0"/>
+              <a:t>: launch a server with a plain OS distribution and then install required software on-the-fly.</a:t>
+            </a:r>
+          </a:p>
+          <a:p>
+            <a:pPr lvl="2"/>
+            <a:r>
+              <a:rPr lang="en-US" dirty="0" smtClean="0"/>
+              <a:t>Like a base AMI image running a </a:t>
+            </a:r>
+            <a:r>
+              <a:rPr lang="en-US" dirty="0" err="1" smtClean="0"/>
+              <a:t>userdata</a:t>
+            </a:r>
+            <a:r>
+              <a:rPr lang="en-US" dirty="0" smtClean="0"/>
+              <a:t> shell script.</a:t>
+            </a:r>
+          </a:p>
+          <a:p>
+            <a:pPr lvl="2"/>
+            <a:r>
+              <a:rPr lang="en-US" dirty="0" smtClean="0"/>
+              <a:t>Benefit: No need to manage images.</a:t>
+            </a:r>
+          </a:p>
+          <a:p>
+            <a:pPr lvl="2"/>
+            <a:r>
+              <a:rPr lang="en-US" dirty="0" smtClean="0"/>
+              <a:t>Risk: New instances may take a long time to deploy.</a:t>
+            </a:r>
+          </a:p>
+        </p:txBody>
+      </p:sp>
+    </p:spTree>
+    <p:extLst>
+      <p:ext uri="{BB962C8B-B14F-4D97-AF65-F5344CB8AC3E}">
+        <p14:creationId xmlns:p14="http://schemas.microsoft.com/office/powerpoint/2010/main" val="1394062895"/>
+      </p:ext>
+    </p:extLst>
+  </p:cSld>
+  <p:clrMapOvr>
+    <a:masterClrMapping/>
+  </p:clrMapOvr>
+</p:sld>
+</file>
+
+<file path=ppt/slides/slide12.xml><?xml version="1.0" encoding="utf-8"?>
+<p:sld xmlns:a="http://schemas.openxmlformats.org/drawingml/2006/main" xmlns:r="http://schemas.openxmlformats.org/officeDocument/2006/relationships" xmlns:p="http://schemas.openxmlformats.org/presentationml/2006/main">
+  <p:cSld>
+    <p:spTree>
+      <p:nvGrpSpPr>
+        <p:cNvPr id="1" name=""/>
+        <p:cNvGrpSpPr/>
+        <p:nvPr/>
+      </p:nvGrpSpPr>
+      <p:grpSpPr>
+        <a:xfrm>
+          <a:off x="0" y="0"/>
+          <a:ext cx="0" cy="0"/>
+          <a:chOff x="0" y="0"/>
+          <a:chExt cx="0" cy="0"/>
+        </a:xfrm>
+      </p:grpSpPr>
+      <p:sp>
+        <p:nvSpPr>
+          <p:cNvPr id="2" name="Title 1"/>
+          <p:cNvSpPr>
+            <a:spLocks noGrp="1"/>
+          </p:cNvSpPr>
+          <p:nvPr>
+            <p:ph type="title"/>
+          </p:nvPr>
+        </p:nvSpPr>
+        <p:spPr/>
+        <p:txBody>
+          <a:bodyPr/>
+          <a:lstStyle/>
+          <a:p>
+            <a:r>
+              <a:rPr lang="en-US" dirty="0" smtClean="0"/>
+              <a:t>Packer</a:t>
+            </a:r>
+            <a:endParaRPr lang="en-US" dirty="0"/>
+          </a:p>
+        </p:txBody>
+      </p:sp>
+      <p:sp>
+        <p:nvSpPr>
+          <p:cNvPr id="3" name="Content Placeholder 2"/>
+          <p:cNvSpPr>
+            <a:spLocks noGrp="1"/>
+          </p:cNvSpPr>
+          <p:nvPr>
+            <p:ph idx="1"/>
+          </p:nvPr>
+        </p:nvSpPr>
+        <p:spPr/>
+        <p:txBody>
+          <a:bodyPr>
+            <a:normAutofit fontScale="77500" lnSpcReduction="20000"/>
+          </a:bodyPr>
+          <a:lstStyle/>
+          <a:p>
+            <a:r>
+              <a:rPr lang="en-US" dirty="0" smtClean="0"/>
+              <a:t>Packer is a tool to create multiple machine images based on a configuration file.</a:t>
+            </a:r>
+          </a:p>
+          <a:p>
+            <a:pPr lvl="1"/>
+            <a:r>
+              <a:rPr lang="en-US" dirty="0" smtClean="0"/>
+              <a:t>Can create images for AWS, VMWare, Docker, and others.</a:t>
+            </a:r>
+          </a:p>
+          <a:p>
+            <a:pPr lvl="1"/>
+            <a:r>
+              <a:rPr lang="en-US" dirty="0" smtClean="0"/>
+              <a:t>Configuration file uses JSON.</a:t>
+            </a:r>
+          </a:p>
+          <a:p>
+            <a:pPr lvl="1"/>
+            <a:r>
+              <a:rPr lang="en-US" dirty="0" smtClean="0"/>
+              <a:t>Developed by </a:t>
+            </a:r>
+            <a:r>
+              <a:rPr lang="en-US" dirty="0" err="1" smtClean="0"/>
+              <a:t>HashiCorp</a:t>
+            </a:r>
+            <a:r>
+              <a:rPr lang="en-US" dirty="0"/>
+              <a:t> </a:t>
+            </a:r>
+            <a:r>
+              <a:rPr lang="en-US" dirty="0" smtClean="0"/>
+              <a:t>(Terraform &amp; Vagrant).</a:t>
+            </a:r>
+          </a:p>
+          <a:p>
+            <a:pPr lvl="1"/>
+            <a:r>
+              <a:rPr lang="en-US" dirty="0" smtClean="0"/>
+              <a:t>Free tool available at: http://</a:t>
+            </a:r>
+            <a:r>
+              <a:rPr lang="en-US" dirty="0" err="1" smtClean="0"/>
+              <a:t>www.packer.io</a:t>
+            </a:r>
+            <a:endParaRPr lang="en-US" dirty="0" smtClean="0"/>
+          </a:p>
+          <a:p>
+            <a:endParaRPr lang="en-US" dirty="0"/>
+          </a:p>
+          <a:p>
+            <a:r>
+              <a:rPr lang="en-US" dirty="0" smtClean="0"/>
+              <a:t>The configuration file defines:</a:t>
+            </a:r>
+          </a:p>
+          <a:p>
+            <a:pPr lvl="1"/>
+            <a:r>
+              <a:rPr lang="en-US" dirty="0" smtClean="0"/>
+              <a:t>Builders: describe the type of machine image to create and what infrastructure is used to create it.</a:t>
+            </a:r>
+          </a:p>
+          <a:p>
+            <a:pPr lvl="1"/>
+            <a:endParaRPr lang="en-US" dirty="0" smtClean="0"/>
+          </a:p>
+          <a:p>
+            <a:pPr lvl="1"/>
+            <a:r>
+              <a:rPr lang="en-US" dirty="0" err="1" smtClean="0"/>
+              <a:t>Provisioners</a:t>
+            </a:r>
+            <a:r>
+              <a:rPr lang="en-US" dirty="0" smtClean="0"/>
+              <a:t>: describe what software components to install on the machine image.</a:t>
+            </a:r>
+          </a:p>
+          <a:p>
+            <a:endParaRPr lang="en-US" dirty="0"/>
+          </a:p>
+        </p:txBody>
+      </p:sp>
+    </p:spTree>
+    <p:extLst>
+      <p:ext uri="{BB962C8B-B14F-4D97-AF65-F5344CB8AC3E}">
+        <p14:creationId xmlns:p14="http://schemas.microsoft.com/office/powerpoint/2010/main" val="663713900"/>
+      </p:ext>
+    </p:extLst>
+  </p:cSld>
+  <p:clrMapOvr>
+    <a:masterClrMapping/>
+  </p:clrMapOvr>
+</p:sld>
+</file>
+
+<file path=ppt/slides/slide13.xml><?xml version="1.0" encoding="utf-8"?>
+<p:sld xmlns:a="http://schemas.openxmlformats.org/drawingml/2006/main" xmlns:r="http://schemas.openxmlformats.org/officeDocument/2006/relationships" xmlns:p="http://schemas.openxmlformats.org/presentationml/2006/main">
+  <p:cSld>
+    <p:spTree>
+      <p:nvGrpSpPr>
+        <p:cNvPr id="1" name=""/>
+        <p:cNvGrpSpPr/>
+        <p:nvPr/>
+      </p:nvGrpSpPr>
+      <p:grpSpPr>
+        <a:xfrm>
+          <a:off x="0" y="0"/>
+          <a:ext cx="0" cy="0"/>
+          <a:chOff x="0" y="0"/>
+          <a:chExt cx="0" cy="0"/>
+        </a:xfrm>
+      </p:grpSpPr>
+      <p:sp>
+        <p:nvSpPr>
+          <p:cNvPr id="2" name="Title 1"/>
+          <p:cNvSpPr>
+            <a:spLocks noGrp="1"/>
+          </p:cNvSpPr>
+          <p:nvPr>
+            <p:ph type="title"/>
+          </p:nvPr>
+        </p:nvSpPr>
+        <p:spPr/>
+        <p:txBody>
+          <a:bodyPr/>
+          <a:lstStyle/>
+          <a:p>
+            <a:r>
+              <a:rPr lang="en-US" dirty="0" smtClean="0"/>
+              <a:t>Packer Hands-on</a:t>
+            </a:r>
+            <a:endParaRPr lang="en-US" dirty="0"/>
+          </a:p>
+        </p:txBody>
+      </p:sp>
+      <p:sp>
+        <p:nvSpPr>
+          <p:cNvPr id="3" name="Content Placeholder 2"/>
+          <p:cNvSpPr>
+            <a:spLocks noGrp="1"/>
+          </p:cNvSpPr>
+          <p:nvPr>
+            <p:ph idx="1"/>
+          </p:nvPr>
+        </p:nvSpPr>
+        <p:spPr>
+          <a:xfrm>
+            <a:off x="457200" y="1600200"/>
+            <a:ext cx="8229600" cy="5097658"/>
+          </a:xfrm>
+        </p:spPr>
+        <p:txBody>
+          <a:bodyPr>
+            <a:normAutofit/>
+          </a:bodyPr>
+          <a:lstStyle/>
+          <a:p>
+            <a:r>
+              <a:rPr lang="en-US" dirty="0" smtClean="0"/>
+              <a:t>Review Packer JSON file.</a:t>
+            </a:r>
+          </a:p>
+          <a:p>
+            <a:endParaRPr lang="en-US" dirty="0" smtClean="0"/>
+          </a:p>
+          <a:p>
+            <a:r>
+              <a:rPr lang="en-US" dirty="0" smtClean="0"/>
+              <a:t>Build </a:t>
+            </a:r>
+            <a:r>
+              <a:rPr lang="en-US" smtClean="0"/>
+              <a:t>new image.</a:t>
+            </a:r>
+            <a:endParaRPr lang="en-US" dirty="0" smtClean="0"/>
+          </a:p>
+          <a:p>
+            <a:pPr marL="0" indent="0">
+              <a:buNone/>
+            </a:pPr>
+            <a:r>
+              <a:rPr lang="en-US" dirty="0" smtClean="0"/>
+              <a:t>	</a:t>
+            </a:r>
+            <a:r>
+              <a:rPr lang="en-US" sz="2000" dirty="0" smtClean="0">
+                <a:latin typeface="Consolas" charset="0"/>
+                <a:ea typeface="Consolas" charset="0"/>
+                <a:cs typeface="Consolas" charset="0"/>
+              </a:rPr>
+              <a:t>$ packer </a:t>
+            </a:r>
+            <a:r>
+              <a:rPr lang="en-US" sz="2000" dirty="0">
+                <a:latin typeface="Consolas" charset="0"/>
+                <a:ea typeface="Consolas" charset="0"/>
+                <a:cs typeface="Consolas" charset="0"/>
+              </a:rPr>
+              <a:t>build -</a:t>
+            </a:r>
+            <a:r>
+              <a:rPr lang="en-US" sz="2000" dirty="0" err="1">
+                <a:latin typeface="Consolas" charset="0"/>
+                <a:ea typeface="Consolas" charset="0"/>
+                <a:cs typeface="Consolas" charset="0"/>
+              </a:rPr>
+              <a:t>var</a:t>
+            </a:r>
+            <a:r>
+              <a:rPr lang="en-US" sz="2000" dirty="0">
+                <a:latin typeface="Consolas" charset="0"/>
+                <a:ea typeface="Consolas" charset="0"/>
+                <a:cs typeface="Consolas" charset="0"/>
+              </a:rPr>
+              <a:t>-file=</a:t>
+            </a:r>
+            <a:r>
+              <a:rPr lang="en-US" sz="2000" dirty="0" err="1">
+                <a:latin typeface="Consolas" charset="0"/>
+                <a:ea typeface="Consolas" charset="0"/>
+                <a:cs typeface="Consolas" charset="0"/>
+              </a:rPr>
+              <a:t>variables.json</a:t>
+            </a:r>
+            <a:r>
+              <a:rPr lang="en-US" sz="2000" dirty="0">
+                <a:latin typeface="Consolas" charset="0"/>
+                <a:ea typeface="Consolas" charset="0"/>
+                <a:cs typeface="Consolas" charset="0"/>
+              </a:rPr>
+              <a:t> </a:t>
+            </a:r>
+            <a:r>
+              <a:rPr lang="en-US" sz="2000" dirty="0" err="1">
+                <a:latin typeface="Consolas" charset="0"/>
+                <a:ea typeface="Consolas" charset="0"/>
+                <a:cs typeface="Consolas" charset="0"/>
+              </a:rPr>
+              <a:t>example.json</a:t>
+            </a:r>
+            <a:endParaRPr lang="en-US" sz="2000" dirty="0">
+              <a:latin typeface="Consolas" charset="0"/>
+              <a:ea typeface="Consolas" charset="0"/>
+              <a:cs typeface="Consolas" charset="0"/>
+            </a:endParaRPr>
+          </a:p>
+          <a:p>
+            <a:endParaRPr lang="en-US" dirty="0"/>
+          </a:p>
+          <a:p>
+            <a:r>
+              <a:rPr lang="en-US" dirty="0" smtClean="0"/>
+              <a:t>View image in AWS console.</a:t>
+            </a:r>
+            <a:endParaRPr lang="en-US" dirty="0" smtClean="0"/>
+          </a:p>
+          <a:p>
+            <a:pPr marL="0" indent="0">
+              <a:buNone/>
+            </a:pPr>
+            <a:endParaRPr lang="en-US" dirty="0"/>
+          </a:p>
+          <a:p>
+            <a:pPr marL="0" indent="0">
+              <a:buNone/>
+            </a:pPr>
+            <a:endParaRPr lang="en-US" dirty="0"/>
+          </a:p>
+        </p:txBody>
+      </p:sp>
+      <p:pic>
+        <p:nvPicPr>
+          <p:cNvPr id="4" name="Picture 3"/>
+          <p:cNvPicPr>
+            <a:picLocks noChangeAspect="1"/>
+          </p:cNvPicPr>
+          <p:nvPr/>
+        </p:nvPicPr>
+        <p:blipFill>
+          <a:blip r:embed="rId2"/>
+          <a:stretch>
+            <a:fillRect/>
+          </a:stretch>
+        </p:blipFill>
+        <p:spPr>
+          <a:xfrm>
+            <a:off x="7891174" y="403586"/>
+            <a:ext cx="1014052" cy="1014052"/>
+          </a:xfrm>
+          <a:prstGeom prst="rect">
+            <a:avLst/>
+          </a:prstGeom>
+        </p:spPr>
+      </p:pic>
+    </p:spTree>
+    <p:extLst>
+      <p:ext uri="{BB962C8B-B14F-4D97-AF65-F5344CB8AC3E}">
+        <p14:creationId xmlns:p14="http://schemas.microsoft.com/office/powerpoint/2010/main" val="1711091324"/>
+      </p:ext>
+    </p:extLst>
+  </p:cSld>
+  <p:clrMapOvr>
+    <a:masterClrMapping/>
+  </p:clrMapOvr>
+</p:sld>
+</file>
+
+<file path=ppt/slides/slide14.xml><?xml version="1.0" encoding="utf-8"?>
+<p:sld xmlns:a="http://schemas.openxmlformats.org/drawingml/2006/main" xmlns:r="http://schemas.openxmlformats.org/officeDocument/2006/relationships" xmlns:p="http://schemas.openxmlformats.org/presentationml/2006/main">
+  <p:cSld>
+    <p:spTree>
+      <p:nvGrpSpPr>
+        <p:cNvPr id="1" name=""/>
+        <p:cNvGrpSpPr/>
+        <p:nvPr/>
+      </p:nvGrpSpPr>
+      <p:grpSpPr>
+        <a:xfrm>
+          <a:off x="0" y="0"/>
+          <a:ext cx="0" cy="0"/>
+          <a:chOff x="0" y="0"/>
+          <a:chExt cx="0" cy="0"/>
+        </a:xfrm>
+      </p:grpSpPr>
+      <p:sp>
+        <p:nvSpPr>
+          <p:cNvPr id="2" name="Title 1"/>
+          <p:cNvSpPr>
+            <a:spLocks noGrp="1"/>
+          </p:cNvSpPr>
+          <p:nvPr>
+            <p:ph type="title"/>
+          </p:nvPr>
+        </p:nvSpPr>
+        <p:spPr/>
+        <p:txBody>
+          <a:bodyPr>
+            <a:normAutofit/>
+          </a:bodyPr>
+          <a:lstStyle/>
+          <a:p>
+            <a:r>
+              <a:rPr lang="en-US" dirty="0" smtClean="0"/>
+              <a:t>Homework</a:t>
+            </a:r>
+            <a:endParaRPr lang="en-US" dirty="0"/>
+          </a:p>
+        </p:txBody>
+      </p:sp>
+      <p:sp>
+        <p:nvSpPr>
+          <p:cNvPr id="3" name="Content Placeholder 2"/>
+          <p:cNvSpPr>
+            <a:spLocks noGrp="1"/>
+          </p:cNvSpPr>
+          <p:nvPr>
+            <p:ph idx="1"/>
+          </p:nvPr>
+        </p:nvSpPr>
+        <p:spPr>
+          <a:xfrm>
+            <a:off x="457200" y="1600200"/>
+            <a:ext cx="8229600" cy="4920629"/>
+          </a:xfrm>
+        </p:spPr>
+        <p:txBody>
+          <a:bodyPr>
+            <a:normAutofit/>
+          </a:bodyPr>
+          <a:lstStyle/>
+          <a:p>
+            <a:r>
+              <a:rPr lang="en-US" dirty="0" smtClean="0"/>
+              <a:t>Assignment </a:t>
+            </a:r>
+            <a:r>
+              <a:rPr lang="en-US" dirty="0"/>
+              <a:t>8</a:t>
+            </a:r>
+            <a:endParaRPr lang="en-US" dirty="0" smtClean="0"/>
+          </a:p>
+          <a:p>
+            <a:r>
+              <a:rPr lang="en-US" dirty="0" smtClean="0"/>
+              <a:t>Read</a:t>
+            </a:r>
+            <a:r>
+              <a:rPr lang="en-US" i="1" dirty="0" smtClean="0"/>
+              <a:t> Infrastructure as Code </a:t>
+            </a:r>
+            <a:r>
+              <a:rPr lang="en-US" smtClean="0"/>
+              <a:t>Chapters</a:t>
+            </a:r>
+            <a:r>
+              <a:rPr lang="en-US" i="1" smtClean="0"/>
+              <a:t> 9 &amp; 10</a:t>
+            </a:r>
+            <a:endParaRPr lang="en-US" dirty="0"/>
+          </a:p>
+          <a:p>
+            <a:endParaRPr lang="en-US" dirty="0" smtClean="0"/>
+          </a:p>
+        </p:txBody>
+      </p:sp>
+    </p:spTree>
+    <p:extLst>
+      <p:ext uri="{BB962C8B-B14F-4D97-AF65-F5344CB8AC3E}">
+        <p14:creationId xmlns:p14="http://schemas.microsoft.com/office/powerpoint/2010/main" val="2135093818"/>
+      </p:ext>
+    </p:extLst>
+  </p:cSld>
+  <p:clrMapOvr>
+    <a:masterClrMapping/>
+  </p:clrMapOvr>
+</p:sld>
+</file>
+
 <file path=ppt/slides/slide2.xml><?xml version="1.0" encoding="utf-8"?>
 <p:sld xmlns:a="http://schemas.openxmlformats.org/drawingml/2006/main" xmlns:r="http://schemas.openxmlformats.org/officeDocument/2006/relationships" xmlns:p="http://schemas.openxmlformats.org/presentationml/2006/main">
   <p:cSld>
@@ -3310,11 +4142,32 @@
           <a:p>
             <a:r>
               <a:rPr lang="en-US" dirty="0" smtClean="0"/>
-              <a:t>Infrastructure as </a:t>
-            </a:r>
-            <a:r>
-              <a:rPr lang="en-US" dirty="0" smtClean="0"/>
-              <a:t>Code</a:t>
+              <a:t>Application Deployment Strategies</a:t>
+            </a:r>
+          </a:p>
+          <a:p>
+            <a:r>
+              <a:rPr lang="en-US" dirty="0" smtClean="0"/>
+              <a:t>Immutable Infrastructure</a:t>
+            </a:r>
+          </a:p>
+          <a:p>
+            <a:r>
+              <a:rPr lang="en-US" dirty="0" err="1" smtClean="0"/>
+              <a:t>Packer.io</a:t>
+            </a:r>
+            <a:endParaRPr lang="en-US" dirty="0" smtClean="0"/>
+          </a:p>
+          <a:p>
+            <a:r>
+              <a:rPr lang="en-US" dirty="0" smtClean="0"/>
+              <a:t>Configuration Management</a:t>
+            </a:r>
+          </a:p>
+          <a:p>
+            <a:r>
+              <a:rPr lang="en-US" dirty="0" err="1" smtClean="0"/>
+              <a:t>Ansible</a:t>
             </a:r>
             <a:endParaRPr lang="en-US" dirty="0" smtClean="0"/>
           </a:p>
@@ -3362,14 +4215,12 @@
         </p:nvSpPr>
         <p:spPr/>
         <p:txBody>
-          <a:bodyPr>
-            <a:normAutofit/>
-          </a:bodyPr>
-          <a:lstStyle/>
-          <a:p>
-            <a:r>
-              <a:rPr lang="en-US" dirty="0" smtClean="0"/>
-              <a:t>Homework</a:t>
+          <a:bodyPr/>
+          <a:lstStyle/>
+          <a:p>
+            <a:r>
+              <a:rPr lang="en-US" dirty="0" smtClean="0"/>
+              <a:t>Deployment strategies</a:t>
             </a:r>
             <a:endParaRPr lang="en-US" dirty="0"/>
           </a:p>
@@ -3385,68 +4236,4525 @@
             <p:ph idx="1"/>
           </p:nvPr>
         </p:nvSpPr>
-        <p:spPr>
-          <a:xfrm>
-            <a:off x="457200" y="1600200"/>
-            <a:ext cx="8229600" cy="4920629"/>
-          </a:xfrm>
-        </p:spPr>
-        <p:txBody>
-          <a:bodyPr>
-            <a:normAutofit/>
-          </a:bodyPr>
-          <a:lstStyle/>
-          <a:p>
-            <a:r>
-              <a:rPr lang="en-US" dirty="0" smtClean="0"/>
-              <a:t>Assignment </a:t>
-            </a:r>
-            <a:r>
-              <a:rPr lang="en-US" dirty="0"/>
-              <a:t>8</a:t>
-            </a:r>
-            <a:endParaRPr lang="en-US" dirty="0" smtClean="0"/>
-          </a:p>
-          <a:p>
-            <a:r>
-              <a:rPr lang="en-US" dirty="0" smtClean="0"/>
-              <a:t>Read</a:t>
-            </a:r>
-            <a:r>
-              <a:rPr lang="en-US" i="1" dirty="0" smtClean="0"/>
-              <a:t> Infrastructure as Code </a:t>
-            </a:r>
-            <a:r>
-              <a:rPr lang="en-US" smtClean="0"/>
-              <a:t>Chapters</a:t>
-            </a:r>
-            <a:r>
-              <a:rPr lang="en-US" i="1" smtClean="0"/>
-              <a:t> </a:t>
-            </a:r>
-            <a:r>
-              <a:rPr lang="en-US" i="1" smtClean="0"/>
-              <a:t>9 </a:t>
-            </a:r>
-            <a:r>
-              <a:rPr lang="en-US" i="1" smtClean="0"/>
-              <a:t>&amp; </a:t>
-            </a:r>
-            <a:r>
-              <a:rPr lang="en-US" i="1" smtClean="0"/>
-              <a:t>10</a:t>
-            </a:r>
-            <a:endParaRPr lang="en-US" dirty="0"/>
-          </a:p>
-          <a:p>
-            <a:endParaRPr lang="en-US" dirty="0" smtClean="0"/>
+        <p:spPr/>
+        <p:txBody>
+          <a:bodyPr/>
+          <a:lstStyle/>
+          <a:p>
+            <a:r>
+              <a:rPr lang="en-US" dirty="0" smtClean="0"/>
+              <a:t>Question: Once an application is built, how do we deploy it to distributed infrastructure?</a:t>
+            </a:r>
+          </a:p>
+          <a:p>
+            <a:pPr lvl="1"/>
+            <a:r>
+              <a:rPr lang="en-US" dirty="0" smtClean="0"/>
+              <a:t>Strategy for deploying to 1 server very different than 100’s</a:t>
+            </a:r>
+          </a:p>
+          <a:p>
+            <a:pPr lvl="1"/>
+            <a:r>
+              <a:rPr lang="en-US" dirty="0" smtClean="0"/>
+              <a:t>Trade-offs between deployment speed and risk</a:t>
+            </a:r>
+          </a:p>
+          <a:p>
+            <a:pPr lvl="1"/>
+            <a:r>
+              <a:rPr lang="en-US" dirty="0" smtClean="0"/>
+              <a:t>Cloud elasticity and pricing model supports new strategies</a:t>
+            </a:r>
           </a:p>
         </p:txBody>
       </p:sp>
     </p:spTree>
     <p:extLst>
       <p:ext uri="{BB962C8B-B14F-4D97-AF65-F5344CB8AC3E}">
-        <p14:creationId xmlns:p14="http://schemas.microsoft.com/office/powerpoint/2010/main" val="2135093818"/>
+        <p14:creationId xmlns:p14="http://schemas.microsoft.com/office/powerpoint/2010/main" val="1254186311"/>
+      </p:ext>
+    </p:extLst>
+  </p:cSld>
+  <p:clrMapOvr>
+    <a:masterClrMapping/>
+  </p:clrMapOvr>
+</p:sld>
+</file>
+
+<file path=ppt/slides/slide4.xml><?xml version="1.0" encoding="utf-8"?>
+<p:sld xmlns:a="http://schemas.openxmlformats.org/drawingml/2006/main" xmlns:r="http://schemas.openxmlformats.org/officeDocument/2006/relationships" xmlns:p="http://schemas.openxmlformats.org/presentationml/2006/main">
+  <p:cSld>
+    <p:spTree>
+      <p:nvGrpSpPr>
+        <p:cNvPr id="1" name=""/>
+        <p:cNvGrpSpPr/>
+        <p:nvPr/>
+      </p:nvGrpSpPr>
+      <p:grpSpPr>
+        <a:xfrm>
+          <a:off x="0" y="0"/>
+          <a:ext cx="0" cy="0"/>
+          <a:chOff x="0" y="0"/>
+          <a:chExt cx="0" cy="0"/>
+        </a:xfrm>
+      </p:grpSpPr>
+      <p:sp>
+        <p:nvSpPr>
+          <p:cNvPr id="2" name="Title 1"/>
+          <p:cNvSpPr>
+            <a:spLocks noGrp="1"/>
+          </p:cNvSpPr>
+          <p:nvPr>
+            <p:ph type="title"/>
+          </p:nvPr>
+        </p:nvSpPr>
+        <p:spPr/>
+        <p:txBody>
+          <a:bodyPr/>
+          <a:lstStyle/>
+          <a:p>
+            <a:r>
+              <a:rPr lang="en-US" dirty="0" smtClean="0"/>
+              <a:t>Deployment strategies</a:t>
+            </a:r>
+            <a:endParaRPr lang="en-US" dirty="0"/>
+          </a:p>
+        </p:txBody>
+      </p:sp>
+      <p:sp>
+        <p:nvSpPr>
+          <p:cNvPr id="3" name="Content Placeholder 2"/>
+          <p:cNvSpPr>
+            <a:spLocks noGrp="1"/>
+          </p:cNvSpPr>
+          <p:nvPr>
+            <p:ph idx="1"/>
+          </p:nvPr>
+        </p:nvSpPr>
+        <p:spPr>
+          <a:xfrm>
+            <a:off x="457200" y="1600200"/>
+            <a:ext cx="5051320" cy="4806545"/>
+          </a:xfrm>
+        </p:spPr>
+        <p:txBody>
+          <a:bodyPr>
+            <a:normAutofit fontScale="85000" lnSpcReduction="20000"/>
+          </a:bodyPr>
+          <a:lstStyle/>
+          <a:p>
+            <a:r>
+              <a:rPr lang="en-US" dirty="0" smtClean="0"/>
+              <a:t>Single Server Deployment</a:t>
+            </a:r>
+          </a:p>
+          <a:p>
+            <a:pPr lvl="1"/>
+            <a:r>
+              <a:rPr lang="en-US" dirty="0" smtClean="0"/>
+              <a:t>Application is deployed to a single server</a:t>
+            </a:r>
+          </a:p>
+          <a:p>
+            <a:pPr lvl="1"/>
+            <a:r>
+              <a:rPr lang="en-US" dirty="0" smtClean="0"/>
+              <a:t>Very common for testing and small production applications</a:t>
+            </a:r>
+            <a:endParaRPr lang="en-US" dirty="0"/>
+          </a:p>
+          <a:p>
+            <a:pPr lvl="1"/>
+            <a:r>
+              <a:rPr lang="en-US" dirty="0" smtClean="0"/>
+              <a:t>Benefits:</a:t>
+            </a:r>
+          </a:p>
+          <a:p>
+            <a:pPr lvl="2"/>
+            <a:r>
+              <a:rPr lang="en-US" dirty="0" smtClean="0"/>
+              <a:t>Easy and quick to deploy app on a single server</a:t>
+            </a:r>
+          </a:p>
+          <a:p>
+            <a:pPr lvl="1"/>
+            <a:r>
+              <a:rPr lang="en-US" dirty="0" smtClean="0"/>
+              <a:t>Problems:</a:t>
+            </a:r>
+          </a:p>
+          <a:p>
+            <a:pPr lvl="2"/>
+            <a:r>
+              <a:rPr lang="en-US" dirty="0" smtClean="0"/>
+              <a:t>Service outage occurs during app deployment</a:t>
+            </a:r>
+          </a:p>
+          <a:p>
+            <a:pPr lvl="2"/>
+            <a:r>
+              <a:rPr lang="en-US" dirty="0" smtClean="0"/>
+              <a:t>No ability to test app in production before deployment</a:t>
+            </a:r>
+          </a:p>
+          <a:p>
+            <a:pPr lvl="2"/>
+            <a:r>
+              <a:rPr lang="en-US" dirty="0" smtClean="0"/>
+              <a:t>Rolling back app requires complete reinstallation</a:t>
+            </a:r>
+          </a:p>
+        </p:txBody>
+      </p:sp>
+      <p:sp>
+        <p:nvSpPr>
+          <p:cNvPr id="4" name="Rectangle 3"/>
+          <p:cNvSpPr/>
+          <p:nvPr/>
+        </p:nvSpPr>
+        <p:spPr>
+          <a:xfrm>
+            <a:off x="5508520" y="3053549"/>
+            <a:ext cx="956142" cy="442337"/>
+          </a:xfrm>
+          <a:prstGeom prst="rect">
+            <a:avLst/>
+          </a:prstGeom>
+        </p:spPr>
+        <p:style>
+          <a:lnRef idx="1">
+            <a:schemeClr val="accent1"/>
+          </a:lnRef>
+          <a:fillRef idx="3">
+            <a:schemeClr val="accent1"/>
+          </a:fillRef>
+          <a:effectRef idx="2">
+            <a:schemeClr val="accent1"/>
+          </a:effectRef>
+          <a:fontRef idx="minor">
+            <a:schemeClr val="lt1"/>
+          </a:fontRef>
+        </p:style>
+        <p:txBody>
+          <a:bodyPr rtlCol="0" anchor="ctr"/>
+          <a:lstStyle/>
+          <a:p>
+            <a:pPr algn="ctr"/>
+            <a:r>
+              <a:rPr lang="en-US" dirty="0" smtClean="0"/>
+              <a:t>Build</a:t>
+            </a:r>
+            <a:endParaRPr lang="en-US" dirty="0"/>
+          </a:p>
+        </p:txBody>
+      </p:sp>
+      <p:sp>
+        <p:nvSpPr>
+          <p:cNvPr id="5" name="Rectangle 4"/>
+          <p:cNvSpPr/>
+          <p:nvPr/>
+        </p:nvSpPr>
+        <p:spPr>
+          <a:xfrm>
+            <a:off x="7730658" y="3053549"/>
+            <a:ext cx="956142" cy="442337"/>
+          </a:xfrm>
+          <a:prstGeom prst="rect">
+            <a:avLst/>
+          </a:prstGeom>
+        </p:spPr>
+        <p:style>
+          <a:lnRef idx="1">
+            <a:schemeClr val="accent1"/>
+          </a:lnRef>
+          <a:fillRef idx="3">
+            <a:schemeClr val="accent1"/>
+          </a:fillRef>
+          <a:effectRef idx="2">
+            <a:schemeClr val="accent1"/>
+          </a:effectRef>
+          <a:fontRef idx="minor">
+            <a:schemeClr val="lt1"/>
+          </a:fontRef>
+        </p:style>
+        <p:txBody>
+          <a:bodyPr rtlCol="0" anchor="ctr"/>
+          <a:lstStyle/>
+          <a:p>
+            <a:pPr algn="ctr"/>
+            <a:r>
+              <a:rPr lang="en-US" dirty="0" smtClean="0"/>
+              <a:t>Server</a:t>
+            </a:r>
+            <a:endParaRPr lang="en-US" dirty="0"/>
+          </a:p>
+        </p:txBody>
+      </p:sp>
+      <p:cxnSp>
+        <p:nvCxnSpPr>
+          <p:cNvPr id="7" name="Straight Arrow Connector 6"/>
+          <p:cNvCxnSpPr>
+            <a:stCxn id="4" idx="3"/>
+            <a:endCxn id="5" idx="1"/>
+          </p:cNvCxnSpPr>
+          <p:nvPr/>
+        </p:nvCxnSpPr>
+        <p:spPr>
+          <a:xfrm>
+            <a:off x="6464662" y="3274718"/>
+            <a:ext cx="1265996" cy="0"/>
+          </a:xfrm>
+          <a:prstGeom prst="straightConnector1">
+            <a:avLst/>
+          </a:prstGeom>
+          <a:ln>
+            <a:tailEnd type="arrow"/>
+          </a:ln>
+        </p:spPr>
+        <p:style>
+          <a:lnRef idx="2">
+            <a:schemeClr val="accent1"/>
+          </a:lnRef>
+          <a:fillRef idx="0">
+            <a:schemeClr val="accent1"/>
+          </a:fillRef>
+          <a:effectRef idx="1">
+            <a:schemeClr val="accent1"/>
+          </a:effectRef>
+          <a:fontRef idx="minor">
+            <a:schemeClr val="tx1"/>
+          </a:fontRef>
+        </p:style>
+      </p:cxnSp>
+    </p:spTree>
+    <p:extLst>
+      <p:ext uri="{BB962C8B-B14F-4D97-AF65-F5344CB8AC3E}">
+        <p14:creationId xmlns:p14="http://schemas.microsoft.com/office/powerpoint/2010/main" val="1557333672"/>
+      </p:ext>
+    </p:extLst>
+  </p:cSld>
+  <p:clrMapOvr>
+    <a:masterClrMapping/>
+  </p:clrMapOvr>
+</p:sld>
+</file>
+
+<file path=ppt/slides/slide5.xml><?xml version="1.0" encoding="utf-8"?>
+<p:sld xmlns:a="http://schemas.openxmlformats.org/drawingml/2006/main" xmlns:r="http://schemas.openxmlformats.org/officeDocument/2006/relationships" xmlns:p="http://schemas.openxmlformats.org/presentationml/2006/main">
+  <p:cSld>
+    <p:spTree>
+      <p:nvGrpSpPr>
+        <p:cNvPr id="1" name=""/>
+        <p:cNvGrpSpPr/>
+        <p:nvPr/>
+      </p:nvGrpSpPr>
+      <p:grpSpPr>
+        <a:xfrm>
+          <a:off x="0" y="0"/>
+          <a:ext cx="0" cy="0"/>
+          <a:chOff x="0" y="0"/>
+          <a:chExt cx="0" cy="0"/>
+        </a:xfrm>
+      </p:grpSpPr>
+      <p:sp>
+        <p:nvSpPr>
+          <p:cNvPr id="2" name="Title 1"/>
+          <p:cNvSpPr>
+            <a:spLocks noGrp="1"/>
+          </p:cNvSpPr>
+          <p:nvPr>
+            <p:ph type="title"/>
+          </p:nvPr>
+        </p:nvSpPr>
+        <p:spPr/>
+        <p:txBody>
+          <a:bodyPr/>
+          <a:lstStyle/>
+          <a:p>
+            <a:r>
+              <a:rPr lang="en-US" dirty="0" smtClean="0"/>
+              <a:t>Deployment strategies</a:t>
+            </a:r>
+            <a:endParaRPr lang="en-US" dirty="0"/>
+          </a:p>
+        </p:txBody>
+      </p:sp>
+      <p:sp>
+        <p:nvSpPr>
+          <p:cNvPr id="3" name="Content Placeholder 2"/>
+          <p:cNvSpPr>
+            <a:spLocks noGrp="1"/>
+          </p:cNvSpPr>
+          <p:nvPr>
+            <p:ph idx="1"/>
+          </p:nvPr>
+        </p:nvSpPr>
+        <p:spPr>
+          <a:xfrm>
+            <a:off x="457200" y="1600200"/>
+            <a:ext cx="5051320" cy="4806545"/>
+          </a:xfrm>
+        </p:spPr>
+        <p:txBody>
+          <a:bodyPr>
+            <a:normAutofit fontScale="77500" lnSpcReduction="20000"/>
+          </a:bodyPr>
+          <a:lstStyle/>
+          <a:p>
+            <a:r>
+              <a:rPr lang="en-US" dirty="0" smtClean="0"/>
+              <a:t>Big Bang Deployment</a:t>
+            </a:r>
+          </a:p>
+          <a:p>
+            <a:pPr lvl="1"/>
+            <a:r>
+              <a:rPr lang="en-US" dirty="0" smtClean="0"/>
+              <a:t>Application is deployed to all servers at once</a:t>
+            </a:r>
+          </a:p>
+          <a:p>
+            <a:pPr lvl="1"/>
+            <a:r>
+              <a:rPr lang="en-US" dirty="0" smtClean="0"/>
+              <a:t>Common for a small set of servers (2-5)</a:t>
+            </a:r>
+            <a:endParaRPr lang="en-US" dirty="0"/>
+          </a:p>
+          <a:p>
+            <a:pPr lvl="1"/>
+            <a:r>
+              <a:rPr lang="en-US" dirty="0" smtClean="0"/>
+              <a:t>Benefits:</a:t>
+            </a:r>
+          </a:p>
+          <a:p>
+            <a:pPr lvl="2"/>
+            <a:r>
+              <a:rPr lang="en-US" dirty="0" smtClean="0"/>
+              <a:t>Quick to deploy app on multiple servers, though requires orchestration</a:t>
+            </a:r>
+          </a:p>
+          <a:p>
+            <a:pPr lvl="1"/>
+            <a:r>
+              <a:rPr lang="en-US" dirty="0" smtClean="0"/>
+              <a:t>Problems:</a:t>
+            </a:r>
+          </a:p>
+          <a:p>
+            <a:pPr lvl="2"/>
+            <a:r>
+              <a:rPr lang="en-US" dirty="0" smtClean="0"/>
+              <a:t>Service outage occurs during app deployment</a:t>
+            </a:r>
+          </a:p>
+          <a:p>
+            <a:pPr lvl="2"/>
+            <a:r>
+              <a:rPr lang="en-US" dirty="0" smtClean="0"/>
+              <a:t>No ability to test app in production before deployment</a:t>
+            </a:r>
+          </a:p>
+          <a:p>
+            <a:pPr lvl="2"/>
+            <a:r>
+              <a:rPr lang="en-US" dirty="0" smtClean="0"/>
+              <a:t>Rolling back app requires complete reinstallation</a:t>
+            </a:r>
+          </a:p>
+        </p:txBody>
+      </p:sp>
+      <p:sp>
+        <p:nvSpPr>
+          <p:cNvPr id="4" name="Rectangle 3"/>
+          <p:cNvSpPr/>
+          <p:nvPr/>
+        </p:nvSpPr>
+        <p:spPr>
+          <a:xfrm>
+            <a:off x="5508520" y="3053549"/>
+            <a:ext cx="956142" cy="442337"/>
+          </a:xfrm>
+          <a:prstGeom prst="rect">
+            <a:avLst/>
+          </a:prstGeom>
+        </p:spPr>
+        <p:style>
+          <a:lnRef idx="1">
+            <a:schemeClr val="accent1"/>
+          </a:lnRef>
+          <a:fillRef idx="3">
+            <a:schemeClr val="accent1"/>
+          </a:fillRef>
+          <a:effectRef idx="2">
+            <a:schemeClr val="accent1"/>
+          </a:effectRef>
+          <a:fontRef idx="minor">
+            <a:schemeClr val="lt1"/>
+          </a:fontRef>
+        </p:style>
+        <p:txBody>
+          <a:bodyPr rtlCol="0" anchor="ctr"/>
+          <a:lstStyle/>
+          <a:p>
+            <a:pPr algn="ctr"/>
+            <a:r>
+              <a:rPr lang="en-US" dirty="0" smtClean="0"/>
+              <a:t>Build</a:t>
+            </a:r>
+            <a:endParaRPr lang="en-US" dirty="0"/>
+          </a:p>
+        </p:txBody>
+      </p:sp>
+      <p:sp>
+        <p:nvSpPr>
+          <p:cNvPr id="5" name="Rectangle 4"/>
+          <p:cNvSpPr/>
+          <p:nvPr/>
+        </p:nvSpPr>
+        <p:spPr>
+          <a:xfrm>
+            <a:off x="7730658" y="3053549"/>
+            <a:ext cx="956142" cy="442337"/>
+          </a:xfrm>
+          <a:prstGeom prst="rect">
+            <a:avLst/>
+          </a:prstGeom>
+        </p:spPr>
+        <p:style>
+          <a:lnRef idx="1">
+            <a:schemeClr val="accent1"/>
+          </a:lnRef>
+          <a:fillRef idx="3">
+            <a:schemeClr val="accent1"/>
+          </a:fillRef>
+          <a:effectRef idx="2">
+            <a:schemeClr val="accent1"/>
+          </a:effectRef>
+          <a:fontRef idx="minor">
+            <a:schemeClr val="lt1"/>
+          </a:fontRef>
+        </p:style>
+        <p:txBody>
+          <a:bodyPr rtlCol="0" anchor="ctr"/>
+          <a:lstStyle/>
+          <a:p>
+            <a:pPr algn="ctr"/>
+            <a:r>
+              <a:rPr lang="en-US" dirty="0" smtClean="0"/>
+              <a:t>Server</a:t>
+            </a:r>
+            <a:endParaRPr lang="en-US" dirty="0"/>
+          </a:p>
+        </p:txBody>
+      </p:sp>
+      <p:cxnSp>
+        <p:nvCxnSpPr>
+          <p:cNvPr id="7" name="Straight Arrow Connector 6"/>
+          <p:cNvCxnSpPr>
+            <a:stCxn id="4" idx="3"/>
+            <a:endCxn id="5" idx="1"/>
+          </p:cNvCxnSpPr>
+          <p:nvPr/>
+        </p:nvCxnSpPr>
+        <p:spPr>
+          <a:xfrm>
+            <a:off x="6464662" y="3274718"/>
+            <a:ext cx="1265996" cy="0"/>
+          </a:xfrm>
+          <a:prstGeom prst="straightConnector1">
+            <a:avLst/>
+          </a:prstGeom>
+          <a:ln>
+            <a:tailEnd type="arrow"/>
+          </a:ln>
+        </p:spPr>
+        <p:style>
+          <a:lnRef idx="2">
+            <a:schemeClr val="accent1"/>
+          </a:lnRef>
+          <a:fillRef idx="0">
+            <a:schemeClr val="accent1"/>
+          </a:fillRef>
+          <a:effectRef idx="1">
+            <a:schemeClr val="accent1"/>
+          </a:effectRef>
+          <a:fontRef idx="minor">
+            <a:schemeClr val="tx1"/>
+          </a:fontRef>
+        </p:style>
+      </p:cxnSp>
+      <p:sp>
+        <p:nvSpPr>
+          <p:cNvPr id="8" name="Rectangle 7"/>
+          <p:cNvSpPr/>
+          <p:nvPr/>
+        </p:nvSpPr>
+        <p:spPr>
+          <a:xfrm>
+            <a:off x="7730658" y="3990740"/>
+            <a:ext cx="956142" cy="442337"/>
+          </a:xfrm>
+          <a:prstGeom prst="rect">
+            <a:avLst/>
+          </a:prstGeom>
+        </p:spPr>
+        <p:style>
+          <a:lnRef idx="1">
+            <a:schemeClr val="accent1"/>
+          </a:lnRef>
+          <a:fillRef idx="3">
+            <a:schemeClr val="accent1"/>
+          </a:fillRef>
+          <a:effectRef idx="2">
+            <a:schemeClr val="accent1"/>
+          </a:effectRef>
+          <a:fontRef idx="minor">
+            <a:schemeClr val="lt1"/>
+          </a:fontRef>
+        </p:style>
+        <p:txBody>
+          <a:bodyPr rtlCol="0" anchor="ctr"/>
+          <a:lstStyle/>
+          <a:p>
+            <a:pPr algn="ctr"/>
+            <a:r>
+              <a:rPr lang="en-US" dirty="0" smtClean="0"/>
+              <a:t>Server</a:t>
+            </a:r>
+            <a:endParaRPr lang="en-US" dirty="0"/>
+          </a:p>
+        </p:txBody>
+      </p:sp>
+      <p:sp>
+        <p:nvSpPr>
+          <p:cNvPr id="9" name="Rectangle 8"/>
+          <p:cNvSpPr/>
+          <p:nvPr/>
+        </p:nvSpPr>
+        <p:spPr>
+          <a:xfrm>
+            <a:off x="7730658" y="2121511"/>
+            <a:ext cx="956142" cy="442337"/>
+          </a:xfrm>
+          <a:prstGeom prst="rect">
+            <a:avLst/>
+          </a:prstGeom>
+        </p:spPr>
+        <p:style>
+          <a:lnRef idx="1">
+            <a:schemeClr val="accent1"/>
+          </a:lnRef>
+          <a:fillRef idx="3">
+            <a:schemeClr val="accent1"/>
+          </a:fillRef>
+          <a:effectRef idx="2">
+            <a:schemeClr val="accent1"/>
+          </a:effectRef>
+          <a:fontRef idx="minor">
+            <a:schemeClr val="lt1"/>
+          </a:fontRef>
+        </p:style>
+        <p:txBody>
+          <a:bodyPr rtlCol="0" anchor="ctr"/>
+          <a:lstStyle/>
+          <a:p>
+            <a:pPr algn="ctr"/>
+            <a:r>
+              <a:rPr lang="en-US" dirty="0" smtClean="0"/>
+              <a:t>Server</a:t>
+            </a:r>
+            <a:endParaRPr lang="en-US" dirty="0"/>
+          </a:p>
+        </p:txBody>
+      </p:sp>
+      <p:cxnSp>
+        <p:nvCxnSpPr>
+          <p:cNvPr id="10" name="Straight Arrow Connector 9"/>
+          <p:cNvCxnSpPr>
+            <a:stCxn id="4" idx="3"/>
+            <a:endCxn id="9" idx="1"/>
+          </p:cNvCxnSpPr>
+          <p:nvPr/>
+        </p:nvCxnSpPr>
+        <p:spPr>
+          <a:xfrm flipV="1">
+            <a:off x="6464662" y="2342680"/>
+            <a:ext cx="1265996" cy="932038"/>
+          </a:xfrm>
+          <a:prstGeom prst="straightConnector1">
+            <a:avLst/>
+          </a:prstGeom>
+          <a:ln>
+            <a:tailEnd type="arrow"/>
+          </a:ln>
+        </p:spPr>
+        <p:style>
+          <a:lnRef idx="2">
+            <a:schemeClr val="accent1"/>
+          </a:lnRef>
+          <a:fillRef idx="0">
+            <a:schemeClr val="accent1"/>
+          </a:fillRef>
+          <a:effectRef idx="1">
+            <a:schemeClr val="accent1"/>
+          </a:effectRef>
+          <a:fontRef idx="minor">
+            <a:schemeClr val="tx1"/>
+          </a:fontRef>
+        </p:style>
+      </p:cxnSp>
+      <p:cxnSp>
+        <p:nvCxnSpPr>
+          <p:cNvPr id="12" name="Straight Arrow Connector 11"/>
+          <p:cNvCxnSpPr>
+            <a:endCxn id="8" idx="1"/>
+          </p:cNvCxnSpPr>
+          <p:nvPr/>
+        </p:nvCxnSpPr>
+        <p:spPr>
+          <a:xfrm>
+            <a:off x="6464662" y="3274718"/>
+            <a:ext cx="1265996" cy="937191"/>
+          </a:xfrm>
+          <a:prstGeom prst="straightConnector1">
+            <a:avLst/>
+          </a:prstGeom>
+          <a:ln>
+            <a:tailEnd type="arrow"/>
+          </a:ln>
+        </p:spPr>
+        <p:style>
+          <a:lnRef idx="2">
+            <a:schemeClr val="accent1"/>
+          </a:lnRef>
+          <a:fillRef idx="0">
+            <a:schemeClr val="accent1"/>
+          </a:fillRef>
+          <a:effectRef idx="1">
+            <a:schemeClr val="accent1"/>
+          </a:effectRef>
+          <a:fontRef idx="minor">
+            <a:schemeClr val="tx1"/>
+          </a:fontRef>
+        </p:style>
+      </p:cxnSp>
+    </p:spTree>
+    <p:extLst>
+      <p:ext uri="{BB962C8B-B14F-4D97-AF65-F5344CB8AC3E}">
+        <p14:creationId xmlns:p14="http://schemas.microsoft.com/office/powerpoint/2010/main" val="576335668"/>
+      </p:ext>
+    </p:extLst>
+  </p:cSld>
+  <p:clrMapOvr>
+    <a:masterClrMapping/>
+  </p:clrMapOvr>
+</p:sld>
+</file>
+
+<file path=ppt/slides/slide6.xml><?xml version="1.0" encoding="utf-8"?>
+<p:sld xmlns:a="http://schemas.openxmlformats.org/drawingml/2006/main" xmlns:r="http://schemas.openxmlformats.org/officeDocument/2006/relationships" xmlns:p="http://schemas.openxmlformats.org/presentationml/2006/main">
+  <p:cSld>
+    <p:spTree>
+      <p:nvGrpSpPr>
+        <p:cNvPr id="1" name=""/>
+        <p:cNvGrpSpPr/>
+        <p:nvPr/>
+      </p:nvGrpSpPr>
+      <p:grpSpPr>
+        <a:xfrm>
+          <a:off x="0" y="0"/>
+          <a:ext cx="0" cy="0"/>
+          <a:chOff x="0" y="0"/>
+          <a:chExt cx="0" cy="0"/>
+        </a:xfrm>
+      </p:grpSpPr>
+      <p:sp>
+        <p:nvSpPr>
+          <p:cNvPr id="2" name="Title 1"/>
+          <p:cNvSpPr>
+            <a:spLocks noGrp="1"/>
+          </p:cNvSpPr>
+          <p:nvPr>
+            <p:ph type="title"/>
+          </p:nvPr>
+        </p:nvSpPr>
+        <p:spPr/>
+        <p:txBody>
+          <a:bodyPr/>
+          <a:lstStyle/>
+          <a:p>
+            <a:r>
+              <a:rPr lang="en-US" dirty="0" smtClean="0"/>
+              <a:t>Deployment strategies</a:t>
+            </a:r>
+            <a:endParaRPr lang="en-US" dirty="0"/>
+          </a:p>
+        </p:txBody>
+      </p:sp>
+      <p:sp>
+        <p:nvSpPr>
+          <p:cNvPr id="3" name="Content Placeholder 2"/>
+          <p:cNvSpPr>
+            <a:spLocks noGrp="1"/>
+          </p:cNvSpPr>
+          <p:nvPr>
+            <p:ph idx="1"/>
+          </p:nvPr>
+        </p:nvSpPr>
+        <p:spPr>
+          <a:xfrm>
+            <a:off x="457200" y="1600200"/>
+            <a:ext cx="5051320" cy="4806545"/>
+          </a:xfrm>
+        </p:spPr>
+        <p:txBody>
+          <a:bodyPr>
+            <a:normAutofit fontScale="85000" lnSpcReduction="20000"/>
+          </a:bodyPr>
+          <a:lstStyle/>
+          <a:p>
+            <a:r>
+              <a:rPr lang="en-US" dirty="0" smtClean="0"/>
+              <a:t>Minimum-in-service Deployment</a:t>
+            </a:r>
+          </a:p>
+          <a:p>
+            <a:pPr lvl="1"/>
+            <a:r>
+              <a:rPr lang="en-US" dirty="0" smtClean="0"/>
+              <a:t>Application is deployed in multiple stages with a minimum set of servers supporting service</a:t>
+            </a:r>
+          </a:p>
+          <a:p>
+            <a:pPr lvl="1"/>
+            <a:r>
+              <a:rPr lang="en-US" dirty="0" smtClean="0"/>
+              <a:t>Benefits:</a:t>
+            </a:r>
+          </a:p>
+          <a:p>
+            <a:pPr lvl="2"/>
+            <a:r>
+              <a:rPr lang="en-US" dirty="0" smtClean="0"/>
+              <a:t>Supports large environments</a:t>
+            </a:r>
+          </a:p>
+          <a:p>
+            <a:pPr lvl="2"/>
+            <a:r>
+              <a:rPr lang="en-US" dirty="0" smtClean="0"/>
+              <a:t>No downtime</a:t>
+            </a:r>
+          </a:p>
+          <a:p>
+            <a:pPr lvl="2"/>
+            <a:r>
+              <a:rPr lang="en-US" dirty="0" smtClean="0"/>
+              <a:t>Fast, most systems updated</a:t>
+            </a:r>
+          </a:p>
+          <a:p>
+            <a:pPr lvl="2"/>
+            <a:r>
+              <a:rPr lang="en-US" dirty="0" smtClean="0"/>
+              <a:t>Deployments are tested in production</a:t>
+            </a:r>
+          </a:p>
+          <a:p>
+            <a:pPr lvl="1"/>
+            <a:r>
+              <a:rPr lang="en-US" dirty="0" smtClean="0"/>
+              <a:t>Problems:</a:t>
+            </a:r>
+          </a:p>
+          <a:p>
+            <a:pPr lvl="2"/>
+            <a:r>
+              <a:rPr lang="en-US" dirty="0" smtClean="0"/>
+              <a:t>Requires significant automation and orchestration capabilities</a:t>
+            </a:r>
+          </a:p>
+          <a:p>
+            <a:pPr lvl="2"/>
+            <a:r>
+              <a:rPr lang="en-US" dirty="0" smtClean="0"/>
+              <a:t>May require rollback</a:t>
+            </a:r>
+          </a:p>
+        </p:txBody>
+      </p:sp>
+      <p:sp>
+        <p:nvSpPr>
+          <p:cNvPr id="6" name="Rectangle 5"/>
+          <p:cNvSpPr/>
+          <p:nvPr/>
+        </p:nvSpPr>
+        <p:spPr>
+          <a:xfrm>
+            <a:off x="6341338" y="2630637"/>
+            <a:ext cx="371040" cy="399530"/>
+          </a:xfrm>
+          <a:prstGeom prst="rect">
+            <a:avLst/>
+          </a:prstGeom>
+        </p:spPr>
+        <p:style>
+          <a:lnRef idx="1">
+            <a:schemeClr val="accent1"/>
+          </a:lnRef>
+          <a:fillRef idx="3">
+            <a:schemeClr val="accent1"/>
+          </a:fillRef>
+          <a:effectRef idx="2">
+            <a:schemeClr val="accent1"/>
+          </a:effectRef>
+          <a:fontRef idx="minor">
+            <a:schemeClr val="lt1"/>
+          </a:fontRef>
+        </p:style>
+        <p:txBody>
+          <a:bodyPr rtlCol="0" anchor="ctr"/>
+          <a:lstStyle/>
+          <a:p>
+            <a:pPr algn="ctr"/>
+            <a:r>
+              <a:rPr lang="en-US" dirty="0" smtClean="0"/>
+              <a:t>2</a:t>
+            </a:r>
+            <a:endParaRPr lang="en-US" dirty="0"/>
+          </a:p>
+        </p:txBody>
+      </p:sp>
+      <p:sp>
+        <p:nvSpPr>
+          <p:cNvPr id="13" name="Rectangle 12"/>
+          <p:cNvSpPr/>
+          <p:nvPr/>
+        </p:nvSpPr>
+        <p:spPr>
+          <a:xfrm>
+            <a:off x="6822501" y="2640348"/>
+            <a:ext cx="371040" cy="399530"/>
+          </a:xfrm>
+          <a:prstGeom prst="rect">
+            <a:avLst/>
+          </a:prstGeom>
+        </p:spPr>
+        <p:style>
+          <a:lnRef idx="1">
+            <a:schemeClr val="accent1"/>
+          </a:lnRef>
+          <a:fillRef idx="3">
+            <a:schemeClr val="accent1"/>
+          </a:fillRef>
+          <a:effectRef idx="2">
+            <a:schemeClr val="accent1"/>
+          </a:effectRef>
+          <a:fontRef idx="minor">
+            <a:schemeClr val="lt1"/>
+          </a:fontRef>
+        </p:style>
+        <p:txBody>
+          <a:bodyPr rtlCol="0" anchor="ctr"/>
+          <a:lstStyle/>
+          <a:p>
+            <a:pPr algn="ctr"/>
+            <a:r>
+              <a:rPr lang="en-US" dirty="0" smtClean="0"/>
+              <a:t>3</a:t>
+            </a:r>
+            <a:endParaRPr lang="en-US" dirty="0"/>
+          </a:p>
+        </p:txBody>
+      </p:sp>
+      <p:sp>
+        <p:nvSpPr>
+          <p:cNvPr id="14" name="Rectangle 13"/>
+          <p:cNvSpPr/>
+          <p:nvPr/>
+        </p:nvSpPr>
+        <p:spPr>
+          <a:xfrm>
+            <a:off x="7298014" y="2640348"/>
+            <a:ext cx="371040" cy="399530"/>
+          </a:xfrm>
+          <a:prstGeom prst="rect">
+            <a:avLst/>
+          </a:prstGeom>
+        </p:spPr>
+        <p:style>
+          <a:lnRef idx="1">
+            <a:schemeClr val="accent1"/>
+          </a:lnRef>
+          <a:fillRef idx="3">
+            <a:schemeClr val="accent1"/>
+          </a:fillRef>
+          <a:effectRef idx="2">
+            <a:schemeClr val="accent1"/>
+          </a:effectRef>
+          <a:fontRef idx="minor">
+            <a:schemeClr val="lt1"/>
+          </a:fontRef>
+        </p:style>
+        <p:txBody>
+          <a:bodyPr rtlCol="0" anchor="ctr"/>
+          <a:lstStyle/>
+          <a:p>
+            <a:pPr algn="ctr"/>
+            <a:r>
+              <a:rPr lang="en-US" dirty="0"/>
+              <a:t>4</a:t>
+            </a:r>
+          </a:p>
+        </p:txBody>
+      </p:sp>
+      <p:sp>
+        <p:nvSpPr>
+          <p:cNvPr id="15" name="Rectangle 14"/>
+          <p:cNvSpPr/>
+          <p:nvPr/>
+        </p:nvSpPr>
+        <p:spPr>
+          <a:xfrm>
+            <a:off x="7788336" y="2640348"/>
+            <a:ext cx="371040" cy="399530"/>
+          </a:xfrm>
+          <a:prstGeom prst="rect">
+            <a:avLst/>
+          </a:prstGeom>
+        </p:spPr>
+        <p:style>
+          <a:lnRef idx="1">
+            <a:schemeClr val="accent1"/>
+          </a:lnRef>
+          <a:fillRef idx="3">
+            <a:schemeClr val="accent1"/>
+          </a:fillRef>
+          <a:effectRef idx="2">
+            <a:schemeClr val="accent1"/>
+          </a:effectRef>
+          <a:fontRef idx="minor">
+            <a:schemeClr val="lt1"/>
+          </a:fontRef>
+        </p:style>
+        <p:txBody>
+          <a:bodyPr rtlCol="0" anchor="ctr"/>
+          <a:lstStyle/>
+          <a:p>
+            <a:pPr algn="ctr"/>
+            <a:r>
+              <a:rPr lang="en-US" dirty="0"/>
+              <a:t>5</a:t>
+            </a:r>
+          </a:p>
+        </p:txBody>
+      </p:sp>
+      <p:sp>
+        <p:nvSpPr>
+          <p:cNvPr id="16" name="Rectangle 15"/>
+          <p:cNvSpPr/>
+          <p:nvPr/>
+        </p:nvSpPr>
+        <p:spPr>
+          <a:xfrm>
+            <a:off x="8273006" y="2640348"/>
+            <a:ext cx="371040" cy="399530"/>
+          </a:xfrm>
+          <a:prstGeom prst="rect">
+            <a:avLst/>
+          </a:prstGeom>
+        </p:spPr>
+        <p:style>
+          <a:lnRef idx="1">
+            <a:schemeClr val="accent1"/>
+          </a:lnRef>
+          <a:fillRef idx="3">
+            <a:schemeClr val="accent1"/>
+          </a:fillRef>
+          <a:effectRef idx="2">
+            <a:schemeClr val="accent1"/>
+          </a:effectRef>
+          <a:fontRef idx="minor">
+            <a:schemeClr val="lt1"/>
+          </a:fontRef>
+        </p:style>
+        <p:txBody>
+          <a:bodyPr rtlCol="0" anchor="ctr"/>
+          <a:lstStyle/>
+          <a:p>
+            <a:pPr algn="ctr"/>
+            <a:r>
+              <a:rPr lang="en-US" dirty="0"/>
+              <a:t>6</a:t>
+            </a:r>
+          </a:p>
+        </p:txBody>
+      </p:sp>
+      <p:sp>
+        <p:nvSpPr>
+          <p:cNvPr id="17" name="Rectangle 16"/>
+          <p:cNvSpPr/>
+          <p:nvPr/>
+        </p:nvSpPr>
+        <p:spPr>
+          <a:xfrm>
+            <a:off x="5851019" y="2630637"/>
+            <a:ext cx="371040" cy="399530"/>
+          </a:xfrm>
+          <a:prstGeom prst="rect">
+            <a:avLst/>
+          </a:prstGeom>
+        </p:spPr>
+        <p:style>
+          <a:lnRef idx="1">
+            <a:schemeClr val="accent1"/>
+          </a:lnRef>
+          <a:fillRef idx="3">
+            <a:schemeClr val="accent1"/>
+          </a:fillRef>
+          <a:effectRef idx="2">
+            <a:schemeClr val="accent1"/>
+          </a:effectRef>
+          <a:fontRef idx="minor">
+            <a:schemeClr val="lt1"/>
+          </a:fontRef>
+        </p:style>
+        <p:txBody>
+          <a:bodyPr rtlCol="0" anchor="ctr"/>
+          <a:lstStyle/>
+          <a:p>
+            <a:pPr algn="ctr"/>
+            <a:r>
+              <a:rPr lang="en-US" dirty="0" smtClean="0"/>
+              <a:t>1</a:t>
+            </a:r>
+            <a:endParaRPr lang="en-US" dirty="0"/>
+          </a:p>
+        </p:txBody>
+      </p:sp>
+      <p:sp>
+        <p:nvSpPr>
+          <p:cNvPr id="18" name="Rectangle 17"/>
+          <p:cNvSpPr/>
+          <p:nvPr/>
+        </p:nvSpPr>
+        <p:spPr>
+          <a:xfrm>
+            <a:off x="6341338" y="3567828"/>
+            <a:ext cx="371040" cy="399530"/>
+          </a:xfrm>
+          <a:prstGeom prst="rect">
+            <a:avLst/>
+          </a:prstGeom>
+        </p:spPr>
+        <p:style>
+          <a:lnRef idx="1">
+            <a:schemeClr val="accent1"/>
+          </a:lnRef>
+          <a:fillRef idx="3">
+            <a:schemeClr val="accent1"/>
+          </a:fillRef>
+          <a:effectRef idx="2">
+            <a:schemeClr val="accent1"/>
+          </a:effectRef>
+          <a:fontRef idx="minor">
+            <a:schemeClr val="lt1"/>
+          </a:fontRef>
+        </p:style>
+        <p:txBody>
+          <a:bodyPr rtlCol="0" anchor="ctr"/>
+          <a:lstStyle/>
+          <a:p>
+            <a:pPr algn="ctr"/>
+            <a:r>
+              <a:rPr lang="en-US" dirty="0" smtClean="0"/>
+              <a:t>2</a:t>
+            </a:r>
+            <a:endParaRPr lang="en-US" dirty="0"/>
+          </a:p>
+        </p:txBody>
+      </p:sp>
+      <p:sp>
+        <p:nvSpPr>
+          <p:cNvPr id="19" name="Rectangle 18"/>
+          <p:cNvSpPr/>
+          <p:nvPr/>
+        </p:nvSpPr>
+        <p:spPr>
+          <a:xfrm>
+            <a:off x="6822501" y="3577539"/>
+            <a:ext cx="371040" cy="399530"/>
+          </a:xfrm>
+          <a:prstGeom prst="rect">
+            <a:avLst/>
+          </a:prstGeom>
+          <a:solidFill>
+            <a:schemeClr val="accent2"/>
+          </a:solidFill>
+        </p:spPr>
+        <p:style>
+          <a:lnRef idx="1">
+            <a:schemeClr val="accent1"/>
+          </a:lnRef>
+          <a:fillRef idx="3">
+            <a:schemeClr val="accent1"/>
+          </a:fillRef>
+          <a:effectRef idx="2">
+            <a:schemeClr val="accent1"/>
+          </a:effectRef>
+          <a:fontRef idx="minor">
+            <a:schemeClr val="lt1"/>
+          </a:fontRef>
+        </p:style>
+        <p:txBody>
+          <a:bodyPr rtlCol="0" anchor="ctr"/>
+          <a:lstStyle/>
+          <a:p>
+            <a:pPr algn="ctr"/>
+            <a:r>
+              <a:rPr lang="en-US" dirty="0" smtClean="0"/>
+              <a:t>3</a:t>
+            </a:r>
+            <a:endParaRPr lang="en-US" dirty="0"/>
+          </a:p>
+        </p:txBody>
+      </p:sp>
+      <p:sp>
+        <p:nvSpPr>
+          <p:cNvPr id="20" name="Rectangle 19"/>
+          <p:cNvSpPr/>
+          <p:nvPr/>
+        </p:nvSpPr>
+        <p:spPr>
+          <a:xfrm>
+            <a:off x="7298014" y="3577539"/>
+            <a:ext cx="371040" cy="399530"/>
+          </a:xfrm>
+          <a:prstGeom prst="rect">
+            <a:avLst/>
+          </a:prstGeom>
+          <a:solidFill>
+            <a:schemeClr val="accent2"/>
+          </a:solidFill>
+        </p:spPr>
+        <p:style>
+          <a:lnRef idx="1">
+            <a:schemeClr val="accent1"/>
+          </a:lnRef>
+          <a:fillRef idx="3">
+            <a:schemeClr val="accent1"/>
+          </a:fillRef>
+          <a:effectRef idx="2">
+            <a:schemeClr val="accent1"/>
+          </a:effectRef>
+          <a:fontRef idx="minor">
+            <a:schemeClr val="lt1"/>
+          </a:fontRef>
+        </p:style>
+        <p:txBody>
+          <a:bodyPr rtlCol="0" anchor="ctr"/>
+          <a:lstStyle/>
+          <a:p>
+            <a:pPr algn="ctr"/>
+            <a:r>
+              <a:rPr lang="en-US" dirty="0"/>
+              <a:t>4</a:t>
+            </a:r>
+          </a:p>
+        </p:txBody>
+      </p:sp>
+      <p:sp>
+        <p:nvSpPr>
+          <p:cNvPr id="21" name="Rectangle 20"/>
+          <p:cNvSpPr/>
+          <p:nvPr/>
+        </p:nvSpPr>
+        <p:spPr>
+          <a:xfrm>
+            <a:off x="7788336" y="3577539"/>
+            <a:ext cx="371040" cy="399530"/>
+          </a:xfrm>
+          <a:prstGeom prst="rect">
+            <a:avLst/>
+          </a:prstGeom>
+          <a:solidFill>
+            <a:schemeClr val="accent2"/>
+          </a:solidFill>
+        </p:spPr>
+        <p:style>
+          <a:lnRef idx="1">
+            <a:schemeClr val="accent1"/>
+          </a:lnRef>
+          <a:fillRef idx="3">
+            <a:schemeClr val="accent1"/>
+          </a:fillRef>
+          <a:effectRef idx="2">
+            <a:schemeClr val="accent1"/>
+          </a:effectRef>
+          <a:fontRef idx="minor">
+            <a:schemeClr val="lt1"/>
+          </a:fontRef>
+        </p:style>
+        <p:txBody>
+          <a:bodyPr rtlCol="0" anchor="ctr"/>
+          <a:lstStyle/>
+          <a:p>
+            <a:pPr algn="ctr"/>
+            <a:r>
+              <a:rPr lang="en-US" dirty="0"/>
+              <a:t>5</a:t>
+            </a:r>
+          </a:p>
+        </p:txBody>
+      </p:sp>
+      <p:sp>
+        <p:nvSpPr>
+          <p:cNvPr id="22" name="Rectangle 21"/>
+          <p:cNvSpPr/>
+          <p:nvPr/>
+        </p:nvSpPr>
+        <p:spPr>
+          <a:xfrm>
+            <a:off x="8273006" y="3577539"/>
+            <a:ext cx="371040" cy="399530"/>
+          </a:xfrm>
+          <a:prstGeom prst="rect">
+            <a:avLst/>
+          </a:prstGeom>
+          <a:solidFill>
+            <a:schemeClr val="accent2"/>
+          </a:solidFill>
+        </p:spPr>
+        <p:style>
+          <a:lnRef idx="1">
+            <a:schemeClr val="accent1"/>
+          </a:lnRef>
+          <a:fillRef idx="3">
+            <a:schemeClr val="accent1"/>
+          </a:fillRef>
+          <a:effectRef idx="2">
+            <a:schemeClr val="accent1"/>
+          </a:effectRef>
+          <a:fontRef idx="minor">
+            <a:schemeClr val="lt1"/>
+          </a:fontRef>
+        </p:style>
+        <p:txBody>
+          <a:bodyPr rtlCol="0" anchor="ctr"/>
+          <a:lstStyle/>
+          <a:p>
+            <a:pPr algn="ctr"/>
+            <a:r>
+              <a:rPr lang="en-US" dirty="0"/>
+              <a:t>6</a:t>
+            </a:r>
+          </a:p>
+        </p:txBody>
+      </p:sp>
+      <p:sp>
+        <p:nvSpPr>
+          <p:cNvPr id="23" name="Rectangle 22"/>
+          <p:cNvSpPr/>
+          <p:nvPr/>
+        </p:nvSpPr>
+        <p:spPr>
+          <a:xfrm>
+            <a:off x="5851019" y="3567828"/>
+            <a:ext cx="371040" cy="399530"/>
+          </a:xfrm>
+          <a:prstGeom prst="rect">
+            <a:avLst/>
+          </a:prstGeom>
+        </p:spPr>
+        <p:style>
+          <a:lnRef idx="1">
+            <a:schemeClr val="accent1"/>
+          </a:lnRef>
+          <a:fillRef idx="3">
+            <a:schemeClr val="accent1"/>
+          </a:fillRef>
+          <a:effectRef idx="2">
+            <a:schemeClr val="accent1"/>
+          </a:effectRef>
+          <a:fontRef idx="minor">
+            <a:schemeClr val="lt1"/>
+          </a:fontRef>
+        </p:style>
+        <p:txBody>
+          <a:bodyPr rtlCol="0" anchor="ctr"/>
+          <a:lstStyle/>
+          <a:p>
+            <a:pPr algn="ctr"/>
+            <a:r>
+              <a:rPr lang="en-US" dirty="0" smtClean="0"/>
+              <a:t>1</a:t>
+            </a:r>
+            <a:endParaRPr lang="en-US" dirty="0"/>
+          </a:p>
+        </p:txBody>
+      </p:sp>
+      <p:sp>
+        <p:nvSpPr>
+          <p:cNvPr id="24" name="Rectangle 23"/>
+          <p:cNvSpPr/>
+          <p:nvPr/>
+        </p:nvSpPr>
+        <p:spPr>
+          <a:xfrm>
+            <a:off x="6341338" y="4580921"/>
+            <a:ext cx="371040" cy="399530"/>
+          </a:xfrm>
+          <a:prstGeom prst="rect">
+            <a:avLst/>
+          </a:prstGeom>
+          <a:solidFill>
+            <a:schemeClr val="accent2"/>
+          </a:solidFill>
+        </p:spPr>
+        <p:style>
+          <a:lnRef idx="1">
+            <a:schemeClr val="accent1"/>
+          </a:lnRef>
+          <a:fillRef idx="3">
+            <a:schemeClr val="accent1"/>
+          </a:fillRef>
+          <a:effectRef idx="2">
+            <a:schemeClr val="accent1"/>
+          </a:effectRef>
+          <a:fontRef idx="minor">
+            <a:schemeClr val="lt1"/>
+          </a:fontRef>
+        </p:style>
+        <p:txBody>
+          <a:bodyPr rtlCol="0" anchor="ctr"/>
+          <a:lstStyle/>
+          <a:p>
+            <a:pPr algn="ctr"/>
+            <a:r>
+              <a:rPr lang="en-US" dirty="0" smtClean="0"/>
+              <a:t>2</a:t>
+            </a:r>
+            <a:endParaRPr lang="en-US" dirty="0"/>
+          </a:p>
+        </p:txBody>
+      </p:sp>
+      <p:sp>
+        <p:nvSpPr>
+          <p:cNvPr id="25" name="Rectangle 24"/>
+          <p:cNvSpPr/>
+          <p:nvPr/>
+        </p:nvSpPr>
+        <p:spPr>
+          <a:xfrm>
+            <a:off x="6822501" y="4590632"/>
+            <a:ext cx="371040" cy="399530"/>
+          </a:xfrm>
+          <a:prstGeom prst="rect">
+            <a:avLst/>
+          </a:prstGeom>
+          <a:solidFill>
+            <a:schemeClr val="accent3"/>
+          </a:solidFill>
+        </p:spPr>
+        <p:style>
+          <a:lnRef idx="1">
+            <a:schemeClr val="accent1"/>
+          </a:lnRef>
+          <a:fillRef idx="3">
+            <a:schemeClr val="accent1"/>
+          </a:fillRef>
+          <a:effectRef idx="2">
+            <a:schemeClr val="accent1"/>
+          </a:effectRef>
+          <a:fontRef idx="minor">
+            <a:schemeClr val="lt1"/>
+          </a:fontRef>
+        </p:style>
+        <p:txBody>
+          <a:bodyPr rtlCol="0" anchor="ctr"/>
+          <a:lstStyle/>
+          <a:p>
+            <a:pPr algn="ctr"/>
+            <a:r>
+              <a:rPr lang="en-US" dirty="0" smtClean="0"/>
+              <a:t>3</a:t>
+            </a:r>
+            <a:endParaRPr lang="en-US" dirty="0"/>
+          </a:p>
+        </p:txBody>
+      </p:sp>
+      <p:sp>
+        <p:nvSpPr>
+          <p:cNvPr id="26" name="Rectangle 25"/>
+          <p:cNvSpPr/>
+          <p:nvPr/>
+        </p:nvSpPr>
+        <p:spPr>
+          <a:xfrm>
+            <a:off x="7298014" y="4590632"/>
+            <a:ext cx="371040" cy="399530"/>
+          </a:xfrm>
+          <a:prstGeom prst="rect">
+            <a:avLst/>
+          </a:prstGeom>
+          <a:solidFill>
+            <a:schemeClr val="accent3"/>
+          </a:solidFill>
+        </p:spPr>
+        <p:style>
+          <a:lnRef idx="1">
+            <a:schemeClr val="accent1"/>
+          </a:lnRef>
+          <a:fillRef idx="3">
+            <a:schemeClr val="accent1"/>
+          </a:fillRef>
+          <a:effectRef idx="2">
+            <a:schemeClr val="accent1"/>
+          </a:effectRef>
+          <a:fontRef idx="minor">
+            <a:schemeClr val="lt1"/>
+          </a:fontRef>
+        </p:style>
+        <p:txBody>
+          <a:bodyPr rtlCol="0" anchor="ctr"/>
+          <a:lstStyle/>
+          <a:p>
+            <a:pPr algn="ctr"/>
+            <a:r>
+              <a:rPr lang="en-US" dirty="0"/>
+              <a:t>4</a:t>
+            </a:r>
+          </a:p>
+        </p:txBody>
+      </p:sp>
+      <p:sp>
+        <p:nvSpPr>
+          <p:cNvPr id="27" name="Rectangle 26"/>
+          <p:cNvSpPr/>
+          <p:nvPr/>
+        </p:nvSpPr>
+        <p:spPr>
+          <a:xfrm>
+            <a:off x="7788336" y="4590632"/>
+            <a:ext cx="371040" cy="399530"/>
+          </a:xfrm>
+          <a:prstGeom prst="rect">
+            <a:avLst/>
+          </a:prstGeom>
+          <a:solidFill>
+            <a:schemeClr val="accent3"/>
+          </a:solidFill>
+        </p:spPr>
+        <p:style>
+          <a:lnRef idx="1">
+            <a:schemeClr val="accent1"/>
+          </a:lnRef>
+          <a:fillRef idx="3">
+            <a:schemeClr val="accent1"/>
+          </a:fillRef>
+          <a:effectRef idx="2">
+            <a:schemeClr val="accent1"/>
+          </a:effectRef>
+          <a:fontRef idx="minor">
+            <a:schemeClr val="lt1"/>
+          </a:fontRef>
+        </p:style>
+        <p:txBody>
+          <a:bodyPr rtlCol="0" anchor="ctr"/>
+          <a:lstStyle/>
+          <a:p>
+            <a:pPr algn="ctr"/>
+            <a:r>
+              <a:rPr lang="en-US" dirty="0"/>
+              <a:t>5</a:t>
+            </a:r>
+          </a:p>
+        </p:txBody>
+      </p:sp>
+      <p:sp>
+        <p:nvSpPr>
+          <p:cNvPr id="28" name="Rectangle 27"/>
+          <p:cNvSpPr/>
+          <p:nvPr/>
+        </p:nvSpPr>
+        <p:spPr>
+          <a:xfrm>
+            <a:off x="8273006" y="4590632"/>
+            <a:ext cx="371040" cy="399530"/>
+          </a:xfrm>
+          <a:prstGeom prst="rect">
+            <a:avLst/>
+          </a:prstGeom>
+          <a:solidFill>
+            <a:schemeClr val="accent3"/>
+          </a:solidFill>
+        </p:spPr>
+        <p:style>
+          <a:lnRef idx="1">
+            <a:schemeClr val="accent1"/>
+          </a:lnRef>
+          <a:fillRef idx="3">
+            <a:schemeClr val="accent1"/>
+          </a:fillRef>
+          <a:effectRef idx="2">
+            <a:schemeClr val="accent1"/>
+          </a:effectRef>
+          <a:fontRef idx="minor">
+            <a:schemeClr val="lt1"/>
+          </a:fontRef>
+        </p:style>
+        <p:txBody>
+          <a:bodyPr rtlCol="0" anchor="ctr"/>
+          <a:lstStyle/>
+          <a:p>
+            <a:pPr algn="ctr"/>
+            <a:r>
+              <a:rPr lang="en-US" dirty="0"/>
+              <a:t>6</a:t>
+            </a:r>
+          </a:p>
+        </p:txBody>
+      </p:sp>
+      <p:sp>
+        <p:nvSpPr>
+          <p:cNvPr id="29" name="Rectangle 28"/>
+          <p:cNvSpPr/>
+          <p:nvPr/>
+        </p:nvSpPr>
+        <p:spPr>
+          <a:xfrm>
+            <a:off x="5851019" y="4580921"/>
+            <a:ext cx="371040" cy="399530"/>
+          </a:xfrm>
+          <a:prstGeom prst="rect">
+            <a:avLst/>
+          </a:prstGeom>
+          <a:solidFill>
+            <a:schemeClr val="accent2"/>
+          </a:solidFill>
+        </p:spPr>
+        <p:style>
+          <a:lnRef idx="1">
+            <a:schemeClr val="accent1"/>
+          </a:lnRef>
+          <a:fillRef idx="3">
+            <a:schemeClr val="accent1"/>
+          </a:fillRef>
+          <a:effectRef idx="2">
+            <a:schemeClr val="accent1"/>
+          </a:effectRef>
+          <a:fontRef idx="minor">
+            <a:schemeClr val="lt1"/>
+          </a:fontRef>
+        </p:style>
+        <p:txBody>
+          <a:bodyPr rtlCol="0" anchor="ctr"/>
+          <a:lstStyle/>
+          <a:p>
+            <a:pPr algn="ctr"/>
+            <a:r>
+              <a:rPr lang="en-US" dirty="0" smtClean="0"/>
+              <a:t>1</a:t>
+            </a:r>
+            <a:endParaRPr lang="en-US" dirty="0"/>
+          </a:p>
+        </p:txBody>
+      </p:sp>
+      <p:sp>
+        <p:nvSpPr>
+          <p:cNvPr id="30" name="Rectangle 29"/>
+          <p:cNvSpPr/>
+          <p:nvPr/>
+        </p:nvSpPr>
+        <p:spPr>
+          <a:xfrm>
+            <a:off x="6341338" y="5579746"/>
+            <a:ext cx="371040" cy="399530"/>
+          </a:xfrm>
+          <a:prstGeom prst="rect">
+            <a:avLst/>
+          </a:prstGeom>
+          <a:solidFill>
+            <a:schemeClr val="accent3"/>
+          </a:solidFill>
+        </p:spPr>
+        <p:style>
+          <a:lnRef idx="1">
+            <a:schemeClr val="accent1"/>
+          </a:lnRef>
+          <a:fillRef idx="3">
+            <a:schemeClr val="accent1"/>
+          </a:fillRef>
+          <a:effectRef idx="2">
+            <a:schemeClr val="accent1"/>
+          </a:effectRef>
+          <a:fontRef idx="minor">
+            <a:schemeClr val="lt1"/>
+          </a:fontRef>
+        </p:style>
+        <p:txBody>
+          <a:bodyPr rtlCol="0" anchor="ctr"/>
+          <a:lstStyle/>
+          <a:p>
+            <a:pPr algn="ctr"/>
+            <a:r>
+              <a:rPr lang="en-US" dirty="0" smtClean="0"/>
+              <a:t>2</a:t>
+            </a:r>
+            <a:endParaRPr lang="en-US" dirty="0"/>
+          </a:p>
+        </p:txBody>
+      </p:sp>
+      <p:sp>
+        <p:nvSpPr>
+          <p:cNvPr id="31" name="Rectangle 30"/>
+          <p:cNvSpPr/>
+          <p:nvPr/>
+        </p:nvSpPr>
+        <p:spPr>
+          <a:xfrm>
+            <a:off x="6822501" y="5589457"/>
+            <a:ext cx="371040" cy="399530"/>
+          </a:xfrm>
+          <a:prstGeom prst="rect">
+            <a:avLst/>
+          </a:prstGeom>
+          <a:solidFill>
+            <a:schemeClr val="accent3"/>
+          </a:solidFill>
+        </p:spPr>
+        <p:style>
+          <a:lnRef idx="1">
+            <a:schemeClr val="accent1"/>
+          </a:lnRef>
+          <a:fillRef idx="3">
+            <a:schemeClr val="accent1"/>
+          </a:fillRef>
+          <a:effectRef idx="2">
+            <a:schemeClr val="accent1"/>
+          </a:effectRef>
+          <a:fontRef idx="minor">
+            <a:schemeClr val="lt1"/>
+          </a:fontRef>
+        </p:style>
+        <p:txBody>
+          <a:bodyPr rtlCol="0" anchor="ctr"/>
+          <a:lstStyle/>
+          <a:p>
+            <a:pPr algn="ctr"/>
+            <a:r>
+              <a:rPr lang="en-US" dirty="0" smtClean="0"/>
+              <a:t>3</a:t>
+            </a:r>
+            <a:endParaRPr lang="en-US" dirty="0"/>
+          </a:p>
+        </p:txBody>
+      </p:sp>
+      <p:sp>
+        <p:nvSpPr>
+          <p:cNvPr id="32" name="Rectangle 31"/>
+          <p:cNvSpPr/>
+          <p:nvPr/>
+        </p:nvSpPr>
+        <p:spPr>
+          <a:xfrm>
+            <a:off x="7298014" y="5589457"/>
+            <a:ext cx="371040" cy="399530"/>
+          </a:xfrm>
+          <a:prstGeom prst="rect">
+            <a:avLst/>
+          </a:prstGeom>
+          <a:solidFill>
+            <a:schemeClr val="accent3"/>
+          </a:solidFill>
+        </p:spPr>
+        <p:style>
+          <a:lnRef idx="1">
+            <a:schemeClr val="accent1"/>
+          </a:lnRef>
+          <a:fillRef idx="3">
+            <a:schemeClr val="accent1"/>
+          </a:fillRef>
+          <a:effectRef idx="2">
+            <a:schemeClr val="accent1"/>
+          </a:effectRef>
+          <a:fontRef idx="minor">
+            <a:schemeClr val="lt1"/>
+          </a:fontRef>
+        </p:style>
+        <p:txBody>
+          <a:bodyPr rtlCol="0" anchor="ctr"/>
+          <a:lstStyle/>
+          <a:p>
+            <a:pPr algn="ctr"/>
+            <a:r>
+              <a:rPr lang="en-US" dirty="0"/>
+              <a:t>4</a:t>
+            </a:r>
+          </a:p>
+        </p:txBody>
+      </p:sp>
+      <p:sp>
+        <p:nvSpPr>
+          <p:cNvPr id="33" name="Rectangle 32"/>
+          <p:cNvSpPr/>
+          <p:nvPr/>
+        </p:nvSpPr>
+        <p:spPr>
+          <a:xfrm>
+            <a:off x="7788336" y="5589457"/>
+            <a:ext cx="371040" cy="399530"/>
+          </a:xfrm>
+          <a:prstGeom prst="rect">
+            <a:avLst/>
+          </a:prstGeom>
+          <a:solidFill>
+            <a:schemeClr val="accent3"/>
+          </a:solidFill>
+        </p:spPr>
+        <p:style>
+          <a:lnRef idx="1">
+            <a:schemeClr val="accent1"/>
+          </a:lnRef>
+          <a:fillRef idx="3">
+            <a:schemeClr val="accent1"/>
+          </a:fillRef>
+          <a:effectRef idx="2">
+            <a:schemeClr val="accent1"/>
+          </a:effectRef>
+          <a:fontRef idx="minor">
+            <a:schemeClr val="lt1"/>
+          </a:fontRef>
+        </p:style>
+        <p:txBody>
+          <a:bodyPr rtlCol="0" anchor="ctr"/>
+          <a:lstStyle/>
+          <a:p>
+            <a:pPr algn="ctr"/>
+            <a:r>
+              <a:rPr lang="en-US" dirty="0"/>
+              <a:t>5</a:t>
+            </a:r>
+          </a:p>
+        </p:txBody>
+      </p:sp>
+      <p:sp>
+        <p:nvSpPr>
+          <p:cNvPr id="34" name="Rectangle 33"/>
+          <p:cNvSpPr/>
+          <p:nvPr/>
+        </p:nvSpPr>
+        <p:spPr>
+          <a:xfrm>
+            <a:off x="8273006" y="5589457"/>
+            <a:ext cx="371040" cy="399530"/>
+          </a:xfrm>
+          <a:prstGeom prst="rect">
+            <a:avLst/>
+          </a:prstGeom>
+          <a:solidFill>
+            <a:schemeClr val="accent3"/>
+          </a:solidFill>
+        </p:spPr>
+        <p:style>
+          <a:lnRef idx="1">
+            <a:schemeClr val="accent1"/>
+          </a:lnRef>
+          <a:fillRef idx="3">
+            <a:schemeClr val="accent1"/>
+          </a:fillRef>
+          <a:effectRef idx="2">
+            <a:schemeClr val="accent1"/>
+          </a:effectRef>
+          <a:fontRef idx="minor">
+            <a:schemeClr val="lt1"/>
+          </a:fontRef>
+        </p:style>
+        <p:txBody>
+          <a:bodyPr rtlCol="0" anchor="ctr"/>
+          <a:lstStyle/>
+          <a:p>
+            <a:pPr algn="ctr"/>
+            <a:r>
+              <a:rPr lang="en-US" dirty="0"/>
+              <a:t>6</a:t>
+            </a:r>
+          </a:p>
+        </p:txBody>
+      </p:sp>
+      <p:sp>
+        <p:nvSpPr>
+          <p:cNvPr id="35" name="Rectangle 34"/>
+          <p:cNvSpPr/>
+          <p:nvPr/>
+        </p:nvSpPr>
+        <p:spPr>
+          <a:xfrm>
+            <a:off x="5851019" y="5579746"/>
+            <a:ext cx="371040" cy="399530"/>
+          </a:xfrm>
+          <a:prstGeom prst="rect">
+            <a:avLst/>
+          </a:prstGeom>
+          <a:solidFill>
+            <a:schemeClr val="accent3"/>
+          </a:solidFill>
+        </p:spPr>
+        <p:style>
+          <a:lnRef idx="1">
+            <a:schemeClr val="accent1"/>
+          </a:lnRef>
+          <a:fillRef idx="3">
+            <a:schemeClr val="accent1"/>
+          </a:fillRef>
+          <a:effectRef idx="2">
+            <a:schemeClr val="accent1"/>
+          </a:effectRef>
+          <a:fontRef idx="minor">
+            <a:schemeClr val="lt1"/>
+          </a:fontRef>
+        </p:style>
+        <p:txBody>
+          <a:bodyPr rtlCol="0" anchor="ctr"/>
+          <a:lstStyle/>
+          <a:p>
+            <a:pPr algn="ctr"/>
+            <a:r>
+              <a:rPr lang="en-US" dirty="0" smtClean="0"/>
+              <a:t>1</a:t>
+            </a:r>
+            <a:endParaRPr lang="en-US" dirty="0"/>
+          </a:p>
+        </p:txBody>
+      </p:sp>
+      <p:sp>
+        <p:nvSpPr>
+          <p:cNvPr id="11" name="TextBox 10"/>
+          <p:cNvSpPr txBox="1"/>
+          <p:nvPr/>
+        </p:nvSpPr>
+        <p:spPr>
+          <a:xfrm>
+            <a:off x="5866109" y="1868399"/>
+            <a:ext cx="2919264" cy="369332"/>
+          </a:xfrm>
+          <a:prstGeom prst="rect">
+            <a:avLst/>
+          </a:prstGeom>
+          <a:noFill/>
+        </p:spPr>
+        <p:txBody>
+          <a:bodyPr wrap="none" rtlCol="0">
+            <a:spAutoFit/>
+          </a:bodyPr>
+          <a:lstStyle/>
+          <a:p>
+            <a:r>
+              <a:rPr lang="en-US" b="1" dirty="0" smtClean="0"/>
+              <a:t>2 server minimum-in-service</a:t>
+            </a:r>
+            <a:endParaRPr lang="en-US" b="1" dirty="0"/>
+          </a:p>
+        </p:txBody>
+      </p:sp>
+      <p:cxnSp>
+        <p:nvCxnSpPr>
+          <p:cNvPr id="37" name="Straight Arrow Connector 36"/>
+          <p:cNvCxnSpPr/>
+          <p:nvPr/>
+        </p:nvCxnSpPr>
+        <p:spPr>
+          <a:xfrm>
+            <a:off x="7193541" y="3167700"/>
+            <a:ext cx="0" cy="271110"/>
+          </a:xfrm>
+          <a:prstGeom prst="straightConnector1">
+            <a:avLst/>
+          </a:prstGeom>
+          <a:ln>
+            <a:tailEnd type="arrow"/>
+          </a:ln>
+        </p:spPr>
+        <p:style>
+          <a:lnRef idx="2">
+            <a:schemeClr val="accent1"/>
+          </a:lnRef>
+          <a:fillRef idx="0">
+            <a:schemeClr val="accent1"/>
+          </a:fillRef>
+          <a:effectRef idx="1">
+            <a:schemeClr val="accent1"/>
+          </a:effectRef>
+          <a:fontRef idx="minor">
+            <a:schemeClr val="tx1"/>
+          </a:fontRef>
+        </p:style>
+      </p:cxnSp>
+      <p:cxnSp>
+        <p:nvCxnSpPr>
+          <p:cNvPr id="38" name="Straight Arrow Connector 37"/>
+          <p:cNvCxnSpPr/>
+          <p:nvPr/>
+        </p:nvCxnSpPr>
+        <p:spPr>
+          <a:xfrm>
+            <a:off x="7193541" y="4176235"/>
+            <a:ext cx="0" cy="271110"/>
+          </a:xfrm>
+          <a:prstGeom prst="straightConnector1">
+            <a:avLst/>
+          </a:prstGeom>
+          <a:ln>
+            <a:tailEnd type="arrow"/>
+          </a:ln>
+        </p:spPr>
+        <p:style>
+          <a:lnRef idx="2">
+            <a:schemeClr val="accent1"/>
+          </a:lnRef>
+          <a:fillRef idx="0">
+            <a:schemeClr val="accent1"/>
+          </a:fillRef>
+          <a:effectRef idx="1">
+            <a:schemeClr val="accent1"/>
+          </a:effectRef>
+          <a:fontRef idx="minor">
+            <a:schemeClr val="tx1"/>
+          </a:fontRef>
+        </p:style>
+      </p:cxnSp>
+      <p:cxnSp>
+        <p:nvCxnSpPr>
+          <p:cNvPr id="39" name="Straight Arrow Connector 38"/>
+          <p:cNvCxnSpPr/>
+          <p:nvPr/>
+        </p:nvCxnSpPr>
+        <p:spPr>
+          <a:xfrm>
+            <a:off x="7193541" y="5203597"/>
+            <a:ext cx="0" cy="271110"/>
+          </a:xfrm>
+          <a:prstGeom prst="straightConnector1">
+            <a:avLst/>
+          </a:prstGeom>
+          <a:ln>
+            <a:tailEnd type="arrow"/>
+          </a:ln>
+        </p:spPr>
+        <p:style>
+          <a:lnRef idx="2">
+            <a:schemeClr val="accent1"/>
+          </a:lnRef>
+          <a:fillRef idx="0">
+            <a:schemeClr val="accent1"/>
+          </a:fillRef>
+          <a:effectRef idx="1">
+            <a:schemeClr val="accent1"/>
+          </a:effectRef>
+          <a:fontRef idx="minor">
+            <a:schemeClr val="tx1"/>
+          </a:fontRef>
+        </p:style>
+      </p:cxnSp>
+      <p:sp>
+        <p:nvSpPr>
+          <p:cNvPr id="40" name="TextBox 39"/>
+          <p:cNvSpPr txBox="1"/>
+          <p:nvPr/>
+        </p:nvSpPr>
+        <p:spPr>
+          <a:xfrm>
+            <a:off x="7004974" y="3268413"/>
+            <a:ext cx="1539116" cy="369332"/>
+          </a:xfrm>
+          <a:prstGeom prst="rect">
+            <a:avLst/>
+          </a:prstGeom>
+          <a:noFill/>
+        </p:spPr>
+        <p:txBody>
+          <a:bodyPr wrap="none" rtlCol="0">
+            <a:spAutoFit/>
+          </a:bodyPr>
+          <a:lstStyle/>
+          <a:p>
+            <a:r>
+              <a:rPr lang="en-US" dirty="0" smtClean="0"/>
+              <a:t>----Updating---</a:t>
+            </a:r>
+            <a:endParaRPr lang="en-US" dirty="0"/>
+          </a:p>
+        </p:txBody>
+      </p:sp>
+      <p:sp>
+        <p:nvSpPr>
+          <p:cNvPr id="41" name="TextBox 40"/>
+          <p:cNvSpPr txBox="1"/>
+          <p:nvPr/>
+        </p:nvSpPr>
+        <p:spPr>
+          <a:xfrm>
+            <a:off x="5757303" y="4262679"/>
+            <a:ext cx="1044427" cy="369332"/>
+          </a:xfrm>
+          <a:prstGeom prst="rect">
+            <a:avLst/>
+          </a:prstGeom>
+          <a:noFill/>
+        </p:spPr>
+        <p:txBody>
+          <a:bodyPr wrap="none" rtlCol="0">
+            <a:spAutoFit/>
+          </a:bodyPr>
+          <a:lstStyle/>
+          <a:p>
+            <a:r>
+              <a:rPr lang="en-US" dirty="0" smtClean="0"/>
+              <a:t>Updating</a:t>
+            </a:r>
+            <a:endParaRPr lang="en-US" dirty="0"/>
+          </a:p>
+        </p:txBody>
+      </p:sp>
+    </p:spTree>
+    <p:extLst>
+      <p:ext uri="{BB962C8B-B14F-4D97-AF65-F5344CB8AC3E}">
+        <p14:creationId xmlns:p14="http://schemas.microsoft.com/office/powerpoint/2010/main" val="1322324106"/>
+      </p:ext>
+    </p:extLst>
+  </p:cSld>
+  <p:clrMapOvr>
+    <a:masterClrMapping/>
+  </p:clrMapOvr>
+</p:sld>
+</file>
+
+<file path=ppt/slides/slide7.xml><?xml version="1.0" encoding="utf-8"?>
+<p:sld xmlns:a="http://schemas.openxmlformats.org/drawingml/2006/main" xmlns:r="http://schemas.openxmlformats.org/officeDocument/2006/relationships" xmlns:p="http://schemas.openxmlformats.org/presentationml/2006/main">
+  <p:cSld>
+    <p:spTree>
+      <p:nvGrpSpPr>
+        <p:cNvPr id="1" name=""/>
+        <p:cNvGrpSpPr/>
+        <p:nvPr/>
+      </p:nvGrpSpPr>
+      <p:grpSpPr>
+        <a:xfrm>
+          <a:off x="0" y="0"/>
+          <a:ext cx="0" cy="0"/>
+          <a:chOff x="0" y="0"/>
+          <a:chExt cx="0" cy="0"/>
+        </a:xfrm>
+      </p:grpSpPr>
+      <p:sp>
+        <p:nvSpPr>
+          <p:cNvPr id="2" name="Title 1"/>
+          <p:cNvSpPr>
+            <a:spLocks noGrp="1"/>
+          </p:cNvSpPr>
+          <p:nvPr>
+            <p:ph type="title"/>
+          </p:nvPr>
+        </p:nvSpPr>
+        <p:spPr/>
+        <p:txBody>
+          <a:bodyPr/>
+          <a:lstStyle/>
+          <a:p>
+            <a:r>
+              <a:rPr lang="en-US" dirty="0" smtClean="0"/>
+              <a:t>Deployment strategies</a:t>
+            </a:r>
+            <a:endParaRPr lang="en-US" dirty="0"/>
+          </a:p>
+        </p:txBody>
+      </p:sp>
+      <p:sp>
+        <p:nvSpPr>
+          <p:cNvPr id="3" name="Content Placeholder 2"/>
+          <p:cNvSpPr>
+            <a:spLocks noGrp="1"/>
+          </p:cNvSpPr>
+          <p:nvPr>
+            <p:ph idx="1"/>
+          </p:nvPr>
+        </p:nvSpPr>
+        <p:spPr>
+          <a:xfrm>
+            <a:off x="457200" y="1600200"/>
+            <a:ext cx="5051320" cy="4806545"/>
+          </a:xfrm>
+        </p:spPr>
+        <p:txBody>
+          <a:bodyPr>
+            <a:normAutofit fontScale="85000" lnSpcReduction="20000"/>
+          </a:bodyPr>
+          <a:lstStyle/>
+          <a:p>
+            <a:r>
+              <a:rPr lang="en-US" dirty="0" smtClean="0"/>
+              <a:t>Rolling (Canary) Deployment</a:t>
+            </a:r>
+          </a:p>
+          <a:p>
+            <a:pPr lvl="1"/>
+            <a:r>
+              <a:rPr lang="en-US" dirty="0" smtClean="0"/>
+              <a:t>Application is deployed to a specified number of servers at each stage</a:t>
+            </a:r>
+          </a:p>
+          <a:p>
+            <a:pPr lvl="1"/>
+            <a:r>
+              <a:rPr lang="en-US" dirty="0" smtClean="0"/>
+              <a:t>Benefits:</a:t>
+            </a:r>
+          </a:p>
+          <a:p>
+            <a:pPr lvl="2"/>
+            <a:r>
+              <a:rPr lang="en-US" dirty="0" smtClean="0"/>
+              <a:t>Low risk strategy</a:t>
+            </a:r>
+          </a:p>
+          <a:p>
+            <a:pPr lvl="2"/>
+            <a:r>
+              <a:rPr lang="en-US" dirty="0" smtClean="0"/>
+              <a:t>Maintains health of service</a:t>
+            </a:r>
+          </a:p>
+          <a:p>
+            <a:pPr lvl="2"/>
+            <a:r>
+              <a:rPr lang="en-US" dirty="0" smtClean="0"/>
+              <a:t>Minimize user impact through early service issue detection</a:t>
+            </a:r>
+          </a:p>
+          <a:p>
+            <a:pPr lvl="1"/>
+            <a:r>
+              <a:rPr lang="en-US" dirty="0" smtClean="0"/>
+              <a:t>Problems:</a:t>
+            </a:r>
+          </a:p>
+          <a:p>
+            <a:pPr lvl="2"/>
+            <a:r>
+              <a:rPr lang="en-US" dirty="0" smtClean="0"/>
+              <a:t>Requires significant automation and orchestration capability</a:t>
+            </a:r>
+          </a:p>
+          <a:p>
+            <a:pPr lvl="2"/>
+            <a:r>
+              <a:rPr lang="en-US" dirty="0" smtClean="0"/>
+              <a:t>Slow, depending on number of servers updated at each stage</a:t>
+            </a:r>
+          </a:p>
+          <a:p>
+            <a:pPr marL="914400" lvl="2" indent="0">
+              <a:buNone/>
+            </a:pPr>
+            <a:endParaRPr lang="en-US" dirty="0" smtClean="0"/>
+          </a:p>
+        </p:txBody>
+      </p:sp>
+      <p:sp>
+        <p:nvSpPr>
+          <p:cNvPr id="6" name="Rectangle 5"/>
+          <p:cNvSpPr/>
+          <p:nvPr/>
+        </p:nvSpPr>
+        <p:spPr>
+          <a:xfrm>
+            <a:off x="6341338" y="2630637"/>
+            <a:ext cx="371040" cy="399530"/>
+          </a:xfrm>
+          <a:prstGeom prst="rect">
+            <a:avLst/>
+          </a:prstGeom>
+          <a:solidFill>
+            <a:schemeClr val="accent5"/>
+          </a:solidFill>
+        </p:spPr>
+        <p:style>
+          <a:lnRef idx="1">
+            <a:schemeClr val="accent1"/>
+          </a:lnRef>
+          <a:fillRef idx="3">
+            <a:schemeClr val="accent1"/>
+          </a:fillRef>
+          <a:effectRef idx="2">
+            <a:schemeClr val="accent1"/>
+          </a:effectRef>
+          <a:fontRef idx="minor">
+            <a:schemeClr val="lt1"/>
+          </a:fontRef>
+        </p:style>
+        <p:txBody>
+          <a:bodyPr rtlCol="0" anchor="ctr"/>
+          <a:lstStyle/>
+          <a:p>
+            <a:pPr algn="ctr"/>
+            <a:r>
+              <a:rPr lang="en-US" dirty="0" smtClean="0"/>
+              <a:t>2</a:t>
+            </a:r>
+            <a:endParaRPr lang="en-US" dirty="0"/>
+          </a:p>
+        </p:txBody>
+      </p:sp>
+      <p:sp>
+        <p:nvSpPr>
+          <p:cNvPr id="13" name="Rectangle 12"/>
+          <p:cNvSpPr/>
+          <p:nvPr/>
+        </p:nvSpPr>
+        <p:spPr>
+          <a:xfrm>
+            <a:off x="6822501" y="2640348"/>
+            <a:ext cx="371040" cy="399530"/>
+          </a:xfrm>
+          <a:prstGeom prst="rect">
+            <a:avLst/>
+          </a:prstGeom>
+          <a:solidFill>
+            <a:schemeClr val="accent5"/>
+          </a:solidFill>
+        </p:spPr>
+        <p:style>
+          <a:lnRef idx="1">
+            <a:schemeClr val="accent1"/>
+          </a:lnRef>
+          <a:fillRef idx="3">
+            <a:schemeClr val="accent1"/>
+          </a:fillRef>
+          <a:effectRef idx="2">
+            <a:schemeClr val="accent1"/>
+          </a:effectRef>
+          <a:fontRef idx="minor">
+            <a:schemeClr val="lt1"/>
+          </a:fontRef>
+        </p:style>
+        <p:txBody>
+          <a:bodyPr rtlCol="0" anchor="ctr"/>
+          <a:lstStyle/>
+          <a:p>
+            <a:pPr algn="ctr"/>
+            <a:r>
+              <a:rPr lang="en-US" dirty="0" smtClean="0"/>
+              <a:t>3</a:t>
+            </a:r>
+            <a:endParaRPr lang="en-US" dirty="0"/>
+          </a:p>
+        </p:txBody>
+      </p:sp>
+      <p:sp>
+        <p:nvSpPr>
+          <p:cNvPr id="14" name="Rectangle 13"/>
+          <p:cNvSpPr/>
+          <p:nvPr/>
+        </p:nvSpPr>
+        <p:spPr>
+          <a:xfrm>
+            <a:off x="7298014" y="2640348"/>
+            <a:ext cx="371040" cy="399530"/>
+          </a:xfrm>
+          <a:prstGeom prst="rect">
+            <a:avLst/>
+          </a:prstGeom>
+          <a:solidFill>
+            <a:schemeClr val="accent5"/>
+          </a:solidFill>
+        </p:spPr>
+        <p:style>
+          <a:lnRef idx="1">
+            <a:schemeClr val="accent1"/>
+          </a:lnRef>
+          <a:fillRef idx="3">
+            <a:schemeClr val="accent1"/>
+          </a:fillRef>
+          <a:effectRef idx="2">
+            <a:schemeClr val="accent1"/>
+          </a:effectRef>
+          <a:fontRef idx="minor">
+            <a:schemeClr val="lt1"/>
+          </a:fontRef>
+        </p:style>
+        <p:txBody>
+          <a:bodyPr rtlCol="0" anchor="ctr"/>
+          <a:lstStyle/>
+          <a:p>
+            <a:pPr algn="ctr"/>
+            <a:r>
+              <a:rPr lang="en-US" dirty="0"/>
+              <a:t>4</a:t>
+            </a:r>
+          </a:p>
+        </p:txBody>
+      </p:sp>
+      <p:sp>
+        <p:nvSpPr>
+          <p:cNvPr id="15" name="Rectangle 14"/>
+          <p:cNvSpPr/>
+          <p:nvPr/>
+        </p:nvSpPr>
+        <p:spPr>
+          <a:xfrm>
+            <a:off x="7788336" y="2640348"/>
+            <a:ext cx="371040" cy="399530"/>
+          </a:xfrm>
+          <a:prstGeom prst="rect">
+            <a:avLst/>
+          </a:prstGeom>
+          <a:solidFill>
+            <a:schemeClr val="accent5"/>
+          </a:solidFill>
+        </p:spPr>
+        <p:style>
+          <a:lnRef idx="1">
+            <a:schemeClr val="accent1"/>
+          </a:lnRef>
+          <a:fillRef idx="3">
+            <a:schemeClr val="accent1"/>
+          </a:fillRef>
+          <a:effectRef idx="2">
+            <a:schemeClr val="accent1"/>
+          </a:effectRef>
+          <a:fontRef idx="minor">
+            <a:schemeClr val="lt1"/>
+          </a:fontRef>
+        </p:style>
+        <p:txBody>
+          <a:bodyPr rtlCol="0" anchor="ctr"/>
+          <a:lstStyle/>
+          <a:p>
+            <a:pPr algn="ctr"/>
+            <a:r>
+              <a:rPr lang="en-US" dirty="0"/>
+              <a:t>5</a:t>
+            </a:r>
+          </a:p>
+        </p:txBody>
+      </p:sp>
+      <p:sp>
+        <p:nvSpPr>
+          <p:cNvPr id="16" name="Rectangle 15"/>
+          <p:cNvSpPr/>
+          <p:nvPr/>
+        </p:nvSpPr>
+        <p:spPr>
+          <a:xfrm>
+            <a:off x="8273006" y="2640348"/>
+            <a:ext cx="371040" cy="399530"/>
+          </a:xfrm>
+          <a:prstGeom prst="rect">
+            <a:avLst/>
+          </a:prstGeom>
+          <a:solidFill>
+            <a:schemeClr val="accent5"/>
+          </a:solidFill>
+        </p:spPr>
+        <p:style>
+          <a:lnRef idx="1">
+            <a:schemeClr val="accent1"/>
+          </a:lnRef>
+          <a:fillRef idx="3">
+            <a:schemeClr val="accent1"/>
+          </a:fillRef>
+          <a:effectRef idx="2">
+            <a:schemeClr val="accent1"/>
+          </a:effectRef>
+          <a:fontRef idx="minor">
+            <a:schemeClr val="lt1"/>
+          </a:fontRef>
+        </p:style>
+        <p:txBody>
+          <a:bodyPr rtlCol="0" anchor="ctr"/>
+          <a:lstStyle/>
+          <a:p>
+            <a:pPr algn="ctr"/>
+            <a:r>
+              <a:rPr lang="en-US" dirty="0"/>
+              <a:t>6</a:t>
+            </a:r>
+          </a:p>
+        </p:txBody>
+      </p:sp>
+      <p:sp>
+        <p:nvSpPr>
+          <p:cNvPr id="17" name="Rectangle 16"/>
+          <p:cNvSpPr/>
+          <p:nvPr/>
+        </p:nvSpPr>
+        <p:spPr>
+          <a:xfrm>
+            <a:off x="5851019" y="2630637"/>
+            <a:ext cx="371040" cy="399530"/>
+          </a:xfrm>
+          <a:prstGeom prst="rect">
+            <a:avLst/>
+          </a:prstGeom>
+          <a:solidFill>
+            <a:schemeClr val="accent5"/>
+          </a:solidFill>
+        </p:spPr>
+        <p:style>
+          <a:lnRef idx="1">
+            <a:schemeClr val="accent1"/>
+          </a:lnRef>
+          <a:fillRef idx="3">
+            <a:schemeClr val="accent1"/>
+          </a:fillRef>
+          <a:effectRef idx="2">
+            <a:schemeClr val="accent1"/>
+          </a:effectRef>
+          <a:fontRef idx="minor">
+            <a:schemeClr val="lt1"/>
+          </a:fontRef>
+        </p:style>
+        <p:txBody>
+          <a:bodyPr rtlCol="0" anchor="ctr"/>
+          <a:lstStyle/>
+          <a:p>
+            <a:pPr algn="ctr"/>
+            <a:r>
+              <a:rPr lang="en-US" dirty="0" smtClean="0"/>
+              <a:t>1</a:t>
+            </a:r>
+            <a:endParaRPr lang="en-US" dirty="0"/>
+          </a:p>
+        </p:txBody>
+      </p:sp>
+      <p:sp>
+        <p:nvSpPr>
+          <p:cNvPr id="18" name="Rectangle 17"/>
+          <p:cNvSpPr/>
+          <p:nvPr/>
+        </p:nvSpPr>
+        <p:spPr>
+          <a:xfrm>
+            <a:off x="6341338" y="3567828"/>
+            <a:ext cx="371040" cy="399530"/>
+          </a:xfrm>
+          <a:prstGeom prst="rect">
+            <a:avLst/>
+          </a:prstGeom>
+          <a:solidFill>
+            <a:schemeClr val="accent2"/>
+          </a:solidFill>
+        </p:spPr>
+        <p:style>
+          <a:lnRef idx="1">
+            <a:schemeClr val="accent1"/>
+          </a:lnRef>
+          <a:fillRef idx="3">
+            <a:schemeClr val="accent1"/>
+          </a:fillRef>
+          <a:effectRef idx="2">
+            <a:schemeClr val="accent1"/>
+          </a:effectRef>
+          <a:fontRef idx="minor">
+            <a:schemeClr val="lt1"/>
+          </a:fontRef>
+        </p:style>
+        <p:txBody>
+          <a:bodyPr rtlCol="0" anchor="ctr"/>
+          <a:lstStyle/>
+          <a:p>
+            <a:pPr algn="ctr"/>
+            <a:r>
+              <a:rPr lang="en-US" dirty="0" smtClean="0"/>
+              <a:t>2</a:t>
+            </a:r>
+            <a:endParaRPr lang="en-US" dirty="0"/>
+          </a:p>
+        </p:txBody>
+      </p:sp>
+      <p:sp>
+        <p:nvSpPr>
+          <p:cNvPr id="19" name="Rectangle 18"/>
+          <p:cNvSpPr/>
+          <p:nvPr/>
+        </p:nvSpPr>
+        <p:spPr>
+          <a:xfrm>
+            <a:off x="6822501" y="3577539"/>
+            <a:ext cx="371040" cy="399530"/>
+          </a:xfrm>
+          <a:prstGeom prst="rect">
+            <a:avLst/>
+          </a:prstGeom>
+          <a:solidFill>
+            <a:schemeClr val="accent5"/>
+          </a:solidFill>
+        </p:spPr>
+        <p:style>
+          <a:lnRef idx="1">
+            <a:schemeClr val="accent1"/>
+          </a:lnRef>
+          <a:fillRef idx="3">
+            <a:schemeClr val="accent1"/>
+          </a:fillRef>
+          <a:effectRef idx="2">
+            <a:schemeClr val="accent1"/>
+          </a:effectRef>
+          <a:fontRef idx="minor">
+            <a:schemeClr val="lt1"/>
+          </a:fontRef>
+        </p:style>
+        <p:txBody>
+          <a:bodyPr rtlCol="0" anchor="ctr"/>
+          <a:lstStyle/>
+          <a:p>
+            <a:pPr algn="ctr"/>
+            <a:r>
+              <a:rPr lang="en-US" dirty="0" smtClean="0"/>
+              <a:t>3</a:t>
+            </a:r>
+            <a:endParaRPr lang="en-US" dirty="0"/>
+          </a:p>
+        </p:txBody>
+      </p:sp>
+      <p:sp>
+        <p:nvSpPr>
+          <p:cNvPr id="20" name="Rectangle 19"/>
+          <p:cNvSpPr/>
+          <p:nvPr/>
+        </p:nvSpPr>
+        <p:spPr>
+          <a:xfrm>
+            <a:off x="7298014" y="3577539"/>
+            <a:ext cx="371040" cy="399530"/>
+          </a:xfrm>
+          <a:prstGeom prst="rect">
+            <a:avLst/>
+          </a:prstGeom>
+          <a:solidFill>
+            <a:schemeClr val="accent5"/>
+          </a:solidFill>
+        </p:spPr>
+        <p:style>
+          <a:lnRef idx="1">
+            <a:schemeClr val="accent1"/>
+          </a:lnRef>
+          <a:fillRef idx="3">
+            <a:schemeClr val="accent1"/>
+          </a:fillRef>
+          <a:effectRef idx="2">
+            <a:schemeClr val="accent1"/>
+          </a:effectRef>
+          <a:fontRef idx="minor">
+            <a:schemeClr val="lt1"/>
+          </a:fontRef>
+        </p:style>
+        <p:txBody>
+          <a:bodyPr rtlCol="0" anchor="ctr"/>
+          <a:lstStyle/>
+          <a:p>
+            <a:pPr algn="ctr"/>
+            <a:r>
+              <a:rPr lang="en-US" dirty="0"/>
+              <a:t>4</a:t>
+            </a:r>
+          </a:p>
+        </p:txBody>
+      </p:sp>
+      <p:sp>
+        <p:nvSpPr>
+          <p:cNvPr id="21" name="Rectangle 20"/>
+          <p:cNvSpPr/>
+          <p:nvPr/>
+        </p:nvSpPr>
+        <p:spPr>
+          <a:xfrm>
+            <a:off x="7788336" y="3577539"/>
+            <a:ext cx="371040" cy="399530"/>
+          </a:xfrm>
+          <a:prstGeom prst="rect">
+            <a:avLst/>
+          </a:prstGeom>
+          <a:solidFill>
+            <a:schemeClr val="accent5"/>
+          </a:solidFill>
+        </p:spPr>
+        <p:style>
+          <a:lnRef idx="1">
+            <a:schemeClr val="accent1"/>
+          </a:lnRef>
+          <a:fillRef idx="3">
+            <a:schemeClr val="accent1"/>
+          </a:fillRef>
+          <a:effectRef idx="2">
+            <a:schemeClr val="accent1"/>
+          </a:effectRef>
+          <a:fontRef idx="minor">
+            <a:schemeClr val="lt1"/>
+          </a:fontRef>
+        </p:style>
+        <p:txBody>
+          <a:bodyPr rtlCol="0" anchor="ctr"/>
+          <a:lstStyle/>
+          <a:p>
+            <a:pPr algn="ctr"/>
+            <a:r>
+              <a:rPr lang="en-US" dirty="0"/>
+              <a:t>5</a:t>
+            </a:r>
+          </a:p>
+        </p:txBody>
+      </p:sp>
+      <p:sp>
+        <p:nvSpPr>
+          <p:cNvPr id="22" name="Rectangle 21"/>
+          <p:cNvSpPr/>
+          <p:nvPr/>
+        </p:nvSpPr>
+        <p:spPr>
+          <a:xfrm>
+            <a:off x="8273006" y="3577539"/>
+            <a:ext cx="371040" cy="399530"/>
+          </a:xfrm>
+          <a:prstGeom prst="rect">
+            <a:avLst/>
+          </a:prstGeom>
+          <a:solidFill>
+            <a:schemeClr val="accent5"/>
+          </a:solidFill>
+        </p:spPr>
+        <p:style>
+          <a:lnRef idx="1">
+            <a:schemeClr val="accent1"/>
+          </a:lnRef>
+          <a:fillRef idx="3">
+            <a:schemeClr val="accent1"/>
+          </a:fillRef>
+          <a:effectRef idx="2">
+            <a:schemeClr val="accent1"/>
+          </a:effectRef>
+          <a:fontRef idx="minor">
+            <a:schemeClr val="lt1"/>
+          </a:fontRef>
+        </p:style>
+        <p:txBody>
+          <a:bodyPr rtlCol="0" anchor="ctr"/>
+          <a:lstStyle/>
+          <a:p>
+            <a:pPr algn="ctr"/>
+            <a:r>
+              <a:rPr lang="en-US" dirty="0"/>
+              <a:t>6</a:t>
+            </a:r>
+          </a:p>
+        </p:txBody>
+      </p:sp>
+      <p:sp>
+        <p:nvSpPr>
+          <p:cNvPr id="23" name="Rectangle 22"/>
+          <p:cNvSpPr/>
+          <p:nvPr/>
+        </p:nvSpPr>
+        <p:spPr>
+          <a:xfrm>
+            <a:off x="5851019" y="3567828"/>
+            <a:ext cx="371040" cy="399530"/>
+          </a:xfrm>
+          <a:prstGeom prst="rect">
+            <a:avLst/>
+          </a:prstGeom>
+          <a:solidFill>
+            <a:schemeClr val="accent2"/>
+          </a:solidFill>
+        </p:spPr>
+        <p:style>
+          <a:lnRef idx="1">
+            <a:schemeClr val="accent1"/>
+          </a:lnRef>
+          <a:fillRef idx="3">
+            <a:schemeClr val="accent1"/>
+          </a:fillRef>
+          <a:effectRef idx="2">
+            <a:schemeClr val="accent1"/>
+          </a:effectRef>
+          <a:fontRef idx="minor">
+            <a:schemeClr val="lt1"/>
+          </a:fontRef>
+        </p:style>
+        <p:txBody>
+          <a:bodyPr rtlCol="0" anchor="ctr"/>
+          <a:lstStyle/>
+          <a:p>
+            <a:pPr algn="ctr"/>
+            <a:r>
+              <a:rPr lang="en-US" dirty="0" smtClean="0"/>
+              <a:t>1</a:t>
+            </a:r>
+            <a:endParaRPr lang="en-US" dirty="0"/>
+          </a:p>
+        </p:txBody>
+      </p:sp>
+      <p:sp>
+        <p:nvSpPr>
+          <p:cNvPr id="24" name="Rectangle 23"/>
+          <p:cNvSpPr/>
+          <p:nvPr/>
+        </p:nvSpPr>
+        <p:spPr>
+          <a:xfrm>
+            <a:off x="6341338" y="4580921"/>
+            <a:ext cx="371040" cy="399530"/>
+          </a:xfrm>
+          <a:prstGeom prst="rect">
+            <a:avLst/>
+          </a:prstGeom>
+          <a:solidFill>
+            <a:schemeClr val="accent3"/>
+          </a:solidFill>
+        </p:spPr>
+        <p:style>
+          <a:lnRef idx="1">
+            <a:schemeClr val="accent1"/>
+          </a:lnRef>
+          <a:fillRef idx="3">
+            <a:schemeClr val="accent1"/>
+          </a:fillRef>
+          <a:effectRef idx="2">
+            <a:schemeClr val="accent1"/>
+          </a:effectRef>
+          <a:fontRef idx="minor">
+            <a:schemeClr val="lt1"/>
+          </a:fontRef>
+        </p:style>
+        <p:txBody>
+          <a:bodyPr rtlCol="0" anchor="ctr"/>
+          <a:lstStyle/>
+          <a:p>
+            <a:pPr algn="ctr"/>
+            <a:r>
+              <a:rPr lang="en-US" dirty="0" smtClean="0"/>
+              <a:t>2</a:t>
+            </a:r>
+            <a:endParaRPr lang="en-US" dirty="0"/>
+          </a:p>
+        </p:txBody>
+      </p:sp>
+      <p:sp>
+        <p:nvSpPr>
+          <p:cNvPr id="25" name="Rectangle 24"/>
+          <p:cNvSpPr/>
+          <p:nvPr/>
+        </p:nvSpPr>
+        <p:spPr>
+          <a:xfrm>
+            <a:off x="6822501" y="4590632"/>
+            <a:ext cx="371040" cy="399530"/>
+          </a:xfrm>
+          <a:prstGeom prst="rect">
+            <a:avLst/>
+          </a:prstGeom>
+          <a:solidFill>
+            <a:schemeClr val="accent2"/>
+          </a:solidFill>
+        </p:spPr>
+        <p:style>
+          <a:lnRef idx="1">
+            <a:schemeClr val="accent1"/>
+          </a:lnRef>
+          <a:fillRef idx="3">
+            <a:schemeClr val="accent1"/>
+          </a:fillRef>
+          <a:effectRef idx="2">
+            <a:schemeClr val="accent1"/>
+          </a:effectRef>
+          <a:fontRef idx="minor">
+            <a:schemeClr val="lt1"/>
+          </a:fontRef>
+        </p:style>
+        <p:txBody>
+          <a:bodyPr rtlCol="0" anchor="ctr"/>
+          <a:lstStyle/>
+          <a:p>
+            <a:pPr algn="ctr"/>
+            <a:r>
+              <a:rPr lang="en-US" dirty="0" smtClean="0"/>
+              <a:t>3</a:t>
+            </a:r>
+            <a:endParaRPr lang="en-US" dirty="0"/>
+          </a:p>
+        </p:txBody>
+      </p:sp>
+      <p:sp>
+        <p:nvSpPr>
+          <p:cNvPr id="26" name="Rectangle 25"/>
+          <p:cNvSpPr/>
+          <p:nvPr/>
+        </p:nvSpPr>
+        <p:spPr>
+          <a:xfrm>
+            <a:off x="7298014" y="4590632"/>
+            <a:ext cx="371040" cy="399530"/>
+          </a:xfrm>
+          <a:prstGeom prst="rect">
+            <a:avLst/>
+          </a:prstGeom>
+          <a:solidFill>
+            <a:schemeClr val="accent2"/>
+          </a:solidFill>
+        </p:spPr>
+        <p:style>
+          <a:lnRef idx="1">
+            <a:schemeClr val="accent1"/>
+          </a:lnRef>
+          <a:fillRef idx="3">
+            <a:schemeClr val="accent1"/>
+          </a:fillRef>
+          <a:effectRef idx="2">
+            <a:schemeClr val="accent1"/>
+          </a:effectRef>
+          <a:fontRef idx="minor">
+            <a:schemeClr val="lt1"/>
+          </a:fontRef>
+        </p:style>
+        <p:txBody>
+          <a:bodyPr rtlCol="0" anchor="ctr"/>
+          <a:lstStyle/>
+          <a:p>
+            <a:pPr algn="ctr"/>
+            <a:r>
+              <a:rPr lang="en-US" dirty="0"/>
+              <a:t>4</a:t>
+            </a:r>
+          </a:p>
+        </p:txBody>
+      </p:sp>
+      <p:sp>
+        <p:nvSpPr>
+          <p:cNvPr id="27" name="Rectangle 26"/>
+          <p:cNvSpPr/>
+          <p:nvPr/>
+        </p:nvSpPr>
+        <p:spPr>
+          <a:xfrm>
+            <a:off x="7788336" y="4590632"/>
+            <a:ext cx="371040" cy="399530"/>
+          </a:xfrm>
+          <a:prstGeom prst="rect">
+            <a:avLst/>
+          </a:prstGeom>
+          <a:solidFill>
+            <a:schemeClr val="accent5"/>
+          </a:solidFill>
+        </p:spPr>
+        <p:style>
+          <a:lnRef idx="1">
+            <a:schemeClr val="accent1"/>
+          </a:lnRef>
+          <a:fillRef idx="3">
+            <a:schemeClr val="accent1"/>
+          </a:fillRef>
+          <a:effectRef idx="2">
+            <a:schemeClr val="accent1"/>
+          </a:effectRef>
+          <a:fontRef idx="minor">
+            <a:schemeClr val="lt1"/>
+          </a:fontRef>
+        </p:style>
+        <p:txBody>
+          <a:bodyPr rtlCol="0" anchor="ctr"/>
+          <a:lstStyle/>
+          <a:p>
+            <a:pPr algn="ctr"/>
+            <a:r>
+              <a:rPr lang="en-US" dirty="0"/>
+              <a:t>5</a:t>
+            </a:r>
+          </a:p>
+        </p:txBody>
+      </p:sp>
+      <p:sp>
+        <p:nvSpPr>
+          <p:cNvPr id="28" name="Rectangle 27"/>
+          <p:cNvSpPr/>
+          <p:nvPr/>
+        </p:nvSpPr>
+        <p:spPr>
+          <a:xfrm>
+            <a:off x="8273006" y="4590632"/>
+            <a:ext cx="371040" cy="399530"/>
+          </a:xfrm>
+          <a:prstGeom prst="rect">
+            <a:avLst/>
+          </a:prstGeom>
+          <a:solidFill>
+            <a:schemeClr val="accent5"/>
+          </a:solidFill>
+        </p:spPr>
+        <p:style>
+          <a:lnRef idx="1">
+            <a:schemeClr val="accent1"/>
+          </a:lnRef>
+          <a:fillRef idx="3">
+            <a:schemeClr val="accent1"/>
+          </a:fillRef>
+          <a:effectRef idx="2">
+            <a:schemeClr val="accent1"/>
+          </a:effectRef>
+          <a:fontRef idx="minor">
+            <a:schemeClr val="lt1"/>
+          </a:fontRef>
+        </p:style>
+        <p:txBody>
+          <a:bodyPr rtlCol="0" anchor="ctr"/>
+          <a:lstStyle/>
+          <a:p>
+            <a:pPr algn="ctr"/>
+            <a:r>
+              <a:rPr lang="en-US" dirty="0"/>
+              <a:t>6</a:t>
+            </a:r>
+          </a:p>
+        </p:txBody>
+      </p:sp>
+      <p:sp>
+        <p:nvSpPr>
+          <p:cNvPr id="29" name="Rectangle 28"/>
+          <p:cNvSpPr/>
+          <p:nvPr/>
+        </p:nvSpPr>
+        <p:spPr>
+          <a:xfrm>
+            <a:off x="5851019" y="4580921"/>
+            <a:ext cx="371040" cy="399530"/>
+          </a:xfrm>
+          <a:prstGeom prst="rect">
+            <a:avLst/>
+          </a:prstGeom>
+          <a:solidFill>
+            <a:schemeClr val="accent3"/>
+          </a:solidFill>
+        </p:spPr>
+        <p:style>
+          <a:lnRef idx="1">
+            <a:schemeClr val="accent1"/>
+          </a:lnRef>
+          <a:fillRef idx="3">
+            <a:schemeClr val="accent1"/>
+          </a:fillRef>
+          <a:effectRef idx="2">
+            <a:schemeClr val="accent1"/>
+          </a:effectRef>
+          <a:fontRef idx="minor">
+            <a:schemeClr val="lt1"/>
+          </a:fontRef>
+        </p:style>
+        <p:txBody>
+          <a:bodyPr rtlCol="0" anchor="ctr"/>
+          <a:lstStyle/>
+          <a:p>
+            <a:pPr algn="ctr"/>
+            <a:r>
+              <a:rPr lang="en-US" dirty="0" smtClean="0"/>
+              <a:t>1</a:t>
+            </a:r>
+            <a:endParaRPr lang="en-US" dirty="0"/>
+          </a:p>
+        </p:txBody>
+      </p:sp>
+      <p:sp>
+        <p:nvSpPr>
+          <p:cNvPr id="30" name="Rectangle 29"/>
+          <p:cNvSpPr/>
+          <p:nvPr/>
+        </p:nvSpPr>
+        <p:spPr>
+          <a:xfrm>
+            <a:off x="6341338" y="5579746"/>
+            <a:ext cx="371040" cy="399530"/>
+          </a:xfrm>
+          <a:prstGeom prst="rect">
+            <a:avLst/>
+          </a:prstGeom>
+          <a:solidFill>
+            <a:schemeClr val="accent3"/>
+          </a:solidFill>
+        </p:spPr>
+        <p:style>
+          <a:lnRef idx="1">
+            <a:schemeClr val="accent1"/>
+          </a:lnRef>
+          <a:fillRef idx="3">
+            <a:schemeClr val="accent1"/>
+          </a:fillRef>
+          <a:effectRef idx="2">
+            <a:schemeClr val="accent1"/>
+          </a:effectRef>
+          <a:fontRef idx="minor">
+            <a:schemeClr val="lt1"/>
+          </a:fontRef>
+        </p:style>
+        <p:txBody>
+          <a:bodyPr rtlCol="0" anchor="ctr"/>
+          <a:lstStyle/>
+          <a:p>
+            <a:pPr algn="ctr"/>
+            <a:r>
+              <a:rPr lang="en-US" dirty="0" smtClean="0"/>
+              <a:t>2</a:t>
+            </a:r>
+            <a:endParaRPr lang="en-US" dirty="0"/>
+          </a:p>
+        </p:txBody>
+      </p:sp>
+      <p:sp>
+        <p:nvSpPr>
+          <p:cNvPr id="31" name="Rectangle 30"/>
+          <p:cNvSpPr/>
+          <p:nvPr/>
+        </p:nvSpPr>
+        <p:spPr>
+          <a:xfrm>
+            <a:off x="6822501" y="5589457"/>
+            <a:ext cx="371040" cy="399530"/>
+          </a:xfrm>
+          <a:prstGeom prst="rect">
+            <a:avLst/>
+          </a:prstGeom>
+          <a:solidFill>
+            <a:schemeClr val="accent3"/>
+          </a:solidFill>
+        </p:spPr>
+        <p:style>
+          <a:lnRef idx="1">
+            <a:schemeClr val="accent1"/>
+          </a:lnRef>
+          <a:fillRef idx="3">
+            <a:schemeClr val="accent1"/>
+          </a:fillRef>
+          <a:effectRef idx="2">
+            <a:schemeClr val="accent1"/>
+          </a:effectRef>
+          <a:fontRef idx="minor">
+            <a:schemeClr val="lt1"/>
+          </a:fontRef>
+        </p:style>
+        <p:txBody>
+          <a:bodyPr rtlCol="0" anchor="ctr"/>
+          <a:lstStyle/>
+          <a:p>
+            <a:pPr algn="ctr"/>
+            <a:r>
+              <a:rPr lang="en-US" dirty="0" smtClean="0"/>
+              <a:t>3</a:t>
+            </a:r>
+            <a:endParaRPr lang="en-US" dirty="0"/>
+          </a:p>
+        </p:txBody>
+      </p:sp>
+      <p:sp>
+        <p:nvSpPr>
+          <p:cNvPr id="32" name="Rectangle 31"/>
+          <p:cNvSpPr/>
+          <p:nvPr/>
+        </p:nvSpPr>
+        <p:spPr>
+          <a:xfrm>
+            <a:off x="7298014" y="5589457"/>
+            <a:ext cx="371040" cy="399530"/>
+          </a:xfrm>
+          <a:prstGeom prst="rect">
+            <a:avLst/>
+          </a:prstGeom>
+          <a:solidFill>
+            <a:schemeClr val="accent3"/>
+          </a:solidFill>
+        </p:spPr>
+        <p:style>
+          <a:lnRef idx="1">
+            <a:schemeClr val="accent1"/>
+          </a:lnRef>
+          <a:fillRef idx="3">
+            <a:schemeClr val="accent1"/>
+          </a:fillRef>
+          <a:effectRef idx="2">
+            <a:schemeClr val="accent1"/>
+          </a:effectRef>
+          <a:fontRef idx="minor">
+            <a:schemeClr val="lt1"/>
+          </a:fontRef>
+        </p:style>
+        <p:txBody>
+          <a:bodyPr rtlCol="0" anchor="ctr"/>
+          <a:lstStyle/>
+          <a:p>
+            <a:pPr algn="ctr"/>
+            <a:r>
+              <a:rPr lang="en-US" dirty="0"/>
+              <a:t>4</a:t>
+            </a:r>
+          </a:p>
+        </p:txBody>
+      </p:sp>
+      <p:sp>
+        <p:nvSpPr>
+          <p:cNvPr id="33" name="Rectangle 32"/>
+          <p:cNvSpPr/>
+          <p:nvPr/>
+        </p:nvSpPr>
+        <p:spPr>
+          <a:xfrm>
+            <a:off x="7788336" y="5589457"/>
+            <a:ext cx="371040" cy="399530"/>
+          </a:xfrm>
+          <a:prstGeom prst="rect">
+            <a:avLst/>
+          </a:prstGeom>
+          <a:solidFill>
+            <a:schemeClr val="accent2"/>
+          </a:solidFill>
+        </p:spPr>
+        <p:style>
+          <a:lnRef idx="1">
+            <a:schemeClr val="accent1"/>
+          </a:lnRef>
+          <a:fillRef idx="3">
+            <a:schemeClr val="accent1"/>
+          </a:fillRef>
+          <a:effectRef idx="2">
+            <a:schemeClr val="accent1"/>
+          </a:effectRef>
+          <a:fontRef idx="minor">
+            <a:schemeClr val="lt1"/>
+          </a:fontRef>
+        </p:style>
+        <p:txBody>
+          <a:bodyPr rtlCol="0" anchor="ctr"/>
+          <a:lstStyle/>
+          <a:p>
+            <a:pPr algn="ctr"/>
+            <a:r>
+              <a:rPr lang="en-US" dirty="0"/>
+              <a:t>5</a:t>
+            </a:r>
+          </a:p>
+        </p:txBody>
+      </p:sp>
+      <p:sp>
+        <p:nvSpPr>
+          <p:cNvPr id="34" name="Rectangle 33"/>
+          <p:cNvSpPr/>
+          <p:nvPr/>
+        </p:nvSpPr>
+        <p:spPr>
+          <a:xfrm>
+            <a:off x="8273006" y="5589457"/>
+            <a:ext cx="371040" cy="399530"/>
+          </a:xfrm>
+          <a:prstGeom prst="rect">
+            <a:avLst/>
+          </a:prstGeom>
+          <a:solidFill>
+            <a:schemeClr val="accent2"/>
+          </a:solidFill>
+        </p:spPr>
+        <p:style>
+          <a:lnRef idx="1">
+            <a:schemeClr val="accent1"/>
+          </a:lnRef>
+          <a:fillRef idx="3">
+            <a:schemeClr val="accent1"/>
+          </a:fillRef>
+          <a:effectRef idx="2">
+            <a:schemeClr val="accent1"/>
+          </a:effectRef>
+          <a:fontRef idx="minor">
+            <a:schemeClr val="lt1"/>
+          </a:fontRef>
+        </p:style>
+        <p:txBody>
+          <a:bodyPr rtlCol="0" anchor="ctr"/>
+          <a:lstStyle/>
+          <a:p>
+            <a:pPr algn="ctr"/>
+            <a:r>
+              <a:rPr lang="en-US" dirty="0"/>
+              <a:t>6</a:t>
+            </a:r>
+          </a:p>
+        </p:txBody>
+      </p:sp>
+      <p:sp>
+        <p:nvSpPr>
+          <p:cNvPr id="35" name="Rectangle 34"/>
+          <p:cNvSpPr/>
+          <p:nvPr/>
+        </p:nvSpPr>
+        <p:spPr>
+          <a:xfrm>
+            <a:off x="5851019" y="5579746"/>
+            <a:ext cx="371040" cy="399530"/>
+          </a:xfrm>
+          <a:prstGeom prst="rect">
+            <a:avLst/>
+          </a:prstGeom>
+          <a:solidFill>
+            <a:schemeClr val="accent3"/>
+          </a:solidFill>
+        </p:spPr>
+        <p:style>
+          <a:lnRef idx="1">
+            <a:schemeClr val="accent1"/>
+          </a:lnRef>
+          <a:fillRef idx="3">
+            <a:schemeClr val="accent1"/>
+          </a:fillRef>
+          <a:effectRef idx="2">
+            <a:schemeClr val="accent1"/>
+          </a:effectRef>
+          <a:fontRef idx="minor">
+            <a:schemeClr val="lt1"/>
+          </a:fontRef>
+        </p:style>
+        <p:txBody>
+          <a:bodyPr rtlCol="0" anchor="ctr"/>
+          <a:lstStyle/>
+          <a:p>
+            <a:pPr algn="ctr"/>
+            <a:r>
+              <a:rPr lang="en-US" dirty="0" smtClean="0"/>
+              <a:t>1</a:t>
+            </a:r>
+            <a:endParaRPr lang="en-US" dirty="0"/>
+          </a:p>
+        </p:txBody>
+      </p:sp>
+      <p:sp>
+        <p:nvSpPr>
+          <p:cNvPr id="11" name="TextBox 10"/>
+          <p:cNvSpPr txBox="1"/>
+          <p:nvPr/>
+        </p:nvSpPr>
+        <p:spPr>
+          <a:xfrm>
+            <a:off x="5866109" y="1868399"/>
+            <a:ext cx="2827517" cy="369332"/>
+          </a:xfrm>
+          <a:prstGeom prst="rect">
+            <a:avLst/>
+          </a:prstGeom>
+          <a:noFill/>
+        </p:spPr>
+        <p:txBody>
+          <a:bodyPr wrap="none" rtlCol="0">
+            <a:spAutoFit/>
+          </a:bodyPr>
+          <a:lstStyle/>
+          <a:p>
+            <a:r>
+              <a:rPr lang="en-US" b="1" dirty="0" smtClean="0"/>
+              <a:t>2 server rolling deployment</a:t>
+            </a:r>
+            <a:endParaRPr lang="en-US" b="1" dirty="0"/>
+          </a:p>
+        </p:txBody>
+      </p:sp>
+      <p:cxnSp>
+        <p:nvCxnSpPr>
+          <p:cNvPr id="37" name="Straight Arrow Connector 36"/>
+          <p:cNvCxnSpPr/>
+          <p:nvPr/>
+        </p:nvCxnSpPr>
+        <p:spPr>
+          <a:xfrm>
+            <a:off x="7193541" y="3167700"/>
+            <a:ext cx="0" cy="271110"/>
+          </a:xfrm>
+          <a:prstGeom prst="straightConnector1">
+            <a:avLst/>
+          </a:prstGeom>
+          <a:ln>
+            <a:tailEnd type="arrow"/>
+          </a:ln>
+        </p:spPr>
+        <p:style>
+          <a:lnRef idx="2">
+            <a:schemeClr val="accent1"/>
+          </a:lnRef>
+          <a:fillRef idx="0">
+            <a:schemeClr val="accent1"/>
+          </a:fillRef>
+          <a:effectRef idx="1">
+            <a:schemeClr val="accent1"/>
+          </a:effectRef>
+          <a:fontRef idx="minor">
+            <a:schemeClr val="tx1"/>
+          </a:fontRef>
+        </p:style>
+      </p:cxnSp>
+      <p:cxnSp>
+        <p:nvCxnSpPr>
+          <p:cNvPr id="38" name="Straight Arrow Connector 37"/>
+          <p:cNvCxnSpPr/>
+          <p:nvPr/>
+        </p:nvCxnSpPr>
+        <p:spPr>
+          <a:xfrm>
+            <a:off x="7193541" y="4133428"/>
+            <a:ext cx="0" cy="271110"/>
+          </a:xfrm>
+          <a:prstGeom prst="straightConnector1">
+            <a:avLst/>
+          </a:prstGeom>
+          <a:ln>
+            <a:tailEnd type="arrow"/>
+          </a:ln>
+        </p:spPr>
+        <p:style>
+          <a:lnRef idx="2">
+            <a:schemeClr val="accent1"/>
+          </a:lnRef>
+          <a:fillRef idx="0">
+            <a:schemeClr val="accent1"/>
+          </a:fillRef>
+          <a:effectRef idx="1">
+            <a:schemeClr val="accent1"/>
+          </a:effectRef>
+          <a:fontRef idx="minor">
+            <a:schemeClr val="tx1"/>
+          </a:fontRef>
+        </p:style>
+      </p:cxnSp>
+      <p:cxnSp>
+        <p:nvCxnSpPr>
+          <p:cNvPr id="39" name="Straight Arrow Connector 38"/>
+          <p:cNvCxnSpPr/>
+          <p:nvPr/>
+        </p:nvCxnSpPr>
+        <p:spPr>
+          <a:xfrm>
+            <a:off x="7193541" y="5203597"/>
+            <a:ext cx="0" cy="271110"/>
+          </a:xfrm>
+          <a:prstGeom prst="straightConnector1">
+            <a:avLst/>
+          </a:prstGeom>
+          <a:ln>
+            <a:tailEnd type="arrow"/>
+          </a:ln>
+        </p:spPr>
+        <p:style>
+          <a:lnRef idx="2">
+            <a:schemeClr val="accent1"/>
+          </a:lnRef>
+          <a:fillRef idx="0">
+            <a:schemeClr val="accent1"/>
+          </a:fillRef>
+          <a:effectRef idx="1">
+            <a:schemeClr val="accent1"/>
+          </a:effectRef>
+          <a:fontRef idx="minor">
+            <a:schemeClr val="tx1"/>
+          </a:fontRef>
+        </p:style>
+      </p:cxnSp>
+      <p:sp>
+        <p:nvSpPr>
+          <p:cNvPr id="41" name="TextBox 40"/>
+          <p:cNvSpPr txBox="1"/>
+          <p:nvPr/>
+        </p:nvSpPr>
+        <p:spPr>
+          <a:xfrm>
+            <a:off x="6756273" y="4291217"/>
+            <a:ext cx="1044427" cy="369332"/>
+          </a:xfrm>
+          <a:prstGeom prst="rect">
+            <a:avLst/>
+          </a:prstGeom>
+          <a:noFill/>
+        </p:spPr>
+        <p:txBody>
+          <a:bodyPr wrap="none" rtlCol="0">
+            <a:spAutoFit/>
+          </a:bodyPr>
+          <a:lstStyle/>
+          <a:p>
+            <a:r>
+              <a:rPr lang="en-US" dirty="0" smtClean="0"/>
+              <a:t>Updating</a:t>
+            </a:r>
+            <a:endParaRPr lang="en-US" dirty="0"/>
+          </a:p>
+        </p:txBody>
+      </p:sp>
+      <p:sp>
+        <p:nvSpPr>
+          <p:cNvPr id="42" name="TextBox 41"/>
+          <p:cNvSpPr txBox="1"/>
+          <p:nvPr/>
+        </p:nvSpPr>
+        <p:spPr>
+          <a:xfrm>
+            <a:off x="5783187" y="3241303"/>
+            <a:ext cx="1044427" cy="369332"/>
+          </a:xfrm>
+          <a:prstGeom prst="rect">
+            <a:avLst/>
+          </a:prstGeom>
+          <a:noFill/>
+        </p:spPr>
+        <p:txBody>
+          <a:bodyPr wrap="none" rtlCol="0">
+            <a:spAutoFit/>
+          </a:bodyPr>
+          <a:lstStyle/>
+          <a:p>
+            <a:r>
+              <a:rPr lang="en-US" dirty="0" smtClean="0"/>
+              <a:t>Updating</a:t>
+            </a:r>
+            <a:endParaRPr lang="en-US" dirty="0"/>
+          </a:p>
+        </p:txBody>
+      </p:sp>
+      <p:sp>
+        <p:nvSpPr>
+          <p:cNvPr id="45" name="TextBox 44"/>
+          <p:cNvSpPr txBox="1"/>
+          <p:nvPr/>
+        </p:nvSpPr>
+        <p:spPr>
+          <a:xfrm>
+            <a:off x="7669054" y="5267490"/>
+            <a:ext cx="1044427" cy="369332"/>
+          </a:xfrm>
+          <a:prstGeom prst="rect">
+            <a:avLst/>
+          </a:prstGeom>
+          <a:noFill/>
+        </p:spPr>
+        <p:txBody>
+          <a:bodyPr wrap="none" rtlCol="0">
+            <a:spAutoFit/>
+          </a:bodyPr>
+          <a:lstStyle/>
+          <a:p>
+            <a:r>
+              <a:rPr lang="en-US" dirty="0" smtClean="0"/>
+              <a:t>Updating</a:t>
+            </a:r>
+            <a:endParaRPr lang="en-US" dirty="0"/>
+          </a:p>
+        </p:txBody>
+      </p:sp>
+    </p:spTree>
+    <p:extLst>
+      <p:ext uri="{BB962C8B-B14F-4D97-AF65-F5344CB8AC3E}">
+        <p14:creationId xmlns:p14="http://schemas.microsoft.com/office/powerpoint/2010/main" val="2140470386"/>
+      </p:ext>
+    </p:extLst>
+  </p:cSld>
+  <p:clrMapOvr>
+    <a:masterClrMapping/>
+  </p:clrMapOvr>
+</p:sld>
+</file>
+
+<file path=ppt/slides/slide8.xml><?xml version="1.0" encoding="utf-8"?>
+<p:sld xmlns:a="http://schemas.openxmlformats.org/drawingml/2006/main" xmlns:r="http://schemas.openxmlformats.org/officeDocument/2006/relationships" xmlns:p="http://schemas.openxmlformats.org/presentationml/2006/main">
+  <p:cSld>
+    <p:spTree>
+      <p:nvGrpSpPr>
+        <p:cNvPr id="1" name=""/>
+        <p:cNvGrpSpPr/>
+        <p:nvPr/>
+      </p:nvGrpSpPr>
+      <p:grpSpPr>
+        <a:xfrm>
+          <a:off x="0" y="0"/>
+          <a:ext cx="0" cy="0"/>
+          <a:chOff x="0" y="0"/>
+          <a:chExt cx="0" cy="0"/>
+        </a:xfrm>
+      </p:grpSpPr>
+      <p:sp>
+        <p:nvSpPr>
+          <p:cNvPr id="2" name="Title 1"/>
+          <p:cNvSpPr>
+            <a:spLocks noGrp="1"/>
+          </p:cNvSpPr>
+          <p:nvPr>
+            <p:ph type="title"/>
+          </p:nvPr>
+        </p:nvSpPr>
+        <p:spPr/>
+        <p:txBody>
+          <a:bodyPr/>
+          <a:lstStyle/>
+          <a:p>
+            <a:r>
+              <a:rPr lang="en-US" dirty="0" smtClean="0"/>
+              <a:t>Deployment strategies</a:t>
+            </a:r>
+            <a:endParaRPr lang="en-US" dirty="0"/>
+          </a:p>
+        </p:txBody>
+      </p:sp>
+      <p:sp>
+        <p:nvSpPr>
+          <p:cNvPr id="3" name="Content Placeholder 2"/>
+          <p:cNvSpPr>
+            <a:spLocks noGrp="1"/>
+          </p:cNvSpPr>
+          <p:nvPr>
+            <p:ph idx="1"/>
+          </p:nvPr>
+        </p:nvSpPr>
+        <p:spPr>
+          <a:xfrm>
+            <a:off x="457200" y="1600200"/>
+            <a:ext cx="5051320" cy="4806545"/>
+          </a:xfrm>
+        </p:spPr>
+        <p:txBody>
+          <a:bodyPr>
+            <a:normAutofit fontScale="85000" lnSpcReduction="20000"/>
+          </a:bodyPr>
+          <a:lstStyle/>
+          <a:p>
+            <a:r>
+              <a:rPr lang="en-US" dirty="0" smtClean="0"/>
+              <a:t>Blue Green Deployment</a:t>
+            </a:r>
+          </a:p>
+          <a:p>
+            <a:pPr lvl="1"/>
+            <a:r>
+              <a:rPr lang="en-US" dirty="0" smtClean="0"/>
+              <a:t>Application is deployed to a completely new production environment in parallel</a:t>
+            </a:r>
+          </a:p>
+          <a:p>
+            <a:pPr lvl="1"/>
+            <a:r>
+              <a:rPr lang="en-US" dirty="0" smtClean="0"/>
+              <a:t>Benefits:</a:t>
+            </a:r>
+          </a:p>
+          <a:p>
+            <a:pPr lvl="2"/>
+            <a:r>
+              <a:rPr lang="en-US" dirty="0" smtClean="0"/>
+              <a:t>Maintains health of service</a:t>
+            </a:r>
+          </a:p>
+          <a:p>
+            <a:pPr lvl="2"/>
+            <a:r>
+              <a:rPr lang="en-US" dirty="0" smtClean="0"/>
+              <a:t>Rapid cut-over deployment</a:t>
+            </a:r>
+          </a:p>
+          <a:p>
+            <a:pPr lvl="2"/>
+            <a:r>
+              <a:rPr lang="en-US" dirty="0" smtClean="0"/>
+              <a:t>Ability to test complete deployment in production</a:t>
+            </a:r>
+          </a:p>
+          <a:p>
+            <a:pPr lvl="2"/>
+            <a:r>
+              <a:rPr lang="en-US" dirty="0" smtClean="0"/>
+              <a:t>Easy to perform full rollback</a:t>
+            </a:r>
+          </a:p>
+          <a:p>
+            <a:pPr lvl="1"/>
+            <a:r>
+              <a:rPr lang="en-US" dirty="0" smtClean="0"/>
+              <a:t>Problems:</a:t>
+            </a:r>
+          </a:p>
+          <a:p>
+            <a:pPr lvl="2"/>
+            <a:r>
+              <a:rPr lang="en-US" dirty="0" smtClean="0"/>
+              <a:t>Requires significant automation and orchestration capability</a:t>
+            </a:r>
+          </a:p>
+          <a:p>
+            <a:pPr lvl="2"/>
+            <a:r>
+              <a:rPr lang="en-US" dirty="0" smtClean="0"/>
+              <a:t>Extra cost, but manageable with cloud instances</a:t>
+            </a:r>
+          </a:p>
+          <a:p>
+            <a:pPr marL="914400" lvl="2" indent="0">
+              <a:buNone/>
+            </a:pPr>
+            <a:endParaRPr lang="en-US" dirty="0" smtClean="0"/>
+          </a:p>
+        </p:txBody>
+      </p:sp>
+      <p:sp>
+        <p:nvSpPr>
+          <p:cNvPr id="6" name="Rectangle 5"/>
+          <p:cNvSpPr/>
+          <p:nvPr/>
+        </p:nvSpPr>
+        <p:spPr>
+          <a:xfrm>
+            <a:off x="6098731" y="2630637"/>
+            <a:ext cx="371040" cy="399530"/>
+          </a:xfrm>
+          <a:prstGeom prst="rect">
+            <a:avLst/>
+          </a:prstGeom>
+          <a:solidFill>
+            <a:srgbClr val="0000FF"/>
+          </a:solidFill>
+        </p:spPr>
+        <p:style>
+          <a:lnRef idx="1">
+            <a:schemeClr val="accent1"/>
+          </a:lnRef>
+          <a:fillRef idx="3">
+            <a:schemeClr val="accent1"/>
+          </a:fillRef>
+          <a:effectRef idx="2">
+            <a:schemeClr val="accent1"/>
+          </a:effectRef>
+          <a:fontRef idx="minor">
+            <a:schemeClr val="lt1"/>
+          </a:fontRef>
+        </p:style>
+        <p:txBody>
+          <a:bodyPr rtlCol="0" anchor="ctr"/>
+          <a:lstStyle/>
+          <a:p>
+            <a:pPr algn="ctr"/>
+            <a:r>
+              <a:rPr lang="en-US" dirty="0" smtClean="0"/>
+              <a:t>2</a:t>
+            </a:r>
+            <a:endParaRPr lang="en-US" dirty="0"/>
+          </a:p>
+        </p:txBody>
+      </p:sp>
+      <p:sp>
+        <p:nvSpPr>
+          <p:cNvPr id="13" name="Rectangle 12"/>
+          <p:cNvSpPr/>
+          <p:nvPr/>
+        </p:nvSpPr>
+        <p:spPr>
+          <a:xfrm>
+            <a:off x="6579894" y="2640348"/>
+            <a:ext cx="371040" cy="399530"/>
+          </a:xfrm>
+          <a:prstGeom prst="rect">
+            <a:avLst/>
+          </a:prstGeom>
+          <a:solidFill>
+            <a:srgbClr val="0000FF"/>
+          </a:solidFill>
+        </p:spPr>
+        <p:style>
+          <a:lnRef idx="1">
+            <a:schemeClr val="accent1"/>
+          </a:lnRef>
+          <a:fillRef idx="3">
+            <a:schemeClr val="accent1"/>
+          </a:fillRef>
+          <a:effectRef idx="2">
+            <a:schemeClr val="accent1"/>
+          </a:effectRef>
+          <a:fontRef idx="minor">
+            <a:schemeClr val="lt1"/>
+          </a:fontRef>
+        </p:style>
+        <p:txBody>
+          <a:bodyPr rtlCol="0" anchor="ctr"/>
+          <a:lstStyle/>
+          <a:p>
+            <a:pPr algn="ctr"/>
+            <a:r>
+              <a:rPr lang="en-US" dirty="0" smtClean="0"/>
+              <a:t>3</a:t>
+            </a:r>
+            <a:endParaRPr lang="en-US" dirty="0"/>
+          </a:p>
+        </p:txBody>
+      </p:sp>
+      <p:sp>
+        <p:nvSpPr>
+          <p:cNvPr id="14" name="Rectangle 13"/>
+          <p:cNvSpPr/>
+          <p:nvPr/>
+        </p:nvSpPr>
+        <p:spPr>
+          <a:xfrm>
+            <a:off x="7298014" y="2640348"/>
+            <a:ext cx="371040" cy="399530"/>
+          </a:xfrm>
+          <a:prstGeom prst="rect">
+            <a:avLst/>
+          </a:prstGeom>
+          <a:solidFill>
+            <a:srgbClr val="008000"/>
+          </a:solidFill>
+        </p:spPr>
+        <p:style>
+          <a:lnRef idx="1">
+            <a:schemeClr val="accent1"/>
+          </a:lnRef>
+          <a:fillRef idx="3">
+            <a:schemeClr val="accent1"/>
+          </a:fillRef>
+          <a:effectRef idx="2">
+            <a:schemeClr val="accent1"/>
+          </a:effectRef>
+          <a:fontRef idx="minor">
+            <a:schemeClr val="lt1"/>
+          </a:fontRef>
+        </p:style>
+        <p:txBody>
+          <a:bodyPr rtlCol="0" anchor="ctr"/>
+          <a:lstStyle/>
+          <a:p>
+            <a:pPr algn="ctr"/>
+            <a:r>
+              <a:rPr lang="en-US" dirty="0" smtClean="0"/>
+              <a:t>1</a:t>
+            </a:r>
+            <a:endParaRPr lang="en-US" dirty="0"/>
+          </a:p>
+        </p:txBody>
+      </p:sp>
+      <p:sp>
+        <p:nvSpPr>
+          <p:cNvPr id="15" name="Rectangle 14"/>
+          <p:cNvSpPr/>
+          <p:nvPr/>
+        </p:nvSpPr>
+        <p:spPr>
+          <a:xfrm>
+            <a:off x="7788336" y="2640348"/>
+            <a:ext cx="371040" cy="399530"/>
+          </a:xfrm>
+          <a:prstGeom prst="rect">
+            <a:avLst/>
+          </a:prstGeom>
+          <a:solidFill>
+            <a:srgbClr val="008000"/>
+          </a:solidFill>
+        </p:spPr>
+        <p:style>
+          <a:lnRef idx="1">
+            <a:schemeClr val="accent1"/>
+          </a:lnRef>
+          <a:fillRef idx="3">
+            <a:schemeClr val="accent1"/>
+          </a:fillRef>
+          <a:effectRef idx="2">
+            <a:schemeClr val="accent1"/>
+          </a:effectRef>
+          <a:fontRef idx="minor">
+            <a:schemeClr val="lt1"/>
+          </a:fontRef>
+        </p:style>
+        <p:txBody>
+          <a:bodyPr rtlCol="0" anchor="ctr"/>
+          <a:lstStyle/>
+          <a:p>
+            <a:pPr algn="ctr"/>
+            <a:r>
+              <a:rPr lang="en-US" dirty="0"/>
+              <a:t>2</a:t>
+            </a:r>
+          </a:p>
+        </p:txBody>
+      </p:sp>
+      <p:sp>
+        <p:nvSpPr>
+          <p:cNvPr id="16" name="Rectangle 15"/>
+          <p:cNvSpPr/>
+          <p:nvPr/>
+        </p:nvSpPr>
+        <p:spPr>
+          <a:xfrm>
+            <a:off x="8273006" y="2640348"/>
+            <a:ext cx="371040" cy="399530"/>
+          </a:xfrm>
+          <a:prstGeom prst="rect">
+            <a:avLst/>
+          </a:prstGeom>
+          <a:solidFill>
+            <a:srgbClr val="008000"/>
+          </a:solidFill>
+        </p:spPr>
+        <p:style>
+          <a:lnRef idx="1">
+            <a:schemeClr val="accent1"/>
+          </a:lnRef>
+          <a:fillRef idx="3">
+            <a:schemeClr val="accent1"/>
+          </a:fillRef>
+          <a:effectRef idx="2">
+            <a:schemeClr val="accent1"/>
+          </a:effectRef>
+          <a:fontRef idx="minor">
+            <a:schemeClr val="lt1"/>
+          </a:fontRef>
+        </p:style>
+        <p:txBody>
+          <a:bodyPr rtlCol="0" anchor="ctr"/>
+          <a:lstStyle/>
+          <a:p>
+            <a:pPr algn="ctr"/>
+            <a:r>
+              <a:rPr lang="en-US" dirty="0"/>
+              <a:t>3</a:t>
+            </a:r>
+          </a:p>
+        </p:txBody>
+      </p:sp>
+      <p:sp>
+        <p:nvSpPr>
+          <p:cNvPr id="17" name="Rectangle 16"/>
+          <p:cNvSpPr/>
+          <p:nvPr/>
+        </p:nvSpPr>
+        <p:spPr>
+          <a:xfrm>
+            <a:off x="5608412" y="2630637"/>
+            <a:ext cx="371040" cy="399530"/>
+          </a:xfrm>
+          <a:prstGeom prst="rect">
+            <a:avLst/>
+          </a:prstGeom>
+          <a:solidFill>
+            <a:srgbClr val="0000FF"/>
+          </a:solidFill>
+        </p:spPr>
+        <p:style>
+          <a:lnRef idx="1">
+            <a:schemeClr val="accent1"/>
+          </a:lnRef>
+          <a:fillRef idx="3">
+            <a:schemeClr val="accent1"/>
+          </a:fillRef>
+          <a:effectRef idx="2">
+            <a:schemeClr val="accent1"/>
+          </a:effectRef>
+          <a:fontRef idx="minor">
+            <a:schemeClr val="lt1"/>
+          </a:fontRef>
+        </p:style>
+        <p:txBody>
+          <a:bodyPr rtlCol="0" anchor="ctr"/>
+          <a:lstStyle/>
+          <a:p>
+            <a:pPr algn="ctr"/>
+            <a:r>
+              <a:rPr lang="en-US" dirty="0" smtClean="0"/>
+              <a:t>1</a:t>
+            </a:r>
+            <a:endParaRPr lang="en-US" dirty="0"/>
+          </a:p>
+        </p:txBody>
+      </p:sp>
+      <p:sp>
+        <p:nvSpPr>
+          <p:cNvPr id="4" name="Rectangle 3"/>
+          <p:cNvSpPr/>
+          <p:nvPr/>
+        </p:nvSpPr>
+        <p:spPr>
+          <a:xfrm>
+            <a:off x="6179246" y="1662330"/>
+            <a:ext cx="1980130" cy="442336"/>
+          </a:xfrm>
+          <a:prstGeom prst="rect">
+            <a:avLst/>
+          </a:prstGeom>
+          <a:solidFill>
+            <a:srgbClr val="FF6600"/>
+          </a:solidFill>
+        </p:spPr>
+        <p:style>
+          <a:lnRef idx="1">
+            <a:schemeClr val="accent1"/>
+          </a:lnRef>
+          <a:fillRef idx="3">
+            <a:schemeClr val="accent1"/>
+          </a:fillRef>
+          <a:effectRef idx="2">
+            <a:schemeClr val="accent1"/>
+          </a:effectRef>
+          <a:fontRef idx="minor">
+            <a:schemeClr val="lt1"/>
+          </a:fontRef>
+        </p:style>
+        <p:txBody>
+          <a:bodyPr rtlCol="0" anchor="ctr"/>
+          <a:lstStyle/>
+          <a:p>
+            <a:pPr algn="ctr"/>
+            <a:r>
+              <a:rPr lang="en-US" dirty="0" err="1" smtClean="0"/>
+              <a:t>App.com</a:t>
+            </a:r>
+            <a:r>
+              <a:rPr lang="en-US" dirty="0" smtClean="0"/>
+              <a:t> Domain</a:t>
+            </a:r>
+            <a:endParaRPr lang="en-US" dirty="0"/>
+          </a:p>
+        </p:txBody>
+      </p:sp>
+      <p:cxnSp>
+        <p:nvCxnSpPr>
+          <p:cNvPr id="7" name="Straight Arrow Connector 6"/>
+          <p:cNvCxnSpPr>
+            <a:stCxn id="4" idx="2"/>
+          </p:cNvCxnSpPr>
+          <p:nvPr/>
+        </p:nvCxnSpPr>
+        <p:spPr>
+          <a:xfrm flipH="1">
+            <a:off x="6364766" y="2104666"/>
+            <a:ext cx="804545" cy="420933"/>
+          </a:xfrm>
+          <a:prstGeom prst="straightConnector1">
+            <a:avLst/>
+          </a:prstGeom>
+          <a:ln>
+            <a:tailEnd type="arrow"/>
+          </a:ln>
+        </p:spPr>
+        <p:style>
+          <a:lnRef idx="2">
+            <a:schemeClr val="accent1"/>
+          </a:lnRef>
+          <a:fillRef idx="0">
+            <a:schemeClr val="accent1"/>
+          </a:fillRef>
+          <a:effectRef idx="1">
+            <a:schemeClr val="accent1"/>
+          </a:effectRef>
+          <a:fontRef idx="minor">
+            <a:schemeClr val="tx1"/>
+          </a:fontRef>
+        </p:style>
+      </p:cxnSp>
+      <p:sp>
+        <p:nvSpPr>
+          <p:cNvPr id="40" name="Rectangle 39"/>
+          <p:cNvSpPr/>
+          <p:nvPr/>
+        </p:nvSpPr>
+        <p:spPr>
+          <a:xfrm>
+            <a:off x="6137977" y="5206774"/>
+            <a:ext cx="371040" cy="399530"/>
+          </a:xfrm>
+          <a:prstGeom prst="rect">
+            <a:avLst/>
+          </a:prstGeom>
+          <a:solidFill>
+            <a:srgbClr val="0000FF"/>
+          </a:solidFill>
+        </p:spPr>
+        <p:style>
+          <a:lnRef idx="1">
+            <a:schemeClr val="accent1"/>
+          </a:lnRef>
+          <a:fillRef idx="3">
+            <a:schemeClr val="accent1"/>
+          </a:fillRef>
+          <a:effectRef idx="2">
+            <a:schemeClr val="accent1"/>
+          </a:effectRef>
+          <a:fontRef idx="minor">
+            <a:schemeClr val="lt1"/>
+          </a:fontRef>
+        </p:style>
+        <p:txBody>
+          <a:bodyPr rtlCol="0" anchor="ctr"/>
+          <a:lstStyle/>
+          <a:p>
+            <a:pPr algn="ctr"/>
+            <a:r>
+              <a:rPr lang="en-US" dirty="0" smtClean="0"/>
+              <a:t>2</a:t>
+            </a:r>
+            <a:endParaRPr lang="en-US" dirty="0"/>
+          </a:p>
+        </p:txBody>
+      </p:sp>
+      <p:sp>
+        <p:nvSpPr>
+          <p:cNvPr id="43" name="Rectangle 42"/>
+          <p:cNvSpPr/>
+          <p:nvPr/>
+        </p:nvSpPr>
+        <p:spPr>
+          <a:xfrm>
+            <a:off x="6619140" y="5216485"/>
+            <a:ext cx="371040" cy="399530"/>
+          </a:xfrm>
+          <a:prstGeom prst="rect">
+            <a:avLst/>
+          </a:prstGeom>
+          <a:solidFill>
+            <a:srgbClr val="0000FF"/>
+          </a:solidFill>
+        </p:spPr>
+        <p:style>
+          <a:lnRef idx="1">
+            <a:schemeClr val="accent1"/>
+          </a:lnRef>
+          <a:fillRef idx="3">
+            <a:schemeClr val="accent1"/>
+          </a:fillRef>
+          <a:effectRef idx="2">
+            <a:schemeClr val="accent1"/>
+          </a:effectRef>
+          <a:fontRef idx="minor">
+            <a:schemeClr val="lt1"/>
+          </a:fontRef>
+        </p:style>
+        <p:txBody>
+          <a:bodyPr rtlCol="0" anchor="ctr"/>
+          <a:lstStyle/>
+          <a:p>
+            <a:pPr algn="ctr"/>
+            <a:r>
+              <a:rPr lang="en-US" dirty="0" smtClean="0"/>
+              <a:t>3</a:t>
+            </a:r>
+            <a:endParaRPr lang="en-US" dirty="0"/>
+          </a:p>
+        </p:txBody>
+      </p:sp>
+      <p:sp>
+        <p:nvSpPr>
+          <p:cNvPr id="44" name="Rectangle 43"/>
+          <p:cNvSpPr/>
+          <p:nvPr/>
+        </p:nvSpPr>
+        <p:spPr>
+          <a:xfrm>
+            <a:off x="7337260" y="5216485"/>
+            <a:ext cx="371040" cy="399530"/>
+          </a:xfrm>
+          <a:prstGeom prst="rect">
+            <a:avLst/>
+          </a:prstGeom>
+          <a:solidFill>
+            <a:srgbClr val="008000"/>
+          </a:solidFill>
+        </p:spPr>
+        <p:style>
+          <a:lnRef idx="1">
+            <a:schemeClr val="accent1"/>
+          </a:lnRef>
+          <a:fillRef idx="3">
+            <a:schemeClr val="accent1"/>
+          </a:fillRef>
+          <a:effectRef idx="2">
+            <a:schemeClr val="accent1"/>
+          </a:effectRef>
+          <a:fontRef idx="minor">
+            <a:schemeClr val="lt1"/>
+          </a:fontRef>
+        </p:style>
+        <p:txBody>
+          <a:bodyPr rtlCol="0" anchor="ctr"/>
+          <a:lstStyle/>
+          <a:p>
+            <a:pPr algn="ctr"/>
+            <a:r>
+              <a:rPr lang="en-US" dirty="0" smtClean="0"/>
+              <a:t>1</a:t>
+            </a:r>
+            <a:endParaRPr lang="en-US" dirty="0"/>
+          </a:p>
+        </p:txBody>
+      </p:sp>
+      <p:sp>
+        <p:nvSpPr>
+          <p:cNvPr id="46" name="Rectangle 45"/>
+          <p:cNvSpPr/>
+          <p:nvPr/>
+        </p:nvSpPr>
+        <p:spPr>
+          <a:xfrm>
+            <a:off x="7827582" y="5216485"/>
+            <a:ext cx="371040" cy="399530"/>
+          </a:xfrm>
+          <a:prstGeom prst="rect">
+            <a:avLst/>
+          </a:prstGeom>
+          <a:solidFill>
+            <a:srgbClr val="008000"/>
+          </a:solidFill>
+        </p:spPr>
+        <p:style>
+          <a:lnRef idx="1">
+            <a:schemeClr val="accent1"/>
+          </a:lnRef>
+          <a:fillRef idx="3">
+            <a:schemeClr val="accent1"/>
+          </a:fillRef>
+          <a:effectRef idx="2">
+            <a:schemeClr val="accent1"/>
+          </a:effectRef>
+          <a:fontRef idx="minor">
+            <a:schemeClr val="lt1"/>
+          </a:fontRef>
+        </p:style>
+        <p:txBody>
+          <a:bodyPr rtlCol="0" anchor="ctr"/>
+          <a:lstStyle/>
+          <a:p>
+            <a:pPr algn="ctr"/>
+            <a:r>
+              <a:rPr lang="en-US" dirty="0"/>
+              <a:t>2</a:t>
+            </a:r>
+          </a:p>
+        </p:txBody>
+      </p:sp>
+      <p:sp>
+        <p:nvSpPr>
+          <p:cNvPr id="47" name="Rectangle 46"/>
+          <p:cNvSpPr/>
+          <p:nvPr/>
+        </p:nvSpPr>
+        <p:spPr>
+          <a:xfrm>
+            <a:off x="8312252" y="5216485"/>
+            <a:ext cx="371040" cy="399530"/>
+          </a:xfrm>
+          <a:prstGeom prst="rect">
+            <a:avLst/>
+          </a:prstGeom>
+          <a:solidFill>
+            <a:srgbClr val="008000"/>
+          </a:solidFill>
+        </p:spPr>
+        <p:style>
+          <a:lnRef idx="1">
+            <a:schemeClr val="accent1"/>
+          </a:lnRef>
+          <a:fillRef idx="3">
+            <a:schemeClr val="accent1"/>
+          </a:fillRef>
+          <a:effectRef idx="2">
+            <a:schemeClr val="accent1"/>
+          </a:effectRef>
+          <a:fontRef idx="minor">
+            <a:schemeClr val="lt1"/>
+          </a:fontRef>
+        </p:style>
+        <p:txBody>
+          <a:bodyPr rtlCol="0" anchor="ctr"/>
+          <a:lstStyle/>
+          <a:p>
+            <a:pPr algn="ctr"/>
+            <a:r>
+              <a:rPr lang="en-US" dirty="0"/>
+              <a:t>3</a:t>
+            </a:r>
+          </a:p>
+        </p:txBody>
+      </p:sp>
+      <p:sp>
+        <p:nvSpPr>
+          <p:cNvPr id="48" name="Rectangle 47"/>
+          <p:cNvSpPr/>
+          <p:nvPr/>
+        </p:nvSpPr>
+        <p:spPr>
+          <a:xfrm>
+            <a:off x="5647658" y="5206774"/>
+            <a:ext cx="371040" cy="399530"/>
+          </a:xfrm>
+          <a:prstGeom prst="rect">
+            <a:avLst/>
+          </a:prstGeom>
+          <a:solidFill>
+            <a:srgbClr val="0000FF"/>
+          </a:solidFill>
+        </p:spPr>
+        <p:style>
+          <a:lnRef idx="1">
+            <a:schemeClr val="accent1"/>
+          </a:lnRef>
+          <a:fillRef idx="3">
+            <a:schemeClr val="accent1"/>
+          </a:fillRef>
+          <a:effectRef idx="2">
+            <a:schemeClr val="accent1"/>
+          </a:effectRef>
+          <a:fontRef idx="minor">
+            <a:schemeClr val="lt1"/>
+          </a:fontRef>
+        </p:style>
+        <p:txBody>
+          <a:bodyPr rtlCol="0" anchor="ctr"/>
+          <a:lstStyle/>
+          <a:p>
+            <a:pPr algn="ctr"/>
+            <a:r>
+              <a:rPr lang="en-US" dirty="0" smtClean="0"/>
+              <a:t>1</a:t>
+            </a:r>
+            <a:endParaRPr lang="en-US" dirty="0"/>
+          </a:p>
+        </p:txBody>
+      </p:sp>
+      <p:sp>
+        <p:nvSpPr>
+          <p:cNvPr id="49" name="Rectangle 48"/>
+          <p:cNvSpPr/>
+          <p:nvPr/>
+        </p:nvSpPr>
+        <p:spPr>
+          <a:xfrm>
+            <a:off x="6218492" y="4238467"/>
+            <a:ext cx="1980130" cy="442336"/>
+          </a:xfrm>
+          <a:prstGeom prst="rect">
+            <a:avLst/>
+          </a:prstGeom>
+          <a:solidFill>
+            <a:srgbClr val="FF6600"/>
+          </a:solidFill>
+        </p:spPr>
+        <p:style>
+          <a:lnRef idx="1">
+            <a:schemeClr val="accent1"/>
+          </a:lnRef>
+          <a:fillRef idx="3">
+            <a:schemeClr val="accent1"/>
+          </a:fillRef>
+          <a:effectRef idx="2">
+            <a:schemeClr val="accent1"/>
+          </a:effectRef>
+          <a:fontRef idx="minor">
+            <a:schemeClr val="lt1"/>
+          </a:fontRef>
+        </p:style>
+        <p:txBody>
+          <a:bodyPr rtlCol="0" anchor="ctr"/>
+          <a:lstStyle/>
+          <a:p>
+            <a:pPr algn="ctr"/>
+            <a:r>
+              <a:rPr lang="en-US" dirty="0" err="1" smtClean="0"/>
+              <a:t>App.com</a:t>
+            </a:r>
+            <a:r>
+              <a:rPr lang="en-US" dirty="0" smtClean="0"/>
+              <a:t> Domain</a:t>
+            </a:r>
+            <a:endParaRPr lang="en-US" dirty="0"/>
+          </a:p>
+        </p:txBody>
+      </p:sp>
+      <p:cxnSp>
+        <p:nvCxnSpPr>
+          <p:cNvPr id="50" name="Straight Arrow Connector 49"/>
+          <p:cNvCxnSpPr>
+            <a:stCxn id="49" idx="2"/>
+          </p:cNvCxnSpPr>
+          <p:nvPr/>
+        </p:nvCxnSpPr>
+        <p:spPr>
+          <a:xfrm>
+            <a:off x="7208557" y="4680803"/>
+            <a:ext cx="783078" cy="420933"/>
+          </a:xfrm>
+          <a:prstGeom prst="straightConnector1">
+            <a:avLst/>
+          </a:prstGeom>
+          <a:ln>
+            <a:tailEnd type="arrow"/>
+          </a:ln>
+        </p:spPr>
+        <p:style>
+          <a:lnRef idx="2">
+            <a:schemeClr val="accent1"/>
+          </a:lnRef>
+          <a:fillRef idx="0">
+            <a:schemeClr val="accent1"/>
+          </a:fillRef>
+          <a:effectRef idx="1">
+            <a:schemeClr val="accent1"/>
+          </a:effectRef>
+          <a:fontRef idx="minor">
+            <a:schemeClr val="tx1"/>
+          </a:fontRef>
+        </p:style>
+      </p:cxnSp>
+    </p:spTree>
+    <p:extLst>
+      <p:ext uri="{BB962C8B-B14F-4D97-AF65-F5344CB8AC3E}">
+        <p14:creationId xmlns:p14="http://schemas.microsoft.com/office/powerpoint/2010/main" val="239722958"/>
+      </p:ext>
+    </p:extLst>
+  </p:cSld>
+  <p:clrMapOvr>
+    <a:masterClrMapping/>
+  </p:clrMapOvr>
+</p:sld>
+</file>
+
+<file path=ppt/slides/slide9.xml><?xml version="1.0" encoding="utf-8"?>
+<p:sld xmlns:a="http://schemas.openxmlformats.org/drawingml/2006/main" xmlns:r="http://schemas.openxmlformats.org/officeDocument/2006/relationships" xmlns:p="http://schemas.openxmlformats.org/presentationml/2006/main">
+  <p:cSld>
+    <p:spTree>
+      <p:nvGrpSpPr>
+        <p:cNvPr id="1" name=""/>
+        <p:cNvGrpSpPr/>
+        <p:nvPr/>
+      </p:nvGrpSpPr>
+      <p:grpSpPr>
+        <a:xfrm>
+          <a:off x="0" y="0"/>
+          <a:ext cx="0" cy="0"/>
+          <a:chOff x="0" y="0"/>
+          <a:chExt cx="0" cy="0"/>
+        </a:xfrm>
+      </p:grpSpPr>
+      <p:sp>
+        <p:nvSpPr>
+          <p:cNvPr id="2" name="Title 1"/>
+          <p:cNvSpPr>
+            <a:spLocks noGrp="1"/>
+          </p:cNvSpPr>
+          <p:nvPr>
+            <p:ph type="title"/>
+          </p:nvPr>
+        </p:nvSpPr>
+        <p:spPr/>
+        <p:txBody>
+          <a:bodyPr/>
+          <a:lstStyle/>
+          <a:p>
+            <a:r>
+              <a:rPr lang="en-US" dirty="0" smtClean="0"/>
+              <a:t>Immutable Infrastructure</a:t>
+            </a:r>
+            <a:endParaRPr lang="en-US" dirty="0"/>
+          </a:p>
+        </p:txBody>
+      </p:sp>
+      <p:sp>
+        <p:nvSpPr>
+          <p:cNvPr id="3" name="Content Placeholder 2"/>
+          <p:cNvSpPr>
+            <a:spLocks noGrp="1"/>
+          </p:cNvSpPr>
+          <p:nvPr>
+            <p:ph idx="1"/>
+          </p:nvPr>
+        </p:nvSpPr>
+        <p:spPr>
+          <a:xfrm>
+            <a:off x="457200" y="1600200"/>
+            <a:ext cx="8229600" cy="4687584"/>
+          </a:xfrm>
+        </p:spPr>
+        <p:txBody>
+          <a:bodyPr>
+            <a:normAutofit fontScale="85000" lnSpcReduction="20000"/>
+          </a:bodyPr>
+          <a:lstStyle/>
+          <a:p>
+            <a:r>
+              <a:rPr lang="en-US" dirty="0" smtClean="0"/>
+              <a:t>A deployment methodology where we replace systems instead of updating them.</a:t>
+            </a:r>
+          </a:p>
+          <a:p>
+            <a:pPr lvl="1"/>
+            <a:r>
+              <a:rPr lang="en-US" dirty="0" smtClean="0"/>
+              <a:t>Aligns well with dynamic nature of cloud computing.</a:t>
+            </a:r>
+          </a:p>
+          <a:p>
+            <a:pPr lvl="1"/>
+            <a:endParaRPr lang="en-US" dirty="0" smtClean="0"/>
+          </a:p>
+          <a:p>
+            <a:pPr lvl="1"/>
+            <a:r>
+              <a:rPr lang="en-US" dirty="0" smtClean="0"/>
+              <a:t>Eliminates pets from the infrastructure environment.</a:t>
+            </a:r>
+          </a:p>
+          <a:p>
+            <a:pPr lvl="1"/>
+            <a:endParaRPr lang="en-US" dirty="0" smtClean="0"/>
+          </a:p>
+          <a:p>
+            <a:pPr lvl="1"/>
+            <a:r>
+              <a:rPr lang="en-US" dirty="0" smtClean="0"/>
+              <a:t>Mitigates natural entropy experienced by systems.</a:t>
+            </a:r>
+          </a:p>
+          <a:p>
+            <a:pPr lvl="1"/>
+            <a:endParaRPr lang="en-US" dirty="0"/>
+          </a:p>
+          <a:p>
+            <a:pPr lvl="1"/>
+            <a:r>
+              <a:rPr lang="en-US" dirty="0" smtClean="0"/>
+              <a:t>We need to be able to build any system at any time in an automated and repeatable fashion.</a:t>
+            </a:r>
+          </a:p>
+          <a:p>
+            <a:pPr lvl="1"/>
+            <a:endParaRPr lang="en-US" dirty="0"/>
+          </a:p>
+          <a:p>
+            <a:pPr lvl="1"/>
+            <a:r>
+              <a:rPr lang="en-US" dirty="0" smtClean="0"/>
+              <a:t>Sometimes called </a:t>
+            </a:r>
+            <a:r>
+              <a:rPr lang="en-US" b="1" dirty="0" smtClean="0"/>
+              <a:t>phoenix servers </a:t>
+            </a:r>
+            <a:r>
+              <a:rPr lang="en-US" dirty="0" smtClean="0"/>
+              <a:t>– able to rise from the ashes.</a:t>
+            </a:r>
+          </a:p>
+          <a:p>
+            <a:pPr lvl="1"/>
+            <a:endParaRPr lang="en-US" dirty="0"/>
+          </a:p>
+        </p:txBody>
+      </p:sp>
+    </p:spTree>
+    <p:extLst>
+      <p:ext uri="{BB962C8B-B14F-4D97-AF65-F5344CB8AC3E}">
+        <p14:creationId xmlns:p14="http://schemas.microsoft.com/office/powerpoint/2010/main" val="1969535460"/>
       </p:ext>
     </p:extLst>
   </p:cSld>

--- a/lectures/infrastructure-week-10.pptx
+++ b/lectures/infrastructure-week-10.pptx
@@ -13,12 +13,16 @@
     <p:sldId id="262" r:id="rId7"/>
     <p:sldId id="263" r:id="rId8"/>
     <p:sldId id="264" r:id="rId9"/>
-    <p:sldId id="265" r:id="rId10"/>
+    <p:sldId id="272" r:id="rId10"/>
     <p:sldId id="266" r:id="rId11"/>
     <p:sldId id="267" r:id="rId12"/>
     <p:sldId id="268" r:id="rId13"/>
     <p:sldId id="270" r:id="rId14"/>
-    <p:sldId id="258" r:id="rId15"/>
+    <p:sldId id="273" r:id="rId15"/>
+    <p:sldId id="265" r:id="rId16"/>
+    <p:sldId id="271" r:id="rId17"/>
+    <p:sldId id="274" r:id="rId18"/>
+    <p:sldId id="258" r:id="rId19"/>
   </p:sldIdLst>
   <p:sldSz cx="9144000" cy="6858000" type="screen4x3"/>
   <p:notesSz cx="6858000" cy="9144000"/>
@@ -3314,7 +3318,7 @@
           <a:p>
             <a:r>
               <a:rPr lang="en-US" dirty="0" smtClean="0"/>
-              <a:t>Immutable Infrastructure</a:t>
+              <a:t>Create a new server</a:t>
             </a:r>
             <a:endParaRPr lang="en-US" dirty="0"/>
           </a:p>
@@ -3330,16 +3334,21 @@
             <p:ph idx="1"/>
           </p:nvPr>
         </p:nvSpPr>
-        <p:spPr/>
+        <p:spPr>
+          <a:xfrm>
+            <a:off x="457200" y="1600200"/>
+            <a:ext cx="8229600" cy="4872519"/>
+          </a:xfrm>
+        </p:spPr>
         <p:txBody>
           <a:bodyPr>
-            <a:normAutofit fontScale="92500" lnSpcReduction="20000"/>
+            <a:normAutofit fontScale="62500" lnSpcReduction="20000"/>
           </a:bodyPr>
           <a:lstStyle/>
           <a:p>
             <a:r>
               <a:rPr lang="en-US" dirty="0" smtClean="0"/>
-              <a:t>How do we rebuild servers using automation?</a:t>
+              <a:t>How do we create new servers using automation?</a:t>
             </a:r>
           </a:p>
           <a:p>
@@ -3406,13 +3415,13 @@
           </a:p>
           <a:p>
             <a:pPr lvl="1"/>
-            <a:endParaRPr lang="en-US" dirty="0" smtClean="0"/>
+            <a:endParaRPr lang="en-US" dirty="0"/>
           </a:p>
           <a:p>
             <a:pPr lvl="1"/>
             <a:r>
               <a:rPr lang="en-US" dirty="0" smtClean="0"/>
-              <a:t>We can use Terraform, CloudFormation, Auto-scaling or other tools to create the infrastructure.</a:t>
+              <a:t>Use Terraform, CloudFormation, Auto-scaling or other tools to create the infrastructure.</a:t>
             </a:r>
           </a:p>
           <a:p>
@@ -3422,9 +3431,51 @@
           <a:p>
             <a:pPr lvl="1"/>
             <a:r>
-              <a:rPr lang="en-US" dirty="0" smtClean="0"/>
-              <a:t>Need a way to all all the software pieces.</a:t>
-            </a:r>
+              <a:rPr lang="en-US" dirty="0"/>
+              <a:t>S</a:t>
+            </a:r>
+            <a:r>
+              <a:rPr lang="en-US" dirty="0" smtClean="0"/>
+              <a:t>elect a server template (image) containing an operating system and software.</a:t>
+            </a:r>
+          </a:p>
+          <a:p>
+            <a:pPr lvl="1"/>
+            <a:endParaRPr lang="en-US" dirty="0"/>
+          </a:p>
+          <a:p>
+            <a:pPr lvl="1"/>
+            <a:r>
+              <a:rPr lang="en-US" dirty="0" smtClean="0"/>
+              <a:t>Deploy software and configuration using a command tool (Capistrano) or configuration management tool (Chef/ Puppet/ </a:t>
+            </a:r>
+            <a:r>
+              <a:rPr lang="en-US" dirty="0" err="1" smtClean="0"/>
+              <a:t>Ansible</a:t>
+            </a:r>
+            <a:r>
+              <a:rPr lang="en-US" dirty="0" smtClean="0"/>
+              <a:t>).</a:t>
+            </a:r>
+          </a:p>
+          <a:p>
+            <a:pPr lvl="1"/>
+            <a:endParaRPr lang="en-US" dirty="0"/>
+          </a:p>
+          <a:p>
+            <a:pPr lvl="1"/>
+            <a:r>
+              <a:rPr lang="en-US" dirty="0" smtClean="0"/>
+              <a:t>Potentially package everything in containers (Docker – Lecture 12).</a:t>
+            </a:r>
+          </a:p>
+          <a:p>
+            <a:pPr lvl="1"/>
+            <a:endParaRPr lang="en-US" dirty="0"/>
+          </a:p>
+          <a:p>
+            <a:pPr lvl="1"/>
+            <a:endParaRPr lang="en-US" dirty="0" smtClean="0"/>
           </a:p>
         </p:txBody>
       </p:sp>
@@ -3475,7 +3526,7 @@
           <a:p>
             <a:r>
               <a:rPr lang="en-US" dirty="0" smtClean="0"/>
-              <a:t>Bake vs. Fry</a:t>
+              <a:t>Server Template</a:t>
             </a:r>
             <a:endParaRPr lang="en-US" dirty="0"/>
           </a:p>
@@ -3505,7 +3556,7 @@
           <a:p>
             <a:r>
               <a:rPr lang="en-US" dirty="0" smtClean="0"/>
-              <a:t>There are two general approaches to installing software on a server:</a:t>
+              <a:t>There are two general approaches to building a server:</a:t>
             </a:r>
           </a:p>
           <a:p>
@@ -3523,7 +3574,7 @@
             <a:pPr lvl="2"/>
             <a:r>
               <a:rPr lang="en-US" dirty="0" smtClean="0"/>
-              <a:t>Like an AMI based on a snapshot of a fully working system.</a:t>
+              <a:t>Example: Use an AMI based on a snapshot of a fully working system.</a:t>
             </a:r>
           </a:p>
           <a:p>
@@ -3545,6 +3596,17 @@
             <a:r>
               <a:rPr lang="en-US" dirty="0" smtClean="0"/>
               <a:t>Risk: May require you to frequently create and manage new images.</a:t>
+            </a:r>
+          </a:p>
+          <a:p>
+            <a:pPr lvl="2"/>
+            <a:r>
+              <a:rPr lang="en-US" dirty="0"/>
+              <a:t>Practice: minimize amount of software in a template</a:t>
+            </a:r>
+            <a:r>
+              <a:rPr lang="en-US" dirty="0" smtClean="0"/>
+              <a:t>.</a:t>
             </a:r>
           </a:p>
           <a:p>
@@ -3566,7 +3628,7 @@
             <a:pPr lvl="2"/>
             <a:r>
               <a:rPr lang="en-US" dirty="0" smtClean="0"/>
-              <a:t>Like a base AMI image running a </a:t>
+              <a:t>Example: Use a base AMI image and run a </a:t>
             </a:r>
             <a:r>
               <a:rPr lang="en-US" dirty="0" err="1" smtClean="0"/>
@@ -3835,13 +3897,8 @@
           <a:p>
             <a:r>
               <a:rPr lang="en-US" dirty="0" smtClean="0"/>
-              <a:t>Build </a:t>
-            </a:r>
-            <a:r>
-              <a:rPr lang="en-US" smtClean="0"/>
-              <a:t>new image.</a:t>
-            </a:r>
-            <a:endParaRPr lang="en-US" dirty="0" smtClean="0"/>
+              <a:t>Build new image.</a:t>
+            </a:r>
           </a:p>
           <a:p>
             <a:pPr marL="0" indent="0">
@@ -3975,6 +4032,704 @@
 </file>
 
 <file path=ppt/slides/slide14.xml><?xml version="1.0" encoding="utf-8"?>
+<p:sld xmlns:a="http://schemas.openxmlformats.org/drawingml/2006/main" xmlns:r="http://schemas.openxmlformats.org/officeDocument/2006/relationships" xmlns:p="http://schemas.openxmlformats.org/presentationml/2006/main">
+  <p:cSld>
+    <p:spTree>
+      <p:nvGrpSpPr>
+        <p:cNvPr id="1" name=""/>
+        <p:cNvGrpSpPr/>
+        <p:nvPr/>
+      </p:nvGrpSpPr>
+      <p:grpSpPr>
+        <a:xfrm>
+          <a:off x="0" y="0"/>
+          <a:ext cx="0" cy="0"/>
+          <a:chOff x="0" y="0"/>
+          <a:chExt cx="0" cy="0"/>
+        </a:xfrm>
+      </p:grpSpPr>
+      <p:sp>
+        <p:nvSpPr>
+          <p:cNvPr id="2" name="Title 1"/>
+          <p:cNvSpPr>
+            <a:spLocks noGrp="1"/>
+          </p:cNvSpPr>
+          <p:nvPr>
+            <p:ph type="title"/>
+          </p:nvPr>
+        </p:nvSpPr>
+        <p:spPr/>
+        <p:txBody>
+          <a:bodyPr/>
+          <a:lstStyle/>
+          <a:p>
+            <a:r>
+              <a:rPr lang="en-US" dirty="0" smtClean="0"/>
+              <a:t>Update a server</a:t>
+            </a:r>
+            <a:endParaRPr lang="en-US" dirty="0"/>
+          </a:p>
+        </p:txBody>
+      </p:sp>
+      <p:sp>
+        <p:nvSpPr>
+          <p:cNvPr id="3" name="Content Placeholder 2"/>
+          <p:cNvSpPr>
+            <a:spLocks noGrp="1"/>
+          </p:cNvSpPr>
+          <p:nvPr>
+            <p:ph idx="1"/>
+          </p:nvPr>
+        </p:nvSpPr>
+        <p:spPr>
+          <a:xfrm>
+            <a:off x="457200" y="1600200"/>
+            <a:ext cx="8229600" cy="4903342"/>
+          </a:xfrm>
+        </p:spPr>
+        <p:txBody>
+          <a:bodyPr>
+            <a:normAutofit fontScale="77500" lnSpcReduction="20000"/>
+          </a:bodyPr>
+          <a:lstStyle/>
+          <a:p>
+            <a:r>
+              <a:rPr lang="en-US" dirty="0" smtClean="0"/>
+              <a:t>4 models for making configuration changes to servers:</a:t>
+            </a:r>
+          </a:p>
+          <a:p>
+            <a:pPr lvl="1"/>
+            <a:r>
+              <a:rPr lang="en-US" b="1" dirty="0" smtClean="0"/>
+              <a:t>Ad hoc </a:t>
+            </a:r>
+            <a:r>
+              <a:rPr lang="en-US" dirty="0" smtClean="0"/>
+              <a:t>change management: leave server alone until a specific change needs to be made and manually make the change.</a:t>
+            </a:r>
+          </a:p>
+          <a:p>
+            <a:pPr lvl="2"/>
+            <a:r>
+              <a:rPr lang="en-US" dirty="0" smtClean="0"/>
+              <a:t>Tends to leave servers inconsistently configured.</a:t>
+            </a:r>
+          </a:p>
+          <a:p>
+            <a:pPr lvl="2"/>
+            <a:endParaRPr lang="en-US" dirty="0" smtClean="0"/>
+          </a:p>
+          <a:p>
+            <a:pPr lvl="2"/>
+            <a:r>
+              <a:rPr lang="en-US" dirty="0" smtClean="0"/>
+              <a:t>Leads to </a:t>
+            </a:r>
+            <a:r>
+              <a:rPr lang="en-US" b="1" dirty="0" smtClean="0"/>
+              <a:t>configuration drift </a:t>
+            </a:r>
+            <a:r>
+              <a:rPr lang="en-US" dirty="0" smtClean="0"/>
+              <a:t>– a set of servers identically configured will gradually drift apart.</a:t>
+            </a:r>
+          </a:p>
+          <a:p>
+            <a:pPr lvl="1"/>
+            <a:endParaRPr lang="en-US" dirty="0"/>
+          </a:p>
+          <a:p>
+            <a:pPr lvl="1"/>
+            <a:r>
+              <a:rPr lang="en-US" b="1" dirty="0" smtClean="0"/>
+              <a:t>Continuous configuration synchronization</a:t>
+            </a:r>
+            <a:r>
+              <a:rPr lang="en-US" dirty="0" smtClean="0"/>
+              <a:t>: server configuration tool runs on an unattended schedule and applies the current set of configuration definitions.</a:t>
+            </a:r>
+          </a:p>
+          <a:p>
+            <a:pPr lvl="2"/>
+            <a:r>
+              <a:rPr lang="en-US" dirty="0" smtClean="0"/>
+              <a:t>Minimizes configuration drift by continuously reapplying configuration.</a:t>
+            </a:r>
+          </a:p>
+          <a:p>
+            <a:pPr lvl="2"/>
+            <a:endParaRPr lang="en-US" dirty="0" smtClean="0"/>
+          </a:p>
+          <a:p>
+            <a:pPr lvl="2"/>
+            <a:r>
+              <a:rPr lang="en-US" dirty="0" smtClean="0"/>
+              <a:t>Only manages configuration covered by definition files, creating opportunities for other parts of the server configuration to drift.</a:t>
+            </a:r>
+            <a:endParaRPr lang="en-US" dirty="0"/>
+          </a:p>
+        </p:txBody>
+      </p:sp>
+    </p:spTree>
+    <p:extLst>
+      <p:ext uri="{BB962C8B-B14F-4D97-AF65-F5344CB8AC3E}">
+        <p14:creationId xmlns:p14="http://schemas.microsoft.com/office/powerpoint/2010/main" val="2022118344"/>
+      </p:ext>
+    </p:extLst>
+  </p:cSld>
+  <p:clrMapOvr>
+    <a:masterClrMapping/>
+  </p:clrMapOvr>
+</p:sld>
+</file>
+
+<file path=ppt/slides/slide15.xml><?xml version="1.0" encoding="utf-8"?>
+<p:sld xmlns:a="http://schemas.openxmlformats.org/drawingml/2006/main" xmlns:r="http://schemas.openxmlformats.org/officeDocument/2006/relationships" xmlns:p="http://schemas.openxmlformats.org/presentationml/2006/main">
+  <p:cSld>
+    <p:spTree>
+      <p:nvGrpSpPr>
+        <p:cNvPr id="1" name=""/>
+        <p:cNvGrpSpPr/>
+        <p:nvPr/>
+      </p:nvGrpSpPr>
+      <p:grpSpPr>
+        <a:xfrm>
+          <a:off x="0" y="0"/>
+          <a:ext cx="0" cy="0"/>
+          <a:chOff x="0" y="0"/>
+          <a:chExt cx="0" cy="0"/>
+        </a:xfrm>
+      </p:grpSpPr>
+      <p:sp>
+        <p:nvSpPr>
+          <p:cNvPr id="2" name="Title 1"/>
+          <p:cNvSpPr>
+            <a:spLocks noGrp="1"/>
+          </p:cNvSpPr>
+          <p:nvPr>
+            <p:ph type="title"/>
+          </p:nvPr>
+        </p:nvSpPr>
+        <p:spPr/>
+        <p:txBody>
+          <a:bodyPr/>
+          <a:lstStyle/>
+          <a:p>
+            <a:r>
+              <a:rPr lang="en-US" dirty="0" smtClean="0"/>
+              <a:t>Update a server</a:t>
+            </a:r>
+            <a:endParaRPr lang="en-US" dirty="0"/>
+          </a:p>
+        </p:txBody>
+      </p:sp>
+      <p:sp>
+        <p:nvSpPr>
+          <p:cNvPr id="3" name="Content Placeholder 2"/>
+          <p:cNvSpPr>
+            <a:spLocks noGrp="1"/>
+          </p:cNvSpPr>
+          <p:nvPr>
+            <p:ph idx="1"/>
+          </p:nvPr>
+        </p:nvSpPr>
+        <p:spPr>
+          <a:xfrm>
+            <a:off x="457200" y="1600200"/>
+            <a:ext cx="8229600" cy="4687584"/>
+          </a:xfrm>
+        </p:spPr>
+        <p:txBody>
+          <a:bodyPr>
+            <a:normAutofit fontScale="70000" lnSpcReduction="20000"/>
+          </a:bodyPr>
+          <a:lstStyle/>
+          <a:p>
+            <a:pPr lvl="1"/>
+            <a:r>
+              <a:rPr lang="en-US" b="1" dirty="0" smtClean="0"/>
+              <a:t>Immutable servers</a:t>
+            </a:r>
+            <a:r>
+              <a:rPr lang="en-US" dirty="0" smtClean="0"/>
+              <a:t>: a deployment methodology where we replace systems instead of updating them.</a:t>
+            </a:r>
+          </a:p>
+          <a:p>
+            <a:pPr lvl="2"/>
+            <a:r>
+              <a:rPr lang="en-US" dirty="0" smtClean="0"/>
+              <a:t>Allows us to fully test configuration changes and not worry about unexpected effects of changing running systems.</a:t>
+            </a:r>
+          </a:p>
+          <a:p>
+            <a:pPr lvl="2"/>
+            <a:endParaRPr lang="en-US" dirty="0" smtClean="0"/>
+          </a:p>
+          <a:p>
+            <a:pPr lvl="2"/>
+            <a:r>
+              <a:rPr lang="en-US" dirty="0" smtClean="0"/>
+              <a:t>Eliminates pets from the infrastructure environment.</a:t>
+            </a:r>
+          </a:p>
+          <a:p>
+            <a:pPr lvl="1"/>
+            <a:endParaRPr lang="en-US" dirty="0" smtClean="0"/>
+          </a:p>
+          <a:p>
+            <a:pPr lvl="2"/>
+            <a:r>
+              <a:rPr lang="en-US" dirty="0" smtClean="0"/>
+              <a:t>Mitigates configuration drift because systems don’t live long.</a:t>
+            </a:r>
+          </a:p>
+          <a:p>
+            <a:pPr lvl="2"/>
+            <a:endParaRPr lang="en-US" dirty="0"/>
+          </a:p>
+          <a:p>
+            <a:pPr lvl="2"/>
+            <a:r>
+              <a:rPr lang="en-US" dirty="0" smtClean="0"/>
+              <a:t>Practice: replace servers anytime a server template changes.</a:t>
+            </a:r>
+          </a:p>
+          <a:p>
+            <a:pPr lvl="1"/>
+            <a:endParaRPr lang="en-US" dirty="0"/>
+          </a:p>
+          <a:p>
+            <a:pPr lvl="2"/>
+            <a:r>
+              <a:rPr lang="en-US" b="1" dirty="0" smtClean="0"/>
+              <a:t>Phoenix server </a:t>
+            </a:r>
+            <a:r>
+              <a:rPr lang="en-US" dirty="0" smtClean="0"/>
+              <a:t>pattern: replace servers on a scheduled basis regardless of whether changes need to be made or not. </a:t>
+            </a:r>
+          </a:p>
+          <a:p>
+            <a:pPr lvl="1"/>
+            <a:endParaRPr lang="en-US" dirty="0"/>
+          </a:p>
+          <a:p>
+            <a:pPr lvl="1"/>
+            <a:r>
+              <a:rPr lang="en-US" b="1" dirty="0" smtClean="0"/>
+              <a:t>Containerized servers</a:t>
+            </a:r>
+            <a:r>
+              <a:rPr lang="en-US" dirty="0" smtClean="0"/>
+              <a:t>: use containers to package applications and their dependencies.</a:t>
+            </a:r>
+          </a:p>
+          <a:p>
+            <a:pPr lvl="2"/>
+            <a:r>
+              <a:rPr lang="en-US" dirty="0" smtClean="0"/>
+              <a:t>Basically immutable servers, but with containers.</a:t>
+            </a:r>
+          </a:p>
+          <a:p>
+            <a:pPr lvl="2"/>
+            <a:endParaRPr lang="en-US" dirty="0" smtClean="0"/>
+          </a:p>
+          <a:p>
+            <a:pPr lvl="1"/>
+            <a:endParaRPr lang="en-US" dirty="0"/>
+          </a:p>
+        </p:txBody>
+      </p:sp>
+    </p:spTree>
+    <p:extLst>
+      <p:ext uri="{BB962C8B-B14F-4D97-AF65-F5344CB8AC3E}">
+        <p14:creationId xmlns:p14="http://schemas.microsoft.com/office/powerpoint/2010/main" val="1969535460"/>
+      </p:ext>
+    </p:extLst>
+  </p:cSld>
+  <p:clrMapOvr>
+    <a:masterClrMapping/>
+  </p:clrMapOvr>
+</p:sld>
+</file>
+
+<file path=ppt/slides/slide16.xml><?xml version="1.0" encoding="utf-8"?>
+<p:sld xmlns:a="http://schemas.openxmlformats.org/drawingml/2006/main" xmlns:r="http://schemas.openxmlformats.org/officeDocument/2006/relationships" xmlns:p="http://schemas.openxmlformats.org/presentationml/2006/main">
+  <p:cSld>
+    <p:spTree>
+      <p:nvGrpSpPr>
+        <p:cNvPr id="1" name=""/>
+        <p:cNvGrpSpPr/>
+        <p:nvPr/>
+      </p:nvGrpSpPr>
+      <p:grpSpPr>
+        <a:xfrm>
+          <a:off x="0" y="0"/>
+          <a:ext cx="0" cy="0"/>
+          <a:chOff x="0" y="0"/>
+          <a:chExt cx="0" cy="0"/>
+        </a:xfrm>
+      </p:grpSpPr>
+      <p:sp>
+        <p:nvSpPr>
+          <p:cNvPr id="2" name="Title 1"/>
+          <p:cNvSpPr>
+            <a:spLocks noGrp="1"/>
+          </p:cNvSpPr>
+          <p:nvPr>
+            <p:ph type="title"/>
+          </p:nvPr>
+        </p:nvSpPr>
+        <p:spPr/>
+        <p:txBody>
+          <a:bodyPr/>
+          <a:lstStyle/>
+          <a:p>
+            <a:r>
+              <a:rPr lang="en-US" dirty="0" smtClean="0"/>
+              <a:t>Continuous synchronization</a:t>
+            </a:r>
+            <a:endParaRPr lang="en-US" dirty="0"/>
+          </a:p>
+        </p:txBody>
+      </p:sp>
+      <p:sp>
+        <p:nvSpPr>
+          <p:cNvPr id="3" name="Content Placeholder 2"/>
+          <p:cNvSpPr>
+            <a:spLocks noGrp="1"/>
+          </p:cNvSpPr>
+          <p:nvPr>
+            <p:ph idx="1"/>
+          </p:nvPr>
+        </p:nvSpPr>
+        <p:spPr>
+          <a:xfrm>
+            <a:off x="457200" y="1600200"/>
+            <a:ext cx="8229600" cy="5257800"/>
+          </a:xfrm>
+        </p:spPr>
+        <p:txBody>
+          <a:bodyPr>
+            <a:normAutofit fontScale="62500" lnSpcReduction="20000"/>
+          </a:bodyPr>
+          <a:lstStyle/>
+          <a:p>
+            <a:r>
+              <a:rPr lang="en-US" dirty="0" smtClean="0"/>
+              <a:t>Regularly run a process to apply the current configuration definitions to a server.</a:t>
+            </a:r>
+          </a:p>
+          <a:p>
+            <a:endParaRPr lang="en-US" dirty="0" smtClean="0"/>
+          </a:p>
+          <a:p>
+            <a:r>
+              <a:rPr lang="en-US" dirty="0" smtClean="0"/>
+              <a:t>Three synchronization patterns:</a:t>
+            </a:r>
+          </a:p>
+          <a:p>
+            <a:pPr lvl="1"/>
+            <a:r>
+              <a:rPr lang="en-US" b="1" dirty="0" smtClean="0"/>
+              <a:t>Pushing to synchronize</a:t>
+            </a:r>
+            <a:r>
+              <a:rPr lang="en-US" dirty="0" smtClean="0"/>
+              <a:t>: a master server pushes configuration to the servers it manages.</a:t>
+            </a:r>
+          </a:p>
+          <a:p>
+            <a:pPr lvl="2"/>
+            <a:r>
+              <a:rPr lang="en-US" dirty="0" smtClean="0"/>
+              <a:t>Typically uses common communication channels like SSH.</a:t>
+            </a:r>
+          </a:p>
+          <a:p>
+            <a:pPr lvl="2"/>
+            <a:r>
+              <a:rPr lang="en-US" dirty="0" smtClean="0"/>
+              <a:t>No need to install special software agent on managed servers.</a:t>
+            </a:r>
+          </a:p>
+          <a:p>
+            <a:pPr lvl="2"/>
+            <a:r>
+              <a:rPr lang="en-US" dirty="0" smtClean="0"/>
+              <a:t>Centralized control over when changes are distributed to servers.</a:t>
+            </a:r>
+          </a:p>
+          <a:p>
+            <a:pPr lvl="2"/>
+            <a:endParaRPr lang="en-US" dirty="0" smtClean="0"/>
+          </a:p>
+          <a:p>
+            <a:pPr lvl="1"/>
+            <a:r>
+              <a:rPr lang="en-US" b="1" dirty="0" smtClean="0"/>
+              <a:t>Pulling to synchronize</a:t>
+            </a:r>
+            <a:r>
+              <a:rPr lang="en-US" dirty="0" smtClean="0"/>
+              <a:t>: each managed server pulls configuration from a master server.</a:t>
+            </a:r>
+          </a:p>
+          <a:p>
+            <a:pPr lvl="2"/>
+            <a:r>
+              <a:rPr lang="en-US" dirty="0" smtClean="0"/>
+              <a:t>Polling is controlled by an agent on each managed server.</a:t>
+            </a:r>
+          </a:p>
+          <a:p>
+            <a:pPr lvl="2"/>
+            <a:r>
+              <a:rPr lang="en-US" dirty="0" smtClean="0"/>
+              <a:t>May be more secure because an incoming communications channel does not need to be always open on the server.</a:t>
+            </a:r>
+          </a:p>
+          <a:p>
+            <a:pPr lvl="2"/>
+            <a:r>
+              <a:rPr lang="en-US" dirty="0" smtClean="0"/>
+              <a:t>May be more scalable than a push-based synchronization architecture.</a:t>
+            </a:r>
+          </a:p>
+          <a:p>
+            <a:pPr lvl="1"/>
+            <a:endParaRPr lang="en-US" dirty="0"/>
+          </a:p>
+          <a:p>
+            <a:pPr lvl="1"/>
+            <a:r>
+              <a:rPr lang="en-US" b="1" dirty="0" err="1" smtClean="0"/>
+              <a:t>Masterless</a:t>
+            </a:r>
+            <a:r>
+              <a:rPr lang="en-US" b="1" dirty="0" smtClean="0"/>
+              <a:t> configuration management</a:t>
+            </a:r>
+            <a:r>
+              <a:rPr lang="en-US" dirty="0" smtClean="0"/>
+              <a:t>: each managed server downloads copies of the configuration definitions and runs a configuration management tool in a local mode.</a:t>
+            </a:r>
+          </a:p>
+          <a:p>
+            <a:pPr lvl="2"/>
+            <a:r>
+              <a:rPr lang="en-US" dirty="0" smtClean="0"/>
+              <a:t>Eliminates a central server as a single point of failure.</a:t>
+            </a:r>
+          </a:p>
+        </p:txBody>
+      </p:sp>
+    </p:spTree>
+    <p:extLst>
+      <p:ext uri="{BB962C8B-B14F-4D97-AF65-F5344CB8AC3E}">
+        <p14:creationId xmlns:p14="http://schemas.microsoft.com/office/powerpoint/2010/main" val="1113486051"/>
+      </p:ext>
+    </p:extLst>
+  </p:cSld>
+  <p:clrMapOvr>
+    <a:masterClrMapping/>
+  </p:clrMapOvr>
+</p:sld>
+</file>
+
+<file path=ppt/slides/slide17.xml><?xml version="1.0" encoding="utf-8"?>
+<p:sld xmlns:a="http://schemas.openxmlformats.org/drawingml/2006/main" xmlns:r="http://schemas.openxmlformats.org/officeDocument/2006/relationships" xmlns:p="http://schemas.openxmlformats.org/presentationml/2006/main">
+  <p:cSld>
+    <p:spTree>
+      <p:nvGrpSpPr>
+        <p:cNvPr id="1" name=""/>
+        <p:cNvGrpSpPr/>
+        <p:nvPr/>
+      </p:nvGrpSpPr>
+      <p:grpSpPr>
+        <a:xfrm>
+          <a:off x="0" y="0"/>
+          <a:ext cx="0" cy="0"/>
+          <a:chOff x="0" y="0"/>
+          <a:chExt cx="0" cy="0"/>
+        </a:xfrm>
+      </p:grpSpPr>
+      <p:sp>
+        <p:nvSpPr>
+          <p:cNvPr id="2" name="Title 1"/>
+          <p:cNvSpPr>
+            <a:spLocks noGrp="1"/>
+          </p:cNvSpPr>
+          <p:nvPr>
+            <p:ph type="title"/>
+          </p:nvPr>
+        </p:nvSpPr>
+        <p:spPr/>
+        <p:txBody>
+          <a:bodyPr/>
+          <a:lstStyle/>
+          <a:p>
+            <a:r>
+              <a:rPr lang="en-US" dirty="0" err="1" smtClean="0"/>
+              <a:t>Ansible</a:t>
+            </a:r>
+            <a:endParaRPr lang="en-US" dirty="0"/>
+          </a:p>
+        </p:txBody>
+      </p:sp>
+      <p:sp>
+        <p:nvSpPr>
+          <p:cNvPr id="3" name="Content Placeholder 2"/>
+          <p:cNvSpPr>
+            <a:spLocks noGrp="1"/>
+          </p:cNvSpPr>
+          <p:nvPr>
+            <p:ph idx="1"/>
+          </p:nvPr>
+        </p:nvSpPr>
+        <p:spPr>
+          <a:xfrm>
+            <a:off x="457200" y="1600200"/>
+            <a:ext cx="8229600" cy="4800600"/>
+          </a:xfrm>
+        </p:spPr>
+        <p:txBody>
+          <a:bodyPr>
+            <a:normAutofit fontScale="77500" lnSpcReduction="20000"/>
+          </a:bodyPr>
+          <a:lstStyle/>
+          <a:p>
+            <a:r>
+              <a:rPr lang="en-US" dirty="0" smtClean="0"/>
+              <a:t>A free-software platform for configuring and managing servers.</a:t>
+            </a:r>
+          </a:p>
+          <a:p>
+            <a:pPr lvl="1"/>
+            <a:r>
+              <a:rPr lang="en-US" dirty="0" smtClean="0"/>
+              <a:t>Push-based configuration using SSH as a communications channel.</a:t>
+            </a:r>
+          </a:p>
+          <a:p>
+            <a:pPr lvl="1"/>
+            <a:endParaRPr lang="en-US" dirty="0" smtClean="0"/>
+          </a:p>
+          <a:p>
+            <a:pPr lvl="1"/>
+            <a:r>
+              <a:rPr lang="en-US" dirty="0" smtClean="0"/>
+              <a:t>Supports both synchronized and ad hoc task execution. </a:t>
+            </a:r>
+          </a:p>
+          <a:p>
+            <a:pPr lvl="1"/>
+            <a:endParaRPr lang="en-US" dirty="0" smtClean="0"/>
+          </a:p>
+          <a:p>
+            <a:pPr lvl="1"/>
+            <a:r>
+              <a:rPr lang="en-US" dirty="0" smtClean="0"/>
+              <a:t>Uses YAML to describe the configuration of systems.</a:t>
+            </a:r>
+          </a:p>
+          <a:p>
+            <a:pPr lvl="1"/>
+            <a:endParaRPr lang="en-US" dirty="0" smtClean="0"/>
+          </a:p>
+          <a:p>
+            <a:pPr lvl="1"/>
+            <a:r>
+              <a:rPr lang="en-US" dirty="0" smtClean="0"/>
+              <a:t>Originally developed by Michael </a:t>
+            </a:r>
+            <a:r>
+              <a:rPr lang="en-US" dirty="0" err="1" smtClean="0"/>
+              <a:t>DeHaan</a:t>
+            </a:r>
+            <a:r>
+              <a:rPr lang="en-US" dirty="0"/>
+              <a:t> </a:t>
+            </a:r>
+            <a:r>
+              <a:rPr lang="en-US" dirty="0" smtClean="0"/>
+              <a:t>and acquired by Red Hat.</a:t>
+            </a:r>
+          </a:p>
+          <a:p>
+            <a:pPr lvl="1"/>
+            <a:endParaRPr lang="en-US" dirty="0"/>
+          </a:p>
+          <a:p>
+            <a:pPr lvl="1"/>
+            <a:r>
+              <a:rPr lang="en-US" dirty="0" smtClean="0"/>
+              <a:t>Written in Python and available at </a:t>
+            </a:r>
+            <a:r>
+              <a:rPr lang="en-US" dirty="0" smtClean="0">
+                <a:hlinkClick r:id="rId2"/>
+              </a:rPr>
+              <a:t>www.ansible.com</a:t>
+            </a:r>
+            <a:endParaRPr lang="en-US" dirty="0" smtClean="0"/>
+          </a:p>
+          <a:p>
+            <a:pPr lvl="2"/>
+            <a:r>
+              <a:rPr lang="en-US" dirty="0" smtClean="0"/>
+              <a:t>Control application must run on </a:t>
+            </a:r>
+            <a:r>
+              <a:rPr lang="en-US" smtClean="0"/>
+              <a:t>Unix/Linux system</a:t>
+            </a:r>
+            <a:endParaRPr lang="en-US" dirty="0" smtClean="0"/>
+          </a:p>
+        </p:txBody>
+      </p:sp>
+      <p:pic>
+        <p:nvPicPr>
+          <p:cNvPr id="4" name="Picture 3"/>
+          <p:cNvPicPr>
+            <a:picLocks noChangeAspect="1"/>
+          </p:cNvPicPr>
+          <p:nvPr/>
+        </p:nvPicPr>
+        <p:blipFill>
+          <a:blip r:embed="rId3"/>
+          <a:stretch>
+            <a:fillRect/>
+          </a:stretch>
+        </p:blipFill>
+        <p:spPr>
+          <a:xfrm>
+            <a:off x="7046930" y="26203"/>
+            <a:ext cx="1639870" cy="1639870"/>
+          </a:xfrm>
+          <a:prstGeom prst="rect">
+            <a:avLst/>
+          </a:prstGeom>
+        </p:spPr>
+      </p:pic>
+    </p:spTree>
+    <p:extLst>
+      <p:ext uri="{BB962C8B-B14F-4D97-AF65-F5344CB8AC3E}">
+        <p14:creationId xmlns:p14="http://schemas.microsoft.com/office/powerpoint/2010/main" val="1544820095"/>
+      </p:ext>
+    </p:extLst>
+  </p:cSld>
+  <p:clrMapOvr>
+    <a:masterClrMapping/>
+  </p:clrMapOvr>
+</p:sld>
+</file>
+
+<file path=ppt/slides/slide18.xml><?xml version="1.0" encoding="utf-8"?>
 <p:sld xmlns:a="http://schemas.openxmlformats.org/drawingml/2006/main" xmlns:r="http://schemas.openxmlformats.org/officeDocument/2006/relationships" xmlns:p="http://schemas.openxmlformats.org/presentationml/2006/main">
   <p:cSld>
     <p:spTree>
@@ -8653,108 +9408,40 @@
           <a:p>
             <a:r>
               <a:rPr lang="en-US" dirty="0" smtClean="0"/>
-              <a:t>Immutable Infrastructure</a:t>
+              <a:t>Server Lifecycle</a:t>
             </a:r>
             <a:endParaRPr lang="en-US" dirty="0"/>
           </a:p>
         </p:txBody>
       </p:sp>
-      <p:sp>
-        <p:nvSpPr>
-          <p:cNvPr id="3" name="Content Placeholder 2"/>
-          <p:cNvSpPr>
-            <a:spLocks noGrp="1"/>
-          </p:cNvSpPr>
-          <p:nvPr>
-            <p:ph idx="1"/>
-          </p:nvPr>
-        </p:nvSpPr>
-        <p:spPr>
-          <a:xfrm>
-            <a:off x="457200" y="1600200"/>
-            <a:ext cx="8229600" cy="4687584"/>
-          </a:xfrm>
-        </p:spPr>
-        <p:txBody>
-          <a:bodyPr>
-            <a:normAutofit fontScale="85000" lnSpcReduction="20000"/>
-          </a:bodyPr>
-          <a:lstStyle/>
-          <a:p>
-            <a:r>
-              <a:rPr lang="en-US" dirty="0" smtClean="0"/>
-              <a:t>A deployment methodology where we replace systems instead of updating them.</a:t>
-            </a:r>
-          </a:p>
-          <a:p>
-            <a:pPr lvl="1"/>
-            <a:r>
-              <a:rPr lang="en-US" dirty="0" smtClean="0"/>
-              <a:t>Aligns well with dynamic nature of cloud computing.</a:t>
-            </a:r>
-          </a:p>
-          <a:p>
-            <a:pPr lvl="1"/>
-            <a:endParaRPr lang="en-US" dirty="0" smtClean="0"/>
-          </a:p>
-          <a:p>
-            <a:pPr lvl="1"/>
-            <a:r>
-              <a:rPr lang="en-US" dirty="0" smtClean="0"/>
-              <a:t>Eliminates pets from the infrastructure environment.</a:t>
-            </a:r>
-          </a:p>
-          <a:p>
-            <a:pPr lvl="1"/>
-            <a:endParaRPr lang="en-US" dirty="0" smtClean="0"/>
-          </a:p>
-          <a:p>
-            <a:pPr lvl="1"/>
-            <a:r>
-              <a:rPr lang="en-US" dirty="0" smtClean="0"/>
-              <a:t>Mitigates natural entropy experienced by systems.</a:t>
-            </a:r>
-          </a:p>
-          <a:p>
-            <a:pPr lvl="1"/>
-            <a:endParaRPr lang="en-US" dirty="0"/>
-          </a:p>
-          <a:p>
-            <a:pPr lvl="1"/>
-            <a:r>
-              <a:rPr lang="en-US" dirty="0" smtClean="0"/>
-              <a:t>We need to be able to build any system at any time in an automated and repeatable fashion.</a:t>
-            </a:r>
-          </a:p>
-          <a:p>
-            <a:pPr lvl="1"/>
-            <a:endParaRPr lang="en-US" dirty="0"/>
-          </a:p>
-          <a:p>
-            <a:pPr lvl="1"/>
-            <a:r>
-              <a:rPr lang="en-US" dirty="0" smtClean="0"/>
-              <a:t>Sometimes called </a:t>
-            </a:r>
-            <a:r>
-              <a:rPr lang="en-US" b="1" dirty="0" smtClean="0"/>
-              <a:t>phoenix servers </a:t>
-            </a:r>
-            <a:r>
-              <a:rPr lang="en-US" dirty="0" smtClean="0"/>
-              <a:t>– able to rise from the ashes.</a:t>
-            </a:r>
-          </a:p>
-          <a:p>
-            <a:pPr lvl="1"/>
-            <a:endParaRPr lang="en-US" dirty="0"/>
-          </a:p>
-        </p:txBody>
-      </p:sp>
+      <p:pic>
+        <p:nvPicPr>
+          <p:cNvPr id="4" name="Picture 3"/>
+          <p:cNvPicPr>
+            <a:picLocks noChangeAspect="1"/>
+          </p:cNvPicPr>
+          <p:nvPr/>
+        </p:nvPicPr>
+        <p:blipFill>
+          <a:blip r:embed="rId2"/>
+          <a:stretch>
+            <a:fillRect/>
+          </a:stretch>
+        </p:blipFill>
+        <p:spPr>
+          <a:xfrm>
+            <a:off x="554804" y="2252234"/>
+            <a:ext cx="8332342" cy="2812428"/>
+          </a:xfrm>
+          <a:prstGeom prst="rect">
+            <a:avLst/>
+          </a:prstGeom>
+        </p:spPr>
+      </p:pic>
     </p:spTree>
     <p:extLst>
       <p:ext uri="{BB962C8B-B14F-4D97-AF65-F5344CB8AC3E}">
-        <p14:creationId xmlns:p14="http://schemas.microsoft.com/office/powerpoint/2010/main" val="1969535460"/>
+        <p14:creationId xmlns:p14="http://schemas.microsoft.com/office/powerpoint/2010/main" val="845040489"/>
       </p:ext>
     </p:extLst>
   </p:cSld>

--- a/lectures/infrastructure-week-10.pptx
+++ b/lectures/infrastructure-week-10.pptx
@@ -20,9 +20,18 @@
     <p:sldId id="270" r:id="rId14"/>
     <p:sldId id="273" r:id="rId15"/>
     <p:sldId id="265" r:id="rId16"/>
-    <p:sldId id="271" r:id="rId17"/>
-    <p:sldId id="274" r:id="rId18"/>
-    <p:sldId id="258" r:id="rId19"/>
+    <p:sldId id="275" r:id="rId17"/>
+    <p:sldId id="271" r:id="rId18"/>
+    <p:sldId id="274" r:id="rId19"/>
+    <p:sldId id="276" r:id="rId20"/>
+    <p:sldId id="277" r:id="rId21"/>
+    <p:sldId id="278" r:id="rId22"/>
+    <p:sldId id="279" r:id="rId23"/>
+    <p:sldId id="281" r:id="rId24"/>
+    <p:sldId id="280" r:id="rId25"/>
+    <p:sldId id="282" r:id="rId26"/>
+    <p:sldId id="283" r:id="rId27"/>
+    <p:sldId id="258" r:id="rId28"/>
   </p:sldIdLst>
   <p:sldSz cx="9144000" cy="6858000" type="screen4x3"/>
   <p:notesSz cx="6858000" cy="9144000"/>
@@ -321,7 +330,7 @@
           <a:p>
             <a:fld id="{972605B8-2E90-124E-924E-6F58993143C6}" type="datetimeFigureOut">
               <a:rPr lang="en-US" smtClean="0"/>
-              <a:t>10/30/16</a:t>
+              <a:t>11/4/16</a:t>
             </a:fld>
             <a:endParaRPr lang="en-US"/>
           </a:p>
@@ -491,7 +500,7 @@
           <a:p>
             <a:fld id="{972605B8-2E90-124E-924E-6F58993143C6}" type="datetimeFigureOut">
               <a:rPr lang="en-US" smtClean="0"/>
-              <a:t>10/30/16</a:t>
+              <a:t>11/4/16</a:t>
             </a:fld>
             <a:endParaRPr lang="en-US"/>
           </a:p>
@@ -671,7 +680,7 @@
           <a:p>
             <a:fld id="{972605B8-2E90-124E-924E-6F58993143C6}" type="datetimeFigureOut">
               <a:rPr lang="en-US" smtClean="0"/>
-              <a:t>10/30/16</a:t>
+              <a:t>11/4/16</a:t>
             </a:fld>
             <a:endParaRPr lang="en-US"/>
           </a:p>
@@ -841,7 +850,7 @@
           <a:p>
             <a:fld id="{972605B8-2E90-124E-924E-6F58993143C6}" type="datetimeFigureOut">
               <a:rPr lang="en-US" smtClean="0"/>
-              <a:t>10/30/16</a:t>
+              <a:t>11/4/16</a:t>
             </a:fld>
             <a:endParaRPr lang="en-US"/>
           </a:p>
@@ -1087,7 +1096,7 @@
           <a:p>
             <a:fld id="{972605B8-2E90-124E-924E-6F58993143C6}" type="datetimeFigureOut">
               <a:rPr lang="en-US" smtClean="0"/>
-              <a:t>10/30/16</a:t>
+              <a:t>11/4/16</a:t>
             </a:fld>
             <a:endParaRPr lang="en-US"/>
           </a:p>
@@ -1375,7 +1384,7 @@
           <a:p>
             <a:fld id="{972605B8-2E90-124E-924E-6F58993143C6}" type="datetimeFigureOut">
               <a:rPr lang="en-US" smtClean="0"/>
-              <a:t>10/30/16</a:t>
+              <a:t>11/4/16</a:t>
             </a:fld>
             <a:endParaRPr lang="en-US"/>
           </a:p>
@@ -1797,7 +1806,7 @@
           <a:p>
             <a:fld id="{972605B8-2E90-124E-924E-6F58993143C6}" type="datetimeFigureOut">
               <a:rPr lang="en-US" smtClean="0"/>
-              <a:t>10/30/16</a:t>
+              <a:t>11/4/16</a:t>
             </a:fld>
             <a:endParaRPr lang="en-US"/>
           </a:p>
@@ -1915,7 +1924,7 @@
           <a:p>
             <a:fld id="{972605B8-2E90-124E-924E-6F58993143C6}" type="datetimeFigureOut">
               <a:rPr lang="en-US" smtClean="0"/>
-              <a:t>10/30/16</a:t>
+              <a:t>11/4/16</a:t>
             </a:fld>
             <a:endParaRPr lang="en-US"/>
           </a:p>
@@ -2010,7 +2019,7 @@
           <a:p>
             <a:fld id="{972605B8-2E90-124E-924E-6F58993143C6}" type="datetimeFigureOut">
               <a:rPr lang="en-US" smtClean="0"/>
-              <a:t>10/30/16</a:t>
+              <a:t>11/4/16</a:t>
             </a:fld>
             <a:endParaRPr lang="en-US"/>
           </a:p>
@@ -2287,7 +2296,7 @@
           <a:p>
             <a:fld id="{972605B8-2E90-124E-924E-6F58993143C6}" type="datetimeFigureOut">
               <a:rPr lang="en-US" smtClean="0"/>
-              <a:t>10/30/16</a:t>
+              <a:t>11/4/16</a:t>
             </a:fld>
             <a:endParaRPr lang="en-US"/>
           </a:p>
@@ -2540,7 +2549,7 @@
           <a:p>
             <a:fld id="{972605B8-2E90-124E-924E-6F58993143C6}" type="datetimeFigureOut">
               <a:rPr lang="en-US" smtClean="0"/>
-              <a:t>10/30/16</a:t>
+              <a:t>11/4/16</a:t>
             </a:fld>
             <a:endParaRPr lang="en-US"/>
           </a:p>
@@ -2753,7 +2762,7 @@
           <a:p>
             <a:fld id="{972605B8-2E90-124E-924E-6F58993143C6}" type="datetimeFigureOut">
               <a:rPr lang="en-US" smtClean="0"/>
-              <a:t>10/30/16</a:t>
+              <a:t>11/4/16</a:t>
             </a:fld>
             <a:endParaRPr lang="en-US"/>
           </a:p>
@@ -3978,7 +3987,6 @@
               <a:rPr lang="en-US" dirty="0" smtClean="0"/>
               <a:t>View image in AWS console.</a:t>
             </a:r>
-            <a:endParaRPr lang="en-US" dirty="0" smtClean="0"/>
           </a:p>
           <a:p>
             <a:pPr marL="0" indent="0">
@@ -4390,7 +4398,7 @@
           <a:p>
             <a:r>
               <a:rPr lang="en-US" dirty="0" smtClean="0"/>
-              <a:t>Continuous synchronization</a:t>
+              <a:t>Dynamic Infrastructure Challenges</a:t>
             </a:r>
             <a:endParaRPr lang="en-US" dirty="0"/>
           </a:p>
@@ -4408,130 +4416,123 @@
         </p:nvSpPr>
         <p:spPr>
           <a:xfrm>
-            <a:off x="457200" y="1600200"/>
-            <a:ext cx="8229600" cy="5257800"/>
+            <a:off x="457200" y="1600199"/>
+            <a:ext cx="8229600" cy="4625940"/>
           </a:xfrm>
         </p:spPr>
         <p:txBody>
           <a:bodyPr>
-            <a:normAutofit fontScale="62500" lnSpcReduction="20000"/>
+            <a:normAutofit fontScale="55000" lnSpcReduction="20000"/>
           </a:bodyPr>
           <a:lstStyle/>
           <a:p>
             <a:r>
               <a:rPr lang="en-US" dirty="0" smtClean="0"/>
-              <a:t>Regularly run a process to apply the current configuration definitions to a server.</a:t>
-            </a:r>
-          </a:p>
-          <a:p>
+              <a:t>Server sprawl</a:t>
+            </a:r>
+          </a:p>
+          <a:p>
+            <a:pPr lvl="1"/>
+            <a:r>
+              <a:rPr lang="en-US" dirty="0" smtClean="0"/>
+              <a:t>It’s really easy to provision new servers.</a:t>
+            </a:r>
+          </a:p>
+          <a:p>
+            <a:pPr lvl="1"/>
+            <a:r>
+              <a:rPr lang="en-US" dirty="0" smtClean="0"/>
+              <a:t>It becomes difficult to patch and consistently maintain servers and the numbers grow.</a:t>
+            </a:r>
+          </a:p>
+          <a:p>
+            <a:pPr lvl="1"/>
             <a:endParaRPr lang="en-US" dirty="0" smtClean="0"/>
           </a:p>
           <a:p>
             <a:r>
               <a:rPr lang="en-US" dirty="0" smtClean="0"/>
-              <a:t>Three synchronization patterns:</a:t>
+              <a:t>Configuration drift</a:t>
             </a:r>
           </a:p>
           <a:p>
             <a:pPr lvl="1"/>
             <a:r>
-              <a:rPr lang="en-US" b="1" dirty="0" smtClean="0"/>
-              <a:t>Pushing to synchronize</a:t>
-            </a:r>
-            <a:r>
-              <a:rPr lang="en-US" dirty="0" smtClean="0"/>
-              <a:t>: a master server pushes configuration to the servers it manages.</a:t>
-            </a:r>
-          </a:p>
-          <a:p>
-            <a:pPr lvl="2"/>
-            <a:r>
-              <a:rPr lang="en-US" dirty="0" smtClean="0"/>
-              <a:t>Typically uses common communication channels like SSH.</a:t>
-            </a:r>
-          </a:p>
-          <a:p>
-            <a:pPr lvl="2"/>
-            <a:r>
-              <a:rPr lang="en-US" dirty="0" smtClean="0"/>
-              <a:t>No need to install special software agent on managed servers.</a:t>
-            </a:r>
-          </a:p>
-          <a:p>
-            <a:pPr lvl="2"/>
-            <a:r>
-              <a:rPr lang="en-US" dirty="0" smtClean="0"/>
-              <a:t>Centralized control over when changes are distributed to servers.</a:t>
-            </a:r>
-          </a:p>
-          <a:p>
-            <a:pPr lvl="2"/>
+              <a:rPr lang="en-US" dirty="0" smtClean="0"/>
+              <a:t>Configuration of servers gradually change over time.</a:t>
+            </a:r>
+          </a:p>
+          <a:p>
+            <a:pPr lvl="1"/>
+            <a:r>
+              <a:rPr lang="en-US" dirty="0" smtClean="0"/>
+              <a:t>Unmanaged variation leads to support and maintenance challenges.</a:t>
+            </a:r>
+          </a:p>
+          <a:p>
+            <a:pPr lvl="1"/>
             <a:endParaRPr lang="en-US" dirty="0" smtClean="0"/>
           </a:p>
           <a:p>
+            <a:r>
+              <a:rPr lang="en-US" dirty="0" smtClean="0"/>
+              <a:t>Snowflake servers</a:t>
+            </a:r>
+          </a:p>
+          <a:p>
             <a:pPr lvl="1"/>
             <a:r>
-              <a:rPr lang="en-US" b="1" dirty="0" smtClean="0"/>
-              <a:t>Pulling to synchronize</a:t>
-            </a:r>
-            <a:r>
-              <a:rPr lang="en-US" dirty="0" smtClean="0"/>
-              <a:t>: each managed server pulls configuration from a master server.</a:t>
-            </a:r>
-          </a:p>
-          <a:p>
-            <a:pPr lvl="2"/>
-            <a:r>
-              <a:rPr lang="en-US" dirty="0" smtClean="0"/>
-              <a:t>Polling is controlled by an agent on each managed server.</a:t>
-            </a:r>
-          </a:p>
-          <a:p>
-            <a:pPr lvl="2"/>
-            <a:r>
-              <a:rPr lang="en-US" dirty="0" smtClean="0"/>
-              <a:t>May be more secure because an incoming communications channel does not need to be always open on the server.</a:t>
-            </a:r>
-          </a:p>
-          <a:p>
-            <a:pPr lvl="2"/>
-            <a:r>
-              <a:rPr lang="en-US" dirty="0" smtClean="0"/>
-              <a:t>May be more scalable than a push-based synchronization architecture.</a:t>
+              <a:rPr lang="en-US" dirty="0" smtClean="0"/>
+              <a:t>Unique servers that cannot be easily replicated.</a:t>
             </a:r>
           </a:p>
           <a:p>
             <a:pPr lvl="1"/>
+            <a:r>
+              <a:rPr lang="en-US" dirty="0" smtClean="0"/>
+              <a:t>Leads to fragile infrastructure and components that nobody knows how to fix.</a:t>
+            </a:r>
+          </a:p>
+          <a:p>
+            <a:endParaRPr lang="en-US" dirty="0" smtClean="0"/>
+          </a:p>
+          <a:p>
+            <a:r>
+              <a:rPr lang="en-US" dirty="0" smtClean="0"/>
+              <a:t>Automation fear</a:t>
+            </a:r>
+          </a:p>
+          <a:p>
+            <a:pPr lvl="1"/>
+            <a:r>
+              <a:rPr lang="en-US" dirty="0" smtClean="0"/>
+              <a:t>Fear of running automation tools because so much infrastructure is hand-cranked.</a:t>
+            </a:r>
+          </a:p>
+          <a:p>
+            <a:pPr lvl="1"/>
+            <a:endParaRPr lang="en-US" dirty="0" smtClean="0"/>
+          </a:p>
+          <a:p>
+            <a:r>
+              <a:rPr lang="en-US" dirty="0" smtClean="0"/>
+              <a:t>Erosion</a:t>
+            </a:r>
+          </a:p>
+          <a:p>
+            <a:pPr lvl="1"/>
+            <a:r>
+              <a:rPr lang="en-US" dirty="0" smtClean="0"/>
+              <a:t>Natural entropy suggests that problems will creep into systems over time.</a:t>
+            </a:r>
             <a:endParaRPr lang="en-US" dirty="0"/>
-          </a:p>
-          <a:p>
-            <a:pPr lvl="1"/>
-            <a:r>
-              <a:rPr lang="en-US" b="1" dirty="0" err="1" smtClean="0"/>
-              <a:t>Masterless</a:t>
-            </a:r>
-            <a:r>
-              <a:rPr lang="en-US" b="1" dirty="0" smtClean="0"/>
-              <a:t> configuration management</a:t>
-            </a:r>
-            <a:r>
-              <a:rPr lang="en-US" dirty="0" smtClean="0"/>
-              <a:t>: each managed server downloads copies of the configuration definitions and runs a configuration management tool in a local mode.</a:t>
-            </a:r>
-          </a:p>
-          <a:p>
-            <a:pPr lvl="2"/>
-            <a:r>
-              <a:rPr lang="en-US" dirty="0" smtClean="0"/>
-              <a:t>Eliminates a central server as a single point of failure.</a:t>
-            </a:r>
           </a:p>
         </p:txBody>
       </p:sp>
     </p:spTree>
     <p:extLst>
       <p:ext uri="{BB962C8B-B14F-4D97-AF65-F5344CB8AC3E}">
-        <p14:creationId xmlns:p14="http://schemas.microsoft.com/office/powerpoint/2010/main" val="1113486051"/>
+        <p14:creationId xmlns:p14="http://schemas.microsoft.com/office/powerpoint/2010/main" val="1937070469"/>
       </p:ext>
     </p:extLst>
   </p:cSld>
@@ -4574,8 +4575,8 @@
           <a:lstStyle/>
           <a:p>
             <a:r>
-              <a:rPr lang="en-US" dirty="0" err="1" smtClean="0"/>
-              <a:t>Ansible</a:t>
+              <a:rPr lang="en-US" dirty="0" smtClean="0"/>
+              <a:t>Continuous synchronization</a:t>
             </a:r>
             <a:endParaRPr lang="en-US" dirty="0"/>
           </a:p>
@@ -4594,70 +4595,95 @@
         <p:spPr>
           <a:xfrm>
             <a:off x="457200" y="1600200"/>
-            <a:ext cx="8229600" cy="4800600"/>
+            <a:ext cx="8229600" cy="5257800"/>
           </a:xfrm>
         </p:spPr>
         <p:txBody>
           <a:bodyPr>
-            <a:normAutofit fontScale="77500" lnSpcReduction="20000"/>
+            <a:normAutofit fontScale="62500" lnSpcReduction="20000"/>
           </a:bodyPr>
           <a:lstStyle/>
           <a:p>
             <a:r>
               <a:rPr lang="en-US" dirty="0" smtClean="0"/>
-              <a:t>A free-software platform for configuring and managing servers.</a:t>
+              <a:t>Regularly run a process to apply the current configuration definitions to a server.</a:t>
+            </a:r>
+          </a:p>
+          <a:p>
+            <a:endParaRPr lang="en-US" dirty="0" smtClean="0"/>
+          </a:p>
+          <a:p>
+            <a:r>
+              <a:rPr lang="en-US" dirty="0" smtClean="0"/>
+              <a:t>Three synchronization patterns:</a:t>
             </a:r>
           </a:p>
           <a:p>
             <a:pPr lvl="1"/>
             <a:r>
-              <a:rPr lang="en-US" dirty="0" smtClean="0"/>
-              <a:t>Push-based configuration using SSH as a communications channel.</a:t>
-            </a:r>
+              <a:rPr lang="en-US" b="1" dirty="0" smtClean="0"/>
+              <a:t>Pushing to synchronize</a:t>
+            </a:r>
+            <a:r>
+              <a:rPr lang="en-US" dirty="0" smtClean="0"/>
+              <a:t>: a master server pushes configuration to the servers it manages.</a:t>
+            </a:r>
+          </a:p>
+          <a:p>
+            <a:pPr lvl="2"/>
+            <a:r>
+              <a:rPr lang="en-US" dirty="0" smtClean="0"/>
+              <a:t>Typically uses common communication channels like SSH.</a:t>
+            </a:r>
+          </a:p>
+          <a:p>
+            <a:pPr lvl="2"/>
+            <a:r>
+              <a:rPr lang="en-US" dirty="0" smtClean="0"/>
+              <a:t>No need to install special software agent on managed servers.</a:t>
+            </a:r>
+          </a:p>
+          <a:p>
+            <a:pPr lvl="2"/>
+            <a:r>
+              <a:rPr lang="en-US" dirty="0" smtClean="0"/>
+              <a:t>Centralized control over when changes are distributed to servers.</a:t>
+            </a:r>
+          </a:p>
+          <a:p>
+            <a:pPr lvl="2"/>
+            <a:endParaRPr lang="en-US" dirty="0" smtClean="0"/>
           </a:p>
           <a:p>
             <a:pPr lvl="1"/>
-            <a:endParaRPr lang="en-US" dirty="0" smtClean="0"/>
-          </a:p>
-          <a:p>
-            <a:pPr lvl="1"/>
-            <a:r>
-              <a:rPr lang="en-US" dirty="0" smtClean="0"/>
-              <a:t>Supports both synchronized and ad hoc task execution. </a:t>
-            </a:r>
-          </a:p>
-          <a:p>
-            <a:pPr lvl="1"/>
-            <a:endParaRPr lang="en-US" dirty="0" smtClean="0"/>
-          </a:p>
-          <a:p>
-            <a:pPr lvl="1"/>
-            <a:r>
-              <a:rPr lang="en-US" dirty="0" smtClean="0"/>
-              <a:t>Uses YAML to describe the configuration of systems.</a:t>
-            </a:r>
-          </a:p>
-          <a:p>
-            <a:pPr lvl="1"/>
-            <a:endParaRPr lang="en-US" dirty="0" smtClean="0"/>
-          </a:p>
-          <a:p>
-            <a:pPr lvl="1"/>
-            <a:r>
-              <a:rPr lang="en-US" dirty="0" smtClean="0"/>
-              <a:t>Originally developed by Michael </a:t>
-            </a:r>
-            <a:r>
-              <a:rPr lang="en-US" dirty="0" err="1" smtClean="0"/>
-              <a:t>DeHaan</a:t>
-            </a:r>
-            <a:r>
-              <a:rPr lang="en-US" dirty="0"/>
-              <a:t> </a:t>
-            </a:r>
-            <a:r>
-              <a:rPr lang="en-US" dirty="0" smtClean="0"/>
-              <a:t>and acquired by Red Hat.</a:t>
+            <a:r>
+              <a:rPr lang="en-US" b="1" dirty="0" smtClean="0"/>
+              <a:t>Pulling to synchronize</a:t>
+            </a:r>
+            <a:r>
+              <a:rPr lang="en-US" dirty="0" smtClean="0"/>
+              <a:t>: each managed server pulls configuration from a master server.</a:t>
+            </a:r>
+          </a:p>
+          <a:p>
+            <a:pPr lvl="2"/>
+            <a:r>
+              <a:rPr lang="en-US" dirty="0" smtClean="0"/>
+              <a:t>Polling is controlled by an agent on each managed server.</a:t>
+            </a:r>
+          </a:p>
+          <a:p>
+            <a:pPr lvl="2"/>
+            <a:r>
+              <a:rPr lang="en-US" dirty="0" smtClean="0"/>
+              <a:t>May be more secure because an incoming communications channel does not need to be always open on the server.</a:t>
+            </a:r>
+          </a:p>
+          <a:p>
+            <a:pPr lvl="2"/>
+            <a:r>
+              <a:rPr lang="en-US" dirty="0" smtClean="0"/>
+              <a:t>May be more scalable than a push-based synchronization architecture.</a:t>
             </a:r>
           </a:p>
           <a:p>
@@ -4667,59 +4693,31 @@
           <a:p>
             <a:pPr lvl="1"/>
             <a:r>
-              <a:rPr lang="en-US" dirty="0" smtClean="0"/>
-              <a:t>Written in Python and available at </a:t>
-            </a:r>
-            <a:r>
-              <a:rPr lang="en-US" dirty="0" smtClean="0">
-                <a:hlinkClick r:id="rId2"/>
-              </a:rPr>
-              <a:t>www.ansible.com</a:t>
-            </a:r>
-            <a:endParaRPr lang="en-US" dirty="0" smtClean="0"/>
+              <a:rPr lang="en-US" b="1" dirty="0" err="1" smtClean="0"/>
+              <a:t>Masterless</a:t>
+            </a:r>
+            <a:r>
+              <a:rPr lang="en-US" b="1" dirty="0" smtClean="0"/>
+              <a:t> configuration management</a:t>
+            </a:r>
+            <a:r>
+              <a:rPr lang="en-US" dirty="0" smtClean="0"/>
+              <a:t>: each managed server downloads copies of the configuration definitions and runs a configuration management tool in a local mode.</a:t>
+            </a:r>
           </a:p>
           <a:p>
             <a:pPr lvl="2"/>
             <a:r>
               <a:rPr lang="en-US" dirty="0" smtClean="0"/>
-              <a:t>Control application must run on </a:t>
-            </a:r>
-            <a:r>
-              <a:rPr lang="en-US" smtClean="0"/>
-              <a:t>Unix/Linux system</a:t>
-            </a:r>
-            <a:endParaRPr lang="en-US" dirty="0" smtClean="0"/>
-          </a:p>
-        </p:txBody>
-      </p:sp>
-      <p:pic>
-        <p:nvPicPr>
-          <p:cNvPr id="4" name="Picture 3"/>
-          <p:cNvPicPr>
-            <a:picLocks noChangeAspect="1"/>
-          </p:cNvPicPr>
-          <p:nvPr/>
-        </p:nvPicPr>
-        <p:blipFill>
-          <a:blip r:embed="rId3"/>
-          <a:stretch>
-            <a:fillRect/>
-          </a:stretch>
-        </p:blipFill>
-        <p:spPr>
-          <a:xfrm>
-            <a:off x="7046930" y="26203"/>
-            <a:ext cx="1639870" cy="1639870"/>
-          </a:xfrm>
-          <a:prstGeom prst="rect">
-            <a:avLst/>
-          </a:prstGeom>
-        </p:spPr>
-      </p:pic>
+              <a:t>Eliminates a central server as a single point of failure.</a:t>
+            </a:r>
+          </a:p>
+        </p:txBody>
+      </p:sp>
     </p:spTree>
     <p:extLst>
       <p:ext uri="{BB962C8B-B14F-4D97-AF65-F5344CB8AC3E}">
-        <p14:creationId xmlns:p14="http://schemas.microsoft.com/office/powerpoint/2010/main" val="1544820095"/>
+        <p14:creationId xmlns:p14="http://schemas.microsoft.com/office/powerpoint/2010/main" val="1113486051"/>
       </p:ext>
     </p:extLst>
   </p:cSld>
@@ -4758,14 +4756,12 @@
         </p:nvSpPr>
         <p:spPr/>
         <p:txBody>
-          <a:bodyPr>
-            <a:normAutofit/>
-          </a:bodyPr>
-          <a:lstStyle/>
-          <a:p>
-            <a:r>
-              <a:rPr lang="en-US" dirty="0" smtClean="0"/>
-              <a:t>Homework</a:t>
+          <a:bodyPr/>
+          <a:lstStyle/>
+          <a:p>
+            <a:r>
+              <a:rPr lang="en-US" dirty="0" err="1" smtClean="0"/>
+              <a:t>Ansible</a:t>
             </a:r>
             <a:endParaRPr lang="en-US" dirty="0"/>
           </a:p>
@@ -4784,53 +4780,241 @@
         <p:spPr>
           <a:xfrm>
             <a:off x="457200" y="1600200"/>
-            <a:ext cx="8229600" cy="4920629"/>
+            <a:ext cx="8229600" cy="5017416"/>
           </a:xfrm>
         </p:spPr>
         <p:txBody>
           <a:bodyPr>
-            <a:normAutofit/>
+            <a:normAutofit fontScale="70000" lnSpcReduction="20000"/>
           </a:bodyPr>
           <a:lstStyle/>
           <a:p>
             <a:r>
               <a:rPr lang="en-US" dirty="0" smtClean="0"/>
-              <a:t>Assignment </a:t>
+              <a:t>A free-software platform for configuring and managing servers.</a:t>
+            </a:r>
+          </a:p>
+          <a:p>
+            <a:pPr lvl="1"/>
+            <a:r>
+              <a:rPr lang="en-US" dirty="0" smtClean="0"/>
+              <a:t>Push-based configuration using SSH as a communications </a:t>
+            </a:r>
+            <a:r>
+              <a:rPr lang="en-US" dirty="0" smtClean="0"/>
+              <a:t>channel – no agents!</a:t>
+            </a:r>
+            <a:endParaRPr lang="en-US" dirty="0" smtClean="0"/>
+          </a:p>
+          <a:p>
+            <a:pPr lvl="1"/>
+            <a:endParaRPr lang="en-US" dirty="0" smtClean="0"/>
+          </a:p>
+          <a:p>
+            <a:pPr lvl="1"/>
+            <a:r>
+              <a:rPr lang="en-US" dirty="0" smtClean="0"/>
+              <a:t>Supports both synchronized and ad hoc task </a:t>
+            </a:r>
+            <a:r>
+              <a:rPr lang="en-US" dirty="0" smtClean="0"/>
+              <a:t>execution</a:t>
             </a:r>
             <a:r>
               <a:rPr lang="en-US" dirty="0"/>
-              <a:t>8</a:t>
+              <a:t> </a:t>
+            </a:r>
+            <a:r>
+              <a:rPr lang="en-US" dirty="0" smtClean="0"/>
+              <a:t>on Linux and Windows systems.</a:t>
             </a:r>
             <a:endParaRPr lang="en-US" dirty="0" smtClean="0"/>
           </a:p>
           <a:p>
-            <a:r>
-              <a:rPr lang="en-US" dirty="0" smtClean="0"/>
-              <a:t>Read</a:t>
-            </a:r>
-            <a:r>
-              <a:rPr lang="en-US" i="1" dirty="0" smtClean="0"/>
-              <a:t> Infrastructure as Code </a:t>
-            </a:r>
-            <a:r>
-              <a:rPr lang="en-US" smtClean="0"/>
-              <a:t>Chapters</a:t>
-            </a:r>
-            <a:r>
-              <a:rPr lang="en-US" i="1" smtClean="0"/>
-              <a:t> 9 &amp; 10</a:t>
-            </a:r>
+            <a:pPr lvl="1"/>
+            <a:endParaRPr lang="en-US" dirty="0" smtClean="0"/>
+          </a:p>
+          <a:p>
+            <a:pPr lvl="1"/>
+            <a:r>
+              <a:rPr lang="en-US" dirty="0" smtClean="0"/>
+              <a:t>Uses YAML to describe the configuration of systems</a:t>
+            </a:r>
+            <a:r>
+              <a:rPr lang="en-US" dirty="0" smtClean="0"/>
+              <a:t>.</a:t>
+            </a:r>
+          </a:p>
+          <a:p>
+            <a:pPr lvl="1"/>
             <a:endParaRPr lang="en-US" dirty="0"/>
           </a:p>
           <a:p>
+            <a:pPr lvl="1"/>
+            <a:r>
+              <a:rPr lang="en-US" dirty="0" smtClean="0"/>
+              <a:t>Python over SSH.</a:t>
+            </a:r>
             <a:endParaRPr lang="en-US" dirty="0" smtClean="0"/>
           </a:p>
-        </p:txBody>
-      </p:sp>
+          <a:p>
+            <a:pPr lvl="1"/>
+            <a:endParaRPr lang="en-US" dirty="0" smtClean="0"/>
+          </a:p>
+          <a:p>
+            <a:pPr lvl="1"/>
+            <a:r>
+              <a:rPr lang="en-US" dirty="0" smtClean="0"/>
+              <a:t>Originally developed by Michael </a:t>
+            </a:r>
+            <a:r>
+              <a:rPr lang="en-US" dirty="0" err="1" smtClean="0"/>
+              <a:t>DeHaan</a:t>
+            </a:r>
+            <a:r>
+              <a:rPr lang="en-US" dirty="0"/>
+              <a:t> </a:t>
+            </a:r>
+            <a:r>
+              <a:rPr lang="en-US" dirty="0" smtClean="0"/>
+              <a:t>and acquired by Red Hat.</a:t>
+            </a:r>
+          </a:p>
+          <a:p>
+            <a:pPr lvl="1"/>
+            <a:endParaRPr lang="en-US" dirty="0"/>
+          </a:p>
+          <a:p>
+            <a:pPr lvl="1"/>
+            <a:r>
+              <a:rPr lang="en-US" dirty="0" smtClean="0"/>
+              <a:t>Written in Python and available at </a:t>
+            </a:r>
+            <a:r>
+              <a:rPr lang="en-US" dirty="0" smtClean="0">
+                <a:hlinkClick r:id="rId2"/>
+              </a:rPr>
+              <a:t>www.ansible.com</a:t>
+            </a:r>
+            <a:endParaRPr lang="en-US" dirty="0" smtClean="0"/>
+          </a:p>
+          <a:p>
+            <a:pPr lvl="2"/>
+            <a:r>
+              <a:rPr lang="en-US" dirty="0" smtClean="0"/>
+              <a:t>Control application must run on Unix/Linux system</a:t>
+            </a:r>
+          </a:p>
+        </p:txBody>
+      </p:sp>
+      <p:pic>
+        <p:nvPicPr>
+          <p:cNvPr id="4" name="Picture 3"/>
+          <p:cNvPicPr>
+            <a:picLocks noChangeAspect="1"/>
+          </p:cNvPicPr>
+          <p:nvPr/>
+        </p:nvPicPr>
+        <p:blipFill>
+          <a:blip r:embed="rId3"/>
+          <a:stretch>
+            <a:fillRect/>
+          </a:stretch>
+        </p:blipFill>
+        <p:spPr>
+          <a:xfrm>
+            <a:off x="7046930" y="26203"/>
+            <a:ext cx="1639870" cy="1639870"/>
+          </a:xfrm>
+          <a:prstGeom prst="rect">
+            <a:avLst/>
+          </a:prstGeom>
+        </p:spPr>
+      </p:pic>
     </p:spTree>
     <p:extLst>
       <p:ext uri="{BB962C8B-B14F-4D97-AF65-F5344CB8AC3E}">
-        <p14:creationId xmlns:p14="http://schemas.microsoft.com/office/powerpoint/2010/main" val="2135093818"/>
+        <p14:creationId xmlns:p14="http://schemas.microsoft.com/office/powerpoint/2010/main" val="1544820095"/>
+      </p:ext>
+    </p:extLst>
+  </p:cSld>
+  <p:clrMapOvr>
+    <a:masterClrMapping/>
+  </p:clrMapOvr>
+</p:sld>
+</file>
+
+<file path=ppt/slides/slide19.xml><?xml version="1.0" encoding="utf-8"?>
+<p:sld xmlns:a="http://schemas.openxmlformats.org/drawingml/2006/main" xmlns:r="http://schemas.openxmlformats.org/officeDocument/2006/relationships" xmlns:p="http://schemas.openxmlformats.org/presentationml/2006/main">
+  <p:cSld>
+    <p:spTree>
+      <p:nvGrpSpPr>
+        <p:cNvPr id="1" name=""/>
+        <p:cNvGrpSpPr/>
+        <p:nvPr/>
+      </p:nvGrpSpPr>
+      <p:grpSpPr>
+        <a:xfrm>
+          <a:off x="0" y="0"/>
+          <a:ext cx="0" cy="0"/>
+          <a:chOff x="0" y="0"/>
+          <a:chExt cx="0" cy="0"/>
+        </a:xfrm>
+      </p:grpSpPr>
+      <p:sp>
+        <p:nvSpPr>
+          <p:cNvPr id="2" name="Title 1"/>
+          <p:cNvSpPr>
+            <a:spLocks noGrp="1"/>
+          </p:cNvSpPr>
+          <p:nvPr>
+            <p:ph type="title"/>
+          </p:nvPr>
+        </p:nvSpPr>
+        <p:spPr/>
+        <p:txBody>
+          <a:bodyPr/>
+          <a:lstStyle/>
+          <a:p>
+            <a:r>
+              <a:rPr lang="en-US" dirty="0" err="1" smtClean="0"/>
+              <a:t>Ansible</a:t>
+            </a:r>
+            <a:r>
+              <a:rPr lang="en-US" dirty="0" smtClean="0"/>
+              <a:t> Architecture</a:t>
+            </a:r>
+            <a:endParaRPr lang="en-US" dirty="0"/>
+          </a:p>
+        </p:txBody>
+      </p:sp>
+      <p:pic>
+        <p:nvPicPr>
+          <p:cNvPr id="6" name="Picture 5"/>
+          <p:cNvPicPr>
+            <a:picLocks noChangeAspect="1"/>
+          </p:cNvPicPr>
+          <p:nvPr/>
+        </p:nvPicPr>
+        <p:blipFill rotWithShape="1">
+          <a:blip r:embed="rId2"/>
+          <a:srcRect l="328" t="5870" r="552" b="670"/>
+          <a:stretch/>
+        </p:blipFill>
+        <p:spPr>
+          <a:xfrm>
+            <a:off x="197963" y="2036189"/>
+            <a:ext cx="8606672" cy="3940405"/>
+          </a:xfrm>
+          <a:prstGeom prst="rect">
+            <a:avLst/>
+          </a:prstGeom>
+        </p:spPr>
+      </p:pic>
+    </p:spTree>
+    <p:extLst>
+      <p:ext uri="{BB962C8B-B14F-4D97-AF65-F5344CB8AC3E}">
+        <p14:creationId xmlns:p14="http://schemas.microsoft.com/office/powerpoint/2010/main" val="935373152"/>
       </p:ext>
     </p:extLst>
   </p:cSld>
@@ -4932,6 +5116,1894 @@
     <p:extLst>
       <p:ext uri="{BB962C8B-B14F-4D97-AF65-F5344CB8AC3E}">
         <p14:creationId xmlns:p14="http://schemas.microsoft.com/office/powerpoint/2010/main" val="1923720609"/>
+      </p:ext>
+    </p:extLst>
+  </p:cSld>
+  <p:clrMapOvr>
+    <a:masterClrMapping/>
+  </p:clrMapOvr>
+</p:sld>
+</file>
+
+<file path=ppt/slides/slide20.xml><?xml version="1.0" encoding="utf-8"?>
+<p:sld xmlns:a="http://schemas.openxmlformats.org/drawingml/2006/main" xmlns:r="http://schemas.openxmlformats.org/officeDocument/2006/relationships" xmlns:p="http://schemas.openxmlformats.org/presentationml/2006/main">
+  <p:cSld>
+    <p:spTree>
+      <p:nvGrpSpPr>
+        <p:cNvPr id="1" name=""/>
+        <p:cNvGrpSpPr/>
+        <p:nvPr/>
+      </p:nvGrpSpPr>
+      <p:grpSpPr>
+        <a:xfrm>
+          <a:off x="0" y="0"/>
+          <a:ext cx="0" cy="0"/>
+          <a:chOff x="0" y="0"/>
+          <a:chExt cx="0" cy="0"/>
+        </a:xfrm>
+      </p:grpSpPr>
+      <p:sp>
+        <p:nvSpPr>
+          <p:cNvPr id="2" name="Title 1"/>
+          <p:cNvSpPr>
+            <a:spLocks noGrp="1"/>
+          </p:cNvSpPr>
+          <p:nvPr>
+            <p:ph type="title"/>
+          </p:nvPr>
+        </p:nvSpPr>
+        <p:spPr/>
+        <p:txBody>
+          <a:bodyPr/>
+          <a:lstStyle/>
+          <a:p>
+            <a:r>
+              <a:rPr lang="en-US" dirty="0" smtClean="0"/>
+              <a:t>Inventory</a:t>
+            </a:r>
+            <a:endParaRPr lang="en-US" dirty="0"/>
+          </a:p>
+        </p:txBody>
+      </p:sp>
+      <p:sp>
+        <p:nvSpPr>
+          <p:cNvPr id="3" name="Content Placeholder 2"/>
+          <p:cNvSpPr>
+            <a:spLocks noGrp="1"/>
+          </p:cNvSpPr>
+          <p:nvPr>
+            <p:ph idx="1"/>
+          </p:nvPr>
+        </p:nvSpPr>
+        <p:spPr/>
+        <p:txBody>
+          <a:bodyPr>
+            <a:normAutofit lnSpcReduction="10000"/>
+          </a:bodyPr>
+          <a:lstStyle/>
+          <a:p>
+            <a:r>
+              <a:rPr lang="en-US" dirty="0" err="1" smtClean="0"/>
+              <a:t>Ansible</a:t>
+            </a:r>
+            <a:r>
+              <a:rPr lang="en-US" dirty="0" smtClean="0"/>
+              <a:t> uses an inventory file, named </a:t>
+            </a:r>
+            <a:r>
+              <a:rPr lang="en-US" sz="2800" b="1" dirty="0" smtClean="0">
+                <a:latin typeface="Consolas" charset="0"/>
+                <a:ea typeface="Consolas" charset="0"/>
+                <a:cs typeface="Consolas" charset="0"/>
+              </a:rPr>
+              <a:t>hosts</a:t>
+            </a:r>
+            <a:r>
+              <a:rPr lang="en-US" dirty="0" smtClean="0"/>
+              <a:t>, to store a list of systems.</a:t>
+            </a:r>
+          </a:p>
+          <a:p>
+            <a:pPr lvl="1"/>
+            <a:r>
+              <a:rPr lang="en-US" dirty="0" smtClean="0"/>
+              <a:t>The hosts file uses an INI-like format:</a:t>
+            </a:r>
+          </a:p>
+          <a:p>
+            <a:pPr lvl="1"/>
+            <a:endParaRPr lang="en-US" dirty="0" smtClean="0"/>
+          </a:p>
+          <a:p>
+            <a:pPr marL="457200" lvl="1" indent="0">
+              <a:buNone/>
+            </a:pPr>
+            <a:r>
+              <a:rPr lang="en-US" sz="1600" dirty="0">
+                <a:latin typeface="Consolas" charset="0"/>
+                <a:ea typeface="Consolas" charset="0"/>
+                <a:cs typeface="Consolas" charset="0"/>
+              </a:rPr>
+              <a:t>[webservers</a:t>
+            </a:r>
+            <a:r>
+              <a:rPr lang="en-US" sz="1600" dirty="0" smtClean="0">
+                <a:latin typeface="Consolas" charset="0"/>
+                <a:ea typeface="Consolas" charset="0"/>
+                <a:cs typeface="Consolas" charset="0"/>
+              </a:rPr>
+              <a:t>]</a:t>
+            </a:r>
+          </a:p>
+          <a:p>
+            <a:pPr marL="457200" lvl="1" indent="0">
+              <a:buNone/>
+            </a:pPr>
+            <a:r>
+              <a:rPr lang="en-US" sz="1600" dirty="0" smtClean="0">
+                <a:latin typeface="Consolas" charset="0"/>
+                <a:ea typeface="Consolas" charset="0"/>
+                <a:cs typeface="Consolas" charset="0"/>
+              </a:rPr>
+              <a:t>web1 </a:t>
+            </a:r>
+            <a:r>
+              <a:rPr lang="en-US" sz="1600" dirty="0" err="1">
+                <a:latin typeface="Consolas" charset="0"/>
+                <a:ea typeface="Consolas" charset="0"/>
+                <a:cs typeface="Consolas" charset="0"/>
+              </a:rPr>
+              <a:t>ansible_host</a:t>
+            </a:r>
+            <a:r>
+              <a:rPr lang="en-US" sz="1600" dirty="0">
+                <a:latin typeface="Consolas" charset="0"/>
+                <a:ea typeface="Consolas" charset="0"/>
+                <a:cs typeface="Consolas" charset="0"/>
+              </a:rPr>
+              <a:t>=54.162.154.245 </a:t>
+            </a:r>
+            <a:r>
+              <a:rPr lang="en-US" sz="1600" dirty="0" err="1" smtClean="0">
+                <a:latin typeface="Consolas" charset="0"/>
+                <a:ea typeface="Consolas" charset="0"/>
+                <a:cs typeface="Consolas" charset="0"/>
+              </a:rPr>
+              <a:t>ansible_user</a:t>
+            </a:r>
+            <a:r>
+              <a:rPr lang="en-US" sz="1600" dirty="0" smtClean="0">
+                <a:latin typeface="Consolas" charset="0"/>
+                <a:ea typeface="Consolas" charset="0"/>
+                <a:cs typeface="Consolas" charset="0"/>
+              </a:rPr>
+              <a:t>=ec2-user</a:t>
+            </a:r>
+          </a:p>
+          <a:p>
+            <a:pPr marL="457200" lvl="1" indent="0">
+              <a:buNone/>
+            </a:pPr>
+            <a:r>
+              <a:rPr lang="en-US" sz="1600" dirty="0">
+                <a:latin typeface="Consolas" charset="0"/>
+                <a:ea typeface="Consolas" charset="0"/>
+                <a:cs typeface="Consolas" charset="0"/>
+              </a:rPr>
+              <a:t>w</a:t>
+            </a:r>
+            <a:r>
+              <a:rPr lang="en-US" sz="1600" dirty="0" smtClean="0">
+                <a:latin typeface="Consolas" charset="0"/>
+                <a:ea typeface="Consolas" charset="0"/>
+                <a:cs typeface="Consolas" charset="0"/>
+              </a:rPr>
+              <a:t>eb2.mydomain.com </a:t>
+            </a:r>
+            <a:r>
+              <a:rPr lang="en-US" sz="1600" dirty="0" err="1" smtClean="0">
+                <a:latin typeface="Consolas" charset="0"/>
+                <a:ea typeface="Consolas" charset="0"/>
+                <a:cs typeface="Consolas" charset="0"/>
+              </a:rPr>
+              <a:t>ansible_user</a:t>
+            </a:r>
+            <a:r>
+              <a:rPr lang="en-US" sz="1600" dirty="0" smtClean="0">
+                <a:latin typeface="Consolas" charset="0"/>
+                <a:ea typeface="Consolas" charset="0"/>
+                <a:cs typeface="Consolas" charset="0"/>
+              </a:rPr>
+              <a:t>=ec2-user</a:t>
+            </a:r>
+          </a:p>
+          <a:p>
+            <a:pPr marL="457200" lvl="1" indent="0">
+              <a:buNone/>
+            </a:pPr>
+            <a:endParaRPr lang="en-US" sz="1600" dirty="0">
+              <a:latin typeface="Consolas" charset="0"/>
+              <a:ea typeface="Consolas" charset="0"/>
+              <a:cs typeface="Consolas" charset="0"/>
+            </a:endParaRPr>
+          </a:p>
+          <a:p>
+            <a:pPr marL="457200" lvl="1" indent="0">
+              <a:buNone/>
+            </a:pPr>
+            <a:r>
+              <a:rPr lang="en-US" sz="1600" dirty="0" smtClean="0">
+                <a:latin typeface="Consolas" charset="0"/>
+                <a:ea typeface="Consolas" charset="0"/>
+                <a:cs typeface="Consolas" charset="0"/>
+              </a:rPr>
+              <a:t>[databases]</a:t>
+            </a:r>
+          </a:p>
+          <a:p>
+            <a:pPr marL="457200" lvl="1" indent="0">
+              <a:buNone/>
+            </a:pPr>
+            <a:r>
+              <a:rPr lang="en-US" sz="1600" dirty="0" err="1" smtClean="0">
+                <a:latin typeface="Consolas" charset="0"/>
+                <a:ea typeface="Consolas" charset="0"/>
+                <a:cs typeface="Consolas" charset="0"/>
+              </a:rPr>
+              <a:t>db</a:t>
+            </a:r>
+            <a:r>
+              <a:rPr lang="en-US" sz="1600" dirty="0" smtClean="0">
+                <a:latin typeface="Consolas" charset="0"/>
+                <a:ea typeface="Consolas" charset="0"/>
+                <a:cs typeface="Consolas" charset="0"/>
+              </a:rPr>
+              <a:t>[01:10].</a:t>
+            </a:r>
+            <a:r>
+              <a:rPr lang="en-US" sz="1600" dirty="0" err="1" smtClean="0">
+                <a:latin typeface="Consolas" charset="0"/>
+                <a:ea typeface="Consolas" charset="0"/>
+                <a:cs typeface="Consolas" charset="0"/>
+              </a:rPr>
+              <a:t>mydomain.com</a:t>
+            </a:r>
+            <a:r>
+              <a:rPr lang="en-US" sz="1600" dirty="0" smtClean="0">
+                <a:latin typeface="Consolas" charset="0"/>
+                <a:ea typeface="Consolas" charset="0"/>
+                <a:cs typeface="Consolas" charset="0"/>
+              </a:rPr>
+              <a:t> </a:t>
+            </a:r>
+            <a:r>
+              <a:rPr lang="en-US" sz="1600" dirty="0" err="1" smtClean="0">
+                <a:latin typeface="Consolas" charset="0"/>
+                <a:ea typeface="Consolas" charset="0"/>
+                <a:cs typeface="Consolas" charset="0"/>
+              </a:rPr>
+              <a:t>maxRequests</a:t>
+            </a:r>
+            <a:r>
+              <a:rPr lang="en-US" sz="1600" dirty="0" smtClean="0">
+                <a:latin typeface="Consolas" charset="0"/>
+                <a:ea typeface="Consolas" charset="0"/>
+                <a:cs typeface="Consolas" charset="0"/>
+              </a:rPr>
+              <a:t>=1000</a:t>
+            </a:r>
+          </a:p>
+          <a:p>
+            <a:pPr marL="457200" lvl="1" indent="0">
+              <a:buNone/>
+            </a:pPr>
+            <a:endParaRPr lang="en-US" sz="1600" dirty="0">
+              <a:latin typeface="Consolas" charset="0"/>
+              <a:ea typeface="Consolas" charset="0"/>
+              <a:cs typeface="Consolas" charset="0"/>
+            </a:endParaRPr>
+          </a:p>
+          <a:p>
+            <a:pPr lvl="1"/>
+            <a:r>
+              <a:rPr lang="en-US" dirty="0" smtClean="0">
+                <a:ea typeface="Consolas" charset="0"/>
+                <a:cs typeface="Consolas" charset="0"/>
+              </a:rPr>
+              <a:t>Hosts may be members of one or more groups.</a:t>
+            </a:r>
+            <a:endParaRPr lang="en-US" dirty="0">
+              <a:ea typeface="Consolas" charset="0"/>
+              <a:cs typeface="Consolas" charset="0"/>
+            </a:endParaRPr>
+          </a:p>
+        </p:txBody>
+      </p:sp>
+    </p:spTree>
+    <p:extLst>
+      <p:ext uri="{BB962C8B-B14F-4D97-AF65-F5344CB8AC3E}">
+        <p14:creationId xmlns:p14="http://schemas.microsoft.com/office/powerpoint/2010/main" val="246243568"/>
+      </p:ext>
+    </p:extLst>
+  </p:cSld>
+  <p:clrMapOvr>
+    <a:masterClrMapping/>
+  </p:clrMapOvr>
+</p:sld>
+</file>
+
+<file path=ppt/slides/slide21.xml><?xml version="1.0" encoding="utf-8"?>
+<p:sld xmlns:a="http://schemas.openxmlformats.org/drawingml/2006/main" xmlns:r="http://schemas.openxmlformats.org/officeDocument/2006/relationships" xmlns:p="http://schemas.openxmlformats.org/presentationml/2006/main">
+  <p:cSld>
+    <p:spTree>
+      <p:nvGrpSpPr>
+        <p:cNvPr id="1" name=""/>
+        <p:cNvGrpSpPr/>
+        <p:nvPr/>
+      </p:nvGrpSpPr>
+      <p:grpSpPr>
+        <a:xfrm>
+          <a:off x="0" y="0"/>
+          <a:ext cx="0" cy="0"/>
+          <a:chOff x="0" y="0"/>
+          <a:chExt cx="0" cy="0"/>
+        </a:xfrm>
+      </p:grpSpPr>
+      <p:sp>
+        <p:nvSpPr>
+          <p:cNvPr id="2" name="Title 1"/>
+          <p:cNvSpPr>
+            <a:spLocks noGrp="1"/>
+          </p:cNvSpPr>
+          <p:nvPr>
+            <p:ph type="title"/>
+          </p:nvPr>
+        </p:nvSpPr>
+        <p:spPr/>
+        <p:txBody>
+          <a:bodyPr/>
+          <a:lstStyle/>
+          <a:p>
+            <a:r>
+              <a:rPr lang="en-US" dirty="0" smtClean="0"/>
+              <a:t>Variables</a:t>
+            </a:r>
+            <a:endParaRPr lang="en-US" dirty="0"/>
+          </a:p>
+        </p:txBody>
+      </p:sp>
+      <p:sp>
+        <p:nvSpPr>
+          <p:cNvPr id="3" name="Content Placeholder 2"/>
+          <p:cNvSpPr>
+            <a:spLocks noGrp="1"/>
+          </p:cNvSpPr>
+          <p:nvPr>
+            <p:ph idx="1"/>
+          </p:nvPr>
+        </p:nvSpPr>
+        <p:spPr/>
+        <p:txBody>
+          <a:bodyPr>
+            <a:normAutofit fontScale="85000" lnSpcReduction="20000"/>
+          </a:bodyPr>
+          <a:lstStyle/>
+          <a:p>
+            <a:r>
+              <a:rPr lang="en-US" dirty="0" smtClean="0"/>
+              <a:t>Variables hold values that hosts or groups of hosts can use for configuration.</a:t>
+            </a:r>
+          </a:p>
+          <a:p>
+            <a:endParaRPr lang="en-US" dirty="0"/>
+          </a:p>
+          <a:p>
+            <a:r>
+              <a:rPr lang="en-US" dirty="0" smtClean="0"/>
+              <a:t>While you can put variables in the inventory file, best practice is to use a </a:t>
+            </a:r>
+            <a:r>
+              <a:rPr lang="en-US" b="1" dirty="0" err="1" smtClean="0"/>
+              <a:t>group_vars</a:t>
+            </a:r>
+            <a:r>
+              <a:rPr lang="en-US" dirty="0" smtClean="0"/>
+              <a:t> or </a:t>
+            </a:r>
+            <a:r>
+              <a:rPr lang="en-US" b="1" dirty="0" err="1" smtClean="0"/>
+              <a:t>host_vars</a:t>
+            </a:r>
+            <a:r>
+              <a:rPr lang="en-US" dirty="0" smtClean="0"/>
+              <a:t> directory.</a:t>
+            </a:r>
+          </a:p>
+          <a:p>
+            <a:endParaRPr lang="en-US" dirty="0" smtClean="0"/>
+          </a:p>
+          <a:p>
+            <a:r>
+              <a:rPr lang="en-US" dirty="0" smtClean="0"/>
+              <a:t>Example for ../</a:t>
+            </a:r>
+            <a:r>
+              <a:rPr lang="en-US" dirty="0" err="1" smtClean="0"/>
+              <a:t>group_vars</a:t>
+            </a:r>
+            <a:r>
+              <a:rPr lang="en-US" dirty="0" smtClean="0"/>
+              <a:t>/</a:t>
+            </a:r>
+            <a:r>
+              <a:rPr lang="en-US" dirty="0" err="1" smtClean="0"/>
+              <a:t>webservers.yml</a:t>
+            </a:r>
+            <a:endParaRPr lang="en-US" dirty="0" smtClean="0"/>
+          </a:p>
+          <a:p>
+            <a:endParaRPr lang="en-US" dirty="0"/>
+          </a:p>
+          <a:p>
+            <a:pPr marL="0" indent="0">
+              <a:buNone/>
+            </a:pPr>
+            <a:r>
+              <a:rPr lang="en-US" dirty="0" smtClean="0">
+                <a:latin typeface="Consolas" charset="0"/>
+                <a:ea typeface="Consolas" charset="0"/>
+                <a:cs typeface="Consolas" charset="0"/>
+              </a:rPr>
+              <a:t>	</a:t>
+            </a:r>
+            <a:r>
+              <a:rPr lang="en-US" sz="2400" dirty="0" smtClean="0">
+                <a:latin typeface="Consolas" charset="0"/>
+                <a:ea typeface="Consolas" charset="0"/>
+                <a:cs typeface="Consolas" charset="0"/>
+              </a:rPr>
+              <a:t>---</a:t>
+            </a:r>
+          </a:p>
+          <a:p>
+            <a:pPr marL="0" indent="0">
+              <a:buNone/>
+            </a:pPr>
+            <a:r>
+              <a:rPr lang="en-US" sz="2400" dirty="0">
+                <a:latin typeface="Consolas" charset="0"/>
+                <a:ea typeface="Consolas" charset="0"/>
+                <a:cs typeface="Consolas" charset="0"/>
+              </a:rPr>
+              <a:t>	</a:t>
+            </a:r>
+            <a:r>
+              <a:rPr lang="en-US" sz="2400" dirty="0" err="1" smtClean="0">
+                <a:latin typeface="Consolas" charset="0"/>
+                <a:ea typeface="Consolas" charset="0"/>
+                <a:cs typeface="Consolas" charset="0"/>
+              </a:rPr>
+              <a:t>ntp_server</a:t>
+            </a:r>
+            <a:r>
+              <a:rPr lang="en-US" sz="2400" dirty="0" smtClean="0">
+                <a:latin typeface="Consolas" charset="0"/>
+                <a:ea typeface="Consolas" charset="0"/>
+                <a:cs typeface="Consolas" charset="0"/>
+              </a:rPr>
+              <a:t>: </a:t>
+            </a:r>
+            <a:r>
+              <a:rPr lang="en-US" sz="2400" dirty="0" err="1" smtClean="0">
+                <a:latin typeface="Consolas" charset="0"/>
+                <a:ea typeface="Consolas" charset="0"/>
+                <a:cs typeface="Consolas" charset="0"/>
+              </a:rPr>
+              <a:t>ntp.google.com</a:t>
+            </a:r>
+            <a:endParaRPr lang="en-US" sz="2400" dirty="0" smtClean="0">
+              <a:latin typeface="Consolas" charset="0"/>
+              <a:ea typeface="Consolas" charset="0"/>
+              <a:cs typeface="Consolas" charset="0"/>
+            </a:endParaRPr>
+          </a:p>
+          <a:p>
+            <a:pPr marL="0" indent="0">
+              <a:buNone/>
+            </a:pPr>
+            <a:r>
+              <a:rPr lang="en-US" sz="2400" dirty="0">
+                <a:latin typeface="Consolas" charset="0"/>
+                <a:ea typeface="Consolas" charset="0"/>
+                <a:cs typeface="Consolas" charset="0"/>
+              </a:rPr>
+              <a:t>	</a:t>
+            </a:r>
+            <a:r>
+              <a:rPr lang="en-US" sz="2400" dirty="0" err="1" smtClean="0">
+                <a:latin typeface="Consolas" charset="0"/>
+                <a:ea typeface="Consolas" charset="0"/>
+                <a:cs typeface="Consolas" charset="0"/>
+              </a:rPr>
+              <a:t>database_server</a:t>
+            </a:r>
+            <a:r>
+              <a:rPr lang="en-US" sz="2400" dirty="0" smtClean="0">
+                <a:latin typeface="Consolas" charset="0"/>
+                <a:ea typeface="Consolas" charset="0"/>
+                <a:cs typeface="Consolas" charset="0"/>
+              </a:rPr>
+              <a:t>: </a:t>
+            </a:r>
+            <a:r>
+              <a:rPr lang="en-US" sz="2400" dirty="0" err="1" smtClean="0">
+                <a:latin typeface="Consolas" charset="0"/>
+                <a:ea typeface="Consolas" charset="0"/>
+                <a:cs typeface="Consolas" charset="0"/>
+              </a:rPr>
+              <a:t>storage.mydomain.com</a:t>
+            </a:r>
+            <a:endParaRPr lang="en-US" sz="2400" dirty="0" smtClean="0">
+              <a:latin typeface="Consolas" charset="0"/>
+              <a:ea typeface="Consolas" charset="0"/>
+              <a:cs typeface="Consolas" charset="0"/>
+            </a:endParaRPr>
+          </a:p>
+        </p:txBody>
+      </p:sp>
+    </p:spTree>
+    <p:extLst>
+      <p:ext uri="{BB962C8B-B14F-4D97-AF65-F5344CB8AC3E}">
+        <p14:creationId xmlns:p14="http://schemas.microsoft.com/office/powerpoint/2010/main" val="1896023455"/>
+      </p:ext>
+    </p:extLst>
+  </p:cSld>
+  <p:clrMapOvr>
+    <a:masterClrMapping/>
+  </p:clrMapOvr>
+</p:sld>
+</file>
+
+<file path=ppt/slides/slide22.xml><?xml version="1.0" encoding="utf-8"?>
+<p:sld xmlns:a="http://schemas.openxmlformats.org/drawingml/2006/main" xmlns:r="http://schemas.openxmlformats.org/officeDocument/2006/relationships" xmlns:p="http://schemas.openxmlformats.org/presentationml/2006/main">
+  <p:cSld>
+    <p:spTree>
+      <p:nvGrpSpPr>
+        <p:cNvPr id="1" name=""/>
+        <p:cNvGrpSpPr/>
+        <p:nvPr/>
+      </p:nvGrpSpPr>
+      <p:grpSpPr>
+        <a:xfrm>
+          <a:off x="0" y="0"/>
+          <a:ext cx="0" cy="0"/>
+          <a:chOff x="0" y="0"/>
+          <a:chExt cx="0" cy="0"/>
+        </a:xfrm>
+      </p:grpSpPr>
+      <p:sp>
+        <p:nvSpPr>
+          <p:cNvPr id="2" name="Title 1"/>
+          <p:cNvSpPr>
+            <a:spLocks noGrp="1"/>
+          </p:cNvSpPr>
+          <p:nvPr>
+            <p:ph type="title"/>
+          </p:nvPr>
+        </p:nvSpPr>
+        <p:spPr/>
+        <p:txBody>
+          <a:bodyPr/>
+          <a:lstStyle/>
+          <a:p>
+            <a:r>
+              <a:rPr lang="en-US" dirty="0" smtClean="0"/>
+              <a:t>Dynamic Inventory</a:t>
+            </a:r>
+            <a:endParaRPr lang="en-US" dirty="0"/>
+          </a:p>
+        </p:txBody>
+      </p:sp>
+      <p:sp>
+        <p:nvSpPr>
+          <p:cNvPr id="3" name="Content Placeholder 2"/>
+          <p:cNvSpPr>
+            <a:spLocks noGrp="1"/>
+          </p:cNvSpPr>
+          <p:nvPr>
+            <p:ph idx="1"/>
+          </p:nvPr>
+        </p:nvSpPr>
+        <p:spPr/>
+        <p:txBody>
+          <a:bodyPr>
+            <a:normAutofit fontScale="85000" lnSpcReduction="20000"/>
+          </a:bodyPr>
+          <a:lstStyle/>
+          <a:p>
+            <a:r>
+              <a:rPr lang="en-US" dirty="0" smtClean="0"/>
+              <a:t>Oftentimes the set of hosts in an environment is not static because of mechanisms like auto scaling.</a:t>
+            </a:r>
+          </a:p>
+          <a:p>
+            <a:endParaRPr lang="en-US" dirty="0"/>
+          </a:p>
+          <a:p>
+            <a:r>
+              <a:rPr lang="en-US" dirty="0" err="1" smtClean="0"/>
+              <a:t>Ansible</a:t>
+            </a:r>
+            <a:r>
+              <a:rPr lang="en-US" dirty="0" smtClean="0"/>
+              <a:t> can use inventory data generated dynamically by scripts.</a:t>
+            </a:r>
+          </a:p>
+          <a:p>
+            <a:pPr lvl="1"/>
+            <a:r>
+              <a:rPr lang="en-US" dirty="0" smtClean="0"/>
+              <a:t>Gather the current list of running EC2 instances.</a:t>
+            </a:r>
+          </a:p>
+          <a:p>
+            <a:pPr lvl="1"/>
+            <a:r>
+              <a:rPr lang="en-US" dirty="0" smtClean="0"/>
+              <a:t>Pull host list from enterprise CMDB.</a:t>
+            </a:r>
+          </a:p>
+          <a:p>
+            <a:endParaRPr lang="en-US" dirty="0"/>
+          </a:p>
+          <a:p>
+            <a:r>
+              <a:rPr lang="en-US" dirty="0" smtClean="0"/>
+              <a:t>Example using Terraform:</a:t>
+            </a:r>
+          </a:p>
+          <a:p>
+            <a:pPr marL="0" indent="0">
+              <a:buNone/>
+            </a:pPr>
+            <a:endParaRPr lang="en-US" dirty="0" smtClean="0"/>
+          </a:p>
+          <a:p>
+            <a:pPr marL="0" indent="0">
+              <a:buNone/>
+            </a:pPr>
+            <a:r>
+              <a:rPr lang="en-US" sz="2400" dirty="0">
+                <a:latin typeface="Consolas" charset="0"/>
+                <a:ea typeface="Consolas" charset="0"/>
+                <a:cs typeface="Consolas" charset="0"/>
+              </a:rPr>
+              <a:t>	</a:t>
+            </a:r>
+            <a:r>
+              <a:rPr lang="en-US" sz="2400" dirty="0" smtClean="0">
+                <a:latin typeface="Consolas" charset="0"/>
+                <a:ea typeface="Consolas" charset="0"/>
+                <a:cs typeface="Consolas" charset="0"/>
+              </a:rPr>
+              <a:t>$ </a:t>
+            </a:r>
+            <a:r>
+              <a:rPr lang="en-US" sz="2400" dirty="0" err="1" smtClean="0">
+                <a:latin typeface="Consolas" charset="0"/>
+                <a:ea typeface="Consolas" charset="0"/>
+                <a:cs typeface="Consolas" charset="0"/>
+              </a:rPr>
+              <a:t>ansible</a:t>
+            </a:r>
+            <a:r>
+              <a:rPr lang="en-US" sz="2400" dirty="0" smtClean="0">
+                <a:latin typeface="Consolas" charset="0"/>
+                <a:ea typeface="Consolas" charset="0"/>
+                <a:cs typeface="Consolas" charset="0"/>
+              </a:rPr>
+              <a:t> </a:t>
+            </a:r>
+            <a:r>
+              <a:rPr lang="en-US" sz="2400" dirty="0">
+                <a:latin typeface="Consolas" charset="0"/>
+                <a:ea typeface="Consolas" charset="0"/>
+                <a:cs typeface="Consolas" charset="0"/>
+              </a:rPr>
+              <a:t>-</a:t>
+            </a:r>
+            <a:r>
+              <a:rPr lang="en-US" sz="2400" dirty="0" err="1">
+                <a:latin typeface="Consolas" charset="0"/>
+                <a:ea typeface="Consolas" charset="0"/>
+                <a:cs typeface="Consolas" charset="0"/>
+              </a:rPr>
+              <a:t>i</a:t>
+            </a:r>
+            <a:r>
+              <a:rPr lang="en-US" sz="2400" dirty="0">
+                <a:latin typeface="Consolas" charset="0"/>
+                <a:ea typeface="Consolas" charset="0"/>
+                <a:cs typeface="Consolas" charset="0"/>
+              </a:rPr>
+              <a:t> </a:t>
+            </a:r>
+            <a:r>
+              <a:rPr lang="en-US" sz="2400" dirty="0" err="1">
+                <a:latin typeface="Consolas" charset="0"/>
+                <a:ea typeface="Consolas" charset="0"/>
+                <a:cs typeface="Consolas" charset="0"/>
+              </a:rPr>
+              <a:t>terraform.py</a:t>
+            </a:r>
+            <a:r>
+              <a:rPr lang="en-US" sz="2400" dirty="0">
+                <a:latin typeface="Consolas" charset="0"/>
+                <a:ea typeface="Consolas" charset="0"/>
+                <a:cs typeface="Consolas" charset="0"/>
+              </a:rPr>
+              <a:t> -m ping all</a:t>
+            </a:r>
+          </a:p>
+          <a:p>
+            <a:pPr lvl="1"/>
+            <a:endParaRPr lang="en-US" dirty="0" smtClean="0"/>
+          </a:p>
+        </p:txBody>
+      </p:sp>
+    </p:spTree>
+    <p:extLst>
+      <p:ext uri="{BB962C8B-B14F-4D97-AF65-F5344CB8AC3E}">
+        <p14:creationId xmlns:p14="http://schemas.microsoft.com/office/powerpoint/2010/main" val="902307781"/>
+      </p:ext>
+    </p:extLst>
+  </p:cSld>
+  <p:clrMapOvr>
+    <a:masterClrMapping/>
+  </p:clrMapOvr>
+</p:sld>
+</file>
+
+<file path=ppt/slides/slide23.xml><?xml version="1.0" encoding="utf-8"?>
+<p:sld xmlns:a="http://schemas.openxmlformats.org/drawingml/2006/main" xmlns:r="http://schemas.openxmlformats.org/officeDocument/2006/relationships" xmlns:p="http://schemas.openxmlformats.org/presentationml/2006/main">
+  <p:cSld>
+    <p:spTree>
+      <p:nvGrpSpPr>
+        <p:cNvPr id="1" name=""/>
+        <p:cNvGrpSpPr/>
+        <p:nvPr/>
+      </p:nvGrpSpPr>
+      <p:grpSpPr>
+        <a:xfrm>
+          <a:off x="0" y="0"/>
+          <a:ext cx="0" cy="0"/>
+          <a:chOff x="0" y="0"/>
+          <a:chExt cx="0" cy="0"/>
+        </a:xfrm>
+      </p:grpSpPr>
+      <p:sp>
+        <p:nvSpPr>
+          <p:cNvPr id="2" name="Title 1"/>
+          <p:cNvSpPr>
+            <a:spLocks noGrp="1"/>
+          </p:cNvSpPr>
+          <p:nvPr>
+            <p:ph type="title"/>
+          </p:nvPr>
+        </p:nvSpPr>
+        <p:spPr/>
+        <p:txBody>
+          <a:bodyPr/>
+          <a:lstStyle/>
+          <a:p>
+            <a:r>
+              <a:rPr lang="en-US" dirty="0" smtClean="0"/>
+              <a:t>Patterns</a:t>
+            </a:r>
+            <a:endParaRPr lang="en-US" dirty="0"/>
+          </a:p>
+        </p:txBody>
+      </p:sp>
+      <p:sp>
+        <p:nvSpPr>
+          <p:cNvPr id="3" name="Content Placeholder 2"/>
+          <p:cNvSpPr>
+            <a:spLocks noGrp="1"/>
+          </p:cNvSpPr>
+          <p:nvPr>
+            <p:ph idx="1"/>
+          </p:nvPr>
+        </p:nvSpPr>
+        <p:spPr/>
+        <p:txBody>
+          <a:bodyPr/>
+          <a:lstStyle/>
+          <a:p>
+            <a:r>
+              <a:rPr lang="en-US" dirty="0" smtClean="0"/>
+              <a:t>We use patterns to decide which groups of hosts to manage.</a:t>
+            </a:r>
+          </a:p>
+          <a:p>
+            <a:pPr marL="457200" lvl="1" indent="0">
+              <a:buNone/>
+            </a:pPr>
+            <a:r>
+              <a:rPr lang="en-US" sz="2000" dirty="0" smtClean="0"/>
+              <a:t>all					 (all hosts, can also use *)</a:t>
+            </a:r>
+          </a:p>
+          <a:p>
+            <a:pPr marL="457200" lvl="1" indent="0">
+              <a:buNone/>
+            </a:pPr>
+            <a:r>
+              <a:rPr lang="en-US" sz="2000" dirty="0" smtClean="0"/>
+              <a:t>*.com			</a:t>
+            </a:r>
+            <a:r>
+              <a:rPr lang="en-US" sz="2000" dirty="0"/>
+              <a:t>	</a:t>
+            </a:r>
+            <a:r>
+              <a:rPr lang="en-US" sz="2000" dirty="0" smtClean="0"/>
+              <a:t> (all hosts ending in .com domain)</a:t>
+            </a:r>
+          </a:p>
+          <a:p>
+            <a:pPr marL="457200" lvl="1" indent="0">
+              <a:buNone/>
+            </a:pPr>
+            <a:r>
+              <a:rPr lang="en-US" sz="2000" dirty="0" smtClean="0"/>
+              <a:t>web1.mydomain.com  (single host)</a:t>
+            </a:r>
+          </a:p>
+          <a:p>
+            <a:pPr marL="457200" lvl="1" indent="0">
+              <a:buNone/>
+            </a:pPr>
+            <a:r>
+              <a:rPr lang="en-US" sz="2000" dirty="0" err="1" smtClean="0"/>
+              <a:t>webservers:dbservers</a:t>
+            </a:r>
+            <a:r>
+              <a:rPr lang="en-US" sz="2000" dirty="0" smtClean="0"/>
+              <a:t>  (webservers OR </a:t>
+            </a:r>
+            <a:r>
+              <a:rPr lang="en-US" sz="2000" dirty="0" err="1" smtClean="0"/>
+              <a:t>dbservers</a:t>
+            </a:r>
+            <a:r>
+              <a:rPr lang="en-US" sz="2000" dirty="0" smtClean="0"/>
+              <a:t>)</a:t>
+            </a:r>
+          </a:p>
+          <a:p>
+            <a:pPr marL="457200" lvl="1" indent="0">
+              <a:buNone/>
+            </a:pPr>
+            <a:r>
+              <a:rPr lang="en-US" sz="2000" dirty="0"/>
+              <a:t>w</a:t>
+            </a:r>
+            <a:r>
+              <a:rPr lang="en-US" sz="2000" dirty="0" smtClean="0"/>
+              <a:t>ebservers:!web1        (webservers, except for web1)</a:t>
+            </a:r>
+          </a:p>
+          <a:p>
+            <a:pPr marL="457200" lvl="1" indent="0">
+              <a:buNone/>
+            </a:pPr>
+            <a:r>
+              <a:rPr lang="en-US" sz="2000" dirty="0"/>
+              <a:t>w</a:t>
+            </a:r>
+            <a:r>
+              <a:rPr lang="en-US" sz="2000" dirty="0" smtClean="0"/>
+              <a:t>ebservers:&amp;</a:t>
+            </a:r>
+            <a:r>
+              <a:rPr lang="en-US" sz="2000" dirty="0" err="1" smtClean="0"/>
+              <a:t>mpls</a:t>
+            </a:r>
+            <a:r>
+              <a:rPr lang="en-US" sz="2000" dirty="0" smtClean="0"/>
+              <a:t>	 (intersection of webservers &amp; </a:t>
+            </a:r>
+            <a:r>
+              <a:rPr lang="en-US" sz="2000" dirty="0" err="1" smtClean="0"/>
+              <a:t>mpls</a:t>
+            </a:r>
+            <a:r>
+              <a:rPr lang="en-US" sz="2000" dirty="0" smtClean="0"/>
+              <a:t>)</a:t>
+            </a:r>
+          </a:p>
+          <a:p>
+            <a:pPr marL="457200" lvl="1" indent="0">
+              <a:buNone/>
+            </a:pPr>
+            <a:r>
+              <a:rPr lang="en-US" sz="2000" dirty="0"/>
+              <a:t>w</a:t>
+            </a:r>
+            <a:r>
+              <a:rPr lang="en-US" sz="2000" dirty="0" smtClean="0"/>
+              <a:t>ebservers[1]		 (2</a:t>
+            </a:r>
+            <a:r>
+              <a:rPr lang="en-US" sz="2000" baseline="30000" dirty="0" smtClean="0"/>
+              <a:t>nd</a:t>
+            </a:r>
+            <a:r>
+              <a:rPr lang="en-US" sz="2000" dirty="0" smtClean="0"/>
+              <a:t> host listed in webservers group)</a:t>
+            </a:r>
+          </a:p>
+          <a:p>
+            <a:pPr marL="457200" lvl="1" indent="0">
+              <a:buNone/>
+            </a:pPr>
+            <a:endParaRPr lang="en-US" sz="2400" dirty="0" smtClean="0"/>
+          </a:p>
+        </p:txBody>
+      </p:sp>
+    </p:spTree>
+    <p:extLst>
+      <p:ext uri="{BB962C8B-B14F-4D97-AF65-F5344CB8AC3E}">
+        <p14:creationId xmlns:p14="http://schemas.microsoft.com/office/powerpoint/2010/main" val="555082523"/>
+      </p:ext>
+    </p:extLst>
+  </p:cSld>
+  <p:clrMapOvr>
+    <a:masterClrMapping/>
+  </p:clrMapOvr>
+</p:sld>
+</file>
+
+<file path=ppt/slides/slide24.xml><?xml version="1.0" encoding="utf-8"?>
+<p:sld xmlns:a="http://schemas.openxmlformats.org/drawingml/2006/main" xmlns:r="http://schemas.openxmlformats.org/officeDocument/2006/relationships" xmlns:p="http://schemas.openxmlformats.org/presentationml/2006/main">
+  <p:cSld>
+    <p:spTree>
+      <p:nvGrpSpPr>
+        <p:cNvPr id="1" name=""/>
+        <p:cNvGrpSpPr/>
+        <p:nvPr/>
+      </p:nvGrpSpPr>
+      <p:grpSpPr>
+        <a:xfrm>
+          <a:off x="0" y="0"/>
+          <a:ext cx="0" cy="0"/>
+          <a:chOff x="0" y="0"/>
+          <a:chExt cx="0" cy="0"/>
+        </a:xfrm>
+      </p:grpSpPr>
+      <p:sp>
+        <p:nvSpPr>
+          <p:cNvPr id="2" name="Title 1"/>
+          <p:cNvSpPr>
+            <a:spLocks noGrp="1"/>
+          </p:cNvSpPr>
+          <p:nvPr>
+            <p:ph type="title"/>
+          </p:nvPr>
+        </p:nvSpPr>
+        <p:spPr/>
+        <p:txBody>
+          <a:bodyPr/>
+          <a:lstStyle/>
+          <a:p>
+            <a:r>
+              <a:rPr lang="en-US" dirty="0" smtClean="0"/>
+              <a:t>Ad hoc commands</a:t>
+            </a:r>
+            <a:endParaRPr lang="en-US" dirty="0"/>
+          </a:p>
+        </p:txBody>
+      </p:sp>
+      <p:sp>
+        <p:nvSpPr>
+          <p:cNvPr id="3" name="Content Placeholder 2"/>
+          <p:cNvSpPr>
+            <a:spLocks noGrp="1"/>
+          </p:cNvSpPr>
+          <p:nvPr>
+            <p:ph idx="1"/>
+          </p:nvPr>
+        </p:nvSpPr>
+        <p:spPr/>
+        <p:txBody>
+          <a:bodyPr>
+            <a:normAutofit fontScale="85000" lnSpcReduction="20000"/>
+          </a:bodyPr>
+          <a:lstStyle/>
+          <a:p>
+            <a:r>
+              <a:rPr lang="en-US" dirty="0" err="1" smtClean="0"/>
+              <a:t>Ansible</a:t>
+            </a:r>
+            <a:r>
+              <a:rPr lang="en-US" dirty="0" smtClean="0"/>
+              <a:t> can be used to execute quick commands on hosts.</a:t>
+            </a:r>
+          </a:p>
+          <a:p>
+            <a:pPr lvl="1"/>
+            <a:r>
+              <a:rPr lang="en-US" dirty="0" smtClean="0"/>
+              <a:t>Used for very small tasks or testing.</a:t>
+            </a:r>
+          </a:p>
+          <a:p>
+            <a:pPr lvl="1"/>
+            <a:endParaRPr lang="en-US" dirty="0" smtClean="0"/>
+          </a:p>
+          <a:p>
+            <a:pPr marL="457200" lvl="1" indent="0">
+              <a:buNone/>
+            </a:pPr>
+            <a:r>
+              <a:rPr lang="en-US" sz="2000" dirty="0" smtClean="0"/>
+              <a:t>$ </a:t>
+            </a:r>
+            <a:r>
+              <a:rPr lang="en-US" sz="2000" dirty="0" err="1" smtClean="0"/>
+              <a:t>ansible</a:t>
+            </a:r>
+            <a:r>
+              <a:rPr lang="en-US" sz="2000" dirty="0" smtClean="0"/>
+              <a:t> –</a:t>
+            </a:r>
+            <a:r>
+              <a:rPr lang="en-US" sz="2000" dirty="0" err="1" smtClean="0"/>
+              <a:t>i</a:t>
+            </a:r>
+            <a:r>
+              <a:rPr lang="en-US" sz="2000" dirty="0" smtClean="0"/>
+              <a:t> hosts &lt;pattern&gt; -m &lt;</a:t>
+            </a:r>
+            <a:r>
+              <a:rPr lang="en-US" sz="2000" dirty="0" err="1" smtClean="0"/>
+              <a:t>module_name</a:t>
+            </a:r>
+            <a:r>
+              <a:rPr lang="en-US" sz="2000" dirty="0" smtClean="0"/>
+              <a:t>&gt; -a &lt;arguments&gt;</a:t>
+            </a:r>
+          </a:p>
+          <a:p>
+            <a:pPr marL="457200" lvl="1" indent="0">
+              <a:buNone/>
+            </a:pPr>
+            <a:endParaRPr lang="en-US" sz="2000" dirty="0"/>
+          </a:p>
+          <a:p>
+            <a:pPr marL="457200" lvl="1" indent="0">
+              <a:buNone/>
+            </a:pPr>
+            <a:r>
+              <a:rPr lang="en-US" sz="2000" dirty="0" smtClean="0"/>
+              <a:t>$ </a:t>
+            </a:r>
+            <a:r>
+              <a:rPr lang="en-US" sz="2000" dirty="0" err="1" smtClean="0"/>
+              <a:t>ansible</a:t>
+            </a:r>
+            <a:r>
+              <a:rPr lang="en-US" sz="2000" dirty="0" smtClean="0"/>
+              <a:t> –</a:t>
+            </a:r>
+            <a:r>
+              <a:rPr lang="en-US" sz="2000" dirty="0" err="1" smtClean="0"/>
+              <a:t>i</a:t>
+            </a:r>
+            <a:r>
+              <a:rPr lang="en-US" sz="2000" dirty="0" smtClean="0"/>
+              <a:t> hosts web1 command –a “uptime”</a:t>
+            </a:r>
+          </a:p>
+          <a:p>
+            <a:endParaRPr lang="en-US" sz="2400" dirty="0"/>
+          </a:p>
+          <a:p>
+            <a:r>
+              <a:rPr lang="en-US" sz="2400" dirty="0" smtClean="0"/>
+              <a:t>The </a:t>
+            </a:r>
+            <a:r>
+              <a:rPr lang="en-US" sz="2400" b="1" dirty="0" smtClean="0"/>
+              <a:t>command</a:t>
+            </a:r>
+            <a:r>
+              <a:rPr lang="en-US" sz="2400" dirty="0" smtClean="0"/>
+              <a:t> module is the default module, so we don’t have to specify it.</a:t>
+            </a:r>
+          </a:p>
+          <a:p>
+            <a:endParaRPr lang="en-US" sz="2400" dirty="0"/>
+          </a:p>
+          <a:p>
+            <a:pPr marL="457200" lvl="1" indent="0">
+              <a:buNone/>
+            </a:pPr>
+            <a:r>
+              <a:rPr lang="en-US" sz="2000" dirty="0" smtClean="0"/>
+              <a:t>$ </a:t>
+            </a:r>
+            <a:r>
+              <a:rPr lang="en-US" sz="2000" dirty="0" err="1" smtClean="0"/>
+              <a:t>ansible</a:t>
+            </a:r>
+            <a:r>
+              <a:rPr lang="en-US" sz="2000" dirty="0" smtClean="0"/>
+              <a:t> –</a:t>
+            </a:r>
+            <a:r>
+              <a:rPr lang="en-US" sz="2000" dirty="0" err="1" smtClean="0"/>
+              <a:t>i</a:t>
+            </a:r>
+            <a:r>
+              <a:rPr lang="en-US" sz="2000" dirty="0" smtClean="0"/>
+              <a:t> hosts web1 –a “tail /</a:t>
+            </a:r>
+            <a:r>
+              <a:rPr lang="en-US" sz="2000" dirty="0" err="1" smtClean="0"/>
+              <a:t>var</a:t>
+            </a:r>
+            <a:r>
+              <a:rPr lang="en-US" sz="2000" dirty="0" smtClean="0"/>
+              <a:t>/log/boot” –u </a:t>
+            </a:r>
+            <a:r>
+              <a:rPr lang="en-US" sz="2000" dirty="0" err="1" smtClean="0"/>
+              <a:t>sudo</a:t>
+            </a:r>
+            <a:endParaRPr lang="en-US" sz="2000" dirty="0" smtClean="0"/>
+          </a:p>
+          <a:p>
+            <a:pPr lvl="1"/>
+            <a:endParaRPr lang="en-US" sz="2000" dirty="0"/>
+          </a:p>
+          <a:p>
+            <a:r>
+              <a:rPr lang="en-US" sz="2400" dirty="0" err="1" smtClean="0"/>
+              <a:t>Ansible</a:t>
+            </a:r>
+            <a:r>
+              <a:rPr lang="en-US" sz="2400" dirty="0" smtClean="0"/>
+              <a:t> will execute the command as the user specified by the –u option.</a:t>
+            </a:r>
+            <a:endParaRPr lang="en-US" sz="2400" dirty="0"/>
+          </a:p>
+        </p:txBody>
+      </p:sp>
+    </p:spTree>
+    <p:extLst>
+      <p:ext uri="{BB962C8B-B14F-4D97-AF65-F5344CB8AC3E}">
+        <p14:creationId xmlns:p14="http://schemas.microsoft.com/office/powerpoint/2010/main" val="1378567233"/>
+      </p:ext>
+    </p:extLst>
+  </p:cSld>
+  <p:clrMapOvr>
+    <a:masterClrMapping/>
+  </p:clrMapOvr>
+</p:sld>
+</file>
+
+<file path=ppt/slides/slide25.xml><?xml version="1.0" encoding="utf-8"?>
+<p:sld xmlns:a="http://schemas.openxmlformats.org/drawingml/2006/main" xmlns:r="http://schemas.openxmlformats.org/officeDocument/2006/relationships" xmlns:p="http://schemas.openxmlformats.org/presentationml/2006/main">
+  <p:cSld>
+    <p:spTree>
+      <p:nvGrpSpPr>
+        <p:cNvPr id="1" name=""/>
+        <p:cNvGrpSpPr/>
+        <p:nvPr/>
+      </p:nvGrpSpPr>
+      <p:grpSpPr>
+        <a:xfrm>
+          <a:off x="0" y="0"/>
+          <a:ext cx="0" cy="0"/>
+          <a:chOff x="0" y="0"/>
+          <a:chExt cx="0" cy="0"/>
+        </a:xfrm>
+      </p:grpSpPr>
+      <p:sp>
+        <p:nvSpPr>
+          <p:cNvPr id="2" name="Title 1"/>
+          <p:cNvSpPr>
+            <a:spLocks noGrp="1"/>
+          </p:cNvSpPr>
+          <p:nvPr>
+            <p:ph type="title"/>
+          </p:nvPr>
+        </p:nvSpPr>
+        <p:spPr/>
+        <p:txBody>
+          <a:bodyPr/>
+          <a:lstStyle/>
+          <a:p>
+            <a:r>
+              <a:rPr lang="en-US" dirty="0" smtClean="0"/>
+              <a:t>Ad hoc commands</a:t>
+            </a:r>
+            <a:endParaRPr lang="en-US" dirty="0"/>
+          </a:p>
+        </p:txBody>
+      </p:sp>
+      <p:sp>
+        <p:nvSpPr>
+          <p:cNvPr id="3" name="Content Placeholder 2"/>
+          <p:cNvSpPr>
+            <a:spLocks noGrp="1"/>
+          </p:cNvSpPr>
+          <p:nvPr>
+            <p:ph idx="1"/>
+          </p:nvPr>
+        </p:nvSpPr>
+        <p:spPr/>
+        <p:txBody>
+          <a:bodyPr>
+            <a:normAutofit fontScale="85000" lnSpcReduction="20000"/>
+          </a:bodyPr>
+          <a:lstStyle/>
+          <a:p>
+            <a:r>
+              <a:rPr lang="en-US" dirty="0" smtClean="0"/>
+              <a:t>Copy files to a group of servers using </a:t>
+            </a:r>
+            <a:r>
+              <a:rPr lang="en-US" b="1" dirty="0" smtClean="0"/>
+              <a:t>copy</a:t>
+            </a:r>
+            <a:r>
+              <a:rPr lang="en-US" dirty="0" smtClean="0"/>
+              <a:t> module:</a:t>
+            </a:r>
+          </a:p>
+          <a:p>
+            <a:endParaRPr lang="en-US" dirty="0" smtClean="0"/>
+          </a:p>
+          <a:p>
+            <a:pPr marL="457200" lvl="1" indent="0">
+              <a:buNone/>
+            </a:pPr>
+            <a:r>
+              <a:rPr lang="en-US" sz="1900" dirty="0" smtClean="0"/>
+              <a:t>$ </a:t>
+            </a:r>
+            <a:r>
+              <a:rPr lang="en-US" sz="1900" dirty="0" err="1" smtClean="0"/>
+              <a:t>ansible</a:t>
+            </a:r>
+            <a:r>
+              <a:rPr lang="en-US" sz="1900" dirty="0" smtClean="0"/>
+              <a:t> –</a:t>
+            </a:r>
+            <a:r>
+              <a:rPr lang="en-US" sz="1900" dirty="0" err="1" smtClean="0"/>
+              <a:t>i</a:t>
+            </a:r>
+            <a:r>
+              <a:rPr lang="en-US" sz="1900" dirty="0" smtClean="0"/>
+              <a:t> hosts </a:t>
+            </a:r>
+            <a:r>
+              <a:rPr lang="en-US" sz="1900" dirty="0" err="1" smtClean="0"/>
+              <a:t>minneapolis</a:t>
+            </a:r>
+            <a:r>
+              <a:rPr lang="en-US" sz="1900" dirty="0" smtClean="0"/>
+              <a:t> –m copy –a “</a:t>
+            </a:r>
+            <a:r>
+              <a:rPr lang="en-US" sz="1900" dirty="0" err="1" smtClean="0"/>
+              <a:t>src</a:t>
+            </a:r>
+            <a:r>
+              <a:rPr lang="en-US" sz="1900" dirty="0" smtClean="0"/>
+              <a:t>=~/</a:t>
+            </a:r>
+            <a:r>
+              <a:rPr lang="en-US" sz="1900" dirty="0" err="1" smtClean="0"/>
+              <a:t>archive.zip</a:t>
+            </a:r>
+            <a:r>
+              <a:rPr lang="en-US" sz="1900" dirty="0" smtClean="0"/>
+              <a:t> </a:t>
+            </a:r>
+            <a:r>
+              <a:rPr lang="en-US" sz="1900" dirty="0" err="1" smtClean="0"/>
+              <a:t>dest</a:t>
+            </a:r>
+            <a:r>
+              <a:rPr lang="en-US" sz="1900" dirty="0" smtClean="0"/>
+              <a:t>=/</a:t>
+            </a:r>
+            <a:r>
+              <a:rPr lang="en-US" sz="1900" dirty="0" err="1" smtClean="0"/>
+              <a:t>var</a:t>
+            </a:r>
+            <a:r>
+              <a:rPr lang="en-US" sz="1900" dirty="0" smtClean="0"/>
+              <a:t>/www/</a:t>
+            </a:r>
+            <a:r>
+              <a:rPr lang="en-US" sz="1900" dirty="0" err="1" smtClean="0"/>
+              <a:t>archive.zip</a:t>
+            </a:r>
+            <a:r>
+              <a:rPr lang="en-US" sz="1900" dirty="0" smtClean="0"/>
+              <a:t>”</a:t>
+            </a:r>
+          </a:p>
+          <a:p>
+            <a:pPr lvl="1"/>
+            <a:endParaRPr lang="en-US" dirty="0"/>
+          </a:p>
+          <a:p>
+            <a:r>
+              <a:rPr lang="en-US" dirty="0" smtClean="0"/>
+              <a:t>Create and delete a directory using </a:t>
+            </a:r>
+            <a:r>
+              <a:rPr lang="en-US" b="1" dirty="0" smtClean="0"/>
+              <a:t>file</a:t>
+            </a:r>
+            <a:r>
+              <a:rPr lang="en-US" dirty="0" smtClean="0"/>
+              <a:t> module:</a:t>
+            </a:r>
+          </a:p>
+          <a:p>
+            <a:endParaRPr lang="en-US" dirty="0" smtClean="0"/>
+          </a:p>
+          <a:p>
+            <a:pPr marL="457200" lvl="1" indent="0">
+              <a:buNone/>
+            </a:pPr>
+            <a:r>
+              <a:rPr lang="en-US" sz="1900" dirty="0" smtClean="0"/>
+              <a:t>$ </a:t>
+            </a:r>
+            <a:r>
+              <a:rPr lang="en-US" sz="1900" dirty="0" err="1" smtClean="0"/>
+              <a:t>ansible</a:t>
+            </a:r>
+            <a:r>
+              <a:rPr lang="en-US" sz="1900" dirty="0" smtClean="0"/>
+              <a:t> –</a:t>
+            </a:r>
+            <a:r>
+              <a:rPr lang="en-US" sz="1900" dirty="0" err="1" smtClean="0"/>
+              <a:t>i</a:t>
+            </a:r>
+            <a:r>
+              <a:rPr lang="en-US" sz="1900" dirty="0" smtClean="0"/>
+              <a:t> hosts webservers -m file –a “</a:t>
+            </a:r>
+            <a:r>
+              <a:rPr lang="en-US" sz="1900" dirty="0" err="1" smtClean="0"/>
+              <a:t>dest</a:t>
+            </a:r>
+            <a:r>
+              <a:rPr lang="en-US" sz="1900" dirty="0" smtClean="0"/>
+              <a:t>=/path/to/files mode=755 state=directory”</a:t>
+            </a:r>
+          </a:p>
+          <a:p>
+            <a:pPr marL="457200" lvl="1" indent="0">
+              <a:buNone/>
+            </a:pPr>
+            <a:r>
+              <a:rPr lang="en-US" sz="1900" dirty="0" smtClean="0"/>
+              <a:t>$ </a:t>
+            </a:r>
+            <a:r>
+              <a:rPr lang="en-US" sz="1900" dirty="0" err="1" smtClean="0"/>
+              <a:t>ansible</a:t>
+            </a:r>
+            <a:r>
+              <a:rPr lang="en-US" sz="1900" dirty="0" smtClean="0"/>
+              <a:t> –</a:t>
+            </a:r>
+            <a:r>
+              <a:rPr lang="en-US" sz="1900" dirty="0" err="1" smtClean="0"/>
+              <a:t>i</a:t>
+            </a:r>
+            <a:r>
+              <a:rPr lang="en-US" sz="1900" dirty="0" smtClean="0"/>
+              <a:t> hosts webservers –m file –a “</a:t>
+            </a:r>
+            <a:r>
+              <a:rPr lang="en-US" sz="1900" dirty="0" err="1" smtClean="0"/>
+              <a:t>dest</a:t>
+            </a:r>
+            <a:r>
+              <a:rPr lang="en-US" sz="1900" dirty="0" smtClean="0"/>
+              <a:t>=/path/to/files state=absent”</a:t>
+            </a:r>
+          </a:p>
+          <a:p>
+            <a:endParaRPr lang="en-US" dirty="0"/>
+          </a:p>
+          <a:p>
+            <a:r>
+              <a:rPr lang="en-US" dirty="0" smtClean="0"/>
+              <a:t>Install a software package using </a:t>
+            </a:r>
+            <a:r>
+              <a:rPr lang="en-US" b="1" dirty="0" smtClean="0"/>
+              <a:t>yum</a:t>
+            </a:r>
+            <a:r>
+              <a:rPr lang="en-US" dirty="0" smtClean="0"/>
+              <a:t> module:</a:t>
+            </a:r>
+          </a:p>
+          <a:p>
+            <a:endParaRPr lang="en-US" dirty="0" smtClean="0"/>
+          </a:p>
+          <a:p>
+            <a:pPr marL="457200" lvl="1" indent="0">
+              <a:buNone/>
+            </a:pPr>
+            <a:r>
+              <a:rPr lang="en-US" sz="1900" dirty="0" smtClean="0"/>
+              <a:t>$ </a:t>
+            </a:r>
+            <a:r>
+              <a:rPr lang="en-US" sz="1900" dirty="0" err="1" smtClean="0"/>
+              <a:t>ansible</a:t>
+            </a:r>
+            <a:r>
+              <a:rPr lang="en-US" sz="1900" dirty="0" smtClean="0"/>
+              <a:t> –</a:t>
+            </a:r>
+            <a:r>
+              <a:rPr lang="en-US" sz="1900" dirty="0" err="1" smtClean="0"/>
+              <a:t>i</a:t>
+            </a:r>
+            <a:r>
+              <a:rPr lang="en-US" sz="1900" dirty="0" smtClean="0"/>
+              <a:t> hosts </a:t>
+            </a:r>
+            <a:r>
+              <a:rPr lang="en-US" sz="1900" dirty="0" err="1" smtClean="0"/>
+              <a:t>dbserver</a:t>
+            </a:r>
+            <a:r>
+              <a:rPr lang="en-US" sz="1900" dirty="0" smtClean="0"/>
+              <a:t> –m yum –a “name=</a:t>
+            </a:r>
+            <a:r>
+              <a:rPr lang="en-US" sz="1900" dirty="0" err="1" smtClean="0"/>
+              <a:t>mysql</a:t>
+            </a:r>
+            <a:r>
+              <a:rPr lang="en-US" sz="1900" dirty="0" smtClean="0"/>
+              <a:t> state=present”</a:t>
+            </a:r>
+          </a:p>
+          <a:p>
+            <a:endParaRPr lang="en-US" dirty="0"/>
+          </a:p>
+        </p:txBody>
+      </p:sp>
+    </p:spTree>
+    <p:extLst>
+      <p:ext uri="{BB962C8B-B14F-4D97-AF65-F5344CB8AC3E}">
+        <p14:creationId xmlns:p14="http://schemas.microsoft.com/office/powerpoint/2010/main" val="722358187"/>
+      </p:ext>
+    </p:extLst>
+  </p:cSld>
+  <p:clrMapOvr>
+    <a:masterClrMapping/>
+  </p:clrMapOvr>
+</p:sld>
+</file>
+
+<file path=ppt/slides/slide26.xml><?xml version="1.0" encoding="utf-8"?>
+<p:sld xmlns:a="http://schemas.openxmlformats.org/drawingml/2006/main" xmlns:r="http://schemas.openxmlformats.org/officeDocument/2006/relationships" xmlns:p="http://schemas.openxmlformats.org/presentationml/2006/main">
+  <p:cSld>
+    <p:spTree>
+      <p:nvGrpSpPr>
+        <p:cNvPr id="1" name=""/>
+        <p:cNvGrpSpPr/>
+        <p:nvPr/>
+      </p:nvGrpSpPr>
+      <p:grpSpPr>
+        <a:xfrm>
+          <a:off x="0" y="0"/>
+          <a:ext cx="0" cy="0"/>
+          <a:chOff x="0" y="0"/>
+          <a:chExt cx="0" cy="0"/>
+        </a:xfrm>
+      </p:grpSpPr>
+      <p:sp>
+        <p:nvSpPr>
+          <p:cNvPr id="2" name="Title 1"/>
+          <p:cNvSpPr>
+            <a:spLocks noGrp="1"/>
+          </p:cNvSpPr>
+          <p:nvPr>
+            <p:ph type="title"/>
+          </p:nvPr>
+        </p:nvSpPr>
+        <p:spPr/>
+        <p:txBody>
+          <a:bodyPr/>
+          <a:lstStyle/>
+          <a:p>
+            <a:r>
+              <a:rPr lang="en-US" dirty="0" smtClean="0"/>
+              <a:t>Ad hoc commands</a:t>
+            </a:r>
+            <a:endParaRPr lang="en-US" dirty="0"/>
+          </a:p>
+        </p:txBody>
+      </p:sp>
+      <p:sp>
+        <p:nvSpPr>
+          <p:cNvPr id="3" name="Content Placeholder 2"/>
+          <p:cNvSpPr>
+            <a:spLocks noGrp="1"/>
+          </p:cNvSpPr>
+          <p:nvPr>
+            <p:ph idx="1"/>
+          </p:nvPr>
+        </p:nvSpPr>
+        <p:spPr/>
+        <p:txBody>
+          <a:bodyPr>
+            <a:normAutofit fontScale="70000" lnSpcReduction="20000"/>
+          </a:bodyPr>
+          <a:lstStyle/>
+          <a:p>
+            <a:r>
+              <a:rPr lang="en-US" dirty="0" smtClean="0"/>
+              <a:t>Create and remove user accounts with </a:t>
+            </a:r>
+            <a:r>
+              <a:rPr lang="en-US" b="1" dirty="0" smtClean="0"/>
+              <a:t>user</a:t>
+            </a:r>
+            <a:r>
+              <a:rPr lang="en-US" dirty="0" smtClean="0"/>
+              <a:t> module:</a:t>
+            </a:r>
+          </a:p>
+          <a:p>
+            <a:endParaRPr lang="en-US" dirty="0" smtClean="0"/>
+          </a:p>
+          <a:p>
+            <a:pPr marL="457200" lvl="1" indent="0">
+              <a:buNone/>
+            </a:pPr>
+            <a:r>
+              <a:rPr lang="en-US" sz="1900" dirty="0" smtClean="0"/>
+              <a:t>$ </a:t>
+            </a:r>
+            <a:r>
+              <a:rPr lang="en-US" sz="1900" dirty="0" err="1" smtClean="0"/>
+              <a:t>ansible</a:t>
+            </a:r>
+            <a:r>
+              <a:rPr lang="en-US" sz="1900" dirty="0" smtClean="0"/>
+              <a:t> –</a:t>
+            </a:r>
+            <a:r>
+              <a:rPr lang="en-US" sz="1900" dirty="0" err="1" smtClean="0"/>
+              <a:t>i</a:t>
+            </a:r>
+            <a:r>
+              <a:rPr lang="en-US" sz="1900" dirty="0" smtClean="0"/>
+              <a:t> hosts web1 -m user –a “name=</a:t>
+            </a:r>
+            <a:r>
+              <a:rPr lang="en-US" sz="1900" dirty="0" err="1" smtClean="0"/>
+              <a:t>jason</a:t>
+            </a:r>
+            <a:r>
+              <a:rPr lang="en-US" sz="1900" dirty="0" smtClean="0"/>
+              <a:t> password=&lt;</a:t>
+            </a:r>
+            <a:r>
+              <a:rPr lang="en-US" sz="1900" dirty="0" err="1" smtClean="0"/>
+              <a:t>crypted</a:t>
+            </a:r>
+            <a:r>
+              <a:rPr lang="en-US" sz="1900" dirty="0" smtClean="0"/>
+              <a:t> password&gt;”</a:t>
+            </a:r>
+          </a:p>
+          <a:p>
+            <a:pPr marL="457200" lvl="1" indent="0">
+              <a:buNone/>
+            </a:pPr>
+            <a:r>
+              <a:rPr lang="en-US" sz="1900" dirty="0" smtClean="0"/>
+              <a:t>$ </a:t>
+            </a:r>
+            <a:r>
+              <a:rPr lang="en-US" sz="1900" dirty="0" err="1" smtClean="0"/>
+              <a:t>ansible</a:t>
+            </a:r>
+            <a:r>
+              <a:rPr lang="en-US" sz="1900" dirty="0" smtClean="0"/>
+              <a:t> –</a:t>
+            </a:r>
+            <a:r>
+              <a:rPr lang="en-US" sz="1900" dirty="0" err="1" smtClean="0"/>
+              <a:t>i</a:t>
+            </a:r>
+            <a:r>
+              <a:rPr lang="en-US" sz="1900" dirty="0" smtClean="0"/>
+              <a:t> hosts web1 -m user –a “name=</a:t>
+            </a:r>
+            <a:r>
+              <a:rPr lang="en-US" sz="1900" dirty="0" err="1" smtClean="0"/>
+              <a:t>jason</a:t>
+            </a:r>
+            <a:r>
+              <a:rPr lang="en-US" sz="1900" dirty="0" smtClean="0"/>
+              <a:t> state=absent”</a:t>
+            </a:r>
+          </a:p>
+          <a:p>
+            <a:pPr lvl="1"/>
+            <a:endParaRPr lang="en-US" dirty="0"/>
+          </a:p>
+          <a:p>
+            <a:r>
+              <a:rPr lang="en-US" dirty="0" smtClean="0"/>
+              <a:t>Manage services using </a:t>
+            </a:r>
+            <a:r>
+              <a:rPr lang="en-US" b="1" dirty="0" smtClean="0"/>
+              <a:t>service </a:t>
+            </a:r>
+            <a:r>
+              <a:rPr lang="en-US" dirty="0" smtClean="0"/>
+              <a:t>module:</a:t>
+            </a:r>
+          </a:p>
+          <a:p>
+            <a:endParaRPr lang="en-US" dirty="0" smtClean="0"/>
+          </a:p>
+          <a:p>
+            <a:pPr marL="457200" lvl="1" indent="0">
+              <a:buNone/>
+            </a:pPr>
+            <a:r>
+              <a:rPr lang="en-US" sz="1900" dirty="0" smtClean="0"/>
+              <a:t>$ </a:t>
+            </a:r>
+            <a:r>
+              <a:rPr lang="en-US" sz="1900" dirty="0" err="1" smtClean="0"/>
+              <a:t>ansible</a:t>
+            </a:r>
+            <a:r>
+              <a:rPr lang="en-US" sz="1900" dirty="0" smtClean="0"/>
+              <a:t> –</a:t>
+            </a:r>
+            <a:r>
+              <a:rPr lang="en-US" sz="1900" dirty="0" err="1" smtClean="0"/>
+              <a:t>i</a:t>
+            </a:r>
+            <a:r>
+              <a:rPr lang="en-US" sz="1900" dirty="0" smtClean="0"/>
+              <a:t> hosts webservers -m service –a “name=</a:t>
+            </a:r>
+            <a:r>
+              <a:rPr lang="en-US" sz="1900" dirty="0" err="1" smtClean="0"/>
+              <a:t>httpd</a:t>
+            </a:r>
+            <a:r>
+              <a:rPr lang="en-US" sz="1900" dirty="0" smtClean="0"/>
+              <a:t> state=started”</a:t>
+            </a:r>
+          </a:p>
+          <a:p>
+            <a:pPr marL="457200" lvl="1" indent="0">
+              <a:buNone/>
+            </a:pPr>
+            <a:r>
+              <a:rPr lang="en-US" sz="1900" dirty="0" smtClean="0"/>
+              <a:t>$ </a:t>
+            </a:r>
+            <a:r>
+              <a:rPr lang="en-US" sz="1900" dirty="0" err="1" smtClean="0"/>
+              <a:t>ansible</a:t>
+            </a:r>
+            <a:r>
+              <a:rPr lang="en-US" sz="1900" dirty="0" smtClean="0"/>
+              <a:t> –</a:t>
+            </a:r>
+            <a:r>
+              <a:rPr lang="en-US" sz="1900" dirty="0" err="1" smtClean="0"/>
+              <a:t>i</a:t>
+            </a:r>
+            <a:r>
+              <a:rPr lang="en-US" sz="1900" dirty="0" smtClean="0"/>
+              <a:t> hosts webservers –m service –a “name=</a:t>
+            </a:r>
+            <a:r>
+              <a:rPr lang="en-US" sz="1900" dirty="0" err="1" smtClean="0"/>
+              <a:t>httpd</a:t>
+            </a:r>
+            <a:r>
+              <a:rPr lang="en-US" sz="1900" dirty="0" smtClean="0"/>
+              <a:t> state=restarted”</a:t>
+            </a:r>
+          </a:p>
+          <a:p>
+            <a:endParaRPr lang="en-US" dirty="0"/>
+          </a:p>
+          <a:p>
+            <a:r>
+              <a:rPr lang="en-US" dirty="0" smtClean="0"/>
+              <a:t>Facts represent a set of values which describe the configuration of a system. Gather facts using the </a:t>
+            </a:r>
+            <a:r>
+              <a:rPr lang="en-US" b="1" dirty="0" smtClean="0"/>
+              <a:t>setup</a:t>
+            </a:r>
+            <a:r>
+              <a:rPr lang="en-US" dirty="0" smtClean="0"/>
+              <a:t> module:</a:t>
+            </a:r>
+          </a:p>
+          <a:p>
+            <a:endParaRPr lang="en-US" dirty="0" smtClean="0"/>
+          </a:p>
+          <a:p>
+            <a:pPr marL="457200" lvl="1" indent="0">
+              <a:buNone/>
+            </a:pPr>
+            <a:r>
+              <a:rPr lang="en-US" sz="1900" dirty="0" smtClean="0"/>
+              <a:t>$ </a:t>
+            </a:r>
+            <a:r>
+              <a:rPr lang="en-US" sz="1900" dirty="0" err="1" smtClean="0"/>
+              <a:t>ansible</a:t>
+            </a:r>
+            <a:r>
+              <a:rPr lang="en-US" sz="1900" dirty="0" smtClean="0"/>
+              <a:t> –</a:t>
+            </a:r>
+            <a:r>
+              <a:rPr lang="en-US" sz="1900" dirty="0" err="1" smtClean="0"/>
+              <a:t>i</a:t>
+            </a:r>
+            <a:r>
+              <a:rPr lang="en-US" sz="1900" dirty="0" smtClean="0"/>
+              <a:t> hosts web1 –m setup</a:t>
+            </a:r>
+          </a:p>
+          <a:p>
+            <a:endParaRPr lang="en-US" dirty="0"/>
+          </a:p>
+        </p:txBody>
+      </p:sp>
+    </p:spTree>
+    <p:extLst>
+      <p:ext uri="{BB962C8B-B14F-4D97-AF65-F5344CB8AC3E}">
+        <p14:creationId xmlns:p14="http://schemas.microsoft.com/office/powerpoint/2010/main" val="1532509081"/>
+      </p:ext>
+    </p:extLst>
+  </p:cSld>
+  <p:clrMapOvr>
+    <a:masterClrMapping/>
+  </p:clrMapOvr>
+</p:sld>
+</file>
+
+<file path=ppt/slides/slide27.xml><?xml version="1.0" encoding="utf-8"?>
+<p:sld xmlns:a="http://schemas.openxmlformats.org/drawingml/2006/main" xmlns:r="http://schemas.openxmlformats.org/officeDocument/2006/relationships" xmlns:p="http://schemas.openxmlformats.org/presentationml/2006/main">
+  <p:cSld>
+    <p:spTree>
+      <p:nvGrpSpPr>
+        <p:cNvPr id="1" name=""/>
+        <p:cNvGrpSpPr/>
+        <p:nvPr/>
+      </p:nvGrpSpPr>
+      <p:grpSpPr>
+        <a:xfrm>
+          <a:off x="0" y="0"/>
+          <a:ext cx="0" cy="0"/>
+          <a:chOff x="0" y="0"/>
+          <a:chExt cx="0" cy="0"/>
+        </a:xfrm>
+      </p:grpSpPr>
+      <p:sp>
+        <p:nvSpPr>
+          <p:cNvPr id="2" name="Title 1"/>
+          <p:cNvSpPr>
+            <a:spLocks noGrp="1"/>
+          </p:cNvSpPr>
+          <p:nvPr>
+            <p:ph type="title"/>
+          </p:nvPr>
+        </p:nvSpPr>
+        <p:spPr/>
+        <p:txBody>
+          <a:bodyPr>
+            <a:normAutofit/>
+          </a:bodyPr>
+          <a:lstStyle/>
+          <a:p>
+            <a:r>
+              <a:rPr lang="en-US" dirty="0" smtClean="0"/>
+              <a:t>Homework</a:t>
+            </a:r>
+            <a:endParaRPr lang="en-US" dirty="0"/>
+          </a:p>
+        </p:txBody>
+      </p:sp>
+      <p:sp>
+        <p:nvSpPr>
+          <p:cNvPr id="3" name="Content Placeholder 2"/>
+          <p:cNvSpPr>
+            <a:spLocks noGrp="1"/>
+          </p:cNvSpPr>
+          <p:nvPr>
+            <p:ph idx="1"/>
+          </p:nvPr>
+        </p:nvSpPr>
+        <p:spPr>
+          <a:xfrm>
+            <a:off x="457200" y="1600200"/>
+            <a:ext cx="8229600" cy="4920629"/>
+          </a:xfrm>
+        </p:spPr>
+        <p:txBody>
+          <a:bodyPr>
+            <a:normAutofit/>
+          </a:bodyPr>
+          <a:lstStyle/>
+          <a:p>
+            <a:r>
+              <a:rPr lang="en-US" dirty="0" smtClean="0"/>
+              <a:t>Assignment </a:t>
+            </a:r>
+            <a:r>
+              <a:rPr lang="en-US" dirty="0"/>
+              <a:t>8</a:t>
+            </a:r>
+            <a:endParaRPr lang="en-US" dirty="0" smtClean="0"/>
+          </a:p>
+          <a:p>
+            <a:r>
+              <a:rPr lang="en-US" dirty="0" smtClean="0"/>
+              <a:t>Read</a:t>
+            </a:r>
+            <a:r>
+              <a:rPr lang="en-US" i="1" dirty="0" smtClean="0"/>
+              <a:t> Infrastructure as Code </a:t>
+            </a:r>
+            <a:r>
+              <a:rPr lang="en-US" smtClean="0"/>
+              <a:t>Chapters</a:t>
+            </a:r>
+            <a:r>
+              <a:rPr lang="en-US" i="1" smtClean="0"/>
+              <a:t> 9 &amp; 10</a:t>
+            </a:r>
+            <a:endParaRPr lang="en-US" dirty="0"/>
+          </a:p>
+          <a:p>
+            <a:endParaRPr lang="en-US" dirty="0" smtClean="0"/>
+          </a:p>
+        </p:txBody>
+      </p:sp>
+    </p:spTree>
+    <p:extLst>
+      <p:ext uri="{BB962C8B-B14F-4D97-AF65-F5344CB8AC3E}">
+        <p14:creationId xmlns:p14="http://schemas.microsoft.com/office/powerpoint/2010/main" val="2135093818"/>
       </p:ext>
     </p:extLst>
   </p:cSld>

--- a/lectures/infrastructure-week-10.pptx
+++ b/lectures/infrastructure-week-10.pptx
@@ -24,14 +24,16 @@
     <p:sldId id="271" r:id="rId18"/>
     <p:sldId id="274" r:id="rId19"/>
     <p:sldId id="276" r:id="rId20"/>
-    <p:sldId id="277" r:id="rId21"/>
-    <p:sldId id="278" r:id="rId22"/>
-    <p:sldId id="279" r:id="rId23"/>
-    <p:sldId id="281" r:id="rId24"/>
-    <p:sldId id="280" r:id="rId25"/>
-    <p:sldId id="282" r:id="rId26"/>
-    <p:sldId id="283" r:id="rId27"/>
-    <p:sldId id="258" r:id="rId28"/>
+    <p:sldId id="284" r:id="rId21"/>
+    <p:sldId id="285" r:id="rId22"/>
+    <p:sldId id="278" r:id="rId23"/>
+    <p:sldId id="277" r:id="rId24"/>
+    <p:sldId id="279" r:id="rId25"/>
+    <p:sldId id="281" r:id="rId26"/>
+    <p:sldId id="280" r:id="rId27"/>
+    <p:sldId id="282" r:id="rId28"/>
+    <p:sldId id="283" r:id="rId29"/>
+    <p:sldId id="258" r:id="rId30"/>
   </p:sldIdLst>
   <p:sldSz cx="9144000" cy="6858000" type="screen4x3"/>
   <p:notesSz cx="6858000" cy="9144000"/>
@@ -330,7 +332,7 @@
           <a:p>
             <a:fld id="{972605B8-2E90-124E-924E-6F58993143C6}" type="datetimeFigureOut">
               <a:rPr lang="en-US" smtClean="0"/>
-              <a:t>11/4/16</a:t>
+              <a:t>11/8/16</a:t>
             </a:fld>
             <a:endParaRPr lang="en-US"/>
           </a:p>
@@ -500,7 +502,7 @@
           <a:p>
             <a:fld id="{972605B8-2E90-124E-924E-6F58993143C6}" type="datetimeFigureOut">
               <a:rPr lang="en-US" smtClean="0"/>
-              <a:t>11/4/16</a:t>
+              <a:t>11/8/16</a:t>
             </a:fld>
             <a:endParaRPr lang="en-US"/>
           </a:p>
@@ -680,7 +682,7 @@
           <a:p>
             <a:fld id="{972605B8-2E90-124E-924E-6F58993143C6}" type="datetimeFigureOut">
               <a:rPr lang="en-US" smtClean="0"/>
-              <a:t>11/4/16</a:t>
+              <a:t>11/8/16</a:t>
             </a:fld>
             <a:endParaRPr lang="en-US"/>
           </a:p>
@@ -850,7 +852,7 @@
           <a:p>
             <a:fld id="{972605B8-2E90-124E-924E-6F58993143C6}" type="datetimeFigureOut">
               <a:rPr lang="en-US" smtClean="0"/>
-              <a:t>11/4/16</a:t>
+              <a:t>11/8/16</a:t>
             </a:fld>
             <a:endParaRPr lang="en-US"/>
           </a:p>
@@ -1096,7 +1098,7 @@
           <a:p>
             <a:fld id="{972605B8-2E90-124E-924E-6F58993143C6}" type="datetimeFigureOut">
               <a:rPr lang="en-US" smtClean="0"/>
-              <a:t>11/4/16</a:t>
+              <a:t>11/8/16</a:t>
             </a:fld>
             <a:endParaRPr lang="en-US"/>
           </a:p>
@@ -1384,7 +1386,7 @@
           <a:p>
             <a:fld id="{972605B8-2E90-124E-924E-6F58993143C6}" type="datetimeFigureOut">
               <a:rPr lang="en-US" smtClean="0"/>
-              <a:t>11/4/16</a:t>
+              <a:t>11/8/16</a:t>
             </a:fld>
             <a:endParaRPr lang="en-US"/>
           </a:p>
@@ -1806,7 +1808,7 @@
           <a:p>
             <a:fld id="{972605B8-2E90-124E-924E-6F58993143C6}" type="datetimeFigureOut">
               <a:rPr lang="en-US" smtClean="0"/>
-              <a:t>11/4/16</a:t>
+              <a:t>11/8/16</a:t>
             </a:fld>
             <a:endParaRPr lang="en-US"/>
           </a:p>
@@ -1924,7 +1926,7 @@
           <a:p>
             <a:fld id="{972605B8-2E90-124E-924E-6F58993143C6}" type="datetimeFigureOut">
               <a:rPr lang="en-US" smtClean="0"/>
-              <a:t>11/4/16</a:t>
+              <a:t>11/8/16</a:t>
             </a:fld>
             <a:endParaRPr lang="en-US"/>
           </a:p>
@@ -2019,7 +2021,7 @@
           <a:p>
             <a:fld id="{972605B8-2E90-124E-924E-6F58993143C6}" type="datetimeFigureOut">
               <a:rPr lang="en-US" smtClean="0"/>
-              <a:t>11/4/16</a:t>
+              <a:t>11/8/16</a:t>
             </a:fld>
             <a:endParaRPr lang="en-US"/>
           </a:p>
@@ -2296,7 +2298,7 @@
           <a:p>
             <a:fld id="{972605B8-2E90-124E-924E-6F58993143C6}" type="datetimeFigureOut">
               <a:rPr lang="en-US" smtClean="0"/>
-              <a:t>11/4/16</a:t>
+              <a:t>11/8/16</a:t>
             </a:fld>
             <a:endParaRPr lang="en-US"/>
           </a:p>
@@ -2549,7 +2551,7 @@
           <a:p>
             <a:fld id="{972605B8-2E90-124E-924E-6F58993143C6}" type="datetimeFigureOut">
               <a:rPr lang="en-US" smtClean="0"/>
-              <a:t>11/4/16</a:t>
+              <a:t>11/8/16</a:t>
             </a:fld>
             <a:endParaRPr lang="en-US"/>
           </a:p>
@@ -2762,7 +2764,7 @@
           <a:p>
             <a:fld id="{972605B8-2E90-124E-924E-6F58993143C6}" type="datetimeFigureOut">
               <a:rPr lang="en-US" smtClean="0"/>
-              <a:t>11/4/16</a:t>
+              <a:t>11/8/16</a:t>
             </a:fld>
             <a:endParaRPr lang="en-US"/>
           </a:p>
@@ -4798,13 +4800,8 @@
             <a:pPr lvl="1"/>
             <a:r>
               <a:rPr lang="en-US" dirty="0" smtClean="0"/>
-              <a:t>Push-based configuration using SSH as a communications </a:t>
-            </a:r>
-            <a:r>
-              <a:rPr lang="en-US" dirty="0" smtClean="0"/>
-              <a:t>channel – no agents!</a:t>
-            </a:r>
-            <a:endParaRPr lang="en-US" dirty="0" smtClean="0"/>
+              <a:t>Push-based configuration using SSH as a communications channel – no agents!</a:t>
+            </a:r>
           </a:p>
           <a:p>
             <a:pPr lvl="1"/>
@@ -4814,11 +4811,7 @@
             <a:pPr lvl="1"/>
             <a:r>
               <a:rPr lang="en-US" dirty="0" smtClean="0"/>
-              <a:t>Supports both synchronized and ad hoc task </a:t>
-            </a:r>
-            <a:r>
-              <a:rPr lang="en-US" dirty="0" smtClean="0"/>
-              <a:t>execution</a:t>
+              <a:t>Supports both synchronized and ad hoc task execution</a:t>
             </a:r>
             <a:r>
               <a:rPr lang="en-US" dirty="0"/>
@@ -4828,7 +4821,6 @@
               <a:rPr lang="en-US" dirty="0" smtClean="0"/>
               <a:t>on Linux and Windows systems.</a:t>
             </a:r>
-            <a:endParaRPr lang="en-US" dirty="0" smtClean="0"/>
           </a:p>
           <a:p>
             <a:pPr lvl="1"/>
@@ -4838,11 +4830,7 @@
             <a:pPr lvl="1"/>
             <a:r>
               <a:rPr lang="en-US" dirty="0" smtClean="0"/>
-              <a:t>Uses YAML to describe the configuration of systems</a:t>
-            </a:r>
-            <a:r>
-              <a:rPr lang="en-US" dirty="0" smtClean="0"/>
-              <a:t>.</a:t>
+              <a:t>Uses YAML to describe the configuration of systems.</a:t>
             </a:r>
           </a:p>
           <a:p>
@@ -4855,7 +4843,6 @@
               <a:rPr lang="en-US" dirty="0" smtClean="0"/>
               <a:t>Python over SSH.</a:t>
             </a:r>
-            <a:endParaRPr lang="en-US" dirty="0" smtClean="0"/>
           </a:p>
           <a:p>
             <a:pPr lvl="1"/>
@@ -4990,21 +4977,22 @@
       </p:sp>
       <p:pic>
         <p:nvPicPr>
-          <p:cNvPr id="6" name="Picture 5"/>
+          <p:cNvPr id="3" name="Picture 2"/>
           <p:cNvPicPr>
             <a:picLocks noChangeAspect="1"/>
           </p:cNvPicPr>
           <p:nvPr/>
         </p:nvPicPr>
-        <p:blipFill rotWithShape="1">
+        <p:blipFill>
           <a:blip r:embed="rId2"/>
-          <a:srcRect l="328" t="5870" r="552" b="670"/>
-          <a:stretch/>
+          <a:stretch>
+            <a:fillRect/>
+          </a:stretch>
         </p:blipFill>
         <p:spPr>
           <a:xfrm>
-            <a:off x="197963" y="2036189"/>
-            <a:ext cx="8606672" cy="3940405"/>
+            <a:off x="457200" y="1417638"/>
+            <a:ext cx="8136835" cy="4776457"/>
           </a:xfrm>
           <a:prstGeom prst="rect">
             <a:avLst/>
@@ -5159,7 +5147,7 @@
           <a:p>
             <a:r>
               <a:rPr lang="en-US" dirty="0" smtClean="0"/>
-              <a:t>Inventory</a:t>
+              <a:t>Playbooks</a:t>
             </a:r>
             <a:endParaRPr lang="en-US" dirty="0"/>
           </a:p>
@@ -5178,251 +5166,116 @@
         <p:spPr/>
         <p:txBody>
           <a:bodyPr>
-            <a:normAutofit lnSpcReduction="10000"/>
+            <a:normAutofit fontScale="85000" lnSpcReduction="20000"/>
           </a:bodyPr>
           <a:lstStyle/>
           <a:p>
             <a:r>
-              <a:rPr lang="en-US" dirty="0" err="1" smtClean="0"/>
-              <a:t>Ansible</a:t>
-            </a:r>
-            <a:r>
-              <a:rPr lang="en-US" dirty="0" smtClean="0"/>
-              <a:t> uses an inventory file, named </a:t>
-            </a:r>
-            <a:r>
-              <a:rPr lang="en-US" sz="2800" b="1" dirty="0" smtClean="0">
-                <a:latin typeface="Consolas" charset="0"/>
-                <a:ea typeface="Consolas" charset="0"/>
-                <a:cs typeface="Consolas" charset="0"/>
-              </a:rPr>
-              <a:t>hosts</a:t>
-            </a:r>
-            <a:r>
-              <a:rPr lang="en-US" dirty="0" smtClean="0"/>
-              <a:t>, to store a list of systems.</a:t>
-            </a:r>
-          </a:p>
-          <a:p>
-            <a:pPr lvl="1"/>
-            <a:r>
-              <a:rPr lang="en-US" dirty="0" smtClean="0"/>
-              <a:t>The hosts file uses an INI-like format:</a:t>
-            </a:r>
-          </a:p>
-          <a:p>
-            <a:pPr lvl="1"/>
+              <a:rPr lang="en-US" dirty="0" smtClean="0"/>
+              <a:t>Plain-text YAML files that describe the configuration state of a system.</a:t>
+            </a:r>
+          </a:p>
+          <a:p>
             <a:endParaRPr lang="en-US" dirty="0" smtClean="0"/>
           </a:p>
           <a:p>
-            <a:pPr marL="457200" lvl="1" indent="0">
+            <a:pPr marL="0" indent="0" algn="ctr">
               <a:buNone/>
             </a:pPr>
             <a:r>
-              <a:rPr lang="en-US" sz="1600" dirty="0">
-                <a:latin typeface="Consolas" charset="0"/>
-                <a:ea typeface="Consolas" charset="0"/>
-                <a:cs typeface="Consolas" charset="0"/>
-              </a:rPr>
-              <a:t>[webservers</a:t>
-            </a:r>
-            <a:r>
-              <a:rPr lang="en-US" sz="1600" dirty="0" smtClean="0">
-                <a:latin typeface="Consolas" charset="0"/>
-                <a:ea typeface="Consolas" charset="0"/>
-                <a:cs typeface="Consolas" charset="0"/>
-              </a:rPr>
-              <a:t>]</a:t>
-            </a:r>
-          </a:p>
-          <a:p>
-            <a:pPr marL="457200" lvl="1" indent="0">
+              <a:rPr lang="en-US" b="1" dirty="0" smtClean="0"/>
+              <a:t>Playbooks</a:t>
+            </a:r>
+            <a:r>
+              <a:rPr lang="en-US" dirty="0" smtClean="0"/>
+              <a:t> contain </a:t>
+            </a:r>
+            <a:r>
+              <a:rPr lang="en-US" b="1" dirty="0" smtClean="0"/>
+              <a:t>plays</a:t>
+            </a:r>
+            <a:r>
+              <a:rPr lang="en-US" dirty="0" smtClean="0"/>
+              <a:t>.</a:t>
+            </a:r>
+          </a:p>
+          <a:p>
+            <a:pPr marL="0" indent="0" algn="ctr">
               <a:buNone/>
             </a:pPr>
             <a:r>
-              <a:rPr lang="en-US" sz="1600" dirty="0" smtClean="0">
-                <a:latin typeface="Consolas" charset="0"/>
-                <a:ea typeface="Consolas" charset="0"/>
-                <a:cs typeface="Consolas" charset="0"/>
-              </a:rPr>
-              <a:t>web1 </a:t>
-            </a:r>
-            <a:r>
-              <a:rPr lang="en-US" sz="1600" dirty="0" err="1">
-                <a:latin typeface="Consolas" charset="0"/>
-                <a:ea typeface="Consolas" charset="0"/>
-                <a:cs typeface="Consolas" charset="0"/>
-              </a:rPr>
-              <a:t>ansible_host</a:t>
-            </a:r>
-            <a:r>
-              <a:rPr lang="en-US" sz="1600" dirty="0">
-                <a:latin typeface="Consolas" charset="0"/>
-                <a:ea typeface="Consolas" charset="0"/>
-                <a:cs typeface="Consolas" charset="0"/>
-              </a:rPr>
-              <a:t>=54.162.154.245 </a:t>
-            </a:r>
-            <a:r>
-              <a:rPr lang="en-US" sz="1600" dirty="0" err="1" smtClean="0">
-                <a:latin typeface="Consolas" charset="0"/>
-                <a:ea typeface="Consolas" charset="0"/>
-                <a:cs typeface="Consolas" charset="0"/>
-              </a:rPr>
-              <a:t>ansible_user</a:t>
-            </a:r>
-            <a:r>
-              <a:rPr lang="en-US" sz="1600" dirty="0" smtClean="0">
-                <a:latin typeface="Consolas" charset="0"/>
-                <a:ea typeface="Consolas" charset="0"/>
-                <a:cs typeface="Consolas" charset="0"/>
-              </a:rPr>
-              <a:t>=ec2-user</a:t>
-            </a:r>
-          </a:p>
-          <a:p>
-            <a:pPr marL="457200" lvl="1" indent="0">
+              <a:rPr lang="en-US" dirty="0" smtClean="0"/>
+              <a:t>Plays contain </a:t>
+            </a:r>
+            <a:r>
+              <a:rPr lang="en-US" b="1" dirty="0" smtClean="0"/>
+              <a:t>tasks</a:t>
+            </a:r>
+            <a:r>
+              <a:rPr lang="en-US" dirty="0" smtClean="0"/>
+              <a:t>.</a:t>
+            </a:r>
+          </a:p>
+          <a:p>
+            <a:pPr marL="0" indent="0" algn="ctr">
               <a:buNone/>
             </a:pPr>
             <a:r>
-              <a:rPr lang="en-US" sz="1600" dirty="0">
-                <a:latin typeface="Consolas" charset="0"/>
-                <a:ea typeface="Consolas" charset="0"/>
-                <a:cs typeface="Consolas" charset="0"/>
-              </a:rPr>
-              <a:t>w</a:t>
-            </a:r>
-            <a:r>
-              <a:rPr lang="en-US" sz="1600" dirty="0" smtClean="0">
-                <a:latin typeface="Consolas" charset="0"/>
-                <a:ea typeface="Consolas" charset="0"/>
-                <a:cs typeface="Consolas" charset="0"/>
-              </a:rPr>
-              <a:t>eb2.mydomain.com </a:t>
-            </a:r>
-            <a:r>
-              <a:rPr lang="en-US" sz="1600" dirty="0" err="1" smtClean="0">
-                <a:latin typeface="Consolas" charset="0"/>
-                <a:ea typeface="Consolas" charset="0"/>
-                <a:cs typeface="Consolas" charset="0"/>
-              </a:rPr>
-              <a:t>ansible_user</a:t>
-            </a:r>
-            <a:r>
-              <a:rPr lang="en-US" sz="1600" dirty="0" smtClean="0">
-                <a:latin typeface="Consolas" charset="0"/>
-                <a:ea typeface="Consolas" charset="0"/>
-                <a:cs typeface="Consolas" charset="0"/>
-              </a:rPr>
-              <a:t>=ec2-user</a:t>
-            </a:r>
-          </a:p>
-          <a:p>
-            <a:pPr marL="457200" lvl="1" indent="0">
+              <a:rPr lang="en-US" dirty="0" smtClean="0"/>
+              <a:t>Tasks call </a:t>
+            </a:r>
+            <a:r>
+              <a:rPr lang="en-US" b="1" dirty="0" smtClean="0"/>
+              <a:t>modules</a:t>
+            </a:r>
+            <a:r>
+              <a:rPr lang="en-US" dirty="0" smtClean="0"/>
+              <a:t>.</a:t>
+            </a:r>
+          </a:p>
+          <a:p>
+            <a:pPr marL="0" indent="0" algn="ctr">
               <a:buNone/>
             </a:pPr>
-            <a:endParaRPr lang="en-US" sz="1600" dirty="0">
-              <a:latin typeface="Consolas" charset="0"/>
-              <a:ea typeface="Consolas" charset="0"/>
-              <a:cs typeface="Consolas" charset="0"/>
-            </a:endParaRPr>
-          </a:p>
-          <a:p>
-            <a:pPr marL="457200" lvl="1" indent="0">
-              <a:buNone/>
-            </a:pPr>
-            <a:r>
-              <a:rPr lang="en-US" sz="1600" dirty="0" smtClean="0">
-                <a:latin typeface="Consolas" charset="0"/>
-                <a:ea typeface="Consolas" charset="0"/>
-                <a:cs typeface="Consolas" charset="0"/>
-              </a:rPr>
-              <a:t>[databases]</a:t>
-            </a:r>
-          </a:p>
-          <a:p>
-            <a:pPr marL="457200" lvl="1" indent="0">
-              <a:buNone/>
-            </a:pPr>
-            <a:r>
-              <a:rPr lang="en-US" sz="1600" dirty="0" err="1" smtClean="0">
-                <a:latin typeface="Consolas" charset="0"/>
-                <a:ea typeface="Consolas" charset="0"/>
-                <a:cs typeface="Consolas" charset="0"/>
-              </a:rPr>
-              <a:t>db</a:t>
-            </a:r>
-            <a:r>
-              <a:rPr lang="en-US" sz="1600" dirty="0" smtClean="0">
-                <a:latin typeface="Consolas" charset="0"/>
-                <a:ea typeface="Consolas" charset="0"/>
-                <a:cs typeface="Consolas" charset="0"/>
-              </a:rPr>
-              <a:t>[01:10].</a:t>
-            </a:r>
-            <a:r>
-              <a:rPr lang="en-US" sz="1600" dirty="0" err="1" smtClean="0">
-                <a:latin typeface="Consolas" charset="0"/>
-                <a:ea typeface="Consolas" charset="0"/>
-                <a:cs typeface="Consolas" charset="0"/>
-              </a:rPr>
-              <a:t>mydomain.com</a:t>
-            </a:r>
-            <a:r>
-              <a:rPr lang="en-US" sz="1600" dirty="0" smtClean="0">
-                <a:latin typeface="Consolas" charset="0"/>
-                <a:ea typeface="Consolas" charset="0"/>
-                <a:cs typeface="Consolas" charset="0"/>
-              </a:rPr>
-              <a:t> </a:t>
-            </a:r>
-            <a:r>
-              <a:rPr lang="en-US" sz="1600" dirty="0" err="1" smtClean="0">
-                <a:latin typeface="Consolas" charset="0"/>
-                <a:ea typeface="Consolas" charset="0"/>
-                <a:cs typeface="Consolas" charset="0"/>
-              </a:rPr>
-              <a:t>maxRequests</a:t>
-            </a:r>
-            <a:r>
-              <a:rPr lang="en-US" sz="1600" dirty="0" smtClean="0">
-                <a:latin typeface="Consolas" charset="0"/>
-                <a:ea typeface="Consolas" charset="0"/>
-                <a:cs typeface="Consolas" charset="0"/>
-              </a:rPr>
-              <a:t>=1000</a:t>
-            </a:r>
-          </a:p>
-          <a:p>
-            <a:pPr marL="457200" lvl="1" indent="0">
-              <a:buNone/>
-            </a:pPr>
-            <a:endParaRPr lang="en-US" sz="1600" dirty="0">
-              <a:latin typeface="Consolas" charset="0"/>
-              <a:ea typeface="Consolas" charset="0"/>
-              <a:cs typeface="Consolas" charset="0"/>
-            </a:endParaRPr>
-          </a:p>
-          <a:p>
-            <a:pPr lvl="1"/>
-            <a:r>
-              <a:rPr lang="en-US" dirty="0" smtClean="0">
-                <a:ea typeface="Consolas" charset="0"/>
-                <a:cs typeface="Consolas" charset="0"/>
-              </a:rPr>
-              <a:t>Hosts may be members of one or more groups.</a:t>
-            </a:r>
-            <a:endParaRPr lang="en-US" dirty="0">
-              <a:ea typeface="Consolas" charset="0"/>
-              <a:cs typeface="Consolas" charset="0"/>
-            </a:endParaRPr>
+            <a:endParaRPr lang="en-US" dirty="0" smtClean="0"/>
+          </a:p>
+          <a:p>
+            <a:r>
+              <a:rPr lang="en-US" dirty="0" smtClean="0"/>
+              <a:t>Tasks run sequentially.</a:t>
+            </a:r>
+          </a:p>
+          <a:p>
+            <a:endParaRPr lang="en-US" dirty="0" smtClean="0"/>
+          </a:p>
+          <a:p>
+            <a:r>
+              <a:rPr lang="en-US" b="1" dirty="0" smtClean="0"/>
+              <a:t>Handlers</a:t>
+            </a:r>
+            <a:r>
+              <a:rPr lang="en-US" dirty="0" smtClean="0"/>
+              <a:t> may be triggered by tasks, and run once at the end of plays.</a:t>
+            </a:r>
+          </a:p>
+          <a:p>
+            <a:endParaRPr lang="en-US" dirty="0"/>
+          </a:p>
+          <a:p>
+            <a:endParaRPr lang="en-US" dirty="0" smtClean="0"/>
+          </a:p>
+          <a:p>
+            <a:endParaRPr lang="en-US" dirty="0" smtClean="0"/>
+          </a:p>
+          <a:p>
+            <a:endParaRPr lang="en-US" dirty="0"/>
           </a:p>
         </p:txBody>
       </p:sp>
     </p:spTree>
     <p:extLst>
       <p:ext uri="{BB962C8B-B14F-4D97-AF65-F5344CB8AC3E}">
-        <p14:creationId xmlns:p14="http://schemas.microsoft.com/office/powerpoint/2010/main" val="246243568"/>
+        <p14:creationId xmlns:p14="http://schemas.microsoft.com/office/powerpoint/2010/main" val="894256172"/>
       </p:ext>
     </p:extLst>
   </p:cSld>
@@ -5466,195 +5319,40 @@
           <a:p>
             <a:r>
               <a:rPr lang="en-US" dirty="0" smtClean="0"/>
-              <a:t>Variables</a:t>
+              <a:t>Example playbook</a:t>
             </a:r>
             <a:endParaRPr lang="en-US" dirty="0"/>
           </a:p>
         </p:txBody>
       </p:sp>
-      <p:sp>
-        <p:nvSpPr>
-          <p:cNvPr id="3" name="Content Placeholder 2"/>
-          <p:cNvSpPr>
-            <a:spLocks noGrp="1"/>
-          </p:cNvSpPr>
-          <p:nvPr>
-            <p:ph idx="1"/>
-          </p:nvPr>
-        </p:nvSpPr>
-        <p:spPr/>
-        <p:txBody>
-          <a:bodyPr>
-            <a:normAutofit fontScale="85000" lnSpcReduction="20000"/>
-          </a:bodyPr>
-          <a:lstStyle/>
-          <a:p>
-            <a:r>
-              <a:rPr lang="en-US" dirty="0" smtClean="0"/>
-              <a:t>Variables hold values that hosts or groups of hosts can use for configuration.</a:t>
-            </a:r>
-          </a:p>
-          <a:p>
-            <a:endParaRPr lang="en-US" dirty="0"/>
-          </a:p>
-          <a:p>
-            <a:r>
-              <a:rPr lang="en-US" dirty="0" smtClean="0"/>
-              <a:t>While you can put variables in the inventory file, best practice is to use a </a:t>
-            </a:r>
-            <a:r>
-              <a:rPr lang="en-US" b="1" dirty="0" err="1" smtClean="0"/>
-              <a:t>group_vars</a:t>
-            </a:r>
-            <a:r>
-              <a:rPr lang="en-US" dirty="0" smtClean="0"/>
-              <a:t> or </a:t>
-            </a:r>
-            <a:r>
-              <a:rPr lang="en-US" b="1" dirty="0" err="1" smtClean="0"/>
-              <a:t>host_vars</a:t>
-            </a:r>
-            <a:r>
-              <a:rPr lang="en-US" dirty="0" smtClean="0"/>
-              <a:t> directory.</a:t>
-            </a:r>
-          </a:p>
-          <a:p>
-            <a:endParaRPr lang="en-US" dirty="0" smtClean="0"/>
-          </a:p>
-          <a:p>
-            <a:r>
-              <a:rPr lang="en-US" dirty="0" smtClean="0"/>
-              <a:t>Example for ../</a:t>
-            </a:r>
-            <a:r>
-              <a:rPr lang="en-US" dirty="0" err="1" smtClean="0"/>
-              <a:t>group_vars</a:t>
-            </a:r>
-            <a:r>
-              <a:rPr lang="en-US" dirty="0" smtClean="0"/>
-              <a:t>/</a:t>
-            </a:r>
-            <a:r>
-              <a:rPr lang="en-US" dirty="0" err="1" smtClean="0"/>
-              <a:t>webservers.yml</a:t>
-            </a:r>
-            <a:endParaRPr lang="en-US" dirty="0" smtClean="0"/>
-          </a:p>
-          <a:p>
-            <a:endParaRPr lang="en-US" dirty="0"/>
-          </a:p>
-          <a:p>
-            <a:pPr marL="0" indent="0">
-              <a:buNone/>
-            </a:pPr>
-            <a:r>
-              <a:rPr lang="en-US" dirty="0" smtClean="0">
-                <a:latin typeface="Consolas" charset="0"/>
-                <a:ea typeface="Consolas" charset="0"/>
-                <a:cs typeface="Consolas" charset="0"/>
-              </a:rPr>
-              <a:t>	</a:t>
-            </a:r>
-            <a:r>
-              <a:rPr lang="en-US" sz="2400" dirty="0" smtClean="0">
-                <a:latin typeface="Consolas" charset="0"/>
-                <a:ea typeface="Consolas" charset="0"/>
-                <a:cs typeface="Consolas" charset="0"/>
-              </a:rPr>
-              <a:t>---</a:t>
-            </a:r>
-          </a:p>
-          <a:p>
-            <a:pPr marL="0" indent="0">
-              <a:buNone/>
-            </a:pPr>
-            <a:r>
-              <a:rPr lang="en-US" sz="2400" dirty="0">
-                <a:latin typeface="Consolas" charset="0"/>
-                <a:ea typeface="Consolas" charset="0"/>
-                <a:cs typeface="Consolas" charset="0"/>
-              </a:rPr>
-              <a:t>	</a:t>
-            </a:r>
-            <a:r>
-              <a:rPr lang="en-US" sz="2400" dirty="0" err="1" smtClean="0">
-                <a:latin typeface="Consolas" charset="0"/>
-                <a:ea typeface="Consolas" charset="0"/>
-                <a:cs typeface="Consolas" charset="0"/>
-              </a:rPr>
-              <a:t>ntp_server</a:t>
-            </a:r>
-            <a:r>
-              <a:rPr lang="en-US" sz="2400" dirty="0" smtClean="0">
-                <a:latin typeface="Consolas" charset="0"/>
-                <a:ea typeface="Consolas" charset="0"/>
-                <a:cs typeface="Consolas" charset="0"/>
-              </a:rPr>
-              <a:t>: </a:t>
-            </a:r>
-            <a:r>
-              <a:rPr lang="en-US" sz="2400" dirty="0" err="1" smtClean="0">
-                <a:latin typeface="Consolas" charset="0"/>
-                <a:ea typeface="Consolas" charset="0"/>
-                <a:cs typeface="Consolas" charset="0"/>
-              </a:rPr>
-              <a:t>ntp.google.com</a:t>
-            </a:r>
-            <a:endParaRPr lang="en-US" sz="2400" dirty="0" smtClean="0">
-              <a:latin typeface="Consolas" charset="0"/>
-              <a:ea typeface="Consolas" charset="0"/>
-              <a:cs typeface="Consolas" charset="0"/>
-            </a:endParaRPr>
-          </a:p>
-          <a:p>
-            <a:pPr marL="0" indent="0">
-              <a:buNone/>
-            </a:pPr>
-            <a:r>
-              <a:rPr lang="en-US" sz="2400" dirty="0">
-                <a:latin typeface="Consolas" charset="0"/>
-                <a:ea typeface="Consolas" charset="0"/>
-                <a:cs typeface="Consolas" charset="0"/>
-              </a:rPr>
-              <a:t>	</a:t>
-            </a:r>
-            <a:r>
-              <a:rPr lang="en-US" sz="2400" dirty="0" err="1" smtClean="0">
-                <a:latin typeface="Consolas" charset="0"/>
-                <a:ea typeface="Consolas" charset="0"/>
-                <a:cs typeface="Consolas" charset="0"/>
-              </a:rPr>
-              <a:t>database_server</a:t>
-            </a:r>
-            <a:r>
-              <a:rPr lang="en-US" sz="2400" dirty="0" smtClean="0">
-                <a:latin typeface="Consolas" charset="0"/>
-                <a:ea typeface="Consolas" charset="0"/>
-                <a:cs typeface="Consolas" charset="0"/>
-              </a:rPr>
-              <a:t>: </a:t>
-            </a:r>
-            <a:r>
-              <a:rPr lang="en-US" sz="2400" dirty="0" err="1" smtClean="0">
-                <a:latin typeface="Consolas" charset="0"/>
-                <a:ea typeface="Consolas" charset="0"/>
-                <a:cs typeface="Consolas" charset="0"/>
-              </a:rPr>
-              <a:t>storage.mydomain.com</a:t>
-            </a:r>
-            <a:endParaRPr lang="en-US" sz="2400" dirty="0" smtClean="0">
-              <a:latin typeface="Consolas" charset="0"/>
-              <a:ea typeface="Consolas" charset="0"/>
-              <a:cs typeface="Consolas" charset="0"/>
-            </a:endParaRPr>
-          </a:p>
-        </p:txBody>
-      </p:sp>
+      <p:pic>
+        <p:nvPicPr>
+          <p:cNvPr id="4" name="Picture 3"/>
+          <p:cNvPicPr>
+            <a:picLocks noChangeAspect="1"/>
+          </p:cNvPicPr>
+          <p:nvPr/>
+        </p:nvPicPr>
+        <p:blipFill>
+          <a:blip r:embed="rId2"/>
+          <a:stretch>
+            <a:fillRect/>
+          </a:stretch>
+        </p:blipFill>
+        <p:spPr>
+          <a:xfrm>
+            <a:off x="1793173" y="1549838"/>
+            <a:ext cx="5777593" cy="5120795"/>
+          </a:xfrm>
+          <a:prstGeom prst="rect">
+            <a:avLst/>
+          </a:prstGeom>
+        </p:spPr>
+      </p:pic>
     </p:spTree>
     <p:extLst>
       <p:ext uri="{BB962C8B-B14F-4D97-AF65-F5344CB8AC3E}">
-        <p14:creationId xmlns:p14="http://schemas.microsoft.com/office/powerpoint/2010/main" val="1896023455"/>
+        <p14:creationId xmlns:p14="http://schemas.microsoft.com/office/powerpoint/2010/main" val="1900472448"/>
       </p:ext>
     </p:extLst>
   </p:cSld>
@@ -5698,7 +5396,7 @@
           <a:p>
             <a:r>
               <a:rPr lang="en-US" dirty="0" smtClean="0"/>
-              <a:t>Dynamic Inventory</a:t>
+              <a:t>Variables</a:t>
             </a:r>
             <a:endParaRPr lang="en-US" dirty="0"/>
           </a:p>
@@ -5717,13 +5415,21 @@
         <p:spPr/>
         <p:txBody>
           <a:bodyPr>
-            <a:normAutofit fontScale="85000" lnSpcReduction="20000"/>
+            <a:normAutofit fontScale="70000" lnSpcReduction="20000"/>
           </a:bodyPr>
           <a:lstStyle/>
           <a:p>
             <a:r>
               <a:rPr lang="en-US" dirty="0" smtClean="0"/>
-              <a:t>Oftentimes the set of hosts in an environment is not static because of mechanisms like auto scaling.</a:t>
+              <a:t>Variables </a:t>
+            </a:r>
+            <a:r>
+              <a:rPr lang="en-US" dirty="0" smtClean="0"/>
+              <a:t>hold values that hosts or groups of hosts can use for configuration</a:t>
+            </a:r>
+            <a:r>
+              <a:rPr lang="en-US" dirty="0" smtClean="0"/>
+              <a:t>.</a:t>
             </a:r>
           </a:p>
           <a:p>
@@ -5731,42 +5437,94 @@
           </a:p>
           <a:p>
             <a:r>
+              <a:rPr lang="en-US" dirty="0" smtClean="0"/>
+              <a:t>Variables can dynamically alter the execution of playbooks.</a:t>
+            </a:r>
+            <a:endParaRPr lang="en-US" dirty="0" smtClean="0"/>
+          </a:p>
+          <a:p>
+            <a:endParaRPr lang="en-US" dirty="0"/>
+          </a:p>
+          <a:p>
+            <a:r>
+              <a:rPr lang="en-US" dirty="0" smtClean="0"/>
+              <a:t>We can pass in variables via the inventory (</a:t>
+            </a:r>
+            <a:r>
+              <a:rPr lang="en-US" b="1" dirty="0" err="1" smtClean="0"/>
+              <a:t>group_vars</a:t>
+            </a:r>
+            <a:r>
+              <a:rPr lang="en-US" dirty="0" smtClean="0"/>
+              <a:t> </a:t>
+            </a:r>
+            <a:r>
+              <a:rPr lang="en-US" dirty="0" smtClean="0"/>
+              <a:t>or </a:t>
+            </a:r>
+            <a:r>
+              <a:rPr lang="en-US" b="1" dirty="0" err="1" smtClean="0"/>
+              <a:t>host_vars</a:t>
+            </a:r>
+            <a:r>
+              <a:rPr lang="en-US" dirty="0"/>
+              <a:t> </a:t>
+            </a:r>
+            <a:r>
+              <a:rPr lang="en-US" dirty="0" smtClean="0"/>
+              <a:t>directories), command line, or using facts</a:t>
+            </a:r>
+            <a:r>
+              <a:rPr lang="en-US" dirty="0" smtClean="0"/>
+              <a:t>.</a:t>
+            </a:r>
+            <a:endParaRPr lang="en-US" dirty="0" smtClean="0"/>
+          </a:p>
+          <a:p>
+            <a:endParaRPr lang="en-US" dirty="0" smtClean="0"/>
+          </a:p>
+          <a:p>
+            <a:r>
+              <a:rPr lang="en-US" dirty="0" smtClean="0"/>
+              <a:t>Example for ../</a:t>
+            </a:r>
+            <a:r>
               <a:rPr lang="en-US" dirty="0" err="1" smtClean="0"/>
-              <a:t>Ansible</a:t>
-            </a:r>
-            <a:r>
-              <a:rPr lang="en-US" dirty="0" smtClean="0"/>
-              <a:t> can use inventory data generated dynamically by scripts.</a:t>
-            </a:r>
-          </a:p>
-          <a:p>
-            <a:pPr lvl="1"/>
-            <a:r>
-              <a:rPr lang="en-US" dirty="0" smtClean="0"/>
-              <a:t>Gather the current list of running EC2 instances.</a:t>
-            </a:r>
-          </a:p>
-          <a:p>
-            <a:pPr lvl="1"/>
-            <a:r>
-              <a:rPr lang="en-US" dirty="0" smtClean="0"/>
-              <a:t>Pull host list from enterprise CMDB.</a:t>
-            </a:r>
+              <a:t>group_vars</a:t>
+            </a:r>
+            <a:r>
+              <a:rPr lang="en-US" dirty="0" smtClean="0"/>
+              <a:t>/</a:t>
+            </a:r>
+            <a:r>
+              <a:rPr lang="en-US" dirty="0" err="1" smtClean="0"/>
+              <a:t>webservers.yml</a:t>
+            </a:r>
+            <a:endParaRPr lang="en-US" dirty="0" smtClean="0"/>
           </a:p>
           <a:p>
             <a:endParaRPr lang="en-US" dirty="0"/>
-          </a:p>
-          <a:p>
-            <a:r>
-              <a:rPr lang="en-US" dirty="0" smtClean="0"/>
-              <a:t>Example using Terraform:</a:t>
-            </a:r>
           </a:p>
           <a:p>
             <a:pPr marL="0" indent="0">
               <a:buNone/>
             </a:pPr>
-            <a:endParaRPr lang="en-US" dirty="0" smtClean="0"/>
+            <a:r>
+              <a:rPr lang="en-US" dirty="0" smtClean="0">
+                <a:latin typeface="Consolas" charset="0"/>
+                <a:ea typeface="Consolas" charset="0"/>
+                <a:cs typeface="Consolas" charset="0"/>
+              </a:rPr>
+              <a:t>	</a:t>
+            </a:r>
+            <a:r>
+              <a:rPr lang="en-US" sz="2400" dirty="0" smtClean="0">
+                <a:latin typeface="Consolas" charset="0"/>
+                <a:ea typeface="Consolas" charset="0"/>
+                <a:cs typeface="Consolas" charset="0"/>
+              </a:rPr>
+              <a:t>---</a:t>
+            </a:r>
           </a:p>
           <a:p>
             <a:pPr marL="0" indent="0">
@@ -5781,12 +5539,20 @@
               <a:t>	</a:t>
             </a:r>
             <a:r>
+              <a:rPr lang="en-US" sz="2400" dirty="0" err="1" smtClean="0">
+                <a:latin typeface="Consolas" charset="0"/>
+                <a:ea typeface="Consolas" charset="0"/>
+                <a:cs typeface="Consolas" charset="0"/>
+              </a:rPr>
+              <a:t>ntp_server</a:t>
+            </a:r>
+            <a:r>
               <a:rPr lang="en-US" sz="2400" dirty="0" smtClean="0">
                 <a:latin typeface="Consolas" charset="0"/>
                 <a:ea typeface="Consolas" charset="0"/>
                 <a:cs typeface="Consolas" charset="0"/>
               </a:rPr>
-              <a:t>$ </a:t>
+              <a:t>: </a:t>
             </a:r>
             <a:r>
               <a:rPr lang="en-US" sz="2400" dirty="0" err="1" smtClean="0">
@@ -5794,7 +5560,33 @@
                 <a:ea typeface="Consolas" charset="0"/>
                 <a:cs typeface="Consolas" charset="0"/>
               </a:rPr>
-              <a:t>ansible</a:t>
+              <a:t>ntp.google.com</a:t>
+            </a:r>
+            <a:endParaRPr lang="en-US" sz="2400" dirty="0" smtClean="0">
+              <a:latin typeface="Consolas" charset="0"/>
+              <a:ea typeface="Consolas" charset="0"/>
+              <a:cs typeface="Consolas" charset="0"/>
+            </a:endParaRPr>
+          </a:p>
+          <a:p>
+            <a:pPr marL="0" indent="0">
+              <a:buNone/>
+            </a:pPr>
+            <a:r>
+              <a:rPr lang="en-US" sz="2400" dirty="0">
+                <a:latin typeface="Consolas" charset="0"/>
+                <a:ea typeface="Consolas" charset="0"/>
+                <a:cs typeface="Consolas" charset="0"/>
+              </a:rPr>
+              <a:t>	</a:t>
+            </a:r>
+            <a:r>
+              <a:rPr lang="en-US" sz="2400" dirty="0" err="1" smtClean="0">
+                <a:latin typeface="Consolas" charset="0"/>
+                <a:ea typeface="Consolas" charset="0"/>
+                <a:cs typeface="Consolas" charset="0"/>
+              </a:rPr>
+              <a:t>database_server</a:t>
             </a:r>
             <a:r>
               <a:rPr lang="en-US" sz="2400" dirty="0" smtClean="0">
@@ -5802,59 +5594,28 @@
                 <a:ea typeface="Consolas" charset="0"/>
                 <a:cs typeface="Consolas" charset="0"/>
               </a:rPr>
-              <a:t> </a:t>
-            </a:r>
-            <a:r>
-              <a:rPr lang="en-US" sz="2400" dirty="0">
+              <a:t>: </a:t>
+            </a:r>
+            <a:r>
+              <a:rPr lang="en-US" sz="2400" dirty="0" err="1" smtClean="0">
                 <a:latin typeface="Consolas" charset="0"/>
                 <a:ea typeface="Consolas" charset="0"/>
                 <a:cs typeface="Consolas" charset="0"/>
               </a:rPr>
-              <a:t>-</a:t>
-            </a:r>
-            <a:r>
-              <a:rPr lang="en-US" sz="2400" dirty="0" err="1">
-                <a:latin typeface="Consolas" charset="0"/>
-                <a:ea typeface="Consolas" charset="0"/>
-                <a:cs typeface="Consolas" charset="0"/>
-              </a:rPr>
-              <a:t>i</a:t>
-            </a:r>
-            <a:r>
-              <a:rPr lang="en-US" sz="2400" dirty="0">
-                <a:latin typeface="Consolas" charset="0"/>
-                <a:ea typeface="Consolas" charset="0"/>
-                <a:cs typeface="Consolas" charset="0"/>
-              </a:rPr>
-              <a:t> </a:t>
-            </a:r>
-            <a:r>
-              <a:rPr lang="en-US" sz="2400" dirty="0" err="1">
-                <a:latin typeface="Consolas" charset="0"/>
-                <a:ea typeface="Consolas" charset="0"/>
-                <a:cs typeface="Consolas" charset="0"/>
-              </a:rPr>
-              <a:t>terraform.py</a:t>
-            </a:r>
-            <a:r>
-              <a:rPr lang="en-US" sz="2400" dirty="0">
-                <a:latin typeface="Consolas" charset="0"/>
-                <a:ea typeface="Consolas" charset="0"/>
-                <a:cs typeface="Consolas" charset="0"/>
-              </a:rPr>
-              <a:t> -m ping all</a:t>
-            </a:r>
-          </a:p>
-          <a:p>
-            <a:pPr lvl="1"/>
-            <a:endParaRPr lang="en-US" dirty="0" smtClean="0"/>
+              <a:t>storage.mydomain.com</a:t>
+            </a:r>
+            <a:endParaRPr lang="en-US" sz="2400" dirty="0" smtClean="0">
+              <a:latin typeface="Consolas" charset="0"/>
+              <a:ea typeface="Consolas" charset="0"/>
+              <a:cs typeface="Consolas" charset="0"/>
+            </a:endParaRPr>
           </a:p>
         </p:txBody>
       </p:sp>
     </p:spTree>
     <p:extLst>
       <p:ext uri="{BB962C8B-B14F-4D97-AF65-F5344CB8AC3E}">
-        <p14:creationId xmlns:p14="http://schemas.microsoft.com/office/powerpoint/2010/main" val="902307781"/>
+        <p14:creationId xmlns:p14="http://schemas.microsoft.com/office/powerpoint/2010/main" val="1896023455"/>
       </p:ext>
     </p:extLst>
   </p:cSld>
@@ -5898,7 +5659,7 @@
           <a:p>
             <a:r>
               <a:rPr lang="en-US" dirty="0" smtClean="0"/>
-              <a:t>Patterns</a:t>
+              <a:t>Inventory</a:t>
             </a:r>
             <a:endParaRPr lang="en-US" dirty="0"/>
           </a:p>
@@ -5916,21 +5677,69 @@
         </p:nvSpPr>
         <p:spPr/>
         <p:txBody>
-          <a:bodyPr/>
-          <a:lstStyle/>
-          <a:p>
-            <a:r>
-              <a:rPr lang="en-US" dirty="0" smtClean="0"/>
-              <a:t>We use patterns to decide which groups of hosts to manage.</a:t>
-            </a:r>
+          <a:bodyPr>
+            <a:normAutofit fontScale="92500" lnSpcReduction="10000"/>
+          </a:bodyPr>
+          <a:lstStyle/>
+          <a:p>
+            <a:r>
+              <a:rPr lang="en-US" dirty="0" err="1" smtClean="0"/>
+              <a:t>Ansible</a:t>
+            </a:r>
+            <a:r>
+              <a:rPr lang="en-US" dirty="0" smtClean="0"/>
+              <a:t> uses an inventory file, named </a:t>
+            </a:r>
+            <a:r>
+              <a:rPr lang="en-US" sz="2800" b="1" dirty="0" smtClean="0">
+                <a:latin typeface="Consolas" charset="0"/>
+                <a:ea typeface="Consolas" charset="0"/>
+                <a:cs typeface="Consolas" charset="0"/>
+              </a:rPr>
+              <a:t>hosts</a:t>
+            </a:r>
+            <a:r>
+              <a:rPr lang="en-US" dirty="0" smtClean="0"/>
+              <a:t>, to store a list of </a:t>
+            </a:r>
+            <a:r>
+              <a:rPr lang="en-US" dirty="0" smtClean="0"/>
+              <a:t>systems that may be configured.</a:t>
+            </a:r>
+          </a:p>
+          <a:p>
+            <a:endParaRPr lang="en-US" dirty="0" smtClean="0"/>
+          </a:p>
+          <a:p>
+            <a:pPr lvl="1"/>
+            <a:r>
+              <a:rPr lang="en-US" dirty="0" smtClean="0"/>
+              <a:t>The hosts file uses an INI-like format:</a:t>
+            </a:r>
+          </a:p>
+          <a:p>
+            <a:pPr lvl="1"/>
+            <a:endParaRPr lang="en-US" dirty="0" smtClean="0"/>
           </a:p>
           <a:p>
             <a:pPr marL="457200" lvl="1" indent="0">
               <a:buNone/>
             </a:pPr>
             <a:r>
-              <a:rPr lang="en-US" sz="2000" dirty="0" smtClean="0"/>
-              <a:t>all					 (all hosts, can also use *)</a:t>
+              <a:rPr lang="en-US" sz="1600" dirty="0">
+                <a:latin typeface="Consolas" charset="0"/>
+                <a:ea typeface="Consolas" charset="0"/>
+                <a:cs typeface="Consolas" charset="0"/>
+              </a:rPr>
+              <a:t>[webservers</a:t>
+            </a:r>
+            <a:r>
+              <a:rPr lang="en-US" sz="1600" dirty="0" smtClean="0">
+                <a:latin typeface="Consolas" charset="0"/>
+                <a:ea typeface="Consolas" charset="0"/>
+                <a:cs typeface="Consolas" charset="0"/>
+              </a:rPr>
+              <a:t>]</a:t>
             </a:r>
           </a:p>
           <a:p>
@@ -5938,16 +5747,44 @@
               <a:buNone/>
             </a:pPr>
             <a:r>
-              <a:rPr lang="en-US" sz="2000" dirty="0" smtClean="0"/>
-              <a:t>*.com			</a:t>
-            </a:r>
-            <a:r>
-              <a:rPr lang="en-US" sz="2000" dirty="0"/>
-              <a:t>	</a:t>
-            </a:r>
-            <a:r>
-              <a:rPr lang="en-US" sz="2000" dirty="0" smtClean="0"/>
-              <a:t> (all hosts ending in .com domain)</a:t>
+              <a:rPr lang="en-US" sz="1600" dirty="0" smtClean="0">
+                <a:latin typeface="Consolas" charset="0"/>
+                <a:ea typeface="Consolas" charset="0"/>
+                <a:cs typeface="Consolas" charset="0"/>
+              </a:rPr>
+              <a:t>web1 </a:t>
+            </a:r>
+            <a:r>
+              <a:rPr lang="en-US" sz="1600" dirty="0" err="1">
+                <a:latin typeface="Consolas" charset="0"/>
+                <a:ea typeface="Consolas" charset="0"/>
+                <a:cs typeface="Consolas" charset="0"/>
+              </a:rPr>
+              <a:t>ansible_host</a:t>
+            </a:r>
+            <a:r>
+              <a:rPr lang="en-US" sz="1600" dirty="0">
+                <a:latin typeface="Consolas" charset="0"/>
+                <a:ea typeface="Consolas" charset="0"/>
+                <a:cs typeface="Consolas" charset="0"/>
+              </a:rPr>
+              <a:t>=54.162.154.245 </a:t>
+            </a:r>
+            <a:r>
+              <a:rPr lang="en-US" sz="1600" dirty="0" err="1" smtClean="0">
+                <a:latin typeface="Consolas" charset="0"/>
+                <a:ea typeface="Consolas" charset="0"/>
+                <a:cs typeface="Consolas" charset="0"/>
+              </a:rPr>
+              <a:t>ansible_user</a:t>
+            </a:r>
+            <a:r>
+              <a:rPr lang="en-US" sz="1600" dirty="0" smtClean="0">
+                <a:latin typeface="Consolas" charset="0"/>
+                <a:ea typeface="Consolas" charset="0"/>
+                <a:cs typeface="Consolas" charset="0"/>
+              </a:rPr>
+              <a:t>=ec2-user</a:t>
             </a:r>
           </a:p>
           <a:p>
@@ -5955,42 +5792,59 @@
               <a:buNone/>
             </a:pPr>
             <a:r>
-              <a:rPr lang="en-US" sz="2000" dirty="0" smtClean="0"/>
-              <a:t>web1.mydomain.com  (single host)</a:t>
+              <a:rPr lang="en-US" sz="1600" dirty="0">
+                <a:latin typeface="Consolas" charset="0"/>
+                <a:ea typeface="Consolas" charset="0"/>
+                <a:cs typeface="Consolas" charset="0"/>
+              </a:rPr>
+              <a:t>w</a:t>
+            </a:r>
+            <a:r>
+              <a:rPr lang="en-US" sz="1600" dirty="0" smtClean="0">
+                <a:latin typeface="Consolas" charset="0"/>
+                <a:ea typeface="Consolas" charset="0"/>
+                <a:cs typeface="Consolas" charset="0"/>
+              </a:rPr>
+              <a:t>eb2.mydomain.com </a:t>
+            </a:r>
+            <a:r>
+              <a:rPr lang="en-US" sz="1600" dirty="0" err="1" smtClean="0">
+                <a:latin typeface="Consolas" charset="0"/>
+                <a:ea typeface="Consolas" charset="0"/>
+                <a:cs typeface="Consolas" charset="0"/>
+              </a:rPr>
+              <a:t>ansible_user</a:t>
+            </a:r>
+            <a:r>
+              <a:rPr lang="en-US" sz="1600" dirty="0" smtClean="0">
+                <a:latin typeface="Consolas" charset="0"/>
+                <a:ea typeface="Consolas" charset="0"/>
+                <a:cs typeface="Consolas" charset="0"/>
+              </a:rPr>
+              <a:t>=ec2-user</a:t>
             </a:r>
           </a:p>
           <a:p>
             <a:pPr marL="457200" lvl="1" indent="0">
               <a:buNone/>
             </a:pPr>
-            <a:r>
-              <a:rPr lang="en-US" sz="2000" dirty="0" err="1" smtClean="0"/>
-              <a:t>webservers:dbservers</a:t>
-            </a:r>
-            <a:r>
-              <a:rPr lang="en-US" sz="2000" dirty="0" smtClean="0"/>
-              <a:t>  (webservers OR </a:t>
-            </a:r>
-            <a:r>
-              <a:rPr lang="en-US" sz="2000" dirty="0" err="1" smtClean="0"/>
-              <a:t>dbservers</a:t>
-            </a:r>
-            <a:r>
-              <a:rPr lang="en-US" sz="2000" dirty="0" smtClean="0"/>
-              <a:t>)</a:t>
-            </a:r>
+            <a:endParaRPr lang="en-US" sz="1600" dirty="0">
+              <a:latin typeface="Consolas" charset="0"/>
+              <a:ea typeface="Consolas" charset="0"/>
+              <a:cs typeface="Consolas" charset="0"/>
+            </a:endParaRPr>
           </a:p>
           <a:p>
             <a:pPr marL="457200" lvl="1" indent="0">
               <a:buNone/>
             </a:pPr>
             <a:r>
-              <a:rPr lang="en-US" sz="2000" dirty="0"/>
-              <a:t>w</a:t>
-            </a:r>
-            <a:r>
-              <a:rPr lang="en-US" sz="2000" dirty="0" smtClean="0"/>
-              <a:t>ebservers:!web1        (webservers, except for web1)</a:t>
+              <a:rPr lang="en-US" sz="1600" dirty="0" smtClean="0">
+                <a:latin typeface="Consolas" charset="0"/>
+                <a:ea typeface="Consolas" charset="0"/>
+                <a:cs typeface="Consolas" charset="0"/>
+              </a:rPr>
+              <a:t>[databases]</a:t>
             </a:r>
           </a:p>
           <a:p>
@@ -5998,63 +5852,84 @@
               <a:buNone/>
             </a:pPr>
             <a:r>
-              <a:rPr lang="en-US" sz="2000" dirty="0"/>
-              <a:t>w</a:t>
-            </a:r>
-            <a:r>
-              <a:rPr lang="en-US" sz="2000" dirty="0" smtClean="0"/>
-              <a:t>ebservers:&amp;</a:t>
-            </a:r>
-            <a:r>
-              <a:rPr lang="en-US" sz="2000" dirty="0" err="1" smtClean="0"/>
-              <a:t>mpls</a:t>
-            </a:r>
-            <a:r>
-              <a:rPr lang="en-US" sz="2000" dirty="0" smtClean="0"/>
-              <a:t>	 (intersection of webservers &amp; </a:t>
-            </a:r>
-            <a:r>
-              <a:rPr lang="en-US" sz="2000" dirty="0" err="1" smtClean="0"/>
-              <a:t>mpls</a:t>
-            </a:r>
-            <a:r>
-              <a:rPr lang="en-US" sz="2000" dirty="0" smtClean="0"/>
-              <a:t>)</a:t>
+              <a:rPr lang="en-US" sz="1600" dirty="0" err="1" smtClean="0">
+                <a:latin typeface="Consolas" charset="0"/>
+                <a:ea typeface="Consolas" charset="0"/>
+                <a:cs typeface="Consolas" charset="0"/>
+              </a:rPr>
+              <a:t>db</a:t>
+            </a:r>
+            <a:r>
+              <a:rPr lang="en-US" sz="1600" dirty="0" smtClean="0">
+                <a:latin typeface="Consolas" charset="0"/>
+                <a:ea typeface="Consolas" charset="0"/>
+                <a:cs typeface="Consolas" charset="0"/>
+              </a:rPr>
+              <a:t>[01:10].</a:t>
+            </a:r>
+            <a:r>
+              <a:rPr lang="en-US" sz="1600" dirty="0" err="1" smtClean="0">
+                <a:latin typeface="Consolas" charset="0"/>
+                <a:ea typeface="Consolas" charset="0"/>
+                <a:cs typeface="Consolas" charset="0"/>
+              </a:rPr>
+              <a:t>mydomain.com</a:t>
+            </a:r>
+            <a:r>
+              <a:rPr lang="en-US" sz="1600" dirty="0" smtClean="0">
+                <a:latin typeface="Consolas" charset="0"/>
+                <a:ea typeface="Consolas" charset="0"/>
+                <a:cs typeface="Consolas" charset="0"/>
+              </a:rPr>
+              <a:t> </a:t>
+            </a:r>
+            <a:r>
+              <a:rPr lang="en-US" sz="1600" dirty="0" err="1" smtClean="0">
+                <a:latin typeface="Consolas" charset="0"/>
+                <a:ea typeface="Consolas" charset="0"/>
+                <a:cs typeface="Consolas" charset="0"/>
+              </a:rPr>
+              <a:t>maxRequests</a:t>
+            </a:r>
+            <a:r>
+              <a:rPr lang="en-US" sz="1600" dirty="0" smtClean="0">
+                <a:latin typeface="Consolas" charset="0"/>
+                <a:ea typeface="Consolas" charset="0"/>
+                <a:cs typeface="Consolas" charset="0"/>
+              </a:rPr>
+              <a:t>=1000</a:t>
             </a:r>
           </a:p>
           <a:p>
             <a:pPr marL="457200" lvl="1" indent="0">
               <a:buNone/>
             </a:pPr>
-            <a:r>
-              <a:rPr lang="en-US" sz="2000" dirty="0"/>
-              <a:t>w</a:t>
-            </a:r>
-            <a:r>
-              <a:rPr lang="en-US" sz="2000" dirty="0" smtClean="0"/>
-              <a:t>ebservers[1]		 (2</a:t>
-            </a:r>
-            <a:r>
-              <a:rPr lang="en-US" sz="2000" baseline="30000" dirty="0" smtClean="0"/>
-              <a:t>nd</a:t>
-            </a:r>
-            <a:r>
-              <a:rPr lang="en-US" sz="2000" dirty="0" smtClean="0"/>
-              <a:t> host listed in webservers group)</a:t>
-            </a:r>
-          </a:p>
-          <a:p>
-            <a:pPr marL="457200" lvl="1" indent="0">
-              <a:buNone/>
-            </a:pPr>
-            <a:endParaRPr lang="en-US" sz="2400" dirty="0" smtClean="0"/>
+            <a:endParaRPr lang="en-US" sz="1600" dirty="0">
+              <a:latin typeface="Consolas" charset="0"/>
+              <a:ea typeface="Consolas" charset="0"/>
+              <a:cs typeface="Consolas" charset="0"/>
+            </a:endParaRPr>
+          </a:p>
+          <a:p>
+            <a:pPr lvl="1"/>
+            <a:r>
+              <a:rPr lang="en-US" dirty="0" smtClean="0">
+                <a:ea typeface="Consolas" charset="0"/>
+                <a:cs typeface="Consolas" charset="0"/>
+              </a:rPr>
+              <a:t>Hosts may be members of one or more groups.</a:t>
+            </a:r>
+            <a:endParaRPr lang="en-US" dirty="0">
+              <a:ea typeface="Consolas" charset="0"/>
+              <a:cs typeface="Consolas" charset="0"/>
+            </a:endParaRPr>
           </a:p>
         </p:txBody>
       </p:sp>
     </p:spTree>
     <p:extLst>
       <p:ext uri="{BB962C8B-B14F-4D97-AF65-F5344CB8AC3E}">
-        <p14:creationId xmlns:p14="http://schemas.microsoft.com/office/powerpoint/2010/main" val="555082523"/>
+        <p14:creationId xmlns:p14="http://schemas.microsoft.com/office/powerpoint/2010/main" val="246243568"/>
       </p:ext>
     </p:extLst>
   </p:cSld>
@@ -6098,7 +5973,7 @@
           <a:p>
             <a:r>
               <a:rPr lang="en-US" dirty="0" smtClean="0"/>
-              <a:t>Ad hoc commands</a:t>
+              <a:t>Dynamic Inventory</a:t>
             </a:r>
             <a:endParaRPr lang="en-US" dirty="0"/>
           </a:p>
@@ -6122,168 +5997,139 @@
           <a:lstStyle/>
           <a:p>
             <a:r>
+              <a:rPr lang="en-US" dirty="0" smtClean="0"/>
+              <a:t>Oftentimes the set of hosts in an environment is not static because of mechanisms like auto scaling.</a:t>
+            </a:r>
+          </a:p>
+          <a:p>
+            <a:endParaRPr lang="en-US" dirty="0"/>
+          </a:p>
+          <a:p>
+            <a:r>
               <a:rPr lang="en-US" dirty="0" err="1" smtClean="0"/>
               <a:t>Ansible</a:t>
             </a:r>
             <a:r>
               <a:rPr lang="en-US" dirty="0" smtClean="0"/>
-              <a:t> can be used to execute quick commands on hosts.</a:t>
+              <a:t> can use inventory data generated dynamically by scripts.</a:t>
             </a:r>
           </a:p>
           <a:p>
             <a:pPr lvl="1"/>
             <a:r>
               <a:rPr lang="en-US" dirty="0" smtClean="0"/>
-              <a:t>Used for very small tasks or testing.</a:t>
+              <a:t>Gather the current list of running EC2 instances.</a:t>
+            </a:r>
+          </a:p>
+          <a:p>
+            <a:pPr lvl="1"/>
+            <a:r>
+              <a:rPr lang="en-US" dirty="0" smtClean="0"/>
+              <a:t>Pull host list from enterprise CMDB.</a:t>
+            </a:r>
+          </a:p>
+          <a:p>
+            <a:endParaRPr lang="en-US" dirty="0"/>
+          </a:p>
+          <a:p>
+            <a:r>
+              <a:rPr lang="en-US" dirty="0" smtClean="0"/>
+              <a:t>Example using Terraform:</a:t>
+            </a:r>
+          </a:p>
+          <a:p>
+            <a:pPr marL="0" indent="0">
+              <a:buNone/>
+            </a:pPr>
+            <a:endParaRPr lang="en-US" dirty="0" smtClean="0"/>
+          </a:p>
+          <a:p>
+            <a:pPr marL="0" indent="0">
+              <a:buNone/>
+            </a:pPr>
+            <a:r>
+              <a:rPr lang="en-US" sz="2400" dirty="0">
+                <a:latin typeface="Consolas" charset="0"/>
+                <a:ea typeface="Consolas" charset="0"/>
+                <a:cs typeface="Consolas" charset="0"/>
+              </a:rPr>
+              <a:t>	</a:t>
+            </a:r>
+            <a:r>
+              <a:rPr lang="en-US" sz="2400" dirty="0" smtClean="0">
+                <a:latin typeface="Consolas" charset="0"/>
+                <a:ea typeface="Consolas" charset="0"/>
+                <a:cs typeface="Consolas" charset="0"/>
+              </a:rPr>
+              <a:t>$ </a:t>
+            </a:r>
+            <a:r>
+              <a:rPr lang="en-US" sz="2400" dirty="0" err="1" smtClean="0">
+                <a:latin typeface="Consolas" charset="0"/>
+                <a:ea typeface="Consolas" charset="0"/>
+                <a:cs typeface="Consolas" charset="0"/>
+              </a:rPr>
+              <a:t>ansible</a:t>
+            </a:r>
+            <a:r>
+              <a:rPr lang="en-US" sz="2400" dirty="0" smtClean="0">
+                <a:latin typeface="Consolas" charset="0"/>
+                <a:ea typeface="Consolas" charset="0"/>
+                <a:cs typeface="Consolas" charset="0"/>
+              </a:rPr>
+              <a:t> </a:t>
+            </a:r>
+            <a:r>
+              <a:rPr lang="en-US" sz="2400" dirty="0">
+                <a:latin typeface="Consolas" charset="0"/>
+                <a:ea typeface="Consolas" charset="0"/>
+                <a:cs typeface="Consolas" charset="0"/>
+              </a:rPr>
+              <a:t>-</a:t>
+            </a:r>
+            <a:r>
+              <a:rPr lang="en-US" sz="2400" dirty="0" err="1">
+                <a:latin typeface="Consolas" charset="0"/>
+                <a:ea typeface="Consolas" charset="0"/>
+                <a:cs typeface="Consolas" charset="0"/>
+              </a:rPr>
+              <a:t>i</a:t>
+            </a:r>
+            <a:r>
+              <a:rPr lang="en-US" sz="2400" dirty="0">
+                <a:latin typeface="Consolas" charset="0"/>
+                <a:ea typeface="Consolas" charset="0"/>
+                <a:cs typeface="Consolas" charset="0"/>
+              </a:rPr>
+              <a:t> </a:t>
+            </a:r>
+            <a:r>
+              <a:rPr lang="en-US" sz="2400" dirty="0" err="1">
+                <a:latin typeface="Consolas" charset="0"/>
+                <a:ea typeface="Consolas" charset="0"/>
+                <a:cs typeface="Consolas" charset="0"/>
+              </a:rPr>
+              <a:t>terraform.py</a:t>
+            </a:r>
+            <a:r>
+              <a:rPr lang="en-US" sz="2400" dirty="0">
+                <a:latin typeface="Consolas" charset="0"/>
+                <a:ea typeface="Consolas" charset="0"/>
+                <a:cs typeface="Consolas" charset="0"/>
+              </a:rPr>
+              <a:t> -m ping all</a:t>
             </a:r>
           </a:p>
           <a:p>
             <a:pPr lvl="1"/>
             <a:endParaRPr lang="en-US" dirty="0" smtClean="0"/>
-          </a:p>
-          <a:p>
-            <a:pPr marL="457200" lvl="1" indent="0">
-              <a:buNone/>
-            </a:pPr>
-            <a:r>
-              <a:rPr lang="en-US" sz="2000" dirty="0" smtClean="0"/>
-              <a:t>$ </a:t>
-            </a:r>
-            <a:r>
-              <a:rPr lang="en-US" sz="2000" dirty="0" err="1" smtClean="0"/>
-              <a:t>ansible</a:t>
-            </a:r>
-            <a:r>
-              <a:rPr lang="en-US" sz="2000" dirty="0" smtClean="0"/>
-              <a:t> –</a:t>
-            </a:r>
-            <a:r>
-              <a:rPr lang="en-US" sz="2000" dirty="0" err="1" smtClean="0"/>
-              <a:t>i</a:t>
-            </a:r>
-            <a:r>
-              <a:rPr lang="en-US" sz="2000" dirty="0" smtClean="0"/>
-              <a:t> hosts &lt;pattern&gt; -m &lt;</a:t>
-            </a:r>
-            <a:r>
-              <a:rPr lang="en-US" sz="2000" dirty="0" err="1" smtClean="0"/>
-              <a:t>module_name</a:t>
-            </a:r>
-            <a:r>
-              <a:rPr lang="en-US" sz="2000" dirty="0" smtClean="0"/>
-              <a:t>&gt; -a &lt;arguments&gt;</a:t>
-            </a:r>
-          </a:p>
-          <a:p>
-            <a:pPr marL="457200" lvl="1" indent="0">
-              <a:buNone/>
-            </a:pPr>
-            <a:endParaRPr lang="en-US" sz="2000" dirty="0"/>
-          </a:p>
-          <a:p>
-            <a:pPr marL="457200" lvl="1" indent="0">
-              <a:buNone/>
-            </a:pPr>
-            <a:r>
-              <a:rPr lang="en-US" sz="2000" dirty="0" smtClean="0"/>
-              <a:t>$ </a:t>
-            </a:r>
-            <a:r>
-              <a:rPr lang="en-US" sz="2000" dirty="0" err="1" smtClean="0"/>
-              <a:t>ansible</a:t>
-            </a:r>
-            <a:r>
-              <a:rPr lang="en-US" sz="2000" dirty="0" smtClean="0"/>
-              <a:t> –</a:t>
-            </a:r>
-            <a:r>
-              <a:rPr lang="en-US" sz="2000" dirty="0" err="1" smtClean="0"/>
-              <a:t>i</a:t>
-            </a:r>
-            <a:r>
-              <a:rPr lang="en-US" sz="2000" dirty="0" smtClean="0"/>
-              <a:t> hosts web1 command –a “uptime”</a:t>
-            </a:r>
-          </a:p>
-          <a:p>
-            <a:endParaRPr lang="en-US" sz="2400" dirty="0"/>
-          </a:p>
-          <a:p>
-            <a:r>
-              <a:rPr lang="en-US" sz="2400" dirty="0" smtClean="0"/>
-              <a:t>The </a:t>
-            </a:r>
-            <a:r>
-              <a:rPr lang="en-US" sz="2400" b="1" dirty="0" smtClean="0"/>
-              <a:t>command</a:t>
-            </a:r>
-            <a:r>
-              <a:rPr lang="en-US" sz="2400" dirty="0" smtClean="0"/>
-              <a:t> module is the default module, so we don’t have to specify it.</a:t>
-            </a:r>
-          </a:p>
-          <a:p>
-            <a:endParaRPr lang="en-US" sz="2400" dirty="0"/>
-          </a:p>
-          <a:p>
-            <a:pPr marL="457200" lvl="1" indent="0">
-              <a:buNone/>
-            </a:pPr>
-            <a:r>
-              <a:rPr lang="en-US" sz="2000" dirty="0" smtClean="0"/>
-              <a:t>$ </a:t>
-            </a:r>
-            <a:r>
-              <a:rPr lang="en-US" sz="2000" dirty="0" err="1" smtClean="0"/>
-              <a:t>ansible</a:t>
-            </a:r>
-            <a:r>
-              <a:rPr lang="en-US" sz="2000" dirty="0" smtClean="0"/>
-              <a:t> –</a:t>
-            </a:r>
-            <a:r>
-              <a:rPr lang="en-US" sz="2000" dirty="0" err="1" smtClean="0"/>
-              <a:t>i</a:t>
-            </a:r>
-            <a:r>
-              <a:rPr lang="en-US" sz="2000" dirty="0" smtClean="0"/>
-              <a:t> hosts web1 –a “tail /</a:t>
-            </a:r>
-            <a:r>
-              <a:rPr lang="en-US" sz="2000" dirty="0" err="1" smtClean="0"/>
-              <a:t>var</a:t>
-            </a:r>
-            <a:r>
-              <a:rPr lang="en-US" sz="2000" dirty="0" smtClean="0"/>
-              <a:t>/log/boot” –u </a:t>
-            </a:r>
-            <a:r>
-              <a:rPr lang="en-US" sz="2000" dirty="0" err="1" smtClean="0"/>
-              <a:t>sudo</a:t>
-            </a:r>
-            <a:endParaRPr lang="en-US" sz="2000" dirty="0" smtClean="0"/>
-          </a:p>
-          <a:p>
-            <a:pPr lvl="1"/>
-            <a:endParaRPr lang="en-US" sz="2000" dirty="0"/>
-          </a:p>
-          <a:p>
-            <a:r>
-              <a:rPr lang="en-US" sz="2400" dirty="0" err="1" smtClean="0"/>
-              <a:t>Ansible</a:t>
-            </a:r>
-            <a:r>
-              <a:rPr lang="en-US" sz="2400" dirty="0" smtClean="0"/>
-              <a:t> will execute the command as the user specified by the –u option.</a:t>
-            </a:r>
-            <a:endParaRPr lang="en-US" sz="2400" dirty="0"/>
           </a:p>
         </p:txBody>
       </p:sp>
     </p:spTree>
     <p:extLst>
       <p:ext uri="{BB962C8B-B14F-4D97-AF65-F5344CB8AC3E}">
-        <p14:creationId xmlns:p14="http://schemas.microsoft.com/office/powerpoint/2010/main" val="1378567233"/>
+        <p14:creationId xmlns:p14="http://schemas.microsoft.com/office/powerpoint/2010/main" val="902307781"/>
       </p:ext>
     </p:extLst>
   </p:cSld>
@@ -6327,7 +6173,7 @@
           <a:p>
             <a:r>
               <a:rPr lang="en-US" dirty="0" smtClean="0"/>
-              <a:t>Ad hoc commands</a:t>
+              <a:t>Host Selection Patterns</a:t>
             </a:r>
             <a:endParaRPr lang="en-US" dirty="0"/>
           </a:p>
@@ -6345,152 +6191,38 @@
         </p:nvSpPr>
         <p:spPr/>
         <p:txBody>
-          <a:bodyPr>
-            <a:normAutofit fontScale="85000" lnSpcReduction="20000"/>
-          </a:bodyPr>
-          <a:lstStyle/>
-          <a:p>
-            <a:r>
-              <a:rPr lang="en-US" dirty="0" smtClean="0"/>
-              <a:t>Copy files to a group of servers using </a:t>
-            </a:r>
-            <a:r>
-              <a:rPr lang="en-US" b="1" dirty="0" smtClean="0"/>
-              <a:t>copy</a:t>
-            </a:r>
-            <a:r>
-              <a:rPr lang="en-US" dirty="0" smtClean="0"/>
-              <a:t> module:</a:t>
-            </a:r>
-          </a:p>
-          <a:p>
-            <a:endParaRPr lang="en-US" dirty="0" smtClean="0"/>
+          <a:bodyPr/>
+          <a:lstStyle/>
+          <a:p>
+            <a:r>
+              <a:rPr lang="en-US" dirty="0" smtClean="0"/>
+              <a:t>We use patterns to decide which groups of hosts to manage.</a:t>
+            </a:r>
           </a:p>
           <a:p>
             <a:pPr marL="457200" lvl="1" indent="0">
               <a:buNone/>
             </a:pPr>
             <a:r>
-              <a:rPr lang="en-US" sz="1900" dirty="0" smtClean="0"/>
-              <a:t>$ </a:t>
-            </a:r>
-            <a:r>
-              <a:rPr lang="en-US" sz="1900" dirty="0" err="1" smtClean="0"/>
-              <a:t>ansible</a:t>
-            </a:r>
-            <a:r>
-              <a:rPr lang="en-US" sz="1900" dirty="0" smtClean="0"/>
-              <a:t> –</a:t>
-            </a:r>
-            <a:r>
-              <a:rPr lang="en-US" sz="1900" dirty="0" err="1" smtClean="0"/>
-              <a:t>i</a:t>
-            </a:r>
-            <a:r>
-              <a:rPr lang="en-US" sz="1900" dirty="0" smtClean="0"/>
-              <a:t> hosts </a:t>
-            </a:r>
-            <a:r>
-              <a:rPr lang="en-US" sz="1900" dirty="0" err="1" smtClean="0"/>
-              <a:t>minneapolis</a:t>
-            </a:r>
-            <a:r>
-              <a:rPr lang="en-US" sz="1900" dirty="0" smtClean="0"/>
-              <a:t> –m copy –a “</a:t>
-            </a:r>
-            <a:r>
-              <a:rPr lang="en-US" sz="1900" dirty="0" err="1" smtClean="0"/>
-              <a:t>src</a:t>
-            </a:r>
-            <a:r>
-              <a:rPr lang="en-US" sz="1900" dirty="0" smtClean="0"/>
-              <a:t>=~/</a:t>
-            </a:r>
-            <a:r>
-              <a:rPr lang="en-US" sz="1900" dirty="0" err="1" smtClean="0"/>
-              <a:t>archive.zip</a:t>
-            </a:r>
-            <a:r>
-              <a:rPr lang="en-US" sz="1900" dirty="0" smtClean="0"/>
-              <a:t> </a:t>
-            </a:r>
-            <a:r>
-              <a:rPr lang="en-US" sz="1900" dirty="0" err="1" smtClean="0"/>
-              <a:t>dest</a:t>
-            </a:r>
-            <a:r>
-              <a:rPr lang="en-US" sz="1900" dirty="0" smtClean="0"/>
-              <a:t>=/</a:t>
-            </a:r>
-            <a:r>
-              <a:rPr lang="en-US" sz="1900" dirty="0" err="1" smtClean="0"/>
-              <a:t>var</a:t>
-            </a:r>
-            <a:r>
-              <a:rPr lang="en-US" sz="1900" dirty="0" smtClean="0"/>
-              <a:t>/www/</a:t>
-            </a:r>
-            <a:r>
-              <a:rPr lang="en-US" sz="1900" dirty="0" err="1" smtClean="0"/>
-              <a:t>archive.zip</a:t>
-            </a:r>
-            <a:r>
-              <a:rPr lang="en-US" sz="1900" dirty="0" smtClean="0"/>
-              <a:t>”</a:t>
-            </a:r>
-          </a:p>
-          <a:p>
-            <a:pPr lvl="1"/>
-            <a:endParaRPr lang="en-US" dirty="0"/>
-          </a:p>
-          <a:p>
-            <a:r>
-              <a:rPr lang="en-US" dirty="0" smtClean="0"/>
-              <a:t>Create and delete a directory using </a:t>
-            </a:r>
-            <a:r>
-              <a:rPr lang="en-US" b="1" dirty="0" smtClean="0"/>
-              <a:t>file</a:t>
-            </a:r>
-            <a:r>
-              <a:rPr lang="en-US" dirty="0" smtClean="0"/>
-              <a:t> module:</a:t>
-            </a:r>
-          </a:p>
-          <a:p>
-            <a:endParaRPr lang="en-US" dirty="0" smtClean="0"/>
+              <a:rPr lang="en-US" sz="2000" dirty="0" smtClean="0"/>
+              <a:t>all					 (all hosts, can also use *)</a:t>
+            </a:r>
           </a:p>
           <a:p>
             <a:pPr marL="457200" lvl="1" indent="0">
               <a:buNone/>
             </a:pPr>
             <a:r>
-              <a:rPr lang="en-US" sz="1900" dirty="0" smtClean="0"/>
-              <a:t>$ </a:t>
-            </a:r>
-            <a:r>
-              <a:rPr lang="en-US" sz="1900" dirty="0" err="1" smtClean="0"/>
-              <a:t>ansible</a:t>
-            </a:r>
-            <a:r>
-              <a:rPr lang="en-US" sz="1900" dirty="0" smtClean="0"/>
-              <a:t> –</a:t>
-            </a:r>
-            <a:r>
-              <a:rPr lang="en-US" sz="1900" dirty="0" err="1" smtClean="0"/>
-              <a:t>i</a:t>
-            </a:r>
-            <a:r>
-              <a:rPr lang="en-US" sz="1900" dirty="0" smtClean="0"/>
-              <a:t> hosts webservers -m file –a “</a:t>
-            </a:r>
-            <a:r>
-              <a:rPr lang="en-US" sz="1900" dirty="0" err="1" smtClean="0"/>
-              <a:t>dest</a:t>
-            </a:r>
-            <a:r>
-              <a:rPr lang="en-US" sz="1900" dirty="0" smtClean="0"/>
-              <a:t>=/path/to/files mode=755 state=directory”</a:t>
+              <a:rPr lang="en-US" sz="2000" dirty="0" smtClean="0"/>
+              <a:t>*.com			</a:t>
+            </a:r>
+            <a:r>
+              <a:rPr lang="en-US" sz="2000" dirty="0"/>
+              <a:t>	</a:t>
+            </a:r>
+            <a:r>
+              <a:rPr lang="en-US" sz="2000" dirty="0" smtClean="0"/>
+              <a:t> (all hosts ending in .com domain)</a:t>
             </a:r>
           </a:p>
           <a:p>
@@ -6498,104 +6230,106 @@
               <a:buNone/>
             </a:pPr>
             <a:r>
-              <a:rPr lang="en-US" sz="1900" dirty="0" smtClean="0"/>
-              <a:t>$ </a:t>
-            </a:r>
-            <a:r>
-              <a:rPr lang="en-US" sz="1900" dirty="0" err="1" smtClean="0"/>
-              <a:t>ansible</a:t>
-            </a:r>
-            <a:r>
-              <a:rPr lang="en-US" sz="1900" dirty="0" smtClean="0"/>
-              <a:t> –</a:t>
-            </a:r>
-            <a:r>
-              <a:rPr lang="en-US" sz="1900" dirty="0" err="1" smtClean="0"/>
-              <a:t>i</a:t>
-            </a:r>
-            <a:r>
-              <a:rPr lang="en-US" sz="1900" dirty="0" smtClean="0"/>
-              <a:t> hosts webservers –m file –a “</a:t>
-            </a:r>
-            <a:r>
-              <a:rPr lang="en-US" sz="1900" dirty="0" err="1" smtClean="0"/>
-              <a:t>dest</a:t>
-            </a:r>
-            <a:r>
-              <a:rPr lang="en-US" sz="1900" dirty="0" smtClean="0"/>
-              <a:t>=/path/to/files state=absent”</a:t>
-            </a:r>
-          </a:p>
-          <a:p>
-            <a:endParaRPr lang="en-US" dirty="0"/>
-          </a:p>
-          <a:p>
-            <a:r>
-              <a:rPr lang="en-US" dirty="0" smtClean="0"/>
-              <a:t>Install a software package using </a:t>
-            </a:r>
-            <a:r>
-              <a:rPr lang="en-US" b="1" dirty="0" smtClean="0"/>
-              <a:t>yum</a:t>
-            </a:r>
-            <a:r>
-              <a:rPr lang="en-US" dirty="0" smtClean="0"/>
-              <a:t> module:</a:t>
-            </a:r>
-          </a:p>
-          <a:p>
-            <a:endParaRPr lang="en-US" dirty="0" smtClean="0"/>
+              <a:rPr lang="en-US" sz="2000" dirty="0" smtClean="0"/>
+              <a:t>web1.mydomain.com  (single host)</a:t>
+            </a:r>
           </a:p>
           <a:p>
             <a:pPr marL="457200" lvl="1" indent="0">
               <a:buNone/>
             </a:pPr>
             <a:r>
-              <a:rPr lang="en-US" sz="1900" dirty="0" smtClean="0"/>
-              <a:t>$ </a:t>
-            </a:r>
-            <a:r>
-              <a:rPr lang="en-US" sz="1900" dirty="0" err="1" smtClean="0"/>
-              <a:t>ansible</a:t>
-            </a:r>
-            <a:r>
-              <a:rPr lang="en-US" sz="1900" dirty="0" smtClean="0"/>
-              <a:t> –</a:t>
-            </a:r>
-            <a:r>
-              <a:rPr lang="en-US" sz="1900" dirty="0" err="1" smtClean="0"/>
-              <a:t>i</a:t>
-            </a:r>
-            <a:r>
-              <a:rPr lang="en-US" sz="1900" dirty="0" smtClean="0"/>
-              <a:t> hosts </a:t>
-            </a:r>
-            <a:r>
-              <a:rPr lang="en-US" sz="1900" dirty="0" err="1" smtClean="0"/>
-              <a:t>dbserver</a:t>
-            </a:r>
-            <a:r>
-              <a:rPr lang="en-US" sz="1900" dirty="0" smtClean="0"/>
-              <a:t> –m yum –a “name=</a:t>
-            </a:r>
-            <a:r>
-              <a:rPr lang="en-US" sz="1900" dirty="0" err="1" smtClean="0"/>
-              <a:t>mysql</a:t>
-            </a:r>
-            <a:r>
-              <a:rPr lang="en-US" sz="1900" dirty="0" smtClean="0"/>
-              <a:t> state=present”</a:t>
-            </a:r>
-          </a:p>
-          <a:p>
-            <a:endParaRPr lang="en-US" dirty="0"/>
+              <a:rPr lang="en-US" sz="2000" dirty="0" err="1" smtClean="0"/>
+              <a:t>webservers:dbservers</a:t>
+            </a:r>
+            <a:r>
+              <a:rPr lang="en-US" sz="2000" dirty="0" smtClean="0"/>
+              <a:t>  (webservers OR </a:t>
+            </a:r>
+            <a:r>
+              <a:rPr lang="en-US" sz="2000" dirty="0" err="1" smtClean="0"/>
+              <a:t>dbservers</a:t>
+            </a:r>
+            <a:r>
+              <a:rPr lang="en-US" sz="2000" dirty="0" smtClean="0"/>
+              <a:t>)</a:t>
+            </a:r>
+          </a:p>
+          <a:p>
+            <a:pPr marL="457200" lvl="1" indent="0">
+              <a:buNone/>
+            </a:pPr>
+            <a:r>
+              <a:rPr lang="en-US" sz="2000" dirty="0"/>
+              <a:t>w</a:t>
+            </a:r>
+            <a:r>
+              <a:rPr lang="en-US" sz="2000" dirty="0" smtClean="0"/>
+              <a:t>ebservers:!web1        (webservers, except for web1)</a:t>
+            </a:r>
+          </a:p>
+          <a:p>
+            <a:pPr marL="457200" lvl="1" indent="0">
+              <a:buNone/>
+            </a:pPr>
+            <a:r>
+              <a:rPr lang="en-US" sz="2000" dirty="0"/>
+              <a:t>w</a:t>
+            </a:r>
+            <a:r>
+              <a:rPr lang="en-US" sz="2000" dirty="0" smtClean="0"/>
+              <a:t>ebservers:&amp;</a:t>
+            </a:r>
+            <a:r>
+              <a:rPr lang="en-US" sz="2000" dirty="0" err="1" smtClean="0"/>
+              <a:t>mpls</a:t>
+            </a:r>
+            <a:r>
+              <a:rPr lang="en-US" sz="2000" dirty="0" smtClean="0"/>
+              <a:t>	 (intersection of webservers &amp; </a:t>
+            </a:r>
+            <a:r>
+              <a:rPr lang="en-US" sz="2000" dirty="0" err="1" smtClean="0"/>
+              <a:t>mpls</a:t>
+            </a:r>
+            <a:r>
+              <a:rPr lang="en-US" sz="2000" dirty="0" smtClean="0"/>
+              <a:t>)</a:t>
+            </a:r>
+          </a:p>
+          <a:p>
+            <a:pPr marL="457200" lvl="1" indent="0">
+              <a:buNone/>
+            </a:pPr>
+            <a:r>
+              <a:rPr lang="en-US" sz="2000" dirty="0"/>
+              <a:t>w</a:t>
+            </a:r>
+            <a:r>
+              <a:rPr lang="en-US" sz="2000" dirty="0" smtClean="0"/>
+              <a:t>ebservers[1]		 (2</a:t>
+            </a:r>
+            <a:r>
+              <a:rPr lang="en-US" sz="2000" baseline="30000" dirty="0" smtClean="0"/>
+              <a:t>nd</a:t>
+            </a:r>
+            <a:r>
+              <a:rPr lang="en-US" sz="2000" dirty="0" smtClean="0"/>
+              <a:t> host listed in webservers group)</a:t>
+            </a:r>
+          </a:p>
+          <a:p>
+            <a:pPr marL="457200" lvl="1" indent="0">
+              <a:buNone/>
+            </a:pPr>
+            <a:endParaRPr lang="en-US" sz="2400" dirty="0" smtClean="0"/>
           </a:p>
         </p:txBody>
       </p:sp>
     </p:spTree>
     <p:extLst>
       <p:ext uri="{BB962C8B-B14F-4D97-AF65-F5344CB8AC3E}">
-        <p14:creationId xmlns:p14="http://schemas.microsoft.com/office/powerpoint/2010/main" val="722358187"/>
+        <p14:creationId xmlns:p14="http://schemas.microsoft.com/office/powerpoint/2010/main" val="555082523"/>
       </p:ext>
     </p:extLst>
   </p:cSld>
@@ -6658,6 +6392,547 @@
         <p:spPr/>
         <p:txBody>
           <a:bodyPr>
+            <a:normAutofit fontScale="85000" lnSpcReduction="20000"/>
+          </a:bodyPr>
+          <a:lstStyle/>
+          <a:p>
+            <a:r>
+              <a:rPr lang="en-US" dirty="0" err="1" smtClean="0"/>
+              <a:t>Ansible</a:t>
+            </a:r>
+            <a:r>
+              <a:rPr lang="en-US" dirty="0" smtClean="0"/>
+              <a:t> can be used to execute quick commands on hosts.</a:t>
+            </a:r>
+          </a:p>
+          <a:p>
+            <a:pPr lvl="1"/>
+            <a:r>
+              <a:rPr lang="en-US" dirty="0" smtClean="0"/>
+              <a:t>Used for very small tasks or testing.</a:t>
+            </a:r>
+          </a:p>
+          <a:p>
+            <a:pPr lvl="1"/>
+            <a:endParaRPr lang="en-US" dirty="0" smtClean="0"/>
+          </a:p>
+          <a:p>
+            <a:pPr marL="457200" lvl="1" indent="0">
+              <a:buNone/>
+            </a:pPr>
+            <a:r>
+              <a:rPr lang="en-US" sz="2000" dirty="0" smtClean="0"/>
+              <a:t>$ </a:t>
+            </a:r>
+            <a:r>
+              <a:rPr lang="en-US" sz="2000" dirty="0" err="1" smtClean="0"/>
+              <a:t>ansible</a:t>
+            </a:r>
+            <a:r>
+              <a:rPr lang="en-US" sz="2000" dirty="0" smtClean="0"/>
+              <a:t> –</a:t>
+            </a:r>
+            <a:r>
+              <a:rPr lang="en-US" sz="2000" dirty="0" err="1" smtClean="0"/>
+              <a:t>i</a:t>
+            </a:r>
+            <a:r>
+              <a:rPr lang="en-US" sz="2000" dirty="0" smtClean="0"/>
+              <a:t> hosts &lt;pattern&gt; -m &lt;</a:t>
+            </a:r>
+            <a:r>
+              <a:rPr lang="en-US" sz="2000" dirty="0" err="1" smtClean="0"/>
+              <a:t>module_name</a:t>
+            </a:r>
+            <a:r>
+              <a:rPr lang="en-US" sz="2000" dirty="0" smtClean="0"/>
+              <a:t>&gt; -a &lt;arguments&gt;</a:t>
+            </a:r>
+          </a:p>
+          <a:p>
+            <a:pPr marL="457200" lvl="1" indent="0">
+              <a:buNone/>
+            </a:pPr>
+            <a:endParaRPr lang="en-US" sz="2000" dirty="0"/>
+          </a:p>
+          <a:p>
+            <a:pPr marL="457200" lvl="1" indent="0">
+              <a:buNone/>
+            </a:pPr>
+            <a:r>
+              <a:rPr lang="en-US" sz="2000" dirty="0" smtClean="0"/>
+              <a:t>$ </a:t>
+            </a:r>
+            <a:r>
+              <a:rPr lang="en-US" sz="2000" dirty="0" err="1" smtClean="0"/>
+              <a:t>ansible</a:t>
+            </a:r>
+            <a:r>
+              <a:rPr lang="en-US" sz="2000" dirty="0" smtClean="0"/>
+              <a:t> –</a:t>
+            </a:r>
+            <a:r>
+              <a:rPr lang="en-US" sz="2000" dirty="0" err="1" smtClean="0"/>
+              <a:t>i</a:t>
+            </a:r>
+            <a:r>
+              <a:rPr lang="en-US" sz="2000" dirty="0" smtClean="0"/>
+              <a:t> hosts web1 command –a “uptime”</a:t>
+            </a:r>
+          </a:p>
+          <a:p>
+            <a:endParaRPr lang="en-US" sz="2400" dirty="0"/>
+          </a:p>
+          <a:p>
+            <a:r>
+              <a:rPr lang="en-US" sz="2400" dirty="0" smtClean="0"/>
+              <a:t>The </a:t>
+            </a:r>
+            <a:r>
+              <a:rPr lang="en-US" sz="2400" b="1" dirty="0" smtClean="0"/>
+              <a:t>command</a:t>
+            </a:r>
+            <a:r>
+              <a:rPr lang="en-US" sz="2400" dirty="0" smtClean="0"/>
+              <a:t> module is the default module, so we don’t have to specify it.</a:t>
+            </a:r>
+          </a:p>
+          <a:p>
+            <a:endParaRPr lang="en-US" sz="2400" dirty="0"/>
+          </a:p>
+          <a:p>
+            <a:pPr marL="457200" lvl="1" indent="0">
+              <a:buNone/>
+            </a:pPr>
+            <a:r>
+              <a:rPr lang="en-US" sz="2000" dirty="0" smtClean="0"/>
+              <a:t>$ </a:t>
+            </a:r>
+            <a:r>
+              <a:rPr lang="en-US" sz="2000" dirty="0" err="1" smtClean="0"/>
+              <a:t>ansible</a:t>
+            </a:r>
+            <a:r>
+              <a:rPr lang="en-US" sz="2000" dirty="0" smtClean="0"/>
+              <a:t> –</a:t>
+            </a:r>
+            <a:r>
+              <a:rPr lang="en-US" sz="2000" dirty="0" err="1" smtClean="0"/>
+              <a:t>i</a:t>
+            </a:r>
+            <a:r>
+              <a:rPr lang="en-US" sz="2000" dirty="0" smtClean="0"/>
+              <a:t> hosts web1 –a “tail /</a:t>
+            </a:r>
+            <a:r>
+              <a:rPr lang="en-US" sz="2000" dirty="0" err="1" smtClean="0"/>
+              <a:t>var</a:t>
+            </a:r>
+            <a:r>
+              <a:rPr lang="en-US" sz="2000" dirty="0" smtClean="0"/>
+              <a:t>/log/boot” –u </a:t>
+            </a:r>
+            <a:r>
+              <a:rPr lang="en-US" sz="2000" dirty="0" err="1" smtClean="0"/>
+              <a:t>sudo</a:t>
+            </a:r>
+            <a:endParaRPr lang="en-US" sz="2000" dirty="0" smtClean="0"/>
+          </a:p>
+          <a:p>
+            <a:pPr lvl="1"/>
+            <a:endParaRPr lang="en-US" sz="2000" dirty="0"/>
+          </a:p>
+          <a:p>
+            <a:r>
+              <a:rPr lang="en-US" sz="2400" dirty="0" err="1" smtClean="0"/>
+              <a:t>Ansible</a:t>
+            </a:r>
+            <a:r>
+              <a:rPr lang="en-US" sz="2400" dirty="0" smtClean="0"/>
+              <a:t> will execute the command as the user specified by the –u option.</a:t>
+            </a:r>
+            <a:endParaRPr lang="en-US" sz="2400" dirty="0"/>
+          </a:p>
+        </p:txBody>
+      </p:sp>
+    </p:spTree>
+    <p:extLst>
+      <p:ext uri="{BB962C8B-B14F-4D97-AF65-F5344CB8AC3E}">
+        <p14:creationId xmlns:p14="http://schemas.microsoft.com/office/powerpoint/2010/main" val="1378567233"/>
+      </p:ext>
+    </p:extLst>
+  </p:cSld>
+  <p:clrMapOvr>
+    <a:masterClrMapping/>
+  </p:clrMapOvr>
+</p:sld>
+</file>
+
+<file path=ppt/slides/slide27.xml><?xml version="1.0" encoding="utf-8"?>
+<p:sld xmlns:a="http://schemas.openxmlformats.org/drawingml/2006/main" xmlns:r="http://schemas.openxmlformats.org/officeDocument/2006/relationships" xmlns:p="http://schemas.openxmlformats.org/presentationml/2006/main">
+  <p:cSld>
+    <p:spTree>
+      <p:nvGrpSpPr>
+        <p:cNvPr id="1" name=""/>
+        <p:cNvGrpSpPr/>
+        <p:nvPr/>
+      </p:nvGrpSpPr>
+      <p:grpSpPr>
+        <a:xfrm>
+          <a:off x="0" y="0"/>
+          <a:ext cx="0" cy="0"/>
+          <a:chOff x="0" y="0"/>
+          <a:chExt cx="0" cy="0"/>
+        </a:xfrm>
+      </p:grpSpPr>
+      <p:sp>
+        <p:nvSpPr>
+          <p:cNvPr id="2" name="Title 1"/>
+          <p:cNvSpPr>
+            <a:spLocks noGrp="1"/>
+          </p:cNvSpPr>
+          <p:nvPr>
+            <p:ph type="title"/>
+          </p:nvPr>
+        </p:nvSpPr>
+        <p:spPr/>
+        <p:txBody>
+          <a:bodyPr/>
+          <a:lstStyle/>
+          <a:p>
+            <a:r>
+              <a:rPr lang="en-US" dirty="0" smtClean="0"/>
+              <a:t>Ad hoc commands</a:t>
+            </a:r>
+            <a:endParaRPr lang="en-US" dirty="0"/>
+          </a:p>
+        </p:txBody>
+      </p:sp>
+      <p:sp>
+        <p:nvSpPr>
+          <p:cNvPr id="3" name="Content Placeholder 2"/>
+          <p:cNvSpPr>
+            <a:spLocks noGrp="1"/>
+          </p:cNvSpPr>
+          <p:nvPr>
+            <p:ph idx="1"/>
+          </p:nvPr>
+        </p:nvSpPr>
+        <p:spPr/>
+        <p:txBody>
+          <a:bodyPr>
+            <a:normAutofit fontScale="85000" lnSpcReduction="20000"/>
+          </a:bodyPr>
+          <a:lstStyle/>
+          <a:p>
+            <a:r>
+              <a:rPr lang="en-US" dirty="0" smtClean="0"/>
+              <a:t>Copy files to a group of servers using </a:t>
+            </a:r>
+            <a:r>
+              <a:rPr lang="en-US" b="1" dirty="0" smtClean="0"/>
+              <a:t>copy</a:t>
+            </a:r>
+            <a:r>
+              <a:rPr lang="en-US" dirty="0" smtClean="0"/>
+              <a:t> module:</a:t>
+            </a:r>
+          </a:p>
+          <a:p>
+            <a:endParaRPr lang="en-US" dirty="0" smtClean="0"/>
+          </a:p>
+          <a:p>
+            <a:pPr marL="457200" lvl="1" indent="0">
+              <a:buNone/>
+            </a:pPr>
+            <a:r>
+              <a:rPr lang="en-US" sz="1900" dirty="0" smtClean="0"/>
+              <a:t>$ </a:t>
+            </a:r>
+            <a:r>
+              <a:rPr lang="en-US" sz="1900" dirty="0" err="1" smtClean="0"/>
+              <a:t>ansible</a:t>
+            </a:r>
+            <a:r>
+              <a:rPr lang="en-US" sz="1900" dirty="0" smtClean="0"/>
+              <a:t> –</a:t>
+            </a:r>
+            <a:r>
+              <a:rPr lang="en-US" sz="1900" dirty="0" err="1" smtClean="0"/>
+              <a:t>i</a:t>
+            </a:r>
+            <a:r>
+              <a:rPr lang="en-US" sz="1900" dirty="0" smtClean="0"/>
+              <a:t> hosts </a:t>
+            </a:r>
+            <a:r>
+              <a:rPr lang="en-US" sz="1900" dirty="0" err="1" smtClean="0"/>
+              <a:t>minneapolis</a:t>
+            </a:r>
+            <a:r>
+              <a:rPr lang="en-US" sz="1900" dirty="0" smtClean="0"/>
+              <a:t> –m copy –a “</a:t>
+            </a:r>
+            <a:r>
+              <a:rPr lang="en-US" sz="1900" dirty="0" err="1" smtClean="0"/>
+              <a:t>src</a:t>
+            </a:r>
+            <a:r>
+              <a:rPr lang="en-US" sz="1900" dirty="0" smtClean="0"/>
+              <a:t>=~/</a:t>
+            </a:r>
+            <a:r>
+              <a:rPr lang="en-US" sz="1900" dirty="0" err="1" smtClean="0"/>
+              <a:t>archive.zip</a:t>
+            </a:r>
+            <a:r>
+              <a:rPr lang="en-US" sz="1900" dirty="0" smtClean="0"/>
+              <a:t> </a:t>
+            </a:r>
+            <a:r>
+              <a:rPr lang="en-US" sz="1900" dirty="0" err="1" smtClean="0"/>
+              <a:t>dest</a:t>
+            </a:r>
+            <a:r>
+              <a:rPr lang="en-US" sz="1900" dirty="0" smtClean="0"/>
+              <a:t>=/</a:t>
+            </a:r>
+            <a:r>
+              <a:rPr lang="en-US" sz="1900" dirty="0" err="1" smtClean="0"/>
+              <a:t>var</a:t>
+            </a:r>
+            <a:r>
+              <a:rPr lang="en-US" sz="1900" dirty="0" smtClean="0"/>
+              <a:t>/www/</a:t>
+            </a:r>
+            <a:r>
+              <a:rPr lang="en-US" sz="1900" dirty="0" err="1" smtClean="0"/>
+              <a:t>archive.zip</a:t>
+            </a:r>
+            <a:r>
+              <a:rPr lang="en-US" sz="1900" dirty="0" smtClean="0"/>
+              <a:t>”</a:t>
+            </a:r>
+          </a:p>
+          <a:p>
+            <a:pPr lvl="1"/>
+            <a:endParaRPr lang="en-US" dirty="0"/>
+          </a:p>
+          <a:p>
+            <a:r>
+              <a:rPr lang="en-US" dirty="0" smtClean="0"/>
+              <a:t>Create and delete a directory using </a:t>
+            </a:r>
+            <a:r>
+              <a:rPr lang="en-US" b="1" dirty="0" smtClean="0"/>
+              <a:t>file</a:t>
+            </a:r>
+            <a:r>
+              <a:rPr lang="en-US" dirty="0" smtClean="0"/>
+              <a:t> module:</a:t>
+            </a:r>
+          </a:p>
+          <a:p>
+            <a:endParaRPr lang="en-US" dirty="0" smtClean="0"/>
+          </a:p>
+          <a:p>
+            <a:pPr marL="457200" lvl="1" indent="0">
+              <a:buNone/>
+            </a:pPr>
+            <a:r>
+              <a:rPr lang="en-US" sz="1900" dirty="0" smtClean="0"/>
+              <a:t>$ </a:t>
+            </a:r>
+            <a:r>
+              <a:rPr lang="en-US" sz="1900" dirty="0" err="1" smtClean="0"/>
+              <a:t>ansible</a:t>
+            </a:r>
+            <a:r>
+              <a:rPr lang="en-US" sz="1900" dirty="0" smtClean="0"/>
+              <a:t> –</a:t>
+            </a:r>
+            <a:r>
+              <a:rPr lang="en-US" sz="1900" dirty="0" err="1" smtClean="0"/>
+              <a:t>i</a:t>
+            </a:r>
+            <a:r>
+              <a:rPr lang="en-US" sz="1900" dirty="0" smtClean="0"/>
+              <a:t> hosts webservers -m file –a “</a:t>
+            </a:r>
+            <a:r>
+              <a:rPr lang="en-US" sz="1900" dirty="0" err="1" smtClean="0"/>
+              <a:t>dest</a:t>
+            </a:r>
+            <a:r>
+              <a:rPr lang="en-US" sz="1900" dirty="0" smtClean="0"/>
+              <a:t>=/path/to/files mode=755 state=directory”</a:t>
+            </a:r>
+          </a:p>
+          <a:p>
+            <a:pPr marL="457200" lvl="1" indent="0">
+              <a:buNone/>
+            </a:pPr>
+            <a:r>
+              <a:rPr lang="en-US" sz="1900" dirty="0" smtClean="0"/>
+              <a:t>$ </a:t>
+            </a:r>
+            <a:r>
+              <a:rPr lang="en-US" sz="1900" dirty="0" err="1" smtClean="0"/>
+              <a:t>ansible</a:t>
+            </a:r>
+            <a:r>
+              <a:rPr lang="en-US" sz="1900" dirty="0" smtClean="0"/>
+              <a:t> –</a:t>
+            </a:r>
+            <a:r>
+              <a:rPr lang="en-US" sz="1900" dirty="0" err="1" smtClean="0"/>
+              <a:t>i</a:t>
+            </a:r>
+            <a:r>
+              <a:rPr lang="en-US" sz="1900" dirty="0" smtClean="0"/>
+              <a:t> hosts webservers –m file –a “</a:t>
+            </a:r>
+            <a:r>
+              <a:rPr lang="en-US" sz="1900" dirty="0" err="1" smtClean="0"/>
+              <a:t>dest</a:t>
+            </a:r>
+            <a:r>
+              <a:rPr lang="en-US" sz="1900" dirty="0" smtClean="0"/>
+              <a:t>=/path/to/files state=absent”</a:t>
+            </a:r>
+          </a:p>
+          <a:p>
+            <a:endParaRPr lang="en-US" dirty="0"/>
+          </a:p>
+          <a:p>
+            <a:r>
+              <a:rPr lang="en-US" dirty="0" smtClean="0"/>
+              <a:t>Install a software package using </a:t>
+            </a:r>
+            <a:r>
+              <a:rPr lang="en-US" b="1" dirty="0" smtClean="0"/>
+              <a:t>yum</a:t>
+            </a:r>
+            <a:r>
+              <a:rPr lang="en-US" dirty="0" smtClean="0"/>
+              <a:t> module:</a:t>
+            </a:r>
+          </a:p>
+          <a:p>
+            <a:endParaRPr lang="en-US" dirty="0" smtClean="0"/>
+          </a:p>
+          <a:p>
+            <a:pPr marL="457200" lvl="1" indent="0">
+              <a:buNone/>
+            </a:pPr>
+            <a:r>
+              <a:rPr lang="en-US" sz="1900" dirty="0" smtClean="0"/>
+              <a:t>$ </a:t>
+            </a:r>
+            <a:r>
+              <a:rPr lang="en-US" sz="1900" dirty="0" err="1" smtClean="0"/>
+              <a:t>ansible</a:t>
+            </a:r>
+            <a:r>
+              <a:rPr lang="en-US" sz="1900" dirty="0" smtClean="0"/>
+              <a:t> –</a:t>
+            </a:r>
+            <a:r>
+              <a:rPr lang="en-US" sz="1900" dirty="0" err="1" smtClean="0"/>
+              <a:t>i</a:t>
+            </a:r>
+            <a:r>
+              <a:rPr lang="en-US" sz="1900" dirty="0" smtClean="0"/>
+              <a:t> hosts </a:t>
+            </a:r>
+            <a:r>
+              <a:rPr lang="en-US" sz="1900" dirty="0" err="1" smtClean="0"/>
+              <a:t>dbserver</a:t>
+            </a:r>
+            <a:r>
+              <a:rPr lang="en-US" sz="1900" dirty="0" smtClean="0"/>
+              <a:t> –m yum –a “name=</a:t>
+            </a:r>
+            <a:r>
+              <a:rPr lang="en-US" sz="1900" dirty="0" err="1" smtClean="0"/>
+              <a:t>mysql</a:t>
+            </a:r>
+            <a:r>
+              <a:rPr lang="en-US" sz="1900" dirty="0" smtClean="0"/>
+              <a:t> state=present”</a:t>
+            </a:r>
+          </a:p>
+          <a:p>
+            <a:endParaRPr lang="en-US" dirty="0"/>
+          </a:p>
+        </p:txBody>
+      </p:sp>
+    </p:spTree>
+    <p:extLst>
+      <p:ext uri="{BB962C8B-B14F-4D97-AF65-F5344CB8AC3E}">
+        <p14:creationId xmlns:p14="http://schemas.microsoft.com/office/powerpoint/2010/main" val="722358187"/>
+      </p:ext>
+    </p:extLst>
+  </p:cSld>
+  <p:clrMapOvr>
+    <a:masterClrMapping/>
+  </p:clrMapOvr>
+</p:sld>
+</file>
+
+<file path=ppt/slides/slide28.xml><?xml version="1.0" encoding="utf-8"?>
+<p:sld xmlns:a="http://schemas.openxmlformats.org/drawingml/2006/main" xmlns:r="http://schemas.openxmlformats.org/officeDocument/2006/relationships" xmlns:p="http://schemas.openxmlformats.org/presentationml/2006/main">
+  <p:cSld>
+    <p:spTree>
+      <p:nvGrpSpPr>
+        <p:cNvPr id="1" name=""/>
+        <p:cNvGrpSpPr/>
+        <p:nvPr/>
+      </p:nvGrpSpPr>
+      <p:grpSpPr>
+        <a:xfrm>
+          <a:off x="0" y="0"/>
+          <a:ext cx="0" cy="0"/>
+          <a:chOff x="0" y="0"/>
+          <a:chExt cx="0" cy="0"/>
+        </a:xfrm>
+      </p:grpSpPr>
+      <p:sp>
+        <p:nvSpPr>
+          <p:cNvPr id="2" name="Title 1"/>
+          <p:cNvSpPr>
+            <a:spLocks noGrp="1"/>
+          </p:cNvSpPr>
+          <p:nvPr>
+            <p:ph type="title"/>
+          </p:nvPr>
+        </p:nvSpPr>
+        <p:spPr/>
+        <p:txBody>
+          <a:bodyPr/>
+          <a:lstStyle/>
+          <a:p>
+            <a:r>
+              <a:rPr lang="en-US" dirty="0" smtClean="0"/>
+              <a:t>Ad hoc commands</a:t>
+            </a:r>
+            <a:endParaRPr lang="en-US" dirty="0"/>
+          </a:p>
+        </p:txBody>
+      </p:sp>
+      <p:sp>
+        <p:nvSpPr>
+          <p:cNvPr id="3" name="Content Placeholder 2"/>
+          <p:cNvSpPr>
+            <a:spLocks noGrp="1"/>
+          </p:cNvSpPr>
+          <p:nvPr>
+            <p:ph idx="1"/>
+          </p:nvPr>
+        </p:nvSpPr>
+        <p:spPr/>
+        <p:txBody>
+          <a:bodyPr>
             <a:normAutofit fontScale="70000" lnSpcReduction="20000"/>
           </a:bodyPr>
           <a:lstStyle/>
@@ -6902,7 +7177,7 @@
 </p:sld>
 </file>
 
-<file path=ppt/slides/slide27.xml><?xml version="1.0" encoding="utf-8"?>
+<file path=ppt/slides/slide29.xml><?xml version="1.0" encoding="utf-8"?>
 <p:sld xmlns:a="http://schemas.openxmlformats.org/drawingml/2006/main" xmlns:r="http://schemas.openxmlformats.org/officeDocument/2006/relationships" xmlns:p="http://schemas.openxmlformats.org/presentationml/2006/main">
   <p:cSld>
     <p:spTree>

--- a/lectures/infrastructure-week-10.pptx
+++ b/lectures/infrastructure-week-10.pptx
@@ -5,7 +5,7 @@
     <p:sldMasterId id="2147483648" r:id="rId1"/>
   </p:sldMasterIdLst>
   <p:notesMasterIdLst>
-    <p:notesMasterId r:id="rId59"/>
+    <p:notesMasterId r:id="rId61"/>
   </p:notesMasterIdLst>
   <p:sldIdLst>
     <p:sldId id="256" r:id="rId2"/>
@@ -64,7 +64,9 @@
     <p:sldId id="312" r:id="rId55"/>
     <p:sldId id="313" r:id="rId56"/>
     <p:sldId id="315" r:id="rId57"/>
-    <p:sldId id="258" r:id="rId58"/>
+    <p:sldId id="316" r:id="rId58"/>
+    <p:sldId id="317" r:id="rId59"/>
+    <p:sldId id="258" r:id="rId60"/>
   </p:sldIdLst>
   <p:sldSz cx="9144000" cy="6858000" type="screen4x3"/>
   <p:notesSz cx="6858000" cy="9144000"/>
@@ -17765,6 +17767,221 @@
 </file>
 
 <file path=ppt/slides/slide57.xml><?xml version="1.0" encoding="utf-8"?>
+<p:sld xmlns:a="http://schemas.openxmlformats.org/drawingml/2006/main" xmlns:r="http://schemas.openxmlformats.org/officeDocument/2006/relationships" xmlns:p="http://schemas.openxmlformats.org/presentationml/2006/main">
+  <p:cSld>
+    <p:spTree>
+      <p:nvGrpSpPr>
+        <p:cNvPr id="1" name=""/>
+        <p:cNvGrpSpPr/>
+        <p:nvPr/>
+      </p:nvGrpSpPr>
+      <p:grpSpPr>
+        <a:xfrm>
+          <a:off x="0" y="0"/>
+          <a:ext cx="0" cy="0"/>
+          <a:chOff x="0" y="0"/>
+          <a:chExt cx="0" cy="0"/>
+        </a:xfrm>
+      </p:grpSpPr>
+      <p:pic>
+        <p:nvPicPr>
+          <p:cNvPr id="5" name="Picture 4"/>
+          <p:cNvPicPr>
+            <a:picLocks noChangeAspect="1"/>
+          </p:cNvPicPr>
+          <p:nvPr/>
+        </p:nvPicPr>
+        <p:blipFill>
+          <a:blip r:embed="rId2">
+            <a:extLst>
+              <a:ext uri="{28A0092B-C50C-407E-A947-70E740481C1C}">
+                <a14:useLocalDpi xmlns:a14="http://schemas.microsoft.com/office/drawing/2010/main" val="0"/>
+              </a:ext>
+            </a:extLst>
+          </a:blip>
+          <a:stretch>
+            <a:fillRect/>
+          </a:stretch>
+        </p:blipFill>
+        <p:spPr>
+          <a:xfrm>
+            <a:off x="964504" y="1091886"/>
+            <a:ext cx="6976998" cy="5766114"/>
+          </a:xfrm>
+          <a:prstGeom prst="rect">
+            <a:avLst/>
+          </a:prstGeom>
+        </p:spPr>
+      </p:pic>
+      <p:sp>
+        <p:nvSpPr>
+          <p:cNvPr id="2" name="Title 1"/>
+          <p:cNvSpPr>
+            <a:spLocks noGrp="1"/>
+          </p:cNvSpPr>
+          <p:nvPr>
+            <p:ph type="title"/>
+          </p:nvPr>
+        </p:nvSpPr>
+        <p:spPr/>
+        <p:txBody>
+          <a:bodyPr/>
+          <a:lstStyle/>
+          <a:p>
+            <a:r>
+              <a:rPr lang="en-US" dirty="0" smtClean="0"/>
+              <a:t>Putting it all together</a:t>
+            </a:r>
+            <a:endParaRPr lang="en-US" dirty="0"/>
+          </a:p>
+        </p:txBody>
+      </p:sp>
+    </p:spTree>
+    <p:extLst>
+      <p:ext uri="{BB962C8B-B14F-4D97-AF65-F5344CB8AC3E}">
+        <p14:creationId xmlns:p14="http://schemas.microsoft.com/office/powerpoint/2010/main" val="266513098"/>
+      </p:ext>
+    </p:extLst>
+  </p:cSld>
+  <p:clrMapOvr>
+    <a:masterClrMapping/>
+  </p:clrMapOvr>
+</p:sld>
+</file>
+
+<file path=ppt/slides/slide58.xml><?xml version="1.0" encoding="utf-8"?>
+<p:sld xmlns:a="http://schemas.openxmlformats.org/drawingml/2006/main" xmlns:r="http://schemas.openxmlformats.org/officeDocument/2006/relationships" xmlns:p="http://schemas.openxmlformats.org/presentationml/2006/main">
+  <p:cSld>
+    <p:spTree>
+      <p:nvGrpSpPr>
+        <p:cNvPr id="1" name=""/>
+        <p:cNvGrpSpPr/>
+        <p:nvPr/>
+      </p:nvGrpSpPr>
+      <p:grpSpPr>
+        <a:xfrm>
+          <a:off x="0" y="0"/>
+          <a:ext cx="0" cy="0"/>
+          <a:chOff x="0" y="0"/>
+          <a:chExt cx="0" cy="0"/>
+        </a:xfrm>
+      </p:grpSpPr>
+      <p:sp>
+        <p:nvSpPr>
+          <p:cNvPr id="2" name="Title 1"/>
+          <p:cNvSpPr>
+            <a:spLocks noGrp="1"/>
+          </p:cNvSpPr>
+          <p:nvPr>
+            <p:ph type="title"/>
+          </p:nvPr>
+        </p:nvSpPr>
+        <p:spPr/>
+        <p:txBody>
+          <a:bodyPr/>
+          <a:lstStyle/>
+          <a:p>
+            <a:r>
+              <a:rPr lang="en-US" dirty="0" smtClean="0"/>
+              <a:t>Resources</a:t>
+            </a:r>
+            <a:endParaRPr lang="en-US" dirty="0"/>
+          </a:p>
+        </p:txBody>
+      </p:sp>
+      <p:sp>
+        <p:nvSpPr>
+          <p:cNvPr id="3" name="Content Placeholder 2"/>
+          <p:cNvSpPr>
+            <a:spLocks noGrp="1"/>
+          </p:cNvSpPr>
+          <p:nvPr>
+            <p:ph idx="1"/>
+          </p:nvPr>
+        </p:nvSpPr>
+        <p:spPr/>
+        <p:txBody>
+          <a:bodyPr/>
+          <a:lstStyle/>
+          <a:p>
+            <a:r>
+              <a:rPr lang="en-US" dirty="0" err="1" smtClean="0"/>
+              <a:t>Ansible</a:t>
+            </a:r>
+            <a:r>
+              <a:rPr lang="en-US" dirty="0" smtClean="0"/>
+              <a:t> documentation:</a:t>
+            </a:r>
+          </a:p>
+          <a:p>
+            <a:pPr lvl="1"/>
+            <a:r>
+              <a:rPr lang="en-US" sz="2000" dirty="0">
+                <a:hlinkClick r:id="rId2"/>
+              </a:rPr>
+              <a:t>http://docs.ansible.com</a:t>
+            </a:r>
+            <a:r>
+              <a:rPr lang="en-US" sz="2000" dirty="0" smtClean="0">
+                <a:hlinkClick r:id="rId2"/>
+              </a:rPr>
+              <a:t>/</a:t>
+            </a:r>
+            <a:endParaRPr lang="en-US" sz="2000" dirty="0" smtClean="0"/>
+          </a:p>
+          <a:p>
+            <a:pPr lvl="1"/>
+            <a:endParaRPr lang="en-US" dirty="0"/>
+          </a:p>
+          <a:p>
+            <a:r>
+              <a:rPr lang="en-US" dirty="0" err="1" smtClean="0"/>
+              <a:t>Ansible</a:t>
+            </a:r>
+            <a:r>
+              <a:rPr lang="en-US" dirty="0" smtClean="0"/>
+              <a:t> module index:</a:t>
+            </a:r>
+          </a:p>
+          <a:p>
+            <a:pPr lvl="1"/>
+            <a:r>
+              <a:rPr lang="en-US" sz="2000" dirty="0">
+                <a:hlinkClick r:id="rId3"/>
+              </a:rPr>
+              <a:t>http://</a:t>
+            </a:r>
+            <a:r>
+              <a:rPr lang="en-US" sz="2000" dirty="0" smtClean="0">
+                <a:hlinkClick r:id="rId3"/>
+              </a:rPr>
+              <a:t>docs.ansible.com/ansible/modules_by_category.html</a:t>
+            </a:r>
+            <a:endParaRPr lang="en-US" sz="2000" dirty="0" smtClean="0"/>
+          </a:p>
+          <a:p>
+            <a:pPr lvl="1"/>
+            <a:endParaRPr lang="en-US" dirty="0"/>
+          </a:p>
+          <a:p>
+            <a:endParaRPr lang="en-US" dirty="0"/>
+          </a:p>
+        </p:txBody>
+      </p:sp>
+    </p:spTree>
+    <p:extLst>
+      <p:ext uri="{BB962C8B-B14F-4D97-AF65-F5344CB8AC3E}">
+        <p14:creationId xmlns:p14="http://schemas.microsoft.com/office/powerpoint/2010/main" val="1036223181"/>
+      </p:ext>
+    </p:extLst>
+  </p:cSld>
+  <p:clrMapOvr>
+    <a:masterClrMapping/>
+  </p:clrMapOvr>
+</p:sld>
+</file>
+
+<file path=ppt/slides/slide59.xml><?xml version="1.0" encoding="utf-8"?>
 <p:sld xmlns:a="http://schemas.openxmlformats.org/drawingml/2006/main" xmlns:r="http://schemas.openxmlformats.org/officeDocument/2006/relationships" xmlns:p="http://schemas.openxmlformats.org/presentationml/2006/main">
   <p:cSld>
     <p:spTree>

--- a/lectures/infrastructure-week-10.pptx
+++ b/lectures/infrastructure-week-10.pptx
@@ -4182,8 +4182,12 @@
           <a:p>
             <a:pPr lvl="1"/>
             <a:r>
-              <a:rPr lang="en-US" dirty="0" smtClean="0"/>
-              <a:t>Builders: describe the type of machine image to create and what infrastructure is used to create it.</a:t>
+              <a:rPr lang="en-US" b="1" dirty="0" smtClean="0"/>
+              <a:t>Builders</a:t>
+            </a:r>
+            <a:r>
+              <a:rPr lang="en-US" dirty="0" smtClean="0"/>
+              <a:t>: describe the type of machine image to create and what infrastructure is used to create it.</a:t>
             </a:r>
           </a:p>
           <a:p>
@@ -4193,7 +4197,7 @@
           <a:p>
             <a:pPr lvl="1"/>
             <a:r>
-              <a:rPr lang="en-US" dirty="0" err="1" smtClean="0"/>
+              <a:rPr lang="en-US" b="1" dirty="0" err="1" smtClean="0"/>
               <a:t>Provisioners</a:t>
             </a:r>
             <a:r>
@@ -4820,14 +4824,14 @@
           <a:p>
             <a:pPr lvl="1"/>
             <a:r>
-              <a:rPr lang="en-US" dirty="0" smtClean="0"/>
+              <a:rPr lang="en-US" sz="2900" dirty="0" smtClean="0"/>
               <a:t>It’s really easy to provision new servers.</a:t>
             </a:r>
           </a:p>
           <a:p>
             <a:pPr lvl="1"/>
             <a:r>
-              <a:rPr lang="en-US" dirty="0" smtClean="0"/>
+              <a:rPr lang="en-US" sz="2900" dirty="0" smtClean="0"/>
               <a:t>It becomes difficult to patch and consistently maintain servers and the numbers grow.</a:t>
             </a:r>
           </a:p>
@@ -4844,14 +4848,14 @@
           <a:p>
             <a:pPr lvl="1"/>
             <a:r>
-              <a:rPr lang="en-US" dirty="0" smtClean="0"/>
+              <a:rPr lang="en-US" sz="2900" dirty="0" smtClean="0"/>
               <a:t>Configuration of servers gradually change over time.</a:t>
             </a:r>
           </a:p>
           <a:p>
             <a:pPr lvl="1"/>
             <a:r>
-              <a:rPr lang="en-US" dirty="0" smtClean="0"/>
+              <a:rPr lang="en-US" sz="2900" dirty="0" smtClean="0"/>
               <a:t>Unmanaged variation leads to support and maintenance challenges.</a:t>
             </a:r>
           </a:p>
@@ -4868,14 +4872,14 @@
           <a:p>
             <a:pPr lvl="1"/>
             <a:r>
-              <a:rPr lang="en-US" dirty="0" smtClean="0"/>
+              <a:rPr lang="en-US" sz="2900" dirty="0" smtClean="0"/>
               <a:t>Unique servers that cannot be easily replicated.</a:t>
             </a:r>
           </a:p>
           <a:p>
             <a:pPr lvl="1"/>
             <a:r>
-              <a:rPr lang="en-US" dirty="0" smtClean="0"/>
+              <a:rPr lang="en-US" sz="2900" dirty="0" smtClean="0"/>
               <a:t>Leads to fragile infrastructure and components that nobody knows how to fix.</a:t>
             </a:r>
           </a:p>
@@ -4891,7 +4895,7 @@
           <a:p>
             <a:pPr lvl="1"/>
             <a:r>
-              <a:rPr lang="en-US" dirty="0" smtClean="0"/>
+              <a:rPr lang="en-US" sz="2900" dirty="0" smtClean="0"/>
               <a:t>Fear of running automation tools because so much infrastructure is hand-cranked.</a:t>
             </a:r>
           </a:p>
@@ -4908,10 +4912,10 @@
           <a:p>
             <a:pPr lvl="1"/>
             <a:r>
-              <a:rPr lang="en-US" dirty="0" smtClean="0"/>
+              <a:rPr lang="en-US" sz="2900" dirty="0" smtClean="0"/>
               <a:t>Natural entropy suggests that problems will creep into systems over time.</a:t>
             </a:r>
-            <a:endParaRPr lang="en-US" dirty="0"/>
+            <a:endParaRPr lang="en-US" sz="2900" dirty="0"/>
           </a:p>
         </p:txBody>
       </p:sp>
@@ -5294,8 +5298,8 @@
         </p:blipFill>
         <p:spPr>
           <a:xfrm>
-            <a:off x="7046930" y="26203"/>
-            <a:ext cx="1639870" cy="1639870"/>
+            <a:off x="7046930" y="178712"/>
+            <a:ext cx="1238926" cy="1238926"/>
           </a:xfrm>
           <a:prstGeom prst="rect">
             <a:avLst/>
@@ -5464,8 +5468,8 @@
           </a:p>
           <a:p>
             <a:r>
-              <a:rPr lang="en-US" dirty="0" err="1" smtClean="0"/>
-              <a:t>Packer.io</a:t>
+              <a:rPr lang="en-US" dirty="0" smtClean="0"/>
+              <a:t>Packer</a:t>
             </a:r>
             <a:endParaRPr lang="en-US" dirty="0" smtClean="0"/>
           </a:p>
@@ -7483,34 +7487,64 @@
         </p:nvSpPr>
         <p:spPr/>
         <p:txBody>
-          <a:bodyPr/>
-          <a:lstStyle/>
-          <a:p>
-            <a:r>
-              <a:rPr lang="en-US" dirty="0" smtClean="0"/>
-              <a:t>Question: Once an application is built, how do we deploy it to distributed infrastructure?</a:t>
-            </a:r>
+          <a:bodyPr>
+            <a:normAutofit fontScale="92500" lnSpcReduction="10000"/>
+          </a:bodyPr>
+          <a:lstStyle/>
+          <a:p>
+            <a:r>
+              <a:rPr lang="en-US" dirty="0" smtClean="0"/>
+              <a:t>Question: Once an application is built, how do we deploy it to distributed infrastructure</a:t>
+            </a:r>
+            <a:r>
+              <a:rPr lang="en-US" dirty="0" smtClean="0"/>
+              <a:t>?</a:t>
+            </a:r>
+          </a:p>
+          <a:p>
+            <a:endParaRPr lang="en-US" dirty="0" smtClean="0"/>
           </a:p>
           <a:p>
             <a:pPr lvl="1"/>
             <a:r>
               <a:rPr lang="en-US" dirty="0" smtClean="0"/>
-              <a:t>Strategy for deploying to 1 server very different than 100’s</a:t>
+              <a:t>Strategy for deploying to 1 server very different than </a:t>
+            </a:r>
+            <a:r>
+              <a:rPr lang="en-US" dirty="0" smtClean="0"/>
+              <a:t>100’s.</a:t>
             </a:r>
           </a:p>
           <a:p>
             <a:pPr lvl="1"/>
-            <a:r>
-              <a:rPr lang="en-US" dirty="0" smtClean="0"/>
-              <a:t>Trade-offs between deployment speed and risk</a:t>
-            </a:r>
+            <a:endParaRPr lang="en-US" dirty="0" smtClean="0"/>
           </a:p>
           <a:p>
             <a:pPr lvl="1"/>
             <a:r>
               <a:rPr lang="en-US" dirty="0" smtClean="0"/>
-              <a:t>Cloud elasticity and pricing model supports new strategies</a:t>
-            </a:r>
+              <a:t>Trade-offs between deployment speed and </a:t>
+            </a:r>
+            <a:r>
+              <a:rPr lang="en-US" dirty="0" smtClean="0"/>
+              <a:t>risk.</a:t>
+            </a:r>
+          </a:p>
+          <a:p>
+            <a:pPr lvl="1"/>
+            <a:endParaRPr lang="en-US" dirty="0" smtClean="0"/>
+          </a:p>
+          <a:p>
+            <a:pPr lvl="1"/>
+            <a:r>
+              <a:rPr lang="en-US" dirty="0" smtClean="0"/>
+              <a:t>Cloud elasticity and pricing model supports new </a:t>
+            </a:r>
+            <a:r>
+              <a:rPr lang="en-US" dirty="0" smtClean="0"/>
+              <a:t>strategies.</a:t>
+            </a:r>
+            <a:endParaRPr lang="en-US" dirty="0" smtClean="0"/>
           </a:p>
         </p:txBody>
       </p:sp>
@@ -8575,18 +8609,12 @@
         </p:spPr>
         <p:txBody>
           <a:bodyPr>
-            <a:normAutofit fontScale="92500" lnSpcReduction="20000"/>
+            <a:normAutofit fontScale="62500" lnSpcReduction="20000"/>
           </a:bodyPr>
           <a:lstStyle/>
           <a:p>
             <a:r>
               <a:rPr lang="en-US" dirty="0" smtClean="0"/>
-              <a:t>Update inventory file.</a:t>
-            </a:r>
-          </a:p>
-          <a:p>
-            <a:r>
-              <a:rPr lang="en-US" dirty="0" smtClean="0"/>
               <a:t>Run ad-hoc commands:</a:t>
             </a:r>
           </a:p>
@@ -8601,8 +8629,26 @@
             <a:pPr marL="914400" lvl="2" indent="0">
               <a:buNone/>
             </a:pPr>
-            <a:r>
-              <a:rPr lang="en-US" dirty="0" err="1" smtClean="0">
+            <a:endParaRPr lang="en-US" sz="2300" dirty="0" smtClean="0">
+              <a:latin typeface="Consolas" charset="0"/>
+              <a:ea typeface="Consolas" charset="0"/>
+              <a:cs typeface="Consolas" charset="0"/>
+            </a:endParaRPr>
+          </a:p>
+          <a:p>
+            <a:pPr marL="914400" lvl="2" indent="0">
+              <a:buNone/>
+            </a:pPr>
+            <a:r>
+              <a:rPr lang="en-US" sz="2300" dirty="0" smtClean="0">
+                <a:latin typeface="Consolas" charset="0"/>
+                <a:ea typeface="Consolas" charset="0"/>
+                <a:cs typeface="Consolas" charset="0"/>
+              </a:rPr>
+              <a:t>$ </a:t>
+            </a:r>
+            <a:r>
+              <a:rPr lang="en-US" sz="2300" dirty="0" err="1" smtClean="0">
                 <a:latin typeface="Consolas" charset="0"/>
                 <a:ea typeface="Consolas" charset="0"/>
                 <a:cs typeface="Consolas" charset="0"/>
@@ -8610,13 +8656,23 @@
               <a:t>ansible</a:t>
             </a:r>
             <a:r>
-              <a:rPr lang="en-US" dirty="0" smtClean="0">
-                <a:latin typeface="Consolas" charset="0"/>
-                <a:ea typeface="Consolas" charset="0"/>
-                <a:cs typeface="Consolas" charset="0"/>
-              </a:rPr>
-              <a:t> web –m ping</a:t>
-            </a:r>
+              <a:rPr lang="en-US" sz="2300" dirty="0" smtClean="0">
+                <a:latin typeface="Consolas" charset="0"/>
+                <a:ea typeface="Consolas" charset="0"/>
+                <a:cs typeface="Consolas" charset="0"/>
+              </a:rPr>
+              <a:t> localhost –m ping</a:t>
+            </a:r>
+          </a:p>
+          <a:p>
+            <a:pPr marL="914400" lvl="2" indent="0">
+              <a:buNone/>
+            </a:pPr>
+            <a:endParaRPr lang="en-US" sz="2300" dirty="0" smtClean="0">
+              <a:latin typeface="Consolas" charset="0"/>
+              <a:ea typeface="Consolas" charset="0"/>
+              <a:cs typeface="Consolas" charset="0"/>
+            </a:endParaRPr>
           </a:p>
           <a:p>
             <a:pPr lvl="1"/>
@@ -8624,13 +8680,34 @@
               <a:rPr lang="en-US" dirty="0" smtClean="0"/>
               <a:t>Uptime: </a:t>
             </a:r>
+            <a:endParaRPr lang="en-US" sz="2300" dirty="0" smtClean="0">
+              <a:latin typeface="Consolas" charset="0"/>
+              <a:ea typeface="Consolas" charset="0"/>
+              <a:cs typeface="Consolas" charset="0"/>
+            </a:endParaRPr>
           </a:p>
           <a:p>
             <a:pPr marL="914400" lvl="2" indent="0">
               <a:buNone/>
             </a:pPr>
             <a:r>
-              <a:rPr lang="en-US" dirty="0" err="1" smtClean="0">
+              <a:rPr lang="en-US" sz="2300" dirty="0">
+                <a:latin typeface="Consolas" charset="0"/>
+                <a:ea typeface="Consolas" charset="0"/>
+                <a:cs typeface="Consolas" charset="0"/>
+              </a:rPr>
+              <a:t>$</a:t>
+            </a:r>
+            <a:r>
+              <a:rPr lang="en-US" sz="2300" dirty="0" smtClean="0">
+                <a:latin typeface="Consolas" charset="0"/>
+                <a:ea typeface="Consolas" charset="0"/>
+                <a:cs typeface="Consolas" charset="0"/>
+              </a:rPr>
+              <a:t> </a:t>
+            </a:r>
+            <a:r>
+              <a:rPr lang="en-US" sz="2300" dirty="0" err="1" smtClean="0">
                 <a:latin typeface="Consolas" charset="0"/>
                 <a:ea typeface="Consolas" charset="0"/>
                 <a:cs typeface="Consolas" charset="0"/>
@@ -8638,13 +8715,23 @@
               <a:t>ansible</a:t>
             </a:r>
             <a:r>
-              <a:rPr lang="en-US" dirty="0" smtClean="0">
-                <a:latin typeface="Consolas" charset="0"/>
-                <a:ea typeface="Consolas" charset="0"/>
-                <a:cs typeface="Consolas" charset="0"/>
-              </a:rPr>
-              <a:t> web –a “uptime”</a:t>
-            </a:r>
+              <a:rPr lang="en-US" sz="2300" dirty="0" smtClean="0">
+                <a:latin typeface="Consolas" charset="0"/>
+                <a:ea typeface="Consolas" charset="0"/>
+                <a:cs typeface="Consolas" charset="0"/>
+              </a:rPr>
+              <a:t> localhost –a “uptime”</a:t>
+            </a:r>
+          </a:p>
+          <a:p>
+            <a:pPr marL="914400" lvl="2" indent="0">
+              <a:buNone/>
+            </a:pPr>
+            <a:endParaRPr lang="en-US" sz="2300" dirty="0" smtClean="0">
+              <a:latin typeface="Consolas" charset="0"/>
+              <a:ea typeface="Consolas" charset="0"/>
+              <a:cs typeface="Consolas" charset="0"/>
+            </a:endParaRPr>
           </a:p>
           <a:p>
             <a:pPr lvl="1"/>
@@ -8662,11 +8749,23 @@
             </a:r>
           </a:p>
           <a:p>
+            <a:pPr lvl="1"/>
+            <a:endParaRPr lang="en-US" dirty="0" smtClean="0"/>
+          </a:p>
+          <a:p>
             <a:pPr marL="914400" lvl="2" indent="0">
               <a:buNone/>
             </a:pPr>
             <a:r>
-              <a:rPr lang="en-US" sz="1900" dirty="0" err="1" smtClean="0">
+              <a:rPr lang="en-US" sz="2300" dirty="0" smtClean="0">
+                <a:latin typeface="Consolas" charset="0"/>
+                <a:ea typeface="Consolas" charset="0"/>
+                <a:cs typeface="Consolas" charset="0"/>
+              </a:rPr>
+              <a:t>$ </a:t>
+            </a:r>
+            <a:r>
+              <a:rPr lang="en-US" sz="2300" dirty="0" err="1" smtClean="0">
                 <a:latin typeface="Consolas" charset="0"/>
                 <a:ea typeface="Consolas" charset="0"/>
                 <a:cs typeface="Consolas" charset="0"/>
@@ -8674,15 +8773,15 @@
               <a:t>ansible</a:t>
             </a:r>
             <a:r>
-              <a:rPr lang="en-US" sz="1900" dirty="0" smtClean="0">
-                <a:latin typeface="Consolas" charset="0"/>
-                <a:ea typeface="Consolas" charset="0"/>
-                <a:cs typeface="Consolas" charset="0"/>
-              </a:rPr>
-              <a:t> web –m yum -a “name=</a:t>
-            </a:r>
-            <a:r>
-              <a:rPr lang="en-US" sz="1900" dirty="0" err="1" smtClean="0">
+              <a:rPr lang="en-US" sz="2300" dirty="0" smtClean="0">
+                <a:latin typeface="Consolas" charset="0"/>
+                <a:ea typeface="Consolas" charset="0"/>
+                <a:cs typeface="Consolas" charset="0"/>
+              </a:rPr>
+              <a:t> localhost –m yum --become -a “name=</a:t>
+            </a:r>
+            <a:r>
+              <a:rPr lang="en-US" sz="2300" dirty="0" err="1" smtClean="0">
                 <a:latin typeface="Consolas" charset="0"/>
                 <a:ea typeface="Consolas" charset="0"/>
                 <a:cs typeface="Consolas" charset="0"/>
@@ -8690,7 +8789,7 @@
               <a:t>nginx</a:t>
             </a:r>
             <a:r>
-              <a:rPr lang="en-US" sz="1900" dirty="0" smtClean="0">
+              <a:rPr lang="en-US" sz="2300" dirty="0" smtClean="0">
                 <a:latin typeface="Consolas" charset="0"/>
                 <a:ea typeface="Consolas" charset="0"/>
                 <a:cs typeface="Consolas" charset="0"/>
@@ -8728,6 +8827,100 @@
               <a:rPr lang="en-US" dirty="0" smtClean="0"/>
               <a:t>Manual changes to system will be removed to correct configuration drift.</a:t>
             </a:r>
+          </a:p>
+          <a:p>
+            <a:endParaRPr lang="en-US" dirty="0"/>
+          </a:p>
+          <a:p>
+            <a:r>
+              <a:rPr lang="en-US" dirty="0" smtClean="0"/>
+              <a:t>Remove </a:t>
+            </a:r>
+            <a:r>
+              <a:rPr lang="en-US" dirty="0" err="1" smtClean="0"/>
+              <a:t>nginx</a:t>
+            </a:r>
+            <a:r>
+              <a:rPr lang="en-US" dirty="0" smtClean="0"/>
+              <a:t> package:</a:t>
+            </a:r>
+          </a:p>
+          <a:p>
+            <a:endParaRPr lang="en-US" dirty="0" smtClean="0"/>
+          </a:p>
+          <a:p>
+            <a:pPr marL="457200" lvl="1" indent="0">
+              <a:buNone/>
+            </a:pPr>
+            <a:r>
+              <a:rPr lang="en-US" sz="2300" dirty="0" smtClean="0">
+                <a:latin typeface="Consolas" charset="0"/>
+                <a:ea typeface="Consolas" charset="0"/>
+                <a:cs typeface="Consolas" charset="0"/>
+              </a:rPr>
+              <a:t>$ </a:t>
+            </a:r>
+            <a:r>
+              <a:rPr lang="en-US" sz="2300" dirty="0" err="1" smtClean="0">
+                <a:latin typeface="Consolas" charset="0"/>
+                <a:ea typeface="Consolas" charset="0"/>
+                <a:cs typeface="Consolas" charset="0"/>
+              </a:rPr>
+              <a:t>ansible</a:t>
+            </a:r>
+            <a:r>
+              <a:rPr lang="en-US" sz="2300" dirty="0" smtClean="0">
+                <a:latin typeface="Consolas" charset="0"/>
+                <a:ea typeface="Consolas" charset="0"/>
+                <a:cs typeface="Consolas" charset="0"/>
+              </a:rPr>
+              <a:t> localhost –m </a:t>
+            </a:r>
+            <a:r>
+              <a:rPr lang="en-US" sz="2300" dirty="0">
+                <a:latin typeface="Consolas" charset="0"/>
+                <a:ea typeface="Consolas" charset="0"/>
+                <a:cs typeface="Consolas" charset="0"/>
+              </a:rPr>
+              <a:t>yum --become -a “name=</a:t>
+            </a:r>
+            <a:r>
+              <a:rPr lang="en-US" sz="2300" dirty="0" err="1">
+                <a:latin typeface="Consolas" charset="0"/>
+                <a:ea typeface="Consolas" charset="0"/>
+                <a:cs typeface="Consolas" charset="0"/>
+              </a:rPr>
+              <a:t>nginx</a:t>
+            </a:r>
+            <a:r>
+              <a:rPr lang="en-US" sz="2300" dirty="0">
+                <a:latin typeface="Consolas" charset="0"/>
+                <a:ea typeface="Consolas" charset="0"/>
+                <a:cs typeface="Consolas" charset="0"/>
+              </a:rPr>
+              <a:t> </a:t>
+            </a:r>
+            <a:r>
+              <a:rPr lang="en-US" sz="2300" dirty="0" smtClean="0">
+                <a:latin typeface="Consolas" charset="0"/>
+                <a:ea typeface="Consolas" charset="0"/>
+                <a:cs typeface="Consolas" charset="0"/>
+              </a:rPr>
+              <a:t>absent”</a:t>
+            </a:r>
+            <a:endParaRPr lang="en-US" sz="2300" dirty="0">
+              <a:latin typeface="Consolas" charset="0"/>
+              <a:ea typeface="Consolas" charset="0"/>
+              <a:cs typeface="Consolas" charset="0"/>
+            </a:endParaRPr>
+          </a:p>
+          <a:p>
+            <a:pPr lvl="1"/>
+            <a:endParaRPr lang="en-US" dirty="0" smtClean="0"/>
+          </a:p>
+          <a:p>
+            <a:pPr lvl="1"/>
+            <a:endParaRPr lang="en-US" dirty="0" smtClean="0"/>
           </a:p>
           <a:p>
             <a:pPr lvl="1"/>
@@ -10153,12 +10346,12 @@
         </p:spPr>
         <p:txBody>
           <a:bodyPr>
-            <a:normAutofit fontScale="85000" lnSpcReduction="20000"/>
+            <a:normAutofit fontScale="70000" lnSpcReduction="20000"/>
           </a:bodyPr>
           <a:lstStyle/>
           <a:p>
             <a:r>
-              <a:rPr lang="en-US" dirty="0" smtClean="0"/>
+              <a:rPr lang="en-US" b="1" dirty="0" smtClean="0"/>
               <a:t>Single Server Deployment</a:t>
             </a:r>
           </a:p>
@@ -10166,15 +10359,30 @@
             <a:pPr lvl="1"/>
             <a:r>
               <a:rPr lang="en-US" dirty="0" smtClean="0"/>
-              <a:t>Application is deployed to a single server</a:t>
+              <a:t>Application is deployed to a single </a:t>
+            </a:r>
+            <a:r>
+              <a:rPr lang="en-US" dirty="0" smtClean="0"/>
+              <a:t>server.</a:t>
             </a:r>
           </a:p>
           <a:p>
             <a:pPr lvl="1"/>
-            <a:r>
-              <a:rPr lang="en-US" dirty="0" smtClean="0"/>
-              <a:t>Very common for testing and small production applications</a:t>
-            </a:r>
+            <a:endParaRPr lang="en-US" dirty="0" smtClean="0"/>
+          </a:p>
+          <a:p>
+            <a:pPr lvl="1"/>
+            <a:r>
+              <a:rPr lang="en-US" dirty="0" smtClean="0"/>
+              <a:t>Very common for testing and small production </a:t>
+            </a:r>
+            <a:r>
+              <a:rPr lang="en-US" dirty="0" smtClean="0"/>
+              <a:t>applications.</a:t>
+            </a:r>
+          </a:p>
+          <a:p>
+            <a:pPr lvl="1"/>
             <a:endParaRPr lang="en-US" dirty="0"/>
           </a:p>
           <a:p>
@@ -10188,8 +10396,16 @@
             <a:pPr lvl="2"/>
             <a:r>
               <a:rPr lang="en-US" dirty="0" smtClean="0"/>
-              <a:t>Easy and quick to deploy app on a single server</a:t>
-            </a:r>
+              <a:t>Easy and quick to deploy app on a single </a:t>
+            </a:r>
+            <a:r>
+              <a:rPr lang="en-US" dirty="0" smtClean="0"/>
+              <a:t>server.</a:t>
+            </a:r>
+          </a:p>
+          <a:p>
+            <a:pPr lvl="2"/>
+            <a:endParaRPr lang="en-US" dirty="0" smtClean="0"/>
           </a:p>
           <a:p>
             <a:pPr lvl="1"/>
@@ -14998,7 +15214,7 @@
           <a:lstStyle/>
           <a:p>
             <a:r>
-              <a:rPr lang="en-US" dirty="0" smtClean="0"/>
+              <a:rPr lang="en-US" b="1" dirty="0" smtClean="0"/>
               <a:t>Big Bang Deployment</a:t>
             </a:r>
           </a:p>
@@ -15006,8 +15222,13 @@
             <a:pPr lvl="1"/>
             <a:r>
               <a:rPr lang="en-US" dirty="0" smtClean="0"/>
-              <a:t>Application is deployed to all servers at once</a:t>
-            </a:r>
+              <a:t>Application is deployed to all servers at </a:t>
+            </a:r>
+            <a:r>
+              <a:rPr lang="en-US" dirty="0" smtClean="0"/>
+              <a:t>once.</a:t>
+            </a:r>
+            <a:endParaRPr lang="en-US" dirty="0" smtClean="0"/>
           </a:p>
           <a:p>
             <a:pPr lvl="1"/>
@@ -15028,8 +15249,13 @@
             <a:pPr lvl="2"/>
             <a:r>
               <a:rPr lang="en-US" dirty="0" smtClean="0"/>
-              <a:t>Quick to deploy app on multiple servers, though requires orchestration</a:t>
-            </a:r>
+              <a:t>Quick to deploy app on multiple servers, though requires </a:t>
+            </a:r>
+            <a:r>
+              <a:rPr lang="en-US" dirty="0" smtClean="0"/>
+              <a:t>orchestration.</a:t>
+            </a:r>
+            <a:endParaRPr lang="en-US" dirty="0" smtClean="0"/>
           </a:p>
           <a:p>
             <a:pPr lvl="1"/>
@@ -15042,22 +15268,37 @@
             <a:pPr lvl="2"/>
             <a:r>
               <a:rPr lang="en-US" dirty="0" smtClean="0"/>
-              <a:t>Service outage occurs during app deployment</a:t>
-            </a:r>
+              <a:t>Service outage occurs during app </a:t>
+            </a:r>
+            <a:r>
+              <a:rPr lang="en-US" dirty="0" smtClean="0"/>
+              <a:t>deployment.</a:t>
+            </a:r>
+            <a:endParaRPr lang="en-US" dirty="0" smtClean="0"/>
           </a:p>
           <a:p>
             <a:pPr lvl="2"/>
             <a:r>
               <a:rPr lang="en-US" dirty="0" smtClean="0"/>
-              <a:t>No ability to test app in production before deployment</a:t>
-            </a:r>
+              <a:t>No ability to test app in production before </a:t>
+            </a:r>
+            <a:r>
+              <a:rPr lang="en-US" dirty="0" smtClean="0"/>
+              <a:t>deployment.</a:t>
+            </a:r>
+            <a:endParaRPr lang="en-US" dirty="0" smtClean="0"/>
           </a:p>
           <a:p>
             <a:pPr lvl="2"/>
             <a:r>
               <a:rPr lang="en-US" dirty="0" smtClean="0"/>
-              <a:t>Rolling back app requires complete reinstallation</a:t>
-            </a:r>
+              <a:t>Rolling back app requires complete </a:t>
+            </a:r>
+            <a:r>
+              <a:rPr lang="en-US" dirty="0" smtClean="0"/>
+              <a:t>reinstallation.</a:t>
+            </a:r>
+            <a:endParaRPr lang="en-US" dirty="0" smtClean="0"/>
           </a:p>
         </p:txBody>
       </p:sp>
@@ -18007,13 +18248,197 @@
         </p:spPr>
         <p:txBody>
           <a:bodyPr>
-            <a:normAutofit/>
+            <a:normAutofit fontScale="92500" lnSpcReduction="20000"/>
           </a:bodyPr>
           <a:lstStyle/>
           <a:p>
-            <a:pPr marL="0" indent="0">
-              <a:buNone/>
-            </a:pPr>
+            <a:r>
+              <a:rPr lang="en-US" dirty="0" smtClean="0"/>
+              <a:t>Launch two RHEL7 EC2 instances using Terraform.</a:t>
+            </a:r>
+          </a:p>
+          <a:p>
+            <a:pPr marL="457200" lvl="1" indent="0">
+              <a:buNone/>
+            </a:pPr>
+            <a:r>
+              <a:rPr lang="en-US" dirty="0" smtClean="0">
+                <a:latin typeface="Consolas" charset="0"/>
+                <a:ea typeface="Consolas" charset="0"/>
+                <a:cs typeface="Consolas" charset="0"/>
+              </a:rPr>
+              <a:t>$ terraform plan</a:t>
+            </a:r>
+          </a:p>
+          <a:p>
+            <a:pPr marL="457200" lvl="1" indent="0">
+              <a:buNone/>
+            </a:pPr>
+            <a:r>
+              <a:rPr lang="en-US" dirty="0" smtClean="0">
+                <a:latin typeface="Consolas" charset="0"/>
+                <a:ea typeface="Consolas" charset="0"/>
+                <a:cs typeface="Consolas" charset="0"/>
+              </a:rPr>
+              <a:t>$ terraform apply</a:t>
+            </a:r>
+          </a:p>
+          <a:p>
+            <a:pPr lvl="1"/>
+            <a:endParaRPr lang="en-US" dirty="0" smtClean="0"/>
+          </a:p>
+          <a:p>
+            <a:r>
+              <a:rPr lang="en-US" dirty="0" smtClean="0"/>
+              <a:t>Review </a:t>
+            </a:r>
+            <a:r>
+              <a:rPr lang="en-US" dirty="0" err="1" smtClean="0"/>
+              <a:t>Ansible</a:t>
+            </a:r>
+            <a:r>
+              <a:rPr lang="en-US" dirty="0" smtClean="0"/>
+              <a:t> playbook and role.</a:t>
+            </a:r>
+          </a:p>
+          <a:p>
+            <a:endParaRPr lang="en-US" dirty="0" smtClean="0"/>
+          </a:p>
+          <a:p>
+            <a:r>
+              <a:rPr lang="en-US" dirty="0" smtClean="0"/>
+              <a:t>Execute </a:t>
+            </a:r>
+            <a:r>
+              <a:rPr lang="en-US" dirty="0" err="1" smtClean="0"/>
+              <a:t>Ansible</a:t>
+            </a:r>
+            <a:r>
+              <a:rPr lang="en-US" dirty="0" smtClean="0"/>
+              <a:t> playbook using dynamic inventory script.</a:t>
+            </a:r>
+          </a:p>
+          <a:p>
+            <a:pPr marL="0" indent="0">
+              <a:buNone/>
+            </a:pPr>
+            <a:endParaRPr lang="en-US" sz="2000" dirty="0" smtClean="0">
+              <a:latin typeface="Consolas" charset="0"/>
+              <a:ea typeface="Consolas" charset="0"/>
+              <a:cs typeface="Consolas" charset="0"/>
+            </a:endParaRPr>
+          </a:p>
+          <a:p>
+            <a:pPr marL="0" indent="0">
+              <a:buNone/>
+            </a:pPr>
+            <a:r>
+              <a:rPr lang="en-US" sz="2000" dirty="0">
+                <a:latin typeface="Consolas" charset="0"/>
+                <a:ea typeface="Consolas" charset="0"/>
+                <a:cs typeface="Consolas" charset="0"/>
+              </a:rPr>
+              <a:t>	</a:t>
+            </a:r>
+            <a:r>
+              <a:rPr lang="en-US" sz="2000" dirty="0" smtClean="0">
+                <a:latin typeface="Consolas" charset="0"/>
+                <a:ea typeface="Consolas" charset="0"/>
+                <a:cs typeface="Consolas" charset="0"/>
+              </a:rPr>
+              <a:t>$ </a:t>
+            </a:r>
+            <a:r>
+              <a:rPr lang="en-US" sz="2000" dirty="0" err="1" smtClean="0">
+                <a:latin typeface="Consolas" charset="0"/>
+                <a:ea typeface="Consolas" charset="0"/>
+                <a:cs typeface="Consolas" charset="0"/>
+              </a:rPr>
+              <a:t>ansible</a:t>
+            </a:r>
+            <a:r>
+              <a:rPr lang="en-US" sz="2000" dirty="0" smtClean="0">
+                <a:latin typeface="Consolas" charset="0"/>
+                <a:ea typeface="Consolas" charset="0"/>
+                <a:cs typeface="Consolas" charset="0"/>
+              </a:rPr>
+              <a:t>-playbook </a:t>
+            </a:r>
+            <a:r>
+              <a:rPr lang="en-US" sz="2000" dirty="0">
+                <a:latin typeface="Consolas" charset="0"/>
+                <a:ea typeface="Consolas" charset="0"/>
+                <a:cs typeface="Consolas" charset="0"/>
+              </a:rPr>
+              <a:t>-</a:t>
+            </a:r>
+            <a:r>
+              <a:rPr lang="en-US" sz="2000" dirty="0" err="1">
+                <a:latin typeface="Consolas" charset="0"/>
+                <a:ea typeface="Consolas" charset="0"/>
+                <a:cs typeface="Consolas" charset="0"/>
+              </a:rPr>
+              <a:t>i</a:t>
+            </a:r>
+            <a:r>
+              <a:rPr lang="en-US" sz="2000" dirty="0">
+                <a:latin typeface="Consolas" charset="0"/>
+                <a:ea typeface="Consolas" charset="0"/>
+                <a:cs typeface="Consolas" charset="0"/>
+              </a:rPr>
+              <a:t> </a:t>
+            </a:r>
+            <a:r>
+              <a:rPr lang="en-US" sz="2000" dirty="0" err="1">
+                <a:latin typeface="Consolas" charset="0"/>
+                <a:ea typeface="Consolas" charset="0"/>
+                <a:cs typeface="Consolas" charset="0"/>
+              </a:rPr>
+              <a:t>terraform.py</a:t>
+            </a:r>
+            <a:r>
+              <a:rPr lang="en-US" sz="2000" dirty="0">
+                <a:latin typeface="Consolas" charset="0"/>
+                <a:ea typeface="Consolas" charset="0"/>
+                <a:cs typeface="Consolas" charset="0"/>
+              </a:rPr>
+              <a:t> </a:t>
+            </a:r>
+            <a:r>
+              <a:rPr lang="en-US" sz="2000" dirty="0" err="1" smtClean="0">
+                <a:latin typeface="Consolas" charset="0"/>
+                <a:ea typeface="Consolas" charset="0"/>
+                <a:cs typeface="Consolas" charset="0"/>
+              </a:rPr>
+              <a:t>site.yml</a:t>
+            </a:r>
+            <a:endParaRPr lang="en-US" sz="2000" dirty="0" smtClean="0">
+              <a:latin typeface="Consolas" charset="0"/>
+              <a:ea typeface="Consolas" charset="0"/>
+              <a:cs typeface="Consolas" charset="0"/>
+            </a:endParaRPr>
+          </a:p>
+          <a:p>
+            <a:pPr marL="0" indent="0">
+              <a:buNone/>
+            </a:pPr>
+            <a:endParaRPr lang="en-US" sz="2000" dirty="0" smtClean="0"/>
+          </a:p>
+          <a:p>
+            <a:r>
+              <a:rPr lang="en-US" dirty="0" smtClean="0"/>
+              <a:t>Watch script install full </a:t>
+            </a:r>
+            <a:r>
+              <a:rPr lang="en-US" dirty="0" err="1" smtClean="0"/>
+              <a:t>Wordpress</a:t>
+            </a:r>
+            <a:r>
+              <a:rPr lang="en-US" dirty="0" smtClean="0"/>
+              <a:t> application stack on each instance.</a:t>
+            </a:r>
+          </a:p>
+          <a:p>
             <a:endParaRPr lang="en-US" dirty="0"/>
           </a:p>
           <a:p>
@@ -18259,6 +18684,37 @@
             <a:endParaRPr lang="en-US" dirty="0"/>
           </a:p>
           <a:p>
+            <a:r>
+              <a:rPr lang="en-US" dirty="0" err="1" smtClean="0"/>
+              <a:t>Ansible</a:t>
+            </a:r>
+            <a:r>
+              <a:rPr lang="en-US" smtClean="0"/>
+              <a:t> Absolute Basic </a:t>
+            </a:r>
+            <a:r>
+              <a:rPr lang="en-US" dirty="0" smtClean="0"/>
+              <a:t>Overview video:</a:t>
+            </a:r>
+          </a:p>
+          <a:p>
+            <a:pPr lvl="1"/>
+            <a:r>
+              <a:rPr lang="en-US" sz="2000" dirty="0">
+                <a:hlinkClick r:id="rId4"/>
+              </a:rPr>
+              <a:t>https://</a:t>
+            </a:r>
+            <a:r>
+              <a:rPr lang="en-US" sz="2000" dirty="0" smtClean="0">
+                <a:hlinkClick r:id="rId4"/>
+              </a:rPr>
+              <a:t>www.youtube.com/watch?v=MfoAb50Br94</a:t>
+            </a:r>
+            <a:endParaRPr lang="en-US" sz="2000" dirty="0" smtClean="0"/>
+          </a:p>
+          <a:p>
+            <a:pPr lvl="1"/>
             <a:endParaRPr lang="en-US" dirty="0"/>
           </a:p>
         </p:txBody>
@@ -18339,7 +18795,7 @@
           <a:lstStyle/>
           <a:p>
             <a:r>
-              <a:rPr lang="en-US" dirty="0" smtClean="0"/>
+              <a:rPr lang="en-US" b="1" dirty="0" smtClean="0"/>
               <a:t>Minimum-in-service Deployment</a:t>
             </a:r>
           </a:p>
@@ -18347,8 +18803,13 @@
             <a:pPr lvl="1"/>
             <a:r>
               <a:rPr lang="en-US" dirty="0" smtClean="0"/>
-              <a:t>Application is deployed in multiple stages with a minimum set of servers supporting service</a:t>
-            </a:r>
+              <a:t>Application is deployed in multiple stages with a minimum set of servers supporting </a:t>
+            </a:r>
+            <a:r>
+              <a:rPr lang="en-US" dirty="0" smtClean="0"/>
+              <a:t>service.</a:t>
+            </a:r>
+            <a:endParaRPr lang="en-US" dirty="0" smtClean="0"/>
           </a:p>
           <a:p>
             <a:pPr lvl="1"/>
@@ -19828,7 +20289,7 @@
           <a:lstStyle/>
           <a:p>
             <a:r>
-              <a:rPr lang="en-US" dirty="0" smtClean="0"/>
+              <a:rPr lang="en-US" b="1" dirty="0" smtClean="0"/>
               <a:t>Rolling (Canary) Deployment</a:t>
             </a:r>
           </a:p>
@@ -19836,8 +20297,13 @@
             <a:pPr lvl="1"/>
             <a:r>
               <a:rPr lang="en-US" dirty="0" smtClean="0"/>
-              <a:t>Application is deployed to a specified number of servers at each stage</a:t>
-            </a:r>
+              <a:t>Application is deployed to a specified number of servers at each </a:t>
+            </a:r>
+            <a:r>
+              <a:rPr lang="en-US" dirty="0" smtClean="0"/>
+              <a:t>stage</a:t>
+            </a:r>
+            <a:endParaRPr lang="en-US" dirty="0" smtClean="0"/>
           </a:p>
           <a:p>
             <a:pPr lvl="1"/>
@@ -21259,7 +21725,7 @@
           <a:lstStyle/>
           <a:p>
             <a:r>
-              <a:rPr lang="en-US" dirty="0" smtClean="0"/>
+              <a:rPr lang="en-US" b="1" dirty="0" smtClean="0"/>
               <a:t>Blue Green Deployment</a:t>
             </a:r>
           </a:p>
@@ -21267,8 +21733,13 @@
             <a:pPr lvl="1"/>
             <a:r>
               <a:rPr lang="en-US" dirty="0" smtClean="0"/>
-              <a:t>Application is deployed to a completely new production environment in parallel</a:t>
-            </a:r>
+              <a:t>Application is deployed to a completely new production environment in </a:t>
+            </a:r>
+            <a:r>
+              <a:rPr lang="en-US" dirty="0" smtClean="0"/>
+              <a:t>parallel.</a:t>
+            </a:r>
+            <a:endParaRPr lang="en-US" dirty="0" smtClean="0"/>
           </a:p>
           <a:p>
             <a:pPr lvl="1"/>

--- a/lectures/infrastructure-week-10.pptx
+++ b/lectures/infrastructure-week-10.pptx
@@ -267,7 +267,7 @@
           <a:p>
             <a:fld id="{EAA08BAD-04ED-244C-92B6-E3671520D864}" type="datetimeFigureOut">
               <a:rPr lang="en-US" smtClean="0"/>
-              <a:t>11/12/16</a:t>
+              <a:t>11/14/16</a:t>
             </a:fld>
             <a:endParaRPr lang="en-US"/>
           </a:p>
@@ -716,7 +716,7 @@
           <a:p>
             <a:fld id="{972605B8-2E90-124E-924E-6F58993143C6}" type="datetimeFigureOut">
               <a:rPr lang="en-US" smtClean="0"/>
-              <a:t>11/8/16</a:t>
+              <a:t>11/14/16</a:t>
             </a:fld>
             <a:endParaRPr lang="en-US"/>
           </a:p>
@@ -886,7 +886,7 @@
           <a:p>
             <a:fld id="{972605B8-2E90-124E-924E-6F58993143C6}" type="datetimeFigureOut">
               <a:rPr lang="en-US" smtClean="0"/>
-              <a:t>11/8/16</a:t>
+              <a:t>11/14/16</a:t>
             </a:fld>
             <a:endParaRPr lang="en-US"/>
           </a:p>
@@ -1066,7 +1066,7 @@
           <a:p>
             <a:fld id="{972605B8-2E90-124E-924E-6F58993143C6}" type="datetimeFigureOut">
               <a:rPr lang="en-US" smtClean="0"/>
-              <a:t>11/8/16</a:t>
+              <a:t>11/14/16</a:t>
             </a:fld>
             <a:endParaRPr lang="en-US"/>
           </a:p>
@@ -1236,7 +1236,7 @@
           <a:p>
             <a:fld id="{972605B8-2E90-124E-924E-6F58993143C6}" type="datetimeFigureOut">
               <a:rPr lang="en-US" smtClean="0"/>
-              <a:t>11/8/16</a:t>
+              <a:t>11/14/16</a:t>
             </a:fld>
             <a:endParaRPr lang="en-US"/>
           </a:p>
@@ -1482,7 +1482,7 @@
           <a:p>
             <a:fld id="{972605B8-2E90-124E-924E-6F58993143C6}" type="datetimeFigureOut">
               <a:rPr lang="en-US" smtClean="0"/>
-              <a:t>11/8/16</a:t>
+              <a:t>11/14/16</a:t>
             </a:fld>
             <a:endParaRPr lang="en-US"/>
           </a:p>
@@ -1770,7 +1770,7 @@
           <a:p>
             <a:fld id="{972605B8-2E90-124E-924E-6F58993143C6}" type="datetimeFigureOut">
               <a:rPr lang="en-US" smtClean="0"/>
-              <a:t>11/8/16</a:t>
+              <a:t>11/14/16</a:t>
             </a:fld>
             <a:endParaRPr lang="en-US"/>
           </a:p>
@@ -2192,7 +2192,7 @@
           <a:p>
             <a:fld id="{972605B8-2E90-124E-924E-6F58993143C6}" type="datetimeFigureOut">
               <a:rPr lang="en-US" smtClean="0"/>
-              <a:t>11/8/16</a:t>
+              <a:t>11/14/16</a:t>
             </a:fld>
             <a:endParaRPr lang="en-US"/>
           </a:p>
@@ -2310,7 +2310,7 @@
           <a:p>
             <a:fld id="{972605B8-2E90-124E-924E-6F58993143C6}" type="datetimeFigureOut">
               <a:rPr lang="en-US" smtClean="0"/>
-              <a:t>11/8/16</a:t>
+              <a:t>11/14/16</a:t>
             </a:fld>
             <a:endParaRPr lang="en-US"/>
           </a:p>
@@ -2405,7 +2405,7 @@
           <a:p>
             <a:fld id="{972605B8-2E90-124E-924E-6F58993143C6}" type="datetimeFigureOut">
               <a:rPr lang="en-US" smtClean="0"/>
-              <a:t>11/8/16</a:t>
+              <a:t>11/14/16</a:t>
             </a:fld>
             <a:endParaRPr lang="en-US"/>
           </a:p>
@@ -2682,7 +2682,7 @@
           <a:p>
             <a:fld id="{972605B8-2E90-124E-924E-6F58993143C6}" type="datetimeFigureOut">
               <a:rPr lang="en-US" smtClean="0"/>
-              <a:t>11/8/16</a:t>
+              <a:t>11/14/16</a:t>
             </a:fld>
             <a:endParaRPr lang="en-US"/>
           </a:p>
@@ -2935,7 +2935,7 @@
           <a:p>
             <a:fld id="{972605B8-2E90-124E-924E-6F58993143C6}" type="datetimeFigureOut">
               <a:rPr lang="en-US" smtClean="0"/>
-              <a:t>11/8/16</a:t>
+              <a:t>11/14/16</a:t>
             </a:fld>
             <a:endParaRPr lang="en-US"/>
           </a:p>
@@ -3148,7 +3148,7 @@
           <a:p>
             <a:fld id="{972605B8-2E90-124E-924E-6F58993143C6}" type="datetimeFigureOut">
               <a:rPr lang="en-US" smtClean="0"/>
-              <a:t>11/8/16</a:t>
+              <a:t>11/14/16</a:t>
             </a:fld>
             <a:endParaRPr lang="en-US"/>
           </a:p>
@@ -3676,6 +3676,13 @@
   <p:clrMapOvr>
     <a:masterClrMapping/>
   </p:clrMapOvr>
+  <p:timing>
+    <p:tnLst>
+      <p:par>
+        <p:cTn id="1" dur="indefinite" restart="never" nodeType="tmRoot"/>
+      </p:par>
+    </p:tnLst>
+  </p:timing>
 </p:sld>
 </file>
 
@@ -3884,6 +3891,13 @@
   <p:clrMapOvr>
     <a:masterClrMapping/>
   </p:clrMapOvr>
+  <p:timing>
+    <p:tnLst>
+      <p:par>
+        <p:cTn id="1" dur="indefinite" restart="never" nodeType="tmRoot"/>
+      </p:par>
+    </p:tnLst>
+  </p:timing>
 </p:sld>
 </file>
 
@@ -4060,6 +4074,13 @@
   <p:clrMapOvr>
     <a:masterClrMapping/>
   </p:clrMapOvr>
+  <p:timing>
+    <p:tnLst>
+      <p:par>
+        <p:cTn id="1" dur="indefinite" restart="never" nodeType="tmRoot"/>
+      </p:par>
+    </p:tnLst>
+  </p:timing>
 </p:sld>
 </file>
 
@@ -4220,6 +4241,13 @@
   <p:clrMapOvr>
     <a:masterClrMapping/>
   </p:clrMapOvr>
+  <p:timing>
+    <p:tnLst>
+      <p:par>
+        <p:cTn id="1" dur="indefinite" restart="never" nodeType="tmRoot"/>
+      </p:par>
+    </p:tnLst>
+  </p:timing>
 </p:sld>
 </file>
 
@@ -4426,6 +4454,13 @@
   <p:clrMapOvr>
     <a:masterClrMapping/>
   </p:clrMapOvr>
+  <p:timing>
+    <p:tnLst>
+      <p:par>
+        <p:cTn id="1" dur="indefinite" restart="never" nodeType="tmRoot"/>
+      </p:par>
+    </p:tnLst>
+  </p:timing>
 </p:sld>
 </file>
 
@@ -4579,6 +4614,13 @@
   <p:clrMapOvr>
     <a:masterClrMapping/>
   </p:clrMapOvr>
+  <p:timing>
+    <p:tnLst>
+      <p:par>
+        <p:cTn id="1" dur="indefinite" restart="never" nodeType="tmRoot"/>
+      </p:par>
+    </p:tnLst>
+  </p:timing>
 </p:sld>
 </file>
 
@@ -4751,6 +4793,13 @@
   <p:clrMapOvr>
     <a:masterClrMapping/>
   </p:clrMapOvr>
+  <p:timing>
+    <p:tnLst>
+      <p:par>
+        <p:cTn id="1" dur="indefinite" restart="never" nodeType="tmRoot"/>
+      </p:par>
+    </p:tnLst>
+  </p:timing>
 </p:sld>
 </file>
 
@@ -4929,6 +4978,13 @@
   <p:clrMapOvr>
     <a:masterClrMapping/>
   </p:clrMapOvr>
+  <p:timing>
+    <p:tnLst>
+      <p:par>
+        <p:cTn id="1" dur="indefinite" restart="never" nodeType="tmRoot"/>
+      </p:par>
+    </p:tnLst>
+  </p:timing>
 </p:sld>
 </file>
 
@@ -5114,6 +5170,13 @@
   <p:clrMapOvr>
     <a:masterClrMapping/>
   </p:clrMapOvr>
+  <p:timing>
+    <p:tnLst>
+      <p:par>
+        <p:cTn id="1" dur="indefinite" restart="never" nodeType="tmRoot"/>
+      </p:par>
+    </p:tnLst>
+  </p:timing>
 </p:sld>
 </file>
 
@@ -5316,6 +5379,13 @@
   <p:clrMapOvr>
     <a:masterClrMapping/>
   </p:clrMapOvr>
+  <p:timing>
+    <p:tnLst>
+      <p:par>
+        <p:cTn id="1" dur="indefinite" restart="never" nodeType="tmRoot"/>
+      </p:par>
+    </p:tnLst>
+  </p:timing>
 </p:sld>
 </file>
 
@@ -5397,6 +5467,13 @@
   <p:clrMapOvr>
     <a:masterClrMapping/>
   </p:clrMapOvr>
+  <p:timing>
+    <p:tnLst>
+      <p:par>
+        <p:cTn id="1" dur="indefinite" restart="never" nodeType="tmRoot"/>
+      </p:par>
+    </p:tnLst>
+  </p:timing>
 </p:sld>
 </file>
 
@@ -5471,7 +5548,6 @@
               <a:rPr lang="en-US" dirty="0" smtClean="0"/>
               <a:t>Packer</a:t>
             </a:r>
-            <a:endParaRPr lang="en-US" dirty="0" smtClean="0"/>
           </a:p>
           <a:p>
             <a:r>
@@ -5498,6 +5574,13 @@
   <p:clrMapOvr>
     <a:masterClrMapping/>
   </p:clrMapOvr>
+  <p:timing>
+    <p:tnLst>
+      <p:par>
+        <p:cTn id="1" dur="indefinite" restart="never" nodeType="tmRoot"/>
+      </p:par>
+    </p:tnLst>
+  </p:timing>
 </p:sld>
 </file>
 
@@ -5687,6 +5770,13 @@
   <p:clrMapOvr>
     <a:masterClrMapping/>
   </p:clrMapOvr>
+  <p:timing>
+    <p:tnLst>
+      <p:par>
+        <p:cTn id="1" dur="indefinite" restart="never" nodeType="tmRoot"/>
+      </p:par>
+    </p:tnLst>
+  </p:timing>
 </p:sld>
 </file>
 
@@ -5764,6 +5854,13 @@
   <p:clrMapOvr>
     <a:masterClrMapping/>
   </p:clrMapOvr>
+  <p:timing>
+    <p:tnLst>
+      <p:par>
+        <p:cTn id="1" dur="indefinite" restart="never" nodeType="tmRoot"/>
+      </p:par>
+    </p:tnLst>
+  </p:timing>
 </p:sld>
 </file>
 
@@ -5842,11 +5939,7 @@
             </a:r>
             <a:r>
               <a:rPr lang="en-US" dirty="0" smtClean="0"/>
-              <a:t>, to store a list of </a:t>
-            </a:r>
-            <a:r>
-              <a:rPr lang="en-US" dirty="0" smtClean="0"/>
-              <a:t>systems that may be configured.</a:t>
+              <a:t>, to store a list of systems that may be configured.</a:t>
             </a:r>
           </a:p>
           <a:p>
@@ -6078,6 +6171,13 @@
   <p:clrMapOvr>
     <a:masterClrMapping/>
   </p:clrMapOvr>
+  <p:timing>
+    <p:tnLst>
+      <p:par>
+        <p:cTn id="1" dur="indefinite" restart="never" nodeType="tmRoot"/>
+      </p:par>
+    </p:tnLst>
+  </p:timing>
 </p:sld>
 </file>
 
@@ -6140,15 +6240,7 @@
           <a:p>
             <a:r>
               <a:rPr lang="en-US" dirty="0" smtClean="0"/>
-              <a:t>Variables </a:t>
-            </a:r>
-            <a:r>
-              <a:rPr lang="en-US" dirty="0" smtClean="0"/>
-              <a:t>hold values that hosts or groups of hosts can use for configuration</a:t>
-            </a:r>
-            <a:r>
-              <a:rPr lang="en-US" dirty="0" smtClean="0"/>
-              <a:t>.</a:t>
+              <a:t>Variables hold values that hosts or groups of hosts can use for configuration.</a:t>
             </a:r>
           </a:p>
           <a:p>
@@ -6172,11 +6264,7 @@
             </a:r>
             <a:r>
               <a:rPr lang="en-US" dirty="0" smtClean="0"/>
-              <a:t> </a:t>
-            </a:r>
-            <a:r>
-              <a:rPr lang="en-US" dirty="0" smtClean="0"/>
-              <a:t>or </a:t>
+              <a:t> or </a:t>
             </a:r>
             <a:r>
               <a:rPr lang="en-US" b="1" dirty="0" err="1" smtClean="0"/>
@@ -6188,13 +6276,8 @@
             </a:r>
             <a:r>
               <a:rPr lang="en-US" dirty="0" smtClean="0"/>
-              <a:t>directories), command line, or using facts</a:t>
-            </a:r>
-            <a:r>
-              <a:rPr lang="en-US" dirty="0" smtClean="0"/>
-              <a:t>.</a:t>
-            </a:r>
-            <a:endParaRPr lang="en-US" dirty="0" smtClean="0"/>
+              <a:t>directories), command line, or using facts.</a:t>
+            </a:r>
           </a:p>
           <a:p>
             <a:endParaRPr lang="en-US" dirty="0" smtClean="0"/>
@@ -6338,6 +6421,13 @@
   <p:clrMapOvr>
     <a:masterClrMapping/>
   </p:clrMapOvr>
+  <p:timing>
+    <p:tnLst>
+      <p:par>
+        <p:cTn id="1" dur="indefinite" restart="never" nodeType="tmRoot"/>
+      </p:par>
+    </p:tnLst>
+  </p:timing>
 </p:sld>
 </file>
 
@@ -6538,6 +6628,13 @@
   <p:clrMapOvr>
     <a:masterClrMapping/>
   </p:clrMapOvr>
+  <p:timing>
+    <p:tnLst>
+      <p:par>
+        <p:cTn id="1" dur="indefinite" restart="never" nodeType="tmRoot"/>
+      </p:par>
+    </p:tnLst>
+  </p:timing>
 </p:sld>
 </file>
 
@@ -6814,6 +6911,13 @@
   <p:clrMapOvr>
     <a:masterClrMapping/>
   </p:clrMapOvr>
+  <p:timing>
+    <p:tnLst>
+      <p:par>
+        <p:cTn id="1" dur="indefinite" restart="never" nodeType="tmRoot"/>
+      </p:par>
+    </p:tnLst>
+  </p:timing>
 </p:sld>
 </file>
 
@@ -7014,6 +7118,13 @@
   <p:clrMapOvr>
     <a:masterClrMapping/>
   </p:clrMapOvr>
+  <p:timing>
+    <p:tnLst>
+      <p:par>
+        <p:cTn id="1" dur="indefinite" restart="never" nodeType="tmRoot"/>
+      </p:par>
+    </p:tnLst>
+  </p:timing>
 </p:sld>
 </file>
 
@@ -7147,6 +7258,13 @@
   <p:clrMapOvr>
     <a:masterClrMapping/>
   </p:clrMapOvr>
+  <p:timing>
+    <p:tnLst>
+      <p:par>
+        <p:cTn id="1" dur="indefinite" restart="never" nodeType="tmRoot"/>
+      </p:par>
+    </p:tnLst>
+  </p:timing>
 </p:sld>
 </file>
 
@@ -7285,6 +7403,13 @@
   <p:clrMapOvr>
     <a:masterClrMapping/>
   </p:clrMapOvr>
+  <p:timing>
+    <p:tnLst>
+      <p:par>
+        <p:cTn id="1" dur="indefinite" restart="never" nodeType="tmRoot"/>
+      </p:par>
+    </p:tnLst>
+  </p:timing>
 </p:sld>
 </file>
 
@@ -7432,6 +7557,13 @@
   <p:clrMapOvr>
     <a:masterClrMapping/>
   </p:clrMapOvr>
+  <p:timing>
+    <p:tnLst>
+      <p:par>
+        <p:cTn id="1" dur="indefinite" restart="never" nodeType="tmRoot"/>
+      </p:par>
+    </p:tnLst>
+  </p:timing>
 </p:sld>
 </file>
 
@@ -7494,11 +7626,7 @@
           <a:p>
             <a:r>
               <a:rPr lang="en-US" dirty="0" smtClean="0"/>
-              <a:t>Question: Once an application is built, how do we deploy it to distributed infrastructure</a:t>
-            </a:r>
-            <a:r>
-              <a:rPr lang="en-US" dirty="0" smtClean="0"/>
-              <a:t>?</a:t>
+              <a:t>Question: Once an application is built, how do we deploy it to distributed infrastructure?</a:t>
             </a:r>
           </a:p>
           <a:p>
@@ -7508,11 +7636,7 @@
             <a:pPr lvl="1"/>
             <a:r>
               <a:rPr lang="en-US" dirty="0" smtClean="0"/>
-              <a:t>Strategy for deploying to 1 server very different than </a:t>
-            </a:r>
-            <a:r>
-              <a:rPr lang="en-US" dirty="0" smtClean="0"/>
-              <a:t>100’s.</a:t>
+              <a:t>Strategy for deploying to 1 server very different than 100’s.</a:t>
             </a:r>
           </a:p>
           <a:p>
@@ -7523,11 +7647,7 @@
             <a:pPr lvl="1"/>
             <a:r>
               <a:rPr lang="en-US" dirty="0" smtClean="0"/>
-              <a:t>Trade-offs between deployment speed and </a:t>
-            </a:r>
-            <a:r>
-              <a:rPr lang="en-US" dirty="0" smtClean="0"/>
-              <a:t>risk.</a:t>
+              <a:t>Trade-offs between deployment speed and risk.</a:t>
             </a:r>
           </a:p>
           <a:p>
@@ -7538,13 +7658,8 @@
             <a:pPr lvl="1"/>
             <a:r>
               <a:rPr lang="en-US" dirty="0" smtClean="0"/>
-              <a:t>Cloud elasticity and pricing model supports new </a:t>
-            </a:r>
-            <a:r>
-              <a:rPr lang="en-US" dirty="0" smtClean="0"/>
-              <a:t>strategies.</a:t>
-            </a:r>
-            <a:endParaRPr lang="en-US" dirty="0" smtClean="0"/>
+              <a:t>Cloud elasticity and pricing model supports new strategies.</a:t>
+            </a:r>
           </a:p>
         </p:txBody>
       </p:sp>
@@ -7558,6 +7673,13 @@
   <p:clrMapOvr>
     <a:masterClrMapping/>
   </p:clrMapOvr>
+  <p:timing>
+    <p:tnLst>
+      <p:par>
+        <p:cTn id="1" dur="indefinite" restart="never" nodeType="tmRoot"/>
+      </p:par>
+    </p:tnLst>
+  </p:timing>
 </p:sld>
 </file>
 
@@ -7714,6 +7836,13 @@
   <p:clrMapOvr>
     <a:masterClrMapping/>
   </p:clrMapOvr>
+  <p:timing>
+    <p:tnLst>
+      <p:par>
+        <p:cTn id="1" dur="indefinite" restart="never" nodeType="tmRoot"/>
+      </p:par>
+    </p:tnLst>
+  </p:timing>
 </p:sld>
 </file>
 
@@ -7808,15 +7937,7 @@
             </a:r>
             <a:r>
               <a:rPr lang="en-US" sz="2000" dirty="0" smtClean="0"/>
-              <a:t> </a:t>
-            </a:r>
-            <a:r>
-              <a:rPr lang="en-US" sz="2000" dirty="0" smtClean="0"/>
-              <a:t>&lt;host pattern</a:t>
-            </a:r>
-            <a:r>
-              <a:rPr lang="en-US" sz="2000" dirty="0" smtClean="0"/>
-              <a:t>&gt; -m &lt;</a:t>
+              <a:t> &lt;host pattern&gt; -m &lt;</a:t>
             </a:r>
             <a:r>
               <a:rPr lang="en-US" sz="2000" dirty="0" err="1" smtClean="0"/>
@@ -7847,15 +7968,7 @@
             </a:r>
             <a:r>
               <a:rPr lang="en-US" sz="2000" dirty="0" smtClean="0"/>
-              <a:t> </a:t>
-            </a:r>
-            <a:r>
-              <a:rPr lang="en-US" sz="2000" dirty="0" smtClean="0"/>
-              <a:t>web1 </a:t>
-            </a:r>
-            <a:r>
-              <a:rPr lang="en-US" sz="2000" dirty="0" smtClean="0"/>
-              <a:t>command –a “uptime”</a:t>
+              <a:t> web1 command –a “uptime”</a:t>
             </a:r>
           </a:p>
           <a:p>
@@ -7892,15 +8005,7 @@
             </a:r>
             <a:r>
               <a:rPr lang="en-US" sz="2000" dirty="0" smtClean="0"/>
-              <a:t> </a:t>
-            </a:r>
-            <a:r>
-              <a:rPr lang="en-US" sz="2000" dirty="0" smtClean="0"/>
-              <a:t>all –a </a:t>
-            </a:r>
-            <a:r>
-              <a:rPr lang="en-US" sz="2000" dirty="0" smtClean="0"/>
-              <a:t>“tail /</a:t>
+              <a:t> all –a “tail /</a:t>
             </a:r>
             <a:r>
               <a:rPr lang="en-US" sz="2000" dirty="0" err="1" smtClean="0"/>
@@ -7943,6 +8048,13 @@
   <p:clrMapOvr>
     <a:masterClrMapping/>
   </p:clrMapOvr>
+  <p:timing>
+    <p:tnLst>
+      <p:par>
+        <p:cTn id="1" dur="indefinite" restart="never" nodeType="tmRoot"/>
+      </p:par>
+    </p:tnLst>
+  </p:timing>
 </p:sld>
 </file>
 
@@ -8041,11 +8153,7 @@
             </a:r>
             <a:r>
               <a:rPr lang="en-US" sz="1900" dirty="0" smtClean="0"/>
-              <a:t> </a:t>
-            </a:r>
-            <a:r>
-              <a:rPr lang="en-US" sz="1900" dirty="0" smtClean="0"/>
-              <a:t>–m copy –a “</a:t>
+              <a:t> –m copy –a “</a:t>
             </a:r>
             <a:r>
               <a:rPr lang="en-US" sz="1900" dirty="0" err="1" smtClean="0"/>
@@ -8123,15 +8231,7 @@
             </a:r>
             <a:r>
               <a:rPr lang="en-US" sz="1900" dirty="0" smtClean="0"/>
-              <a:t> </a:t>
-            </a:r>
-            <a:r>
-              <a:rPr lang="en-US" sz="1900" dirty="0" smtClean="0"/>
-              <a:t>webservers </a:t>
-            </a:r>
-            <a:r>
-              <a:rPr lang="en-US" sz="1900" dirty="0" smtClean="0"/>
-              <a:t>-m file –a “</a:t>
+              <a:t> webservers -m file –a “</a:t>
             </a:r>
             <a:r>
               <a:rPr lang="en-US" sz="1900" dirty="0" err="1" smtClean="0"/>
@@ -8156,15 +8256,7 @@
             </a:r>
             <a:r>
               <a:rPr lang="en-US" sz="1900" dirty="0" smtClean="0"/>
-              <a:t> </a:t>
-            </a:r>
-            <a:r>
-              <a:rPr lang="en-US" sz="1900" dirty="0" smtClean="0"/>
-              <a:t>webservers </a:t>
-            </a:r>
-            <a:r>
-              <a:rPr lang="en-US" sz="1900" dirty="0" smtClean="0"/>
-              <a:t>–m file –a “</a:t>
+              <a:t> webservers –m file –a “</a:t>
             </a:r>
             <a:r>
               <a:rPr lang="en-US" sz="1900" dirty="0" err="1" smtClean="0"/>
@@ -8217,11 +8309,7 @@
             </a:r>
             <a:r>
               <a:rPr lang="en-US" sz="1900" dirty="0" smtClean="0"/>
-              <a:t> </a:t>
-            </a:r>
-            <a:r>
-              <a:rPr lang="en-US" sz="1900" dirty="0" smtClean="0"/>
-              <a:t>–m yum –a “name=</a:t>
+              <a:t> –m yum –a “name=</a:t>
             </a:r>
             <a:r>
               <a:rPr lang="en-US" sz="1900" dirty="0" err="1" smtClean="0"/>
@@ -8247,6 +8335,13 @@
   <p:clrMapOvr>
     <a:masterClrMapping/>
   </p:clrMapOvr>
+  <p:timing>
+    <p:tnLst>
+      <p:par>
+        <p:cTn id="1" dur="indefinite" restart="never" nodeType="tmRoot"/>
+      </p:par>
+    </p:tnLst>
+  </p:timing>
 </p:sld>
 </file>
 
@@ -8337,15 +8432,7 @@
             </a:r>
             <a:r>
               <a:rPr lang="en-US" sz="2300" dirty="0" smtClean="0"/>
-              <a:t> </a:t>
-            </a:r>
-            <a:r>
-              <a:rPr lang="en-US" sz="2300" dirty="0" smtClean="0"/>
-              <a:t>web1 </a:t>
-            </a:r>
-            <a:r>
-              <a:rPr lang="en-US" sz="2300" dirty="0" smtClean="0"/>
-              <a:t>-m user –a “name=</a:t>
+              <a:t> web1 -m user –a “name=</a:t>
             </a:r>
             <a:r>
               <a:rPr lang="en-US" sz="2300" dirty="0" err="1" smtClean="0"/>
@@ -8378,15 +8465,7 @@
             </a:r>
             <a:r>
               <a:rPr lang="en-US" sz="2300" dirty="0" smtClean="0"/>
-              <a:t> </a:t>
-            </a:r>
-            <a:r>
-              <a:rPr lang="en-US" sz="2300" dirty="0" smtClean="0"/>
-              <a:t>web1 </a:t>
-            </a:r>
-            <a:r>
-              <a:rPr lang="en-US" sz="2300" dirty="0" smtClean="0"/>
-              <a:t>-m user –a “name=</a:t>
+              <a:t> web1 -m user –a “name=</a:t>
             </a:r>
             <a:r>
               <a:rPr lang="en-US" sz="2300" dirty="0" err="1" smtClean="0"/>
@@ -8432,15 +8511,7 @@
             </a:r>
             <a:r>
               <a:rPr lang="en-US" sz="2300" dirty="0" smtClean="0"/>
-              <a:t> </a:t>
-            </a:r>
-            <a:r>
-              <a:rPr lang="en-US" sz="2300" dirty="0" smtClean="0"/>
-              <a:t>webservers </a:t>
-            </a:r>
-            <a:r>
-              <a:rPr lang="en-US" sz="2300" dirty="0" smtClean="0"/>
-              <a:t>-m service –a “name=</a:t>
+              <a:t> webservers -m service –a “name=</a:t>
             </a:r>
             <a:r>
               <a:rPr lang="en-US" sz="2300" dirty="0" err="1" smtClean="0"/>
@@ -8465,15 +8536,7 @@
             </a:r>
             <a:r>
               <a:rPr lang="en-US" sz="2300" dirty="0" smtClean="0"/>
-              <a:t> </a:t>
-            </a:r>
-            <a:r>
-              <a:rPr lang="en-US" sz="2300" dirty="0" smtClean="0"/>
-              <a:t>webservers </a:t>
-            </a:r>
-            <a:r>
-              <a:rPr lang="en-US" sz="2300" dirty="0" smtClean="0"/>
-              <a:t>–m service –a “name=</a:t>
+              <a:t> webservers –m service –a “name=</a:t>
             </a:r>
             <a:r>
               <a:rPr lang="en-US" sz="2300" dirty="0" err="1" smtClean="0"/>
@@ -8518,15 +8581,7 @@
             </a:r>
             <a:r>
               <a:rPr lang="en-US" sz="2300" dirty="0" smtClean="0"/>
-              <a:t> </a:t>
-            </a:r>
-            <a:r>
-              <a:rPr lang="en-US" sz="2300" dirty="0" smtClean="0"/>
-              <a:t>web1 </a:t>
-            </a:r>
-            <a:r>
-              <a:rPr lang="en-US" sz="2300" dirty="0" smtClean="0"/>
-              <a:t>–m setup</a:t>
+              <a:t> web1 –m setup</a:t>
             </a:r>
           </a:p>
           <a:p>
@@ -8544,6 +8599,13 @@
   <p:clrMapOvr>
     <a:masterClrMapping/>
   </p:clrMapOvr>
+  <p:timing>
+    <p:tnLst>
+      <p:par>
+        <p:cTn id="1" dur="indefinite" restart="never" nodeType="tmRoot"/>
+      </p:par>
+    </p:tnLst>
+  </p:timing>
 </p:sld>
 </file>
 
@@ -8994,6 +9056,13 @@
   <p:clrMapOvr>
     <a:masterClrMapping/>
   </p:clrMapOvr>
+  <p:timing>
+    <p:tnLst>
+      <p:par>
+        <p:cTn id="1" dur="indefinite" restart="never" nodeType="tmRoot"/>
+      </p:par>
+    </p:tnLst>
+  </p:timing>
 </p:sld>
 </file>
 
@@ -9199,6 +9268,13 @@
   <p:clrMapOvr>
     <a:masterClrMapping/>
   </p:clrMapOvr>
+  <p:timing>
+    <p:tnLst>
+      <p:par>
+        <p:cTn id="1" dur="indefinite" restart="never" nodeType="tmRoot"/>
+      </p:par>
+    </p:tnLst>
+  </p:timing>
 </p:sld>
 </file>
 
@@ -9518,6 +9594,13 @@
   <p:clrMapOvr>
     <a:masterClrMapping/>
   </p:clrMapOvr>
+  <p:timing>
+    <p:tnLst>
+      <p:par>
+        <p:cTn id="1" dur="indefinite" restart="never" nodeType="tmRoot"/>
+      </p:par>
+    </p:tnLst>
+  </p:timing>
 </p:sld>
 </file>
 
@@ -9627,6 +9710,13 @@
   <p:clrMapOvr>
     <a:masterClrMapping/>
   </p:clrMapOvr>
+  <p:timing>
+    <p:tnLst>
+      <p:par>
+        <p:cTn id="1" dur="indefinite" restart="never" nodeType="tmRoot"/>
+      </p:par>
+    </p:tnLst>
+  </p:timing>
 </p:sld>
 </file>
 
@@ -9857,15 +9947,7 @@
                 <a:ea typeface="Consolas" charset="0"/>
                 <a:cs typeface="Consolas" charset="0"/>
               </a:rPr>
-              <a:t>---</a:t>
-            </a:r>
-            <a:r>
-              <a:rPr lang="en-US" sz="3400" dirty="0">
-                <a:latin typeface="Consolas" charset="0"/>
-                <a:ea typeface="Consolas" charset="0"/>
-                <a:cs typeface="Consolas" charset="0"/>
-              </a:rPr>
-              <a:t> </a:t>
+              <a:t>--- </a:t>
             </a:r>
             <a:endParaRPr lang="en-US" sz="3400" dirty="0" smtClean="0">
               <a:latin typeface="Consolas" charset="0"/>
@@ -10143,6 +10225,13 @@
   <p:clrMapOvr>
     <a:masterClrMapping/>
   </p:clrMapOvr>
+  <p:timing>
+    <p:tnLst>
+      <p:par>
+        <p:cTn id="1" dur="indefinite" restart="never" nodeType="tmRoot"/>
+      </p:par>
+    </p:tnLst>
+  </p:timing>
 </p:sld>
 </file>
 
@@ -10285,6 +10374,13 @@
   <p:clrMapOvr>
     <a:masterClrMapping/>
   </p:clrMapOvr>
+  <p:timing>
+    <p:tnLst>
+      <p:par>
+        <p:cTn id="1" dur="indefinite" restart="never" nodeType="tmRoot"/>
+      </p:par>
+    </p:tnLst>
+  </p:timing>
 </p:sld>
 </file>
 
@@ -10359,11 +10455,7 @@
             <a:pPr lvl="1"/>
             <a:r>
               <a:rPr lang="en-US" dirty="0" smtClean="0"/>
-              <a:t>Application is deployed to a single </a:t>
-            </a:r>
-            <a:r>
-              <a:rPr lang="en-US" dirty="0" smtClean="0"/>
-              <a:t>server.</a:t>
+              <a:t>Application is deployed to a single server.</a:t>
             </a:r>
           </a:p>
           <a:p>
@@ -10374,11 +10466,7 @@
             <a:pPr lvl="1"/>
             <a:r>
               <a:rPr lang="en-US" dirty="0" smtClean="0"/>
-              <a:t>Very common for testing and small production </a:t>
-            </a:r>
-            <a:r>
-              <a:rPr lang="en-US" dirty="0" smtClean="0"/>
-              <a:t>applications.</a:t>
+              <a:t>Very common for testing and small production applications.</a:t>
             </a:r>
           </a:p>
           <a:p>
@@ -10396,11 +10484,7 @@
             <a:pPr lvl="2"/>
             <a:r>
               <a:rPr lang="en-US" dirty="0" smtClean="0"/>
-              <a:t>Easy and quick to deploy app on a single </a:t>
-            </a:r>
-            <a:r>
-              <a:rPr lang="en-US" dirty="0" smtClean="0"/>
-              <a:t>server.</a:t>
+              <a:t>Easy and quick to deploy app on a single server.</a:t>
             </a:r>
           </a:p>
           <a:p>
@@ -10567,6 +10651,13 @@
   <p:clrMapOvr>
     <a:masterClrMapping/>
   </p:clrMapOvr>
+  <p:timing>
+    <p:tnLst>
+      <p:par>
+        <p:cTn id="1" dur="indefinite" restart="never" nodeType="tmRoot"/>
+      </p:par>
+    </p:tnLst>
+  </p:timing>
 </p:sld>
 </file>
 
@@ -11129,6 +11220,13 @@
   <p:clrMapOvr>
     <a:masterClrMapping/>
   </p:clrMapOvr>
+  <p:timing>
+    <p:tnLst>
+      <p:par>
+        <p:cTn id="1" dur="indefinite" restart="never" nodeType="tmRoot"/>
+      </p:par>
+    </p:tnLst>
+  </p:timing>
 </p:sld>
 </file>
 
@@ -11636,6 +11734,13 @@
   <p:clrMapOvr>
     <a:masterClrMapping/>
   </p:clrMapOvr>
+  <p:timing>
+    <p:tnLst>
+      <p:par>
+        <p:cTn id="1" dur="indefinite" restart="never" nodeType="tmRoot"/>
+      </p:par>
+    </p:tnLst>
+  </p:timing>
 </p:sld>
 </file>
 
@@ -12296,6 +12401,13 @@
   <p:clrMapOvr>
     <a:masterClrMapping/>
   </p:clrMapOvr>
+  <p:timing>
+    <p:tnLst>
+      <p:par>
+        <p:cTn id="1" dur="indefinite" restart="never" nodeType="tmRoot"/>
+      </p:par>
+    </p:tnLst>
+  </p:timing>
 </p:sld>
 </file>
 
@@ -12668,6 +12780,13 @@
   <p:clrMapOvr>
     <a:masterClrMapping/>
   </p:clrMapOvr>
+  <p:timing>
+    <p:tnLst>
+      <p:par>
+        <p:cTn id="1" dur="indefinite" restart="never" nodeType="tmRoot"/>
+      </p:par>
+    </p:tnLst>
+  </p:timing>
 </p:sld>
 </file>
 
@@ -13323,6 +13442,13 @@
   <p:clrMapOvr>
     <a:masterClrMapping/>
   </p:clrMapOvr>
+  <p:timing>
+    <p:tnLst>
+      <p:par>
+        <p:cTn id="1" dur="indefinite" restart="never" nodeType="tmRoot"/>
+      </p:par>
+    </p:tnLst>
+  </p:timing>
 </p:sld>
 </file>
 
@@ -13655,6 +13781,13 @@
   <p:clrMapOvr>
     <a:masterClrMapping/>
   </p:clrMapOvr>
+  <p:timing>
+    <p:tnLst>
+      <p:par>
+        <p:cTn id="1" dur="indefinite" restart="never" nodeType="tmRoot"/>
+      </p:par>
+    </p:tnLst>
+  </p:timing>
 </p:sld>
 </file>
 
@@ -13802,6 +13935,13 @@
   <p:clrMapOvr>
     <a:masterClrMapping/>
   </p:clrMapOvr>
+  <p:timing>
+    <p:tnLst>
+      <p:par>
+        <p:cTn id="1" dur="indefinite" restart="never" nodeType="tmRoot"/>
+      </p:par>
+    </p:tnLst>
+  </p:timing>
 </p:sld>
 </file>
 
@@ -14220,6 +14360,13 @@
   <p:clrMapOvr>
     <a:masterClrMapping/>
   </p:clrMapOvr>
+  <p:timing>
+    <p:tnLst>
+      <p:par>
+        <p:cTn id="1" dur="indefinite" restart="never" nodeType="tmRoot"/>
+      </p:par>
+    </p:tnLst>
+  </p:timing>
 </p:sld>
 </file>
 
@@ -14513,6 +14660,13 @@
   <p:clrMapOvr>
     <a:masterClrMapping/>
   </p:clrMapOvr>
+  <p:timing>
+    <p:tnLst>
+      <p:par>
+        <p:cTn id="1" dur="indefinite" restart="never" nodeType="tmRoot"/>
+      </p:par>
+    </p:tnLst>
+  </p:timing>
 </p:sld>
 </file>
 
@@ -15148,6 +15302,13 @@
   <p:clrMapOvr>
     <a:masterClrMapping/>
   </p:clrMapOvr>
+  <p:timing>
+    <p:tnLst>
+      <p:par>
+        <p:cTn id="1" dur="indefinite" restart="never" nodeType="tmRoot"/>
+      </p:par>
+    </p:tnLst>
+  </p:timing>
 </p:sld>
 </file>
 
@@ -15222,13 +15383,8 @@
             <a:pPr lvl="1"/>
             <a:r>
               <a:rPr lang="en-US" dirty="0" smtClean="0"/>
-              <a:t>Application is deployed to all servers at </a:t>
-            </a:r>
-            <a:r>
-              <a:rPr lang="en-US" dirty="0" smtClean="0"/>
-              <a:t>once.</a:t>
-            </a:r>
-            <a:endParaRPr lang="en-US" dirty="0" smtClean="0"/>
+              <a:t>Application is deployed to all servers at once.</a:t>
+            </a:r>
           </a:p>
           <a:p>
             <a:pPr lvl="1"/>
@@ -15249,13 +15405,8 @@
             <a:pPr lvl="2"/>
             <a:r>
               <a:rPr lang="en-US" dirty="0" smtClean="0"/>
-              <a:t>Quick to deploy app on multiple servers, though requires </a:t>
-            </a:r>
-            <a:r>
-              <a:rPr lang="en-US" dirty="0" smtClean="0"/>
-              <a:t>orchestration.</a:t>
-            </a:r>
-            <a:endParaRPr lang="en-US" dirty="0" smtClean="0"/>
+              <a:t>Quick to deploy app on multiple servers, though requires orchestration.</a:t>
+            </a:r>
           </a:p>
           <a:p>
             <a:pPr lvl="1"/>
@@ -15268,37 +15419,22 @@
             <a:pPr lvl="2"/>
             <a:r>
               <a:rPr lang="en-US" dirty="0" smtClean="0"/>
-              <a:t>Service outage occurs during app </a:t>
-            </a:r>
-            <a:r>
-              <a:rPr lang="en-US" dirty="0" smtClean="0"/>
-              <a:t>deployment.</a:t>
-            </a:r>
-            <a:endParaRPr lang="en-US" dirty="0" smtClean="0"/>
+              <a:t>Service outage occurs during app deployment.</a:t>
+            </a:r>
           </a:p>
           <a:p>
             <a:pPr lvl="2"/>
             <a:r>
               <a:rPr lang="en-US" dirty="0" smtClean="0"/>
-              <a:t>No ability to test app in production before </a:t>
-            </a:r>
-            <a:r>
-              <a:rPr lang="en-US" dirty="0" smtClean="0"/>
-              <a:t>deployment.</a:t>
-            </a:r>
-            <a:endParaRPr lang="en-US" dirty="0" smtClean="0"/>
+              <a:t>No ability to test app in production before deployment.</a:t>
+            </a:r>
           </a:p>
           <a:p>
             <a:pPr lvl="2"/>
             <a:r>
               <a:rPr lang="en-US" dirty="0" smtClean="0"/>
-              <a:t>Rolling back app requires complete </a:t>
-            </a:r>
-            <a:r>
-              <a:rPr lang="en-US" dirty="0" smtClean="0"/>
-              <a:t>reinstallation.</a:t>
-            </a:r>
-            <a:endParaRPr lang="en-US" dirty="0" smtClean="0"/>
+              <a:t>Rolling back app requires complete reinstallation.</a:t>
+            </a:r>
           </a:p>
         </p:txBody>
       </p:sp>
@@ -15587,6 +15723,13 @@
   <p:clrMapOvr>
     <a:masterClrMapping/>
   </p:clrMapOvr>
+  <p:timing>
+    <p:tnLst>
+      <p:par>
+        <p:cTn id="1" dur="indefinite" restart="never" nodeType="tmRoot"/>
+      </p:par>
+    </p:tnLst>
+  </p:timing>
 </p:sld>
 </file>
 
@@ -15798,6 +15941,13 @@
   <p:clrMapOvr>
     <a:masterClrMapping/>
   </p:clrMapOvr>
+  <p:timing>
+    <p:tnLst>
+      <p:par>
+        <p:cTn id="1" dur="indefinite" restart="never" nodeType="tmRoot"/>
+      </p:par>
+    </p:tnLst>
+  </p:timing>
 </p:sld>
 </file>
 
@@ -16269,6 +16419,13 @@
   <p:clrMapOvr>
     <a:masterClrMapping/>
   </p:clrMapOvr>
+  <p:timing>
+    <p:tnLst>
+      <p:par>
+        <p:cTn id="1" dur="indefinite" restart="never" nodeType="tmRoot"/>
+      </p:par>
+    </p:tnLst>
+  </p:timing>
 </p:sld>
 </file>
 
@@ -16680,6 +16837,13 @@
   <p:clrMapOvr>
     <a:masterClrMapping/>
   </p:clrMapOvr>
+  <p:timing>
+    <p:tnLst>
+      <p:par>
+        <p:cTn id="1" dur="indefinite" restart="never" nodeType="tmRoot"/>
+      </p:par>
+    </p:tnLst>
+  </p:timing>
 </p:sld>
 </file>
 
@@ -17074,6 +17238,13 @@
   <p:clrMapOvr>
     <a:masterClrMapping/>
   </p:clrMapOvr>
+  <p:timing>
+    <p:tnLst>
+      <p:par>
+        <p:cTn id="1" dur="indefinite" restart="never" nodeType="tmRoot"/>
+      </p:par>
+    </p:tnLst>
+  </p:timing>
 </p:sld>
 </file>
 
@@ -17408,6 +17579,13 @@
   <p:clrMapOvr>
     <a:masterClrMapping/>
   </p:clrMapOvr>
+  <p:timing>
+    <p:tnLst>
+      <p:par>
+        <p:cTn id="1" dur="indefinite" restart="never" nodeType="tmRoot"/>
+      </p:par>
+    </p:tnLst>
+  </p:timing>
 </p:sld>
 </file>
 
@@ -17805,6 +17983,13 @@
   <p:clrMapOvr>
     <a:masterClrMapping/>
   </p:clrMapOvr>
+  <p:timing>
+    <p:tnLst>
+      <p:par>
+        <p:cTn id="1" dur="indefinite" restart="never" nodeType="tmRoot"/>
+      </p:par>
+    </p:tnLst>
+  </p:timing>
 </p:sld>
 </file>
 
@@ -18183,6 +18368,13 @@
   <p:clrMapOvr>
     <a:masterClrMapping/>
   </p:clrMapOvr>
+  <p:timing>
+    <p:tnLst>
+      <p:par>
+        <p:cTn id="1" dur="indefinite" restart="never" nodeType="tmRoot"/>
+      </p:par>
+    </p:tnLst>
+  </p:timing>
 </p:sld>
 </file>
 
@@ -18483,6 +18675,13 @@
   <p:clrMapOvr>
     <a:masterClrMapping/>
   </p:clrMapOvr>
+  <p:timing>
+    <p:tnLst>
+      <p:par>
+        <p:cTn id="1" dur="indefinite" restart="never" nodeType="tmRoot"/>
+      </p:par>
+    </p:tnLst>
+  </p:timing>
 </p:sld>
 </file>
 
@@ -18566,6 +18765,13 @@
   <p:clrMapOvr>
     <a:masterClrMapping/>
   </p:clrMapOvr>
+  <p:timing>
+    <p:tnLst>
+      <p:par>
+        <p:cTn id="1" dur="indefinite" restart="never" nodeType="tmRoot"/>
+      </p:par>
+    </p:tnLst>
+  </p:timing>
 </p:sld>
 </file>
 
@@ -18729,6 +18935,13 @@
   <p:clrMapOvr>
     <a:masterClrMapping/>
   </p:clrMapOvr>
+  <p:timing>
+    <p:tnLst>
+      <p:par>
+        <p:cTn id="1" dur="indefinite" restart="never" nodeType="tmRoot"/>
+      </p:par>
+    </p:tnLst>
+  </p:timing>
 </p:sld>
 </file>
 
@@ -18803,13 +19016,8 @@
             <a:pPr lvl="1"/>
             <a:r>
               <a:rPr lang="en-US" dirty="0" smtClean="0"/>
-              <a:t>Application is deployed in multiple stages with a minimum set of servers supporting </a:t>
-            </a:r>
-            <a:r>
-              <a:rPr lang="en-US" dirty="0" smtClean="0"/>
-              <a:t>service.</a:t>
-            </a:r>
-            <a:endParaRPr lang="en-US" dirty="0" smtClean="0"/>
+              <a:t>Application is deployed in multiple stages with a minimum set of servers supporting service.</a:t>
+            </a:r>
           </a:p>
           <a:p>
             <a:pPr lvl="1"/>
@@ -20112,6 +20320,13 @@
   <p:clrMapOvr>
     <a:masterClrMapping/>
   </p:clrMapOvr>
+  <p:timing>
+    <p:tnLst>
+      <p:par>
+        <p:cTn id="1" dur="indefinite" restart="never" nodeType="tmRoot"/>
+      </p:par>
+    </p:tnLst>
+  </p:timing>
 </p:sld>
 </file>
 
@@ -20180,12 +20395,12 @@
           <a:lstStyle/>
           <a:p>
             <a:r>
-              <a:rPr lang="en-US" dirty="0" smtClean="0"/>
+              <a:rPr lang="en-US" smtClean="0"/>
               <a:t>Assignment </a:t>
             </a:r>
             <a:r>
               <a:rPr lang="en-US" dirty="0"/>
-              <a:t>8</a:t>
+              <a:t>9</a:t>
             </a:r>
             <a:endParaRPr lang="en-US" dirty="0" smtClean="0"/>
           </a:p>
@@ -20199,11 +20414,11 @@
               <a:t> Infrastructure as Code </a:t>
             </a:r>
             <a:r>
-              <a:rPr lang="en-US" smtClean="0"/>
+              <a:rPr lang="en-US" dirty="0" smtClean="0"/>
               <a:t>Chapters</a:t>
             </a:r>
             <a:r>
-              <a:rPr lang="en-US" i="1" smtClean="0"/>
+              <a:rPr lang="en-US" i="1" dirty="0" smtClean="0"/>
               <a:t> 9 &amp; 10</a:t>
             </a:r>
             <a:endParaRPr lang="en-US" dirty="0"/>
@@ -20223,6 +20438,13 @@
   <p:clrMapOvr>
     <a:masterClrMapping/>
   </p:clrMapOvr>
+  <p:timing>
+    <p:tnLst>
+      <p:par>
+        <p:cTn id="1" dur="indefinite" restart="never" nodeType="tmRoot"/>
+      </p:par>
+    </p:tnLst>
+  </p:timing>
 </p:sld>
 </file>
 
@@ -20297,13 +20519,8 @@
             <a:pPr lvl="1"/>
             <a:r>
               <a:rPr lang="en-US" dirty="0" smtClean="0"/>
-              <a:t>Application is deployed to a specified number of servers at each </a:t>
-            </a:r>
-            <a:r>
-              <a:rPr lang="en-US" dirty="0" smtClean="0"/>
-              <a:t>stage</a:t>
-            </a:r>
-            <a:endParaRPr lang="en-US" dirty="0" smtClean="0"/>
+              <a:t>Application is deployed to a specified number of servers at each stage</a:t>
+            </a:r>
           </a:p>
           <a:p>
             <a:pPr lvl="1"/>
@@ -21659,6 +21876,13 @@
   <p:clrMapOvr>
     <a:masterClrMapping/>
   </p:clrMapOvr>
+  <p:timing>
+    <p:tnLst>
+      <p:par>
+        <p:cTn id="1" dur="indefinite" restart="never" nodeType="tmRoot"/>
+      </p:par>
+    </p:tnLst>
+  </p:timing>
 </p:sld>
 </file>
 
@@ -21733,13 +21957,8 @@
             <a:pPr lvl="1"/>
             <a:r>
               <a:rPr lang="en-US" dirty="0" smtClean="0"/>
-              <a:t>Application is deployed to a completely new production environment in </a:t>
-            </a:r>
-            <a:r>
-              <a:rPr lang="en-US" dirty="0" smtClean="0"/>
-              <a:t>parallel.</a:t>
-            </a:r>
-            <a:endParaRPr lang="en-US" dirty="0" smtClean="0"/>
+              <a:t>Application is deployed to a completely new production environment in parallel.</a:t>
+            </a:r>
           </a:p>
           <a:p>
             <a:pPr lvl="1"/>
@@ -22519,6 +22738,13 @@
   <p:clrMapOvr>
     <a:masterClrMapping/>
   </p:clrMapOvr>
+  <p:timing>
+    <p:tnLst>
+      <p:par>
+        <p:cTn id="1" dur="indefinite" restart="never" nodeType="tmRoot"/>
+      </p:par>
+    </p:tnLst>
+  </p:timing>
 </p:sld>
 </file>
 
@@ -22596,6 +22822,13 @@
   <p:clrMapOvr>
     <a:masterClrMapping/>
   </p:clrMapOvr>
+  <p:timing>
+    <p:tnLst>
+      <p:par>
+        <p:cTn id="1" dur="indefinite" restart="never" nodeType="tmRoot"/>
+      </p:par>
+    </p:tnLst>
+  </p:timing>
 </p:sld>
 </file>
 

--- a/lectures/infrastructure-week-10.pptx
+++ b/lectures/infrastructure-week-10.pptx
@@ -5,7 +5,7 @@
     <p:sldMasterId id="2147483648" r:id="rId1"/>
   </p:sldMasterIdLst>
   <p:notesMasterIdLst>
-    <p:notesMasterId r:id="rId62"/>
+    <p:notesMasterId r:id="rId58"/>
   </p:notesMasterIdLst>
   <p:sldIdLst>
     <p:sldId id="256" r:id="rId2"/>
@@ -48,26 +48,22 @@
     <p:sldId id="295" r:id="rId39"/>
     <p:sldId id="296" r:id="rId40"/>
     <p:sldId id="297" r:id="rId41"/>
-    <p:sldId id="298" r:id="rId42"/>
-    <p:sldId id="299" r:id="rId43"/>
-    <p:sldId id="300" r:id="rId44"/>
-    <p:sldId id="301" r:id="rId45"/>
-    <p:sldId id="302" r:id="rId46"/>
-    <p:sldId id="304" r:id="rId47"/>
-    <p:sldId id="305" r:id="rId48"/>
-    <p:sldId id="306" r:id="rId49"/>
-    <p:sldId id="303" r:id="rId50"/>
-    <p:sldId id="307" r:id="rId51"/>
-    <p:sldId id="308" r:id="rId52"/>
-    <p:sldId id="309" r:id="rId53"/>
-    <p:sldId id="310" r:id="rId54"/>
-    <p:sldId id="311" r:id="rId55"/>
-    <p:sldId id="312" r:id="rId56"/>
-    <p:sldId id="313" r:id="rId57"/>
-    <p:sldId id="315" r:id="rId58"/>
-    <p:sldId id="316" r:id="rId59"/>
-    <p:sldId id="317" r:id="rId60"/>
-    <p:sldId id="258" r:id="rId61"/>
+    <p:sldId id="299" r:id="rId42"/>
+    <p:sldId id="302" r:id="rId43"/>
+    <p:sldId id="304" r:id="rId44"/>
+    <p:sldId id="305" r:id="rId45"/>
+    <p:sldId id="306" r:id="rId46"/>
+    <p:sldId id="303" r:id="rId47"/>
+    <p:sldId id="307" r:id="rId48"/>
+    <p:sldId id="308" r:id="rId49"/>
+    <p:sldId id="309" r:id="rId50"/>
+    <p:sldId id="311" r:id="rId51"/>
+    <p:sldId id="312" r:id="rId52"/>
+    <p:sldId id="313" r:id="rId53"/>
+    <p:sldId id="315" r:id="rId54"/>
+    <p:sldId id="316" r:id="rId55"/>
+    <p:sldId id="317" r:id="rId56"/>
+    <p:sldId id="258" r:id="rId57"/>
   </p:sldIdLst>
   <p:sldSz cx="9144000" cy="6858000" type="screen4x3"/>
   <p:notesSz cx="6858000" cy="9144000"/>
@@ -267,7 +263,7 @@
           <a:p>
             <a:fld id="{EAA08BAD-04ED-244C-92B6-E3671520D864}" type="datetimeFigureOut">
               <a:rPr lang="en-US" smtClean="0"/>
-              <a:t>11/14/16</a:t>
+              <a:t>4/7/17</a:t>
             </a:fld>
             <a:endParaRPr lang="en-US"/>
           </a:p>
@@ -716,7 +712,7 @@
           <a:p>
             <a:fld id="{972605B8-2E90-124E-924E-6F58993143C6}" type="datetimeFigureOut">
               <a:rPr lang="en-US" smtClean="0"/>
-              <a:t>11/14/16</a:t>
+              <a:t>4/7/17</a:t>
             </a:fld>
             <a:endParaRPr lang="en-US"/>
           </a:p>
@@ -886,7 +882,7 @@
           <a:p>
             <a:fld id="{972605B8-2E90-124E-924E-6F58993143C6}" type="datetimeFigureOut">
               <a:rPr lang="en-US" smtClean="0"/>
-              <a:t>11/14/16</a:t>
+              <a:t>4/7/17</a:t>
             </a:fld>
             <a:endParaRPr lang="en-US"/>
           </a:p>
@@ -1066,7 +1062,7 @@
           <a:p>
             <a:fld id="{972605B8-2E90-124E-924E-6F58993143C6}" type="datetimeFigureOut">
               <a:rPr lang="en-US" smtClean="0"/>
-              <a:t>11/14/16</a:t>
+              <a:t>4/7/17</a:t>
             </a:fld>
             <a:endParaRPr lang="en-US"/>
           </a:p>
@@ -1236,7 +1232,7 @@
           <a:p>
             <a:fld id="{972605B8-2E90-124E-924E-6F58993143C6}" type="datetimeFigureOut">
               <a:rPr lang="en-US" smtClean="0"/>
-              <a:t>11/14/16</a:t>
+              <a:t>4/7/17</a:t>
             </a:fld>
             <a:endParaRPr lang="en-US"/>
           </a:p>
@@ -1482,7 +1478,7 @@
           <a:p>
             <a:fld id="{972605B8-2E90-124E-924E-6F58993143C6}" type="datetimeFigureOut">
               <a:rPr lang="en-US" smtClean="0"/>
-              <a:t>11/14/16</a:t>
+              <a:t>4/7/17</a:t>
             </a:fld>
             <a:endParaRPr lang="en-US"/>
           </a:p>
@@ -1770,7 +1766,7 @@
           <a:p>
             <a:fld id="{972605B8-2E90-124E-924E-6F58993143C6}" type="datetimeFigureOut">
               <a:rPr lang="en-US" smtClean="0"/>
-              <a:t>11/14/16</a:t>
+              <a:t>4/7/17</a:t>
             </a:fld>
             <a:endParaRPr lang="en-US"/>
           </a:p>
@@ -2192,7 +2188,7 @@
           <a:p>
             <a:fld id="{972605B8-2E90-124E-924E-6F58993143C6}" type="datetimeFigureOut">
               <a:rPr lang="en-US" smtClean="0"/>
-              <a:t>11/14/16</a:t>
+              <a:t>4/7/17</a:t>
             </a:fld>
             <a:endParaRPr lang="en-US"/>
           </a:p>
@@ -2310,7 +2306,7 @@
           <a:p>
             <a:fld id="{972605B8-2E90-124E-924E-6F58993143C6}" type="datetimeFigureOut">
               <a:rPr lang="en-US" smtClean="0"/>
-              <a:t>11/14/16</a:t>
+              <a:t>4/7/17</a:t>
             </a:fld>
             <a:endParaRPr lang="en-US"/>
           </a:p>
@@ -2405,7 +2401,7 @@
           <a:p>
             <a:fld id="{972605B8-2E90-124E-924E-6F58993143C6}" type="datetimeFigureOut">
               <a:rPr lang="en-US" smtClean="0"/>
-              <a:t>11/14/16</a:t>
+              <a:t>4/7/17</a:t>
             </a:fld>
             <a:endParaRPr lang="en-US"/>
           </a:p>
@@ -2682,7 +2678,7 @@
           <a:p>
             <a:fld id="{972605B8-2E90-124E-924E-6F58993143C6}" type="datetimeFigureOut">
               <a:rPr lang="en-US" smtClean="0"/>
-              <a:t>11/14/16</a:t>
+              <a:t>4/7/17</a:t>
             </a:fld>
             <a:endParaRPr lang="en-US"/>
           </a:p>
@@ -2935,7 +2931,7 @@
           <a:p>
             <a:fld id="{972605B8-2E90-124E-924E-6F58993143C6}" type="datetimeFigureOut">
               <a:rPr lang="en-US" smtClean="0"/>
-              <a:t>11/14/16</a:t>
+              <a:t>4/7/17</a:t>
             </a:fld>
             <a:endParaRPr lang="en-US"/>
           </a:p>
@@ -3148,7 +3144,7 @@
           <a:p>
             <a:fld id="{972605B8-2E90-124E-924E-6F58993143C6}" type="datetimeFigureOut">
               <a:rPr lang="en-US" smtClean="0"/>
-              <a:t>11/14/16</a:t>
+              <a:t>4/7/17</a:t>
             </a:fld>
             <a:endParaRPr lang="en-US"/>
           </a:p>
@@ -8723,7 +8719,23 @@
                 <a:ea typeface="Consolas" charset="0"/>
                 <a:cs typeface="Consolas" charset="0"/>
               </a:rPr>
-              <a:t> localhost –m ping</a:t>
+              <a:t> </a:t>
+            </a:r>
+            <a:r>
+              <a:rPr lang="en-US" sz="2300" dirty="0" smtClean="0">
+                <a:latin typeface="Consolas" charset="0"/>
+                <a:ea typeface="Consolas" charset="0"/>
+                <a:cs typeface="Consolas" charset="0"/>
+              </a:rPr>
+              <a:t>web1 –m </a:t>
+            </a:r>
+            <a:r>
+              <a:rPr lang="en-US" sz="2300" dirty="0" smtClean="0">
+                <a:latin typeface="Consolas" charset="0"/>
+                <a:ea typeface="Consolas" charset="0"/>
+                <a:cs typeface="Consolas" charset="0"/>
+              </a:rPr>
+              <a:t>ping</a:t>
             </a:r>
           </a:p>
           <a:p>
@@ -8782,7 +8794,23 @@
                 <a:ea typeface="Consolas" charset="0"/>
                 <a:cs typeface="Consolas" charset="0"/>
               </a:rPr>
-              <a:t> localhost –a “uptime”</a:t>
+              <a:t> </a:t>
+            </a:r>
+            <a:r>
+              <a:rPr lang="en-US" sz="2300" dirty="0" smtClean="0">
+                <a:latin typeface="Consolas" charset="0"/>
+                <a:ea typeface="Consolas" charset="0"/>
+                <a:cs typeface="Consolas" charset="0"/>
+              </a:rPr>
+              <a:t>web1 –a </a:t>
+            </a:r>
+            <a:r>
+              <a:rPr lang="en-US" sz="2300" dirty="0" smtClean="0">
+                <a:latin typeface="Consolas" charset="0"/>
+                <a:ea typeface="Consolas" charset="0"/>
+                <a:cs typeface="Consolas" charset="0"/>
+              </a:rPr>
+              <a:t>“uptime”</a:t>
             </a:r>
           </a:p>
           <a:p>
@@ -8840,7 +8868,23 @@
                 <a:ea typeface="Consolas" charset="0"/>
                 <a:cs typeface="Consolas" charset="0"/>
               </a:rPr>
-              <a:t> localhost –m yum --become -a “name=</a:t>
+              <a:t> </a:t>
+            </a:r>
+            <a:r>
+              <a:rPr lang="en-US" sz="2300" dirty="0" smtClean="0">
+                <a:latin typeface="Consolas" charset="0"/>
+                <a:ea typeface="Consolas" charset="0"/>
+                <a:cs typeface="Consolas" charset="0"/>
+              </a:rPr>
+              <a:t>web1 –m </a:t>
+            </a:r>
+            <a:r>
+              <a:rPr lang="en-US" sz="2300" dirty="0" smtClean="0">
+                <a:latin typeface="Consolas" charset="0"/>
+                <a:ea typeface="Consolas" charset="0"/>
+                <a:cs typeface="Consolas" charset="0"/>
+              </a:rPr>
+              <a:t>yum --become -a “name=</a:t>
             </a:r>
             <a:r>
               <a:rPr lang="en-US" sz="2300" dirty="0" err="1" smtClean="0">
@@ -8936,7 +8980,15 @@
                 <a:ea typeface="Consolas" charset="0"/>
                 <a:cs typeface="Consolas" charset="0"/>
               </a:rPr>
-              <a:t> localhost –m </a:t>
+              <a:t> </a:t>
+            </a:r>
+            <a:r>
+              <a:rPr lang="en-US" sz="2300" dirty="0" smtClean="0">
+                <a:latin typeface="Consolas" charset="0"/>
+                <a:ea typeface="Consolas" charset="0"/>
+                <a:cs typeface="Consolas" charset="0"/>
+              </a:rPr>
+              <a:t>web1 –m </a:t>
             </a:r>
             <a:r>
               <a:rPr lang="en-US" sz="2300" dirty="0">
@@ -9192,7 +9244,23 @@
                 <a:ea typeface="Consolas" charset="0"/>
                 <a:cs typeface="Consolas" charset="0"/>
               </a:rPr>
-              <a:t> web –C –m –yum –a “name=</a:t>
+              <a:t> </a:t>
+            </a:r>
+            <a:r>
+              <a:rPr lang="en-US" sz="1700" dirty="0" smtClean="0">
+                <a:latin typeface="Consolas" charset="0"/>
+                <a:ea typeface="Consolas" charset="0"/>
+                <a:cs typeface="Consolas" charset="0"/>
+              </a:rPr>
+              <a:t>web1 </a:t>
+            </a:r>
+            <a:r>
+              <a:rPr lang="en-US" sz="1700" dirty="0" smtClean="0">
+                <a:latin typeface="Consolas" charset="0"/>
+                <a:ea typeface="Consolas" charset="0"/>
+                <a:cs typeface="Consolas" charset="0"/>
+              </a:rPr>
+              <a:t>–C –m –yum –a “name=</a:t>
             </a:r>
             <a:r>
               <a:rPr lang="en-US" sz="1700" dirty="0" err="1" smtClean="0">
@@ -11264,7 +11332,7 @@
           <a:p>
             <a:r>
               <a:rPr lang="en-US" dirty="0" smtClean="0"/>
-              <a:t>Handlers</a:t>
+              <a:t>Includes</a:t>
             </a:r>
             <a:endParaRPr lang="en-US" dirty="0"/>
           </a:p>
@@ -11283,41 +11351,21 @@
         <p:spPr>
           <a:xfrm>
             <a:off x="457200" y="1600200"/>
-            <a:ext cx="8229600" cy="5013542"/>
+            <a:ext cx="8229600" cy="5257800"/>
           </a:xfrm>
         </p:spPr>
         <p:txBody>
           <a:bodyPr>
-            <a:normAutofit fontScale="77500" lnSpcReduction="20000"/>
+            <a:normAutofit fontScale="55000" lnSpcReduction="20000"/>
           </a:bodyPr>
           <a:lstStyle/>
           <a:p>
             <a:r>
-              <a:rPr lang="en-US" sz="2800" b="1" dirty="0" smtClean="0"/>
-              <a:t>Handlers</a:t>
-            </a:r>
-            <a:r>
-              <a:rPr lang="en-US" sz="2800" dirty="0" smtClean="0"/>
-              <a:t> are a special kind of task that only run once when triggered by a </a:t>
-            </a:r>
-            <a:r>
-              <a:rPr lang="en-US" sz="2800" b="1" dirty="0" smtClean="0"/>
-              <a:t>notify</a:t>
-            </a:r>
-            <a:r>
-              <a:rPr lang="en-US" sz="2800" dirty="0" smtClean="0"/>
-              <a:t> action.</a:t>
-            </a:r>
-          </a:p>
-          <a:p>
-            <a:pPr lvl="1"/>
-            <a:r>
-              <a:rPr lang="en-US" dirty="0" smtClean="0"/>
-              <a:t>Example: multiple updates to app configuration on a system may require an apache restart.</a:t>
-            </a:r>
-          </a:p>
-          <a:p>
-            <a:pPr lvl="1"/>
+              <a:rPr lang="en-US" sz="3600" dirty="0" smtClean="0"/>
+              <a:t>We can use include files to reuse tasks between plays or playbooks.</a:t>
+            </a:r>
+          </a:p>
+          <a:p>
             <a:endParaRPr lang="en-US" dirty="0" smtClean="0"/>
           </a:p>
           <a:p>
@@ -11325,99 +11373,14 @@
               <a:buNone/>
             </a:pPr>
             <a:r>
-              <a:rPr lang="en-US" sz="2100" dirty="0" smtClean="0">
-                <a:latin typeface="Consolas" charset="0"/>
-                <a:ea typeface="Consolas" charset="0"/>
-                <a:cs typeface="Consolas" charset="0"/>
-              </a:rPr>
-              <a:t>- name: template configuration file </a:t>
-            </a:r>
-          </a:p>
-          <a:p>
-            <a:pPr marL="0" indent="0">
-              <a:buNone/>
-            </a:pPr>
-            <a:r>
-              <a:rPr lang="en-US" sz="2100" dirty="0" smtClean="0">
-                <a:latin typeface="Consolas" charset="0"/>
-                <a:ea typeface="Consolas" charset="0"/>
-                <a:cs typeface="Consolas" charset="0"/>
-              </a:rPr>
-              <a:t>  template</a:t>
-            </a:r>
-            <a:r>
-              <a:rPr lang="en-US" sz="2100" dirty="0">
-                <a:latin typeface="Consolas" charset="0"/>
-                <a:ea typeface="Consolas" charset="0"/>
-                <a:cs typeface="Consolas" charset="0"/>
-              </a:rPr>
-              <a:t>: </a:t>
-            </a:r>
-            <a:r>
-              <a:rPr lang="en-US" sz="2100" dirty="0" err="1">
-                <a:latin typeface="Consolas" charset="0"/>
-                <a:ea typeface="Consolas" charset="0"/>
-                <a:cs typeface="Consolas" charset="0"/>
-              </a:rPr>
-              <a:t>src</a:t>
-            </a:r>
-            <a:r>
-              <a:rPr lang="en-US" sz="2100" dirty="0">
-                <a:latin typeface="Consolas" charset="0"/>
-                <a:ea typeface="Consolas" charset="0"/>
-                <a:cs typeface="Consolas" charset="0"/>
-              </a:rPr>
-              <a:t>=template.j2 </a:t>
-            </a:r>
-            <a:r>
-              <a:rPr lang="en-US" sz="2100" dirty="0" err="1">
-                <a:latin typeface="Consolas" charset="0"/>
-                <a:ea typeface="Consolas" charset="0"/>
-                <a:cs typeface="Consolas" charset="0"/>
-              </a:rPr>
-              <a:t>dest</a:t>
-            </a:r>
-            <a:r>
-              <a:rPr lang="en-US" sz="2100" dirty="0">
-                <a:latin typeface="Consolas" charset="0"/>
-                <a:ea typeface="Consolas" charset="0"/>
-                <a:cs typeface="Consolas" charset="0"/>
-              </a:rPr>
-              <a:t>=/</a:t>
-            </a:r>
-            <a:r>
-              <a:rPr lang="en-US" sz="2100" dirty="0" err="1">
-                <a:latin typeface="Consolas" charset="0"/>
-                <a:ea typeface="Consolas" charset="0"/>
-                <a:cs typeface="Consolas" charset="0"/>
-              </a:rPr>
-              <a:t>etc</a:t>
-            </a:r>
-            <a:r>
-              <a:rPr lang="en-US" sz="2100" dirty="0">
-                <a:latin typeface="Consolas" charset="0"/>
-                <a:ea typeface="Consolas" charset="0"/>
-                <a:cs typeface="Consolas" charset="0"/>
-              </a:rPr>
-              <a:t>/</a:t>
-            </a:r>
-            <a:r>
-              <a:rPr lang="en-US" sz="2100" dirty="0" err="1">
-                <a:latin typeface="Consolas" charset="0"/>
-                <a:ea typeface="Consolas" charset="0"/>
-                <a:cs typeface="Consolas" charset="0"/>
-              </a:rPr>
-              <a:t>foo.conf</a:t>
-            </a:r>
-            <a:r>
-              <a:rPr lang="en-US" sz="2100" dirty="0">
-                <a:latin typeface="Consolas" charset="0"/>
-                <a:ea typeface="Consolas" charset="0"/>
-                <a:cs typeface="Consolas" charset="0"/>
-              </a:rPr>
-              <a:t> </a:t>
-            </a:r>
-            <a:endParaRPr lang="en-US" sz="2100" dirty="0" smtClean="0">
+              <a:rPr lang="en-US" sz="2600" dirty="0">
+                <a:latin typeface="Consolas" charset="0"/>
+                <a:ea typeface="Consolas" charset="0"/>
+                <a:cs typeface="Consolas" charset="0"/>
+              </a:rPr>
+              <a:t>tasks: </a:t>
+            </a:r>
+            <a:endParaRPr lang="en-US" sz="2600" dirty="0" smtClean="0">
               <a:latin typeface="Consolas" charset="0"/>
               <a:ea typeface="Consolas" charset="0"/>
               <a:cs typeface="Consolas" charset="0"/>
@@ -11428,7 +11391,7 @@
               <a:buNone/>
             </a:pPr>
             <a:r>
-              <a:rPr lang="en-US" sz="2100" dirty="0">
+              <a:rPr lang="en-US" sz="2600" dirty="0">
                 <a:latin typeface="Consolas" charset="0"/>
                 <a:ea typeface="Consolas" charset="0"/>
                 <a:cs typeface="Consolas" charset="0"/>
@@ -11436,51 +11399,71 @@
               <a:t> </a:t>
             </a:r>
             <a:r>
-              <a:rPr lang="en-US" sz="2100" dirty="0" smtClean="0">
-                <a:latin typeface="Consolas" charset="0"/>
-                <a:ea typeface="Consolas" charset="0"/>
-                <a:cs typeface="Consolas" charset="0"/>
-              </a:rPr>
-              <a:t> notify</a:t>
-            </a:r>
-            <a:r>
-              <a:rPr lang="en-US" sz="2100" dirty="0">
-                <a:latin typeface="Consolas" charset="0"/>
-                <a:ea typeface="Consolas" charset="0"/>
-                <a:cs typeface="Consolas" charset="0"/>
-              </a:rPr>
-              <a:t>: </a:t>
-            </a:r>
-            <a:r>
-              <a:rPr lang="en-US" sz="2100" dirty="0" smtClean="0">
-                <a:latin typeface="Consolas" charset="0"/>
-                <a:ea typeface="Consolas" charset="0"/>
-                <a:cs typeface="Consolas" charset="0"/>
-              </a:rPr>
-              <a:t>“restart web services”</a:t>
-            </a:r>
-          </a:p>
-          <a:p>
-            <a:pPr marL="0" indent="0">
-              <a:buNone/>
-            </a:pPr>
-            <a:endParaRPr lang="en-US" sz="1600" dirty="0">
+              <a:rPr lang="en-US" sz="2600" dirty="0" smtClean="0">
+                <a:latin typeface="Consolas" charset="0"/>
+                <a:ea typeface="Consolas" charset="0"/>
+                <a:cs typeface="Consolas" charset="0"/>
+              </a:rPr>
+              <a:t> - </a:t>
+            </a:r>
+            <a:r>
+              <a:rPr lang="en-US" sz="2600" dirty="0">
+                <a:latin typeface="Consolas" charset="0"/>
+                <a:ea typeface="Consolas" charset="0"/>
+                <a:cs typeface="Consolas" charset="0"/>
+              </a:rPr>
+              <a:t>include: </a:t>
+            </a:r>
+            <a:r>
+              <a:rPr lang="en-US" sz="2600" dirty="0" smtClean="0">
+                <a:latin typeface="Consolas" charset="0"/>
+                <a:ea typeface="Consolas" charset="0"/>
+                <a:cs typeface="Consolas" charset="0"/>
+              </a:rPr>
+              <a:t>tasks/</a:t>
+            </a:r>
+            <a:r>
+              <a:rPr lang="en-US" sz="2600" dirty="0" err="1" smtClean="0">
+                <a:latin typeface="Consolas" charset="0"/>
+                <a:ea typeface="Consolas" charset="0"/>
+                <a:cs typeface="Consolas" charset="0"/>
+              </a:rPr>
+              <a:t>foo.yml</a:t>
+            </a:r>
+            <a:endParaRPr lang="en-US" sz="2600" dirty="0" smtClean="0">
               <a:latin typeface="Consolas" charset="0"/>
               <a:ea typeface="Consolas" charset="0"/>
               <a:cs typeface="Consolas" charset="0"/>
             </a:endParaRPr>
           </a:p>
           <a:p>
-            <a:r>
-              <a:rPr lang="en-US" sz="2800" dirty="0" smtClean="0">
-                <a:ea typeface="Consolas" charset="0"/>
-                <a:cs typeface="Consolas" charset="0"/>
-              </a:rPr>
-              <a:t>Handlers are referenced by a unique name and will only run once, if notified, after all tasks complete in a play.</a:t>
-            </a:r>
-          </a:p>
-          <a:p>
-            <a:endParaRPr lang="en-US" sz="1600" dirty="0" smtClean="0">
+            <a:endParaRPr lang="en-US" dirty="0"/>
+          </a:p>
+          <a:p>
+            <a:r>
+              <a:rPr lang="en-US" sz="3600" dirty="0" smtClean="0"/>
+              <a:t>We can also pass variables into includes:</a:t>
+            </a:r>
+          </a:p>
+          <a:p>
+            <a:pPr marL="0" indent="0">
+              <a:buNone/>
+            </a:pPr>
+            <a:endParaRPr lang="en-US" dirty="0"/>
+          </a:p>
+          <a:p>
+            <a:pPr marL="0" indent="0">
+              <a:buNone/>
+            </a:pPr>
+            <a:r>
+              <a:rPr lang="en-US" sz="2600" dirty="0">
+                <a:latin typeface="Consolas" charset="0"/>
+                <a:ea typeface="Consolas" charset="0"/>
+                <a:cs typeface="Consolas" charset="0"/>
+              </a:rPr>
+              <a:t>tasks: </a:t>
+            </a:r>
+            <a:endParaRPr lang="en-US" sz="2600" dirty="0" smtClean="0">
               <a:latin typeface="Consolas" charset="0"/>
               <a:ea typeface="Consolas" charset="0"/>
               <a:cs typeface="Consolas" charset="0"/>
@@ -11491,14 +11474,78 @@
               <a:buNone/>
             </a:pPr>
             <a:r>
-              <a:rPr lang="en-US" sz="2100" dirty="0">
-                <a:latin typeface="Consolas" charset="0"/>
-                <a:ea typeface="Consolas" charset="0"/>
-                <a:cs typeface="Consolas" charset="0"/>
-              </a:rPr>
-              <a:t>handlers: </a:t>
-            </a:r>
-            <a:endParaRPr lang="en-US" sz="2100" dirty="0" smtClean="0">
+              <a:rPr lang="en-US" sz="2600" dirty="0">
+                <a:latin typeface="Consolas" charset="0"/>
+                <a:ea typeface="Consolas" charset="0"/>
+                <a:cs typeface="Consolas" charset="0"/>
+              </a:rPr>
+              <a:t> </a:t>
+            </a:r>
+            <a:r>
+              <a:rPr lang="en-US" sz="2600" dirty="0" smtClean="0">
+                <a:latin typeface="Consolas" charset="0"/>
+                <a:ea typeface="Consolas" charset="0"/>
+                <a:cs typeface="Consolas" charset="0"/>
+              </a:rPr>
+              <a:t> - </a:t>
+            </a:r>
+            <a:r>
+              <a:rPr lang="en-US" sz="2600" dirty="0">
+                <a:latin typeface="Consolas" charset="0"/>
+                <a:ea typeface="Consolas" charset="0"/>
+                <a:cs typeface="Consolas" charset="0"/>
+              </a:rPr>
+              <a:t>include: </a:t>
+            </a:r>
+            <a:r>
+              <a:rPr lang="en-US" sz="2600" dirty="0" err="1">
+                <a:latin typeface="Consolas" charset="0"/>
+                <a:ea typeface="Consolas" charset="0"/>
+                <a:cs typeface="Consolas" charset="0"/>
+              </a:rPr>
+              <a:t>wordpress.yml</a:t>
+            </a:r>
+            <a:r>
+              <a:rPr lang="en-US" sz="2600" dirty="0">
+                <a:latin typeface="Consolas" charset="0"/>
+                <a:ea typeface="Consolas" charset="0"/>
+                <a:cs typeface="Consolas" charset="0"/>
+              </a:rPr>
+              <a:t> </a:t>
+            </a:r>
+            <a:r>
+              <a:rPr lang="en-US" sz="2600" dirty="0" err="1">
+                <a:latin typeface="Consolas" charset="0"/>
+                <a:ea typeface="Consolas" charset="0"/>
+                <a:cs typeface="Consolas" charset="0"/>
+              </a:rPr>
+              <a:t>wp_user</a:t>
+            </a:r>
+            <a:r>
+              <a:rPr lang="en-US" sz="2600" dirty="0">
+                <a:latin typeface="Consolas" charset="0"/>
+                <a:ea typeface="Consolas" charset="0"/>
+                <a:cs typeface="Consolas" charset="0"/>
+              </a:rPr>
+              <a:t>=</a:t>
+            </a:r>
+            <a:r>
+              <a:rPr lang="en-US" sz="2600" dirty="0" err="1">
+                <a:latin typeface="Consolas" charset="0"/>
+                <a:ea typeface="Consolas" charset="0"/>
+                <a:cs typeface="Consolas" charset="0"/>
+              </a:rPr>
+              <a:t>timmy</a:t>
+            </a:r>
+            <a:r>
+              <a:rPr lang="en-US" sz="2600" dirty="0">
+                <a:latin typeface="Consolas" charset="0"/>
+                <a:ea typeface="Consolas" charset="0"/>
+                <a:cs typeface="Consolas" charset="0"/>
+              </a:rPr>
+              <a:t> </a:t>
+            </a:r>
+            <a:endParaRPr lang="en-US" sz="2600" dirty="0" smtClean="0">
               <a:latin typeface="Consolas" charset="0"/>
               <a:ea typeface="Consolas" charset="0"/>
               <a:cs typeface="Consolas" charset="0"/>
@@ -11509,7 +11556,7 @@
               <a:buNone/>
             </a:pPr>
             <a:r>
-              <a:rPr lang="en-US" sz="2100" dirty="0">
+              <a:rPr lang="en-US" sz="2600" dirty="0">
                 <a:latin typeface="Consolas" charset="0"/>
                 <a:ea typeface="Consolas" charset="0"/>
                 <a:cs typeface="Consolas" charset="0"/>
@@ -11517,7 +11564,7 @@
               <a:t> </a:t>
             </a:r>
             <a:r>
-              <a:rPr lang="en-US" sz="2100" dirty="0" smtClean="0">
+              <a:rPr lang="en-US" sz="2600" dirty="0" smtClean="0">
                 <a:latin typeface="Consolas" charset="0"/>
                 <a:ea typeface="Consolas" charset="0"/>
                 <a:cs typeface="Consolas" charset="0"/>
@@ -11525,30 +11572,62 @@
               <a:t> - </a:t>
             </a:r>
             <a:r>
-              <a:rPr lang="en-US" sz="2100" dirty="0">
-                <a:latin typeface="Consolas" charset="0"/>
-                <a:ea typeface="Consolas" charset="0"/>
-                <a:cs typeface="Consolas" charset="0"/>
-              </a:rPr>
-              <a:t>name: restart </a:t>
-            </a:r>
-            <a:r>
-              <a:rPr lang="en-US" sz="2100" dirty="0" err="1">
-                <a:latin typeface="Consolas" charset="0"/>
-                <a:ea typeface="Consolas" charset="0"/>
-                <a:cs typeface="Consolas" charset="0"/>
-              </a:rPr>
-              <a:t>memcached</a:t>
-            </a:r>
-            <a:r>
-              <a:rPr lang="en-US" sz="2100" dirty="0">
+              <a:rPr lang="en-US" sz="2600" dirty="0">
+                <a:latin typeface="Consolas" charset="0"/>
+                <a:ea typeface="Consolas" charset="0"/>
+                <a:cs typeface="Consolas" charset="0"/>
+              </a:rPr>
+              <a:t>include: </a:t>
+            </a:r>
+            <a:r>
+              <a:rPr lang="en-US" sz="2600" dirty="0" err="1">
+                <a:latin typeface="Consolas" charset="0"/>
+                <a:ea typeface="Consolas" charset="0"/>
+                <a:cs typeface="Consolas" charset="0"/>
+              </a:rPr>
+              <a:t>wordpress.yml</a:t>
+            </a:r>
+            <a:r>
+              <a:rPr lang="en-US" sz="2600" dirty="0">
                 <a:latin typeface="Consolas" charset="0"/>
                 <a:ea typeface="Consolas" charset="0"/>
                 <a:cs typeface="Consolas" charset="0"/>
               </a:rPr>
               <a:t> </a:t>
             </a:r>
-            <a:endParaRPr lang="en-US" sz="2100" dirty="0" smtClean="0">
+            <a:r>
+              <a:rPr lang="en-US" sz="2600" dirty="0" err="1">
+                <a:latin typeface="Consolas" charset="0"/>
+                <a:ea typeface="Consolas" charset="0"/>
+                <a:cs typeface="Consolas" charset="0"/>
+              </a:rPr>
+              <a:t>wp_user</a:t>
+            </a:r>
+            <a:r>
+              <a:rPr lang="en-US" sz="2600" dirty="0">
+                <a:latin typeface="Consolas" charset="0"/>
+                <a:ea typeface="Consolas" charset="0"/>
+                <a:cs typeface="Consolas" charset="0"/>
+              </a:rPr>
+              <a:t>=</a:t>
+            </a:r>
+            <a:r>
+              <a:rPr lang="en-US" sz="2600" dirty="0" err="1">
+                <a:latin typeface="Consolas" charset="0"/>
+                <a:ea typeface="Consolas" charset="0"/>
+                <a:cs typeface="Consolas" charset="0"/>
+              </a:rPr>
+              <a:t>alice</a:t>
+            </a:r>
+            <a:r>
+              <a:rPr lang="en-US" sz="2600" dirty="0">
+                <a:latin typeface="Consolas" charset="0"/>
+                <a:ea typeface="Consolas" charset="0"/>
+                <a:cs typeface="Consolas" charset="0"/>
+              </a:rPr>
+              <a:t> </a:t>
+            </a:r>
+            <a:endParaRPr lang="en-US" sz="2600" dirty="0" smtClean="0">
               <a:latin typeface="Consolas" charset="0"/>
               <a:ea typeface="Consolas" charset="0"/>
               <a:cs typeface="Consolas" charset="0"/>
@@ -11559,7 +11638,7 @@
               <a:buNone/>
             </a:pPr>
             <a:r>
-              <a:rPr lang="en-US" sz="2100" dirty="0">
+              <a:rPr lang="en-US" sz="2600" dirty="0">
                 <a:latin typeface="Consolas" charset="0"/>
                 <a:ea typeface="Consolas" charset="0"/>
                 <a:cs typeface="Consolas" charset="0"/>
@@ -11567,93 +11646,100 @@
               <a:t> </a:t>
             </a:r>
             <a:r>
-              <a:rPr lang="en-US" sz="2100" dirty="0" smtClean="0">
-                <a:latin typeface="Consolas" charset="0"/>
-                <a:ea typeface="Consolas" charset="0"/>
-                <a:cs typeface="Consolas" charset="0"/>
-              </a:rPr>
-              <a:t>   service</a:t>
-            </a:r>
-            <a:r>
-              <a:rPr lang="en-US" sz="2100" dirty="0">
-                <a:latin typeface="Consolas" charset="0"/>
-                <a:ea typeface="Consolas" charset="0"/>
-                <a:cs typeface="Consolas" charset="0"/>
-              </a:rPr>
-              <a:t>: name=</a:t>
-            </a:r>
-            <a:r>
-              <a:rPr lang="en-US" sz="2100" dirty="0" err="1">
-                <a:latin typeface="Consolas" charset="0"/>
-                <a:ea typeface="Consolas" charset="0"/>
-                <a:cs typeface="Consolas" charset="0"/>
-              </a:rPr>
-              <a:t>memcached</a:t>
-            </a:r>
-            <a:r>
-              <a:rPr lang="en-US" sz="2100" dirty="0">
-                <a:latin typeface="Consolas" charset="0"/>
-                <a:ea typeface="Consolas" charset="0"/>
-                <a:cs typeface="Consolas" charset="0"/>
-              </a:rPr>
-              <a:t> state=restarted </a:t>
-            </a:r>
-            <a:endParaRPr lang="en-US" sz="2100" dirty="0" smtClean="0">
+              <a:rPr lang="en-US" sz="2600" dirty="0" smtClean="0">
+                <a:latin typeface="Consolas" charset="0"/>
+                <a:ea typeface="Consolas" charset="0"/>
+                <a:cs typeface="Consolas" charset="0"/>
+              </a:rPr>
+              <a:t> - </a:t>
+            </a:r>
+            <a:r>
+              <a:rPr lang="en-US" sz="2600" dirty="0">
+                <a:latin typeface="Consolas" charset="0"/>
+                <a:ea typeface="Consolas" charset="0"/>
+                <a:cs typeface="Consolas" charset="0"/>
+              </a:rPr>
+              <a:t>include: </a:t>
+            </a:r>
+            <a:r>
+              <a:rPr lang="en-US" sz="2600" dirty="0" err="1">
+                <a:latin typeface="Consolas" charset="0"/>
+                <a:ea typeface="Consolas" charset="0"/>
+                <a:cs typeface="Consolas" charset="0"/>
+              </a:rPr>
+              <a:t>wordpress.yml</a:t>
+            </a:r>
+            <a:r>
+              <a:rPr lang="en-US" sz="2600" dirty="0">
+                <a:latin typeface="Consolas" charset="0"/>
+                <a:ea typeface="Consolas" charset="0"/>
+                <a:cs typeface="Consolas" charset="0"/>
+              </a:rPr>
+              <a:t> </a:t>
+            </a:r>
+            <a:r>
+              <a:rPr lang="en-US" sz="2600" dirty="0" err="1" smtClean="0">
+                <a:latin typeface="Consolas" charset="0"/>
+                <a:ea typeface="Consolas" charset="0"/>
+                <a:cs typeface="Consolas" charset="0"/>
+              </a:rPr>
+              <a:t>wp_user</a:t>
+            </a:r>
+            <a:r>
+              <a:rPr lang="en-US" sz="2600" dirty="0" smtClean="0">
+                <a:latin typeface="Consolas" charset="0"/>
+                <a:ea typeface="Consolas" charset="0"/>
+                <a:cs typeface="Consolas" charset="0"/>
+              </a:rPr>
+              <a:t>=bob</a:t>
+            </a:r>
+          </a:p>
+          <a:p>
+            <a:pPr marL="0" indent="0">
+              <a:buNone/>
+            </a:pPr>
+            <a:endParaRPr lang="en-US" sz="1700" dirty="0">
               <a:latin typeface="Consolas" charset="0"/>
               <a:ea typeface="Consolas" charset="0"/>
               <a:cs typeface="Consolas" charset="0"/>
             </a:endParaRPr>
           </a:p>
           <a:p>
+            <a:r>
+              <a:rPr lang="en-US" sz="3600" dirty="0" smtClean="0">
+                <a:ea typeface="Consolas" charset="0"/>
+                <a:cs typeface="Consolas" charset="0"/>
+              </a:rPr>
+              <a:t>It’s also possible to include one playbook file into another:</a:t>
+            </a:r>
+          </a:p>
+          <a:p>
+            <a:endParaRPr lang="en-US" sz="2000" dirty="0" smtClean="0">
+              <a:ea typeface="Consolas" charset="0"/>
+              <a:cs typeface="Consolas" charset="0"/>
+            </a:endParaRPr>
+          </a:p>
+          <a:p>
             <a:pPr marL="0" indent="0">
               <a:buNone/>
             </a:pPr>
             <a:r>
-              <a:rPr lang="en-US" sz="2100" dirty="0">
-                <a:latin typeface="Consolas" charset="0"/>
-                <a:ea typeface="Consolas" charset="0"/>
-                <a:cs typeface="Consolas" charset="0"/>
-              </a:rPr>
-              <a:t>	</a:t>
-            </a:r>
-            <a:r>
-              <a:rPr lang="en-US" sz="2100" dirty="0" smtClean="0">
-                <a:latin typeface="Consolas" charset="0"/>
-                <a:ea typeface="Consolas" charset="0"/>
-                <a:cs typeface="Consolas" charset="0"/>
-              </a:rPr>
-              <a:t>listen: “restart web services”</a:t>
-            </a:r>
-          </a:p>
-          <a:p>
-            <a:pPr marL="0" indent="0">
-              <a:buNone/>
-            </a:pPr>
-            <a:r>
-              <a:rPr lang="en-US" sz="2100" dirty="0">
-                <a:latin typeface="Consolas" charset="0"/>
-                <a:ea typeface="Consolas" charset="0"/>
-                <a:cs typeface="Consolas" charset="0"/>
-              </a:rPr>
-              <a:t> </a:t>
-            </a:r>
-            <a:r>
-              <a:rPr lang="en-US" sz="2100" dirty="0" smtClean="0">
-                <a:latin typeface="Consolas" charset="0"/>
-                <a:ea typeface="Consolas" charset="0"/>
-                <a:cs typeface="Consolas" charset="0"/>
-              </a:rPr>
-              <a:t> - </a:t>
-            </a:r>
-            <a:r>
-              <a:rPr lang="en-US" sz="2100" dirty="0">
-                <a:latin typeface="Consolas" charset="0"/>
-                <a:ea typeface="Consolas" charset="0"/>
-                <a:cs typeface="Consolas" charset="0"/>
-              </a:rPr>
-              <a:t>name: restart apache </a:t>
-            </a:r>
-            <a:endParaRPr lang="en-US" sz="2100" dirty="0" smtClean="0">
+              <a:rPr lang="en-US" sz="2500" dirty="0" smtClean="0">
+                <a:latin typeface="Consolas" charset="0"/>
+                <a:ea typeface="Consolas" charset="0"/>
+                <a:cs typeface="Consolas" charset="0"/>
+              </a:rPr>
+              <a:t>- name</a:t>
+            </a:r>
+            <a:r>
+              <a:rPr lang="en-US" sz="2500" dirty="0">
+                <a:latin typeface="Consolas" charset="0"/>
+                <a:ea typeface="Consolas" charset="0"/>
+                <a:cs typeface="Consolas" charset="0"/>
+              </a:rPr>
+              <a:t>: this is a play at the top level of a file </a:t>
+            </a:r>
+            <a:endParaRPr lang="en-US" sz="2500" dirty="0" smtClean="0">
               <a:latin typeface="Consolas" charset="0"/>
               <a:ea typeface="Consolas" charset="0"/>
               <a:cs typeface="Consolas" charset="0"/>
@@ -11664,70 +11750,205 @@
               <a:buNone/>
             </a:pPr>
             <a:r>
-              <a:rPr lang="en-US" sz="2100" dirty="0">
-                <a:latin typeface="Consolas" charset="0"/>
-                <a:ea typeface="Consolas" charset="0"/>
-                <a:cs typeface="Consolas" charset="0"/>
-              </a:rPr>
-              <a:t> </a:t>
-            </a:r>
-            <a:r>
-              <a:rPr lang="en-US" sz="2100" dirty="0" smtClean="0">
-                <a:latin typeface="Consolas" charset="0"/>
-                <a:ea typeface="Consolas" charset="0"/>
-                <a:cs typeface="Consolas" charset="0"/>
-              </a:rPr>
-              <a:t>   service</a:t>
-            </a:r>
-            <a:r>
-              <a:rPr lang="en-US" sz="2100" dirty="0">
-                <a:latin typeface="Consolas" charset="0"/>
-                <a:ea typeface="Consolas" charset="0"/>
-                <a:cs typeface="Consolas" charset="0"/>
-              </a:rPr>
-              <a:t>: name=apache </a:t>
-            </a:r>
-            <a:r>
-              <a:rPr lang="en-US" sz="2100" dirty="0" smtClean="0">
-                <a:latin typeface="Consolas" charset="0"/>
-                <a:ea typeface="Consolas" charset="0"/>
-                <a:cs typeface="Consolas" charset="0"/>
-              </a:rPr>
-              <a:t>state=restarted</a:t>
-            </a:r>
-          </a:p>
-          <a:p>
-            <a:pPr marL="0" indent="0">
-              <a:buNone/>
-            </a:pPr>
-            <a:r>
-              <a:rPr lang="en-US" sz="2100" dirty="0">
-                <a:latin typeface="Consolas" charset="0"/>
-                <a:ea typeface="Consolas" charset="0"/>
-                <a:cs typeface="Consolas" charset="0"/>
-              </a:rPr>
-              <a:t>	</a:t>
-            </a:r>
-            <a:r>
-              <a:rPr lang="en-US" sz="2100" dirty="0" smtClean="0">
-                <a:latin typeface="Consolas" charset="0"/>
-                <a:ea typeface="Consolas" charset="0"/>
-                <a:cs typeface="Consolas" charset="0"/>
-              </a:rPr>
-              <a:t>listen: “restart web services”</a:t>
-            </a:r>
-            <a:endParaRPr lang="en-US" sz="2100" dirty="0">
+              <a:rPr lang="en-US" sz="2500" dirty="0" smtClean="0">
+                <a:latin typeface="Consolas" charset="0"/>
+                <a:ea typeface="Consolas" charset="0"/>
+                <a:cs typeface="Consolas" charset="0"/>
+              </a:rPr>
+              <a:t>  hosts</a:t>
+            </a:r>
+            <a:r>
+              <a:rPr lang="en-US" sz="2500" dirty="0">
+                <a:latin typeface="Consolas" charset="0"/>
+                <a:ea typeface="Consolas" charset="0"/>
+                <a:cs typeface="Consolas" charset="0"/>
+              </a:rPr>
+              <a:t>: all </a:t>
+            </a:r>
+            <a:endParaRPr lang="en-US" sz="2500" dirty="0" smtClean="0">
               <a:latin typeface="Consolas" charset="0"/>
               <a:ea typeface="Consolas" charset="0"/>
               <a:cs typeface="Consolas" charset="0"/>
             </a:endParaRPr>
           </a:p>
+          <a:p>
+            <a:pPr marL="0" indent="0">
+              <a:buNone/>
+            </a:pPr>
+            <a:r>
+              <a:rPr lang="en-US" sz="2500" dirty="0" smtClean="0">
+                <a:latin typeface="Consolas" charset="0"/>
+                <a:ea typeface="Consolas" charset="0"/>
+                <a:cs typeface="Consolas" charset="0"/>
+              </a:rPr>
+              <a:t>  tasks</a:t>
+            </a:r>
+            <a:r>
+              <a:rPr lang="en-US" sz="2500" dirty="0">
+                <a:latin typeface="Consolas" charset="0"/>
+                <a:ea typeface="Consolas" charset="0"/>
+                <a:cs typeface="Consolas" charset="0"/>
+              </a:rPr>
+              <a:t>: </a:t>
+            </a:r>
+            <a:endParaRPr lang="en-US" sz="2500" dirty="0" smtClean="0">
+              <a:latin typeface="Consolas" charset="0"/>
+              <a:ea typeface="Consolas" charset="0"/>
+              <a:cs typeface="Consolas" charset="0"/>
+            </a:endParaRPr>
+          </a:p>
+          <a:p>
+            <a:pPr marL="0" indent="0">
+              <a:buNone/>
+            </a:pPr>
+            <a:r>
+              <a:rPr lang="en-US" sz="2500" dirty="0">
+                <a:latin typeface="Consolas" charset="0"/>
+                <a:ea typeface="Consolas" charset="0"/>
+                <a:cs typeface="Consolas" charset="0"/>
+              </a:rPr>
+              <a:t> </a:t>
+            </a:r>
+            <a:r>
+              <a:rPr lang="en-US" sz="2500" dirty="0" smtClean="0">
+                <a:latin typeface="Consolas" charset="0"/>
+                <a:ea typeface="Consolas" charset="0"/>
+                <a:cs typeface="Consolas" charset="0"/>
+              </a:rPr>
+              <a:t>   - </a:t>
+            </a:r>
+            <a:r>
+              <a:rPr lang="en-US" sz="2500" dirty="0">
+                <a:latin typeface="Consolas" charset="0"/>
+                <a:ea typeface="Consolas" charset="0"/>
+                <a:cs typeface="Consolas" charset="0"/>
+              </a:rPr>
+              <a:t>name: say hi </a:t>
+            </a:r>
+            <a:endParaRPr lang="en-US" sz="2500" dirty="0" smtClean="0">
+              <a:latin typeface="Consolas" charset="0"/>
+              <a:ea typeface="Consolas" charset="0"/>
+              <a:cs typeface="Consolas" charset="0"/>
+            </a:endParaRPr>
+          </a:p>
+          <a:p>
+            <a:pPr marL="0" indent="0">
+              <a:buNone/>
+            </a:pPr>
+            <a:r>
+              <a:rPr lang="en-US" sz="2500" dirty="0" smtClean="0">
+                <a:latin typeface="Consolas" charset="0"/>
+                <a:ea typeface="Consolas" charset="0"/>
+                <a:cs typeface="Consolas" charset="0"/>
+              </a:rPr>
+              <a:t>      shell</a:t>
+            </a:r>
+            <a:r>
+              <a:rPr lang="en-US" sz="2500" dirty="0">
+                <a:latin typeface="Consolas" charset="0"/>
+                <a:ea typeface="Consolas" charset="0"/>
+                <a:cs typeface="Consolas" charset="0"/>
+              </a:rPr>
+              <a:t>: echo "hi..." </a:t>
+            </a:r>
+            <a:endParaRPr lang="en-US" sz="2500" dirty="0" smtClean="0">
+              <a:latin typeface="Consolas" charset="0"/>
+              <a:ea typeface="Consolas" charset="0"/>
+              <a:cs typeface="Consolas" charset="0"/>
+            </a:endParaRPr>
+          </a:p>
+          <a:p>
+            <a:pPr marL="0" indent="0">
+              <a:buNone/>
+            </a:pPr>
+            <a:endParaRPr lang="en-US" sz="2500" dirty="0">
+              <a:latin typeface="Consolas" charset="0"/>
+              <a:ea typeface="Consolas" charset="0"/>
+              <a:cs typeface="Consolas" charset="0"/>
+            </a:endParaRPr>
+          </a:p>
+          <a:p>
+            <a:pPr marL="0" indent="0">
+              <a:buNone/>
+            </a:pPr>
+            <a:r>
+              <a:rPr lang="en-US" sz="2500" dirty="0" smtClean="0">
+                <a:latin typeface="Consolas" charset="0"/>
+                <a:ea typeface="Consolas" charset="0"/>
+                <a:cs typeface="Consolas" charset="0"/>
+              </a:rPr>
+              <a:t>- include</a:t>
+            </a:r>
+            <a:r>
+              <a:rPr lang="en-US" sz="2500" dirty="0">
+                <a:latin typeface="Consolas" charset="0"/>
+                <a:ea typeface="Consolas" charset="0"/>
+                <a:cs typeface="Consolas" charset="0"/>
+              </a:rPr>
+              <a:t>: </a:t>
+            </a:r>
+            <a:r>
+              <a:rPr lang="en-US" sz="2500" dirty="0" err="1" smtClean="0">
+                <a:latin typeface="Consolas" charset="0"/>
+                <a:ea typeface="Consolas" charset="0"/>
+                <a:cs typeface="Consolas" charset="0"/>
+              </a:rPr>
+              <a:t>load_balancers.yml</a:t>
+            </a:r>
+            <a:endParaRPr lang="en-US" sz="2500" dirty="0" smtClean="0">
+              <a:latin typeface="Consolas" charset="0"/>
+              <a:ea typeface="Consolas" charset="0"/>
+              <a:cs typeface="Consolas" charset="0"/>
+            </a:endParaRPr>
+          </a:p>
+          <a:p>
+            <a:pPr marL="0" indent="0">
+              <a:buNone/>
+            </a:pPr>
+            <a:r>
+              <a:rPr lang="en-US" sz="2500" dirty="0" smtClean="0">
+                <a:latin typeface="Consolas" charset="0"/>
+                <a:ea typeface="Consolas" charset="0"/>
+                <a:cs typeface="Consolas" charset="0"/>
+              </a:rPr>
+              <a:t>- include</a:t>
+            </a:r>
+            <a:r>
+              <a:rPr lang="en-US" sz="2500" dirty="0">
+                <a:latin typeface="Consolas" charset="0"/>
+                <a:ea typeface="Consolas" charset="0"/>
+                <a:cs typeface="Consolas" charset="0"/>
+              </a:rPr>
+              <a:t>: </a:t>
+            </a:r>
+            <a:r>
+              <a:rPr lang="en-US" sz="2500" dirty="0" err="1">
+                <a:latin typeface="Consolas" charset="0"/>
+                <a:ea typeface="Consolas" charset="0"/>
+                <a:cs typeface="Consolas" charset="0"/>
+              </a:rPr>
+              <a:t>webservers.yml</a:t>
+            </a:r>
+            <a:r>
+              <a:rPr lang="en-US" sz="2500" dirty="0">
+                <a:latin typeface="Consolas" charset="0"/>
+                <a:ea typeface="Consolas" charset="0"/>
+                <a:cs typeface="Consolas" charset="0"/>
+              </a:rPr>
+              <a:t> </a:t>
+            </a:r>
+            <a:endParaRPr lang="en-US" sz="2500" dirty="0" smtClean="0">
+              <a:latin typeface="Consolas" charset="0"/>
+              <a:ea typeface="Consolas" charset="0"/>
+              <a:cs typeface="Consolas" charset="0"/>
+            </a:endParaRPr>
+          </a:p>
         </p:txBody>
       </p:sp>
     </p:spTree>
     <p:extLst>
       <p:ext uri="{BB962C8B-B14F-4D97-AF65-F5344CB8AC3E}">
-        <p14:creationId xmlns:p14="http://schemas.microsoft.com/office/powerpoint/2010/main" val="351163086"/>
+        <p14:creationId xmlns:p14="http://schemas.microsoft.com/office/powerpoint/2010/main" val="1396539662"/>
       </p:ext>
     </p:extLst>
   </p:cSld>
@@ -11778,7 +11999,7 @@
           <a:p>
             <a:r>
               <a:rPr lang="en-US" dirty="0" smtClean="0"/>
-              <a:t>Includes</a:t>
+              <a:t>Variables</a:t>
             </a:r>
             <a:endParaRPr lang="en-US" dirty="0"/>
           </a:p>
@@ -11797,18 +12018,44 @@
         <p:spPr>
           <a:xfrm>
             <a:off x="457200" y="1600200"/>
-            <a:ext cx="8229600" cy="5257800"/>
+            <a:ext cx="8229600" cy="5151329"/>
           </a:xfrm>
         </p:spPr>
         <p:txBody>
           <a:bodyPr>
-            <a:normAutofit fontScale="55000" lnSpcReduction="20000"/>
+            <a:normAutofit fontScale="32500" lnSpcReduction="20000"/>
           </a:bodyPr>
           <a:lstStyle/>
           <a:p>
             <a:r>
-              <a:rPr lang="en-US" sz="3600" dirty="0" smtClean="0"/>
-              <a:t>We can use include files to reuse tasks between plays or playbooks.</a:t>
+              <a:rPr lang="en-US" sz="5500" dirty="0" smtClean="0"/>
+              <a:t>Variables allow us to deal with small configuration differences between systems.</a:t>
+            </a:r>
+          </a:p>
+          <a:p>
+            <a:endParaRPr lang="en-US" sz="5500" dirty="0" smtClean="0"/>
+          </a:p>
+          <a:p>
+            <a:r>
+              <a:rPr lang="en-US" sz="5500" dirty="0" smtClean="0"/>
+              <a:t>Variable names should be letters, numbers, and underscores.</a:t>
+            </a:r>
+          </a:p>
+          <a:p>
+            <a:pPr lvl="1"/>
+            <a:r>
+              <a:rPr lang="en-US" sz="5500" dirty="0" smtClean="0"/>
+              <a:t>Should always start with a letter.</a:t>
+            </a:r>
+          </a:p>
+          <a:p>
+            <a:pPr lvl="1"/>
+            <a:endParaRPr lang="en-US" sz="5500" dirty="0" smtClean="0"/>
+          </a:p>
+          <a:p>
+            <a:r>
+              <a:rPr lang="en-US" sz="5500" dirty="0" smtClean="0"/>
+              <a:t>YAML can map keys to values:</a:t>
             </a:r>
           </a:p>
           <a:p>
@@ -11819,25 +12066,20 @@
               <a:buNone/>
             </a:pPr>
             <a:r>
-              <a:rPr lang="en-US" sz="2600" dirty="0">
-                <a:latin typeface="Consolas" charset="0"/>
-                <a:ea typeface="Consolas" charset="0"/>
-                <a:cs typeface="Consolas" charset="0"/>
-              </a:rPr>
-              <a:t>tasks: </a:t>
-            </a:r>
-            <a:endParaRPr lang="en-US" sz="2600" dirty="0" smtClean="0">
-              <a:latin typeface="Consolas" charset="0"/>
-              <a:ea typeface="Consolas" charset="0"/>
-              <a:cs typeface="Consolas" charset="0"/>
-            </a:endParaRPr>
+              <a:rPr lang="en-US" sz="4300" dirty="0" smtClean="0">
+                <a:latin typeface="Consolas" charset="0"/>
+                <a:ea typeface="Consolas" charset="0"/>
+                <a:cs typeface="Consolas" charset="0"/>
+              </a:rPr>
+              <a:t>foo:</a:t>
+            </a:r>
           </a:p>
           <a:p>
             <a:pPr marL="0" indent="0">
               <a:buNone/>
             </a:pPr>
             <a:r>
-              <a:rPr lang="en-US" sz="2600" dirty="0">
+              <a:rPr lang="en-US" sz="4300" dirty="0">
                 <a:latin typeface="Consolas" charset="0"/>
                 <a:ea typeface="Consolas" charset="0"/>
                 <a:cs typeface="Consolas" charset="0"/>
@@ -11845,82 +12087,158 @@
               <a:t> </a:t>
             </a:r>
             <a:r>
-              <a:rPr lang="en-US" sz="2600" dirty="0" smtClean="0">
-                <a:latin typeface="Consolas" charset="0"/>
-                <a:ea typeface="Consolas" charset="0"/>
-                <a:cs typeface="Consolas" charset="0"/>
-              </a:rPr>
-              <a:t> - </a:t>
-            </a:r>
-            <a:r>
-              <a:rPr lang="en-US" sz="2600" dirty="0">
-                <a:latin typeface="Consolas" charset="0"/>
-                <a:ea typeface="Consolas" charset="0"/>
-                <a:cs typeface="Consolas" charset="0"/>
-              </a:rPr>
-              <a:t>include: </a:t>
-            </a:r>
-            <a:r>
-              <a:rPr lang="en-US" sz="2600" dirty="0" smtClean="0">
-                <a:latin typeface="Consolas" charset="0"/>
-                <a:ea typeface="Consolas" charset="0"/>
-                <a:cs typeface="Consolas" charset="0"/>
-              </a:rPr>
-              <a:t>tasks/</a:t>
-            </a:r>
-            <a:r>
-              <a:rPr lang="en-US" sz="2600" dirty="0" err="1" smtClean="0">
-                <a:latin typeface="Consolas" charset="0"/>
-                <a:ea typeface="Consolas" charset="0"/>
-                <a:cs typeface="Consolas" charset="0"/>
-              </a:rPr>
-              <a:t>foo.yml</a:t>
-            </a:r>
-            <a:endParaRPr lang="en-US" sz="2600" dirty="0" smtClean="0">
-              <a:latin typeface="Consolas" charset="0"/>
-              <a:ea typeface="Consolas" charset="0"/>
-              <a:cs typeface="Consolas" charset="0"/>
-            </a:endParaRPr>
+              <a:rPr lang="en-US" sz="4300" dirty="0" smtClean="0">
+                <a:latin typeface="Consolas" charset="0"/>
+                <a:ea typeface="Consolas" charset="0"/>
+                <a:cs typeface="Consolas" charset="0"/>
+              </a:rPr>
+              <a:t> field1: one</a:t>
+            </a:r>
+          </a:p>
+          <a:p>
+            <a:pPr marL="0" indent="0">
+              <a:buNone/>
+            </a:pPr>
+            <a:r>
+              <a:rPr lang="en-US" sz="4300" dirty="0">
+                <a:latin typeface="Consolas" charset="0"/>
+                <a:ea typeface="Consolas" charset="0"/>
+                <a:cs typeface="Consolas" charset="0"/>
+              </a:rPr>
+              <a:t> </a:t>
+            </a:r>
+            <a:r>
+              <a:rPr lang="en-US" sz="4300" dirty="0" smtClean="0">
+                <a:latin typeface="Consolas" charset="0"/>
+                <a:ea typeface="Consolas" charset="0"/>
+                <a:cs typeface="Consolas" charset="0"/>
+              </a:rPr>
+              <a:t> field2: two</a:t>
+            </a:r>
+          </a:p>
+          <a:p>
+            <a:pPr marL="0" indent="0">
+              <a:buNone/>
+            </a:pPr>
+            <a:endParaRPr lang="en-US" dirty="0" smtClean="0"/>
+          </a:p>
+          <a:p>
+            <a:r>
+              <a:rPr lang="en-US" sz="5500" dirty="0" smtClean="0"/>
+              <a:t>Multiple ways to reference a specific field in a dictionary value:</a:t>
+            </a:r>
           </a:p>
           <a:p>
             <a:endParaRPr lang="en-US" dirty="0"/>
           </a:p>
           <a:p>
-            <a:r>
-              <a:rPr lang="en-US" sz="3600" dirty="0" smtClean="0"/>
-              <a:t>We can also pass variables into includes:</a:t>
-            </a:r>
-          </a:p>
-          <a:p>
             <a:pPr marL="0" indent="0">
               <a:buNone/>
             </a:pPr>
+            <a:r>
+              <a:rPr lang="en-US" sz="4300" dirty="0">
+                <a:latin typeface="Consolas" charset="0"/>
+                <a:ea typeface="Consolas" charset="0"/>
+                <a:cs typeface="Consolas" charset="0"/>
+              </a:rPr>
+              <a:t>f</a:t>
+            </a:r>
+            <a:r>
+              <a:rPr lang="en-US" sz="4300" dirty="0" smtClean="0">
+                <a:latin typeface="Consolas" charset="0"/>
+                <a:ea typeface="Consolas" charset="0"/>
+                <a:cs typeface="Consolas" charset="0"/>
+              </a:rPr>
+              <a:t>oo[‘field1’]</a:t>
+            </a:r>
+          </a:p>
+          <a:p>
+            <a:pPr marL="0" indent="0">
+              <a:buNone/>
+            </a:pPr>
+            <a:r>
+              <a:rPr lang="en-US" sz="4300" dirty="0" smtClean="0">
+                <a:latin typeface="Consolas" charset="0"/>
+                <a:ea typeface="Consolas" charset="0"/>
+                <a:cs typeface="Consolas" charset="0"/>
+              </a:rPr>
+              <a:t>foo.field1</a:t>
+            </a:r>
+          </a:p>
+          <a:p>
+            <a:pPr marL="0" indent="0">
+              <a:buNone/>
+            </a:pPr>
             <a:endParaRPr lang="en-US" dirty="0"/>
           </a:p>
           <a:p>
+            <a:r>
+              <a:rPr lang="en-US" sz="5500" dirty="0" smtClean="0"/>
+              <a:t>Define variables directly in a playbook using </a:t>
+            </a:r>
+            <a:r>
+              <a:rPr lang="en-US" sz="5500" b="1" dirty="0" err="1" smtClean="0"/>
+              <a:t>vars</a:t>
+            </a:r>
+            <a:r>
+              <a:rPr lang="en-US" sz="5500" dirty="0" smtClean="0"/>
+              <a:t> section:</a:t>
+            </a:r>
+          </a:p>
+          <a:p>
             <a:pPr marL="0" indent="0">
               <a:buNone/>
             </a:pPr>
-            <a:r>
-              <a:rPr lang="en-US" sz="2600" dirty="0">
-                <a:latin typeface="Consolas" charset="0"/>
-                <a:ea typeface="Consolas" charset="0"/>
-                <a:cs typeface="Consolas" charset="0"/>
-              </a:rPr>
-              <a:t>tasks: </a:t>
-            </a:r>
-            <a:endParaRPr lang="en-US" sz="2600" dirty="0" smtClean="0">
-              <a:latin typeface="Consolas" charset="0"/>
-              <a:ea typeface="Consolas" charset="0"/>
-              <a:cs typeface="Consolas" charset="0"/>
-            </a:endParaRPr>
+            <a:endParaRPr lang="en-US" dirty="0"/>
           </a:p>
           <a:p>
             <a:pPr marL="0" indent="0">
               <a:buNone/>
             </a:pPr>
             <a:r>
-              <a:rPr lang="en-US" sz="2600" dirty="0">
+              <a:rPr lang="en-US" sz="4300" dirty="0" smtClean="0">
+                <a:latin typeface="Consolas" charset="0"/>
+                <a:ea typeface="Consolas" charset="0"/>
+                <a:cs typeface="Consolas" charset="0"/>
+              </a:rPr>
+              <a:t>- hosts: webservers</a:t>
+            </a:r>
+          </a:p>
+          <a:p>
+            <a:pPr marL="0" indent="0">
+              <a:buNone/>
+            </a:pPr>
+            <a:r>
+              <a:rPr lang="en-US" sz="4300" dirty="0" smtClean="0">
+                <a:latin typeface="Consolas" charset="0"/>
+                <a:ea typeface="Consolas" charset="0"/>
+                <a:cs typeface="Consolas" charset="0"/>
+              </a:rPr>
+              <a:t>  </a:t>
+            </a:r>
+            <a:r>
+              <a:rPr lang="en-US" sz="4300" dirty="0" err="1" smtClean="0">
+                <a:latin typeface="Consolas" charset="0"/>
+                <a:ea typeface="Consolas" charset="0"/>
+                <a:cs typeface="Consolas" charset="0"/>
+              </a:rPr>
+              <a:t>vars</a:t>
+            </a:r>
+            <a:r>
+              <a:rPr lang="en-US" sz="4300" dirty="0" smtClean="0">
+                <a:latin typeface="Consolas" charset="0"/>
+                <a:ea typeface="Consolas" charset="0"/>
+                <a:cs typeface="Consolas" charset="0"/>
+              </a:rPr>
+              <a:t>:</a:t>
+            </a:r>
+          </a:p>
+          <a:p>
+            <a:pPr marL="0" indent="0">
+              <a:buNone/>
+            </a:pPr>
+            <a:r>
+              <a:rPr lang="en-US" sz="4300" dirty="0">
                 <a:latin typeface="Consolas" charset="0"/>
                 <a:ea typeface="Consolas" charset="0"/>
                 <a:cs typeface="Consolas" charset="0"/>
@@ -11928,473 +12246,48 @@
               <a:t> </a:t>
             </a:r>
             <a:r>
-              <a:rPr lang="en-US" sz="2600" dirty="0" smtClean="0">
-                <a:latin typeface="Consolas" charset="0"/>
-                <a:ea typeface="Consolas" charset="0"/>
-                <a:cs typeface="Consolas" charset="0"/>
-              </a:rPr>
-              <a:t> - </a:t>
-            </a:r>
-            <a:r>
-              <a:rPr lang="en-US" sz="2600" dirty="0">
-                <a:latin typeface="Consolas" charset="0"/>
-                <a:ea typeface="Consolas" charset="0"/>
-                <a:cs typeface="Consolas" charset="0"/>
-              </a:rPr>
-              <a:t>include: </a:t>
-            </a:r>
-            <a:r>
-              <a:rPr lang="en-US" sz="2600" dirty="0" err="1">
-                <a:latin typeface="Consolas" charset="0"/>
-                <a:ea typeface="Consolas" charset="0"/>
-                <a:cs typeface="Consolas" charset="0"/>
-              </a:rPr>
-              <a:t>wordpress.yml</a:t>
-            </a:r>
-            <a:r>
-              <a:rPr lang="en-US" sz="2600" dirty="0">
-                <a:latin typeface="Consolas" charset="0"/>
-                <a:ea typeface="Consolas" charset="0"/>
-                <a:cs typeface="Consolas" charset="0"/>
-              </a:rPr>
-              <a:t> </a:t>
-            </a:r>
-            <a:r>
-              <a:rPr lang="en-US" sz="2600" dirty="0" err="1">
-                <a:latin typeface="Consolas" charset="0"/>
-                <a:ea typeface="Consolas" charset="0"/>
-                <a:cs typeface="Consolas" charset="0"/>
-              </a:rPr>
-              <a:t>wp_user</a:t>
-            </a:r>
-            <a:r>
-              <a:rPr lang="en-US" sz="2600" dirty="0">
-                <a:latin typeface="Consolas" charset="0"/>
-                <a:ea typeface="Consolas" charset="0"/>
-                <a:cs typeface="Consolas" charset="0"/>
-              </a:rPr>
-              <a:t>=</a:t>
-            </a:r>
-            <a:r>
-              <a:rPr lang="en-US" sz="2600" dirty="0" err="1">
-                <a:latin typeface="Consolas" charset="0"/>
-                <a:ea typeface="Consolas" charset="0"/>
-                <a:cs typeface="Consolas" charset="0"/>
-              </a:rPr>
-              <a:t>timmy</a:t>
-            </a:r>
-            <a:r>
-              <a:rPr lang="en-US" sz="2600" dirty="0">
-                <a:latin typeface="Consolas" charset="0"/>
-                <a:ea typeface="Consolas" charset="0"/>
-                <a:cs typeface="Consolas" charset="0"/>
-              </a:rPr>
-              <a:t> </a:t>
-            </a:r>
-            <a:endParaRPr lang="en-US" sz="2600" dirty="0" smtClean="0">
-              <a:latin typeface="Consolas" charset="0"/>
-              <a:ea typeface="Consolas" charset="0"/>
-              <a:cs typeface="Consolas" charset="0"/>
-            </a:endParaRPr>
+              <a:rPr lang="en-US" sz="4300" dirty="0" smtClean="0">
+                <a:latin typeface="Consolas" charset="0"/>
+                <a:ea typeface="Consolas" charset="0"/>
+                <a:cs typeface="Consolas" charset="0"/>
+              </a:rPr>
+              <a:t>   </a:t>
+            </a:r>
+            <a:r>
+              <a:rPr lang="en-US" sz="4300" dirty="0" err="1" smtClean="0">
+                <a:latin typeface="Consolas" charset="0"/>
+                <a:ea typeface="Consolas" charset="0"/>
+                <a:cs typeface="Consolas" charset="0"/>
+              </a:rPr>
+              <a:t>http_port</a:t>
+            </a:r>
+            <a:r>
+              <a:rPr lang="en-US" sz="4300" dirty="0" smtClean="0">
+                <a:latin typeface="Consolas" charset="0"/>
+                <a:ea typeface="Consolas" charset="0"/>
+                <a:cs typeface="Consolas" charset="0"/>
+              </a:rPr>
+              <a:t>: 800</a:t>
+            </a:r>
           </a:p>
           <a:p>
             <a:pPr marL="0" indent="0">
               <a:buNone/>
             </a:pPr>
-            <a:r>
-              <a:rPr lang="en-US" sz="2600" dirty="0">
-                <a:latin typeface="Consolas" charset="0"/>
-                <a:ea typeface="Consolas" charset="0"/>
-                <a:cs typeface="Consolas" charset="0"/>
-              </a:rPr>
-              <a:t> </a:t>
-            </a:r>
-            <a:r>
-              <a:rPr lang="en-US" sz="2600" dirty="0" smtClean="0">
-                <a:latin typeface="Consolas" charset="0"/>
-                <a:ea typeface="Consolas" charset="0"/>
-                <a:cs typeface="Consolas" charset="0"/>
-              </a:rPr>
-              <a:t> - </a:t>
-            </a:r>
-            <a:r>
-              <a:rPr lang="en-US" sz="2600" dirty="0">
-                <a:latin typeface="Consolas" charset="0"/>
-                <a:ea typeface="Consolas" charset="0"/>
-                <a:cs typeface="Consolas" charset="0"/>
-              </a:rPr>
-              <a:t>include: </a:t>
-            </a:r>
-            <a:r>
-              <a:rPr lang="en-US" sz="2600" dirty="0" err="1">
-                <a:latin typeface="Consolas" charset="0"/>
-                <a:ea typeface="Consolas" charset="0"/>
-                <a:cs typeface="Consolas" charset="0"/>
-              </a:rPr>
-              <a:t>wordpress.yml</a:t>
-            </a:r>
-            <a:r>
-              <a:rPr lang="en-US" sz="2600" dirty="0">
-                <a:latin typeface="Consolas" charset="0"/>
-                <a:ea typeface="Consolas" charset="0"/>
-                <a:cs typeface="Consolas" charset="0"/>
-              </a:rPr>
-              <a:t> </a:t>
-            </a:r>
-            <a:r>
-              <a:rPr lang="en-US" sz="2600" dirty="0" err="1">
-                <a:latin typeface="Consolas" charset="0"/>
-                <a:ea typeface="Consolas" charset="0"/>
-                <a:cs typeface="Consolas" charset="0"/>
-              </a:rPr>
-              <a:t>wp_user</a:t>
-            </a:r>
-            <a:r>
-              <a:rPr lang="en-US" sz="2600" dirty="0">
-                <a:latin typeface="Consolas" charset="0"/>
-                <a:ea typeface="Consolas" charset="0"/>
-                <a:cs typeface="Consolas" charset="0"/>
-              </a:rPr>
-              <a:t>=</a:t>
-            </a:r>
-            <a:r>
-              <a:rPr lang="en-US" sz="2600" dirty="0" err="1">
-                <a:latin typeface="Consolas" charset="0"/>
-                <a:ea typeface="Consolas" charset="0"/>
-                <a:cs typeface="Consolas" charset="0"/>
-              </a:rPr>
-              <a:t>alice</a:t>
-            </a:r>
-            <a:r>
-              <a:rPr lang="en-US" sz="2600" dirty="0">
-                <a:latin typeface="Consolas" charset="0"/>
-                <a:ea typeface="Consolas" charset="0"/>
-                <a:cs typeface="Consolas" charset="0"/>
-              </a:rPr>
-              <a:t> </a:t>
-            </a:r>
-            <a:endParaRPr lang="en-US" sz="2600" dirty="0" smtClean="0">
-              <a:latin typeface="Consolas" charset="0"/>
-              <a:ea typeface="Consolas" charset="0"/>
-              <a:cs typeface="Consolas" charset="0"/>
-            </a:endParaRPr>
+            <a:endParaRPr lang="en-US" dirty="0"/>
           </a:p>
           <a:p>
             <a:pPr marL="0" indent="0">
               <a:buNone/>
             </a:pPr>
-            <a:r>
-              <a:rPr lang="en-US" sz="2600" dirty="0">
-                <a:latin typeface="Consolas" charset="0"/>
-                <a:ea typeface="Consolas" charset="0"/>
-                <a:cs typeface="Consolas" charset="0"/>
-              </a:rPr>
-              <a:t> </a:t>
-            </a:r>
-            <a:r>
-              <a:rPr lang="en-US" sz="2600" dirty="0" smtClean="0">
-                <a:latin typeface="Consolas" charset="0"/>
-                <a:ea typeface="Consolas" charset="0"/>
-                <a:cs typeface="Consolas" charset="0"/>
-              </a:rPr>
-              <a:t> - </a:t>
-            </a:r>
-            <a:r>
-              <a:rPr lang="en-US" sz="2600" dirty="0">
-                <a:latin typeface="Consolas" charset="0"/>
-                <a:ea typeface="Consolas" charset="0"/>
-                <a:cs typeface="Consolas" charset="0"/>
-              </a:rPr>
-              <a:t>include: </a:t>
-            </a:r>
-            <a:r>
-              <a:rPr lang="en-US" sz="2600" dirty="0" err="1">
-                <a:latin typeface="Consolas" charset="0"/>
-                <a:ea typeface="Consolas" charset="0"/>
-                <a:cs typeface="Consolas" charset="0"/>
-              </a:rPr>
-              <a:t>wordpress.yml</a:t>
-            </a:r>
-            <a:r>
-              <a:rPr lang="en-US" sz="2600" dirty="0">
-                <a:latin typeface="Consolas" charset="0"/>
-                <a:ea typeface="Consolas" charset="0"/>
-                <a:cs typeface="Consolas" charset="0"/>
-              </a:rPr>
-              <a:t> </a:t>
-            </a:r>
-            <a:r>
-              <a:rPr lang="en-US" sz="2600" dirty="0" err="1" smtClean="0">
-                <a:latin typeface="Consolas" charset="0"/>
-                <a:ea typeface="Consolas" charset="0"/>
-                <a:cs typeface="Consolas" charset="0"/>
-              </a:rPr>
-              <a:t>wp_user</a:t>
-            </a:r>
-            <a:r>
-              <a:rPr lang="en-US" sz="2600" dirty="0" smtClean="0">
-                <a:latin typeface="Consolas" charset="0"/>
-                <a:ea typeface="Consolas" charset="0"/>
-                <a:cs typeface="Consolas" charset="0"/>
-              </a:rPr>
-              <a:t>=bob</a:t>
-            </a:r>
-          </a:p>
-          <a:p>
-            <a:pPr marL="0" indent="0">
-              <a:buNone/>
-            </a:pPr>
-            <a:endParaRPr lang="en-US" sz="1700" dirty="0">
-              <a:latin typeface="Consolas" charset="0"/>
-              <a:ea typeface="Consolas" charset="0"/>
-              <a:cs typeface="Consolas" charset="0"/>
-            </a:endParaRPr>
-          </a:p>
-          <a:p>
-            <a:r>
-              <a:rPr lang="en-US" sz="3600" dirty="0" smtClean="0">
-                <a:ea typeface="Consolas" charset="0"/>
-                <a:cs typeface="Consolas" charset="0"/>
-              </a:rPr>
-              <a:t>It’s also possible to include one playbook file into another:</a:t>
-            </a:r>
-          </a:p>
-          <a:p>
-            <a:endParaRPr lang="en-US" sz="2000" dirty="0" smtClean="0">
-              <a:ea typeface="Consolas" charset="0"/>
-              <a:cs typeface="Consolas" charset="0"/>
-            </a:endParaRPr>
-          </a:p>
-          <a:p>
-            <a:pPr marL="0" indent="0">
-              <a:buNone/>
-            </a:pPr>
-            <a:r>
-              <a:rPr lang="en-US" sz="2500" dirty="0" smtClean="0">
-                <a:latin typeface="Consolas" charset="0"/>
-                <a:ea typeface="Consolas" charset="0"/>
-                <a:cs typeface="Consolas" charset="0"/>
-              </a:rPr>
-              <a:t>- name</a:t>
-            </a:r>
-            <a:r>
-              <a:rPr lang="en-US" sz="2500" dirty="0">
-                <a:latin typeface="Consolas" charset="0"/>
-                <a:ea typeface="Consolas" charset="0"/>
-                <a:cs typeface="Consolas" charset="0"/>
-              </a:rPr>
-              <a:t>: this is a play at the top level of a file </a:t>
-            </a:r>
-            <a:endParaRPr lang="en-US" sz="2500" dirty="0" smtClean="0">
-              <a:latin typeface="Consolas" charset="0"/>
-              <a:ea typeface="Consolas" charset="0"/>
-              <a:cs typeface="Consolas" charset="0"/>
-            </a:endParaRPr>
-          </a:p>
-          <a:p>
-            <a:pPr marL="0" indent="0">
-              <a:buNone/>
-            </a:pPr>
-            <a:r>
-              <a:rPr lang="en-US" sz="2500" dirty="0" smtClean="0">
-                <a:latin typeface="Consolas" charset="0"/>
-                <a:ea typeface="Consolas" charset="0"/>
-                <a:cs typeface="Consolas" charset="0"/>
-              </a:rPr>
-              <a:t>  hosts</a:t>
-            </a:r>
-            <a:r>
-              <a:rPr lang="en-US" sz="2500" dirty="0">
-                <a:latin typeface="Consolas" charset="0"/>
-                <a:ea typeface="Consolas" charset="0"/>
-                <a:cs typeface="Consolas" charset="0"/>
-              </a:rPr>
-              <a:t>: all </a:t>
-            </a:r>
-            <a:endParaRPr lang="en-US" sz="2500" dirty="0" smtClean="0">
-              <a:latin typeface="Consolas" charset="0"/>
-              <a:ea typeface="Consolas" charset="0"/>
-              <a:cs typeface="Consolas" charset="0"/>
-            </a:endParaRPr>
-          </a:p>
-          <a:p>
-            <a:pPr marL="0" indent="0">
-              <a:buNone/>
-            </a:pPr>
-            <a:r>
-              <a:rPr lang="en-US" sz="2500" dirty="0" smtClean="0">
-                <a:latin typeface="Consolas" charset="0"/>
-                <a:ea typeface="Consolas" charset="0"/>
-                <a:cs typeface="Consolas" charset="0"/>
-              </a:rPr>
-              <a:t>  tasks</a:t>
-            </a:r>
-            <a:r>
-              <a:rPr lang="en-US" sz="2500" dirty="0">
-                <a:latin typeface="Consolas" charset="0"/>
-                <a:ea typeface="Consolas" charset="0"/>
-                <a:cs typeface="Consolas" charset="0"/>
-              </a:rPr>
-              <a:t>: </a:t>
-            </a:r>
-            <a:endParaRPr lang="en-US" sz="2500" dirty="0" smtClean="0">
-              <a:latin typeface="Consolas" charset="0"/>
-              <a:ea typeface="Consolas" charset="0"/>
-              <a:cs typeface="Consolas" charset="0"/>
-            </a:endParaRPr>
-          </a:p>
-          <a:p>
-            <a:pPr marL="0" indent="0">
-              <a:buNone/>
-            </a:pPr>
-            <a:r>
-              <a:rPr lang="en-US" sz="2500" dirty="0">
-                <a:latin typeface="Consolas" charset="0"/>
-                <a:ea typeface="Consolas" charset="0"/>
-                <a:cs typeface="Consolas" charset="0"/>
-              </a:rPr>
-              <a:t> </a:t>
-            </a:r>
-            <a:r>
-              <a:rPr lang="en-US" sz="2500" dirty="0" smtClean="0">
-                <a:latin typeface="Consolas" charset="0"/>
-                <a:ea typeface="Consolas" charset="0"/>
-                <a:cs typeface="Consolas" charset="0"/>
-              </a:rPr>
-              <a:t>   - </a:t>
-            </a:r>
-            <a:r>
-              <a:rPr lang="en-US" sz="2500" dirty="0">
-                <a:latin typeface="Consolas" charset="0"/>
-                <a:ea typeface="Consolas" charset="0"/>
-                <a:cs typeface="Consolas" charset="0"/>
-              </a:rPr>
-              <a:t>name: say hi </a:t>
-            </a:r>
-            <a:endParaRPr lang="en-US" sz="2500" dirty="0" smtClean="0">
-              <a:latin typeface="Consolas" charset="0"/>
-              <a:ea typeface="Consolas" charset="0"/>
-              <a:cs typeface="Consolas" charset="0"/>
-            </a:endParaRPr>
-          </a:p>
-          <a:p>
-            <a:pPr marL="0" indent="0">
-              <a:buNone/>
-            </a:pPr>
-            <a:r>
-              <a:rPr lang="en-US" sz="2500" dirty="0" smtClean="0">
-                <a:latin typeface="Consolas" charset="0"/>
-                <a:ea typeface="Consolas" charset="0"/>
-                <a:cs typeface="Consolas" charset="0"/>
-              </a:rPr>
-              <a:t>      shell</a:t>
-            </a:r>
-            <a:r>
-              <a:rPr lang="en-US" sz="2500" dirty="0">
-                <a:latin typeface="Consolas" charset="0"/>
-                <a:ea typeface="Consolas" charset="0"/>
-                <a:cs typeface="Consolas" charset="0"/>
-              </a:rPr>
-              <a:t>: echo "hi..." </a:t>
-            </a:r>
-            <a:endParaRPr lang="en-US" sz="2500" dirty="0" smtClean="0">
-              <a:latin typeface="Consolas" charset="0"/>
-              <a:ea typeface="Consolas" charset="0"/>
-              <a:cs typeface="Consolas" charset="0"/>
-            </a:endParaRPr>
-          </a:p>
-          <a:p>
-            <a:pPr marL="0" indent="0">
-              <a:buNone/>
-            </a:pPr>
-            <a:endParaRPr lang="en-US" sz="2500" dirty="0">
-              <a:latin typeface="Consolas" charset="0"/>
-              <a:ea typeface="Consolas" charset="0"/>
-              <a:cs typeface="Consolas" charset="0"/>
-            </a:endParaRPr>
-          </a:p>
-          <a:p>
-            <a:pPr marL="0" indent="0">
-              <a:buNone/>
-            </a:pPr>
-            <a:r>
-              <a:rPr lang="en-US" sz="2500" dirty="0" smtClean="0">
-                <a:latin typeface="Consolas" charset="0"/>
-                <a:ea typeface="Consolas" charset="0"/>
-                <a:cs typeface="Consolas" charset="0"/>
-              </a:rPr>
-              <a:t>- include</a:t>
-            </a:r>
-            <a:r>
-              <a:rPr lang="en-US" sz="2500" dirty="0">
-                <a:latin typeface="Consolas" charset="0"/>
-                <a:ea typeface="Consolas" charset="0"/>
-                <a:cs typeface="Consolas" charset="0"/>
-              </a:rPr>
-              <a:t>: </a:t>
-            </a:r>
-            <a:r>
-              <a:rPr lang="en-US" sz="2500" dirty="0" err="1" smtClean="0">
-                <a:latin typeface="Consolas" charset="0"/>
-                <a:ea typeface="Consolas" charset="0"/>
-                <a:cs typeface="Consolas" charset="0"/>
-              </a:rPr>
-              <a:t>load_balancers.yml</a:t>
-            </a:r>
-            <a:endParaRPr lang="en-US" sz="2500" dirty="0" smtClean="0">
-              <a:latin typeface="Consolas" charset="0"/>
-              <a:ea typeface="Consolas" charset="0"/>
-              <a:cs typeface="Consolas" charset="0"/>
-            </a:endParaRPr>
-          </a:p>
-          <a:p>
-            <a:pPr marL="0" indent="0">
-              <a:buNone/>
-            </a:pPr>
-            <a:r>
-              <a:rPr lang="en-US" sz="2500" dirty="0" smtClean="0">
-                <a:latin typeface="Consolas" charset="0"/>
-                <a:ea typeface="Consolas" charset="0"/>
-                <a:cs typeface="Consolas" charset="0"/>
-              </a:rPr>
-              <a:t>- include</a:t>
-            </a:r>
-            <a:r>
-              <a:rPr lang="en-US" sz="2500" dirty="0">
-                <a:latin typeface="Consolas" charset="0"/>
-                <a:ea typeface="Consolas" charset="0"/>
-                <a:cs typeface="Consolas" charset="0"/>
-              </a:rPr>
-              <a:t>: </a:t>
-            </a:r>
-            <a:r>
-              <a:rPr lang="en-US" sz="2500" dirty="0" err="1">
-                <a:latin typeface="Consolas" charset="0"/>
-                <a:ea typeface="Consolas" charset="0"/>
-                <a:cs typeface="Consolas" charset="0"/>
-              </a:rPr>
-              <a:t>webservers.yml</a:t>
-            </a:r>
-            <a:r>
-              <a:rPr lang="en-US" sz="2500" dirty="0">
-                <a:latin typeface="Consolas" charset="0"/>
-                <a:ea typeface="Consolas" charset="0"/>
-                <a:cs typeface="Consolas" charset="0"/>
-              </a:rPr>
-              <a:t> </a:t>
-            </a:r>
-            <a:endParaRPr lang="en-US" sz="2500" dirty="0" smtClean="0">
-              <a:latin typeface="Consolas" charset="0"/>
-              <a:ea typeface="Consolas" charset="0"/>
-              <a:cs typeface="Consolas" charset="0"/>
-            </a:endParaRPr>
+            <a:endParaRPr lang="en-US" dirty="0"/>
           </a:p>
         </p:txBody>
       </p:sp>
     </p:spTree>
     <p:extLst>
       <p:ext uri="{BB962C8B-B14F-4D97-AF65-F5344CB8AC3E}">
-        <p14:creationId xmlns:p14="http://schemas.microsoft.com/office/powerpoint/2010/main" val="1396539662"/>
+        <p14:creationId xmlns:p14="http://schemas.microsoft.com/office/powerpoint/2010/main" val="1678542988"/>
       </p:ext>
     </p:extLst>
   </p:cSld>
@@ -12445,7 +12338,7 @@
           <a:p>
             <a:r>
               <a:rPr lang="en-US" dirty="0" smtClean="0"/>
-              <a:t>Roles</a:t>
+              <a:t>Variable Scopes</a:t>
             </a:r>
             <a:endParaRPr lang="en-US" dirty="0"/>
           </a:p>
@@ -12461,319 +12354,94 @@
             <p:ph idx="1"/>
           </p:nvPr>
         </p:nvSpPr>
-        <p:spPr>
-          <a:xfrm>
-            <a:off x="457199" y="1600200"/>
-            <a:ext cx="8135655" cy="5101226"/>
-          </a:xfrm>
-        </p:spPr>
+        <p:spPr/>
         <p:txBody>
           <a:bodyPr>
-            <a:normAutofit fontScale="92500" lnSpcReduction="20000"/>
+            <a:normAutofit fontScale="92500" lnSpcReduction="10000"/>
           </a:bodyPr>
           <a:lstStyle/>
           <a:p>
             <a:r>
-              <a:rPr lang="en-US" sz="2200" b="1" dirty="0" smtClean="0"/>
-              <a:t>Roles</a:t>
-            </a:r>
-            <a:r>
-              <a:rPr lang="en-US" sz="2200" dirty="0" smtClean="0"/>
-              <a:t> provide a way to organize playbooks.</a:t>
-            </a:r>
+              <a:rPr lang="en-US" dirty="0" err="1" smtClean="0"/>
+              <a:t>Ansible</a:t>
+            </a:r>
+            <a:r>
+              <a:rPr lang="en-US" dirty="0" smtClean="0"/>
+              <a:t> implements 3 main variable scopes:</a:t>
+            </a:r>
+          </a:p>
+          <a:p>
+            <a:endParaRPr lang="en-US" dirty="0" smtClean="0"/>
           </a:p>
           <a:p>
             <a:pPr lvl="1"/>
             <a:r>
-              <a:rPr lang="en-US" sz="2200" dirty="0" smtClean="0"/>
-              <a:t>Basically automates include directives.</a:t>
-            </a:r>
-          </a:p>
-          <a:p>
-            <a:endParaRPr lang="en-US" sz="2200" dirty="0"/>
-          </a:p>
-          <a:p>
-            <a:r>
-              <a:rPr lang="en-US" sz="2200" dirty="0"/>
-              <a:t>Playbook file with defined roles looks like:</a:t>
-            </a:r>
-          </a:p>
-          <a:p>
-            <a:endParaRPr lang="en-US" sz="2000" dirty="0"/>
-          </a:p>
-          <a:p>
-            <a:pPr marL="0" indent="0">
-              <a:buNone/>
-            </a:pPr>
-            <a:r>
-              <a:rPr lang="en-US" sz="1700" dirty="0">
-                <a:latin typeface="Consolas" charset="0"/>
-                <a:ea typeface="Consolas" charset="0"/>
-                <a:cs typeface="Consolas" charset="0"/>
-              </a:rPr>
-              <a:t>--- </a:t>
-            </a:r>
-          </a:p>
-          <a:p>
-            <a:pPr marL="0" indent="0">
-              <a:buNone/>
-            </a:pPr>
-            <a:r>
-              <a:rPr lang="en-US" sz="1700" dirty="0">
-                <a:latin typeface="Consolas" charset="0"/>
-                <a:ea typeface="Consolas" charset="0"/>
-                <a:cs typeface="Consolas" charset="0"/>
-              </a:rPr>
-              <a:t>- hosts: webservers </a:t>
-            </a:r>
-          </a:p>
-          <a:p>
-            <a:pPr marL="0" indent="0">
-              <a:buNone/>
-            </a:pPr>
-            <a:r>
-              <a:rPr lang="en-US" sz="1700" dirty="0">
-                <a:latin typeface="Consolas" charset="0"/>
-                <a:ea typeface="Consolas" charset="0"/>
-                <a:cs typeface="Consolas" charset="0"/>
-              </a:rPr>
-              <a:t>  roles: </a:t>
-            </a:r>
-          </a:p>
-          <a:p>
-            <a:pPr marL="0" indent="0">
-              <a:buNone/>
-            </a:pPr>
-            <a:r>
-              <a:rPr lang="en-US" sz="1700" dirty="0">
-                <a:latin typeface="Consolas" charset="0"/>
-                <a:ea typeface="Consolas" charset="0"/>
-                <a:cs typeface="Consolas" charset="0"/>
-              </a:rPr>
-              <a:t>    - common </a:t>
-            </a:r>
-          </a:p>
-          <a:p>
-            <a:pPr marL="0" indent="0">
-              <a:buNone/>
-            </a:pPr>
-            <a:r>
-              <a:rPr lang="en-US" sz="1700" dirty="0">
-                <a:latin typeface="Consolas" charset="0"/>
-                <a:ea typeface="Consolas" charset="0"/>
-                <a:cs typeface="Consolas" charset="0"/>
-              </a:rPr>
-              <a:t>    - webservers</a:t>
-            </a:r>
-          </a:p>
-          <a:p>
-            <a:pPr marL="0" indent="0">
-              <a:buNone/>
-            </a:pPr>
-            <a:endParaRPr lang="en-US" sz="1800" dirty="0">
-              <a:latin typeface="Consolas" charset="0"/>
-              <a:ea typeface="Consolas" charset="0"/>
-              <a:cs typeface="Consolas" charset="0"/>
-            </a:endParaRPr>
-          </a:p>
-          <a:p>
-            <a:r>
-              <a:rPr lang="en-US" sz="2200" dirty="0">
-                <a:ea typeface="Consolas" charset="0"/>
-                <a:cs typeface="Consolas" charset="0"/>
-              </a:rPr>
-              <a:t>We can also parameterize roles like:</a:t>
-            </a:r>
-          </a:p>
-          <a:p>
-            <a:endParaRPr lang="en-US" sz="1800" dirty="0">
-              <a:ea typeface="Consolas" charset="0"/>
-              <a:cs typeface="Consolas" charset="0"/>
-            </a:endParaRPr>
-          </a:p>
-          <a:p>
-            <a:pPr marL="0" indent="0">
-              <a:buNone/>
-            </a:pPr>
-            <a:r>
-              <a:rPr lang="en-US" sz="1700" dirty="0">
-                <a:latin typeface="Consolas" charset="0"/>
-                <a:ea typeface="Consolas" charset="0"/>
-                <a:cs typeface="Consolas" charset="0"/>
-              </a:rPr>
-              <a:t>--- </a:t>
-            </a:r>
-          </a:p>
-          <a:p>
-            <a:pPr marL="0" indent="0">
-              <a:buNone/>
-            </a:pPr>
-            <a:r>
-              <a:rPr lang="en-US" sz="1700" dirty="0">
-                <a:latin typeface="Consolas" charset="0"/>
-                <a:ea typeface="Consolas" charset="0"/>
-                <a:cs typeface="Consolas" charset="0"/>
-              </a:rPr>
-              <a:t>- hosts: webservers </a:t>
-            </a:r>
-          </a:p>
-          <a:p>
-            <a:pPr marL="0" indent="0">
-              <a:buNone/>
-            </a:pPr>
-            <a:r>
-              <a:rPr lang="en-US" sz="1700" dirty="0">
-                <a:latin typeface="Consolas" charset="0"/>
-                <a:ea typeface="Consolas" charset="0"/>
-                <a:cs typeface="Consolas" charset="0"/>
-              </a:rPr>
-              <a:t>    roles: </a:t>
-            </a:r>
-          </a:p>
-          <a:p>
-            <a:pPr marL="0" indent="0">
-              <a:buNone/>
-            </a:pPr>
-            <a:r>
-              <a:rPr lang="en-US" sz="1700" dirty="0">
-                <a:latin typeface="Consolas" charset="0"/>
-                <a:ea typeface="Consolas" charset="0"/>
-                <a:cs typeface="Consolas" charset="0"/>
-              </a:rPr>
-              <a:t>      - common </a:t>
-            </a:r>
-          </a:p>
-          <a:p>
-            <a:pPr marL="0" indent="0">
-              <a:buNone/>
-            </a:pPr>
-            <a:r>
-              <a:rPr lang="en-US" sz="1700" dirty="0">
-                <a:latin typeface="Consolas" charset="0"/>
-                <a:ea typeface="Consolas" charset="0"/>
-                <a:cs typeface="Consolas" charset="0"/>
-              </a:rPr>
-              <a:t>      - { role: </a:t>
-            </a:r>
-            <a:r>
-              <a:rPr lang="en-US" sz="1700" dirty="0" err="1">
-                <a:latin typeface="Consolas" charset="0"/>
-                <a:ea typeface="Consolas" charset="0"/>
-                <a:cs typeface="Consolas" charset="0"/>
-              </a:rPr>
-              <a:t>foo_app_instance</a:t>
-            </a:r>
-            <a:r>
-              <a:rPr lang="en-US" sz="1700" dirty="0">
-                <a:latin typeface="Consolas" charset="0"/>
-                <a:ea typeface="Consolas" charset="0"/>
-                <a:cs typeface="Consolas" charset="0"/>
-              </a:rPr>
-              <a:t>, </a:t>
-            </a:r>
-            <a:r>
-              <a:rPr lang="en-US" sz="1700" dirty="0" err="1">
-                <a:latin typeface="Consolas" charset="0"/>
-                <a:ea typeface="Consolas" charset="0"/>
-                <a:cs typeface="Consolas" charset="0"/>
-              </a:rPr>
-              <a:t>dir</a:t>
-            </a:r>
-            <a:r>
-              <a:rPr lang="en-US" sz="1700" dirty="0">
-                <a:latin typeface="Consolas" charset="0"/>
-                <a:ea typeface="Consolas" charset="0"/>
-                <a:cs typeface="Consolas" charset="0"/>
-              </a:rPr>
-              <a:t>: '/opt/a', </a:t>
-            </a:r>
-            <a:r>
-              <a:rPr lang="en-US" sz="1700" dirty="0" err="1">
-                <a:latin typeface="Consolas" charset="0"/>
-                <a:ea typeface="Consolas" charset="0"/>
-                <a:cs typeface="Consolas" charset="0"/>
-              </a:rPr>
-              <a:t>app_port</a:t>
-            </a:r>
-            <a:r>
-              <a:rPr lang="en-US" sz="1700" dirty="0">
-                <a:latin typeface="Consolas" charset="0"/>
-                <a:ea typeface="Consolas" charset="0"/>
-                <a:cs typeface="Consolas" charset="0"/>
-              </a:rPr>
-              <a:t>: 5000 } </a:t>
-            </a:r>
-          </a:p>
-          <a:p>
-            <a:pPr marL="0" indent="0">
-              <a:buNone/>
-            </a:pPr>
-            <a:r>
-              <a:rPr lang="en-US" sz="1700" dirty="0">
-                <a:latin typeface="Consolas" charset="0"/>
-                <a:ea typeface="Consolas" charset="0"/>
-                <a:cs typeface="Consolas" charset="0"/>
-              </a:rPr>
-              <a:t>      - { role: </a:t>
-            </a:r>
-            <a:r>
-              <a:rPr lang="en-US" sz="1700" dirty="0" err="1">
-                <a:latin typeface="Consolas" charset="0"/>
-                <a:ea typeface="Consolas" charset="0"/>
-                <a:cs typeface="Consolas" charset="0"/>
-              </a:rPr>
-              <a:t>foo_app_instance</a:t>
-            </a:r>
-            <a:r>
-              <a:rPr lang="en-US" sz="1700" dirty="0">
-                <a:latin typeface="Consolas" charset="0"/>
-                <a:ea typeface="Consolas" charset="0"/>
-                <a:cs typeface="Consolas" charset="0"/>
-              </a:rPr>
-              <a:t>, </a:t>
-            </a:r>
-            <a:r>
-              <a:rPr lang="en-US" sz="1700" dirty="0" err="1">
-                <a:latin typeface="Consolas" charset="0"/>
-                <a:ea typeface="Consolas" charset="0"/>
-                <a:cs typeface="Consolas" charset="0"/>
-              </a:rPr>
-              <a:t>dir</a:t>
-            </a:r>
-            <a:r>
-              <a:rPr lang="en-US" sz="1700" dirty="0">
-                <a:latin typeface="Consolas" charset="0"/>
-                <a:ea typeface="Consolas" charset="0"/>
-                <a:cs typeface="Consolas" charset="0"/>
-              </a:rPr>
-              <a:t>: '/opt/b', </a:t>
-            </a:r>
-            <a:r>
-              <a:rPr lang="en-US" sz="1700" dirty="0" err="1">
-                <a:latin typeface="Consolas" charset="0"/>
-                <a:ea typeface="Consolas" charset="0"/>
-                <a:cs typeface="Consolas" charset="0"/>
-              </a:rPr>
-              <a:t>app_port</a:t>
-            </a:r>
-            <a:r>
-              <a:rPr lang="en-US" sz="1700" dirty="0">
-                <a:latin typeface="Consolas" charset="0"/>
-                <a:ea typeface="Consolas" charset="0"/>
-                <a:cs typeface="Consolas" charset="0"/>
-              </a:rPr>
-              <a:t>: 5001 }</a:t>
-            </a:r>
-          </a:p>
-          <a:p>
-            <a:endParaRPr lang="en-US" sz="1700" dirty="0" smtClean="0"/>
+              <a:rPr lang="en-US" b="1" dirty="0" smtClean="0"/>
+              <a:t>Global</a:t>
+            </a:r>
+            <a:r>
+              <a:rPr lang="en-US" dirty="0" smtClean="0"/>
+              <a:t>: this is set by </a:t>
+            </a:r>
+            <a:r>
+              <a:rPr lang="en-US" dirty="0" err="1" smtClean="0"/>
+              <a:t>config</a:t>
+            </a:r>
+            <a:r>
+              <a:rPr lang="en-US" dirty="0" smtClean="0"/>
+              <a:t>, environment variables and the command line</a:t>
+            </a:r>
+          </a:p>
+          <a:p>
+            <a:pPr lvl="1"/>
+            <a:endParaRPr lang="en-US" dirty="0" smtClean="0"/>
+          </a:p>
+          <a:p>
+            <a:pPr lvl="1"/>
+            <a:r>
+              <a:rPr lang="en-US" b="1" dirty="0" smtClean="0"/>
+              <a:t>Play</a:t>
+            </a:r>
+            <a:r>
+              <a:rPr lang="en-US" dirty="0" smtClean="0"/>
+              <a:t>: each play and contained structures, </a:t>
+            </a:r>
+            <a:r>
+              <a:rPr lang="en-US" dirty="0" err="1" smtClean="0"/>
+              <a:t>vars</a:t>
+            </a:r>
+            <a:r>
+              <a:rPr lang="en-US" dirty="0" smtClean="0"/>
+              <a:t> entries, </a:t>
+            </a:r>
+            <a:r>
+              <a:rPr lang="en-US" dirty="0" err="1" smtClean="0"/>
+              <a:t>include_vars</a:t>
+            </a:r>
+            <a:endParaRPr lang="en-US" dirty="0" smtClean="0"/>
+          </a:p>
+          <a:p>
+            <a:pPr lvl="1"/>
+            <a:endParaRPr lang="en-US" dirty="0" smtClean="0"/>
+          </a:p>
+          <a:p>
+            <a:pPr lvl="1"/>
+            <a:r>
+              <a:rPr lang="en-US" b="1" dirty="0" smtClean="0"/>
+              <a:t>Host</a:t>
+            </a:r>
+            <a:r>
+              <a:rPr lang="en-US" dirty="0" smtClean="0"/>
+              <a:t>: variables directly associated with a host like inventory variables or facts</a:t>
+            </a:r>
+            <a:endParaRPr lang="en-US" dirty="0"/>
           </a:p>
         </p:txBody>
       </p:sp>
     </p:spTree>
     <p:extLst>
       <p:ext uri="{BB962C8B-B14F-4D97-AF65-F5344CB8AC3E}">
-        <p14:creationId xmlns:p14="http://schemas.microsoft.com/office/powerpoint/2010/main" val="632677781"/>
+        <p14:creationId xmlns:p14="http://schemas.microsoft.com/office/powerpoint/2010/main" val="1926075719"/>
       </p:ext>
     </p:extLst>
   </p:cSld>
@@ -12824,7 +12492,7 @@
           <a:p>
             <a:r>
               <a:rPr lang="en-US" dirty="0" smtClean="0"/>
-              <a:t>Roles</a:t>
+              <a:t>Facts</a:t>
             </a:r>
             <a:endParaRPr lang="en-US" dirty="0"/>
           </a:p>
@@ -12842,600 +12510,363 @@
         </p:nvSpPr>
         <p:spPr>
           <a:xfrm>
-            <a:off x="457199" y="1600200"/>
-            <a:ext cx="3475973" cy="5051121"/>
+            <a:off x="457200" y="1600200"/>
+            <a:ext cx="8229600" cy="5063647"/>
           </a:xfrm>
         </p:spPr>
         <p:txBody>
           <a:bodyPr>
-            <a:normAutofit fontScale="40000" lnSpcReduction="20000"/>
+            <a:normAutofit fontScale="85000" lnSpcReduction="20000"/>
           </a:bodyPr>
           <a:lstStyle/>
           <a:p>
             <a:r>
-              <a:rPr lang="en-US" sz="5000" dirty="0"/>
-              <a:t>Example project structure:</a:t>
-            </a:r>
-          </a:p>
-          <a:p>
-            <a:endParaRPr lang="en-US" dirty="0"/>
+              <a:rPr lang="en-US" dirty="0" smtClean="0"/>
+              <a:t>Facts are a type of variable that contain information about remote systems.</a:t>
+            </a:r>
+          </a:p>
+          <a:p>
+            <a:pPr lvl="1"/>
+            <a:r>
+              <a:rPr lang="en-US" dirty="0" smtClean="0"/>
+              <a:t>System name, IP address, OS version, </a:t>
+            </a:r>
+            <a:r>
+              <a:rPr lang="en-US" dirty="0" err="1" smtClean="0"/>
+              <a:t>etc</a:t>
+            </a:r>
+            <a:endParaRPr lang="en-US" dirty="0" smtClean="0"/>
+          </a:p>
+          <a:p>
+            <a:pPr lvl="1"/>
+            <a:r>
+              <a:rPr lang="en-US" dirty="0" smtClean="0"/>
+              <a:t>Facts are discovered automatically by the </a:t>
+            </a:r>
+            <a:r>
+              <a:rPr lang="en-US" b="1" dirty="0" smtClean="0"/>
+              <a:t>setup</a:t>
+            </a:r>
+            <a:r>
+              <a:rPr lang="en-US" dirty="0" smtClean="0"/>
+              <a:t> module and stored in a JSON structure.</a:t>
+            </a:r>
+          </a:p>
+          <a:p>
+            <a:pPr lvl="1"/>
+            <a:endParaRPr lang="en-US" dirty="0" smtClean="0"/>
           </a:p>
           <a:p>
             <a:pPr marL="0" indent="0">
               <a:buNone/>
             </a:pPr>
             <a:r>
-              <a:rPr lang="en-US" sz="3500" dirty="0" err="1">
-                <a:latin typeface="Consolas" charset="0"/>
-                <a:ea typeface="Consolas" charset="0"/>
-                <a:cs typeface="Consolas" charset="0"/>
-              </a:rPr>
-              <a:t>site.yml</a:t>
-            </a:r>
-            <a:r>
-              <a:rPr lang="en-US" sz="3500" dirty="0">
-                <a:latin typeface="Consolas" charset="0"/>
-                <a:ea typeface="Consolas" charset="0"/>
-                <a:cs typeface="Consolas" charset="0"/>
-              </a:rPr>
-              <a:t> </a:t>
-            </a:r>
-          </a:p>
-          <a:p>
-            <a:pPr marL="0" indent="0">
-              <a:buNone/>
-            </a:pPr>
-            <a:r>
-              <a:rPr lang="en-US" sz="3500" dirty="0" err="1">
-                <a:latin typeface="Consolas" charset="0"/>
-                <a:ea typeface="Consolas" charset="0"/>
-                <a:cs typeface="Consolas" charset="0"/>
-              </a:rPr>
-              <a:t>webservers.yml</a:t>
-            </a:r>
-            <a:r>
-              <a:rPr lang="en-US" sz="3500" dirty="0">
-                <a:latin typeface="Consolas" charset="0"/>
-                <a:ea typeface="Consolas" charset="0"/>
-                <a:cs typeface="Consolas" charset="0"/>
-              </a:rPr>
-              <a:t> </a:t>
-            </a:r>
-          </a:p>
-          <a:p>
-            <a:pPr marL="0" indent="0">
-              <a:buNone/>
-            </a:pPr>
-            <a:r>
-              <a:rPr lang="en-US" sz="3500" dirty="0" err="1">
-                <a:latin typeface="Consolas" charset="0"/>
-                <a:ea typeface="Consolas" charset="0"/>
-                <a:cs typeface="Consolas" charset="0"/>
-              </a:rPr>
-              <a:t>fooservers.yml</a:t>
-            </a:r>
-            <a:r>
-              <a:rPr lang="en-US" sz="3500" dirty="0">
-                <a:latin typeface="Consolas" charset="0"/>
-                <a:ea typeface="Consolas" charset="0"/>
-                <a:cs typeface="Consolas" charset="0"/>
-              </a:rPr>
-              <a:t> </a:t>
-            </a:r>
-          </a:p>
-          <a:p>
-            <a:pPr marL="0" indent="0">
-              <a:buNone/>
-            </a:pPr>
-            <a:r>
-              <a:rPr lang="en-US" sz="3500" dirty="0">
-                <a:latin typeface="Consolas" charset="0"/>
-                <a:ea typeface="Consolas" charset="0"/>
-                <a:cs typeface="Consolas" charset="0"/>
-              </a:rPr>
-              <a:t>roles/ </a:t>
-            </a:r>
-          </a:p>
-          <a:p>
-            <a:pPr marL="0" indent="0">
-              <a:buNone/>
-            </a:pPr>
-            <a:r>
-              <a:rPr lang="en-US" sz="3500" dirty="0">
-                <a:latin typeface="Consolas" charset="0"/>
-                <a:ea typeface="Consolas" charset="0"/>
-                <a:cs typeface="Consolas" charset="0"/>
-              </a:rPr>
-              <a:t>  common/ </a:t>
-            </a:r>
-          </a:p>
-          <a:p>
-            <a:pPr marL="0" indent="0">
-              <a:buNone/>
-            </a:pPr>
-            <a:r>
-              <a:rPr lang="en-US" sz="3500" dirty="0">
-                <a:latin typeface="Consolas" charset="0"/>
-                <a:ea typeface="Consolas" charset="0"/>
-                <a:cs typeface="Consolas" charset="0"/>
-              </a:rPr>
-              <a:t>    files/ </a:t>
-            </a:r>
-          </a:p>
-          <a:p>
-            <a:pPr marL="0" indent="0">
-              <a:buNone/>
-            </a:pPr>
-            <a:r>
-              <a:rPr lang="en-US" sz="3500" dirty="0">
-                <a:latin typeface="Consolas" charset="0"/>
-                <a:ea typeface="Consolas" charset="0"/>
-                <a:cs typeface="Consolas" charset="0"/>
-              </a:rPr>
-              <a:t>    templates/ </a:t>
-            </a:r>
-          </a:p>
-          <a:p>
-            <a:pPr marL="0" indent="0">
-              <a:buNone/>
-            </a:pPr>
-            <a:r>
-              <a:rPr lang="en-US" sz="3500" dirty="0">
-                <a:latin typeface="Consolas" charset="0"/>
-                <a:ea typeface="Consolas" charset="0"/>
-                <a:cs typeface="Consolas" charset="0"/>
-              </a:rPr>
-              <a:t>    tasks/ </a:t>
-            </a:r>
-          </a:p>
-          <a:p>
-            <a:pPr marL="0" indent="0">
-              <a:buNone/>
-            </a:pPr>
-            <a:r>
-              <a:rPr lang="en-US" sz="3500" dirty="0">
-                <a:latin typeface="Consolas" charset="0"/>
-                <a:ea typeface="Consolas" charset="0"/>
-                <a:cs typeface="Consolas" charset="0"/>
-              </a:rPr>
-              <a:t>    handlers/ </a:t>
-            </a:r>
-          </a:p>
-          <a:p>
-            <a:pPr marL="0" indent="0">
-              <a:buNone/>
-            </a:pPr>
-            <a:r>
-              <a:rPr lang="en-US" sz="3500" dirty="0">
-                <a:latin typeface="Consolas" charset="0"/>
-                <a:ea typeface="Consolas" charset="0"/>
-                <a:cs typeface="Consolas" charset="0"/>
-              </a:rPr>
-              <a:t>    </a:t>
-            </a:r>
-            <a:r>
-              <a:rPr lang="en-US" sz="3500" dirty="0" err="1">
-                <a:latin typeface="Consolas" charset="0"/>
-                <a:ea typeface="Consolas" charset="0"/>
-                <a:cs typeface="Consolas" charset="0"/>
-              </a:rPr>
-              <a:t>vars</a:t>
-            </a:r>
-            <a:r>
-              <a:rPr lang="en-US" sz="3500" dirty="0">
-                <a:latin typeface="Consolas" charset="0"/>
-                <a:ea typeface="Consolas" charset="0"/>
-                <a:cs typeface="Consolas" charset="0"/>
-              </a:rPr>
-              <a:t>/ </a:t>
-            </a:r>
-          </a:p>
-          <a:p>
-            <a:pPr marL="0" indent="0">
-              <a:buNone/>
-            </a:pPr>
-            <a:r>
-              <a:rPr lang="en-US" sz="3500" dirty="0">
-                <a:latin typeface="Consolas" charset="0"/>
-                <a:ea typeface="Consolas" charset="0"/>
-                <a:cs typeface="Consolas" charset="0"/>
-              </a:rPr>
-              <a:t>    defaults/ </a:t>
-            </a:r>
-          </a:p>
-          <a:p>
-            <a:pPr marL="0" indent="0">
-              <a:buNone/>
-            </a:pPr>
-            <a:r>
-              <a:rPr lang="en-US" sz="3500" dirty="0">
-                <a:latin typeface="Consolas" charset="0"/>
-                <a:ea typeface="Consolas" charset="0"/>
-                <a:cs typeface="Consolas" charset="0"/>
-              </a:rPr>
-              <a:t>    meta/ </a:t>
-            </a:r>
-          </a:p>
-          <a:p>
-            <a:pPr marL="0" indent="0">
-              <a:buNone/>
-            </a:pPr>
-            <a:r>
-              <a:rPr lang="en-US" sz="3500" dirty="0">
-                <a:latin typeface="Consolas" charset="0"/>
-                <a:ea typeface="Consolas" charset="0"/>
-                <a:cs typeface="Consolas" charset="0"/>
-              </a:rPr>
-              <a:t>  webservers/ </a:t>
-            </a:r>
-          </a:p>
-          <a:p>
-            <a:pPr marL="0" indent="0">
-              <a:buNone/>
-            </a:pPr>
-            <a:r>
-              <a:rPr lang="en-US" sz="3500" dirty="0">
-                <a:latin typeface="Consolas" charset="0"/>
-                <a:ea typeface="Consolas" charset="0"/>
-                <a:cs typeface="Consolas" charset="0"/>
-              </a:rPr>
-              <a:t>    files/ </a:t>
-            </a:r>
-          </a:p>
-          <a:p>
-            <a:pPr marL="0" indent="0">
-              <a:buNone/>
-            </a:pPr>
-            <a:r>
-              <a:rPr lang="en-US" sz="3500" dirty="0">
-                <a:latin typeface="Consolas" charset="0"/>
-                <a:ea typeface="Consolas" charset="0"/>
-                <a:cs typeface="Consolas" charset="0"/>
-              </a:rPr>
-              <a:t>    templates/ </a:t>
-            </a:r>
-          </a:p>
-          <a:p>
-            <a:pPr marL="0" indent="0">
-              <a:buNone/>
-            </a:pPr>
-            <a:r>
-              <a:rPr lang="en-US" sz="3500" dirty="0">
-                <a:latin typeface="Consolas" charset="0"/>
-                <a:ea typeface="Consolas" charset="0"/>
-                <a:cs typeface="Consolas" charset="0"/>
-              </a:rPr>
-              <a:t>    tasks/ </a:t>
-            </a:r>
-          </a:p>
-          <a:p>
-            <a:pPr marL="0" indent="0">
-              <a:buNone/>
-            </a:pPr>
-            <a:r>
-              <a:rPr lang="en-US" sz="3500" dirty="0">
-                <a:latin typeface="Consolas" charset="0"/>
-                <a:ea typeface="Consolas" charset="0"/>
-                <a:cs typeface="Consolas" charset="0"/>
-              </a:rPr>
-              <a:t>    handlers/ </a:t>
-            </a:r>
-          </a:p>
-          <a:p>
-            <a:pPr marL="0" indent="0">
-              <a:buNone/>
-            </a:pPr>
-            <a:r>
-              <a:rPr lang="en-US" sz="3500" dirty="0">
-                <a:latin typeface="Consolas" charset="0"/>
-                <a:ea typeface="Consolas" charset="0"/>
-                <a:cs typeface="Consolas" charset="0"/>
-              </a:rPr>
-              <a:t>    </a:t>
-            </a:r>
-            <a:r>
-              <a:rPr lang="en-US" sz="3500" dirty="0" err="1">
-                <a:latin typeface="Consolas" charset="0"/>
-                <a:ea typeface="Consolas" charset="0"/>
-                <a:cs typeface="Consolas" charset="0"/>
-              </a:rPr>
-              <a:t>vars</a:t>
-            </a:r>
-            <a:r>
-              <a:rPr lang="en-US" sz="3500" dirty="0">
-                <a:latin typeface="Consolas" charset="0"/>
-                <a:ea typeface="Consolas" charset="0"/>
-                <a:cs typeface="Consolas" charset="0"/>
-              </a:rPr>
-              <a:t>/ </a:t>
-            </a:r>
-          </a:p>
-          <a:p>
-            <a:pPr marL="0" indent="0">
-              <a:buNone/>
-            </a:pPr>
-            <a:r>
-              <a:rPr lang="en-US" sz="3500" dirty="0">
-                <a:latin typeface="Consolas" charset="0"/>
-                <a:ea typeface="Consolas" charset="0"/>
-                <a:cs typeface="Consolas" charset="0"/>
-              </a:rPr>
-              <a:t>    defaults/ </a:t>
-            </a:r>
-          </a:p>
-          <a:p>
-            <a:pPr marL="0" indent="0">
-              <a:buNone/>
-            </a:pPr>
-            <a:r>
-              <a:rPr lang="en-US" sz="3500" dirty="0">
-                <a:latin typeface="Consolas" charset="0"/>
-                <a:ea typeface="Consolas" charset="0"/>
-                <a:cs typeface="Consolas" charset="0"/>
-              </a:rPr>
-              <a:t>    meta/</a:t>
-            </a:r>
-          </a:p>
-          <a:p>
-            <a:endParaRPr lang="en-US" dirty="0"/>
-          </a:p>
-        </p:txBody>
-      </p:sp>
-      <p:sp>
-        <p:nvSpPr>
-          <p:cNvPr id="4" name="Content Placeholder 2"/>
-          <p:cNvSpPr txBox="1">
-            <a:spLocks/>
-          </p:cNvSpPr>
-          <p:nvPr/>
-        </p:nvSpPr>
-        <p:spPr>
-          <a:xfrm>
-            <a:off x="4404985" y="1600200"/>
-            <a:ext cx="4450916" cy="5051121"/>
-          </a:xfrm>
-          <a:prstGeom prst="rect">
-            <a:avLst/>
-          </a:prstGeom>
-        </p:spPr>
-        <p:txBody>
-          <a:bodyPr vert="horz" lIns="91440" tIns="45720" rIns="91440" bIns="45720" rtlCol="0">
-            <a:normAutofit/>
-          </a:bodyPr>
-          <a:lstStyle>
-            <a:lvl1pPr marL="342900" indent="-342900" algn="l" defTabSz="457200" rtl="0" eaLnBrk="1" latinLnBrk="0" hangingPunct="1">
-              <a:spcBef>
-                <a:spcPct val="20000"/>
-              </a:spcBef>
-              <a:buFont typeface="Arial"/>
-              <a:buChar char="•"/>
-              <a:defRPr sz="3200" kern="1200">
-                <a:solidFill>
-                  <a:schemeClr val="tx1"/>
-                </a:solidFill>
-                <a:latin typeface="+mn-lt"/>
-                <a:ea typeface="+mn-ea"/>
-                <a:cs typeface="+mn-cs"/>
-              </a:defRPr>
-            </a:lvl1pPr>
-            <a:lvl2pPr marL="742950" indent="-285750" algn="l" defTabSz="457200" rtl="0" eaLnBrk="1" latinLnBrk="0" hangingPunct="1">
-              <a:spcBef>
-                <a:spcPct val="20000"/>
-              </a:spcBef>
-              <a:buFont typeface="Arial"/>
-              <a:buChar char="–"/>
-              <a:defRPr sz="2800" kern="1200">
-                <a:solidFill>
-                  <a:schemeClr val="tx1"/>
-                </a:solidFill>
-                <a:latin typeface="+mn-lt"/>
-                <a:ea typeface="+mn-ea"/>
-                <a:cs typeface="+mn-cs"/>
-              </a:defRPr>
-            </a:lvl2pPr>
-            <a:lvl3pPr marL="1143000" indent="-228600" algn="l" defTabSz="457200" rtl="0" eaLnBrk="1" latinLnBrk="0" hangingPunct="1">
-              <a:spcBef>
-                <a:spcPct val="20000"/>
-              </a:spcBef>
-              <a:buFont typeface="Arial"/>
-              <a:buChar char="•"/>
-              <a:defRPr sz="2400" kern="1200">
-                <a:solidFill>
-                  <a:schemeClr val="tx1"/>
-                </a:solidFill>
-                <a:latin typeface="+mn-lt"/>
-                <a:ea typeface="+mn-ea"/>
-                <a:cs typeface="+mn-cs"/>
-              </a:defRPr>
-            </a:lvl3pPr>
-            <a:lvl4pPr marL="1600200" indent="-228600" algn="l" defTabSz="457200" rtl="0" eaLnBrk="1" latinLnBrk="0" hangingPunct="1">
-              <a:spcBef>
-                <a:spcPct val="20000"/>
-              </a:spcBef>
-              <a:buFont typeface="Arial"/>
-              <a:buChar char="–"/>
-              <a:defRPr sz="2000" kern="1200">
-                <a:solidFill>
-                  <a:schemeClr val="tx1"/>
-                </a:solidFill>
-                <a:latin typeface="+mn-lt"/>
-                <a:ea typeface="+mn-ea"/>
-                <a:cs typeface="+mn-cs"/>
-              </a:defRPr>
-            </a:lvl4pPr>
-            <a:lvl5pPr marL="2057400" indent="-228600" algn="l" defTabSz="457200" rtl="0" eaLnBrk="1" latinLnBrk="0" hangingPunct="1">
-              <a:spcBef>
-                <a:spcPct val="20000"/>
-              </a:spcBef>
-              <a:buFont typeface="Arial"/>
-              <a:buChar char="»"/>
-              <a:defRPr sz="2000" kern="1200">
-                <a:solidFill>
-                  <a:schemeClr val="tx1"/>
-                </a:solidFill>
-                <a:latin typeface="+mn-lt"/>
-                <a:ea typeface="+mn-ea"/>
-                <a:cs typeface="+mn-cs"/>
-              </a:defRPr>
-            </a:lvl5pPr>
-            <a:lvl6pPr marL="2514600" indent="-228600" algn="l" defTabSz="457200" rtl="0" eaLnBrk="1" latinLnBrk="0" hangingPunct="1">
-              <a:spcBef>
-                <a:spcPct val="20000"/>
-              </a:spcBef>
-              <a:buFont typeface="Arial"/>
-              <a:buChar char="•"/>
-              <a:defRPr sz="2000" kern="1200">
-                <a:solidFill>
-                  <a:schemeClr val="tx1"/>
-                </a:solidFill>
-                <a:latin typeface="+mn-lt"/>
-                <a:ea typeface="+mn-ea"/>
-                <a:cs typeface="+mn-cs"/>
-              </a:defRPr>
-            </a:lvl6pPr>
-            <a:lvl7pPr marL="2971800" indent="-228600" algn="l" defTabSz="457200" rtl="0" eaLnBrk="1" latinLnBrk="0" hangingPunct="1">
-              <a:spcBef>
-                <a:spcPct val="20000"/>
-              </a:spcBef>
-              <a:buFont typeface="Arial"/>
-              <a:buChar char="•"/>
-              <a:defRPr sz="2000" kern="1200">
-                <a:solidFill>
-                  <a:schemeClr val="tx1"/>
-                </a:solidFill>
-                <a:latin typeface="+mn-lt"/>
-                <a:ea typeface="+mn-ea"/>
-                <a:cs typeface="+mn-cs"/>
-              </a:defRPr>
-            </a:lvl7pPr>
-            <a:lvl8pPr marL="3429000" indent="-228600" algn="l" defTabSz="457200" rtl="0" eaLnBrk="1" latinLnBrk="0" hangingPunct="1">
-              <a:spcBef>
-                <a:spcPct val="20000"/>
-              </a:spcBef>
-              <a:buFont typeface="Arial"/>
-              <a:buChar char="•"/>
-              <a:defRPr sz="2000" kern="1200">
-                <a:solidFill>
-                  <a:schemeClr val="tx1"/>
-                </a:solidFill>
-                <a:latin typeface="+mn-lt"/>
-                <a:ea typeface="+mn-ea"/>
-                <a:cs typeface="+mn-cs"/>
-              </a:defRPr>
-            </a:lvl8pPr>
-            <a:lvl9pPr marL="3886200" indent="-228600" algn="l" defTabSz="457200" rtl="0" eaLnBrk="1" latinLnBrk="0" hangingPunct="1">
-              <a:spcBef>
-                <a:spcPct val="20000"/>
-              </a:spcBef>
-              <a:buFont typeface="Arial"/>
-              <a:buChar char="•"/>
-              <a:defRPr sz="2000" kern="1200">
-                <a:solidFill>
-                  <a:schemeClr val="tx1"/>
-                </a:solidFill>
-                <a:latin typeface="+mn-lt"/>
-                <a:ea typeface="+mn-ea"/>
-                <a:cs typeface="+mn-cs"/>
-              </a:defRPr>
-            </a:lvl9pPr>
-          </a:lstStyle>
-          <a:p>
-            <a:r>
-              <a:rPr lang="en-US" sz="2000" dirty="0" smtClean="0"/>
-              <a:t>Roles automatically implement a number of rules:</a:t>
-            </a:r>
-          </a:p>
-          <a:p>
-            <a:endParaRPr lang="en-US" sz="2000" dirty="0" smtClean="0"/>
-          </a:p>
-          <a:p>
-            <a:r>
-              <a:rPr lang="en-US" sz="2000" dirty="0" smtClean="0"/>
-              <a:t>If roles/x/tasks/</a:t>
-            </a:r>
-            <a:r>
-              <a:rPr lang="en-US" sz="2000" dirty="0" err="1" smtClean="0"/>
-              <a:t>main.yml</a:t>
-            </a:r>
-            <a:r>
-              <a:rPr lang="en-US" sz="2000" dirty="0" smtClean="0"/>
-              <a:t> exists, add those tasks to the play.</a:t>
-            </a:r>
-          </a:p>
-          <a:p>
-            <a:r>
-              <a:rPr lang="en-US" sz="2000" dirty="0" smtClean="0"/>
-              <a:t>If roles/x/handlers/</a:t>
-            </a:r>
-            <a:r>
-              <a:rPr lang="en-US" sz="2000" dirty="0" err="1" smtClean="0"/>
-              <a:t>main.yml</a:t>
-            </a:r>
-            <a:r>
-              <a:rPr lang="en-US" sz="2000" dirty="0" smtClean="0"/>
-              <a:t> exists, add those handlers to the play.</a:t>
-            </a:r>
-          </a:p>
-          <a:p>
-            <a:r>
-              <a:rPr lang="en-US" sz="2000" dirty="0" smtClean="0"/>
-              <a:t>If roles/x/</a:t>
-            </a:r>
-            <a:r>
-              <a:rPr lang="en-US" sz="2000" dirty="0" err="1" smtClean="0"/>
-              <a:t>vars</a:t>
-            </a:r>
-            <a:r>
-              <a:rPr lang="en-US" sz="2000" dirty="0" smtClean="0"/>
-              <a:t>/</a:t>
-            </a:r>
-            <a:r>
-              <a:rPr lang="en-US" sz="2000" dirty="0" err="1" smtClean="0"/>
-              <a:t>main.yml</a:t>
-            </a:r>
-            <a:r>
-              <a:rPr lang="en-US" sz="2000" dirty="0" smtClean="0"/>
-              <a:t> exists, add those variables to the play.</a:t>
-            </a:r>
-          </a:p>
-          <a:p>
-            <a:pPr marL="0" indent="0">
-              <a:buNone/>
-            </a:pPr>
-            <a:r>
-              <a:rPr lang="is-IS" sz="2000" dirty="0" smtClean="0"/>
-              <a:t>… and so on.</a:t>
-            </a:r>
-          </a:p>
-          <a:p>
-            <a:endParaRPr lang="is-IS" sz="2000" dirty="0"/>
-          </a:p>
-          <a:p>
-            <a:endParaRPr lang="en-US" sz="2000" dirty="0" smtClean="0"/>
-          </a:p>
-          <a:p>
-            <a:endParaRPr lang="en-US" sz="5000" dirty="0">
+              <a:rPr lang="en-US" sz="1900" dirty="0">
+                <a:latin typeface="Consolas" charset="0"/>
+                <a:ea typeface="Consolas" charset="0"/>
+                <a:cs typeface="Consolas" charset="0"/>
+              </a:rPr>
+              <a:t>"</a:t>
+            </a:r>
+            <a:r>
+              <a:rPr lang="en-US" sz="1900" dirty="0" err="1">
+                <a:latin typeface="Consolas" charset="0"/>
+                <a:ea typeface="Consolas" charset="0"/>
+                <a:cs typeface="Consolas" charset="0"/>
+              </a:rPr>
+              <a:t>ansible_architecture</a:t>
+            </a:r>
+            <a:r>
+              <a:rPr lang="en-US" sz="1900" dirty="0">
+                <a:latin typeface="Consolas" charset="0"/>
+                <a:ea typeface="Consolas" charset="0"/>
+                <a:cs typeface="Consolas" charset="0"/>
+              </a:rPr>
+              <a:t>": "x86_64", </a:t>
+            </a:r>
+            <a:endParaRPr lang="en-US" sz="1900" dirty="0" smtClean="0">
               <a:latin typeface="Consolas" charset="0"/>
               <a:ea typeface="Consolas" charset="0"/>
               <a:cs typeface="Consolas" charset="0"/>
             </a:endParaRPr>
           </a:p>
           <a:p>
-            <a:endParaRPr lang="en-US" sz="3500" dirty="0" smtClean="0">
+            <a:pPr marL="0" indent="0">
+              <a:buNone/>
+            </a:pPr>
+            <a:r>
+              <a:rPr lang="en-US" sz="1900" dirty="0" smtClean="0">
+                <a:latin typeface="Consolas" charset="0"/>
+                <a:ea typeface="Consolas" charset="0"/>
+                <a:cs typeface="Consolas" charset="0"/>
+              </a:rPr>
+              <a:t>"</a:t>
+            </a:r>
+            <a:r>
+              <a:rPr lang="en-US" sz="1900" dirty="0" err="1">
+                <a:latin typeface="Consolas" charset="0"/>
+                <a:ea typeface="Consolas" charset="0"/>
+                <a:cs typeface="Consolas" charset="0"/>
+              </a:rPr>
+              <a:t>ansible_bios_date</a:t>
+            </a:r>
+            <a:r>
+              <a:rPr lang="en-US" sz="1900" dirty="0">
+                <a:latin typeface="Consolas" charset="0"/>
+                <a:ea typeface="Consolas" charset="0"/>
+                <a:cs typeface="Consolas" charset="0"/>
+              </a:rPr>
+              <a:t>": "09/20/2012", "</a:t>
+            </a:r>
+            <a:r>
+              <a:rPr lang="en-US" sz="1900" dirty="0" err="1">
+                <a:latin typeface="Consolas" charset="0"/>
+                <a:ea typeface="Consolas" charset="0"/>
+                <a:cs typeface="Consolas" charset="0"/>
+              </a:rPr>
+              <a:t>ansible_bios_version</a:t>
+            </a:r>
+            <a:r>
+              <a:rPr lang="en-US" sz="1900" dirty="0">
+                <a:latin typeface="Consolas" charset="0"/>
+                <a:ea typeface="Consolas" charset="0"/>
+                <a:cs typeface="Consolas" charset="0"/>
+              </a:rPr>
+              <a:t>": "6.00",</a:t>
+            </a:r>
+            <a:endParaRPr lang="en-US" sz="1900" dirty="0" smtClean="0">
               <a:latin typeface="Consolas" charset="0"/>
               <a:ea typeface="Consolas" charset="0"/>
               <a:cs typeface="Consolas" charset="0"/>
             </a:endParaRPr>
           </a:p>
           <a:p>
-            <a:endParaRPr lang="en-US" dirty="0"/>
+            <a:pPr marL="0" indent="0">
+              <a:buNone/>
+            </a:pPr>
+            <a:r>
+              <a:rPr lang="en-US" sz="1900" dirty="0">
+                <a:latin typeface="Consolas" charset="0"/>
+                <a:ea typeface="Consolas" charset="0"/>
+                <a:cs typeface="Consolas" charset="0"/>
+              </a:rPr>
+              <a:t>"</a:t>
+            </a:r>
+            <a:r>
+              <a:rPr lang="en-US" sz="1900" dirty="0" err="1">
+                <a:latin typeface="Consolas" charset="0"/>
+                <a:ea typeface="Consolas" charset="0"/>
+                <a:cs typeface="Consolas" charset="0"/>
+              </a:rPr>
+              <a:t>ansible_swapfree_mb</a:t>
+            </a:r>
+            <a:r>
+              <a:rPr lang="en-US" sz="1900" dirty="0">
+                <a:latin typeface="Consolas" charset="0"/>
+                <a:ea typeface="Consolas" charset="0"/>
+                <a:cs typeface="Consolas" charset="0"/>
+              </a:rPr>
+              <a:t>": 665, </a:t>
+            </a:r>
+            <a:endParaRPr lang="en-US" sz="1900" dirty="0" smtClean="0">
+              <a:latin typeface="Consolas" charset="0"/>
+              <a:ea typeface="Consolas" charset="0"/>
+              <a:cs typeface="Consolas" charset="0"/>
+            </a:endParaRPr>
+          </a:p>
+          <a:p>
+            <a:pPr marL="0" indent="0">
+              <a:buNone/>
+            </a:pPr>
+            <a:r>
+              <a:rPr lang="en-US" sz="1900" dirty="0" smtClean="0">
+                <a:latin typeface="Consolas" charset="0"/>
+                <a:ea typeface="Consolas" charset="0"/>
+                <a:cs typeface="Consolas" charset="0"/>
+              </a:rPr>
+              <a:t>"</a:t>
+            </a:r>
+            <a:r>
+              <a:rPr lang="en-US" sz="1900" dirty="0" err="1">
+                <a:latin typeface="Consolas" charset="0"/>
+                <a:ea typeface="Consolas" charset="0"/>
+                <a:cs typeface="Consolas" charset="0"/>
+              </a:rPr>
+              <a:t>ansible_swaptotal_mb</a:t>
+            </a:r>
+            <a:r>
+              <a:rPr lang="en-US" sz="1900" dirty="0">
+                <a:latin typeface="Consolas" charset="0"/>
+                <a:ea typeface="Consolas" charset="0"/>
+                <a:cs typeface="Consolas" charset="0"/>
+              </a:rPr>
+              <a:t>": 1021, </a:t>
+            </a:r>
+            <a:endParaRPr lang="en-US" sz="1900" dirty="0" smtClean="0">
+              <a:latin typeface="Consolas" charset="0"/>
+              <a:ea typeface="Consolas" charset="0"/>
+              <a:cs typeface="Consolas" charset="0"/>
+            </a:endParaRPr>
+          </a:p>
+          <a:p>
+            <a:pPr marL="0" indent="0">
+              <a:buNone/>
+            </a:pPr>
+            <a:r>
+              <a:rPr lang="en-US" sz="1900" dirty="0" smtClean="0">
+                <a:latin typeface="Consolas" charset="0"/>
+                <a:ea typeface="Consolas" charset="0"/>
+                <a:cs typeface="Consolas" charset="0"/>
+              </a:rPr>
+              <a:t>"</a:t>
+            </a:r>
+            <a:r>
+              <a:rPr lang="en-US" sz="1900" dirty="0" err="1">
+                <a:latin typeface="Consolas" charset="0"/>
+                <a:ea typeface="Consolas" charset="0"/>
+                <a:cs typeface="Consolas" charset="0"/>
+              </a:rPr>
+              <a:t>ansible_system</a:t>
+            </a:r>
+            <a:r>
+              <a:rPr lang="en-US" sz="1900" dirty="0">
+                <a:latin typeface="Consolas" charset="0"/>
+                <a:ea typeface="Consolas" charset="0"/>
+                <a:cs typeface="Consolas" charset="0"/>
+              </a:rPr>
+              <a:t>": "Linux", </a:t>
+            </a:r>
+            <a:endParaRPr lang="en-US" sz="1900" dirty="0" smtClean="0">
+              <a:latin typeface="Consolas" charset="0"/>
+              <a:ea typeface="Consolas" charset="0"/>
+              <a:cs typeface="Consolas" charset="0"/>
+            </a:endParaRPr>
+          </a:p>
+          <a:p>
+            <a:pPr marL="0" indent="0">
+              <a:buNone/>
+            </a:pPr>
+            <a:r>
+              <a:rPr lang="en-US" sz="1900" dirty="0" smtClean="0">
+                <a:latin typeface="Consolas" charset="0"/>
+                <a:ea typeface="Consolas" charset="0"/>
+                <a:cs typeface="Consolas" charset="0"/>
+              </a:rPr>
+              <a:t>"</a:t>
+            </a:r>
+            <a:r>
+              <a:rPr lang="en-US" sz="1900" dirty="0" err="1">
+                <a:latin typeface="Consolas" charset="0"/>
+                <a:ea typeface="Consolas" charset="0"/>
+                <a:cs typeface="Consolas" charset="0"/>
+              </a:rPr>
+              <a:t>ansible_system_vendor</a:t>
+            </a:r>
+            <a:r>
+              <a:rPr lang="en-US" sz="1900" dirty="0">
+                <a:latin typeface="Consolas" charset="0"/>
+                <a:ea typeface="Consolas" charset="0"/>
+                <a:cs typeface="Consolas" charset="0"/>
+              </a:rPr>
+              <a:t>": "VMware, Inc.", </a:t>
+            </a:r>
+            <a:endParaRPr lang="en-US" sz="1900" dirty="0" smtClean="0">
+              <a:latin typeface="Consolas" charset="0"/>
+              <a:ea typeface="Consolas" charset="0"/>
+              <a:cs typeface="Consolas" charset="0"/>
+            </a:endParaRPr>
+          </a:p>
+          <a:p>
+            <a:pPr marL="0" indent="0">
+              <a:buNone/>
+            </a:pPr>
+            <a:r>
+              <a:rPr lang="en-US" sz="1900" dirty="0" smtClean="0">
+                <a:latin typeface="Consolas" charset="0"/>
+                <a:ea typeface="Consolas" charset="0"/>
+                <a:cs typeface="Consolas" charset="0"/>
+              </a:rPr>
+              <a:t>"</a:t>
+            </a:r>
+            <a:r>
+              <a:rPr lang="en-US" sz="1900" dirty="0" err="1">
+                <a:latin typeface="Consolas" charset="0"/>
+                <a:ea typeface="Consolas" charset="0"/>
+                <a:cs typeface="Consolas" charset="0"/>
+              </a:rPr>
+              <a:t>ansible_user_id</a:t>
+            </a:r>
+            <a:r>
+              <a:rPr lang="en-US" sz="1900" dirty="0">
+                <a:latin typeface="Consolas" charset="0"/>
+                <a:ea typeface="Consolas" charset="0"/>
+                <a:cs typeface="Consolas" charset="0"/>
+              </a:rPr>
+              <a:t>": "</a:t>
+            </a:r>
+            <a:r>
+              <a:rPr lang="en-US" sz="1900" dirty="0" smtClean="0">
+                <a:latin typeface="Consolas" charset="0"/>
+                <a:ea typeface="Consolas" charset="0"/>
+                <a:cs typeface="Consolas" charset="0"/>
+              </a:rPr>
+              <a:t>root”</a:t>
+            </a:r>
+          </a:p>
+          <a:p>
+            <a:pPr marL="0" indent="0">
+              <a:buNone/>
+            </a:pPr>
+            <a:r>
+              <a:rPr lang="is-IS" sz="1900" dirty="0" smtClean="0">
+                <a:latin typeface="Consolas" charset="0"/>
+                <a:ea typeface="Consolas" charset="0"/>
+                <a:cs typeface="Consolas" charset="0"/>
+              </a:rPr>
+              <a:t>…</a:t>
+            </a:r>
+          </a:p>
+          <a:p>
+            <a:pPr marL="0" indent="0">
+              <a:buNone/>
+            </a:pPr>
+            <a:endParaRPr lang="is-IS" sz="1900" dirty="0">
+              <a:latin typeface="Consolas" charset="0"/>
+              <a:ea typeface="Consolas" charset="0"/>
+              <a:cs typeface="Consolas" charset="0"/>
+            </a:endParaRPr>
+          </a:p>
+          <a:p>
+            <a:r>
+              <a:rPr lang="is-IS" sz="2400" dirty="0" smtClean="0">
+                <a:ea typeface="Consolas" charset="0"/>
+                <a:cs typeface="Consolas" charset="0"/>
+              </a:rPr>
+              <a:t>We can refer to a fact in a play like any other variable: </a:t>
+            </a:r>
+          </a:p>
+          <a:p>
+            <a:pPr marL="457200" lvl="1" indent="0">
+              <a:buNone/>
+            </a:pPr>
+            <a:r>
+              <a:rPr lang="is-IS" sz="2000" dirty="0" smtClean="0">
+                <a:ea typeface="Consolas" charset="0"/>
+                <a:cs typeface="Consolas" charset="0"/>
+              </a:rPr>
+              <a:t>{{ ansible_architecture }}</a:t>
+            </a:r>
+            <a:endParaRPr lang="en-US" sz="2000" dirty="0">
+              <a:ea typeface="Consolas" charset="0"/>
+              <a:cs typeface="Consolas" charset="0"/>
+            </a:endParaRPr>
           </a:p>
         </p:txBody>
       </p:sp>
     </p:spTree>
     <p:extLst>
       <p:ext uri="{BB962C8B-B14F-4D97-AF65-F5344CB8AC3E}">
-        <p14:creationId xmlns:p14="http://schemas.microsoft.com/office/powerpoint/2010/main" val="547839785"/>
+        <p14:creationId xmlns:p14="http://schemas.microsoft.com/office/powerpoint/2010/main" val="1999747405"/>
       </p:ext>
     </p:extLst>
   </p:cSld>
@@ -13486,7 +12917,7 @@
           <a:p>
             <a:r>
               <a:rPr lang="en-US" dirty="0" smtClean="0"/>
-              <a:t>Variables</a:t>
+              <a:t>Registered Variables</a:t>
             </a:r>
             <a:endParaRPr lang="en-US" dirty="0"/>
           </a:p>
@@ -13505,263 +12936,229 @@
         <p:spPr>
           <a:xfrm>
             <a:off x="457200" y="1600200"/>
-            <a:ext cx="8229600" cy="5151329"/>
+            <a:ext cx="8229600" cy="4825652"/>
           </a:xfrm>
         </p:spPr>
         <p:txBody>
           <a:bodyPr>
-            <a:normAutofit fontScale="32500" lnSpcReduction="20000"/>
+            <a:normAutofit lnSpcReduction="10000"/>
           </a:bodyPr>
           <a:lstStyle/>
           <a:p>
             <a:r>
-              <a:rPr lang="en-US" sz="5500" dirty="0" smtClean="0"/>
-              <a:t>Variables allow us to deal with small configuration differences between systems.</a:t>
-            </a:r>
-          </a:p>
-          <a:p>
-            <a:endParaRPr lang="en-US" sz="5500" dirty="0" smtClean="0"/>
-          </a:p>
-          <a:p>
-            <a:r>
-              <a:rPr lang="en-US" sz="5500" dirty="0" smtClean="0"/>
-              <a:t>Variable names should be letters, numbers, and underscores.</a:t>
-            </a:r>
-          </a:p>
-          <a:p>
-            <a:pPr lvl="1"/>
-            <a:r>
-              <a:rPr lang="en-US" sz="5500" dirty="0" smtClean="0"/>
-              <a:t>Should always start with a letter.</a:t>
-            </a:r>
-          </a:p>
-          <a:p>
-            <a:pPr lvl="1"/>
-            <a:endParaRPr lang="en-US" sz="5500" dirty="0" smtClean="0"/>
-          </a:p>
-          <a:p>
-            <a:r>
-              <a:rPr lang="en-US" sz="5500" dirty="0" smtClean="0"/>
-              <a:t>YAML can map keys to values:</a:t>
-            </a:r>
-          </a:p>
-          <a:p>
-            <a:endParaRPr lang="en-US" dirty="0" smtClean="0"/>
+              <a:rPr lang="en-US" dirty="0" smtClean="0"/>
+              <a:t>Registered variables contain the output returned by executing a command.</a:t>
+            </a:r>
+          </a:p>
+          <a:p>
+            <a:endParaRPr lang="en-US" dirty="0"/>
           </a:p>
           <a:p>
             <a:pPr marL="0" indent="0">
               <a:buNone/>
             </a:pPr>
             <a:r>
-              <a:rPr lang="en-US" sz="4300" dirty="0" smtClean="0">
-                <a:latin typeface="Consolas" charset="0"/>
-                <a:ea typeface="Consolas" charset="0"/>
-                <a:cs typeface="Consolas" charset="0"/>
-              </a:rPr>
-              <a:t>foo:</a:t>
-            </a:r>
+              <a:rPr lang="en-US" sz="1700" dirty="0">
+                <a:latin typeface="Consolas" charset="0"/>
+                <a:ea typeface="Consolas" charset="0"/>
+                <a:cs typeface="Consolas" charset="0"/>
+              </a:rPr>
+              <a:t>- hosts: </a:t>
+            </a:r>
+            <a:r>
+              <a:rPr lang="en-US" sz="1700" dirty="0" err="1">
+                <a:latin typeface="Consolas" charset="0"/>
+                <a:ea typeface="Consolas" charset="0"/>
+                <a:cs typeface="Consolas" charset="0"/>
+              </a:rPr>
+              <a:t>web_servers</a:t>
+            </a:r>
+            <a:endParaRPr lang="en-US" sz="1700" dirty="0">
+              <a:latin typeface="Consolas" charset="0"/>
+              <a:ea typeface="Consolas" charset="0"/>
+              <a:cs typeface="Consolas" charset="0"/>
+            </a:endParaRPr>
           </a:p>
           <a:p>
             <a:pPr marL="0" indent="0">
               <a:buNone/>
             </a:pPr>
-            <a:r>
-              <a:rPr lang="en-US" sz="4300" dirty="0">
-                <a:latin typeface="Consolas" charset="0"/>
-                <a:ea typeface="Consolas" charset="0"/>
-                <a:cs typeface="Consolas" charset="0"/>
-              </a:rPr>
-              <a:t> </a:t>
-            </a:r>
-            <a:r>
-              <a:rPr lang="en-US" sz="4300" dirty="0" smtClean="0">
-                <a:latin typeface="Consolas" charset="0"/>
-                <a:ea typeface="Consolas" charset="0"/>
-                <a:cs typeface="Consolas" charset="0"/>
-              </a:rPr>
-              <a:t> field1: one</a:t>
-            </a:r>
+            <a:endParaRPr lang="en-US" sz="1700" dirty="0">
+              <a:latin typeface="Consolas" charset="0"/>
+              <a:ea typeface="Consolas" charset="0"/>
+              <a:cs typeface="Consolas" charset="0"/>
+            </a:endParaRPr>
           </a:p>
           <a:p>
             <a:pPr marL="0" indent="0">
               <a:buNone/>
             </a:pPr>
             <a:r>
-              <a:rPr lang="en-US" sz="4300" dirty="0">
-                <a:latin typeface="Consolas" charset="0"/>
-                <a:ea typeface="Consolas" charset="0"/>
-                <a:cs typeface="Consolas" charset="0"/>
-              </a:rPr>
-              <a:t> </a:t>
-            </a:r>
-            <a:r>
-              <a:rPr lang="en-US" sz="4300" dirty="0" smtClean="0">
-                <a:latin typeface="Consolas" charset="0"/>
-                <a:ea typeface="Consolas" charset="0"/>
-                <a:cs typeface="Consolas" charset="0"/>
-              </a:rPr>
-              <a:t> field2: two</a:t>
+              <a:rPr lang="en-US" sz="1700" dirty="0">
+                <a:latin typeface="Consolas" charset="0"/>
+                <a:ea typeface="Consolas" charset="0"/>
+                <a:cs typeface="Consolas" charset="0"/>
+              </a:rPr>
+              <a:t>  tasks:</a:t>
             </a:r>
           </a:p>
           <a:p>
             <a:pPr marL="0" indent="0">
               <a:buNone/>
             </a:pPr>
-            <a:endParaRPr lang="en-US" dirty="0" smtClean="0"/>
-          </a:p>
-          <a:p>
-            <a:r>
-              <a:rPr lang="en-US" sz="5500" dirty="0" smtClean="0"/>
-              <a:t>Multiple ways to reference a specific field in a dictionary value:</a:t>
-            </a:r>
-          </a:p>
-          <a:p>
-            <a:endParaRPr lang="en-US" dirty="0"/>
+            <a:endParaRPr lang="en-US" sz="1700" dirty="0">
+              <a:latin typeface="Consolas" charset="0"/>
+              <a:ea typeface="Consolas" charset="0"/>
+              <a:cs typeface="Consolas" charset="0"/>
+            </a:endParaRPr>
           </a:p>
           <a:p>
             <a:pPr marL="0" indent="0">
               <a:buNone/>
             </a:pPr>
             <a:r>
-              <a:rPr lang="en-US" sz="4300" dirty="0">
-                <a:latin typeface="Consolas" charset="0"/>
-                <a:ea typeface="Consolas" charset="0"/>
-                <a:cs typeface="Consolas" charset="0"/>
-              </a:rPr>
-              <a:t>f</a:t>
-            </a:r>
-            <a:r>
-              <a:rPr lang="en-US" sz="4300" dirty="0" smtClean="0">
-                <a:latin typeface="Consolas" charset="0"/>
-                <a:ea typeface="Consolas" charset="0"/>
-                <a:cs typeface="Consolas" charset="0"/>
-              </a:rPr>
-              <a:t>oo[‘field1’]</a:t>
-            </a:r>
+              <a:rPr lang="en-US" sz="1700" dirty="0">
+                <a:latin typeface="Consolas" charset="0"/>
+                <a:ea typeface="Consolas" charset="0"/>
+                <a:cs typeface="Consolas" charset="0"/>
+              </a:rPr>
+              <a:t>     - shell: /</a:t>
+            </a:r>
+            <a:r>
+              <a:rPr lang="en-US" sz="1700" dirty="0" err="1" smtClean="0">
+                <a:latin typeface="Consolas" charset="0"/>
+                <a:ea typeface="Consolas" charset="0"/>
+                <a:cs typeface="Consolas" charset="0"/>
+              </a:rPr>
+              <a:t>usr</a:t>
+            </a:r>
+            <a:r>
+              <a:rPr lang="en-US" sz="1700" dirty="0" smtClean="0">
+                <a:latin typeface="Consolas" charset="0"/>
+                <a:ea typeface="Consolas" charset="0"/>
+                <a:cs typeface="Consolas" charset="0"/>
+              </a:rPr>
+              <a:t>/bin/foo</a:t>
+            </a:r>
+            <a:endParaRPr lang="en-US" sz="1700" dirty="0">
+              <a:latin typeface="Consolas" charset="0"/>
+              <a:ea typeface="Consolas" charset="0"/>
+              <a:cs typeface="Consolas" charset="0"/>
+            </a:endParaRPr>
           </a:p>
           <a:p>
             <a:pPr marL="0" indent="0">
               <a:buNone/>
             </a:pPr>
             <a:r>
-              <a:rPr lang="en-US" sz="4300" dirty="0" smtClean="0">
-                <a:latin typeface="Consolas" charset="0"/>
-                <a:ea typeface="Consolas" charset="0"/>
-                <a:cs typeface="Consolas" charset="0"/>
-              </a:rPr>
-              <a:t>foo.field1</a:t>
-            </a:r>
+              <a:rPr lang="en-US" sz="1700" dirty="0">
+                <a:latin typeface="Consolas" charset="0"/>
+                <a:ea typeface="Consolas" charset="0"/>
+                <a:cs typeface="Consolas" charset="0"/>
+              </a:rPr>
+              <a:t>       register: </a:t>
+            </a:r>
+            <a:r>
+              <a:rPr lang="en-US" sz="1700" dirty="0" err="1">
+                <a:latin typeface="Consolas" charset="0"/>
+                <a:ea typeface="Consolas" charset="0"/>
+                <a:cs typeface="Consolas" charset="0"/>
+              </a:rPr>
+              <a:t>foo_result</a:t>
+            </a:r>
+            <a:endParaRPr lang="en-US" sz="1700" dirty="0">
+              <a:latin typeface="Consolas" charset="0"/>
+              <a:ea typeface="Consolas" charset="0"/>
+              <a:cs typeface="Consolas" charset="0"/>
+            </a:endParaRPr>
           </a:p>
           <a:p>
             <a:pPr marL="0" indent="0">
               <a:buNone/>
             </a:pPr>
-            <a:endParaRPr lang="en-US" dirty="0"/>
-          </a:p>
-          <a:p>
-            <a:r>
-              <a:rPr lang="en-US" sz="5500" dirty="0" smtClean="0"/>
-              <a:t>Define variables directly in a playbook using </a:t>
-            </a:r>
-            <a:r>
-              <a:rPr lang="en-US" sz="5500" b="1" dirty="0" err="1" smtClean="0"/>
-              <a:t>vars</a:t>
-            </a:r>
-            <a:r>
-              <a:rPr lang="en-US" sz="5500" dirty="0" smtClean="0"/>
-              <a:t> section:</a:t>
+            <a:r>
+              <a:rPr lang="en-US" sz="1700" dirty="0">
+                <a:latin typeface="Consolas" charset="0"/>
+                <a:ea typeface="Consolas" charset="0"/>
+                <a:cs typeface="Consolas" charset="0"/>
+              </a:rPr>
+              <a:t>       </a:t>
+            </a:r>
+            <a:r>
+              <a:rPr lang="en-US" sz="1700" dirty="0" err="1">
+                <a:latin typeface="Consolas" charset="0"/>
+                <a:ea typeface="Consolas" charset="0"/>
+                <a:cs typeface="Consolas" charset="0"/>
+              </a:rPr>
+              <a:t>ignore_errors</a:t>
+            </a:r>
+            <a:r>
+              <a:rPr lang="en-US" sz="1700" dirty="0">
+                <a:latin typeface="Consolas" charset="0"/>
+                <a:ea typeface="Consolas" charset="0"/>
+                <a:cs typeface="Consolas" charset="0"/>
+              </a:rPr>
+              <a:t>: </a:t>
+            </a:r>
+            <a:r>
+              <a:rPr lang="en-US" sz="1700" dirty="0" smtClean="0">
+                <a:latin typeface="Consolas" charset="0"/>
+                <a:ea typeface="Consolas" charset="0"/>
+                <a:cs typeface="Consolas" charset="0"/>
+              </a:rPr>
+              <a:t>True</a:t>
             </a:r>
           </a:p>
           <a:p>
             <a:pPr marL="0" indent="0">
               <a:buNone/>
             </a:pPr>
-            <a:endParaRPr lang="en-US" dirty="0"/>
-          </a:p>
-          <a:p>
-            <a:pPr marL="0" indent="0">
-              <a:buNone/>
-            </a:pPr>
-            <a:r>
-              <a:rPr lang="en-US" sz="4300" dirty="0" smtClean="0">
-                <a:latin typeface="Consolas" charset="0"/>
-                <a:ea typeface="Consolas" charset="0"/>
-                <a:cs typeface="Consolas" charset="0"/>
-              </a:rPr>
-              <a:t>- hosts: webservers</a:t>
-            </a:r>
-          </a:p>
-          <a:p>
-            <a:pPr marL="0" indent="0">
-              <a:buNone/>
-            </a:pPr>
-            <a:r>
-              <a:rPr lang="en-US" sz="4300" dirty="0" smtClean="0">
-                <a:latin typeface="Consolas" charset="0"/>
-                <a:ea typeface="Consolas" charset="0"/>
-                <a:cs typeface="Consolas" charset="0"/>
-              </a:rPr>
-              <a:t>  </a:t>
-            </a:r>
-            <a:r>
-              <a:rPr lang="en-US" sz="4300" dirty="0" err="1" smtClean="0">
-                <a:latin typeface="Consolas" charset="0"/>
-                <a:ea typeface="Consolas" charset="0"/>
-                <a:cs typeface="Consolas" charset="0"/>
-              </a:rPr>
-              <a:t>vars</a:t>
-            </a:r>
-            <a:r>
-              <a:rPr lang="en-US" sz="4300" dirty="0" smtClean="0">
-                <a:latin typeface="Consolas" charset="0"/>
-                <a:ea typeface="Consolas" charset="0"/>
-                <a:cs typeface="Consolas" charset="0"/>
-              </a:rPr>
-              <a:t>:</a:t>
-            </a:r>
-          </a:p>
-          <a:p>
-            <a:pPr marL="0" indent="0">
-              <a:buNone/>
-            </a:pPr>
-            <a:r>
-              <a:rPr lang="en-US" sz="4300" dirty="0">
-                <a:latin typeface="Consolas" charset="0"/>
-                <a:ea typeface="Consolas" charset="0"/>
-                <a:cs typeface="Consolas" charset="0"/>
-              </a:rPr>
-              <a:t> </a:t>
-            </a:r>
-            <a:r>
-              <a:rPr lang="en-US" sz="4300" dirty="0" smtClean="0">
-                <a:latin typeface="Consolas" charset="0"/>
-                <a:ea typeface="Consolas" charset="0"/>
-                <a:cs typeface="Consolas" charset="0"/>
-              </a:rPr>
-              <a:t>   </a:t>
-            </a:r>
-            <a:r>
-              <a:rPr lang="en-US" sz="4300" dirty="0" err="1" smtClean="0">
-                <a:latin typeface="Consolas" charset="0"/>
-                <a:ea typeface="Consolas" charset="0"/>
-                <a:cs typeface="Consolas" charset="0"/>
-              </a:rPr>
-              <a:t>http_port</a:t>
-            </a:r>
-            <a:r>
-              <a:rPr lang="en-US" sz="4300" dirty="0" smtClean="0">
-                <a:latin typeface="Consolas" charset="0"/>
-                <a:ea typeface="Consolas" charset="0"/>
-                <a:cs typeface="Consolas" charset="0"/>
-              </a:rPr>
-              <a:t>: 800</a:t>
-            </a:r>
-          </a:p>
-          <a:p>
-            <a:pPr marL="0" indent="0">
-              <a:buNone/>
-            </a:pPr>
-            <a:endParaRPr lang="en-US" dirty="0"/>
+            <a:endParaRPr lang="en-US" sz="2200" dirty="0">
+              <a:latin typeface="Consolas" charset="0"/>
+              <a:ea typeface="Consolas" charset="0"/>
+              <a:cs typeface="Consolas" charset="0"/>
+            </a:endParaRPr>
+          </a:p>
+          <a:p>
+            <a:r>
+              <a:rPr lang="en-US" sz="2200" dirty="0" smtClean="0">
+                <a:ea typeface="Consolas" charset="0"/>
+                <a:cs typeface="Consolas" charset="0"/>
+              </a:rPr>
+              <a:t>The variable </a:t>
+            </a:r>
+            <a:r>
+              <a:rPr lang="en-US" sz="2200" dirty="0" err="1" smtClean="0">
+                <a:ea typeface="Consolas" charset="0"/>
+                <a:cs typeface="Consolas" charset="0"/>
+              </a:rPr>
+              <a:t>foo_result</a:t>
+            </a:r>
+            <a:r>
+              <a:rPr lang="en-US" sz="2200" dirty="0" smtClean="0">
+                <a:ea typeface="Consolas" charset="0"/>
+                <a:cs typeface="Consolas" charset="0"/>
+              </a:rPr>
+              <a:t> will contain the output from running the /</a:t>
+            </a:r>
+            <a:r>
+              <a:rPr lang="en-US" sz="2200" dirty="0" err="1" smtClean="0">
+                <a:ea typeface="Consolas" charset="0"/>
+                <a:cs typeface="Consolas" charset="0"/>
+              </a:rPr>
+              <a:t>usr</a:t>
+            </a:r>
+            <a:r>
+              <a:rPr lang="en-US" sz="2200" dirty="0" smtClean="0">
+                <a:ea typeface="Consolas" charset="0"/>
+                <a:cs typeface="Consolas" charset="0"/>
+              </a:rPr>
+              <a:t>/bin/foo command on a remote host.</a:t>
+            </a:r>
+            <a:endParaRPr lang="en-US" sz="2200" dirty="0">
+              <a:ea typeface="Consolas" charset="0"/>
+              <a:cs typeface="Consolas" charset="0"/>
+            </a:endParaRPr>
           </a:p>
           <a:p>
             <a:pPr marL="0" indent="0">
@@ -13774,7 +13171,7 @@
     </p:spTree>
     <p:extLst>
       <p:ext uri="{BB962C8B-B14F-4D97-AF65-F5344CB8AC3E}">
-        <p14:creationId xmlns:p14="http://schemas.microsoft.com/office/powerpoint/2010/main" val="1678542988"/>
+        <p14:creationId xmlns:p14="http://schemas.microsoft.com/office/powerpoint/2010/main" val="1398028738"/>
       </p:ext>
     </p:extLst>
   </p:cSld>
@@ -13825,7 +13222,7 @@
           <a:p>
             <a:r>
               <a:rPr lang="en-US" dirty="0" smtClean="0"/>
-              <a:t>Variable Scopes</a:t>
+              <a:t>Templates</a:t>
             </a:r>
             <a:endParaRPr lang="en-US" dirty="0"/>
           </a:p>
@@ -13841,94 +13238,582 @@
             <p:ph idx="1"/>
           </p:nvPr>
         </p:nvSpPr>
-        <p:spPr/>
+        <p:spPr>
+          <a:xfrm>
+            <a:off x="457200" y="1600200"/>
+            <a:ext cx="8229600" cy="4988490"/>
+          </a:xfrm>
+        </p:spPr>
         <p:txBody>
           <a:bodyPr>
-            <a:normAutofit fontScale="92500" lnSpcReduction="10000"/>
+            <a:normAutofit fontScale="47500" lnSpcReduction="20000"/>
           </a:bodyPr>
           <a:lstStyle/>
           <a:p>
             <a:r>
-              <a:rPr lang="en-US" dirty="0" err="1" smtClean="0"/>
-              <a:t>Ansible</a:t>
-            </a:r>
-            <a:r>
-              <a:rPr lang="en-US" dirty="0" smtClean="0"/>
-              <a:t> implements 3 main variable scopes:</a:t>
-            </a:r>
-          </a:p>
-          <a:p>
-            <a:endParaRPr lang="en-US" dirty="0" smtClean="0"/>
+              <a:rPr lang="en-US" sz="4200" b="1" dirty="0" smtClean="0"/>
+              <a:t>Templates</a:t>
+            </a:r>
+            <a:r>
+              <a:rPr lang="en-US" sz="4200" dirty="0" smtClean="0"/>
+              <a:t> allow us to dynamically create configuration files using variable substitution.</a:t>
+            </a:r>
           </a:p>
           <a:p>
             <a:pPr lvl="1"/>
             <a:r>
-              <a:rPr lang="en-US" b="1" dirty="0" smtClean="0"/>
-              <a:t>Global</a:t>
-            </a:r>
-            <a:r>
-              <a:rPr lang="en-US" dirty="0" smtClean="0"/>
-              <a:t>: this is set by </a:t>
-            </a:r>
-            <a:r>
-              <a:rPr lang="en-US" dirty="0" err="1" smtClean="0"/>
-              <a:t>config</a:t>
-            </a:r>
-            <a:r>
-              <a:rPr lang="en-US" dirty="0" smtClean="0"/>
-              <a:t>, environment variables and the command line</a:t>
-            </a:r>
-          </a:p>
-          <a:p>
-            <a:pPr lvl="1"/>
-            <a:endParaRPr lang="en-US" dirty="0" smtClean="0"/>
-          </a:p>
-          <a:p>
-            <a:pPr lvl="1"/>
-            <a:r>
-              <a:rPr lang="en-US" b="1" dirty="0" smtClean="0"/>
-              <a:t>Play</a:t>
-            </a:r>
-            <a:r>
-              <a:rPr lang="en-US" dirty="0" smtClean="0"/>
-              <a:t>: each play and contained structures, </a:t>
-            </a:r>
-            <a:r>
-              <a:rPr lang="en-US" dirty="0" err="1" smtClean="0"/>
-              <a:t>vars</a:t>
-            </a:r>
-            <a:r>
-              <a:rPr lang="en-US" dirty="0" smtClean="0"/>
-              <a:t> entries, </a:t>
-            </a:r>
-            <a:r>
-              <a:rPr lang="en-US" dirty="0" err="1" smtClean="0"/>
-              <a:t>include_vars</a:t>
-            </a:r>
-            <a:endParaRPr lang="en-US" dirty="0" smtClean="0"/>
-          </a:p>
-          <a:p>
-            <a:pPr lvl="1"/>
-            <a:endParaRPr lang="en-US" dirty="0" smtClean="0"/>
-          </a:p>
-          <a:p>
-            <a:pPr lvl="1"/>
-            <a:r>
-              <a:rPr lang="en-US" b="1" dirty="0" smtClean="0"/>
-              <a:t>Host</a:t>
-            </a:r>
-            <a:r>
-              <a:rPr lang="en-US" dirty="0" smtClean="0"/>
-              <a:t>: variables directly associated with a host like inventory variables or facts</a:t>
-            </a:r>
+              <a:rPr lang="en-US" sz="4200" dirty="0" smtClean="0"/>
+              <a:t>Uses the Jinja2 template format.</a:t>
+            </a:r>
+          </a:p>
+          <a:p>
             <a:endParaRPr lang="en-US" dirty="0"/>
+          </a:p>
+          <a:p>
+            <a:pPr marL="0" indent="0">
+              <a:buNone/>
+            </a:pPr>
+            <a:endParaRPr lang="en-US" dirty="0"/>
+          </a:p>
+          <a:p>
+            <a:pPr marL="0" indent="0">
+              <a:buNone/>
+            </a:pPr>
+            <a:r>
+              <a:rPr lang="de-DE" sz="3400" dirty="0" smtClean="0">
+                <a:latin typeface="Consolas" charset="0"/>
+                <a:ea typeface="Consolas" charset="0"/>
+                <a:cs typeface="Consolas" charset="0"/>
+              </a:rPr>
+              <a:t># nginx.conf.j2 </a:t>
+            </a:r>
+            <a:r>
+              <a:rPr lang="de-DE" sz="3400" dirty="0" err="1" smtClean="0">
+                <a:latin typeface="Consolas" charset="0"/>
+                <a:ea typeface="Consolas" charset="0"/>
+                <a:cs typeface="Consolas" charset="0"/>
+              </a:rPr>
+              <a:t>template</a:t>
+            </a:r>
+            <a:endParaRPr lang="de-DE" sz="3400" dirty="0">
+              <a:latin typeface="Consolas" charset="0"/>
+              <a:ea typeface="Consolas" charset="0"/>
+              <a:cs typeface="Consolas" charset="0"/>
+            </a:endParaRPr>
+          </a:p>
+          <a:p>
+            <a:pPr marL="0" indent="0">
+              <a:buNone/>
+            </a:pPr>
+            <a:r>
+              <a:rPr lang="de-DE" sz="3400" dirty="0" err="1" smtClean="0">
+                <a:latin typeface="Consolas" charset="0"/>
+                <a:ea typeface="Consolas" charset="0"/>
+                <a:cs typeface="Consolas" charset="0"/>
+              </a:rPr>
+              <a:t>server</a:t>
+            </a:r>
+            <a:r>
+              <a:rPr lang="de-DE" sz="3400" dirty="0" smtClean="0">
+                <a:latin typeface="Consolas" charset="0"/>
+                <a:ea typeface="Consolas" charset="0"/>
+                <a:cs typeface="Consolas" charset="0"/>
+              </a:rPr>
+              <a:t> </a:t>
+            </a:r>
+            <a:r>
+              <a:rPr lang="de-DE" sz="3400" dirty="0">
+                <a:latin typeface="Consolas" charset="0"/>
+                <a:ea typeface="Consolas" charset="0"/>
+                <a:cs typeface="Consolas" charset="0"/>
+              </a:rPr>
+              <a:t>{</a:t>
+            </a:r>
+          </a:p>
+          <a:p>
+            <a:pPr marL="0" indent="0">
+              <a:buNone/>
+            </a:pPr>
+            <a:r>
+              <a:rPr lang="de-DE" sz="3400" dirty="0" smtClean="0">
+                <a:latin typeface="Consolas" charset="0"/>
+                <a:ea typeface="Consolas" charset="0"/>
+                <a:cs typeface="Consolas" charset="0"/>
+              </a:rPr>
+              <a:t>	listen       {{ </a:t>
+            </a:r>
+            <a:r>
+              <a:rPr lang="de-DE" sz="3400" dirty="0" err="1" smtClean="0">
+                <a:latin typeface="Consolas" charset="0"/>
+                <a:ea typeface="Consolas" charset="0"/>
+                <a:cs typeface="Consolas" charset="0"/>
+              </a:rPr>
+              <a:t>webserver_name</a:t>
+            </a:r>
+            <a:r>
+              <a:rPr lang="de-DE" sz="3400" dirty="0" smtClean="0">
+                <a:latin typeface="Consolas" charset="0"/>
+                <a:ea typeface="Consolas" charset="0"/>
+                <a:cs typeface="Consolas" charset="0"/>
+              </a:rPr>
+              <a:t> }}:8080</a:t>
+            </a:r>
+            <a:r>
+              <a:rPr lang="de-DE" sz="3400" dirty="0">
+                <a:latin typeface="Consolas" charset="0"/>
+                <a:ea typeface="Consolas" charset="0"/>
+                <a:cs typeface="Consolas" charset="0"/>
+              </a:rPr>
+              <a:t>;</a:t>
+            </a:r>
+          </a:p>
+          <a:p>
+            <a:pPr marL="0" indent="0">
+              <a:buNone/>
+            </a:pPr>
+            <a:r>
+              <a:rPr lang="de-DE" sz="3400" dirty="0" smtClean="0">
+                <a:latin typeface="Consolas" charset="0"/>
+                <a:ea typeface="Consolas" charset="0"/>
+                <a:cs typeface="Consolas" charset="0"/>
+              </a:rPr>
+              <a:t>	</a:t>
+            </a:r>
+            <a:r>
+              <a:rPr lang="de-DE" sz="3400" dirty="0" err="1" smtClean="0">
+                <a:latin typeface="Consolas" charset="0"/>
+                <a:ea typeface="Consolas" charset="0"/>
+                <a:cs typeface="Consolas" charset="0"/>
+              </a:rPr>
+              <a:t>server_name</a:t>
+            </a:r>
+            <a:r>
+              <a:rPr lang="de-DE" sz="3400" dirty="0" smtClean="0">
+                <a:latin typeface="Consolas" charset="0"/>
+                <a:ea typeface="Consolas" charset="0"/>
+                <a:cs typeface="Consolas" charset="0"/>
+              </a:rPr>
+              <a:t>  {{ </a:t>
+            </a:r>
+            <a:r>
+              <a:rPr lang="de-DE" sz="3400" dirty="0" err="1" smtClean="0">
+                <a:latin typeface="Consolas" charset="0"/>
+                <a:ea typeface="Consolas" charset="0"/>
+                <a:cs typeface="Consolas" charset="0"/>
+              </a:rPr>
+              <a:t>webserver_name</a:t>
+            </a:r>
+            <a:r>
+              <a:rPr lang="de-DE" sz="3400" dirty="0" smtClean="0">
+                <a:latin typeface="Consolas" charset="0"/>
+                <a:ea typeface="Consolas" charset="0"/>
+                <a:cs typeface="Consolas" charset="0"/>
+              </a:rPr>
+              <a:t> }}</a:t>
+            </a:r>
+          </a:p>
+          <a:p>
+            <a:pPr marL="0" indent="0">
+              <a:buNone/>
+            </a:pPr>
+            <a:r>
+              <a:rPr lang="de-DE" sz="3400" dirty="0" smtClean="0">
+                <a:latin typeface="Consolas" charset="0"/>
+                <a:ea typeface="Consolas" charset="0"/>
+                <a:cs typeface="Consolas" charset="0"/>
+              </a:rPr>
+              <a:t>	alias  {{ </a:t>
+            </a:r>
+            <a:r>
+              <a:rPr lang="de-DE" sz="3400" dirty="0" err="1" smtClean="0">
+                <a:latin typeface="Consolas" charset="0"/>
+                <a:ea typeface="Consolas" charset="0"/>
+                <a:cs typeface="Consolas" charset="0"/>
+              </a:rPr>
+              <a:t>website_alias</a:t>
+            </a:r>
+            <a:r>
+              <a:rPr lang="de-DE" sz="3400" dirty="0" smtClean="0">
+                <a:latin typeface="Consolas" charset="0"/>
+                <a:ea typeface="Consolas" charset="0"/>
+                <a:cs typeface="Consolas" charset="0"/>
+              </a:rPr>
+              <a:t> }};</a:t>
+            </a:r>
+            <a:endParaRPr lang="de-DE" sz="3400" dirty="0">
+              <a:latin typeface="Consolas" charset="0"/>
+              <a:ea typeface="Consolas" charset="0"/>
+              <a:cs typeface="Consolas" charset="0"/>
+            </a:endParaRPr>
+          </a:p>
+          <a:p>
+            <a:pPr marL="0" indent="0">
+              <a:buNone/>
+            </a:pPr>
+            <a:endParaRPr lang="de-DE" sz="3400" dirty="0">
+              <a:latin typeface="Consolas" charset="0"/>
+              <a:ea typeface="Consolas" charset="0"/>
+              <a:cs typeface="Consolas" charset="0"/>
+            </a:endParaRPr>
+          </a:p>
+          <a:p>
+            <a:pPr marL="0" indent="0">
+              <a:buNone/>
+            </a:pPr>
+            <a:r>
+              <a:rPr lang="de-DE" sz="3400" dirty="0">
+                <a:latin typeface="Consolas" charset="0"/>
+                <a:ea typeface="Consolas" charset="0"/>
+                <a:cs typeface="Consolas" charset="0"/>
+              </a:rPr>
+              <a:t> </a:t>
+            </a:r>
+            <a:r>
+              <a:rPr lang="de-DE" sz="3400" dirty="0" smtClean="0">
+                <a:latin typeface="Consolas" charset="0"/>
+                <a:ea typeface="Consolas" charset="0"/>
+                <a:cs typeface="Consolas" charset="0"/>
+              </a:rPr>
+              <a:t> </a:t>
+            </a:r>
+            <a:r>
+              <a:rPr lang="ro-RO" sz="3400" dirty="0" smtClean="0">
+                <a:latin typeface="Consolas" charset="0"/>
+                <a:ea typeface="Consolas" charset="0"/>
+                <a:cs typeface="Consolas" charset="0"/>
+              </a:rPr>
+              <a:t> 	</a:t>
+            </a:r>
+            <a:r>
+              <a:rPr lang="ro-RO" sz="3400" dirty="0" err="1" smtClean="0">
+                <a:latin typeface="Consolas" charset="0"/>
+                <a:ea typeface="Consolas" charset="0"/>
+                <a:cs typeface="Consolas" charset="0"/>
+              </a:rPr>
+              <a:t>location</a:t>
+            </a:r>
+            <a:r>
+              <a:rPr lang="ro-RO" sz="3400" dirty="0" smtClean="0">
+                <a:latin typeface="Consolas" charset="0"/>
+                <a:ea typeface="Consolas" charset="0"/>
+                <a:cs typeface="Consolas" charset="0"/>
+              </a:rPr>
+              <a:t> </a:t>
+            </a:r>
+            <a:r>
+              <a:rPr lang="ro-RO" sz="3400" dirty="0">
+                <a:latin typeface="Consolas" charset="0"/>
+                <a:ea typeface="Consolas" charset="0"/>
+                <a:cs typeface="Consolas" charset="0"/>
+              </a:rPr>
+              <a:t>/ {</a:t>
+            </a:r>
+          </a:p>
+          <a:p>
+            <a:pPr marL="0" indent="0">
+              <a:buNone/>
+            </a:pPr>
+            <a:r>
+              <a:rPr lang="de-DE" sz="3400" dirty="0">
+                <a:latin typeface="Consolas" charset="0"/>
+                <a:ea typeface="Consolas" charset="0"/>
+                <a:cs typeface="Consolas" charset="0"/>
+              </a:rPr>
+              <a:t>	    </a:t>
+            </a:r>
+            <a:r>
+              <a:rPr lang="de-DE" sz="3400" dirty="0" err="1" smtClean="0">
+                <a:latin typeface="Consolas" charset="0"/>
+                <a:ea typeface="Consolas" charset="0"/>
+                <a:cs typeface="Consolas" charset="0"/>
+              </a:rPr>
+              <a:t>root</a:t>
+            </a:r>
+            <a:r>
+              <a:rPr lang="de-DE" sz="3400" dirty="0" smtClean="0">
+                <a:latin typeface="Consolas" charset="0"/>
+                <a:ea typeface="Consolas" charset="0"/>
+                <a:cs typeface="Consolas" charset="0"/>
+              </a:rPr>
+              <a:t>   </a:t>
+            </a:r>
+            <a:r>
+              <a:rPr lang="de-DE" sz="3400" dirty="0" err="1">
+                <a:latin typeface="Consolas" charset="0"/>
+                <a:ea typeface="Consolas" charset="0"/>
+                <a:cs typeface="Consolas" charset="0"/>
+              </a:rPr>
+              <a:t>html</a:t>
+            </a:r>
+            <a:r>
+              <a:rPr lang="de-DE" sz="3400" dirty="0">
+                <a:latin typeface="Consolas" charset="0"/>
+                <a:ea typeface="Consolas" charset="0"/>
+                <a:cs typeface="Consolas" charset="0"/>
+              </a:rPr>
+              <a:t>;</a:t>
+            </a:r>
+          </a:p>
+          <a:p>
+            <a:pPr marL="0" indent="0">
+              <a:buNone/>
+            </a:pPr>
+            <a:r>
+              <a:rPr lang="de-DE" sz="3400" dirty="0">
+                <a:latin typeface="Consolas" charset="0"/>
+                <a:ea typeface="Consolas" charset="0"/>
+                <a:cs typeface="Consolas" charset="0"/>
+              </a:rPr>
+              <a:t>	    </a:t>
+            </a:r>
+            <a:r>
+              <a:rPr lang="de-DE" sz="3400" dirty="0" err="1" smtClean="0">
+                <a:latin typeface="Consolas" charset="0"/>
+                <a:ea typeface="Consolas" charset="0"/>
+                <a:cs typeface="Consolas" charset="0"/>
+              </a:rPr>
+              <a:t>index</a:t>
+            </a:r>
+            <a:r>
+              <a:rPr lang="de-DE" sz="3400" dirty="0" smtClean="0">
+                <a:latin typeface="Consolas" charset="0"/>
+                <a:ea typeface="Consolas" charset="0"/>
+                <a:cs typeface="Consolas" charset="0"/>
+              </a:rPr>
+              <a:t>  </a:t>
+            </a:r>
+            <a:r>
+              <a:rPr lang="de-DE" sz="3400" dirty="0" err="1">
+                <a:latin typeface="Consolas" charset="0"/>
+                <a:ea typeface="Consolas" charset="0"/>
+                <a:cs typeface="Consolas" charset="0"/>
+              </a:rPr>
+              <a:t>index.html</a:t>
+            </a:r>
+            <a:r>
+              <a:rPr lang="de-DE" sz="3400" dirty="0">
+                <a:latin typeface="Consolas" charset="0"/>
+                <a:ea typeface="Consolas" charset="0"/>
+                <a:cs typeface="Consolas" charset="0"/>
+              </a:rPr>
+              <a:t> </a:t>
+            </a:r>
+            <a:r>
+              <a:rPr lang="de-DE" sz="3400" dirty="0" err="1">
+                <a:latin typeface="Consolas" charset="0"/>
+                <a:ea typeface="Consolas" charset="0"/>
+                <a:cs typeface="Consolas" charset="0"/>
+              </a:rPr>
+              <a:t>index.htm</a:t>
+            </a:r>
+            <a:r>
+              <a:rPr lang="de-DE" sz="3400" dirty="0">
+                <a:latin typeface="Consolas" charset="0"/>
+                <a:ea typeface="Consolas" charset="0"/>
+                <a:cs typeface="Consolas" charset="0"/>
+              </a:rPr>
+              <a:t>;</a:t>
+            </a:r>
+          </a:p>
+          <a:p>
+            <a:pPr marL="0" indent="0">
+              <a:buNone/>
+            </a:pPr>
+            <a:r>
+              <a:rPr lang="de-DE" sz="3400" dirty="0">
+                <a:latin typeface="Consolas" charset="0"/>
+                <a:ea typeface="Consolas" charset="0"/>
+                <a:cs typeface="Consolas" charset="0"/>
+              </a:rPr>
+              <a:t>	</a:t>
+            </a:r>
+            <a:r>
+              <a:rPr lang="de-DE" sz="3400" dirty="0" smtClean="0">
+                <a:latin typeface="Consolas" charset="0"/>
+                <a:ea typeface="Consolas" charset="0"/>
+                <a:cs typeface="Consolas" charset="0"/>
+              </a:rPr>
+              <a:t>}</a:t>
+            </a:r>
+            <a:endParaRPr lang="de-DE" sz="3400" dirty="0">
+              <a:latin typeface="Consolas" charset="0"/>
+              <a:ea typeface="Consolas" charset="0"/>
+              <a:cs typeface="Consolas" charset="0"/>
+            </a:endParaRPr>
+          </a:p>
+          <a:p>
+            <a:pPr marL="0" indent="0">
+              <a:buNone/>
+            </a:pPr>
+            <a:r>
+              <a:rPr lang="de-DE" sz="3400" dirty="0" smtClean="0">
+                <a:latin typeface="Consolas" charset="0"/>
+                <a:ea typeface="Consolas" charset="0"/>
+                <a:cs typeface="Consolas" charset="0"/>
+              </a:rPr>
+              <a:t>}</a:t>
+            </a:r>
+          </a:p>
+          <a:p>
+            <a:pPr marL="0" indent="0">
+              <a:buNone/>
+            </a:pPr>
+            <a:endParaRPr lang="de-DE" sz="2900" dirty="0">
+              <a:latin typeface="Consolas" charset="0"/>
+              <a:ea typeface="Consolas" charset="0"/>
+              <a:cs typeface="Consolas" charset="0"/>
+            </a:endParaRPr>
+          </a:p>
+          <a:p>
+            <a:r>
+              <a:rPr lang="de-DE" sz="4200" dirty="0" err="1" smtClean="0">
+                <a:ea typeface="Consolas" charset="0"/>
+                <a:cs typeface="Consolas" charset="0"/>
+              </a:rPr>
+              <a:t>Copy</a:t>
+            </a:r>
+            <a:r>
+              <a:rPr lang="de-DE" sz="4200" dirty="0" smtClean="0">
+                <a:ea typeface="Consolas" charset="0"/>
+                <a:cs typeface="Consolas" charset="0"/>
+              </a:rPr>
+              <a:t> a </a:t>
+            </a:r>
+            <a:r>
+              <a:rPr lang="de-DE" sz="4200" dirty="0" err="1" smtClean="0">
+                <a:ea typeface="Consolas" charset="0"/>
+                <a:cs typeface="Consolas" charset="0"/>
+              </a:rPr>
+              <a:t>template</a:t>
+            </a:r>
+            <a:r>
+              <a:rPr lang="de-DE" sz="4200" dirty="0" smtClean="0">
+                <a:ea typeface="Consolas" charset="0"/>
+                <a:cs typeface="Consolas" charset="0"/>
+              </a:rPr>
+              <a:t> </a:t>
+            </a:r>
+            <a:r>
+              <a:rPr lang="de-DE" sz="4200" dirty="0" err="1" smtClean="0">
+                <a:ea typeface="Consolas" charset="0"/>
+                <a:cs typeface="Consolas" charset="0"/>
+              </a:rPr>
+              <a:t>to</a:t>
+            </a:r>
+            <a:r>
+              <a:rPr lang="de-DE" sz="4200" dirty="0" smtClean="0">
+                <a:ea typeface="Consolas" charset="0"/>
+                <a:cs typeface="Consolas" charset="0"/>
+              </a:rPr>
+              <a:t> a remote host:</a:t>
+            </a:r>
+            <a:endParaRPr lang="en-US" sz="4200" dirty="0">
+              <a:ea typeface="Consolas" charset="0"/>
+              <a:cs typeface="Consolas" charset="0"/>
+            </a:endParaRPr>
+          </a:p>
+          <a:p>
+            <a:endParaRPr lang="en-US" sz="2500" dirty="0" smtClean="0">
+              <a:ea typeface="Consolas" charset="0"/>
+              <a:cs typeface="Consolas" charset="0"/>
+            </a:endParaRPr>
+          </a:p>
+          <a:p>
+            <a:pPr marL="0" indent="0">
+              <a:buNone/>
+            </a:pPr>
+            <a:r>
+              <a:rPr lang="en-US" sz="3400" dirty="0" smtClean="0">
+                <a:latin typeface="Consolas" charset="0"/>
+                <a:ea typeface="Consolas" charset="0"/>
+                <a:cs typeface="Consolas" charset="0"/>
+              </a:rPr>
+              <a:t>template: </a:t>
+            </a:r>
+            <a:r>
+              <a:rPr lang="en-US" sz="3400" dirty="0" err="1" smtClean="0">
+                <a:latin typeface="Consolas" charset="0"/>
+                <a:ea typeface="Consolas" charset="0"/>
+                <a:cs typeface="Consolas" charset="0"/>
+              </a:rPr>
+              <a:t>src</a:t>
+            </a:r>
+            <a:r>
+              <a:rPr lang="en-US" sz="3400" dirty="0" smtClean="0">
+                <a:latin typeface="Consolas" charset="0"/>
+                <a:ea typeface="Consolas" charset="0"/>
+                <a:cs typeface="Consolas" charset="0"/>
+              </a:rPr>
+              <a:t>=nginx.conf.j2 </a:t>
+            </a:r>
+            <a:r>
+              <a:rPr lang="en-US" sz="3400" dirty="0" err="1" smtClean="0">
+                <a:latin typeface="Consolas" charset="0"/>
+                <a:ea typeface="Consolas" charset="0"/>
+                <a:cs typeface="Consolas" charset="0"/>
+              </a:rPr>
+              <a:t>dest</a:t>
+            </a:r>
+            <a:r>
+              <a:rPr lang="en-US" sz="3400" dirty="0" smtClean="0">
+                <a:latin typeface="Consolas" charset="0"/>
+                <a:ea typeface="Consolas" charset="0"/>
+                <a:cs typeface="Consolas" charset="0"/>
+              </a:rPr>
+              <a:t>=/</a:t>
+            </a:r>
+            <a:r>
+              <a:rPr lang="en-US" sz="3400" dirty="0" err="1" smtClean="0">
+                <a:latin typeface="Consolas" charset="0"/>
+                <a:ea typeface="Consolas" charset="0"/>
+                <a:cs typeface="Consolas" charset="0"/>
+              </a:rPr>
+              <a:t>etc</a:t>
+            </a:r>
+            <a:r>
+              <a:rPr lang="en-US" sz="3400" dirty="0" smtClean="0">
+                <a:latin typeface="Consolas" charset="0"/>
+                <a:ea typeface="Consolas" charset="0"/>
+                <a:cs typeface="Consolas" charset="0"/>
+              </a:rPr>
+              <a:t>/</a:t>
+            </a:r>
+            <a:r>
+              <a:rPr lang="en-US" sz="3400" dirty="0" err="1" smtClean="0">
+                <a:latin typeface="Consolas" charset="0"/>
+                <a:ea typeface="Consolas" charset="0"/>
+                <a:cs typeface="Consolas" charset="0"/>
+              </a:rPr>
+              <a:t>nginx</a:t>
+            </a:r>
+            <a:r>
+              <a:rPr lang="en-US" sz="3400" dirty="0" smtClean="0">
+                <a:latin typeface="Consolas" charset="0"/>
+                <a:ea typeface="Consolas" charset="0"/>
+                <a:cs typeface="Consolas" charset="0"/>
+              </a:rPr>
+              <a:t>/</a:t>
+            </a:r>
+            <a:r>
+              <a:rPr lang="en-US" sz="3400" dirty="0" err="1" smtClean="0">
+                <a:latin typeface="Consolas" charset="0"/>
+                <a:ea typeface="Consolas" charset="0"/>
+                <a:cs typeface="Consolas" charset="0"/>
+              </a:rPr>
+              <a:t>nginx.conf</a:t>
+            </a:r>
+            <a:endParaRPr lang="de-DE" sz="3400" dirty="0" smtClean="0">
+              <a:latin typeface="Consolas" charset="0"/>
+              <a:ea typeface="Consolas" charset="0"/>
+              <a:cs typeface="Consolas" charset="0"/>
+            </a:endParaRPr>
           </a:p>
         </p:txBody>
       </p:sp>
     </p:spTree>
     <p:extLst>
       <p:ext uri="{BB962C8B-B14F-4D97-AF65-F5344CB8AC3E}">
-        <p14:creationId xmlns:p14="http://schemas.microsoft.com/office/powerpoint/2010/main" val="1926075719"/>
+        <p14:creationId xmlns:p14="http://schemas.microsoft.com/office/powerpoint/2010/main" val="1846034098"/>
       </p:ext>
     </p:extLst>
   </p:cSld>
@@ -13979,7 +13864,7 @@
           <a:p>
             <a:r>
               <a:rPr lang="en-US" dirty="0" smtClean="0"/>
-              <a:t>Facts</a:t>
+              <a:t>Jinja2 Filters</a:t>
             </a:r>
             <a:endParaRPr lang="en-US" dirty="0"/>
           </a:p>
@@ -13995,365 +13880,158 @@
             <p:ph idx="1"/>
           </p:nvPr>
         </p:nvSpPr>
-        <p:spPr>
-          <a:xfrm>
-            <a:off x="457200" y="1600200"/>
-            <a:ext cx="8229600" cy="5063647"/>
-          </a:xfrm>
-        </p:spPr>
+        <p:spPr/>
         <p:txBody>
           <a:bodyPr>
-            <a:normAutofit fontScale="85000" lnSpcReduction="20000"/>
+            <a:normAutofit fontScale="62500" lnSpcReduction="20000"/>
           </a:bodyPr>
           <a:lstStyle/>
           <a:p>
             <a:r>
               <a:rPr lang="en-US" dirty="0" smtClean="0"/>
-              <a:t>Facts are a type of variable that contain information about remote systems.</a:t>
-            </a:r>
+              <a:t>Jinja2 supports a number of filters we can use in templates to manipulate variables.</a:t>
+            </a:r>
+          </a:p>
+          <a:p>
+            <a:endParaRPr lang="en-US" dirty="0"/>
           </a:p>
           <a:p>
             <a:pPr lvl="1"/>
             <a:r>
               <a:rPr lang="en-US" dirty="0" smtClean="0"/>
-              <a:t>System name, IP address, OS version, </a:t>
+              <a:t>Set a default value for a variable:</a:t>
+            </a:r>
+          </a:p>
+          <a:p>
+            <a:pPr marL="914400" lvl="2" indent="0">
+              <a:buNone/>
+            </a:pPr>
+            <a:r>
+              <a:rPr lang="en-US" dirty="0" smtClean="0"/>
+              <a:t>{{ </a:t>
             </a:r>
             <a:r>
               <a:rPr lang="en-US" dirty="0" err="1" smtClean="0"/>
-              <a:t>etc</a:t>
-            </a:r>
-            <a:endParaRPr lang="en-US" dirty="0" smtClean="0"/>
+              <a:t>some_variable</a:t>
+            </a:r>
+            <a:r>
+              <a:rPr lang="en-US" dirty="0" smtClean="0"/>
+              <a:t> | default(5) }}</a:t>
+            </a:r>
           </a:p>
           <a:p>
             <a:pPr lvl="1"/>
-            <a:r>
-              <a:rPr lang="en-US" dirty="0" smtClean="0"/>
-              <a:t>Facts are discovered automatically by the </a:t>
-            </a:r>
-            <a:r>
-              <a:rPr lang="en-US" b="1" dirty="0" smtClean="0"/>
-              <a:t>setup</a:t>
-            </a:r>
-            <a:r>
-              <a:rPr lang="en-US" dirty="0" smtClean="0"/>
-              <a:t> module and stored in a JSON structure.</a:t>
-            </a:r>
+            <a:endParaRPr lang="en-US" dirty="0"/>
           </a:p>
           <a:p>
             <a:pPr lvl="1"/>
-            <a:endParaRPr lang="en-US" dirty="0" smtClean="0"/>
-          </a:p>
-          <a:p>
-            <a:pPr marL="0" indent="0">
-              <a:buNone/>
-            </a:pPr>
-            <a:r>
-              <a:rPr lang="en-US" sz="1900" dirty="0">
-                <a:latin typeface="Consolas" charset="0"/>
-                <a:ea typeface="Consolas" charset="0"/>
-                <a:cs typeface="Consolas" charset="0"/>
-              </a:rPr>
-              <a:t>"</a:t>
-            </a:r>
-            <a:r>
-              <a:rPr lang="en-US" sz="1900" dirty="0" err="1">
-                <a:latin typeface="Consolas" charset="0"/>
-                <a:ea typeface="Consolas" charset="0"/>
-                <a:cs typeface="Consolas" charset="0"/>
-              </a:rPr>
-              <a:t>ansible_architecture</a:t>
-            </a:r>
-            <a:r>
-              <a:rPr lang="en-US" sz="1900" dirty="0">
-                <a:latin typeface="Consolas" charset="0"/>
-                <a:ea typeface="Consolas" charset="0"/>
-                <a:cs typeface="Consolas" charset="0"/>
-              </a:rPr>
-              <a:t>": "x86_64", </a:t>
-            </a:r>
-            <a:endParaRPr lang="en-US" sz="1900" dirty="0" smtClean="0">
-              <a:latin typeface="Consolas" charset="0"/>
-              <a:ea typeface="Consolas" charset="0"/>
-              <a:cs typeface="Consolas" charset="0"/>
-            </a:endParaRPr>
-          </a:p>
-          <a:p>
-            <a:pPr marL="0" indent="0">
-              <a:buNone/>
-            </a:pPr>
-            <a:r>
-              <a:rPr lang="en-US" sz="1900" dirty="0" smtClean="0">
-                <a:latin typeface="Consolas" charset="0"/>
-                <a:ea typeface="Consolas" charset="0"/>
-                <a:cs typeface="Consolas" charset="0"/>
-              </a:rPr>
-              <a:t>"</a:t>
-            </a:r>
-            <a:r>
-              <a:rPr lang="en-US" sz="1900" dirty="0" err="1">
-                <a:latin typeface="Consolas" charset="0"/>
-                <a:ea typeface="Consolas" charset="0"/>
-                <a:cs typeface="Consolas" charset="0"/>
-              </a:rPr>
-              <a:t>ansible_bios_date</a:t>
-            </a:r>
-            <a:r>
-              <a:rPr lang="en-US" sz="1900" dirty="0">
-                <a:latin typeface="Consolas" charset="0"/>
-                <a:ea typeface="Consolas" charset="0"/>
-                <a:cs typeface="Consolas" charset="0"/>
-              </a:rPr>
-              <a:t>": "09/20/2012", "</a:t>
-            </a:r>
-            <a:r>
-              <a:rPr lang="en-US" sz="1900" dirty="0" err="1">
-                <a:latin typeface="Consolas" charset="0"/>
-                <a:ea typeface="Consolas" charset="0"/>
-                <a:cs typeface="Consolas" charset="0"/>
-              </a:rPr>
-              <a:t>ansible_bios_version</a:t>
-            </a:r>
-            <a:r>
-              <a:rPr lang="en-US" sz="1900" dirty="0">
-                <a:latin typeface="Consolas" charset="0"/>
-                <a:ea typeface="Consolas" charset="0"/>
-                <a:cs typeface="Consolas" charset="0"/>
-              </a:rPr>
-              <a:t>": "6.00",</a:t>
-            </a:r>
-            <a:endParaRPr lang="en-US" sz="1900" dirty="0" smtClean="0">
-              <a:latin typeface="Consolas" charset="0"/>
-              <a:ea typeface="Consolas" charset="0"/>
-              <a:cs typeface="Consolas" charset="0"/>
-            </a:endParaRPr>
-          </a:p>
-          <a:p>
-            <a:pPr marL="0" indent="0">
-              <a:buNone/>
-            </a:pPr>
-            <a:r>
-              <a:rPr lang="en-US" sz="1900" dirty="0">
-                <a:latin typeface="Consolas" charset="0"/>
-                <a:ea typeface="Consolas" charset="0"/>
-                <a:cs typeface="Consolas" charset="0"/>
-              </a:rPr>
-              <a:t>"</a:t>
-            </a:r>
-            <a:r>
-              <a:rPr lang="en-US" sz="1900" dirty="0" err="1">
-                <a:latin typeface="Consolas" charset="0"/>
-                <a:ea typeface="Consolas" charset="0"/>
-                <a:cs typeface="Consolas" charset="0"/>
-              </a:rPr>
-              <a:t>ansible_swapfree_mb</a:t>
-            </a:r>
-            <a:r>
-              <a:rPr lang="en-US" sz="1900" dirty="0">
-                <a:latin typeface="Consolas" charset="0"/>
-                <a:ea typeface="Consolas" charset="0"/>
-                <a:cs typeface="Consolas" charset="0"/>
-              </a:rPr>
-              <a:t>": 665, </a:t>
-            </a:r>
-            <a:endParaRPr lang="en-US" sz="1900" dirty="0" smtClean="0">
-              <a:latin typeface="Consolas" charset="0"/>
-              <a:ea typeface="Consolas" charset="0"/>
-              <a:cs typeface="Consolas" charset="0"/>
-            </a:endParaRPr>
-          </a:p>
-          <a:p>
-            <a:pPr marL="0" indent="0">
-              <a:buNone/>
-            </a:pPr>
-            <a:r>
-              <a:rPr lang="en-US" sz="1900" dirty="0" smtClean="0">
-                <a:latin typeface="Consolas" charset="0"/>
-                <a:ea typeface="Consolas" charset="0"/>
-                <a:cs typeface="Consolas" charset="0"/>
-              </a:rPr>
-              <a:t>"</a:t>
-            </a:r>
-            <a:r>
-              <a:rPr lang="en-US" sz="1900" dirty="0" err="1">
-                <a:latin typeface="Consolas" charset="0"/>
-                <a:ea typeface="Consolas" charset="0"/>
-                <a:cs typeface="Consolas" charset="0"/>
-              </a:rPr>
-              <a:t>ansible_swaptotal_mb</a:t>
-            </a:r>
-            <a:r>
-              <a:rPr lang="en-US" sz="1900" dirty="0">
-                <a:latin typeface="Consolas" charset="0"/>
-                <a:ea typeface="Consolas" charset="0"/>
-                <a:cs typeface="Consolas" charset="0"/>
-              </a:rPr>
-              <a:t>": 1021, </a:t>
-            </a:r>
-            <a:endParaRPr lang="en-US" sz="1900" dirty="0" smtClean="0">
-              <a:latin typeface="Consolas" charset="0"/>
-              <a:ea typeface="Consolas" charset="0"/>
-              <a:cs typeface="Consolas" charset="0"/>
-            </a:endParaRPr>
-          </a:p>
-          <a:p>
-            <a:pPr marL="0" indent="0">
-              <a:buNone/>
-            </a:pPr>
-            <a:r>
-              <a:rPr lang="en-US" sz="1900" dirty="0" smtClean="0">
-                <a:latin typeface="Consolas" charset="0"/>
-                <a:ea typeface="Consolas" charset="0"/>
-                <a:cs typeface="Consolas" charset="0"/>
-              </a:rPr>
-              <a:t>"</a:t>
-            </a:r>
-            <a:r>
-              <a:rPr lang="en-US" sz="1900" dirty="0" err="1">
-                <a:latin typeface="Consolas" charset="0"/>
-                <a:ea typeface="Consolas" charset="0"/>
-                <a:cs typeface="Consolas" charset="0"/>
-              </a:rPr>
-              <a:t>ansible_system</a:t>
-            </a:r>
-            <a:r>
-              <a:rPr lang="en-US" sz="1900" dirty="0">
-                <a:latin typeface="Consolas" charset="0"/>
-                <a:ea typeface="Consolas" charset="0"/>
-                <a:cs typeface="Consolas" charset="0"/>
-              </a:rPr>
-              <a:t>": "Linux", </a:t>
-            </a:r>
-            <a:endParaRPr lang="en-US" sz="1900" dirty="0" smtClean="0">
-              <a:latin typeface="Consolas" charset="0"/>
-              <a:ea typeface="Consolas" charset="0"/>
-              <a:cs typeface="Consolas" charset="0"/>
-            </a:endParaRPr>
-          </a:p>
-          <a:p>
-            <a:pPr marL="0" indent="0">
-              <a:buNone/>
-            </a:pPr>
-            <a:r>
-              <a:rPr lang="en-US" sz="1900" dirty="0" smtClean="0">
-                <a:latin typeface="Consolas" charset="0"/>
-                <a:ea typeface="Consolas" charset="0"/>
-                <a:cs typeface="Consolas" charset="0"/>
-              </a:rPr>
-              <a:t>"</a:t>
-            </a:r>
-            <a:r>
-              <a:rPr lang="en-US" sz="1900" dirty="0" err="1">
-                <a:latin typeface="Consolas" charset="0"/>
-                <a:ea typeface="Consolas" charset="0"/>
-                <a:cs typeface="Consolas" charset="0"/>
-              </a:rPr>
-              <a:t>ansible_system_vendor</a:t>
-            </a:r>
-            <a:r>
-              <a:rPr lang="en-US" sz="1900" dirty="0">
-                <a:latin typeface="Consolas" charset="0"/>
-                <a:ea typeface="Consolas" charset="0"/>
-                <a:cs typeface="Consolas" charset="0"/>
-              </a:rPr>
-              <a:t>": "VMware, Inc.", </a:t>
-            </a:r>
-            <a:endParaRPr lang="en-US" sz="1900" dirty="0" smtClean="0">
-              <a:latin typeface="Consolas" charset="0"/>
-              <a:ea typeface="Consolas" charset="0"/>
-              <a:cs typeface="Consolas" charset="0"/>
-            </a:endParaRPr>
-          </a:p>
-          <a:p>
-            <a:pPr marL="0" indent="0">
-              <a:buNone/>
-            </a:pPr>
-            <a:r>
-              <a:rPr lang="en-US" sz="1900" dirty="0" smtClean="0">
-                <a:latin typeface="Consolas" charset="0"/>
-                <a:ea typeface="Consolas" charset="0"/>
-                <a:cs typeface="Consolas" charset="0"/>
-              </a:rPr>
-              <a:t>"</a:t>
-            </a:r>
-            <a:r>
-              <a:rPr lang="en-US" sz="1900" dirty="0" err="1">
-                <a:latin typeface="Consolas" charset="0"/>
-                <a:ea typeface="Consolas" charset="0"/>
-                <a:cs typeface="Consolas" charset="0"/>
-              </a:rPr>
-              <a:t>ansible_user_id</a:t>
-            </a:r>
-            <a:r>
-              <a:rPr lang="en-US" sz="1900" dirty="0">
-                <a:latin typeface="Consolas" charset="0"/>
-                <a:ea typeface="Consolas" charset="0"/>
-                <a:cs typeface="Consolas" charset="0"/>
-              </a:rPr>
-              <a:t>": "</a:t>
-            </a:r>
-            <a:r>
-              <a:rPr lang="en-US" sz="1900" dirty="0" smtClean="0">
-                <a:latin typeface="Consolas" charset="0"/>
-                <a:ea typeface="Consolas" charset="0"/>
-                <a:cs typeface="Consolas" charset="0"/>
-              </a:rPr>
-              <a:t>root”</a:t>
-            </a:r>
-          </a:p>
-          <a:p>
-            <a:pPr marL="0" indent="0">
-              <a:buNone/>
-            </a:pPr>
-            <a:r>
-              <a:rPr lang="is-IS" sz="1900" dirty="0" smtClean="0">
-                <a:latin typeface="Consolas" charset="0"/>
-                <a:ea typeface="Consolas" charset="0"/>
-                <a:cs typeface="Consolas" charset="0"/>
-              </a:rPr>
-              <a:t>…</a:t>
-            </a:r>
-          </a:p>
-          <a:p>
-            <a:pPr marL="0" indent="0">
-              <a:buNone/>
-            </a:pPr>
-            <a:endParaRPr lang="is-IS" sz="1900" dirty="0">
-              <a:latin typeface="Consolas" charset="0"/>
-              <a:ea typeface="Consolas" charset="0"/>
-              <a:cs typeface="Consolas" charset="0"/>
-            </a:endParaRPr>
-          </a:p>
-          <a:p>
-            <a:r>
-              <a:rPr lang="is-IS" sz="2400" dirty="0" smtClean="0">
-                <a:ea typeface="Consolas" charset="0"/>
-                <a:cs typeface="Consolas" charset="0"/>
-              </a:rPr>
-              <a:t>We can refer to a fact in a play like any other variable: </a:t>
-            </a:r>
-          </a:p>
-          <a:p>
-            <a:pPr marL="457200" lvl="1" indent="0">
-              <a:buNone/>
-            </a:pPr>
-            <a:r>
-              <a:rPr lang="is-IS" sz="2000" dirty="0" smtClean="0">
-                <a:ea typeface="Consolas" charset="0"/>
-                <a:cs typeface="Consolas" charset="0"/>
-              </a:rPr>
-              <a:t>{{ ansible_architecture }}</a:t>
-            </a:r>
-            <a:endParaRPr lang="en-US" sz="2000" dirty="0">
-              <a:ea typeface="Consolas" charset="0"/>
-              <a:cs typeface="Consolas" charset="0"/>
-            </a:endParaRPr>
+            <a:r>
+              <a:rPr lang="en-US" dirty="0" smtClean="0"/>
+              <a:t>The maximum value from a list of numbers:</a:t>
+            </a:r>
+          </a:p>
+          <a:p>
+            <a:pPr marL="914400" lvl="2" indent="0">
+              <a:buNone/>
+            </a:pPr>
+            <a:r>
+              <a:rPr lang="en-US" dirty="0" smtClean="0"/>
+              <a:t>{{ [3, 4, 2] | max }}</a:t>
+            </a:r>
+          </a:p>
+          <a:p>
+            <a:pPr lvl="1"/>
+            <a:endParaRPr lang="en-US" dirty="0"/>
+          </a:p>
+          <a:p>
+            <a:pPr lvl="1"/>
+            <a:r>
+              <a:rPr lang="en-US" dirty="0" smtClean="0"/>
+              <a:t>Get a random item from 0 to 10:</a:t>
+            </a:r>
+          </a:p>
+          <a:p>
+            <a:pPr marL="914400" lvl="2" indent="0">
+              <a:buNone/>
+            </a:pPr>
+            <a:r>
+              <a:rPr lang="en-US" dirty="0" smtClean="0"/>
+              <a:t>{{ 10| random }}</a:t>
+            </a:r>
+          </a:p>
+          <a:p>
+            <a:pPr lvl="1"/>
+            <a:endParaRPr lang="en-US" dirty="0"/>
+          </a:p>
+          <a:p>
+            <a:pPr lvl="1"/>
+            <a:r>
+              <a:rPr lang="en-US" dirty="0" smtClean="0"/>
+              <a:t>Test if a string is a valid IP address:</a:t>
+            </a:r>
+          </a:p>
+          <a:p>
+            <a:pPr marL="914400" lvl="2" indent="0">
+              <a:buNone/>
+            </a:pPr>
+            <a:r>
+              <a:rPr lang="en-US" dirty="0" smtClean="0"/>
+              <a:t>{{ </a:t>
+            </a:r>
+            <a:r>
+              <a:rPr lang="en-US" dirty="0" err="1" smtClean="0"/>
+              <a:t>myvar</a:t>
+            </a:r>
+            <a:r>
+              <a:rPr lang="en-US" dirty="0" smtClean="0"/>
+              <a:t> | </a:t>
+            </a:r>
+            <a:r>
+              <a:rPr lang="en-US" dirty="0" err="1" smtClean="0"/>
+              <a:t>ipaddr</a:t>
+            </a:r>
+            <a:r>
+              <a:rPr lang="en-US" dirty="0" smtClean="0"/>
+              <a:t> }}</a:t>
+            </a:r>
+          </a:p>
+          <a:p>
+            <a:pPr marL="914400" lvl="2" indent="0">
+              <a:buNone/>
+            </a:pPr>
+            <a:endParaRPr lang="en-US" dirty="0"/>
+          </a:p>
+          <a:p>
+            <a:pPr lvl="1"/>
+            <a:r>
+              <a:rPr lang="en-US" dirty="0" smtClean="0"/>
+              <a:t>Concatenate a list into a string:</a:t>
+            </a:r>
+          </a:p>
+          <a:p>
+            <a:pPr marL="914400" lvl="2" indent="0">
+              <a:buNone/>
+            </a:pPr>
+            <a:r>
+              <a:rPr lang="en-US" dirty="0" smtClean="0"/>
+              <a:t>{{ </a:t>
+            </a:r>
+            <a:r>
+              <a:rPr lang="en-US" dirty="0" err="1" smtClean="0"/>
+              <a:t>var_list</a:t>
+            </a:r>
+            <a:r>
+              <a:rPr lang="en-US" dirty="0" smtClean="0"/>
+              <a:t> | join(“ ”) }}</a:t>
+            </a:r>
+            <a:endParaRPr lang="en-US" dirty="0"/>
           </a:p>
         </p:txBody>
       </p:sp>
     </p:spTree>
     <p:extLst>
       <p:ext uri="{BB962C8B-B14F-4D97-AF65-F5344CB8AC3E}">
-        <p14:creationId xmlns:p14="http://schemas.microsoft.com/office/powerpoint/2010/main" val="1999747405"/>
+        <p14:creationId xmlns:p14="http://schemas.microsoft.com/office/powerpoint/2010/main" val="1450313782"/>
       </p:ext>
     </p:extLst>
   </p:cSld>
@@ -14404,7 +14082,7 @@
           <a:p>
             <a:r>
               <a:rPr lang="en-US" dirty="0" smtClean="0"/>
-              <a:t>Registered Variables</a:t>
+              <a:t>Conditionals</a:t>
             </a:r>
             <a:endParaRPr lang="en-US" dirty="0"/>
           </a:p>
@@ -14423,18 +14101,26 @@
         <p:spPr>
           <a:xfrm>
             <a:off x="457200" y="1600200"/>
-            <a:ext cx="8229600" cy="4825652"/>
+            <a:ext cx="8229600" cy="5063647"/>
           </a:xfrm>
         </p:spPr>
         <p:txBody>
           <a:bodyPr>
-            <a:normAutofit lnSpcReduction="10000"/>
+            <a:normAutofit fontScale="77500" lnSpcReduction="20000"/>
           </a:bodyPr>
           <a:lstStyle/>
           <a:p>
             <a:r>
-              <a:rPr lang="en-US" dirty="0" smtClean="0"/>
-              <a:t>Registered variables contain the output returned by executing a command.</a:t>
+              <a:rPr lang="en-US" sz="2600" dirty="0" smtClean="0"/>
+              <a:t>Use the </a:t>
+            </a:r>
+            <a:r>
+              <a:rPr lang="en-US" sz="2600" b="1" dirty="0" smtClean="0"/>
+              <a:t>when</a:t>
+            </a:r>
+            <a:r>
+              <a:rPr lang="en-US" sz="2600" dirty="0" smtClean="0"/>
+              <a:t> statement to skip a particular task from executing on a host.</a:t>
             </a:r>
           </a:p>
           <a:p>
@@ -14445,22 +14131,122 @@
               <a:buNone/>
             </a:pPr>
             <a:r>
-              <a:rPr lang="en-US" sz="1700" dirty="0">
-                <a:latin typeface="Consolas" charset="0"/>
-                <a:ea typeface="Consolas" charset="0"/>
-                <a:cs typeface="Consolas" charset="0"/>
-              </a:rPr>
-              <a:t>- hosts: </a:t>
-            </a:r>
-            <a:r>
-              <a:rPr lang="en-US" sz="1700" dirty="0" err="1">
-                <a:latin typeface="Consolas" charset="0"/>
-                <a:ea typeface="Consolas" charset="0"/>
-                <a:cs typeface="Consolas" charset="0"/>
-              </a:rPr>
-              <a:t>web_servers</a:t>
-            </a:r>
-            <a:endParaRPr lang="en-US" sz="1700" dirty="0">
+              <a:rPr lang="en-US" sz="1600" dirty="0">
+                <a:latin typeface="Consolas" charset="0"/>
+                <a:ea typeface="Consolas" charset="0"/>
+                <a:cs typeface="Consolas" charset="0"/>
+              </a:rPr>
+              <a:t>tasks:</a:t>
+            </a:r>
+          </a:p>
+          <a:p>
+            <a:pPr marL="0" indent="0">
+              <a:buNone/>
+            </a:pPr>
+            <a:r>
+              <a:rPr lang="en-US" sz="1600" dirty="0">
+                <a:latin typeface="Consolas" charset="0"/>
+                <a:ea typeface="Consolas" charset="0"/>
+                <a:cs typeface="Consolas" charset="0"/>
+              </a:rPr>
+              <a:t>  - name: "shut down </a:t>
+            </a:r>
+            <a:r>
+              <a:rPr lang="en-US" sz="1600" dirty="0" err="1">
+                <a:latin typeface="Consolas" charset="0"/>
+                <a:ea typeface="Consolas" charset="0"/>
+                <a:cs typeface="Consolas" charset="0"/>
+              </a:rPr>
+              <a:t>Debian</a:t>
+            </a:r>
+            <a:r>
+              <a:rPr lang="en-US" sz="1600" dirty="0">
+                <a:latin typeface="Consolas" charset="0"/>
+                <a:ea typeface="Consolas" charset="0"/>
+                <a:cs typeface="Consolas" charset="0"/>
+              </a:rPr>
+              <a:t> flavored systems"</a:t>
+            </a:r>
+          </a:p>
+          <a:p>
+            <a:pPr marL="0" indent="0">
+              <a:buNone/>
+            </a:pPr>
+            <a:r>
+              <a:rPr lang="en-US" sz="1600" dirty="0">
+                <a:latin typeface="Consolas" charset="0"/>
+                <a:ea typeface="Consolas" charset="0"/>
+                <a:cs typeface="Consolas" charset="0"/>
+              </a:rPr>
+              <a:t>    command: /</a:t>
+            </a:r>
+            <a:r>
+              <a:rPr lang="en-US" sz="1600" dirty="0" err="1">
+                <a:latin typeface="Consolas" charset="0"/>
+                <a:ea typeface="Consolas" charset="0"/>
+                <a:cs typeface="Consolas" charset="0"/>
+              </a:rPr>
+              <a:t>sbin</a:t>
+            </a:r>
+            <a:r>
+              <a:rPr lang="en-US" sz="1600" dirty="0">
+                <a:latin typeface="Consolas" charset="0"/>
+                <a:ea typeface="Consolas" charset="0"/>
+                <a:cs typeface="Consolas" charset="0"/>
+              </a:rPr>
+              <a:t>/shutdown -t now</a:t>
+            </a:r>
+          </a:p>
+          <a:p>
+            <a:pPr marL="0" indent="0">
+              <a:buNone/>
+            </a:pPr>
+            <a:r>
+              <a:rPr lang="en-US" sz="1600" dirty="0">
+                <a:latin typeface="Consolas" charset="0"/>
+                <a:ea typeface="Consolas" charset="0"/>
+                <a:cs typeface="Consolas" charset="0"/>
+              </a:rPr>
+              <a:t>    when: </a:t>
+            </a:r>
+            <a:r>
+              <a:rPr lang="en-US" sz="1600" dirty="0" err="1">
+                <a:latin typeface="Consolas" charset="0"/>
+                <a:ea typeface="Consolas" charset="0"/>
+                <a:cs typeface="Consolas" charset="0"/>
+              </a:rPr>
+              <a:t>ansible_os_family</a:t>
+            </a:r>
+            <a:r>
+              <a:rPr lang="en-US" sz="1600" dirty="0">
+                <a:latin typeface="Consolas" charset="0"/>
+                <a:ea typeface="Consolas" charset="0"/>
+                <a:cs typeface="Consolas" charset="0"/>
+              </a:rPr>
+              <a:t> == "</a:t>
+            </a:r>
+            <a:r>
+              <a:rPr lang="en-US" sz="1600" dirty="0" err="1" smtClean="0">
+                <a:latin typeface="Consolas" charset="0"/>
+                <a:ea typeface="Consolas" charset="0"/>
+                <a:cs typeface="Consolas" charset="0"/>
+              </a:rPr>
+              <a:t>Debian</a:t>
+            </a:r>
+            <a:r>
+              <a:rPr lang="en-US" sz="1600" dirty="0" smtClean="0">
+                <a:latin typeface="Consolas" charset="0"/>
+                <a:ea typeface="Consolas" charset="0"/>
+                <a:cs typeface="Consolas" charset="0"/>
+              </a:rPr>
+              <a:t>”</a:t>
+            </a:r>
+          </a:p>
+          <a:p>
+            <a:pPr marL="0" indent="0">
+              <a:buNone/>
+            </a:pPr>
+            <a:endParaRPr lang="en-US" sz="1600" dirty="0">
               <a:latin typeface="Consolas" charset="0"/>
               <a:ea typeface="Consolas" charset="0"/>
               <a:cs typeface="Consolas" charset="0"/>
@@ -14470,86 +14256,115 @@
             <a:pPr marL="0" indent="0">
               <a:buNone/>
             </a:pPr>
-            <a:endParaRPr lang="en-US" sz="1700" dirty="0">
+            <a:endParaRPr lang="en-US" sz="1600" dirty="0">
               <a:latin typeface="Consolas" charset="0"/>
               <a:ea typeface="Consolas" charset="0"/>
               <a:cs typeface="Consolas" charset="0"/>
             </a:endParaRPr>
           </a:p>
           <a:p>
-            <a:pPr marL="0" indent="0">
-              <a:buNone/>
-            </a:pPr>
-            <a:r>
-              <a:rPr lang="en-US" sz="1700" dirty="0">
-                <a:latin typeface="Consolas" charset="0"/>
-                <a:ea typeface="Consolas" charset="0"/>
-                <a:cs typeface="Consolas" charset="0"/>
-              </a:rPr>
-              <a:t>  tasks:</a:t>
-            </a:r>
-          </a:p>
-          <a:p>
-            <a:pPr marL="0" indent="0">
-              <a:buNone/>
-            </a:pPr>
-            <a:endParaRPr lang="en-US" sz="1700" dirty="0">
-              <a:latin typeface="Consolas" charset="0"/>
+            <a:r>
+              <a:rPr lang="en-US" sz="2600" dirty="0">
+                <a:ea typeface="Consolas" charset="0"/>
+                <a:cs typeface="Consolas" charset="0"/>
+              </a:rPr>
+              <a:t>N</a:t>
+            </a:r>
+            <a:r>
+              <a:rPr lang="en-US" sz="2600" dirty="0" smtClean="0">
+                <a:ea typeface="Consolas" charset="0"/>
+                <a:cs typeface="Consolas" charset="0"/>
+              </a:rPr>
+              <a:t>ote </a:t>
+            </a:r>
+            <a:r>
+              <a:rPr lang="en-US" sz="2600" dirty="0">
+                <a:ea typeface="Consolas" charset="0"/>
+                <a:cs typeface="Consolas" charset="0"/>
+              </a:rPr>
+              <a:t>that </a:t>
+            </a:r>
+            <a:r>
+              <a:rPr lang="en-US" sz="2600" dirty="0" err="1">
+                <a:ea typeface="Consolas" charset="0"/>
+                <a:cs typeface="Consolas" charset="0"/>
+              </a:rPr>
+              <a:t>Ansible</a:t>
+            </a:r>
+            <a:r>
+              <a:rPr lang="en-US" sz="2600" dirty="0">
+                <a:ea typeface="Consolas" charset="0"/>
+                <a:cs typeface="Consolas" charset="0"/>
+              </a:rPr>
+              <a:t> facts and </a:t>
+            </a:r>
+            <a:r>
+              <a:rPr lang="en-US" sz="2600" dirty="0" err="1">
+                <a:ea typeface="Consolas" charset="0"/>
+                <a:cs typeface="Consolas" charset="0"/>
+              </a:rPr>
+              <a:t>vars</a:t>
+            </a:r>
+            <a:r>
+              <a:rPr lang="en-US" sz="2600" dirty="0">
+                <a:ea typeface="Consolas" charset="0"/>
+                <a:cs typeface="Consolas" charset="0"/>
+              </a:rPr>
+              <a:t> like </a:t>
+            </a:r>
+            <a:r>
+              <a:rPr lang="en-US" sz="2600" dirty="0" err="1">
+                <a:ea typeface="Consolas" charset="0"/>
+                <a:cs typeface="Consolas" charset="0"/>
+              </a:rPr>
+              <a:t>ansible_os_family</a:t>
+            </a:r>
+            <a:r>
+              <a:rPr lang="en-US" sz="2600" dirty="0">
+                <a:ea typeface="Consolas" charset="0"/>
+                <a:cs typeface="Consolas" charset="0"/>
+              </a:rPr>
+              <a:t> can be </a:t>
+            </a:r>
+            <a:r>
+              <a:rPr lang="en-US" sz="2600" dirty="0" smtClean="0">
+                <a:ea typeface="Consolas" charset="0"/>
+                <a:cs typeface="Consolas" charset="0"/>
+              </a:rPr>
+              <a:t>used directly </a:t>
+            </a:r>
+            <a:r>
+              <a:rPr lang="en-US" sz="2600" dirty="0">
+                <a:ea typeface="Consolas" charset="0"/>
+                <a:cs typeface="Consolas" charset="0"/>
+              </a:rPr>
+              <a:t>in conditionals without double curly </a:t>
+            </a:r>
+            <a:r>
+              <a:rPr lang="en-US" sz="2600" dirty="0" smtClean="0">
+                <a:ea typeface="Consolas" charset="0"/>
+                <a:cs typeface="Consolas" charset="0"/>
+              </a:rPr>
+              <a:t>braces.</a:t>
+            </a:r>
+          </a:p>
+          <a:p>
+            <a:endParaRPr lang="en-US" sz="2400" dirty="0">
               <a:ea typeface="Consolas" charset="0"/>
               <a:cs typeface="Consolas" charset="0"/>
             </a:endParaRPr>
           </a:p>
           <a:p>
-            <a:pPr marL="0" indent="0">
-              <a:buNone/>
-            </a:pPr>
-            <a:r>
-              <a:rPr lang="en-US" sz="1700" dirty="0">
-                <a:latin typeface="Consolas" charset="0"/>
-                <a:ea typeface="Consolas" charset="0"/>
-                <a:cs typeface="Consolas" charset="0"/>
-              </a:rPr>
-              <a:t>     - shell: /</a:t>
-            </a:r>
-            <a:r>
-              <a:rPr lang="en-US" sz="1700" dirty="0" err="1">
-                <a:latin typeface="Consolas" charset="0"/>
-                <a:ea typeface="Consolas" charset="0"/>
-                <a:cs typeface="Consolas" charset="0"/>
-              </a:rPr>
-              <a:t>usr</a:t>
-            </a:r>
-            <a:r>
-              <a:rPr lang="en-US" sz="1700" dirty="0">
-                <a:latin typeface="Consolas" charset="0"/>
-                <a:ea typeface="Consolas" charset="0"/>
-                <a:cs typeface="Consolas" charset="0"/>
-              </a:rPr>
-              <a:t>/bin/foo</a:t>
-            </a:r>
-          </a:p>
-          <a:p>
-            <a:pPr marL="0" indent="0">
-              <a:buNone/>
-            </a:pPr>
-            <a:r>
-              <a:rPr lang="en-US" sz="1700" dirty="0">
-                <a:latin typeface="Consolas" charset="0"/>
-                <a:ea typeface="Consolas" charset="0"/>
-                <a:cs typeface="Consolas" charset="0"/>
-              </a:rPr>
-              <a:t>       register: </a:t>
-            </a:r>
-            <a:r>
-              <a:rPr lang="en-US" sz="1700" dirty="0" err="1">
-                <a:latin typeface="Consolas" charset="0"/>
-                <a:ea typeface="Consolas" charset="0"/>
-                <a:cs typeface="Consolas" charset="0"/>
-              </a:rPr>
-              <a:t>foo_result</a:t>
-            </a:r>
-            <a:endParaRPr lang="en-US" sz="1700" dirty="0">
-              <a:latin typeface="Consolas" charset="0"/>
+            <a:r>
+              <a:rPr lang="en-US" sz="2600" dirty="0" smtClean="0">
+                <a:ea typeface="Consolas" charset="0"/>
+                <a:cs typeface="Consolas" charset="0"/>
+              </a:rPr>
+              <a:t>We can specify that multiple conditions need to be true:</a:t>
+            </a:r>
+          </a:p>
+          <a:p>
+            <a:endParaRPr lang="en-US" sz="2400" dirty="0" smtClean="0">
               <a:ea typeface="Consolas" charset="0"/>
               <a:cs typeface="Consolas" charset="0"/>
             </a:endParaRPr>
@@ -14559,101 +14374,142 @@
               <a:buNone/>
             </a:pPr>
             <a:r>
-              <a:rPr lang="en-US" sz="1700" dirty="0">
-                <a:latin typeface="Consolas" charset="0"/>
-                <a:ea typeface="Consolas" charset="0"/>
-                <a:cs typeface="Consolas" charset="0"/>
-              </a:rPr>
-              <a:t>       </a:t>
-            </a:r>
-            <a:r>
-              <a:rPr lang="en-US" sz="1700" dirty="0" err="1">
-                <a:latin typeface="Consolas" charset="0"/>
-                <a:ea typeface="Consolas" charset="0"/>
-                <a:cs typeface="Consolas" charset="0"/>
-              </a:rPr>
-              <a:t>ignore_errors</a:t>
-            </a:r>
-            <a:r>
-              <a:rPr lang="en-US" sz="1700" dirty="0">
-                <a:latin typeface="Consolas" charset="0"/>
-                <a:ea typeface="Consolas" charset="0"/>
-                <a:cs typeface="Consolas" charset="0"/>
-              </a:rPr>
-              <a:t>: </a:t>
-            </a:r>
-            <a:r>
-              <a:rPr lang="en-US" sz="1700" dirty="0" smtClean="0">
-                <a:latin typeface="Consolas" charset="0"/>
-                <a:ea typeface="Consolas" charset="0"/>
-                <a:cs typeface="Consolas" charset="0"/>
-              </a:rPr>
-              <a:t>True</a:t>
+              <a:rPr lang="en-US" sz="2100" dirty="0">
+                <a:latin typeface="Consolas" charset="0"/>
+                <a:ea typeface="Consolas" charset="0"/>
+                <a:cs typeface="Consolas" charset="0"/>
+              </a:rPr>
+              <a:t>tasks:</a:t>
             </a:r>
           </a:p>
           <a:p>
             <a:pPr marL="0" indent="0">
               <a:buNone/>
             </a:pPr>
-            <a:endParaRPr lang="en-US" sz="2200" dirty="0">
-              <a:latin typeface="Consolas" charset="0"/>
+            <a:r>
+              <a:rPr lang="en-US" sz="2100" dirty="0">
+                <a:latin typeface="Consolas" charset="0"/>
+                <a:ea typeface="Consolas" charset="0"/>
+                <a:cs typeface="Consolas" charset="0"/>
+              </a:rPr>
+              <a:t>  - name: "shut down CentOS 6 systems"</a:t>
+            </a:r>
+          </a:p>
+          <a:p>
+            <a:pPr marL="0" indent="0">
+              <a:buNone/>
+            </a:pPr>
+            <a:r>
+              <a:rPr lang="en-US" sz="2100" dirty="0">
+                <a:latin typeface="Consolas" charset="0"/>
+                <a:ea typeface="Consolas" charset="0"/>
+                <a:cs typeface="Consolas" charset="0"/>
+              </a:rPr>
+              <a:t>    command: /</a:t>
+            </a:r>
+            <a:r>
+              <a:rPr lang="en-US" sz="2100" dirty="0" err="1">
+                <a:latin typeface="Consolas" charset="0"/>
+                <a:ea typeface="Consolas" charset="0"/>
+                <a:cs typeface="Consolas" charset="0"/>
+              </a:rPr>
+              <a:t>sbin</a:t>
+            </a:r>
+            <a:r>
+              <a:rPr lang="en-US" sz="2100" dirty="0">
+                <a:latin typeface="Consolas" charset="0"/>
+                <a:ea typeface="Consolas" charset="0"/>
+                <a:cs typeface="Consolas" charset="0"/>
+              </a:rPr>
+              <a:t>/shutdown -t now</a:t>
+            </a:r>
+          </a:p>
+          <a:p>
+            <a:pPr marL="0" indent="0">
+              <a:buNone/>
+            </a:pPr>
+            <a:r>
+              <a:rPr lang="en-US" sz="2100" dirty="0">
+                <a:latin typeface="Consolas" charset="0"/>
+                <a:ea typeface="Consolas" charset="0"/>
+                <a:cs typeface="Consolas" charset="0"/>
+              </a:rPr>
+              <a:t>    when:</a:t>
+            </a:r>
+          </a:p>
+          <a:p>
+            <a:pPr marL="0" indent="0">
+              <a:buNone/>
+            </a:pPr>
+            <a:r>
+              <a:rPr lang="en-US" sz="2100" dirty="0">
+                <a:latin typeface="Consolas" charset="0"/>
+                <a:ea typeface="Consolas" charset="0"/>
+                <a:cs typeface="Consolas" charset="0"/>
+              </a:rPr>
+              <a:t>      - </a:t>
+            </a:r>
+            <a:r>
+              <a:rPr lang="en-US" sz="2100" dirty="0" err="1">
+                <a:latin typeface="Consolas" charset="0"/>
+                <a:ea typeface="Consolas" charset="0"/>
+                <a:cs typeface="Consolas" charset="0"/>
+              </a:rPr>
+              <a:t>ansible_distribution</a:t>
+            </a:r>
+            <a:r>
+              <a:rPr lang="en-US" sz="2100" dirty="0">
+                <a:latin typeface="Consolas" charset="0"/>
+                <a:ea typeface="Consolas" charset="0"/>
+                <a:cs typeface="Consolas" charset="0"/>
+              </a:rPr>
+              <a:t> == "CentOS"</a:t>
+            </a:r>
+          </a:p>
+          <a:p>
+            <a:pPr marL="0" indent="0">
+              <a:buNone/>
+            </a:pPr>
+            <a:r>
+              <a:rPr lang="en-US" sz="2100" dirty="0">
+                <a:latin typeface="Consolas" charset="0"/>
+                <a:ea typeface="Consolas" charset="0"/>
+                <a:cs typeface="Consolas" charset="0"/>
+              </a:rPr>
+              <a:t>      - </a:t>
+            </a:r>
+            <a:r>
+              <a:rPr lang="en-US" sz="2100" dirty="0" err="1">
+                <a:latin typeface="Consolas" charset="0"/>
+                <a:ea typeface="Consolas" charset="0"/>
+                <a:cs typeface="Consolas" charset="0"/>
+              </a:rPr>
+              <a:t>ansible_distribution_major_version</a:t>
+            </a:r>
+            <a:r>
+              <a:rPr lang="en-US" sz="2100" dirty="0">
+                <a:latin typeface="Consolas" charset="0"/>
+                <a:ea typeface="Consolas" charset="0"/>
+                <a:cs typeface="Consolas" charset="0"/>
+              </a:rPr>
+              <a:t> == "6"</a:t>
+            </a:r>
+          </a:p>
+          <a:p>
+            <a:pPr marL="0" indent="0">
+              <a:buNone/>
+            </a:pPr>
+            <a:endParaRPr lang="en-US" sz="2400" dirty="0">
               <a:ea typeface="Consolas" charset="0"/>
               <a:cs typeface="Consolas" charset="0"/>
             </a:endParaRPr>
           </a:p>
-          <a:p>
-            <a:r>
-              <a:rPr lang="en-US" sz="2200" dirty="0" smtClean="0">
-                <a:ea typeface="Consolas" charset="0"/>
-                <a:cs typeface="Consolas" charset="0"/>
-              </a:rPr>
-              <a:t>The variable </a:t>
-            </a:r>
-            <a:r>
-              <a:rPr lang="en-US" sz="2200" dirty="0" err="1" smtClean="0">
-                <a:ea typeface="Consolas" charset="0"/>
-                <a:cs typeface="Consolas" charset="0"/>
-              </a:rPr>
-              <a:t>foo_result</a:t>
-            </a:r>
-            <a:r>
-              <a:rPr lang="en-US" sz="2200" dirty="0" smtClean="0">
-                <a:ea typeface="Consolas" charset="0"/>
-                <a:cs typeface="Consolas" charset="0"/>
-              </a:rPr>
-              <a:t> will contain the output from running the /</a:t>
-            </a:r>
-            <a:r>
-              <a:rPr lang="en-US" sz="2200" dirty="0" err="1" smtClean="0">
-                <a:ea typeface="Consolas" charset="0"/>
-                <a:cs typeface="Consolas" charset="0"/>
-              </a:rPr>
-              <a:t>usr</a:t>
-            </a:r>
-            <a:r>
-              <a:rPr lang="en-US" sz="2200" dirty="0" smtClean="0">
-                <a:ea typeface="Consolas" charset="0"/>
-                <a:cs typeface="Consolas" charset="0"/>
-              </a:rPr>
-              <a:t>/bin/foo command on a remote host.</a:t>
-            </a:r>
-            <a:endParaRPr lang="en-US" sz="2200" dirty="0">
-              <a:ea typeface="Consolas" charset="0"/>
-              <a:cs typeface="Consolas" charset="0"/>
-            </a:endParaRPr>
-          </a:p>
-          <a:p>
-            <a:pPr marL="0" indent="0">
-              <a:buNone/>
-            </a:pPr>
-            <a:endParaRPr lang="en-US" dirty="0"/>
-          </a:p>
         </p:txBody>
       </p:sp>
     </p:spTree>
     <p:extLst>
       <p:ext uri="{BB962C8B-B14F-4D97-AF65-F5344CB8AC3E}">
-        <p14:creationId xmlns:p14="http://schemas.microsoft.com/office/powerpoint/2010/main" val="1398028738"/>
+        <p14:creationId xmlns:p14="http://schemas.microsoft.com/office/powerpoint/2010/main" val="642372724"/>
       </p:ext>
     </p:extLst>
   </p:cSld>
@@ -14704,7 +14560,7 @@
           <a:p>
             <a:r>
               <a:rPr lang="en-US" dirty="0" smtClean="0"/>
-              <a:t>Templates</a:t>
+              <a:t>Loops</a:t>
             </a:r>
             <a:endParaRPr lang="en-US" dirty="0"/>
           </a:p>
@@ -14723,61 +14579,138 @@
         <p:spPr>
           <a:xfrm>
             <a:off x="457200" y="1600200"/>
-            <a:ext cx="8229600" cy="4988490"/>
+            <a:ext cx="8229600" cy="5013542"/>
           </a:xfrm>
         </p:spPr>
         <p:txBody>
           <a:bodyPr>
-            <a:normAutofit fontScale="47500" lnSpcReduction="20000"/>
+            <a:normAutofit fontScale="92500" lnSpcReduction="10000"/>
           </a:bodyPr>
           <a:lstStyle/>
           <a:p>
             <a:r>
-              <a:rPr lang="en-US" sz="4200" b="1" dirty="0" smtClean="0"/>
-              <a:t>Templates</a:t>
-            </a:r>
-            <a:r>
-              <a:rPr lang="en-US" sz="4200" dirty="0" smtClean="0"/>
-              <a:t> allow us to dynamically create configuration files using variable substitution.</a:t>
+              <a:rPr lang="en-US" sz="2200" dirty="0" smtClean="0"/>
+              <a:t>Oftentimes it’s useful to repeat tasks to save some typing.</a:t>
             </a:r>
           </a:p>
           <a:p>
             <a:pPr lvl="1"/>
             <a:r>
-              <a:rPr lang="en-US" sz="4200" dirty="0" smtClean="0"/>
-              <a:t>Uses the Jinja2 template format.</a:t>
-            </a:r>
-          </a:p>
-          <a:p>
-            <a:endParaRPr lang="en-US" dirty="0"/>
+              <a:rPr lang="en-US" sz="2200" dirty="0" smtClean="0"/>
+              <a:t>Loop using </a:t>
+            </a:r>
+            <a:r>
+              <a:rPr lang="en-US" sz="2200" b="1" dirty="0" err="1" smtClean="0"/>
+              <a:t>with_items</a:t>
+            </a:r>
+            <a:r>
+              <a:rPr lang="en-US" sz="2200" dirty="0" smtClean="0"/>
+              <a:t> directive.</a:t>
+            </a:r>
+          </a:p>
+          <a:p>
+            <a:endParaRPr lang="en-US" sz="2200" dirty="0"/>
           </a:p>
           <a:p>
             <a:pPr marL="0" indent="0">
               <a:buNone/>
             </a:pPr>
-            <a:endParaRPr lang="en-US" dirty="0"/>
+            <a:r>
+              <a:rPr lang="en-US" sz="1700" dirty="0" smtClean="0">
+                <a:latin typeface="Consolas" charset="0"/>
+                <a:ea typeface="Consolas" charset="0"/>
+                <a:cs typeface="Consolas" charset="0"/>
+              </a:rPr>
+              <a:t>- name: add several users</a:t>
+            </a:r>
           </a:p>
           <a:p>
             <a:pPr marL="0" indent="0">
               <a:buNone/>
             </a:pPr>
             <a:r>
-              <a:rPr lang="de-DE" sz="3400" dirty="0" smtClean="0">
-                <a:latin typeface="Consolas" charset="0"/>
-                <a:ea typeface="Consolas" charset="0"/>
-                <a:cs typeface="Consolas" charset="0"/>
-              </a:rPr>
-              <a:t># nginx.conf.j2 </a:t>
-            </a:r>
-            <a:r>
-              <a:rPr lang="de-DE" sz="3400" dirty="0" err="1" smtClean="0">
-                <a:latin typeface="Consolas" charset="0"/>
-                <a:ea typeface="Consolas" charset="0"/>
-                <a:cs typeface="Consolas" charset="0"/>
-              </a:rPr>
-              <a:t>template</a:t>
-            </a:r>
-            <a:endParaRPr lang="de-DE" sz="3400" dirty="0">
+              <a:rPr lang="en-US" sz="1700" dirty="0">
+                <a:latin typeface="Consolas" charset="0"/>
+                <a:ea typeface="Consolas" charset="0"/>
+                <a:cs typeface="Consolas" charset="0"/>
+              </a:rPr>
+              <a:t> </a:t>
+            </a:r>
+            <a:r>
+              <a:rPr lang="en-US" sz="1700" dirty="0" smtClean="0">
+                <a:latin typeface="Consolas" charset="0"/>
+                <a:ea typeface="Consolas" charset="0"/>
+                <a:cs typeface="Consolas" charset="0"/>
+              </a:rPr>
+              <a:t> user: name={{ item }} state=present groups=developers</a:t>
+            </a:r>
+          </a:p>
+          <a:p>
+            <a:pPr marL="0" indent="0">
+              <a:buNone/>
+            </a:pPr>
+            <a:r>
+              <a:rPr lang="en-US" sz="1700" dirty="0">
+                <a:latin typeface="Consolas" charset="0"/>
+                <a:ea typeface="Consolas" charset="0"/>
+                <a:cs typeface="Consolas" charset="0"/>
+              </a:rPr>
+              <a:t> </a:t>
+            </a:r>
+            <a:r>
+              <a:rPr lang="en-US" sz="1700" dirty="0" smtClean="0">
+                <a:latin typeface="Consolas" charset="0"/>
+                <a:ea typeface="Consolas" charset="0"/>
+                <a:cs typeface="Consolas" charset="0"/>
+              </a:rPr>
+              <a:t> </a:t>
+            </a:r>
+            <a:r>
+              <a:rPr lang="en-US" sz="1700" dirty="0" err="1" smtClean="0">
+                <a:latin typeface="Consolas" charset="0"/>
+                <a:ea typeface="Consolas" charset="0"/>
+                <a:cs typeface="Consolas" charset="0"/>
+              </a:rPr>
+              <a:t>with_items</a:t>
+            </a:r>
+            <a:r>
+              <a:rPr lang="en-US" sz="1700" dirty="0" smtClean="0">
+                <a:latin typeface="Consolas" charset="0"/>
+                <a:ea typeface="Consolas" charset="0"/>
+                <a:cs typeface="Consolas" charset="0"/>
+              </a:rPr>
+              <a:t>:</a:t>
+            </a:r>
+          </a:p>
+          <a:p>
+            <a:pPr marL="0" indent="0">
+              <a:buNone/>
+            </a:pPr>
+            <a:r>
+              <a:rPr lang="en-US" sz="1700" dirty="0">
+                <a:latin typeface="Consolas" charset="0"/>
+                <a:ea typeface="Consolas" charset="0"/>
+                <a:cs typeface="Consolas" charset="0"/>
+              </a:rPr>
+              <a:t> </a:t>
+            </a:r>
+            <a:r>
+              <a:rPr lang="en-US" sz="1700" dirty="0" smtClean="0">
+                <a:latin typeface="Consolas" charset="0"/>
+                <a:ea typeface="Consolas" charset="0"/>
+                <a:cs typeface="Consolas" charset="0"/>
+              </a:rPr>
+              <a:t>   - </a:t>
+            </a:r>
+            <a:r>
+              <a:rPr lang="en-US" sz="1700" dirty="0" err="1" smtClean="0">
+                <a:latin typeface="Consolas" charset="0"/>
+                <a:ea typeface="Consolas" charset="0"/>
+                <a:cs typeface="Consolas" charset="0"/>
+              </a:rPr>
+              <a:t>jadams</a:t>
+            </a:r>
+            <a:endParaRPr lang="en-US" sz="1700" dirty="0" smtClean="0">
               <a:latin typeface="Consolas" charset="0"/>
               <a:ea typeface="Consolas" charset="0"/>
               <a:cs typeface="Consolas" charset="0"/>
@@ -14788,15 +14721,7 @@
               <a:buNone/>
             </a:pPr>
             <a:r>
-              <a:rPr lang="de-DE" sz="3400" dirty="0" err="1" smtClean="0">
-                <a:latin typeface="Consolas" charset="0"/>
-                <a:ea typeface="Consolas" charset="0"/>
-                <a:cs typeface="Consolas" charset="0"/>
-              </a:rPr>
-              <a:t>server</a:t>
-            </a:r>
-            <a:r>
-              <a:rPr lang="de-DE" sz="3400" dirty="0" smtClean="0">
+              <a:rPr lang="en-US" sz="1700" dirty="0">
                 <a:latin typeface="Consolas" charset="0"/>
                 <a:ea typeface="Consolas" charset="0"/>
                 <a:cs typeface="Consolas" charset="0"/>
@@ -14804,125 +14729,22 @@
               <a:t> </a:t>
             </a:r>
             <a:r>
-              <a:rPr lang="de-DE" sz="3400" dirty="0">
-                <a:latin typeface="Consolas" charset="0"/>
-                <a:ea typeface="Consolas" charset="0"/>
-                <a:cs typeface="Consolas" charset="0"/>
-              </a:rPr>
-              <a:t>{</a:t>
-            </a:r>
-          </a:p>
-          <a:p>
-            <a:pPr marL="0" indent="0">
-              <a:buNone/>
-            </a:pPr>
-            <a:r>
-              <a:rPr lang="de-DE" sz="3400" dirty="0" smtClean="0">
-                <a:latin typeface="Consolas" charset="0"/>
-                <a:ea typeface="Consolas" charset="0"/>
-                <a:cs typeface="Consolas" charset="0"/>
-              </a:rPr>
-              <a:t>	listen       {{ </a:t>
-            </a:r>
-            <a:r>
-              <a:rPr lang="de-DE" sz="3400" dirty="0" err="1" smtClean="0">
-                <a:latin typeface="Consolas" charset="0"/>
-                <a:ea typeface="Consolas" charset="0"/>
-                <a:cs typeface="Consolas" charset="0"/>
-              </a:rPr>
-              <a:t>webserver_name</a:t>
-            </a:r>
-            <a:r>
-              <a:rPr lang="de-DE" sz="3400" dirty="0" smtClean="0">
-                <a:latin typeface="Consolas" charset="0"/>
-                <a:ea typeface="Consolas" charset="0"/>
-                <a:cs typeface="Consolas" charset="0"/>
-              </a:rPr>
-              <a:t> }}:8080</a:t>
-            </a:r>
-            <a:r>
-              <a:rPr lang="de-DE" sz="3400" dirty="0">
-                <a:latin typeface="Consolas" charset="0"/>
-                <a:ea typeface="Consolas" charset="0"/>
-                <a:cs typeface="Consolas" charset="0"/>
-              </a:rPr>
-              <a:t>;</a:t>
-            </a:r>
-          </a:p>
-          <a:p>
-            <a:pPr marL="0" indent="0">
-              <a:buNone/>
-            </a:pPr>
-            <a:r>
-              <a:rPr lang="de-DE" sz="3400" dirty="0" smtClean="0">
-                <a:latin typeface="Consolas" charset="0"/>
-                <a:ea typeface="Consolas" charset="0"/>
-                <a:cs typeface="Consolas" charset="0"/>
-              </a:rPr>
-              <a:t>	</a:t>
-            </a:r>
-            <a:r>
-              <a:rPr lang="de-DE" sz="3400" dirty="0" err="1" smtClean="0">
-                <a:latin typeface="Consolas" charset="0"/>
-                <a:ea typeface="Consolas" charset="0"/>
-                <a:cs typeface="Consolas" charset="0"/>
-              </a:rPr>
-              <a:t>server_name</a:t>
-            </a:r>
-            <a:r>
-              <a:rPr lang="de-DE" sz="3400" dirty="0" smtClean="0">
-                <a:latin typeface="Consolas" charset="0"/>
-                <a:ea typeface="Consolas" charset="0"/>
-                <a:cs typeface="Consolas" charset="0"/>
-              </a:rPr>
-              <a:t>  {{ </a:t>
-            </a:r>
-            <a:r>
-              <a:rPr lang="de-DE" sz="3400" dirty="0" err="1" smtClean="0">
-                <a:latin typeface="Consolas" charset="0"/>
-                <a:ea typeface="Consolas" charset="0"/>
-                <a:cs typeface="Consolas" charset="0"/>
-              </a:rPr>
-              <a:t>webserver_name</a:t>
-            </a:r>
-            <a:r>
-              <a:rPr lang="de-DE" sz="3400" dirty="0" smtClean="0">
-                <a:latin typeface="Consolas" charset="0"/>
-                <a:ea typeface="Consolas" charset="0"/>
-                <a:cs typeface="Consolas" charset="0"/>
-              </a:rPr>
-              <a:t> }}</a:t>
-            </a:r>
-          </a:p>
-          <a:p>
-            <a:pPr marL="0" indent="0">
-              <a:buNone/>
-            </a:pPr>
-            <a:r>
-              <a:rPr lang="de-DE" sz="3400" dirty="0" smtClean="0">
-                <a:latin typeface="Consolas" charset="0"/>
-                <a:ea typeface="Consolas" charset="0"/>
-                <a:cs typeface="Consolas" charset="0"/>
-              </a:rPr>
-              <a:t>	alias  {{ </a:t>
-            </a:r>
-            <a:r>
-              <a:rPr lang="de-DE" sz="3400" dirty="0" err="1" smtClean="0">
-                <a:latin typeface="Consolas" charset="0"/>
-                <a:ea typeface="Consolas" charset="0"/>
-                <a:cs typeface="Consolas" charset="0"/>
-              </a:rPr>
-              <a:t>website_alias</a:t>
-            </a:r>
-            <a:r>
-              <a:rPr lang="de-DE" sz="3400" dirty="0" smtClean="0">
-                <a:latin typeface="Consolas" charset="0"/>
-                <a:ea typeface="Consolas" charset="0"/>
-                <a:cs typeface="Consolas" charset="0"/>
-              </a:rPr>
-              <a:t> }};</a:t>
-            </a:r>
-            <a:endParaRPr lang="de-DE" sz="3400" dirty="0">
+              <a:rPr lang="en-US" sz="1700" dirty="0" smtClean="0">
+                <a:latin typeface="Consolas" charset="0"/>
+                <a:ea typeface="Consolas" charset="0"/>
+                <a:cs typeface="Consolas" charset="0"/>
+              </a:rPr>
+              <a:t>   - </a:t>
+            </a:r>
+            <a:r>
+              <a:rPr lang="en-US" sz="1700" dirty="0" err="1" smtClean="0">
+                <a:latin typeface="Consolas" charset="0"/>
+                <a:ea typeface="Consolas" charset="0"/>
+                <a:cs typeface="Consolas" charset="0"/>
+              </a:rPr>
+              <a:t>msmith</a:t>
+            </a:r>
+            <a:endParaRPr lang="en-US" sz="1700" dirty="0" smtClean="0">
               <a:latin typeface="Consolas" charset="0"/>
               <a:ea typeface="Consolas" charset="0"/>
               <a:cs typeface="Consolas" charset="0"/>
@@ -14932,7 +14754,31 @@
             <a:pPr marL="0" indent="0">
               <a:buNone/>
             </a:pPr>
-            <a:endParaRPr lang="de-DE" sz="3400" dirty="0">
+            <a:r>
+              <a:rPr lang="en-US" sz="1700" dirty="0">
+                <a:latin typeface="Consolas" charset="0"/>
+                <a:ea typeface="Consolas" charset="0"/>
+                <a:cs typeface="Consolas" charset="0"/>
+              </a:rPr>
+              <a:t> </a:t>
+            </a:r>
+            <a:r>
+              <a:rPr lang="en-US" sz="1700" dirty="0" smtClean="0">
+                <a:latin typeface="Consolas" charset="0"/>
+                <a:ea typeface="Consolas" charset="0"/>
+                <a:cs typeface="Consolas" charset="0"/>
+              </a:rPr>
+              <a:t>   - </a:t>
+            </a:r>
+            <a:r>
+              <a:rPr lang="en-US" sz="1700" dirty="0" err="1" smtClean="0">
+                <a:latin typeface="Consolas" charset="0"/>
+                <a:ea typeface="Consolas" charset="0"/>
+                <a:cs typeface="Consolas" charset="0"/>
+              </a:rPr>
+              <a:t>cmilwaui</a:t>
+            </a:r>
+            <a:endParaRPr lang="en-US" sz="1700" dirty="0" smtClean="0">
               <a:latin typeface="Consolas" charset="0"/>
               <a:ea typeface="Consolas" charset="0"/>
               <a:cs typeface="Consolas" charset="0"/>
@@ -14942,360 +14788,146 @@
             <a:pPr marL="0" indent="0">
               <a:buNone/>
             </a:pPr>
-            <a:r>
-              <a:rPr lang="de-DE" sz="3400" dirty="0">
-                <a:latin typeface="Consolas" charset="0"/>
-                <a:ea typeface="Consolas" charset="0"/>
-                <a:cs typeface="Consolas" charset="0"/>
-              </a:rPr>
-              <a:t> </a:t>
-            </a:r>
-            <a:r>
-              <a:rPr lang="de-DE" sz="3400" dirty="0" smtClean="0">
-                <a:latin typeface="Consolas" charset="0"/>
-                <a:ea typeface="Consolas" charset="0"/>
-                <a:cs typeface="Consolas" charset="0"/>
-              </a:rPr>
-              <a:t> </a:t>
-            </a:r>
-            <a:r>
-              <a:rPr lang="ro-RO" sz="3400" dirty="0" smtClean="0">
-                <a:latin typeface="Consolas" charset="0"/>
-                <a:ea typeface="Consolas" charset="0"/>
-                <a:cs typeface="Consolas" charset="0"/>
-              </a:rPr>
-              <a:t> 	</a:t>
-            </a:r>
-            <a:r>
-              <a:rPr lang="ro-RO" sz="3400" dirty="0" err="1" smtClean="0">
-                <a:latin typeface="Consolas" charset="0"/>
-                <a:ea typeface="Consolas" charset="0"/>
-                <a:cs typeface="Consolas" charset="0"/>
-              </a:rPr>
-              <a:t>location</a:t>
-            </a:r>
-            <a:r>
-              <a:rPr lang="ro-RO" sz="3400" dirty="0" smtClean="0">
-                <a:latin typeface="Consolas" charset="0"/>
-                <a:ea typeface="Consolas" charset="0"/>
-                <a:cs typeface="Consolas" charset="0"/>
-              </a:rPr>
-              <a:t> </a:t>
-            </a:r>
-            <a:r>
-              <a:rPr lang="ro-RO" sz="3400" dirty="0">
-                <a:latin typeface="Consolas" charset="0"/>
-                <a:ea typeface="Consolas" charset="0"/>
-                <a:cs typeface="Consolas" charset="0"/>
-              </a:rPr>
-              <a:t>/ {</a:t>
-            </a:r>
-          </a:p>
-          <a:p>
-            <a:pPr marL="0" indent="0">
-              <a:buNone/>
-            </a:pPr>
-            <a:r>
-              <a:rPr lang="de-DE" sz="3400" dirty="0">
-                <a:latin typeface="Consolas" charset="0"/>
-                <a:ea typeface="Consolas" charset="0"/>
-                <a:cs typeface="Consolas" charset="0"/>
-              </a:rPr>
-              <a:t>	    </a:t>
-            </a:r>
-            <a:r>
-              <a:rPr lang="de-DE" sz="3400" dirty="0" err="1" smtClean="0">
-                <a:latin typeface="Consolas" charset="0"/>
-                <a:ea typeface="Consolas" charset="0"/>
-                <a:cs typeface="Consolas" charset="0"/>
-              </a:rPr>
-              <a:t>root</a:t>
-            </a:r>
-            <a:r>
-              <a:rPr lang="de-DE" sz="3400" dirty="0" smtClean="0">
-                <a:latin typeface="Consolas" charset="0"/>
-                <a:ea typeface="Consolas" charset="0"/>
-                <a:cs typeface="Consolas" charset="0"/>
-              </a:rPr>
-              <a:t>   </a:t>
-            </a:r>
-            <a:r>
-              <a:rPr lang="de-DE" sz="3400" dirty="0" err="1">
-                <a:latin typeface="Consolas" charset="0"/>
-                <a:ea typeface="Consolas" charset="0"/>
-                <a:cs typeface="Consolas" charset="0"/>
-              </a:rPr>
-              <a:t>html</a:t>
-            </a:r>
-            <a:r>
-              <a:rPr lang="de-DE" sz="3400" dirty="0">
-                <a:latin typeface="Consolas" charset="0"/>
-                <a:ea typeface="Consolas" charset="0"/>
-                <a:cs typeface="Consolas" charset="0"/>
-              </a:rPr>
-              <a:t>;</a:t>
-            </a:r>
-          </a:p>
-          <a:p>
-            <a:pPr marL="0" indent="0">
-              <a:buNone/>
-            </a:pPr>
-            <a:r>
-              <a:rPr lang="de-DE" sz="3400" dirty="0">
-                <a:latin typeface="Consolas" charset="0"/>
-                <a:ea typeface="Consolas" charset="0"/>
-                <a:cs typeface="Consolas" charset="0"/>
-              </a:rPr>
-              <a:t>	    </a:t>
-            </a:r>
-            <a:r>
-              <a:rPr lang="de-DE" sz="3400" dirty="0" err="1" smtClean="0">
-                <a:latin typeface="Consolas" charset="0"/>
-                <a:ea typeface="Consolas" charset="0"/>
-                <a:cs typeface="Consolas" charset="0"/>
-              </a:rPr>
-              <a:t>index</a:t>
-            </a:r>
-            <a:r>
-              <a:rPr lang="de-DE" sz="3400" dirty="0" smtClean="0">
-                <a:latin typeface="Consolas" charset="0"/>
-                <a:ea typeface="Consolas" charset="0"/>
-                <a:cs typeface="Consolas" charset="0"/>
-              </a:rPr>
-              <a:t>  </a:t>
-            </a:r>
-            <a:r>
-              <a:rPr lang="de-DE" sz="3400" dirty="0" err="1">
-                <a:latin typeface="Consolas" charset="0"/>
-                <a:ea typeface="Consolas" charset="0"/>
-                <a:cs typeface="Consolas" charset="0"/>
-              </a:rPr>
-              <a:t>index.html</a:t>
-            </a:r>
-            <a:r>
-              <a:rPr lang="de-DE" sz="3400" dirty="0">
-                <a:latin typeface="Consolas" charset="0"/>
-                <a:ea typeface="Consolas" charset="0"/>
-                <a:cs typeface="Consolas" charset="0"/>
-              </a:rPr>
-              <a:t> </a:t>
-            </a:r>
-            <a:r>
-              <a:rPr lang="de-DE" sz="3400" dirty="0" err="1">
-                <a:latin typeface="Consolas" charset="0"/>
-                <a:ea typeface="Consolas" charset="0"/>
-                <a:cs typeface="Consolas" charset="0"/>
-              </a:rPr>
-              <a:t>index.htm</a:t>
-            </a:r>
-            <a:r>
-              <a:rPr lang="de-DE" sz="3400" dirty="0">
-                <a:latin typeface="Consolas" charset="0"/>
-                <a:ea typeface="Consolas" charset="0"/>
-                <a:cs typeface="Consolas" charset="0"/>
-              </a:rPr>
-              <a:t>;</a:t>
-            </a:r>
-          </a:p>
-          <a:p>
-            <a:pPr marL="0" indent="0">
-              <a:buNone/>
-            </a:pPr>
-            <a:r>
-              <a:rPr lang="de-DE" sz="3400" dirty="0">
-                <a:latin typeface="Consolas" charset="0"/>
-                <a:ea typeface="Consolas" charset="0"/>
-                <a:cs typeface="Consolas" charset="0"/>
-              </a:rPr>
-              <a:t>	</a:t>
-            </a:r>
-            <a:r>
-              <a:rPr lang="de-DE" sz="3400" dirty="0" smtClean="0">
-                <a:latin typeface="Consolas" charset="0"/>
-                <a:ea typeface="Consolas" charset="0"/>
-                <a:cs typeface="Consolas" charset="0"/>
-              </a:rPr>
-              <a:t>}</a:t>
-            </a:r>
-            <a:endParaRPr lang="de-DE" sz="3400" dirty="0">
+            <a:endParaRPr lang="en-US" sz="1700" dirty="0" smtClean="0">
               <a:latin typeface="Consolas" charset="0"/>
               <a:ea typeface="Consolas" charset="0"/>
               <a:cs typeface="Consolas" charset="0"/>
             </a:endParaRPr>
           </a:p>
           <a:p>
-            <a:pPr marL="0" indent="0">
-              <a:buNone/>
-            </a:pPr>
-            <a:r>
-              <a:rPr lang="de-DE" sz="3400" dirty="0" smtClean="0">
-                <a:latin typeface="Consolas" charset="0"/>
-                <a:ea typeface="Consolas" charset="0"/>
-                <a:cs typeface="Consolas" charset="0"/>
-              </a:rPr>
-              <a:t>}</a:t>
-            </a:r>
-          </a:p>
-          <a:p>
-            <a:pPr marL="0" indent="0">
-              <a:buNone/>
-            </a:pPr>
-            <a:endParaRPr lang="de-DE" sz="2900" dirty="0">
-              <a:latin typeface="Consolas" charset="0"/>
+            <a:r>
+              <a:rPr lang="en-US" sz="2200" dirty="0" smtClean="0">
+                <a:ea typeface="Consolas" charset="0"/>
+                <a:cs typeface="Consolas" charset="0"/>
+              </a:rPr>
+              <a:t>Items in loops do not have to be simple strings:</a:t>
+            </a:r>
+          </a:p>
+          <a:p>
+            <a:endParaRPr lang="en-US" sz="2200" dirty="0">
               <a:ea typeface="Consolas" charset="0"/>
               <a:cs typeface="Consolas" charset="0"/>
             </a:endParaRPr>
           </a:p>
           <a:p>
-            <a:r>
-              <a:rPr lang="de-DE" sz="4200" dirty="0" err="1" smtClean="0">
-                <a:ea typeface="Consolas" charset="0"/>
-                <a:cs typeface="Consolas" charset="0"/>
-              </a:rPr>
-              <a:t>Copy</a:t>
-            </a:r>
-            <a:r>
-              <a:rPr lang="de-DE" sz="4200" dirty="0" smtClean="0">
-                <a:ea typeface="Consolas" charset="0"/>
-                <a:cs typeface="Consolas" charset="0"/>
-              </a:rPr>
-              <a:t> a </a:t>
-            </a:r>
-            <a:r>
-              <a:rPr lang="de-DE" sz="4200" dirty="0" err="1" smtClean="0">
-                <a:ea typeface="Consolas" charset="0"/>
-                <a:cs typeface="Consolas" charset="0"/>
-              </a:rPr>
-              <a:t>template</a:t>
-            </a:r>
-            <a:r>
-              <a:rPr lang="de-DE" sz="4200" dirty="0" smtClean="0">
-                <a:ea typeface="Consolas" charset="0"/>
-                <a:cs typeface="Consolas" charset="0"/>
-              </a:rPr>
-              <a:t> </a:t>
-            </a:r>
-            <a:r>
-              <a:rPr lang="de-DE" sz="4200" dirty="0" err="1" smtClean="0">
-                <a:ea typeface="Consolas" charset="0"/>
-                <a:cs typeface="Consolas" charset="0"/>
-              </a:rPr>
-              <a:t>to</a:t>
-            </a:r>
-            <a:r>
-              <a:rPr lang="de-DE" sz="4200" dirty="0" smtClean="0">
-                <a:ea typeface="Consolas" charset="0"/>
-                <a:cs typeface="Consolas" charset="0"/>
-              </a:rPr>
-              <a:t> a remote host:</a:t>
-            </a:r>
-            <a:endParaRPr lang="en-US" sz="4200" dirty="0">
-              <a:ea typeface="Consolas" charset="0"/>
-              <a:cs typeface="Consolas" charset="0"/>
-            </a:endParaRPr>
-          </a:p>
-          <a:p>
-            <a:endParaRPr lang="en-US" sz="2500" dirty="0" smtClean="0">
-              <a:ea typeface="Consolas" charset="0"/>
-              <a:cs typeface="Consolas" charset="0"/>
-            </a:endParaRPr>
-          </a:p>
-          <a:p>
             <a:pPr marL="0" indent="0">
               <a:buNone/>
             </a:pPr>
             <a:r>
-              <a:rPr lang="en-US" sz="3400" dirty="0" smtClean="0">
-                <a:latin typeface="Consolas" charset="0"/>
-                <a:ea typeface="Consolas" charset="0"/>
-                <a:cs typeface="Consolas" charset="0"/>
-              </a:rPr>
-              <a:t>template: </a:t>
-            </a:r>
-            <a:r>
-              <a:rPr lang="en-US" sz="3400" dirty="0" err="1" smtClean="0">
-                <a:latin typeface="Consolas" charset="0"/>
-                <a:ea typeface="Consolas" charset="0"/>
-                <a:cs typeface="Consolas" charset="0"/>
-              </a:rPr>
-              <a:t>src</a:t>
-            </a:r>
-            <a:r>
-              <a:rPr lang="en-US" sz="3400" dirty="0" smtClean="0">
-                <a:latin typeface="Consolas" charset="0"/>
-                <a:ea typeface="Consolas" charset="0"/>
-                <a:cs typeface="Consolas" charset="0"/>
-              </a:rPr>
-              <a:t>=nginx.conf.j2 </a:t>
-            </a:r>
-            <a:r>
-              <a:rPr lang="en-US" sz="3400" dirty="0" err="1" smtClean="0">
-                <a:latin typeface="Consolas" charset="0"/>
-                <a:ea typeface="Consolas" charset="0"/>
-                <a:cs typeface="Consolas" charset="0"/>
-              </a:rPr>
-              <a:t>dest</a:t>
-            </a:r>
-            <a:r>
-              <a:rPr lang="en-US" sz="3400" dirty="0" smtClean="0">
-                <a:latin typeface="Consolas" charset="0"/>
-                <a:ea typeface="Consolas" charset="0"/>
-                <a:cs typeface="Consolas" charset="0"/>
-              </a:rPr>
-              <a:t>=/</a:t>
-            </a:r>
-            <a:r>
-              <a:rPr lang="en-US" sz="3400" dirty="0" err="1" smtClean="0">
-                <a:latin typeface="Consolas" charset="0"/>
-                <a:ea typeface="Consolas" charset="0"/>
-                <a:cs typeface="Consolas" charset="0"/>
-              </a:rPr>
-              <a:t>etc</a:t>
-            </a:r>
-            <a:r>
-              <a:rPr lang="en-US" sz="3400" dirty="0" smtClean="0">
-                <a:latin typeface="Consolas" charset="0"/>
-                <a:ea typeface="Consolas" charset="0"/>
-                <a:cs typeface="Consolas" charset="0"/>
-              </a:rPr>
-              <a:t>/</a:t>
-            </a:r>
-            <a:r>
-              <a:rPr lang="en-US" sz="3400" dirty="0" err="1" smtClean="0">
-                <a:latin typeface="Consolas" charset="0"/>
-                <a:ea typeface="Consolas" charset="0"/>
-                <a:cs typeface="Consolas" charset="0"/>
-              </a:rPr>
-              <a:t>nginx</a:t>
-            </a:r>
-            <a:r>
-              <a:rPr lang="en-US" sz="3400" dirty="0" smtClean="0">
-                <a:latin typeface="Consolas" charset="0"/>
-                <a:ea typeface="Consolas" charset="0"/>
-                <a:cs typeface="Consolas" charset="0"/>
-              </a:rPr>
-              <a:t>/</a:t>
-            </a:r>
-            <a:r>
-              <a:rPr lang="en-US" sz="3400" dirty="0" err="1" smtClean="0">
-                <a:latin typeface="Consolas" charset="0"/>
-                <a:ea typeface="Consolas" charset="0"/>
-                <a:cs typeface="Consolas" charset="0"/>
-              </a:rPr>
-              <a:t>nginx.conf</a:t>
-            </a:r>
-            <a:endParaRPr lang="de-DE" sz="3400" dirty="0" smtClean="0">
-              <a:latin typeface="Consolas" charset="0"/>
-              <a:ea typeface="Consolas" charset="0"/>
-              <a:cs typeface="Consolas" charset="0"/>
-            </a:endParaRPr>
+              <a:rPr lang="en-US" sz="1700" dirty="0">
+                <a:latin typeface="Consolas" charset="0"/>
+                <a:ea typeface="Consolas" charset="0"/>
+                <a:cs typeface="Consolas" charset="0"/>
+              </a:rPr>
+              <a:t>- name: add several users</a:t>
+            </a:r>
+          </a:p>
+          <a:p>
+            <a:pPr marL="0" indent="0">
+              <a:buNone/>
+            </a:pPr>
+            <a:r>
+              <a:rPr lang="en-US" sz="1700" dirty="0">
+                <a:latin typeface="Consolas" charset="0"/>
+                <a:ea typeface="Consolas" charset="0"/>
+                <a:cs typeface="Consolas" charset="0"/>
+              </a:rPr>
+              <a:t>  user: name={{ </a:t>
+            </a:r>
+            <a:r>
+              <a:rPr lang="en-US" sz="1700" dirty="0" err="1">
+                <a:latin typeface="Consolas" charset="0"/>
+                <a:ea typeface="Consolas" charset="0"/>
+                <a:cs typeface="Consolas" charset="0"/>
+              </a:rPr>
+              <a:t>item.name</a:t>
+            </a:r>
+            <a:r>
+              <a:rPr lang="en-US" sz="1700" dirty="0">
+                <a:latin typeface="Consolas" charset="0"/>
+                <a:ea typeface="Consolas" charset="0"/>
+                <a:cs typeface="Consolas" charset="0"/>
+              </a:rPr>
+              <a:t> }} state=present groups={{ </a:t>
+            </a:r>
+            <a:r>
+              <a:rPr lang="en-US" sz="1700" dirty="0" err="1">
+                <a:latin typeface="Consolas" charset="0"/>
+                <a:ea typeface="Consolas" charset="0"/>
+                <a:cs typeface="Consolas" charset="0"/>
+              </a:rPr>
+              <a:t>item.groups</a:t>
+            </a:r>
+            <a:r>
+              <a:rPr lang="en-US" sz="1700" dirty="0">
+                <a:latin typeface="Consolas" charset="0"/>
+                <a:ea typeface="Consolas" charset="0"/>
+                <a:cs typeface="Consolas" charset="0"/>
+              </a:rPr>
+              <a:t> }}</a:t>
+            </a:r>
+          </a:p>
+          <a:p>
+            <a:pPr marL="0" indent="0">
+              <a:buNone/>
+            </a:pPr>
+            <a:r>
+              <a:rPr lang="en-US" sz="1700" dirty="0">
+                <a:latin typeface="Consolas" charset="0"/>
+                <a:ea typeface="Consolas" charset="0"/>
+                <a:cs typeface="Consolas" charset="0"/>
+              </a:rPr>
+              <a:t>  </a:t>
+            </a:r>
+            <a:r>
+              <a:rPr lang="en-US" sz="1700" dirty="0" err="1">
+                <a:latin typeface="Consolas" charset="0"/>
+                <a:ea typeface="Consolas" charset="0"/>
+                <a:cs typeface="Consolas" charset="0"/>
+              </a:rPr>
+              <a:t>with_items</a:t>
+            </a:r>
+            <a:r>
+              <a:rPr lang="en-US" sz="1700" dirty="0">
+                <a:latin typeface="Consolas" charset="0"/>
+                <a:ea typeface="Consolas" charset="0"/>
+                <a:cs typeface="Consolas" charset="0"/>
+              </a:rPr>
+              <a:t>:</a:t>
+            </a:r>
+          </a:p>
+          <a:p>
+            <a:pPr marL="0" indent="0">
+              <a:buNone/>
+            </a:pPr>
+            <a:r>
+              <a:rPr lang="en-US" sz="1700" dirty="0">
+                <a:latin typeface="Consolas" charset="0"/>
+                <a:ea typeface="Consolas" charset="0"/>
+                <a:cs typeface="Consolas" charset="0"/>
+              </a:rPr>
+              <a:t>    - { name: 'testuser1', groups: 'wheel' }</a:t>
+            </a:r>
+          </a:p>
+          <a:p>
+            <a:pPr marL="0" indent="0">
+              <a:buNone/>
+            </a:pPr>
+            <a:r>
+              <a:rPr lang="en-US" sz="1700" dirty="0">
+                <a:latin typeface="Consolas" charset="0"/>
+                <a:ea typeface="Consolas" charset="0"/>
+                <a:cs typeface="Consolas" charset="0"/>
+              </a:rPr>
+              <a:t>    - { name: 'testuser2', groups: 'root' }</a:t>
+            </a:r>
           </a:p>
         </p:txBody>
       </p:sp>
     </p:spTree>
     <p:extLst>
       <p:ext uri="{BB962C8B-B14F-4D97-AF65-F5344CB8AC3E}">
-        <p14:creationId xmlns:p14="http://schemas.microsoft.com/office/powerpoint/2010/main" val="1846034098"/>
+        <p14:creationId xmlns:p14="http://schemas.microsoft.com/office/powerpoint/2010/main" val="207360145"/>
       </p:ext>
     </p:extLst>
   </p:cSld>
@@ -15767,7 +15399,7 @@
           <a:p>
             <a:r>
               <a:rPr lang="en-US" dirty="0" smtClean="0"/>
-              <a:t>Jinja2 Filters</a:t>
+              <a:t>Loops</a:t>
             </a:r>
             <a:endParaRPr lang="en-US" dirty="0"/>
           </a:p>
@@ -15783,158 +15415,281 @@
             <p:ph idx="1"/>
           </p:nvPr>
         </p:nvSpPr>
-        <p:spPr/>
+        <p:spPr>
+          <a:xfrm>
+            <a:off x="457200" y="1600200"/>
+            <a:ext cx="8229600" cy="5013542"/>
+          </a:xfrm>
+        </p:spPr>
         <p:txBody>
           <a:bodyPr>
-            <a:normAutofit fontScale="62500" lnSpcReduction="20000"/>
+            <a:normAutofit lnSpcReduction="10000"/>
           </a:bodyPr>
           <a:lstStyle/>
           <a:p>
             <a:r>
               <a:rPr lang="en-US" dirty="0" smtClean="0"/>
-              <a:t>Jinja2 supports a number of filters we can use in templates to manipulate variables.</a:t>
-            </a:r>
-          </a:p>
-          <a:p>
-            <a:endParaRPr lang="en-US" dirty="0"/>
-          </a:p>
-          <a:p>
-            <a:pPr lvl="1"/>
-            <a:r>
-              <a:rPr lang="en-US" dirty="0" smtClean="0"/>
-              <a:t>Set a default value for a variable:</a:t>
-            </a:r>
-          </a:p>
-          <a:p>
-            <a:pPr marL="914400" lvl="2" indent="0">
-              <a:buNone/>
-            </a:pPr>
-            <a:r>
-              <a:rPr lang="en-US" dirty="0" smtClean="0"/>
-              <a:t>{{ </a:t>
+              <a:t>The </a:t>
             </a:r>
             <a:r>
               <a:rPr lang="en-US" dirty="0" err="1" smtClean="0"/>
-              <a:t>some_variable</a:t>
-            </a:r>
-            <a:r>
-              <a:rPr lang="en-US" dirty="0" smtClean="0"/>
-              <a:t> | default(5) }}</a:t>
-            </a:r>
-          </a:p>
-          <a:p>
-            <a:pPr lvl="1"/>
-            <a:endParaRPr lang="en-US" dirty="0"/>
-          </a:p>
-          <a:p>
-            <a:pPr lvl="1"/>
-            <a:r>
-              <a:rPr lang="en-US" dirty="0" smtClean="0"/>
-              <a:t>The maximum value from a list of numbers:</a:t>
-            </a:r>
-          </a:p>
-          <a:p>
-            <a:pPr marL="914400" lvl="2" indent="0">
-              <a:buNone/>
-            </a:pPr>
-            <a:r>
-              <a:rPr lang="en-US" dirty="0" smtClean="0"/>
-              <a:t>{{ [3, 4, 2] | max }}</a:t>
-            </a:r>
-          </a:p>
-          <a:p>
-            <a:pPr lvl="1"/>
-            <a:endParaRPr lang="en-US" dirty="0"/>
-          </a:p>
-          <a:p>
-            <a:pPr lvl="1"/>
-            <a:r>
-              <a:rPr lang="en-US" dirty="0" smtClean="0"/>
-              <a:t>Get a random item from 0 to 10:</a:t>
-            </a:r>
-          </a:p>
-          <a:p>
-            <a:pPr marL="914400" lvl="2" indent="0">
-              <a:buNone/>
-            </a:pPr>
-            <a:r>
-              <a:rPr lang="en-US" dirty="0" smtClean="0"/>
-              <a:t>{{ 10| random }}</a:t>
-            </a:r>
-          </a:p>
-          <a:p>
-            <a:pPr lvl="1"/>
-            <a:endParaRPr lang="en-US" dirty="0"/>
-          </a:p>
-          <a:p>
-            <a:pPr lvl="1"/>
-            <a:r>
-              <a:rPr lang="en-US" dirty="0" smtClean="0"/>
-              <a:t>Test if a string is a valid IP address:</a:t>
-            </a:r>
-          </a:p>
-          <a:p>
-            <a:pPr marL="914400" lvl="2" indent="0">
-              <a:buNone/>
-            </a:pPr>
-            <a:r>
-              <a:rPr lang="en-US" dirty="0" smtClean="0"/>
-              <a:t>{{ </a:t>
-            </a:r>
-            <a:r>
-              <a:rPr lang="en-US" dirty="0" err="1" smtClean="0"/>
-              <a:t>myvar</a:t>
-            </a:r>
-            <a:r>
-              <a:rPr lang="en-US" dirty="0" smtClean="0"/>
-              <a:t> | </a:t>
-            </a:r>
-            <a:r>
-              <a:rPr lang="en-US" dirty="0" err="1" smtClean="0"/>
-              <a:t>ipaddr</a:t>
-            </a:r>
-            <a:r>
-              <a:rPr lang="en-US" dirty="0" smtClean="0"/>
-              <a:t> }}</a:t>
-            </a:r>
-          </a:p>
-          <a:p>
-            <a:pPr marL="914400" lvl="2" indent="0">
-              <a:buNone/>
-            </a:pPr>
-            <a:endParaRPr lang="en-US" dirty="0"/>
-          </a:p>
-          <a:p>
-            <a:pPr lvl="1"/>
-            <a:r>
-              <a:rPr lang="en-US" dirty="0" smtClean="0"/>
-              <a:t>Concatenate a list into a string:</a:t>
-            </a:r>
-          </a:p>
-          <a:p>
-            <a:pPr marL="914400" lvl="2" indent="0">
-              <a:buNone/>
-            </a:pPr>
-            <a:r>
-              <a:rPr lang="en-US" dirty="0" smtClean="0"/>
-              <a:t>{{ </a:t>
-            </a:r>
-            <a:r>
-              <a:rPr lang="en-US" dirty="0" err="1" smtClean="0"/>
-              <a:t>var_list</a:t>
-            </a:r>
-            <a:r>
-              <a:rPr lang="en-US" dirty="0" smtClean="0"/>
-              <a:t> | join(“ ”) }}</a:t>
-            </a:r>
-            <a:endParaRPr lang="en-US" dirty="0"/>
+              <a:t>with_sequence</a:t>
+            </a:r>
+            <a:r>
+              <a:rPr lang="en-US" dirty="0" smtClean="0"/>
+              <a:t> directive generates a sequence of items in ascending order.</a:t>
+            </a:r>
+          </a:p>
+          <a:p>
+            <a:pPr marL="0" indent="0">
+              <a:buNone/>
+            </a:pPr>
+            <a:r>
+              <a:rPr lang="en-US" sz="1600" dirty="0">
+                <a:latin typeface="Consolas" charset="0"/>
+                <a:ea typeface="Consolas" charset="0"/>
+                <a:cs typeface="Consolas" charset="0"/>
+              </a:rPr>
+              <a:t> </a:t>
+            </a:r>
+            <a:endParaRPr lang="en-US" sz="1600" dirty="0" smtClean="0">
+              <a:latin typeface="Consolas" charset="0"/>
+              <a:ea typeface="Consolas" charset="0"/>
+              <a:cs typeface="Consolas" charset="0"/>
+            </a:endParaRPr>
+          </a:p>
+          <a:p>
+            <a:pPr marL="0" indent="0">
+              <a:buNone/>
+            </a:pPr>
+            <a:r>
+              <a:rPr lang="en-US" sz="1600" dirty="0" smtClean="0">
+                <a:latin typeface="Consolas" charset="0"/>
+                <a:ea typeface="Consolas" charset="0"/>
+                <a:cs typeface="Consolas" charset="0"/>
+              </a:rPr>
+              <a:t># </a:t>
+            </a:r>
+            <a:r>
+              <a:rPr lang="en-US" sz="1600" dirty="0">
+                <a:latin typeface="Consolas" charset="0"/>
+                <a:ea typeface="Consolas" charset="0"/>
+                <a:cs typeface="Consolas" charset="0"/>
+              </a:rPr>
+              <a:t>create a series of directories with even numbers for some reason</a:t>
+            </a:r>
+          </a:p>
+          <a:p>
+            <a:pPr marL="0" indent="0">
+              <a:buNone/>
+            </a:pPr>
+            <a:r>
+              <a:rPr lang="en-US" sz="1600" dirty="0">
+                <a:latin typeface="Consolas" charset="0"/>
+                <a:ea typeface="Consolas" charset="0"/>
+                <a:cs typeface="Consolas" charset="0"/>
+              </a:rPr>
+              <a:t>    - file: </a:t>
+            </a:r>
+            <a:r>
+              <a:rPr lang="en-US" sz="1600" dirty="0" err="1">
+                <a:latin typeface="Consolas" charset="0"/>
+                <a:ea typeface="Consolas" charset="0"/>
+                <a:cs typeface="Consolas" charset="0"/>
+              </a:rPr>
+              <a:t>dest</a:t>
+            </a:r>
+            <a:r>
+              <a:rPr lang="en-US" sz="1600" dirty="0">
+                <a:latin typeface="Consolas" charset="0"/>
+                <a:ea typeface="Consolas" charset="0"/>
+                <a:cs typeface="Consolas" charset="0"/>
+              </a:rPr>
+              <a:t>=/</a:t>
+            </a:r>
+            <a:r>
+              <a:rPr lang="en-US" sz="1600" dirty="0" err="1">
+                <a:latin typeface="Consolas" charset="0"/>
+                <a:ea typeface="Consolas" charset="0"/>
+                <a:cs typeface="Consolas" charset="0"/>
+              </a:rPr>
+              <a:t>var</a:t>
+            </a:r>
+            <a:r>
+              <a:rPr lang="en-US" sz="1600" dirty="0">
+                <a:latin typeface="Consolas" charset="0"/>
+                <a:ea typeface="Consolas" charset="0"/>
+                <a:cs typeface="Consolas" charset="0"/>
+              </a:rPr>
+              <a:t>/stuff/{{ item }} state=directory</a:t>
+            </a:r>
+          </a:p>
+          <a:p>
+            <a:pPr marL="0" indent="0">
+              <a:buNone/>
+            </a:pPr>
+            <a:r>
+              <a:rPr lang="en-US" sz="1600" dirty="0">
+                <a:latin typeface="Consolas" charset="0"/>
+                <a:ea typeface="Consolas" charset="0"/>
+                <a:cs typeface="Consolas" charset="0"/>
+              </a:rPr>
+              <a:t>      </a:t>
+            </a:r>
+            <a:r>
+              <a:rPr lang="en-US" sz="1600" dirty="0" err="1">
+                <a:latin typeface="Consolas" charset="0"/>
+                <a:ea typeface="Consolas" charset="0"/>
+                <a:cs typeface="Consolas" charset="0"/>
+              </a:rPr>
+              <a:t>with_sequence</a:t>
+            </a:r>
+            <a:r>
+              <a:rPr lang="en-US" sz="1600" dirty="0">
+                <a:latin typeface="Consolas" charset="0"/>
+                <a:ea typeface="Consolas" charset="0"/>
+                <a:cs typeface="Consolas" charset="0"/>
+              </a:rPr>
+              <a:t>: start=4 end=16 stride=2</a:t>
+            </a:r>
+          </a:p>
+          <a:p>
+            <a:pPr marL="0" indent="0">
+              <a:buNone/>
+            </a:pPr>
+            <a:endParaRPr lang="en-US" sz="1600" dirty="0" smtClean="0">
+              <a:latin typeface="Consolas" charset="0"/>
+              <a:ea typeface="Consolas" charset="0"/>
+              <a:cs typeface="Consolas" charset="0"/>
+            </a:endParaRPr>
+          </a:p>
+          <a:p>
+            <a:r>
+              <a:rPr lang="en-US" dirty="0" smtClean="0"/>
+              <a:t>Sometimes we want to retry a task until a certain condition is met.</a:t>
+            </a:r>
+          </a:p>
+          <a:p>
+            <a:pPr marL="0" indent="0">
+              <a:buNone/>
+            </a:pPr>
+            <a:endParaRPr lang="en-US" sz="1600" dirty="0" smtClean="0">
+              <a:latin typeface="Consolas" charset="0"/>
+              <a:ea typeface="Consolas" charset="0"/>
+              <a:cs typeface="Consolas" charset="0"/>
+            </a:endParaRPr>
+          </a:p>
+          <a:p>
+            <a:pPr marL="0" indent="0">
+              <a:buNone/>
+            </a:pPr>
+            <a:r>
+              <a:rPr lang="en-US" sz="1600" dirty="0" smtClean="0">
+                <a:latin typeface="Consolas" charset="0"/>
+                <a:ea typeface="Consolas" charset="0"/>
+                <a:cs typeface="Consolas" charset="0"/>
+              </a:rPr>
+              <a:t>- </a:t>
+            </a:r>
+            <a:r>
+              <a:rPr lang="en-US" sz="1600" dirty="0">
+                <a:latin typeface="Consolas" charset="0"/>
+                <a:ea typeface="Consolas" charset="0"/>
+                <a:cs typeface="Consolas" charset="0"/>
+              </a:rPr>
+              <a:t>action: shell /</a:t>
+            </a:r>
+            <a:r>
+              <a:rPr lang="en-US" sz="1600" dirty="0" err="1">
+                <a:latin typeface="Consolas" charset="0"/>
+                <a:ea typeface="Consolas" charset="0"/>
+                <a:cs typeface="Consolas" charset="0"/>
+              </a:rPr>
+              <a:t>usr</a:t>
+            </a:r>
+            <a:r>
+              <a:rPr lang="en-US" sz="1600" dirty="0">
+                <a:latin typeface="Consolas" charset="0"/>
+                <a:ea typeface="Consolas" charset="0"/>
+                <a:cs typeface="Consolas" charset="0"/>
+              </a:rPr>
+              <a:t>/bin/foo</a:t>
+            </a:r>
+          </a:p>
+          <a:p>
+            <a:pPr marL="0" indent="0">
+              <a:buNone/>
+            </a:pPr>
+            <a:r>
+              <a:rPr lang="en-US" sz="1600" dirty="0">
+                <a:latin typeface="Consolas" charset="0"/>
+                <a:ea typeface="Consolas" charset="0"/>
+                <a:cs typeface="Consolas" charset="0"/>
+              </a:rPr>
+              <a:t>  register: result</a:t>
+            </a:r>
+          </a:p>
+          <a:p>
+            <a:pPr marL="0" indent="0">
+              <a:buNone/>
+            </a:pPr>
+            <a:r>
+              <a:rPr lang="en-US" sz="1600" dirty="0">
+                <a:latin typeface="Consolas" charset="0"/>
+                <a:ea typeface="Consolas" charset="0"/>
+                <a:cs typeface="Consolas" charset="0"/>
+              </a:rPr>
+              <a:t>  until: </a:t>
+            </a:r>
+            <a:r>
+              <a:rPr lang="en-US" sz="1600" dirty="0" err="1">
+                <a:latin typeface="Consolas" charset="0"/>
+                <a:ea typeface="Consolas" charset="0"/>
+                <a:cs typeface="Consolas" charset="0"/>
+              </a:rPr>
+              <a:t>result.stdout.find</a:t>
+            </a:r>
+            <a:r>
+              <a:rPr lang="en-US" sz="1600" dirty="0">
+                <a:latin typeface="Consolas" charset="0"/>
+                <a:ea typeface="Consolas" charset="0"/>
+                <a:cs typeface="Consolas" charset="0"/>
+              </a:rPr>
+              <a:t>("all systems go") != -1</a:t>
+            </a:r>
+          </a:p>
+          <a:p>
+            <a:pPr marL="0" indent="0">
+              <a:buNone/>
+            </a:pPr>
+            <a:r>
+              <a:rPr lang="en-US" sz="1600" dirty="0">
+                <a:latin typeface="Consolas" charset="0"/>
+                <a:ea typeface="Consolas" charset="0"/>
+                <a:cs typeface="Consolas" charset="0"/>
+              </a:rPr>
+              <a:t>  retries: 5</a:t>
+            </a:r>
+          </a:p>
+          <a:p>
+            <a:pPr marL="0" indent="0">
+              <a:buNone/>
+            </a:pPr>
+            <a:r>
+              <a:rPr lang="en-US" sz="1600" dirty="0">
+                <a:latin typeface="Consolas" charset="0"/>
+                <a:ea typeface="Consolas" charset="0"/>
+                <a:cs typeface="Consolas" charset="0"/>
+              </a:rPr>
+              <a:t>  delay: 10</a:t>
+            </a:r>
           </a:p>
         </p:txBody>
       </p:sp>
     </p:spTree>
     <p:extLst>
       <p:ext uri="{BB962C8B-B14F-4D97-AF65-F5344CB8AC3E}">
-        <p14:creationId xmlns:p14="http://schemas.microsoft.com/office/powerpoint/2010/main" val="1450313782"/>
+        <p14:creationId xmlns:p14="http://schemas.microsoft.com/office/powerpoint/2010/main" val="1169857534"/>
       </p:ext>
     </p:extLst>
   </p:cSld>
@@ -15985,7 +15740,7 @@
           <a:p>
             <a:r>
               <a:rPr lang="en-US" dirty="0" smtClean="0"/>
-              <a:t>Conditionals</a:t>
+              <a:t>Blocks</a:t>
             </a:r>
             <a:endParaRPr lang="en-US" dirty="0"/>
           </a:p>
@@ -16004,42 +15759,38 @@
         <p:spPr>
           <a:xfrm>
             <a:off x="457200" y="1600200"/>
-            <a:ext cx="8229600" cy="5063647"/>
+            <a:ext cx="8229600" cy="4963438"/>
           </a:xfrm>
         </p:spPr>
         <p:txBody>
           <a:bodyPr>
-            <a:normAutofit fontScale="77500" lnSpcReduction="20000"/>
+            <a:normAutofit fontScale="70000" lnSpcReduction="20000"/>
           </a:bodyPr>
           <a:lstStyle/>
           <a:p>
             <a:r>
-              <a:rPr lang="en-US" sz="2600" dirty="0" smtClean="0"/>
-              <a:t>Use the </a:t>
-            </a:r>
-            <a:r>
-              <a:rPr lang="en-US" sz="2600" b="1" dirty="0" smtClean="0"/>
-              <a:t>when</a:t>
-            </a:r>
-            <a:r>
-              <a:rPr lang="en-US" sz="2600" dirty="0" smtClean="0"/>
-              <a:t> statement to skip a particular task from executing on a host.</a:t>
-            </a:r>
-          </a:p>
-          <a:p>
-            <a:endParaRPr lang="en-US" dirty="0"/>
+              <a:rPr lang="en-US" sz="3400" b="1" dirty="0" smtClean="0"/>
+              <a:t>Blocks</a:t>
+            </a:r>
+            <a:r>
+              <a:rPr lang="en-US" sz="3400" dirty="0" smtClean="0"/>
+              <a:t> provide a way to logically group common tasks.</a:t>
+            </a:r>
+          </a:p>
+          <a:p>
+            <a:endParaRPr lang="en-US" dirty="0" smtClean="0"/>
           </a:p>
           <a:p>
             <a:pPr marL="0" indent="0">
               <a:buNone/>
             </a:pPr>
             <a:r>
-              <a:rPr lang="en-US" sz="1600" dirty="0">
-                <a:latin typeface="Consolas" charset="0"/>
-                <a:ea typeface="Consolas" charset="0"/>
-                <a:cs typeface="Consolas" charset="0"/>
-              </a:rPr>
-              <a:t>tasks:</a:t>
+              <a:rPr lang="en-US" sz="2600" dirty="0">
+                <a:latin typeface="Consolas" charset="0"/>
+                <a:ea typeface="Consolas" charset="0"/>
+                <a:cs typeface="Consolas" charset="0"/>
+              </a:rPr>
+              <a:t> tasks:</a:t>
             </a:r>
           </a:p>
           <a:p>
@@ -16047,28 +15798,12 @@
               <a:buNone/>
             </a:pPr>
             <a:r>
-              <a:rPr lang="en-US" sz="1600" dirty="0">
-                <a:latin typeface="Consolas" charset="0"/>
-                <a:ea typeface="Consolas" charset="0"/>
-                <a:cs typeface="Consolas" charset="0"/>
-              </a:rPr>
-              <a:t>  - name: "shut down </a:t>
-            </a:r>
-            <a:r>
-              <a:rPr lang="en-US" sz="1600" dirty="0" err="1">
-                <a:latin typeface="Consolas" charset="0"/>
-                <a:ea typeface="Consolas" charset="0"/>
-                <a:cs typeface="Consolas" charset="0"/>
-              </a:rPr>
-              <a:t>Debian</a:t>
-            </a:r>
-            <a:r>
-              <a:rPr lang="en-US" sz="1600" dirty="0">
-                <a:latin typeface="Consolas" charset="0"/>
-                <a:ea typeface="Consolas" charset="0"/>
-                <a:cs typeface="Consolas" charset="0"/>
-              </a:rPr>
-              <a:t> flavored systems"</a:t>
+              <a:rPr lang="en-US" sz="2600" dirty="0">
+                <a:latin typeface="Consolas" charset="0"/>
+                <a:ea typeface="Consolas" charset="0"/>
+                <a:cs typeface="Consolas" charset="0"/>
+              </a:rPr>
+              <a:t>     - block:</a:t>
             </a:r>
           </a:p>
           <a:p>
@@ -16076,28 +15811,12 @@
               <a:buNone/>
             </a:pPr>
             <a:r>
-              <a:rPr lang="en-US" sz="1600" dirty="0">
-                <a:latin typeface="Consolas" charset="0"/>
-                <a:ea typeface="Consolas" charset="0"/>
-                <a:cs typeface="Consolas" charset="0"/>
-              </a:rPr>
-              <a:t>    command: /</a:t>
-            </a:r>
-            <a:r>
-              <a:rPr lang="en-US" sz="1600" dirty="0" err="1">
-                <a:latin typeface="Consolas" charset="0"/>
-                <a:ea typeface="Consolas" charset="0"/>
-                <a:cs typeface="Consolas" charset="0"/>
-              </a:rPr>
-              <a:t>sbin</a:t>
-            </a:r>
-            <a:r>
-              <a:rPr lang="en-US" sz="1600" dirty="0">
-                <a:latin typeface="Consolas" charset="0"/>
-                <a:ea typeface="Consolas" charset="0"/>
-                <a:cs typeface="Consolas" charset="0"/>
-              </a:rPr>
-              <a:t>/shutdown -t now</a:t>
+              <a:rPr lang="en-US" sz="2600" dirty="0">
+                <a:latin typeface="Consolas" charset="0"/>
+                <a:ea typeface="Consolas" charset="0"/>
+                <a:cs typeface="Consolas" charset="0"/>
+              </a:rPr>
+              <a:t>         - yum: name={{ item }} state=installed</a:t>
             </a:r>
           </a:p>
           <a:p>
@@ -16105,51 +15824,51 @@
               <a:buNone/>
             </a:pPr>
             <a:r>
-              <a:rPr lang="en-US" sz="1600" dirty="0">
-                <a:latin typeface="Consolas" charset="0"/>
-                <a:ea typeface="Consolas" charset="0"/>
-                <a:cs typeface="Consolas" charset="0"/>
-              </a:rPr>
-              <a:t>    when: </a:t>
-            </a:r>
-            <a:r>
-              <a:rPr lang="en-US" sz="1600" dirty="0" err="1">
-                <a:latin typeface="Consolas" charset="0"/>
-                <a:ea typeface="Consolas" charset="0"/>
-                <a:cs typeface="Consolas" charset="0"/>
-              </a:rPr>
-              <a:t>ansible_os_family</a:t>
-            </a:r>
-            <a:r>
-              <a:rPr lang="en-US" sz="1600" dirty="0">
-                <a:latin typeface="Consolas" charset="0"/>
-                <a:ea typeface="Consolas" charset="0"/>
-                <a:cs typeface="Consolas" charset="0"/>
-              </a:rPr>
-              <a:t> == "</a:t>
-            </a:r>
-            <a:r>
-              <a:rPr lang="en-US" sz="1600" dirty="0" err="1" smtClean="0">
-                <a:latin typeface="Consolas" charset="0"/>
-                <a:ea typeface="Consolas" charset="0"/>
-                <a:cs typeface="Consolas" charset="0"/>
-              </a:rPr>
-              <a:t>Debian</a:t>
-            </a:r>
-            <a:r>
-              <a:rPr lang="en-US" sz="1600" dirty="0" smtClean="0">
-                <a:latin typeface="Consolas" charset="0"/>
-                <a:ea typeface="Consolas" charset="0"/>
-                <a:cs typeface="Consolas" charset="0"/>
-              </a:rPr>
-              <a:t>”</a:t>
+              <a:rPr lang="en-US" sz="2600" dirty="0">
+                <a:latin typeface="Consolas" charset="0"/>
+                <a:ea typeface="Consolas" charset="0"/>
+                <a:cs typeface="Consolas" charset="0"/>
+              </a:rPr>
+              <a:t>           </a:t>
+            </a:r>
+            <a:r>
+              <a:rPr lang="en-US" sz="2600" dirty="0" err="1">
+                <a:latin typeface="Consolas" charset="0"/>
+                <a:ea typeface="Consolas" charset="0"/>
+                <a:cs typeface="Consolas" charset="0"/>
+              </a:rPr>
+              <a:t>with_items</a:t>
+            </a:r>
+            <a:r>
+              <a:rPr lang="en-US" sz="2600" dirty="0">
+                <a:latin typeface="Consolas" charset="0"/>
+                <a:ea typeface="Consolas" charset="0"/>
+                <a:cs typeface="Consolas" charset="0"/>
+              </a:rPr>
+              <a:t>:</a:t>
             </a:r>
           </a:p>
           <a:p>
             <a:pPr marL="0" indent="0">
               <a:buNone/>
             </a:pPr>
-            <a:endParaRPr lang="en-US" sz="1600" dirty="0">
+            <a:r>
+              <a:rPr lang="en-US" sz="2600" dirty="0">
+                <a:latin typeface="Consolas" charset="0"/>
+                <a:ea typeface="Consolas" charset="0"/>
+                <a:cs typeface="Consolas" charset="0"/>
+              </a:rPr>
+              <a:t>             - </a:t>
+            </a:r>
+            <a:r>
+              <a:rPr lang="en-US" sz="2600" dirty="0" err="1">
+                <a:latin typeface="Consolas" charset="0"/>
+                <a:ea typeface="Consolas" charset="0"/>
+                <a:cs typeface="Consolas" charset="0"/>
+              </a:rPr>
+              <a:t>httpd</a:t>
+            </a:r>
+            <a:endParaRPr lang="en-US" sz="2600" dirty="0">
               <a:latin typeface="Consolas" charset="0"/>
               <a:ea typeface="Consolas" charset="0"/>
               <a:cs typeface="Consolas" charset="0"/>
@@ -16159,115 +15878,108 @@
             <a:pPr marL="0" indent="0">
               <a:buNone/>
             </a:pPr>
-            <a:endParaRPr lang="en-US" sz="1600" dirty="0">
+            <a:r>
+              <a:rPr lang="en-US" sz="2600" dirty="0">
+                <a:latin typeface="Consolas" charset="0"/>
+                <a:ea typeface="Consolas" charset="0"/>
+                <a:cs typeface="Consolas" charset="0"/>
+              </a:rPr>
+              <a:t>             - </a:t>
+            </a:r>
+            <a:r>
+              <a:rPr lang="en-US" sz="2600" dirty="0" err="1">
+                <a:latin typeface="Consolas" charset="0"/>
+                <a:ea typeface="Consolas" charset="0"/>
+                <a:cs typeface="Consolas" charset="0"/>
+              </a:rPr>
+              <a:t>memcached</a:t>
+            </a:r>
+            <a:endParaRPr lang="en-US" sz="2600" dirty="0">
               <a:latin typeface="Consolas" charset="0"/>
               <a:ea typeface="Consolas" charset="0"/>
               <a:cs typeface="Consolas" charset="0"/>
             </a:endParaRPr>
           </a:p>
           <a:p>
-            <a:r>
-              <a:rPr lang="en-US" sz="2600" dirty="0">
-                <a:ea typeface="Consolas" charset="0"/>
-                <a:cs typeface="Consolas" charset="0"/>
-              </a:rPr>
-              <a:t>N</a:t>
-            </a:r>
-            <a:r>
-              <a:rPr lang="en-US" sz="2600" dirty="0" smtClean="0">
-                <a:ea typeface="Consolas" charset="0"/>
-                <a:cs typeface="Consolas" charset="0"/>
-              </a:rPr>
-              <a:t>ote </a:t>
-            </a:r>
-            <a:r>
-              <a:rPr lang="en-US" sz="2600" dirty="0">
-                <a:ea typeface="Consolas" charset="0"/>
-                <a:cs typeface="Consolas" charset="0"/>
-              </a:rPr>
-              <a:t>that </a:t>
-            </a:r>
-            <a:r>
-              <a:rPr lang="en-US" sz="2600" dirty="0" err="1">
-                <a:ea typeface="Consolas" charset="0"/>
-                <a:cs typeface="Consolas" charset="0"/>
-              </a:rPr>
-              <a:t>Ansible</a:t>
-            </a:r>
-            <a:r>
-              <a:rPr lang="en-US" sz="2600" dirty="0">
-                <a:ea typeface="Consolas" charset="0"/>
-                <a:cs typeface="Consolas" charset="0"/>
-              </a:rPr>
-              <a:t> facts and </a:t>
-            </a:r>
-            <a:r>
-              <a:rPr lang="en-US" sz="2600" dirty="0" err="1">
-                <a:ea typeface="Consolas" charset="0"/>
-                <a:cs typeface="Consolas" charset="0"/>
-              </a:rPr>
-              <a:t>vars</a:t>
-            </a:r>
-            <a:r>
-              <a:rPr lang="en-US" sz="2600" dirty="0">
-                <a:ea typeface="Consolas" charset="0"/>
-                <a:cs typeface="Consolas" charset="0"/>
-              </a:rPr>
-              <a:t> like </a:t>
-            </a:r>
-            <a:r>
-              <a:rPr lang="en-US" sz="2600" dirty="0" err="1">
-                <a:ea typeface="Consolas" charset="0"/>
-                <a:cs typeface="Consolas" charset="0"/>
-              </a:rPr>
-              <a:t>ansible_os_family</a:t>
-            </a:r>
-            <a:r>
-              <a:rPr lang="en-US" sz="2600" dirty="0">
-                <a:ea typeface="Consolas" charset="0"/>
-                <a:cs typeface="Consolas" charset="0"/>
-              </a:rPr>
-              <a:t> can be </a:t>
-            </a:r>
-            <a:r>
-              <a:rPr lang="en-US" sz="2600" dirty="0" smtClean="0">
-                <a:ea typeface="Consolas" charset="0"/>
-                <a:cs typeface="Consolas" charset="0"/>
-              </a:rPr>
-              <a:t>used directly </a:t>
-            </a:r>
-            <a:r>
-              <a:rPr lang="en-US" sz="2600" dirty="0">
-                <a:ea typeface="Consolas" charset="0"/>
-                <a:cs typeface="Consolas" charset="0"/>
-              </a:rPr>
-              <a:t>in conditionals without double curly </a:t>
-            </a:r>
-            <a:r>
-              <a:rPr lang="en-US" sz="2600" dirty="0" smtClean="0">
-                <a:ea typeface="Consolas" charset="0"/>
-                <a:cs typeface="Consolas" charset="0"/>
-              </a:rPr>
-              <a:t>braces.</a:t>
-            </a:r>
-          </a:p>
-          <a:p>
-            <a:endParaRPr lang="en-US" sz="2400" dirty="0">
+            <a:pPr marL="0" indent="0">
+              <a:buNone/>
+            </a:pPr>
+            <a:endParaRPr lang="en-US" sz="2600" dirty="0">
+              <a:latin typeface="Consolas" charset="0"/>
               <a:ea typeface="Consolas" charset="0"/>
               <a:cs typeface="Consolas" charset="0"/>
             </a:endParaRPr>
           </a:p>
           <a:p>
-            <a:r>
-              <a:rPr lang="en-US" sz="2600" dirty="0" smtClean="0">
-                <a:ea typeface="Consolas" charset="0"/>
-                <a:cs typeface="Consolas" charset="0"/>
-              </a:rPr>
-              <a:t>We can specify that multiple conditions need to be true:</a:t>
-            </a:r>
-          </a:p>
-          <a:p>
-            <a:endParaRPr lang="en-US" sz="2400" dirty="0" smtClean="0">
+            <a:pPr marL="0" indent="0">
+              <a:buNone/>
+            </a:pPr>
+            <a:r>
+              <a:rPr lang="en-US" sz="2600" dirty="0">
+                <a:latin typeface="Consolas" charset="0"/>
+                <a:ea typeface="Consolas" charset="0"/>
+                <a:cs typeface="Consolas" charset="0"/>
+              </a:rPr>
+              <a:t>         - template: </a:t>
+            </a:r>
+            <a:r>
+              <a:rPr lang="en-US" sz="2600" dirty="0" err="1">
+                <a:latin typeface="Consolas" charset="0"/>
+                <a:ea typeface="Consolas" charset="0"/>
+                <a:cs typeface="Consolas" charset="0"/>
+              </a:rPr>
+              <a:t>src</a:t>
+            </a:r>
+            <a:r>
+              <a:rPr lang="en-US" sz="2600" dirty="0">
+                <a:latin typeface="Consolas" charset="0"/>
+                <a:ea typeface="Consolas" charset="0"/>
+                <a:cs typeface="Consolas" charset="0"/>
+              </a:rPr>
+              <a:t>=templates/src.j2 </a:t>
+            </a:r>
+            <a:r>
+              <a:rPr lang="en-US" sz="2600" dirty="0" err="1">
+                <a:latin typeface="Consolas" charset="0"/>
+                <a:ea typeface="Consolas" charset="0"/>
+                <a:cs typeface="Consolas" charset="0"/>
+              </a:rPr>
+              <a:t>dest</a:t>
+            </a:r>
+            <a:r>
+              <a:rPr lang="en-US" sz="2600" dirty="0">
+                <a:latin typeface="Consolas" charset="0"/>
+                <a:ea typeface="Consolas" charset="0"/>
+                <a:cs typeface="Consolas" charset="0"/>
+              </a:rPr>
+              <a:t>=/</a:t>
+            </a:r>
+            <a:r>
+              <a:rPr lang="en-US" sz="2600" dirty="0" err="1">
+                <a:latin typeface="Consolas" charset="0"/>
+                <a:ea typeface="Consolas" charset="0"/>
+                <a:cs typeface="Consolas" charset="0"/>
+              </a:rPr>
+              <a:t>etc</a:t>
+            </a:r>
+            <a:r>
+              <a:rPr lang="en-US" sz="2600" dirty="0">
+                <a:latin typeface="Consolas" charset="0"/>
+                <a:ea typeface="Consolas" charset="0"/>
+                <a:cs typeface="Consolas" charset="0"/>
+              </a:rPr>
+              <a:t>/</a:t>
+            </a:r>
+            <a:r>
+              <a:rPr lang="en-US" sz="2600" dirty="0" err="1">
+                <a:latin typeface="Consolas" charset="0"/>
+                <a:ea typeface="Consolas" charset="0"/>
+                <a:cs typeface="Consolas" charset="0"/>
+              </a:rPr>
+              <a:t>foo.conf</a:t>
+            </a:r>
+            <a:endParaRPr lang="en-US" sz="2600" dirty="0">
+              <a:latin typeface="Consolas" charset="0"/>
               <a:ea typeface="Consolas" charset="0"/>
               <a:cs typeface="Consolas" charset="0"/>
             </a:endParaRPr>
@@ -16276,143 +15988,112 @@
             <a:pPr marL="0" indent="0">
               <a:buNone/>
             </a:pPr>
-            <a:r>
-              <a:rPr lang="en-US" sz="2100" dirty="0">
-                <a:latin typeface="Consolas" charset="0"/>
-                <a:ea typeface="Consolas" charset="0"/>
-                <a:cs typeface="Consolas" charset="0"/>
-              </a:rPr>
-              <a:t>tasks:</a:t>
-            </a:r>
-          </a:p>
-          <a:p>
-            <a:pPr marL="0" indent="0">
-              <a:buNone/>
-            </a:pPr>
-            <a:r>
-              <a:rPr lang="en-US" sz="2100" dirty="0">
-                <a:latin typeface="Consolas" charset="0"/>
-                <a:ea typeface="Consolas" charset="0"/>
-                <a:cs typeface="Consolas" charset="0"/>
-              </a:rPr>
-              <a:t>  - name: "shut down CentOS 6 systems"</a:t>
-            </a:r>
-          </a:p>
-          <a:p>
-            <a:pPr marL="0" indent="0">
-              <a:buNone/>
-            </a:pPr>
-            <a:r>
-              <a:rPr lang="en-US" sz="2100" dirty="0">
-                <a:latin typeface="Consolas" charset="0"/>
-                <a:ea typeface="Consolas" charset="0"/>
-                <a:cs typeface="Consolas" charset="0"/>
-              </a:rPr>
-              <a:t>    command: /</a:t>
-            </a:r>
-            <a:r>
-              <a:rPr lang="en-US" sz="2100" dirty="0" err="1">
-                <a:latin typeface="Consolas" charset="0"/>
-                <a:ea typeface="Consolas" charset="0"/>
-                <a:cs typeface="Consolas" charset="0"/>
-              </a:rPr>
-              <a:t>sbin</a:t>
-            </a:r>
-            <a:r>
-              <a:rPr lang="en-US" sz="2100" dirty="0">
-                <a:latin typeface="Consolas" charset="0"/>
-                <a:ea typeface="Consolas" charset="0"/>
-                <a:cs typeface="Consolas" charset="0"/>
-              </a:rPr>
-              <a:t>/shutdown -t now</a:t>
-            </a:r>
-          </a:p>
-          <a:p>
-            <a:pPr marL="0" indent="0">
-              <a:buNone/>
-            </a:pPr>
-            <a:r>
-              <a:rPr lang="en-US" sz="2100" dirty="0">
-                <a:latin typeface="Consolas" charset="0"/>
-                <a:ea typeface="Consolas" charset="0"/>
-                <a:cs typeface="Consolas" charset="0"/>
-              </a:rPr>
-              <a:t>    when:</a:t>
-            </a:r>
-          </a:p>
-          <a:p>
-            <a:pPr marL="0" indent="0">
-              <a:buNone/>
-            </a:pPr>
-            <a:r>
-              <a:rPr lang="en-US" sz="2100" dirty="0">
-                <a:latin typeface="Consolas" charset="0"/>
-                <a:ea typeface="Consolas" charset="0"/>
-                <a:cs typeface="Consolas" charset="0"/>
-              </a:rPr>
-              <a:t>      - </a:t>
-            </a:r>
-            <a:r>
-              <a:rPr lang="en-US" sz="2100" dirty="0" err="1">
-                <a:latin typeface="Consolas" charset="0"/>
-                <a:ea typeface="Consolas" charset="0"/>
-                <a:cs typeface="Consolas" charset="0"/>
-              </a:rPr>
-              <a:t>ansible_distribution</a:t>
-            </a:r>
-            <a:r>
-              <a:rPr lang="en-US" sz="2100" dirty="0">
-                <a:latin typeface="Consolas" charset="0"/>
-                <a:ea typeface="Consolas" charset="0"/>
-                <a:cs typeface="Consolas" charset="0"/>
-              </a:rPr>
-              <a:t> == "CentOS"</a:t>
-            </a:r>
-          </a:p>
-          <a:p>
-            <a:pPr marL="0" indent="0">
-              <a:buNone/>
-            </a:pPr>
-            <a:r>
-              <a:rPr lang="en-US" sz="2100" dirty="0">
-                <a:latin typeface="Consolas" charset="0"/>
-                <a:ea typeface="Consolas" charset="0"/>
-                <a:cs typeface="Consolas" charset="0"/>
-              </a:rPr>
-              <a:t>      - </a:t>
-            </a:r>
-            <a:r>
-              <a:rPr lang="en-US" sz="2100" dirty="0" err="1">
-                <a:latin typeface="Consolas" charset="0"/>
-                <a:ea typeface="Consolas" charset="0"/>
-                <a:cs typeface="Consolas" charset="0"/>
-              </a:rPr>
-              <a:t>ansible_distribution_major_version</a:t>
-            </a:r>
-            <a:r>
-              <a:rPr lang="en-US" sz="2100" dirty="0">
-                <a:latin typeface="Consolas" charset="0"/>
-                <a:ea typeface="Consolas" charset="0"/>
-                <a:cs typeface="Consolas" charset="0"/>
-              </a:rPr>
-              <a:t> == "6"</a:t>
-            </a:r>
-          </a:p>
-          <a:p>
-            <a:pPr marL="0" indent="0">
-              <a:buNone/>
-            </a:pPr>
-            <a:endParaRPr lang="en-US" sz="2400" dirty="0">
+            <a:endParaRPr lang="en-US" sz="2600" dirty="0">
+              <a:latin typeface="Consolas" charset="0"/>
               <a:ea typeface="Consolas" charset="0"/>
               <a:cs typeface="Consolas" charset="0"/>
             </a:endParaRPr>
           </a:p>
+          <a:p>
+            <a:pPr marL="0" indent="0">
+              <a:buNone/>
+            </a:pPr>
+            <a:r>
+              <a:rPr lang="en-US" sz="2600" dirty="0">
+                <a:latin typeface="Consolas" charset="0"/>
+                <a:ea typeface="Consolas" charset="0"/>
+                <a:cs typeface="Consolas" charset="0"/>
+              </a:rPr>
+              <a:t>         - service: name=bar state=started enabled=True</a:t>
+            </a:r>
+          </a:p>
+          <a:p>
+            <a:pPr marL="0" indent="0">
+              <a:buNone/>
+            </a:pPr>
+            <a:endParaRPr lang="en-US" sz="2600" dirty="0">
+              <a:latin typeface="Consolas" charset="0"/>
+              <a:ea typeface="Consolas" charset="0"/>
+              <a:cs typeface="Consolas" charset="0"/>
+            </a:endParaRPr>
+          </a:p>
+          <a:p>
+            <a:pPr marL="0" indent="0">
+              <a:buNone/>
+            </a:pPr>
+            <a:r>
+              <a:rPr lang="en-US" sz="2600" dirty="0">
+                <a:latin typeface="Consolas" charset="0"/>
+                <a:ea typeface="Consolas" charset="0"/>
+                <a:cs typeface="Consolas" charset="0"/>
+              </a:rPr>
+              <a:t>       when: </a:t>
+            </a:r>
+            <a:r>
+              <a:rPr lang="en-US" sz="2600" dirty="0" err="1">
+                <a:latin typeface="Consolas" charset="0"/>
+                <a:ea typeface="Consolas" charset="0"/>
+                <a:cs typeface="Consolas" charset="0"/>
+              </a:rPr>
+              <a:t>ansible_distribution</a:t>
+            </a:r>
+            <a:r>
+              <a:rPr lang="en-US" sz="2600" dirty="0">
+                <a:latin typeface="Consolas" charset="0"/>
+                <a:ea typeface="Consolas" charset="0"/>
+                <a:cs typeface="Consolas" charset="0"/>
+              </a:rPr>
+              <a:t> == 'CentOS'</a:t>
+            </a:r>
+          </a:p>
+          <a:p>
+            <a:pPr marL="0" indent="0">
+              <a:buNone/>
+            </a:pPr>
+            <a:r>
+              <a:rPr lang="en-US" sz="2600" dirty="0">
+                <a:latin typeface="Consolas" charset="0"/>
+                <a:ea typeface="Consolas" charset="0"/>
+                <a:cs typeface="Consolas" charset="0"/>
+              </a:rPr>
+              <a:t>       become: true</a:t>
+            </a:r>
+          </a:p>
+          <a:p>
+            <a:pPr marL="0" indent="0">
+              <a:buNone/>
+            </a:pPr>
+            <a:r>
+              <a:rPr lang="en-US" sz="2600" dirty="0">
+                <a:latin typeface="Consolas" charset="0"/>
+                <a:ea typeface="Consolas" charset="0"/>
+                <a:cs typeface="Consolas" charset="0"/>
+              </a:rPr>
+              <a:t>       </a:t>
+            </a:r>
+            <a:r>
+              <a:rPr lang="en-US" sz="2600" dirty="0" err="1">
+                <a:latin typeface="Consolas" charset="0"/>
+                <a:ea typeface="Consolas" charset="0"/>
+                <a:cs typeface="Consolas" charset="0"/>
+              </a:rPr>
+              <a:t>become_user</a:t>
+            </a:r>
+            <a:r>
+              <a:rPr lang="en-US" sz="2600" dirty="0">
+                <a:latin typeface="Consolas" charset="0"/>
+                <a:ea typeface="Consolas" charset="0"/>
+                <a:cs typeface="Consolas" charset="0"/>
+              </a:rPr>
+              <a:t>: root</a:t>
+            </a:r>
+          </a:p>
         </p:txBody>
       </p:sp>
     </p:spTree>
     <p:extLst>
       <p:ext uri="{BB962C8B-B14F-4D97-AF65-F5344CB8AC3E}">
-        <p14:creationId xmlns:p14="http://schemas.microsoft.com/office/powerpoint/2010/main" val="642372724"/>
+        <p14:creationId xmlns:p14="http://schemas.microsoft.com/office/powerpoint/2010/main" val="762159568"/>
       </p:ext>
     </p:extLst>
   </p:cSld>
@@ -16463,1570 +16144,6 @@
           <a:p>
             <a:r>
               <a:rPr lang="en-US" dirty="0" smtClean="0"/>
-              <a:t>Loops</a:t>
-            </a:r>
-            <a:endParaRPr lang="en-US" dirty="0"/>
-          </a:p>
-        </p:txBody>
-      </p:sp>
-      <p:sp>
-        <p:nvSpPr>
-          <p:cNvPr id="3" name="Content Placeholder 2"/>
-          <p:cNvSpPr>
-            <a:spLocks noGrp="1"/>
-          </p:cNvSpPr>
-          <p:nvPr>
-            <p:ph idx="1"/>
-          </p:nvPr>
-        </p:nvSpPr>
-        <p:spPr>
-          <a:xfrm>
-            <a:off x="457200" y="1600200"/>
-            <a:ext cx="8229600" cy="5013542"/>
-          </a:xfrm>
-        </p:spPr>
-        <p:txBody>
-          <a:bodyPr>
-            <a:normAutofit fontScale="92500" lnSpcReduction="10000"/>
-          </a:bodyPr>
-          <a:lstStyle/>
-          <a:p>
-            <a:r>
-              <a:rPr lang="en-US" sz="2200" dirty="0" smtClean="0"/>
-              <a:t>Oftentimes it’s useful to repeat tasks to save some typing.</a:t>
-            </a:r>
-          </a:p>
-          <a:p>
-            <a:pPr lvl="1"/>
-            <a:r>
-              <a:rPr lang="en-US" sz="2200" dirty="0" smtClean="0"/>
-              <a:t>Loop using </a:t>
-            </a:r>
-            <a:r>
-              <a:rPr lang="en-US" sz="2200" b="1" dirty="0" err="1" smtClean="0"/>
-              <a:t>with_items</a:t>
-            </a:r>
-            <a:r>
-              <a:rPr lang="en-US" sz="2200" dirty="0" smtClean="0"/>
-              <a:t> directive.</a:t>
-            </a:r>
-          </a:p>
-          <a:p>
-            <a:endParaRPr lang="en-US" sz="2200" dirty="0"/>
-          </a:p>
-          <a:p>
-            <a:pPr marL="0" indent="0">
-              <a:buNone/>
-            </a:pPr>
-            <a:r>
-              <a:rPr lang="en-US" sz="1700" dirty="0" smtClean="0">
-                <a:latin typeface="Consolas" charset="0"/>
-                <a:ea typeface="Consolas" charset="0"/>
-                <a:cs typeface="Consolas" charset="0"/>
-              </a:rPr>
-              <a:t>- name: add several users</a:t>
-            </a:r>
-          </a:p>
-          <a:p>
-            <a:pPr marL="0" indent="0">
-              <a:buNone/>
-            </a:pPr>
-            <a:r>
-              <a:rPr lang="en-US" sz="1700" dirty="0">
-                <a:latin typeface="Consolas" charset="0"/>
-                <a:ea typeface="Consolas" charset="0"/>
-                <a:cs typeface="Consolas" charset="0"/>
-              </a:rPr>
-              <a:t> </a:t>
-            </a:r>
-            <a:r>
-              <a:rPr lang="en-US" sz="1700" dirty="0" smtClean="0">
-                <a:latin typeface="Consolas" charset="0"/>
-                <a:ea typeface="Consolas" charset="0"/>
-                <a:cs typeface="Consolas" charset="0"/>
-              </a:rPr>
-              <a:t> user: name={{ item }} state=present groups=developers</a:t>
-            </a:r>
-          </a:p>
-          <a:p>
-            <a:pPr marL="0" indent="0">
-              <a:buNone/>
-            </a:pPr>
-            <a:r>
-              <a:rPr lang="en-US" sz="1700" dirty="0">
-                <a:latin typeface="Consolas" charset="0"/>
-                <a:ea typeface="Consolas" charset="0"/>
-                <a:cs typeface="Consolas" charset="0"/>
-              </a:rPr>
-              <a:t> </a:t>
-            </a:r>
-            <a:r>
-              <a:rPr lang="en-US" sz="1700" dirty="0" smtClean="0">
-                <a:latin typeface="Consolas" charset="0"/>
-                <a:ea typeface="Consolas" charset="0"/>
-                <a:cs typeface="Consolas" charset="0"/>
-              </a:rPr>
-              <a:t> </a:t>
-            </a:r>
-            <a:r>
-              <a:rPr lang="en-US" sz="1700" dirty="0" err="1" smtClean="0">
-                <a:latin typeface="Consolas" charset="0"/>
-                <a:ea typeface="Consolas" charset="0"/>
-                <a:cs typeface="Consolas" charset="0"/>
-              </a:rPr>
-              <a:t>with_items</a:t>
-            </a:r>
-            <a:r>
-              <a:rPr lang="en-US" sz="1700" dirty="0" smtClean="0">
-                <a:latin typeface="Consolas" charset="0"/>
-                <a:ea typeface="Consolas" charset="0"/>
-                <a:cs typeface="Consolas" charset="0"/>
-              </a:rPr>
-              <a:t>:</a:t>
-            </a:r>
-          </a:p>
-          <a:p>
-            <a:pPr marL="0" indent="0">
-              <a:buNone/>
-            </a:pPr>
-            <a:r>
-              <a:rPr lang="en-US" sz="1700" dirty="0">
-                <a:latin typeface="Consolas" charset="0"/>
-                <a:ea typeface="Consolas" charset="0"/>
-                <a:cs typeface="Consolas" charset="0"/>
-              </a:rPr>
-              <a:t> </a:t>
-            </a:r>
-            <a:r>
-              <a:rPr lang="en-US" sz="1700" dirty="0" smtClean="0">
-                <a:latin typeface="Consolas" charset="0"/>
-                <a:ea typeface="Consolas" charset="0"/>
-                <a:cs typeface="Consolas" charset="0"/>
-              </a:rPr>
-              <a:t>   - </a:t>
-            </a:r>
-            <a:r>
-              <a:rPr lang="en-US" sz="1700" dirty="0" err="1" smtClean="0">
-                <a:latin typeface="Consolas" charset="0"/>
-                <a:ea typeface="Consolas" charset="0"/>
-                <a:cs typeface="Consolas" charset="0"/>
-              </a:rPr>
-              <a:t>jadams</a:t>
-            </a:r>
-            <a:endParaRPr lang="en-US" sz="1700" dirty="0" smtClean="0">
-              <a:latin typeface="Consolas" charset="0"/>
-              <a:ea typeface="Consolas" charset="0"/>
-              <a:cs typeface="Consolas" charset="0"/>
-            </a:endParaRPr>
-          </a:p>
-          <a:p>
-            <a:pPr marL="0" indent="0">
-              <a:buNone/>
-            </a:pPr>
-            <a:r>
-              <a:rPr lang="en-US" sz="1700" dirty="0">
-                <a:latin typeface="Consolas" charset="0"/>
-                <a:ea typeface="Consolas" charset="0"/>
-                <a:cs typeface="Consolas" charset="0"/>
-              </a:rPr>
-              <a:t> </a:t>
-            </a:r>
-            <a:r>
-              <a:rPr lang="en-US" sz="1700" dirty="0" smtClean="0">
-                <a:latin typeface="Consolas" charset="0"/>
-                <a:ea typeface="Consolas" charset="0"/>
-                <a:cs typeface="Consolas" charset="0"/>
-              </a:rPr>
-              <a:t>   - </a:t>
-            </a:r>
-            <a:r>
-              <a:rPr lang="en-US" sz="1700" dirty="0" err="1" smtClean="0">
-                <a:latin typeface="Consolas" charset="0"/>
-                <a:ea typeface="Consolas" charset="0"/>
-                <a:cs typeface="Consolas" charset="0"/>
-              </a:rPr>
-              <a:t>msmith</a:t>
-            </a:r>
-            <a:endParaRPr lang="en-US" sz="1700" dirty="0" smtClean="0">
-              <a:latin typeface="Consolas" charset="0"/>
-              <a:ea typeface="Consolas" charset="0"/>
-              <a:cs typeface="Consolas" charset="0"/>
-            </a:endParaRPr>
-          </a:p>
-          <a:p>
-            <a:pPr marL="0" indent="0">
-              <a:buNone/>
-            </a:pPr>
-            <a:r>
-              <a:rPr lang="en-US" sz="1700" dirty="0">
-                <a:latin typeface="Consolas" charset="0"/>
-                <a:ea typeface="Consolas" charset="0"/>
-                <a:cs typeface="Consolas" charset="0"/>
-              </a:rPr>
-              <a:t> </a:t>
-            </a:r>
-            <a:r>
-              <a:rPr lang="en-US" sz="1700" dirty="0" smtClean="0">
-                <a:latin typeface="Consolas" charset="0"/>
-                <a:ea typeface="Consolas" charset="0"/>
-                <a:cs typeface="Consolas" charset="0"/>
-              </a:rPr>
-              <a:t>   - </a:t>
-            </a:r>
-            <a:r>
-              <a:rPr lang="en-US" sz="1700" dirty="0" err="1" smtClean="0">
-                <a:latin typeface="Consolas" charset="0"/>
-                <a:ea typeface="Consolas" charset="0"/>
-                <a:cs typeface="Consolas" charset="0"/>
-              </a:rPr>
-              <a:t>cmilwaui</a:t>
-            </a:r>
-            <a:endParaRPr lang="en-US" sz="1700" dirty="0" smtClean="0">
-              <a:latin typeface="Consolas" charset="0"/>
-              <a:ea typeface="Consolas" charset="0"/>
-              <a:cs typeface="Consolas" charset="0"/>
-            </a:endParaRPr>
-          </a:p>
-          <a:p>
-            <a:pPr marL="0" indent="0">
-              <a:buNone/>
-            </a:pPr>
-            <a:endParaRPr lang="en-US" sz="1700" dirty="0" smtClean="0">
-              <a:latin typeface="Consolas" charset="0"/>
-              <a:ea typeface="Consolas" charset="0"/>
-              <a:cs typeface="Consolas" charset="0"/>
-            </a:endParaRPr>
-          </a:p>
-          <a:p>
-            <a:r>
-              <a:rPr lang="en-US" sz="2200" dirty="0" smtClean="0">
-                <a:ea typeface="Consolas" charset="0"/>
-                <a:cs typeface="Consolas" charset="0"/>
-              </a:rPr>
-              <a:t>Items in loops do not have to be simple strings:</a:t>
-            </a:r>
-          </a:p>
-          <a:p>
-            <a:endParaRPr lang="en-US" sz="2200" dirty="0">
-              <a:ea typeface="Consolas" charset="0"/>
-              <a:cs typeface="Consolas" charset="0"/>
-            </a:endParaRPr>
-          </a:p>
-          <a:p>
-            <a:pPr marL="0" indent="0">
-              <a:buNone/>
-            </a:pPr>
-            <a:r>
-              <a:rPr lang="en-US" sz="1700" dirty="0">
-                <a:latin typeface="Consolas" charset="0"/>
-                <a:ea typeface="Consolas" charset="0"/>
-                <a:cs typeface="Consolas" charset="0"/>
-              </a:rPr>
-              <a:t>- name: add several users</a:t>
-            </a:r>
-          </a:p>
-          <a:p>
-            <a:pPr marL="0" indent="0">
-              <a:buNone/>
-            </a:pPr>
-            <a:r>
-              <a:rPr lang="en-US" sz="1700" dirty="0">
-                <a:latin typeface="Consolas" charset="0"/>
-                <a:ea typeface="Consolas" charset="0"/>
-                <a:cs typeface="Consolas" charset="0"/>
-              </a:rPr>
-              <a:t>  user: name={{ </a:t>
-            </a:r>
-            <a:r>
-              <a:rPr lang="en-US" sz="1700" dirty="0" err="1">
-                <a:latin typeface="Consolas" charset="0"/>
-                <a:ea typeface="Consolas" charset="0"/>
-                <a:cs typeface="Consolas" charset="0"/>
-              </a:rPr>
-              <a:t>item.name</a:t>
-            </a:r>
-            <a:r>
-              <a:rPr lang="en-US" sz="1700" dirty="0">
-                <a:latin typeface="Consolas" charset="0"/>
-                <a:ea typeface="Consolas" charset="0"/>
-                <a:cs typeface="Consolas" charset="0"/>
-              </a:rPr>
-              <a:t> }} state=present groups={{ </a:t>
-            </a:r>
-            <a:r>
-              <a:rPr lang="en-US" sz="1700" dirty="0" err="1">
-                <a:latin typeface="Consolas" charset="0"/>
-                <a:ea typeface="Consolas" charset="0"/>
-                <a:cs typeface="Consolas" charset="0"/>
-              </a:rPr>
-              <a:t>item.groups</a:t>
-            </a:r>
-            <a:r>
-              <a:rPr lang="en-US" sz="1700" dirty="0">
-                <a:latin typeface="Consolas" charset="0"/>
-                <a:ea typeface="Consolas" charset="0"/>
-                <a:cs typeface="Consolas" charset="0"/>
-              </a:rPr>
-              <a:t> }}</a:t>
-            </a:r>
-          </a:p>
-          <a:p>
-            <a:pPr marL="0" indent="0">
-              <a:buNone/>
-            </a:pPr>
-            <a:r>
-              <a:rPr lang="en-US" sz="1700" dirty="0">
-                <a:latin typeface="Consolas" charset="0"/>
-                <a:ea typeface="Consolas" charset="0"/>
-                <a:cs typeface="Consolas" charset="0"/>
-              </a:rPr>
-              <a:t>  </a:t>
-            </a:r>
-            <a:r>
-              <a:rPr lang="en-US" sz="1700" dirty="0" err="1">
-                <a:latin typeface="Consolas" charset="0"/>
-                <a:ea typeface="Consolas" charset="0"/>
-                <a:cs typeface="Consolas" charset="0"/>
-              </a:rPr>
-              <a:t>with_items</a:t>
-            </a:r>
-            <a:r>
-              <a:rPr lang="en-US" sz="1700" dirty="0">
-                <a:latin typeface="Consolas" charset="0"/>
-                <a:ea typeface="Consolas" charset="0"/>
-                <a:cs typeface="Consolas" charset="0"/>
-              </a:rPr>
-              <a:t>:</a:t>
-            </a:r>
-          </a:p>
-          <a:p>
-            <a:pPr marL="0" indent="0">
-              <a:buNone/>
-            </a:pPr>
-            <a:r>
-              <a:rPr lang="en-US" sz="1700" dirty="0">
-                <a:latin typeface="Consolas" charset="0"/>
-                <a:ea typeface="Consolas" charset="0"/>
-                <a:cs typeface="Consolas" charset="0"/>
-              </a:rPr>
-              <a:t>    - { name: 'testuser1', groups: 'wheel' }</a:t>
-            </a:r>
-          </a:p>
-          <a:p>
-            <a:pPr marL="0" indent="0">
-              <a:buNone/>
-            </a:pPr>
-            <a:r>
-              <a:rPr lang="en-US" sz="1700" dirty="0">
-                <a:latin typeface="Consolas" charset="0"/>
-                <a:ea typeface="Consolas" charset="0"/>
-                <a:cs typeface="Consolas" charset="0"/>
-              </a:rPr>
-              <a:t>    - { name: 'testuser2', groups: 'root' }</a:t>
-            </a:r>
-          </a:p>
-        </p:txBody>
-      </p:sp>
-    </p:spTree>
-    <p:extLst>
-      <p:ext uri="{BB962C8B-B14F-4D97-AF65-F5344CB8AC3E}">
-        <p14:creationId xmlns:p14="http://schemas.microsoft.com/office/powerpoint/2010/main" val="207360145"/>
-      </p:ext>
-    </p:extLst>
-  </p:cSld>
-  <p:clrMapOvr>
-    <a:masterClrMapping/>
-  </p:clrMapOvr>
-  <p:timing>
-    <p:tnLst>
-      <p:par>
-        <p:cTn id="1" dur="indefinite" restart="never" nodeType="tmRoot"/>
-      </p:par>
-    </p:tnLst>
-  </p:timing>
-</p:sld>
-</file>
-
-<file path=ppt/slides/slide53.xml><?xml version="1.0" encoding="utf-8"?>
-<p:sld xmlns:a="http://schemas.openxmlformats.org/drawingml/2006/main" xmlns:r="http://schemas.openxmlformats.org/officeDocument/2006/relationships" xmlns:p="http://schemas.openxmlformats.org/presentationml/2006/main">
-  <p:cSld>
-    <p:spTree>
-      <p:nvGrpSpPr>
-        <p:cNvPr id="1" name=""/>
-        <p:cNvGrpSpPr/>
-        <p:nvPr/>
-      </p:nvGrpSpPr>
-      <p:grpSpPr>
-        <a:xfrm>
-          <a:off x="0" y="0"/>
-          <a:ext cx="0" cy="0"/>
-          <a:chOff x="0" y="0"/>
-          <a:chExt cx="0" cy="0"/>
-        </a:xfrm>
-      </p:grpSpPr>
-      <p:sp>
-        <p:nvSpPr>
-          <p:cNvPr id="2" name="Title 1"/>
-          <p:cNvSpPr>
-            <a:spLocks noGrp="1"/>
-          </p:cNvSpPr>
-          <p:nvPr>
-            <p:ph type="title"/>
-          </p:nvPr>
-        </p:nvSpPr>
-        <p:spPr/>
-        <p:txBody>
-          <a:bodyPr/>
-          <a:lstStyle/>
-          <a:p>
-            <a:r>
-              <a:rPr lang="en-US" dirty="0" smtClean="0"/>
-              <a:t>Loops</a:t>
-            </a:r>
-            <a:endParaRPr lang="en-US" dirty="0"/>
-          </a:p>
-        </p:txBody>
-      </p:sp>
-      <p:sp>
-        <p:nvSpPr>
-          <p:cNvPr id="3" name="Content Placeholder 2"/>
-          <p:cNvSpPr>
-            <a:spLocks noGrp="1"/>
-          </p:cNvSpPr>
-          <p:nvPr>
-            <p:ph idx="1"/>
-          </p:nvPr>
-        </p:nvSpPr>
-        <p:spPr>
-          <a:xfrm>
-            <a:off x="457200" y="1600200"/>
-            <a:ext cx="8229600" cy="5026068"/>
-          </a:xfrm>
-        </p:spPr>
-        <p:txBody>
-          <a:bodyPr/>
-          <a:lstStyle/>
-          <a:p>
-            <a:r>
-              <a:rPr lang="en-US" dirty="0" smtClean="0"/>
-              <a:t>The </a:t>
-            </a:r>
-            <a:r>
-              <a:rPr lang="en-US" dirty="0" err="1" smtClean="0"/>
-              <a:t>with_fileglob</a:t>
-            </a:r>
-            <a:r>
-              <a:rPr lang="en-US" dirty="0" smtClean="0"/>
-              <a:t> directive selects all files in a single directory that match a pattern.</a:t>
-            </a:r>
-          </a:p>
-          <a:p>
-            <a:pPr marL="0" indent="0">
-              <a:buNone/>
-            </a:pPr>
-            <a:endParaRPr lang="en-US" sz="1600" dirty="0" smtClean="0">
-              <a:latin typeface="Consolas" charset="0"/>
-              <a:ea typeface="Consolas" charset="0"/>
-              <a:cs typeface="Consolas" charset="0"/>
-            </a:endParaRPr>
-          </a:p>
-          <a:p>
-            <a:pPr marL="0" indent="0">
-              <a:buNone/>
-            </a:pPr>
-            <a:r>
-              <a:rPr lang="en-US" sz="1600" dirty="0" smtClean="0">
-                <a:latin typeface="Consolas" charset="0"/>
-                <a:ea typeface="Consolas" charset="0"/>
-                <a:cs typeface="Consolas" charset="0"/>
-              </a:rPr>
-              <a:t>---</a:t>
-            </a:r>
-            <a:endParaRPr lang="en-US" sz="1600" dirty="0">
-              <a:latin typeface="Consolas" charset="0"/>
-              <a:ea typeface="Consolas" charset="0"/>
-              <a:cs typeface="Consolas" charset="0"/>
-            </a:endParaRPr>
-          </a:p>
-          <a:p>
-            <a:pPr marL="0" indent="0">
-              <a:buNone/>
-            </a:pPr>
-            <a:r>
-              <a:rPr lang="en-US" sz="1600" dirty="0">
-                <a:latin typeface="Consolas" charset="0"/>
-                <a:ea typeface="Consolas" charset="0"/>
-                <a:cs typeface="Consolas" charset="0"/>
-              </a:rPr>
-              <a:t>- hosts: all</a:t>
-            </a:r>
-          </a:p>
-          <a:p>
-            <a:pPr marL="0" indent="0">
-              <a:buNone/>
-            </a:pPr>
-            <a:endParaRPr lang="en-US" sz="1600" dirty="0">
-              <a:latin typeface="Consolas" charset="0"/>
-              <a:ea typeface="Consolas" charset="0"/>
-              <a:cs typeface="Consolas" charset="0"/>
-            </a:endParaRPr>
-          </a:p>
-          <a:p>
-            <a:pPr marL="0" indent="0">
-              <a:buNone/>
-            </a:pPr>
-            <a:r>
-              <a:rPr lang="en-US" sz="1600" dirty="0">
-                <a:latin typeface="Consolas" charset="0"/>
-                <a:ea typeface="Consolas" charset="0"/>
-                <a:cs typeface="Consolas" charset="0"/>
-              </a:rPr>
-              <a:t>  tasks:</a:t>
-            </a:r>
-          </a:p>
-          <a:p>
-            <a:pPr marL="0" indent="0">
-              <a:buNone/>
-            </a:pPr>
-            <a:endParaRPr lang="en-US" sz="1600" dirty="0">
-              <a:latin typeface="Consolas" charset="0"/>
-              <a:ea typeface="Consolas" charset="0"/>
-              <a:cs typeface="Consolas" charset="0"/>
-            </a:endParaRPr>
-          </a:p>
-          <a:p>
-            <a:pPr marL="0" indent="0">
-              <a:buNone/>
-            </a:pPr>
-            <a:r>
-              <a:rPr lang="en-US" sz="1600" dirty="0">
-                <a:latin typeface="Consolas" charset="0"/>
-                <a:ea typeface="Consolas" charset="0"/>
-                <a:cs typeface="Consolas" charset="0"/>
-              </a:rPr>
-              <a:t>    # first ensure our target directory exists</a:t>
-            </a:r>
-          </a:p>
-          <a:p>
-            <a:pPr marL="0" indent="0">
-              <a:buNone/>
-            </a:pPr>
-            <a:r>
-              <a:rPr lang="en-US" sz="1600" dirty="0">
-                <a:latin typeface="Consolas" charset="0"/>
-                <a:ea typeface="Consolas" charset="0"/>
-                <a:cs typeface="Consolas" charset="0"/>
-              </a:rPr>
-              <a:t>    - file: </a:t>
-            </a:r>
-            <a:r>
-              <a:rPr lang="en-US" sz="1600" dirty="0" err="1">
-                <a:latin typeface="Consolas" charset="0"/>
-                <a:ea typeface="Consolas" charset="0"/>
-                <a:cs typeface="Consolas" charset="0"/>
-              </a:rPr>
-              <a:t>dest</a:t>
-            </a:r>
-            <a:r>
-              <a:rPr lang="en-US" sz="1600" dirty="0">
-                <a:latin typeface="Consolas" charset="0"/>
-                <a:ea typeface="Consolas" charset="0"/>
-                <a:cs typeface="Consolas" charset="0"/>
-              </a:rPr>
-              <a:t>=/</a:t>
-            </a:r>
-            <a:r>
-              <a:rPr lang="en-US" sz="1600" dirty="0" err="1">
-                <a:latin typeface="Consolas" charset="0"/>
-                <a:ea typeface="Consolas" charset="0"/>
-                <a:cs typeface="Consolas" charset="0"/>
-              </a:rPr>
-              <a:t>etc</a:t>
-            </a:r>
-            <a:r>
-              <a:rPr lang="en-US" sz="1600" dirty="0">
-                <a:latin typeface="Consolas" charset="0"/>
-                <a:ea typeface="Consolas" charset="0"/>
-                <a:cs typeface="Consolas" charset="0"/>
-              </a:rPr>
-              <a:t>/</a:t>
-            </a:r>
-            <a:r>
-              <a:rPr lang="en-US" sz="1600" dirty="0" err="1">
-                <a:latin typeface="Consolas" charset="0"/>
-                <a:ea typeface="Consolas" charset="0"/>
-                <a:cs typeface="Consolas" charset="0"/>
-              </a:rPr>
-              <a:t>fooapp</a:t>
-            </a:r>
-            <a:r>
-              <a:rPr lang="en-US" sz="1600" dirty="0">
-                <a:latin typeface="Consolas" charset="0"/>
-                <a:ea typeface="Consolas" charset="0"/>
-                <a:cs typeface="Consolas" charset="0"/>
-              </a:rPr>
-              <a:t> state=directory</a:t>
-            </a:r>
-          </a:p>
-          <a:p>
-            <a:pPr marL="0" indent="0">
-              <a:buNone/>
-            </a:pPr>
-            <a:endParaRPr lang="en-US" sz="1600" dirty="0">
-              <a:latin typeface="Consolas" charset="0"/>
-              <a:ea typeface="Consolas" charset="0"/>
-              <a:cs typeface="Consolas" charset="0"/>
-            </a:endParaRPr>
-          </a:p>
-          <a:p>
-            <a:pPr marL="0" indent="0">
-              <a:buNone/>
-            </a:pPr>
-            <a:r>
-              <a:rPr lang="en-US" sz="1600" dirty="0">
-                <a:latin typeface="Consolas" charset="0"/>
-                <a:ea typeface="Consolas" charset="0"/>
-                <a:cs typeface="Consolas" charset="0"/>
-              </a:rPr>
-              <a:t>    # copy each file over that matches the given pattern</a:t>
-            </a:r>
-          </a:p>
-          <a:p>
-            <a:pPr marL="0" indent="0">
-              <a:buNone/>
-            </a:pPr>
-            <a:r>
-              <a:rPr lang="en-US" sz="1600" dirty="0">
-                <a:latin typeface="Consolas" charset="0"/>
-                <a:ea typeface="Consolas" charset="0"/>
-                <a:cs typeface="Consolas" charset="0"/>
-              </a:rPr>
-              <a:t>    - copy: </a:t>
-            </a:r>
-            <a:r>
-              <a:rPr lang="en-US" sz="1600" dirty="0" err="1">
-                <a:latin typeface="Consolas" charset="0"/>
-                <a:ea typeface="Consolas" charset="0"/>
-                <a:cs typeface="Consolas" charset="0"/>
-              </a:rPr>
-              <a:t>src</a:t>
-            </a:r>
-            <a:r>
-              <a:rPr lang="en-US" sz="1600" dirty="0">
-                <a:latin typeface="Consolas" charset="0"/>
-                <a:ea typeface="Consolas" charset="0"/>
-                <a:cs typeface="Consolas" charset="0"/>
-              </a:rPr>
-              <a:t>={{ item }} </a:t>
-            </a:r>
-            <a:r>
-              <a:rPr lang="en-US" sz="1600" dirty="0" err="1">
-                <a:latin typeface="Consolas" charset="0"/>
-                <a:ea typeface="Consolas" charset="0"/>
-                <a:cs typeface="Consolas" charset="0"/>
-              </a:rPr>
-              <a:t>dest</a:t>
-            </a:r>
-            <a:r>
-              <a:rPr lang="en-US" sz="1600" dirty="0">
-                <a:latin typeface="Consolas" charset="0"/>
-                <a:ea typeface="Consolas" charset="0"/>
-                <a:cs typeface="Consolas" charset="0"/>
-              </a:rPr>
-              <a:t>=/</a:t>
-            </a:r>
-            <a:r>
-              <a:rPr lang="en-US" sz="1600" dirty="0" err="1">
-                <a:latin typeface="Consolas" charset="0"/>
-                <a:ea typeface="Consolas" charset="0"/>
-                <a:cs typeface="Consolas" charset="0"/>
-              </a:rPr>
-              <a:t>etc</a:t>
-            </a:r>
-            <a:r>
-              <a:rPr lang="en-US" sz="1600" dirty="0">
-                <a:latin typeface="Consolas" charset="0"/>
-                <a:ea typeface="Consolas" charset="0"/>
-                <a:cs typeface="Consolas" charset="0"/>
-              </a:rPr>
-              <a:t>/</a:t>
-            </a:r>
-            <a:r>
-              <a:rPr lang="en-US" sz="1600" dirty="0" err="1">
-                <a:latin typeface="Consolas" charset="0"/>
-                <a:ea typeface="Consolas" charset="0"/>
-                <a:cs typeface="Consolas" charset="0"/>
-              </a:rPr>
-              <a:t>fooapp</a:t>
-            </a:r>
-            <a:r>
-              <a:rPr lang="en-US" sz="1600" dirty="0">
-                <a:latin typeface="Consolas" charset="0"/>
-                <a:ea typeface="Consolas" charset="0"/>
-                <a:cs typeface="Consolas" charset="0"/>
-              </a:rPr>
-              <a:t>/ owner=root mode=600</a:t>
-            </a:r>
-          </a:p>
-          <a:p>
-            <a:pPr marL="0" indent="0">
-              <a:buNone/>
-            </a:pPr>
-            <a:r>
-              <a:rPr lang="en-US" sz="1600" dirty="0">
-                <a:latin typeface="Consolas" charset="0"/>
-                <a:ea typeface="Consolas" charset="0"/>
-                <a:cs typeface="Consolas" charset="0"/>
-              </a:rPr>
-              <a:t>      </a:t>
-            </a:r>
-            <a:r>
-              <a:rPr lang="en-US" sz="1600" dirty="0" err="1">
-                <a:latin typeface="Consolas" charset="0"/>
-                <a:ea typeface="Consolas" charset="0"/>
-                <a:cs typeface="Consolas" charset="0"/>
-              </a:rPr>
-              <a:t>with_fileglob</a:t>
-            </a:r>
-            <a:r>
-              <a:rPr lang="en-US" sz="1600" dirty="0">
-                <a:latin typeface="Consolas" charset="0"/>
-                <a:ea typeface="Consolas" charset="0"/>
-                <a:cs typeface="Consolas" charset="0"/>
-              </a:rPr>
-              <a:t>:</a:t>
-            </a:r>
-          </a:p>
-          <a:p>
-            <a:pPr marL="0" indent="0">
-              <a:buNone/>
-            </a:pPr>
-            <a:r>
-              <a:rPr lang="en-US" sz="1600" dirty="0">
-                <a:latin typeface="Consolas" charset="0"/>
-                <a:ea typeface="Consolas" charset="0"/>
-                <a:cs typeface="Consolas" charset="0"/>
-              </a:rPr>
-              <a:t>        - /playbooks/files/</a:t>
-            </a:r>
-            <a:r>
-              <a:rPr lang="en-US" sz="1600" dirty="0" err="1">
-                <a:latin typeface="Consolas" charset="0"/>
-                <a:ea typeface="Consolas" charset="0"/>
-                <a:cs typeface="Consolas" charset="0"/>
-              </a:rPr>
-              <a:t>fooapp</a:t>
-            </a:r>
-            <a:r>
-              <a:rPr lang="en-US" sz="1600" dirty="0">
-                <a:latin typeface="Consolas" charset="0"/>
-                <a:ea typeface="Consolas" charset="0"/>
-                <a:cs typeface="Consolas" charset="0"/>
-              </a:rPr>
-              <a:t>/*</a:t>
-            </a:r>
-          </a:p>
-        </p:txBody>
-      </p:sp>
-    </p:spTree>
-    <p:extLst>
-      <p:ext uri="{BB962C8B-B14F-4D97-AF65-F5344CB8AC3E}">
-        <p14:creationId xmlns:p14="http://schemas.microsoft.com/office/powerpoint/2010/main" val="174300068"/>
-      </p:ext>
-    </p:extLst>
-  </p:cSld>
-  <p:clrMapOvr>
-    <a:masterClrMapping/>
-  </p:clrMapOvr>
-  <p:timing>
-    <p:tnLst>
-      <p:par>
-        <p:cTn id="1" dur="indefinite" restart="never" nodeType="tmRoot"/>
-      </p:par>
-    </p:tnLst>
-  </p:timing>
-</p:sld>
-</file>
-
-<file path=ppt/slides/slide54.xml><?xml version="1.0" encoding="utf-8"?>
-<p:sld xmlns:a="http://schemas.openxmlformats.org/drawingml/2006/main" xmlns:r="http://schemas.openxmlformats.org/officeDocument/2006/relationships" xmlns:p="http://schemas.openxmlformats.org/presentationml/2006/main">
-  <p:cSld>
-    <p:spTree>
-      <p:nvGrpSpPr>
-        <p:cNvPr id="1" name=""/>
-        <p:cNvGrpSpPr/>
-        <p:nvPr/>
-      </p:nvGrpSpPr>
-      <p:grpSpPr>
-        <a:xfrm>
-          <a:off x="0" y="0"/>
-          <a:ext cx="0" cy="0"/>
-          <a:chOff x="0" y="0"/>
-          <a:chExt cx="0" cy="0"/>
-        </a:xfrm>
-      </p:grpSpPr>
-      <p:sp>
-        <p:nvSpPr>
-          <p:cNvPr id="2" name="Title 1"/>
-          <p:cNvSpPr>
-            <a:spLocks noGrp="1"/>
-          </p:cNvSpPr>
-          <p:nvPr>
-            <p:ph type="title"/>
-          </p:nvPr>
-        </p:nvSpPr>
-        <p:spPr/>
-        <p:txBody>
-          <a:bodyPr/>
-          <a:lstStyle/>
-          <a:p>
-            <a:r>
-              <a:rPr lang="en-US" dirty="0" smtClean="0"/>
-              <a:t>Loops</a:t>
-            </a:r>
-            <a:endParaRPr lang="en-US" dirty="0"/>
-          </a:p>
-        </p:txBody>
-      </p:sp>
-      <p:sp>
-        <p:nvSpPr>
-          <p:cNvPr id="3" name="Content Placeholder 2"/>
-          <p:cNvSpPr>
-            <a:spLocks noGrp="1"/>
-          </p:cNvSpPr>
-          <p:nvPr>
-            <p:ph idx="1"/>
-          </p:nvPr>
-        </p:nvSpPr>
-        <p:spPr>
-          <a:xfrm>
-            <a:off x="457200" y="1600200"/>
-            <a:ext cx="8229600" cy="5013542"/>
-          </a:xfrm>
-        </p:spPr>
-        <p:txBody>
-          <a:bodyPr>
-            <a:normAutofit lnSpcReduction="10000"/>
-          </a:bodyPr>
-          <a:lstStyle/>
-          <a:p>
-            <a:r>
-              <a:rPr lang="en-US" dirty="0" smtClean="0"/>
-              <a:t>The </a:t>
-            </a:r>
-            <a:r>
-              <a:rPr lang="en-US" dirty="0" err="1" smtClean="0"/>
-              <a:t>with_sequence</a:t>
-            </a:r>
-            <a:r>
-              <a:rPr lang="en-US" dirty="0" smtClean="0"/>
-              <a:t> directive generates a sequence of items in ascending order.</a:t>
-            </a:r>
-          </a:p>
-          <a:p>
-            <a:pPr marL="0" indent="0">
-              <a:buNone/>
-            </a:pPr>
-            <a:r>
-              <a:rPr lang="en-US" sz="1600" dirty="0">
-                <a:latin typeface="Consolas" charset="0"/>
-                <a:ea typeface="Consolas" charset="0"/>
-                <a:cs typeface="Consolas" charset="0"/>
-              </a:rPr>
-              <a:t> </a:t>
-            </a:r>
-            <a:endParaRPr lang="en-US" sz="1600" dirty="0" smtClean="0">
-              <a:latin typeface="Consolas" charset="0"/>
-              <a:ea typeface="Consolas" charset="0"/>
-              <a:cs typeface="Consolas" charset="0"/>
-            </a:endParaRPr>
-          </a:p>
-          <a:p>
-            <a:pPr marL="0" indent="0">
-              <a:buNone/>
-            </a:pPr>
-            <a:r>
-              <a:rPr lang="en-US" sz="1600" dirty="0" smtClean="0">
-                <a:latin typeface="Consolas" charset="0"/>
-                <a:ea typeface="Consolas" charset="0"/>
-                <a:cs typeface="Consolas" charset="0"/>
-              </a:rPr>
-              <a:t># </a:t>
-            </a:r>
-            <a:r>
-              <a:rPr lang="en-US" sz="1600" dirty="0">
-                <a:latin typeface="Consolas" charset="0"/>
-                <a:ea typeface="Consolas" charset="0"/>
-                <a:cs typeface="Consolas" charset="0"/>
-              </a:rPr>
-              <a:t>create a series of directories with even numbers for some reason</a:t>
-            </a:r>
-          </a:p>
-          <a:p>
-            <a:pPr marL="0" indent="0">
-              <a:buNone/>
-            </a:pPr>
-            <a:r>
-              <a:rPr lang="en-US" sz="1600" dirty="0">
-                <a:latin typeface="Consolas" charset="0"/>
-                <a:ea typeface="Consolas" charset="0"/>
-                <a:cs typeface="Consolas" charset="0"/>
-              </a:rPr>
-              <a:t>    - file: </a:t>
-            </a:r>
-            <a:r>
-              <a:rPr lang="en-US" sz="1600" dirty="0" err="1">
-                <a:latin typeface="Consolas" charset="0"/>
-                <a:ea typeface="Consolas" charset="0"/>
-                <a:cs typeface="Consolas" charset="0"/>
-              </a:rPr>
-              <a:t>dest</a:t>
-            </a:r>
-            <a:r>
-              <a:rPr lang="en-US" sz="1600" dirty="0">
-                <a:latin typeface="Consolas" charset="0"/>
-                <a:ea typeface="Consolas" charset="0"/>
-                <a:cs typeface="Consolas" charset="0"/>
-              </a:rPr>
-              <a:t>=/</a:t>
-            </a:r>
-            <a:r>
-              <a:rPr lang="en-US" sz="1600" dirty="0" err="1">
-                <a:latin typeface="Consolas" charset="0"/>
-                <a:ea typeface="Consolas" charset="0"/>
-                <a:cs typeface="Consolas" charset="0"/>
-              </a:rPr>
-              <a:t>var</a:t>
-            </a:r>
-            <a:r>
-              <a:rPr lang="en-US" sz="1600" dirty="0">
-                <a:latin typeface="Consolas" charset="0"/>
-                <a:ea typeface="Consolas" charset="0"/>
-                <a:cs typeface="Consolas" charset="0"/>
-              </a:rPr>
-              <a:t>/stuff/{{ item }} state=directory</a:t>
-            </a:r>
-          </a:p>
-          <a:p>
-            <a:pPr marL="0" indent="0">
-              <a:buNone/>
-            </a:pPr>
-            <a:r>
-              <a:rPr lang="en-US" sz="1600" dirty="0">
-                <a:latin typeface="Consolas" charset="0"/>
-                <a:ea typeface="Consolas" charset="0"/>
-                <a:cs typeface="Consolas" charset="0"/>
-              </a:rPr>
-              <a:t>      </a:t>
-            </a:r>
-            <a:r>
-              <a:rPr lang="en-US" sz="1600" dirty="0" err="1">
-                <a:latin typeface="Consolas" charset="0"/>
-                <a:ea typeface="Consolas" charset="0"/>
-                <a:cs typeface="Consolas" charset="0"/>
-              </a:rPr>
-              <a:t>with_sequence</a:t>
-            </a:r>
-            <a:r>
-              <a:rPr lang="en-US" sz="1600" dirty="0">
-                <a:latin typeface="Consolas" charset="0"/>
-                <a:ea typeface="Consolas" charset="0"/>
-                <a:cs typeface="Consolas" charset="0"/>
-              </a:rPr>
-              <a:t>: start=4 end=16 stride=2</a:t>
-            </a:r>
-          </a:p>
-          <a:p>
-            <a:pPr marL="0" indent="0">
-              <a:buNone/>
-            </a:pPr>
-            <a:endParaRPr lang="en-US" sz="1600" dirty="0" smtClean="0">
-              <a:latin typeface="Consolas" charset="0"/>
-              <a:ea typeface="Consolas" charset="0"/>
-              <a:cs typeface="Consolas" charset="0"/>
-            </a:endParaRPr>
-          </a:p>
-          <a:p>
-            <a:r>
-              <a:rPr lang="en-US" dirty="0" smtClean="0"/>
-              <a:t>Sometimes we want to retry a task until a certain condition is met.</a:t>
-            </a:r>
-          </a:p>
-          <a:p>
-            <a:pPr marL="0" indent="0">
-              <a:buNone/>
-            </a:pPr>
-            <a:endParaRPr lang="en-US" sz="1600" dirty="0" smtClean="0">
-              <a:latin typeface="Consolas" charset="0"/>
-              <a:ea typeface="Consolas" charset="0"/>
-              <a:cs typeface="Consolas" charset="0"/>
-            </a:endParaRPr>
-          </a:p>
-          <a:p>
-            <a:pPr marL="0" indent="0">
-              <a:buNone/>
-            </a:pPr>
-            <a:r>
-              <a:rPr lang="en-US" sz="1600" dirty="0" smtClean="0">
-                <a:latin typeface="Consolas" charset="0"/>
-                <a:ea typeface="Consolas" charset="0"/>
-                <a:cs typeface="Consolas" charset="0"/>
-              </a:rPr>
-              <a:t>- </a:t>
-            </a:r>
-            <a:r>
-              <a:rPr lang="en-US" sz="1600" dirty="0">
-                <a:latin typeface="Consolas" charset="0"/>
-                <a:ea typeface="Consolas" charset="0"/>
-                <a:cs typeface="Consolas" charset="0"/>
-              </a:rPr>
-              <a:t>action: shell /</a:t>
-            </a:r>
-            <a:r>
-              <a:rPr lang="en-US" sz="1600" dirty="0" err="1">
-                <a:latin typeface="Consolas" charset="0"/>
-                <a:ea typeface="Consolas" charset="0"/>
-                <a:cs typeface="Consolas" charset="0"/>
-              </a:rPr>
-              <a:t>usr</a:t>
-            </a:r>
-            <a:r>
-              <a:rPr lang="en-US" sz="1600" dirty="0">
-                <a:latin typeface="Consolas" charset="0"/>
-                <a:ea typeface="Consolas" charset="0"/>
-                <a:cs typeface="Consolas" charset="0"/>
-              </a:rPr>
-              <a:t>/bin/foo</a:t>
-            </a:r>
-          </a:p>
-          <a:p>
-            <a:pPr marL="0" indent="0">
-              <a:buNone/>
-            </a:pPr>
-            <a:r>
-              <a:rPr lang="en-US" sz="1600" dirty="0">
-                <a:latin typeface="Consolas" charset="0"/>
-                <a:ea typeface="Consolas" charset="0"/>
-                <a:cs typeface="Consolas" charset="0"/>
-              </a:rPr>
-              <a:t>  register: result</a:t>
-            </a:r>
-          </a:p>
-          <a:p>
-            <a:pPr marL="0" indent="0">
-              <a:buNone/>
-            </a:pPr>
-            <a:r>
-              <a:rPr lang="en-US" sz="1600" dirty="0">
-                <a:latin typeface="Consolas" charset="0"/>
-                <a:ea typeface="Consolas" charset="0"/>
-                <a:cs typeface="Consolas" charset="0"/>
-              </a:rPr>
-              <a:t>  until: </a:t>
-            </a:r>
-            <a:r>
-              <a:rPr lang="en-US" sz="1600" dirty="0" err="1">
-                <a:latin typeface="Consolas" charset="0"/>
-                <a:ea typeface="Consolas" charset="0"/>
-                <a:cs typeface="Consolas" charset="0"/>
-              </a:rPr>
-              <a:t>result.stdout.find</a:t>
-            </a:r>
-            <a:r>
-              <a:rPr lang="en-US" sz="1600" dirty="0">
-                <a:latin typeface="Consolas" charset="0"/>
-                <a:ea typeface="Consolas" charset="0"/>
-                <a:cs typeface="Consolas" charset="0"/>
-              </a:rPr>
-              <a:t>("all systems go") != -1</a:t>
-            </a:r>
-          </a:p>
-          <a:p>
-            <a:pPr marL="0" indent="0">
-              <a:buNone/>
-            </a:pPr>
-            <a:r>
-              <a:rPr lang="en-US" sz="1600" dirty="0">
-                <a:latin typeface="Consolas" charset="0"/>
-                <a:ea typeface="Consolas" charset="0"/>
-                <a:cs typeface="Consolas" charset="0"/>
-              </a:rPr>
-              <a:t>  retries: 5</a:t>
-            </a:r>
-          </a:p>
-          <a:p>
-            <a:pPr marL="0" indent="0">
-              <a:buNone/>
-            </a:pPr>
-            <a:r>
-              <a:rPr lang="en-US" sz="1600" dirty="0">
-                <a:latin typeface="Consolas" charset="0"/>
-                <a:ea typeface="Consolas" charset="0"/>
-                <a:cs typeface="Consolas" charset="0"/>
-              </a:rPr>
-              <a:t>  delay: 10</a:t>
-            </a:r>
-          </a:p>
-        </p:txBody>
-      </p:sp>
-    </p:spTree>
-    <p:extLst>
-      <p:ext uri="{BB962C8B-B14F-4D97-AF65-F5344CB8AC3E}">
-        <p14:creationId xmlns:p14="http://schemas.microsoft.com/office/powerpoint/2010/main" val="1169857534"/>
-      </p:ext>
-    </p:extLst>
-  </p:cSld>
-  <p:clrMapOvr>
-    <a:masterClrMapping/>
-  </p:clrMapOvr>
-  <p:timing>
-    <p:tnLst>
-      <p:par>
-        <p:cTn id="1" dur="indefinite" restart="never" nodeType="tmRoot"/>
-      </p:par>
-    </p:tnLst>
-  </p:timing>
-</p:sld>
-</file>
-
-<file path=ppt/slides/slide55.xml><?xml version="1.0" encoding="utf-8"?>
-<p:sld xmlns:a="http://schemas.openxmlformats.org/drawingml/2006/main" xmlns:r="http://schemas.openxmlformats.org/officeDocument/2006/relationships" xmlns:p="http://schemas.openxmlformats.org/presentationml/2006/main">
-  <p:cSld>
-    <p:spTree>
-      <p:nvGrpSpPr>
-        <p:cNvPr id="1" name=""/>
-        <p:cNvGrpSpPr/>
-        <p:nvPr/>
-      </p:nvGrpSpPr>
-      <p:grpSpPr>
-        <a:xfrm>
-          <a:off x="0" y="0"/>
-          <a:ext cx="0" cy="0"/>
-          <a:chOff x="0" y="0"/>
-          <a:chExt cx="0" cy="0"/>
-        </a:xfrm>
-      </p:grpSpPr>
-      <p:sp>
-        <p:nvSpPr>
-          <p:cNvPr id="2" name="Title 1"/>
-          <p:cNvSpPr>
-            <a:spLocks noGrp="1"/>
-          </p:cNvSpPr>
-          <p:nvPr>
-            <p:ph type="title"/>
-          </p:nvPr>
-        </p:nvSpPr>
-        <p:spPr/>
-        <p:txBody>
-          <a:bodyPr/>
-          <a:lstStyle/>
-          <a:p>
-            <a:r>
-              <a:rPr lang="en-US" dirty="0" smtClean="0"/>
-              <a:t>Blocks</a:t>
-            </a:r>
-            <a:endParaRPr lang="en-US" dirty="0"/>
-          </a:p>
-        </p:txBody>
-      </p:sp>
-      <p:sp>
-        <p:nvSpPr>
-          <p:cNvPr id="3" name="Content Placeholder 2"/>
-          <p:cNvSpPr>
-            <a:spLocks noGrp="1"/>
-          </p:cNvSpPr>
-          <p:nvPr>
-            <p:ph idx="1"/>
-          </p:nvPr>
-        </p:nvSpPr>
-        <p:spPr>
-          <a:xfrm>
-            <a:off x="457200" y="1600200"/>
-            <a:ext cx="8229600" cy="4963438"/>
-          </a:xfrm>
-        </p:spPr>
-        <p:txBody>
-          <a:bodyPr>
-            <a:normAutofit fontScale="70000" lnSpcReduction="20000"/>
-          </a:bodyPr>
-          <a:lstStyle/>
-          <a:p>
-            <a:r>
-              <a:rPr lang="en-US" sz="3400" b="1" dirty="0" smtClean="0"/>
-              <a:t>Blocks</a:t>
-            </a:r>
-            <a:r>
-              <a:rPr lang="en-US" sz="3400" dirty="0" smtClean="0"/>
-              <a:t> provide a way to logically group common tasks.</a:t>
-            </a:r>
-          </a:p>
-          <a:p>
-            <a:endParaRPr lang="en-US" dirty="0" smtClean="0"/>
-          </a:p>
-          <a:p>
-            <a:pPr marL="0" indent="0">
-              <a:buNone/>
-            </a:pPr>
-            <a:r>
-              <a:rPr lang="en-US" sz="2600" dirty="0">
-                <a:latin typeface="Consolas" charset="0"/>
-                <a:ea typeface="Consolas" charset="0"/>
-                <a:cs typeface="Consolas" charset="0"/>
-              </a:rPr>
-              <a:t> tasks:</a:t>
-            </a:r>
-          </a:p>
-          <a:p>
-            <a:pPr marL="0" indent="0">
-              <a:buNone/>
-            </a:pPr>
-            <a:r>
-              <a:rPr lang="en-US" sz="2600" dirty="0">
-                <a:latin typeface="Consolas" charset="0"/>
-                <a:ea typeface="Consolas" charset="0"/>
-                <a:cs typeface="Consolas" charset="0"/>
-              </a:rPr>
-              <a:t>     - block:</a:t>
-            </a:r>
-          </a:p>
-          <a:p>
-            <a:pPr marL="0" indent="0">
-              <a:buNone/>
-            </a:pPr>
-            <a:r>
-              <a:rPr lang="en-US" sz="2600" dirty="0">
-                <a:latin typeface="Consolas" charset="0"/>
-                <a:ea typeface="Consolas" charset="0"/>
-                <a:cs typeface="Consolas" charset="0"/>
-              </a:rPr>
-              <a:t>         - yum: name={{ item }} state=installed</a:t>
-            </a:r>
-          </a:p>
-          <a:p>
-            <a:pPr marL="0" indent="0">
-              <a:buNone/>
-            </a:pPr>
-            <a:r>
-              <a:rPr lang="en-US" sz="2600" dirty="0">
-                <a:latin typeface="Consolas" charset="0"/>
-                <a:ea typeface="Consolas" charset="0"/>
-                <a:cs typeface="Consolas" charset="0"/>
-              </a:rPr>
-              <a:t>           </a:t>
-            </a:r>
-            <a:r>
-              <a:rPr lang="en-US" sz="2600" dirty="0" err="1">
-                <a:latin typeface="Consolas" charset="0"/>
-                <a:ea typeface="Consolas" charset="0"/>
-                <a:cs typeface="Consolas" charset="0"/>
-              </a:rPr>
-              <a:t>with_items</a:t>
-            </a:r>
-            <a:r>
-              <a:rPr lang="en-US" sz="2600" dirty="0">
-                <a:latin typeface="Consolas" charset="0"/>
-                <a:ea typeface="Consolas" charset="0"/>
-                <a:cs typeface="Consolas" charset="0"/>
-              </a:rPr>
-              <a:t>:</a:t>
-            </a:r>
-          </a:p>
-          <a:p>
-            <a:pPr marL="0" indent="0">
-              <a:buNone/>
-            </a:pPr>
-            <a:r>
-              <a:rPr lang="en-US" sz="2600" dirty="0">
-                <a:latin typeface="Consolas" charset="0"/>
-                <a:ea typeface="Consolas" charset="0"/>
-                <a:cs typeface="Consolas" charset="0"/>
-              </a:rPr>
-              <a:t>             - </a:t>
-            </a:r>
-            <a:r>
-              <a:rPr lang="en-US" sz="2600" dirty="0" err="1">
-                <a:latin typeface="Consolas" charset="0"/>
-                <a:ea typeface="Consolas" charset="0"/>
-                <a:cs typeface="Consolas" charset="0"/>
-              </a:rPr>
-              <a:t>httpd</a:t>
-            </a:r>
-            <a:endParaRPr lang="en-US" sz="2600" dirty="0">
-              <a:latin typeface="Consolas" charset="0"/>
-              <a:ea typeface="Consolas" charset="0"/>
-              <a:cs typeface="Consolas" charset="0"/>
-            </a:endParaRPr>
-          </a:p>
-          <a:p>
-            <a:pPr marL="0" indent="0">
-              <a:buNone/>
-            </a:pPr>
-            <a:r>
-              <a:rPr lang="en-US" sz="2600" dirty="0">
-                <a:latin typeface="Consolas" charset="0"/>
-                <a:ea typeface="Consolas" charset="0"/>
-                <a:cs typeface="Consolas" charset="0"/>
-              </a:rPr>
-              <a:t>             - </a:t>
-            </a:r>
-            <a:r>
-              <a:rPr lang="en-US" sz="2600" dirty="0" err="1">
-                <a:latin typeface="Consolas" charset="0"/>
-                <a:ea typeface="Consolas" charset="0"/>
-                <a:cs typeface="Consolas" charset="0"/>
-              </a:rPr>
-              <a:t>memcached</a:t>
-            </a:r>
-            <a:endParaRPr lang="en-US" sz="2600" dirty="0">
-              <a:latin typeface="Consolas" charset="0"/>
-              <a:ea typeface="Consolas" charset="0"/>
-              <a:cs typeface="Consolas" charset="0"/>
-            </a:endParaRPr>
-          </a:p>
-          <a:p>
-            <a:pPr marL="0" indent="0">
-              <a:buNone/>
-            </a:pPr>
-            <a:endParaRPr lang="en-US" sz="2600" dirty="0">
-              <a:latin typeface="Consolas" charset="0"/>
-              <a:ea typeface="Consolas" charset="0"/>
-              <a:cs typeface="Consolas" charset="0"/>
-            </a:endParaRPr>
-          </a:p>
-          <a:p>
-            <a:pPr marL="0" indent="0">
-              <a:buNone/>
-            </a:pPr>
-            <a:r>
-              <a:rPr lang="en-US" sz="2600" dirty="0">
-                <a:latin typeface="Consolas" charset="0"/>
-                <a:ea typeface="Consolas" charset="0"/>
-                <a:cs typeface="Consolas" charset="0"/>
-              </a:rPr>
-              <a:t>         - template: </a:t>
-            </a:r>
-            <a:r>
-              <a:rPr lang="en-US" sz="2600" dirty="0" err="1">
-                <a:latin typeface="Consolas" charset="0"/>
-                <a:ea typeface="Consolas" charset="0"/>
-                <a:cs typeface="Consolas" charset="0"/>
-              </a:rPr>
-              <a:t>src</a:t>
-            </a:r>
-            <a:r>
-              <a:rPr lang="en-US" sz="2600" dirty="0">
-                <a:latin typeface="Consolas" charset="0"/>
-                <a:ea typeface="Consolas" charset="0"/>
-                <a:cs typeface="Consolas" charset="0"/>
-              </a:rPr>
-              <a:t>=templates/src.j2 </a:t>
-            </a:r>
-            <a:r>
-              <a:rPr lang="en-US" sz="2600" dirty="0" err="1">
-                <a:latin typeface="Consolas" charset="0"/>
-                <a:ea typeface="Consolas" charset="0"/>
-                <a:cs typeface="Consolas" charset="0"/>
-              </a:rPr>
-              <a:t>dest</a:t>
-            </a:r>
-            <a:r>
-              <a:rPr lang="en-US" sz="2600" dirty="0">
-                <a:latin typeface="Consolas" charset="0"/>
-                <a:ea typeface="Consolas" charset="0"/>
-                <a:cs typeface="Consolas" charset="0"/>
-              </a:rPr>
-              <a:t>=/</a:t>
-            </a:r>
-            <a:r>
-              <a:rPr lang="en-US" sz="2600" dirty="0" err="1">
-                <a:latin typeface="Consolas" charset="0"/>
-                <a:ea typeface="Consolas" charset="0"/>
-                <a:cs typeface="Consolas" charset="0"/>
-              </a:rPr>
-              <a:t>etc</a:t>
-            </a:r>
-            <a:r>
-              <a:rPr lang="en-US" sz="2600" dirty="0">
-                <a:latin typeface="Consolas" charset="0"/>
-                <a:ea typeface="Consolas" charset="0"/>
-                <a:cs typeface="Consolas" charset="0"/>
-              </a:rPr>
-              <a:t>/</a:t>
-            </a:r>
-            <a:r>
-              <a:rPr lang="en-US" sz="2600" dirty="0" err="1">
-                <a:latin typeface="Consolas" charset="0"/>
-                <a:ea typeface="Consolas" charset="0"/>
-                <a:cs typeface="Consolas" charset="0"/>
-              </a:rPr>
-              <a:t>foo.conf</a:t>
-            </a:r>
-            <a:endParaRPr lang="en-US" sz="2600" dirty="0">
-              <a:latin typeface="Consolas" charset="0"/>
-              <a:ea typeface="Consolas" charset="0"/>
-              <a:cs typeface="Consolas" charset="0"/>
-            </a:endParaRPr>
-          </a:p>
-          <a:p>
-            <a:pPr marL="0" indent="0">
-              <a:buNone/>
-            </a:pPr>
-            <a:endParaRPr lang="en-US" sz="2600" dirty="0">
-              <a:latin typeface="Consolas" charset="0"/>
-              <a:ea typeface="Consolas" charset="0"/>
-              <a:cs typeface="Consolas" charset="0"/>
-            </a:endParaRPr>
-          </a:p>
-          <a:p>
-            <a:pPr marL="0" indent="0">
-              <a:buNone/>
-            </a:pPr>
-            <a:r>
-              <a:rPr lang="en-US" sz="2600" dirty="0">
-                <a:latin typeface="Consolas" charset="0"/>
-                <a:ea typeface="Consolas" charset="0"/>
-                <a:cs typeface="Consolas" charset="0"/>
-              </a:rPr>
-              <a:t>         - service: name=bar state=started enabled=True</a:t>
-            </a:r>
-          </a:p>
-          <a:p>
-            <a:pPr marL="0" indent="0">
-              <a:buNone/>
-            </a:pPr>
-            <a:endParaRPr lang="en-US" sz="2600" dirty="0">
-              <a:latin typeface="Consolas" charset="0"/>
-              <a:ea typeface="Consolas" charset="0"/>
-              <a:cs typeface="Consolas" charset="0"/>
-            </a:endParaRPr>
-          </a:p>
-          <a:p>
-            <a:pPr marL="0" indent="0">
-              <a:buNone/>
-            </a:pPr>
-            <a:r>
-              <a:rPr lang="en-US" sz="2600" dirty="0">
-                <a:latin typeface="Consolas" charset="0"/>
-                <a:ea typeface="Consolas" charset="0"/>
-                <a:cs typeface="Consolas" charset="0"/>
-              </a:rPr>
-              <a:t>       when: </a:t>
-            </a:r>
-            <a:r>
-              <a:rPr lang="en-US" sz="2600" dirty="0" err="1">
-                <a:latin typeface="Consolas" charset="0"/>
-                <a:ea typeface="Consolas" charset="0"/>
-                <a:cs typeface="Consolas" charset="0"/>
-              </a:rPr>
-              <a:t>ansible_distribution</a:t>
-            </a:r>
-            <a:r>
-              <a:rPr lang="en-US" sz="2600" dirty="0">
-                <a:latin typeface="Consolas" charset="0"/>
-                <a:ea typeface="Consolas" charset="0"/>
-                <a:cs typeface="Consolas" charset="0"/>
-              </a:rPr>
-              <a:t> == 'CentOS'</a:t>
-            </a:r>
-          </a:p>
-          <a:p>
-            <a:pPr marL="0" indent="0">
-              <a:buNone/>
-            </a:pPr>
-            <a:r>
-              <a:rPr lang="en-US" sz="2600" dirty="0">
-                <a:latin typeface="Consolas" charset="0"/>
-                <a:ea typeface="Consolas" charset="0"/>
-                <a:cs typeface="Consolas" charset="0"/>
-              </a:rPr>
-              <a:t>       become: true</a:t>
-            </a:r>
-          </a:p>
-          <a:p>
-            <a:pPr marL="0" indent="0">
-              <a:buNone/>
-            </a:pPr>
-            <a:r>
-              <a:rPr lang="en-US" sz="2600" dirty="0">
-                <a:latin typeface="Consolas" charset="0"/>
-                <a:ea typeface="Consolas" charset="0"/>
-                <a:cs typeface="Consolas" charset="0"/>
-              </a:rPr>
-              <a:t>       </a:t>
-            </a:r>
-            <a:r>
-              <a:rPr lang="en-US" sz="2600" dirty="0" err="1">
-                <a:latin typeface="Consolas" charset="0"/>
-                <a:ea typeface="Consolas" charset="0"/>
-                <a:cs typeface="Consolas" charset="0"/>
-              </a:rPr>
-              <a:t>become_user</a:t>
-            </a:r>
-            <a:r>
-              <a:rPr lang="en-US" sz="2600" dirty="0">
-                <a:latin typeface="Consolas" charset="0"/>
-                <a:ea typeface="Consolas" charset="0"/>
-                <a:cs typeface="Consolas" charset="0"/>
-              </a:rPr>
-              <a:t>: root</a:t>
-            </a:r>
-          </a:p>
-        </p:txBody>
-      </p:sp>
-    </p:spTree>
-    <p:extLst>
-      <p:ext uri="{BB962C8B-B14F-4D97-AF65-F5344CB8AC3E}">
-        <p14:creationId xmlns:p14="http://schemas.microsoft.com/office/powerpoint/2010/main" val="762159568"/>
-      </p:ext>
-    </p:extLst>
-  </p:cSld>
-  <p:clrMapOvr>
-    <a:masterClrMapping/>
-  </p:clrMapOvr>
-  <p:timing>
-    <p:tnLst>
-      <p:par>
-        <p:cTn id="1" dur="indefinite" restart="never" nodeType="tmRoot"/>
-      </p:par>
-    </p:tnLst>
-  </p:timing>
-</p:sld>
-</file>
-
-<file path=ppt/slides/slide56.xml><?xml version="1.0" encoding="utf-8"?>
-<p:sld xmlns:a="http://schemas.openxmlformats.org/drawingml/2006/main" xmlns:r="http://schemas.openxmlformats.org/officeDocument/2006/relationships" xmlns:p="http://schemas.openxmlformats.org/presentationml/2006/main">
-  <p:cSld>
-    <p:spTree>
-      <p:nvGrpSpPr>
-        <p:cNvPr id="1" name=""/>
-        <p:cNvGrpSpPr/>
-        <p:nvPr/>
-      </p:nvGrpSpPr>
-      <p:grpSpPr>
-        <a:xfrm>
-          <a:off x="0" y="0"/>
-          <a:ext cx="0" cy="0"/>
-          <a:chOff x="0" y="0"/>
-          <a:chExt cx="0" cy="0"/>
-        </a:xfrm>
-      </p:grpSpPr>
-      <p:sp>
-        <p:nvSpPr>
-          <p:cNvPr id="2" name="Title 1"/>
-          <p:cNvSpPr>
-            <a:spLocks noGrp="1"/>
-          </p:cNvSpPr>
-          <p:nvPr>
-            <p:ph type="title"/>
-          </p:nvPr>
-        </p:nvSpPr>
-        <p:spPr/>
-        <p:txBody>
-          <a:bodyPr/>
-          <a:lstStyle/>
-          <a:p>
-            <a:r>
-              <a:rPr lang="en-US" dirty="0" smtClean="0"/>
               <a:t>Error Handling</a:t>
             </a:r>
             <a:endParaRPr lang="en-US" dirty="0"/>
@@ -18378,7 +16495,7 @@
 </p:sld>
 </file>
 
-<file path=ppt/slides/slide57.xml><?xml version="1.0" encoding="utf-8"?>
+<file path=ppt/slides/slide53.xml><?xml version="1.0" encoding="utf-8"?>
 <p:sld xmlns:a="http://schemas.openxmlformats.org/drawingml/2006/main" xmlns:r="http://schemas.openxmlformats.org/officeDocument/2006/relationships" xmlns:p="http://schemas.openxmlformats.org/presentationml/2006/main">
   <p:cSld>
     <p:spTree>
@@ -18685,7 +16802,7 @@
 </p:sld>
 </file>
 
-<file path=ppt/slides/slide58.xml><?xml version="1.0" encoding="utf-8"?>
+<file path=ppt/slides/slide54.xml><?xml version="1.0" encoding="utf-8"?>
 <p:sld xmlns:a="http://schemas.openxmlformats.org/drawingml/2006/main" xmlns:r="http://schemas.openxmlformats.org/officeDocument/2006/relationships" xmlns:p="http://schemas.openxmlformats.org/presentationml/2006/main">
   <p:cSld>
     <p:spTree>
@@ -18775,7 +16892,7 @@
 </p:sld>
 </file>
 
-<file path=ppt/slides/slide59.xml><?xml version="1.0" encoding="utf-8"?>
+<file path=ppt/slides/slide55.xml><?xml version="1.0" encoding="utf-8"?>
 <p:sld xmlns:a="http://schemas.openxmlformats.org/drawingml/2006/main" xmlns:r="http://schemas.openxmlformats.org/officeDocument/2006/relationships" xmlns:p="http://schemas.openxmlformats.org/presentationml/2006/main">
   <p:cSld>
     <p:spTree>
@@ -18929,6 +17046,124 @@
     <p:extLst>
       <p:ext uri="{BB962C8B-B14F-4D97-AF65-F5344CB8AC3E}">
         <p14:creationId xmlns:p14="http://schemas.microsoft.com/office/powerpoint/2010/main" val="1036223181"/>
+      </p:ext>
+    </p:extLst>
+  </p:cSld>
+  <p:clrMapOvr>
+    <a:masterClrMapping/>
+  </p:clrMapOvr>
+  <p:timing>
+    <p:tnLst>
+      <p:par>
+        <p:cTn id="1" dur="indefinite" restart="never" nodeType="tmRoot"/>
+      </p:par>
+    </p:tnLst>
+  </p:timing>
+</p:sld>
+</file>
+
+<file path=ppt/slides/slide56.xml><?xml version="1.0" encoding="utf-8"?>
+<p:sld xmlns:a="http://schemas.openxmlformats.org/drawingml/2006/main" xmlns:r="http://schemas.openxmlformats.org/officeDocument/2006/relationships" xmlns:p="http://schemas.openxmlformats.org/presentationml/2006/main">
+  <p:cSld>
+    <p:spTree>
+      <p:nvGrpSpPr>
+        <p:cNvPr id="1" name=""/>
+        <p:cNvGrpSpPr/>
+        <p:nvPr/>
+      </p:nvGrpSpPr>
+      <p:grpSpPr>
+        <a:xfrm>
+          <a:off x="0" y="0"/>
+          <a:ext cx="0" cy="0"/>
+          <a:chOff x="0" y="0"/>
+          <a:chExt cx="0" cy="0"/>
+        </a:xfrm>
+      </p:grpSpPr>
+      <p:sp>
+        <p:nvSpPr>
+          <p:cNvPr id="2" name="Title 1"/>
+          <p:cNvSpPr>
+            <a:spLocks noGrp="1"/>
+          </p:cNvSpPr>
+          <p:nvPr>
+            <p:ph type="title"/>
+          </p:nvPr>
+        </p:nvSpPr>
+        <p:spPr/>
+        <p:txBody>
+          <a:bodyPr>
+            <a:normAutofit/>
+          </a:bodyPr>
+          <a:lstStyle/>
+          <a:p>
+            <a:r>
+              <a:rPr lang="en-US" dirty="0" smtClean="0"/>
+              <a:t>Homework</a:t>
+            </a:r>
+            <a:endParaRPr lang="en-US" dirty="0"/>
+          </a:p>
+        </p:txBody>
+      </p:sp>
+      <p:sp>
+        <p:nvSpPr>
+          <p:cNvPr id="3" name="Content Placeholder 2"/>
+          <p:cNvSpPr>
+            <a:spLocks noGrp="1"/>
+          </p:cNvSpPr>
+          <p:nvPr>
+            <p:ph idx="1"/>
+          </p:nvPr>
+        </p:nvSpPr>
+        <p:spPr>
+          <a:xfrm>
+            <a:off x="457200" y="1600200"/>
+            <a:ext cx="8229600" cy="4920629"/>
+          </a:xfrm>
+        </p:spPr>
+        <p:txBody>
+          <a:bodyPr>
+            <a:normAutofit/>
+          </a:bodyPr>
+          <a:lstStyle/>
+          <a:p>
+            <a:r>
+              <a:rPr lang="en-US" smtClean="0"/>
+              <a:t>Assignment </a:t>
+            </a:r>
+            <a:r>
+              <a:rPr lang="en-US" dirty="0"/>
+              <a:t>9</a:t>
+            </a:r>
+            <a:endParaRPr lang="en-US" dirty="0" smtClean="0"/>
+          </a:p>
+          <a:p>
+            <a:r>
+              <a:rPr lang="en-US" dirty="0" smtClean="0"/>
+              <a:t>Read</a:t>
+            </a:r>
+            <a:r>
+              <a:rPr lang="en-US" i="1" dirty="0" smtClean="0"/>
+              <a:t> Infrastructure as Code </a:t>
+            </a:r>
+            <a:r>
+              <a:rPr lang="en-US" dirty="0" smtClean="0"/>
+              <a:t>Chapters</a:t>
+            </a:r>
+            <a:r>
+              <a:rPr lang="en-US" i="1" dirty="0" smtClean="0"/>
+              <a:t> 9 &amp; 10</a:t>
+            </a:r>
+            <a:endParaRPr lang="en-US" dirty="0"/>
+          </a:p>
+          <a:p>
+            <a:endParaRPr lang="en-US" dirty="0" smtClean="0"/>
+          </a:p>
+        </p:txBody>
+      </p:sp>
+    </p:spTree>
+    <p:extLst>
+      <p:ext uri="{BB962C8B-B14F-4D97-AF65-F5344CB8AC3E}">
+        <p14:creationId xmlns:p14="http://schemas.microsoft.com/office/powerpoint/2010/main" val="2135093818"/>
       </p:ext>
     </p:extLst>
   </p:cSld>
@@ -20314,124 +18549,6 @@
     <p:extLst>
       <p:ext uri="{BB962C8B-B14F-4D97-AF65-F5344CB8AC3E}">
         <p14:creationId xmlns:p14="http://schemas.microsoft.com/office/powerpoint/2010/main" val="1322324106"/>
-      </p:ext>
-    </p:extLst>
-  </p:cSld>
-  <p:clrMapOvr>
-    <a:masterClrMapping/>
-  </p:clrMapOvr>
-  <p:timing>
-    <p:tnLst>
-      <p:par>
-        <p:cTn id="1" dur="indefinite" restart="never" nodeType="tmRoot"/>
-      </p:par>
-    </p:tnLst>
-  </p:timing>
-</p:sld>
-</file>
-
-<file path=ppt/slides/slide60.xml><?xml version="1.0" encoding="utf-8"?>
-<p:sld xmlns:a="http://schemas.openxmlformats.org/drawingml/2006/main" xmlns:r="http://schemas.openxmlformats.org/officeDocument/2006/relationships" xmlns:p="http://schemas.openxmlformats.org/presentationml/2006/main">
-  <p:cSld>
-    <p:spTree>
-      <p:nvGrpSpPr>
-        <p:cNvPr id="1" name=""/>
-        <p:cNvGrpSpPr/>
-        <p:nvPr/>
-      </p:nvGrpSpPr>
-      <p:grpSpPr>
-        <a:xfrm>
-          <a:off x="0" y="0"/>
-          <a:ext cx="0" cy="0"/>
-          <a:chOff x="0" y="0"/>
-          <a:chExt cx="0" cy="0"/>
-        </a:xfrm>
-      </p:grpSpPr>
-      <p:sp>
-        <p:nvSpPr>
-          <p:cNvPr id="2" name="Title 1"/>
-          <p:cNvSpPr>
-            <a:spLocks noGrp="1"/>
-          </p:cNvSpPr>
-          <p:nvPr>
-            <p:ph type="title"/>
-          </p:nvPr>
-        </p:nvSpPr>
-        <p:spPr/>
-        <p:txBody>
-          <a:bodyPr>
-            <a:normAutofit/>
-          </a:bodyPr>
-          <a:lstStyle/>
-          <a:p>
-            <a:r>
-              <a:rPr lang="en-US" dirty="0" smtClean="0"/>
-              <a:t>Homework</a:t>
-            </a:r>
-            <a:endParaRPr lang="en-US" dirty="0"/>
-          </a:p>
-        </p:txBody>
-      </p:sp>
-      <p:sp>
-        <p:nvSpPr>
-          <p:cNvPr id="3" name="Content Placeholder 2"/>
-          <p:cNvSpPr>
-            <a:spLocks noGrp="1"/>
-          </p:cNvSpPr>
-          <p:nvPr>
-            <p:ph idx="1"/>
-          </p:nvPr>
-        </p:nvSpPr>
-        <p:spPr>
-          <a:xfrm>
-            <a:off x="457200" y="1600200"/>
-            <a:ext cx="8229600" cy="4920629"/>
-          </a:xfrm>
-        </p:spPr>
-        <p:txBody>
-          <a:bodyPr>
-            <a:normAutofit/>
-          </a:bodyPr>
-          <a:lstStyle/>
-          <a:p>
-            <a:r>
-              <a:rPr lang="en-US" smtClean="0"/>
-              <a:t>Assignment </a:t>
-            </a:r>
-            <a:r>
-              <a:rPr lang="en-US" dirty="0"/>
-              <a:t>9</a:t>
-            </a:r>
-            <a:endParaRPr lang="en-US" dirty="0" smtClean="0"/>
-          </a:p>
-          <a:p>
-            <a:r>
-              <a:rPr lang="en-US" dirty="0" smtClean="0"/>
-              <a:t>Read</a:t>
-            </a:r>
-            <a:r>
-              <a:rPr lang="en-US" i="1" dirty="0" smtClean="0"/>
-              <a:t> Infrastructure as Code </a:t>
-            </a:r>
-            <a:r>
-              <a:rPr lang="en-US" dirty="0" smtClean="0"/>
-              <a:t>Chapters</a:t>
-            </a:r>
-            <a:r>
-              <a:rPr lang="en-US" i="1" dirty="0" smtClean="0"/>
-              <a:t> 9 &amp; 10</a:t>
-            </a:r>
-            <a:endParaRPr lang="en-US" dirty="0"/>
-          </a:p>
-          <a:p>
-            <a:endParaRPr lang="en-US" dirty="0" smtClean="0"/>
-          </a:p>
-        </p:txBody>
-      </p:sp>
-    </p:spTree>
-    <p:extLst>
-      <p:ext uri="{BB962C8B-B14F-4D97-AF65-F5344CB8AC3E}">
-        <p14:creationId xmlns:p14="http://schemas.microsoft.com/office/powerpoint/2010/main" val="2135093818"/>
       </p:ext>
     </p:extLst>
   </p:cSld>

--- a/lectures/infrastructure-week-10.pptx
+++ b/lectures/infrastructure-week-10.pptx
@@ -260,7 +260,7 @@
           <a:p>
             <a:fld id="{EAA08BAD-04ED-244C-92B6-E3671520D864}" type="datetimeFigureOut">
               <a:rPr lang="en-US" smtClean="0"/>
-              <a:t>4/10/17</a:t>
+              <a:t>8/27/17</a:t>
             </a:fld>
             <a:endParaRPr lang="en-US"/>
           </a:p>
@@ -709,7 +709,7 @@
           <a:p>
             <a:fld id="{972605B8-2E90-124E-924E-6F58993143C6}" type="datetimeFigureOut">
               <a:rPr lang="en-US" smtClean="0"/>
-              <a:t>4/10/17</a:t>
+              <a:t>8/27/17</a:t>
             </a:fld>
             <a:endParaRPr lang="en-US"/>
           </a:p>
@@ -879,7 +879,7 @@
           <a:p>
             <a:fld id="{972605B8-2E90-124E-924E-6F58993143C6}" type="datetimeFigureOut">
               <a:rPr lang="en-US" smtClean="0"/>
-              <a:t>4/10/17</a:t>
+              <a:t>8/27/17</a:t>
             </a:fld>
             <a:endParaRPr lang="en-US"/>
           </a:p>
@@ -1059,7 +1059,7 @@
           <a:p>
             <a:fld id="{972605B8-2E90-124E-924E-6F58993143C6}" type="datetimeFigureOut">
               <a:rPr lang="en-US" smtClean="0"/>
-              <a:t>4/10/17</a:t>
+              <a:t>8/27/17</a:t>
             </a:fld>
             <a:endParaRPr lang="en-US"/>
           </a:p>
@@ -1229,7 +1229,7 @@
           <a:p>
             <a:fld id="{972605B8-2E90-124E-924E-6F58993143C6}" type="datetimeFigureOut">
               <a:rPr lang="en-US" smtClean="0"/>
-              <a:t>4/10/17</a:t>
+              <a:t>8/27/17</a:t>
             </a:fld>
             <a:endParaRPr lang="en-US"/>
           </a:p>
@@ -1475,7 +1475,7 @@
           <a:p>
             <a:fld id="{972605B8-2E90-124E-924E-6F58993143C6}" type="datetimeFigureOut">
               <a:rPr lang="en-US" smtClean="0"/>
-              <a:t>4/10/17</a:t>
+              <a:t>8/27/17</a:t>
             </a:fld>
             <a:endParaRPr lang="en-US"/>
           </a:p>
@@ -1763,7 +1763,7 @@
           <a:p>
             <a:fld id="{972605B8-2E90-124E-924E-6F58993143C6}" type="datetimeFigureOut">
               <a:rPr lang="en-US" smtClean="0"/>
-              <a:t>4/10/17</a:t>
+              <a:t>8/27/17</a:t>
             </a:fld>
             <a:endParaRPr lang="en-US"/>
           </a:p>
@@ -2185,7 +2185,7 @@
           <a:p>
             <a:fld id="{972605B8-2E90-124E-924E-6F58993143C6}" type="datetimeFigureOut">
               <a:rPr lang="en-US" smtClean="0"/>
-              <a:t>4/10/17</a:t>
+              <a:t>8/27/17</a:t>
             </a:fld>
             <a:endParaRPr lang="en-US"/>
           </a:p>
@@ -2303,7 +2303,7 @@
           <a:p>
             <a:fld id="{972605B8-2E90-124E-924E-6F58993143C6}" type="datetimeFigureOut">
               <a:rPr lang="en-US" smtClean="0"/>
-              <a:t>4/10/17</a:t>
+              <a:t>8/27/17</a:t>
             </a:fld>
             <a:endParaRPr lang="en-US"/>
           </a:p>
@@ -2398,7 +2398,7 @@
           <a:p>
             <a:fld id="{972605B8-2E90-124E-924E-6F58993143C6}" type="datetimeFigureOut">
               <a:rPr lang="en-US" smtClean="0"/>
-              <a:t>4/10/17</a:t>
+              <a:t>8/27/17</a:t>
             </a:fld>
             <a:endParaRPr lang="en-US"/>
           </a:p>
@@ -2675,7 +2675,7 @@
           <a:p>
             <a:fld id="{972605B8-2E90-124E-924E-6F58993143C6}" type="datetimeFigureOut">
               <a:rPr lang="en-US" smtClean="0"/>
-              <a:t>4/10/17</a:t>
+              <a:t>8/27/17</a:t>
             </a:fld>
             <a:endParaRPr lang="en-US"/>
           </a:p>
@@ -2928,7 +2928,7 @@
           <a:p>
             <a:fld id="{972605B8-2E90-124E-924E-6F58993143C6}" type="datetimeFigureOut">
               <a:rPr lang="en-US" smtClean="0"/>
-              <a:t>4/10/17</a:t>
+              <a:t>8/27/17</a:t>
             </a:fld>
             <a:endParaRPr lang="en-US"/>
           </a:p>
@@ -3141,7 +3141,7 @@
           <a:p>
             <a:fld id="{972605B8-2E90-124E-924E-6F58993143C6}" type="datetimeFigureOut">
               <a:rPr lang="en-US" smtClean="0"/>
-              <a:t>4/10/17</a:t>
+              <a:t>8/27/17</a:t>
             </a:fld>
             <a:endParaRPr lang="en-US"/>
           </a:p>
@@ -3539,12 +3539,8 @@
           <a:lstStyle/>
           <a:p>
             <a:r>
-              <a:rPr lang="en-US" sz="3600" dirty="0" err="1"/>
-              <a:t>DevOps</a:t>
-            </a:r>
-            <a:r>
               <a:rPr lang="en-US" sz="3600" dirty="0"/>
-              <a:t> &amp; Cloud Infrastructure</a:t>
+              <a:t>DevOps &amp; Cloud Infrastructure</a:t>
             </a:r>
             <a:br>
               <a:rPr lang="en-US" sz="3600" dirty="0"/>
@@ -3570,7 +3566,11 @@
             </a:r>
             <a:r>
               <a:rPr lang="en-US" sz="3600" dirty="0" smtClean="0"/>
-              <a:t>10</a:t>
+              <a:t>10: </a:t>
+            </a:r>
+            <a:r>
+              <a:rPr lang="en-US" sz="3600" smtClean="0"/>
+              <a:t>Configuration Management</a:t>
             </a:r>
             <a:endParaRPr lang="en-US" sz="3600" dirty="0"/>
           </a:p>

--- a/lectures/infrastructure-week-10.pptx
+++ b/lectures/infrastructure-week-10.pptx
@@ -260,7 +260,7 @@
           <a:p>
             <a:fld id="{EAA08BAD-04ED-244C-92B6-E3671520D864}" type="datetimeFigureOut">
               <a:rPr lang="en-US" smtClean="0"/>
-              <a:t>8/27/17</a:t>
+              <a:t>9/7/17</a:t>
             </a:fld>
             <a:endParaRPr lang="en-US"/>
           </a:p>
@@ -709,7 +709,7 @@
           <a:p>
             <a:fld id="{972605B8-2E90-124E-924E-6F58993143C6}" type="datetimeFigureOut">
               <a:rPr lang="en-US" smtClean="0"/>
-              <a:t>8/27/17</a:t>
+              <a:t>9/7/17</a:t>
             </a:fld>
             <a:endParaRPr lang="en-US"/>
           </a:p>
@@ -879,7 +879,7 @@
           <a:p>
             <a:fld id="{972605B8-2E90-124E-924E-6F58993143C6}" type="datetimeFigureOut">
               <a:rPr lang="en-US" smtClean="0"/>
-              <a:t>8/27/17</a:t>
+              <a:t>9/7/17</a:t>
             </a:fld>
             <a:endParaRPr lang="en-US"/>
           </a:p>
@@ -1059,7 +1059,7 @@
           <a:p>
             <a:fld id="{972605B8-2E90-124E-924E-6F58993143C6}" type="datetimeFigureOut">
               <a:rPr lang="en-US" smtClean="0"/>
-              <a:t>8/27/17</a:t>
+              <a:t>9/7/17</a:t>
             </a:fld>
             <a:endParaRPr lang="en-US"/>
           </a:p>
@@ -1229,7 +1229,7 @@
           <a:p>
             <a:fld id="{972605B8-2E90-124E-924E-6F58993143C6}" type="datetimeFigureOut">
               <a:rPr lang="en-US" smtClean="0"/>
-              <a:t>8/27/17</a:t>
+              <a:t>9/7/17</a:t>
             </a:fld>
             <a:endParaRPr lang="en-US"/>
           </a:p>
@@ -1475,7 +1475,7 @@
           <a:p>
             <a:fld id="{972605B8-2E90-124E-924E-6F58993143C6}" type="datetimeFigureOut">
               <a:rPr lang="en-US" smtClean="0"/>
-              <a:t>8/27/17</a:t>
+              <a:t>9/7/17</a:t>
             </a:fld>
             <a:endParaRPr lang="en-US"/>
           </a:p>
@@ -1763,7 +1763,7 @@
           <a:p>
             <a:fld id="{972605B8-2E90-124E-924E-6F58993143C6}" type="datetimeFigureOut">
               <a:rPr lang="en-US" smtClean="0"/>
-              <a:t>8/27/17</a:t>
+              <a:t>9/7/17</a:t>
             </a:fld>
             <a:endParaRPr lang="en-US"/>
           </a:p>
@@ -2185,7 +2185,7 @@
           <a:p>
             <a:fld id="{972605B8-2E90-124E-924E-6F58993143C6}" type="datetimeFigureOut">
               <a:rPr lang="en-US" smtClean="0"/>
-              <a:t>8/27/17</a:t>
+              <a:t>9/7/17</a:t>
             </a:fld>
             <a:endParaRPr lang="en-US"/>
           </a:p>
@@ -2303,7 +2303,7 @@
           <a:p>
             <a:fld id="{972605B8-2E90-124E-924E-6F58993143C6}" type="datetimeFigureOut">
               <a:rPr lang="en-US" smtClean="0"/>
-              <a:t>8/27/17</a:t>
+              <a:t>9/7/17</a:t>
             </a:fld>
             <a:endParaRPr lang="en-US"/>
           </a:p>
@@ -2398,7 +2398,7 @@
           <a:p>
             <a:fld id="{972605B8-2E90-124E-924E-6F58993143C6}" type="datetimeFigureOut">
               <a:rPr lang="en-US" smtClean="0"/>
-              <a:t>8/27/17</a:t>
+              <a:t>9/7/17</a:t>
             </a:fld>
             <a:endParaRPr lang="en-US"/>
           </a:p>
@@ -2675,7 +2675,7 @@
           <a:p>
             <a:fld id="{972605B8-2E90-124E-924E-6F58993143C6}" type="datetimeFigureOut">
               <a:rPr lang="en-US" smtClean="0"/>
-              <a:t>8/27/17</a:t>
+              <a:t>9/7/17</a:t>
             </a:fld>
             <a:endParaRPr lang="en-US"/>
           </a:p>
@@ -2928,7 +2928,7 @@
           <a:p>
             <a:fld id="{972605B8-2E90-124E-924E-6F58993143C6}" type="datetimeFigureOut">
               <a:rPr lang="en-US" smtClean="0"/>
-              <a:t>8/27/17</a:t>
+              <a:t>9/7/17</a:t>
             </a:fld>
             <a:endParaRPr lang="en-US"/>
           </a:p>
@@ -3141,7 +3141,7 @@
           <a:p>
             <a:fld id="{972605B8-2E90-124E-924E-6F58993143C6}" type="datetimeFigureOut">
               <a:rPr lang="en-US" smtClean="0"/>
-              <a:t>8/27/17</a:t>
+              <a:t>9/7/17</a:t>
             </a:fld>
             <a:endParaRPr lang="en-US"/>
           </a:p>
@@ -16353,7 +16353,7 @@
           <a:lstStyle/>
           <a:p>
             <a:r>
-              <a:rPr lang="en-US" smtClean="0"/>
+              <a:rPr lang="en-US" dirty="0" smtClean="0"/>
               <a:t>Assignment </a:t>
             </a:r>
             <a:r>
@@ -16372,12 +16372,24 @@
               <a:t> Infrastructure as Code </a:t>
             </a:r>
             <a:r>
-              <a:rPr lang="en-US" dirty="0" smtClean="0"/>
+              <a:rPr lang="en-US" smtClean="0"/>
               <a:t>Chapters</a:t>
             </a:r>
             <a:r>
-              <a:rPr lang="en-US" i="1" dirty="0" smtClean="0"/>
-              <a:t> 9 &amp; 10</a:t>
+              <a:rPr lang="en-US" i="1" smtClean="0"/>
+              <a:t> </a:t>
+            </a:r>
+            <a:r>
+              <a:rPr lang="en-US" i="1" smtClean="0"/>
+              <a:t>12 </a:t>
+            </a:r>
+            <a:r>
+              <a:rPr lang="en-US" i="1" smtClean="0"/>
+              <a:t>&amp; </a:t>
+            </a:r>
+            <a:r>
+              <a:rPr lang="en-US" i="1" smtClean="0"/>
+              <a:t>13</a:t>
             </a:r>
             <a:endParaRPr lang="en-US" dirty="0"/>
           </a:p>

--- a/lectures/infrastructure-week-10.pptx
+++ b/lectures/infrastructure-week-10.pptx
@@ -16,22 +16,22 @@
     <p:sldId id="262" r:id="rId7"/>
     <p:sldId id="263" r:id="rId8"/>
     <p:sldId id="264" r:id="rId9"/>
-    <p:sldId id="272" r:id="rId10"/>
-    <p:sldId id="266" r:id="rId11"/>
-    <p:sldId id="267" r:id="rId12"/>
-    <p:sldId id="268" r:id="rId13"/>
-    <p:sldId id="270" r:id="rId14"/>
-    <p:sldId id="273" r:id="rId15"/>
-    <p:sldId id="265" r:id="rId16"/>
-    <p:sldId id="275" r:id="rId17"/>
-    <p:sldId id="271" r:id="rId18"/>
-    <p:sldId id="274" r:id="rId19"/>
-    <p:sldId id="276" r:id="rId20"/>
-    <p:sldId id="284" r:id="rId21"/>
-    <p:sldId id="285" r:id="rId22"/>
-    <p:sldId id="277" r:id="rId23"/>
-    <p:sldId id="278" r:id="rId24"/>
-    <p:sldId id="279" r:id="rId25"/>
+    <p:sldId id="320" r:id="rId10"/>
+    <p:sldId id="272" r:id="rId11"/>
+    <p:sldId id="266" r:id="rId12"/>
+    <p:sldId id="267" r:id="rId13"/>
+    <p:sldId id="268" r:id="rId14"/>
+    <p:sldId id="270" r:id="rId15"/>
+    <p:sldId id="273" r:id="rId16"/>
+    <p:sldId id="265" r:id="rId17"/>
+    <p:sldId id="275" r:id="rId18"/>
+    <p:sldId id="271" r:id="rId19"/>
+    <p:sldId id="274" r:id="rId20"/>
+    <p:sldId id="276" r:id="rId21"/>
+    <p:sldId id="284" r:id="rId22"/>
+    <p:sldId id="285" r:id="rId23"/>
+    <p:sldId id="277" r:id="rId24"/>
+    <p:sldId id="278" r:id="rId25"/>
     <p:sldId id="318" r:id="rId26"/>
     <p:sldId id="281" r:id="rId27"/>
     <p:sldId id="286" r:id="rId28"/>
@@ -260,7 +260,7 @@
           <a:p>
             <a:fld id="{EAA08BAD-04ED-244C-92B6-E3671520D864}" type="datetimeFigureOut">
               <a:rPr lang="en-US" smtClean="0"/>
-              <a:t>9/7/17</a:t>
+              <a:t>11/13/17</a:t>
             </a:fld>
             <a:endParaRPr lang="en-US"/>
           </a:p>
@@ -709,7 +709,7 @@
           <a:p>
             <a:fld id="{972605B8-2E90-124E-924E-6F58993143C6}" type="datetimeFigureOut">
               <a:rPr lang="en-US" smtClean="0"/>
-              <a:t>9/7/17</a:t>
+              <a:t>11/13/17</a:t>
             </a:fld>
             <a:endParaRPr lang="en-US"/>
           </a:p>
@@ -879,7 +879,7 @@
           <a:p>
             <a:fld id="{972605B8-2E90-124E-924E-6F58993143C6}" type="datetimeFigureOut">
               <a:rPr lang="en-US" smtClean="0"/>
-              <a:t>9/7/17</a:t>
+              <a:t>11/13/17</a:t>
             </a:fld>
             <a:endParaRPr lang="en-US"/>
           </a:p>
@@ -1059,7 +1059,7 @@
           <a:p>
             <a:fld id="{972605B8-2E90-124E-924E-6F58993143C6}" type="datetimeFigureOut">
               <a:rPr lang="en-US" smtClean="0"/>
-              <a:t>9/7/17</a:t>
+              <a:t>11/13/17</a:t>
             </a:fld>
             <a:endParaRPr lang="en-US"/>
           </a:p>
@@ -1229,7 +1229,7 @@
           <a:p>
             <a:fld id="{972605B8-2E90-124E-924E-6F58993143C6}" type="datetimeFigureOut">
               <a:rPr lang="en-US" smtClean="0"/>
-              <a:t>9/7/17</a:t>
+              <a:t>11/13/17</a:t>
             </a:fld>
             <a:endParaRPr lang="en-US"/>
           </a:p>
@@ -1475,7 +1475,7 @@
           <a:p>
             <a:fld id="{972605B8-2E90-124E-924E-6F58993143C6}" type="datetimeFigureOut">
               <a:rPr lang="en-US" smtClean="0"/>
-              <a:t>9/7/17</a:t>
+              <a:t>11/13/17</a:t>
             </a:fld>
             <a:endParaRPr lang="en-US"/>
           </a:p>
@@ -1763,7 +1763,7 @@
           <a:p>
             <a:fld id="{972605B8-2E90-124E-924E-6F58993143C6}" type="datetimeFigureOut">
               <a:rPr lang="en-US" smtClean="0"/>
-              <a:t>9/7/17</a:t>
+              <a:t>11/13/17</a:t>
             </a:fld>
             <a:endParaRPr lang="en-US"/>
           </a:p>
@@ -2185,7 +2185,7 @@
           <a:p>
             <a:fld id="{972605B8-2E90-124E-924E-6F58993143C6}" type="datetimeFigureOut">
               <a:rPr lang="en-US" smtClean="0"/>
-              <a:t>9/7/17</a:t>
+              <a:t>11/13/17</a:t>
             </a:fld>
             <a:endParaRPr lang="en-US"/>
           </a:p>
@@ -2303,7 +2303,7 @@
           <a:p>
             <a:fld id="{972605B8-2E90-124E-924E-6F58993143C6}" type="datetimeFigureOut">
               <a:rPr lang="en-US" smtClean="0"/>
-              <a:t>9/7/17</a:t>
+              <a:t>11/13/17</a:t>
             </a:fld>
             <a:endParaRPr lang="en-US"/>
           </a:p>
@@ -2398,7 +2398,7 @@
           <a:p>
             <a:fld id="{972605B8-2E90-124E-924E-6F58993143C6}" type="datetimeFigureOut">
               <a:rPr lang="en-US" smtClean="0"/>
-              <a:t>9/7/17</a:t>
+              <a:t>11/13/17</a:t>
             </a:fld>
             <a:endParaRPr lang="en-US"/>
           </a:p>
@@ -2675,7 +2675,7 @@
           <a:p>
             <a:fld id="{972605B8-2E90-124E-924E-6F58993143C6}" type="datetimeFigureOut">
               <a:rPr lang="en-US" smtClean="0"/>
-              <a:t>9/7/17</a:t>
+              <a:t>11/13/17</a:t>
             </a:fld>
             <a:endParaRPr lang="en-US"/>
           </a:p>
@@ -2928,7 +2928,7 @@
           <a:p>
             <a:fld id="{972605B8-2E90-124E-924E-6F58993143C6}" type="datetimeFigureOut">
               <a:rPr lang="en-US" smtClean="0"/>
-              <a:t>9/7/17</a:t>
+              <a:t>11/13/17</a:t>
             </a:fld>
             <a:endParaRPr lang="en-US"/>
           </a:p>
@@ -3141,7 +3141,7 @@
           <a:p>
             <a:fld id="{972605B8-2E90-124E-924E-6F58993143C6}" type="datetimeFigureOut">
               <a:rPr lang="en-US" smtClean="0"/>
-              <a:t>9/7/17</a:t>
+              <a:t>11/13/17</a:t>
             </a:fld>
             <a:endParaRPr lang="en-US"/>
           </a:p>
@@ -3713,171 +3713,40 @@
           <a:p>
             <a:r>
               <a:rPr lang="en-US" dirty="0" smtClean="0"/>
-              <a:t>Create a new server</a:t>
+              <a:t>Application Server Lifecycle</a:t>
             </a:r>
             <a:endParaRPr lang="en-US" dirty="0"/>
           </a:p>
         </p:txBody>
       </p:sp>
-      <p:sp>
-        <p:nvSpPr>
-          <p:cNvPr id="3" name="Content Placeholder 2"/>
-          <p:cNvSpPr>
-            <a:spLocks noGrp="1"/>
-          </p:cNvSpPr>
-          <p:nvPr>
-            <p:ph idx="1"/>
-          </p:nvPr>
-        </p:nvSpPr>
+      <p:pic>
+        <p:nvPicPr>
+          <p:cNvPr id="4" name="Picture 3"/>
+          <p:cNvPicPr>
+            <a:picLocks noChangeAspect="1"/>
+          </p:cNvPicPr>
+          <p:nvPr/>
+        </p:nvPicPr>
+        <p:blipFill>
+          <a:blip r:embed="rId2"/>
+          <a:stretch>
+            <a:fillRect/>
+          </a:stretch>
+        </p:blipFill>
         <p:spPr>
           <a:xfrm>
-            <a:off x="457200" y="1600200"/>
-            <a:ext cx="8229600" cy="4872519"/>
+            <a:off x="554804" y="2252234"/>
+            <a:ext cx="8332342" cy="2812428"/>
           </a:xfrm>
+          <a:prstGeom prst="rect">
+            <a:avLst/>
+          </a:prstGeom>
         </p:spPr>
-        <p:txBody>
-          <a:bodyPr>
-            <a:normAutofit fontScale="62500" lnSpcReduction="20000"/>
-          </a:bodyPr>
-          <a:lstStyle/>
-          <a:p>
-            <a:r>
-              <a:rPr lang="en-US" dirty="0" smtClean="0"/>
-              <a:t>How do we create new servers using automation?</a:t>
-            </a:r>
-          </a:p>
-          <a:p>
-            <a:pPr lvl="1"/>
-            <a:r>
-              <a:rPr lang="en-US" dirty="0" smtClean="0"/>
-              <a:t>Server consists of:</a:t>
-            </a:r>
-          </a:p>
-          <a:p>
-            <a:pPr lvl="2"/>
-            <a:r>
-              <a:rPr lang="en-US" dirty="0"/>
-              <a:t>I</a:t>
-            </a:r>
-            <a:r>
-              <a:rPr lang="en-US" dirty="0" smtClean="0"/>
-              <a:t>nfrastructure definition (server type)</a:t>
-            </a:r>
-          </a:p>
-          <a:p>
-            <a:pPr lvl="2"/>
-            <a:r>
-              <a:rPr lang="en-US" dirty="0" smtClean="0"/>
-              <a:t>Operating system</a:t>
-            </a:r>
-          </a:p>
-          <a:p>
-            <a:pPr lvl="2"/>
-            <a:r>
-              <a:rPr lang="en-US" dirty="0" smtClean="0"/>
-              <a:t>Software (</a:t>
-            </a:r>
-            <a:r>
-              <a:rPr lang="en-US" dirty="0" err="1" smtClean="0"/>
-              <a:t>php</a:t>
-            </a:r>
-            <a:r>
-              <a:rPr lang="en-US" dirty="0" smtClean="0"/>
-              <a:t>, apache, </a:t>
-            </a:r>
-            <a:r>
-              <a:rPr lang="en-US" dirty="0" err="1" smtClean="0"/>
-              <a:t>mysql</a:t>
-            </a:r>
-            <a:r>
-              <a:rPr lang="en-US" dirty="0" smtClean="0"/>
-              <a:t>)</a:t>
-            </a:r>
-          </a:p>
-          <a:p>
-            <a:pPr lvl="2"/>
-            <a:r>
-              <a:rPr lang="en-US" dirty="0" smtClean="0"/>
-              <a:t>OS &amp; application configuration</a:t>
-            </a:r>
-          </a:p>
-          <a:p>
-            <a:pPr lvl="2"/>
-            <a:r>
-              <a:rPr lang="en-US" dirty="0" smtClean="0"/>
-              <a:t>Data</a:t>
-            </a:r>
-          </a:p>
-          <a:p>
-            <a:pPr lvl="1"/>
-            <a:endParaRPr lang="en-US" dirty="0"/>
-          </a:p>
-          <a:p>
-            <a:pPr lvl="1"/>
-            <a:r>
-              <a:rPr lang="en-US" dirty="0" smtClean="0"/>
-              <a:t>Use Terraform, CloudFormation, Auto-scaling or other tools to create the infrastructure.</a:t>
-            </a:r>
-          </a:p>
-          <a:p>
-            <a:pPr lvl="1"/>
-            <a:endParaRPr lang="en-US" dirty="0" smtClean="0"/>
-          </a:p>
-          <a:p>
-            <a:pPr lvl="1"/>
-            <a:r>
-              <a:rPr lang="en-US" dirty="0"/>
-              <a:t>S</a:t>
-            </a:r>
-            <a:r>
-              <a:rPr lang="en-US" dirty="0" smtClean="0"/>
-              <a:t>elect a server template (image) containing an operating system and software.</a:t>
-            </a:r>
-          </a:p>
-          <a:p>
-            <a:pPr lvl="1"/>
-            <a:endParaRPr lang="en-US" dirty="0"/>
-          </a:p>
-          <a:p>
-            <a:pPr lvl="1"/>
-            <a:r>
-              <a:rPr lang="en-US" dirty="0" smtClean="0"/>
-              <a:t>Deploy software and configuration using a command tool (Capistrano) or configuration management tool (Chef/ Puppet/ </a:t>
-            </a:r>
-            <a:r>
-              <a:rPr lang="en-US" dirty="0" err="1" smtClean="0"/>
-              <a:t>Ansible</a:t>
-            </a:r>
-            <a:r>
-              <a:rPr lang="en-US" dirty="0" smtClean="0"/>
-              <a:t>).</a:t>
-            </a:r>
-          </a:p>
-          <a:p>
-            <a:pPr lvl="1"/>
-            <a:endParaRPr lang="en-US" dirty="0"/>
-          </a:p>
-          <a:p>
-            <a:pPr lvl="1"/>
-            <a:r>
-              <a:rPr lang="en-US" dirty="0" smtClean="0"/>
-              <a:t>Potentially package everything in containers (Docker – Lecture 12).</a:t>
-            </a:r>
-          </a:p>
-          <a:p>
-            <a:pPr lvl="1"/>
-            <a:endParaRPr lang="en-US" dirty="0"/>
-          </a:p>
-          <a:p>
-            <a:pPr lvl="1"/>
-            <a:endParaRPr lang="en-US" dirty="0" smtClean="0"/>
-          </a:p>
-        </p:txBody>
-      </p:sp>
+      </p:pic>
     </p:spTree>
     <p:extLst>
       <p:ext uri="{BB962C8B-B14F-4D97-AF65-F5344CB8AC3E}">
-        <p14:creationId xmlns:p14="http://schemas.microsoft.com/office/powerpoint/2010/main" val="1108213971"/>
+        <p14:creationId xmlns:p14="http://schemas.microsoft.com/office/powerpoint/2010/main" val="845040489"/>
       </p:ext>
     </p:extLst>
   </p:cSld>
@@ -3928,7 +3797,7 @@
           <a:p>
             <a:r>
               <a:rPr lang="en-US" dirty="0" smtClean="0"/>
-              <a:t>Server Template</a:t>
+              <a:t>Create a new server</a:t>
             </a:r>
             <a:endParaRPr lang="en-US" dirty="0"/>
           </a:p>
@@ -3947,120 +3816,152 @@
         <p:spPr>
           <a:xfrm>
             <a:off x="457200" y="1600200"/>
-            <a:ext cx="8229600" cy="5149921"/>
+            <a:ext cx="8229600" cy="4872519"/>
           </a:xfrm>
         </p:spPr>
         <p:txBody>
           <a:bodyPr>
-            <a:normAutofit fontScale="85000" lnSpcReduction="20000"/>
+            <a:normAutofit fontScale="62500" lnSpcReduction="20000"/>
           </a:bodyPr>
           <a:lstStyle/>
           <a:p>
             <a:r>
               <a:rPr lang="en-US" dirty="0" smtClean="0"/>
-              <a:t>There are two general approaches to building a server:</a:t>
+              <a:t>How do we create new servers using automation?</a:t>
             </a:r>
           </a:p>
           <a:p>
             <a:pPr lvl="1"/>
             <a:r>
-              <a:rPr lang="en-US" b="1" dirty="0" smtClean="0"/>
-              <a:t>Bake</a:t>
-            </a:r>
-            <a:r>
-              <a:rPr lang="en-US" dirty="0" smtClean="0"/>
-              <a:t>: pre-generate a software image which contains an OS and all the required software components.</a:t>
+              <a:rPr lang="en-US" dirty="0" smtClean="0"/>
+              <a:t>Server consists of:</a:t>
             </a:r>
           </a:p>
           <a:p>
             <a:pPr lvl="2"/>
             <a:r>
-              <a:rPr lang="en-US" dirty="0" smtClean="0"/>
-              <a:t>Example: Use an AMI based on a snapshot of a fully working system.</a:t>
+              <a:rPr lang="en-US" dirty="0"/>
+              <a:t>I</a:t>
+            </a:r>
+            <a:r>
+              <a:rPr lang="en-US" dirty="0" smtClean="0"/>
+              <a:t>nfrastructure definition (server type)</a:t>
             </a:r>
           </a:p>
           <a:p>
             <a:pPr lvl="2"/>
             <a:r>
               <a:rPr lang="en-US" dirty="0" smtClean="0"/>
-              <a:t>May need to perform a few configuration tasks once it’s launched.</a:t>
+              <a:t>Operating system</a:t>
             </a:r>
           </a:p>
           <a:p>
             <a:pPr lvl="2"/>
             <a:r>
               <a:rPr lang="en-US" dirty="0" smtClean="0"/>
-              <a:t>Benefit: Allows you to launch a new server quickly.</a:t>
+              <a:t>Software (</a:t>
+            </a:r>
+            <a:r>
+              <a:rPr lang="en-US" dirty="0" err="1" smtClean="0"/>
+              <a:t>php</a:t>
+            </a:r>
+            <a:r>
+              <a:rPr lang="en-US" dirty="0" smtClean="0"/>
+              <a:t>, apache, </a:t>
+            </a:r>
+            <a:r>
+              <a:rPr lang="en-US" dirty="0" err="1" smtClean="0"/>
+              <a:t>mysql</a:t>
+            </a:r>
+            <a:r>
+              <a:rPr lang="en-US" dirty="0" smtClean="0"/>
+              <a:t>)</a:t>
             </a:r>
           </a:p>
           <a:p>
             <a:pPr lvl="2"/>
             <a:r>
               <a:rPr lang="en-US" dirty="0" smtClean="0"/>
-              <a:t>Risk: May require you to frequently create and manage new images.</a:t>
+              <a:t>OS &amp; application configuration</a:t>
             </a:r>
           </a:p>
           <a:p>
             <a:pPr lvl="2"/>
             <a:r>
+              <a:rPr lang="en-US" dirty="0" smtClean="0"/>
+              <a:t>Data</a:t>
+            </a:r>
+          </a:p>
+          <a:p>
+            <a:pPr lvl="1"/>
+            <a:endParaRPr lang="en-US" dirty="0"/>
+          </a:p>
+          <a:p>
+            <a:pPr lvl="1"/>
+            <a:r>
+              <a:rPr lang="en-US" dirty="0" smtClean="0"/>
+              <a:t>Use Terraform, CloudFormation, Auto-scaling or other tools to create the infrastructure.</a:t>
+            </a:r>
+          </a:p>
+          <a:p>
+            <a:pPr lvl="1"/>
+            <a:endParaRPr lang="en-US" dirty="0" smtClean="0"/>
+          </a:p>
+          <a:p>
+            <a:pPr lvl="1"/>
+            <a:r>
               <a:rPr lang="en-US" dirty="0"/>
-              <a:t>Practice: minimize amount of software in a template</a:t>
-            </a:r>
-            <a:r>
-              <a:rPr lang="en-US" dirty="0" smtClean="0"/>
-              <a:t>.</a:t>
-            </a:r>
-          </a:p>
-          <a:p>
-            <a:pPr lvl="2"/>
+              <a:t>S</a:t>
+            </a:r>
+            <a:r>
+              <a:rPr lang="en-US" dirty="0" smtClean="0"/>
+              <a:t>elect a server template (image) containing an operating system and software.</a:t>
+            </a:r>
+          </a:p>
+          <a:p>
+            <a:pPr lvl="1"/>
+            <a:endParaRPr lang="en-US" dirty="0"/>
+          </a:p>
+          <a:p>
+            <a:pPr lvl="1"/>
+            <a:r>
+              <a:rPr lang="en-US" dirty="0" smtClean="0"/>
+              <a:t>Deploy software and configuration using a command tool (Capistrano) or configuration management tool (Chef/ Puppet/ </a:t>
+            </a:r>
+            <a:r>
+              <a:rPr lang="en-US" dirty="0" err="1" smtClean="0"/>
+              <a:t>Ansible</a:t>
+            </a:r>
+            <a:r>
+              <a:rPr lang="en-US" dirty="0" smtClean="0"/>
+              <a:t>).</a:t>
+            </a:r>
+          </a:p>
+          <a:p>
+            <a:pPr lvl="1"/>
+            <a:endParaRPr lang="en-US" dirty="0"/>
+          </a:p>
+          <a:p>
+            <a:pPr lvl="1"/>
+            <a:r>
+              <a:rPr lang="en-US" dirty="0" smtClean="0"/>
+              <a:t>Potentially package everything in containers (Docker – Lecture 12).</a:t>
+            </a:r>
+          </a:p>
+          <a:p>
+            <a:pPr lvl="1"/>
+            <a:endParaRPr lang="en-US" dirty="0"/>
+          </a:p>
+          <a:p>
+            <a:pPr lvl="1"/>
             <a:endParaRPr lang="en-US" dirty="0" smtClean="0"/>
-          </a:p>
-          <a:p>
-            <a:pPr lvl="1"/>
-            <a:r>
-              <a:rPr lang="en-US" b="1" dirty="0" smtClean="0"/>
-              <a:t>Fry</a:t>
-            </a:r>
-            <a:r>
-              <a:rPr lang="en-US" dirty="0" smtClean="0"/>
-              <a:t>: launch a server with a plain OS distribution and then install required software on-the-fly.</a:t>
-            </a:r>
-          </a:p>
-          <a:p>
-            <a:pPr lvl="2"/>
-            <a:r>
-              <a:rPr lang="en-US" dirty="0" smtClean="0"/>
-              <a:t>Example: Use a base AMI image and run a </a:t>
-            </a:r>
-            <a:r>
-              <a:rPr lang="en-US" dirty="0" err="1" smtClean="0"/>
-              <a:t>userdata</a:t>
-            </a:r>
-            <a:r>
-              <a:rPr lang="en-US" dirty="0" smtClean="0"/>
-              <a:t> shell script.</a:t>
-            </a:r>
-          </a:p>
-          <a:p>
-            <a:pPr lvl="2"/>
-            <a:r>
-              <a:rPr lang="en-US" dirty="0" smtClean="0"/>
-              <a:t>Benefit: No need to manage images.</a:t>
-            </a:r>
-          </a:p>
-          <a:p>
-            <a:pPr lvl="2"/>
-            <a:r>
-              <a:rPr lang="en-US" dirty="0" smtClean="0"/>
-              <a:t>Risk: New instances may take a long time to deploy.</a:t>
-            </a:r>
           </a:p>
         </p:txBody>
       </p:sp>
     </p:spTree>
     <p:extLst>
       <p:ext uri="{BB962C8B-B14F-4D97-AF65-F5344CB8AC3E}">
-        <p14:creationId xmlns:p14="http://schemas.microsoft.com/office/powerpoint/2010/main" val="1394062895"/>
+        <p14:creationId xmlns:p14="http://schemas.microsoft.com/office/powerpoint/2010/main" val="1108213971"/>
       </p:ext>
     </p:extLst>
   </p:cSld>
@@ -4111,6 +4012,189 @@
           <a:p>
             <a:r>
               <a:rPr lang="en-US" dirty="0" smtClean="0"/>
+              <a:t>Server Template</a:t>
+            </a:r>
+            <a:endParaRPr lang="en-US" dirty="0"/>
+          </a:p>
+        </p:txBody>
+      </p:sp>
+      <p:sp>
+        <p:nvSpPr>
+          <p:cNvPr id="3" name="Content Placeholder 2"/>
+          <p:cNvSpPr>
+            <a:spLocks noGrp="1"/>
+          </p:cNvSpPr>
+          <p:nvPr>
+            <p:ph idx="1"/>
+          </p:nvPr>
+        </p:nvSpPr>
+        <p:spPr>
+          <a:xfrm>
+            <a:off x="457200" y="1600200"/>
+            <a:ext cx="8229600" cy="5149921"/>
+          </a:xfrm>
+        </p:spPr>
+        <p:txBody>
+          <a:bodyPr>
+            <a:normAutofit fontScale="85000" lnSpcReduction="20000"/>
+          </a:bodyPr>
+          <a:lstStyle/>
+          <a:p>
+            <a:r>
+              <a:rPr lang="en-US" dirty="0" smtClean="0"/>
+              <a:t>There are two general approaches to building a server:</a:t>
+            </a:r>
+          </a:p>
+          <a:p>
+            <a:pPr lvl="1"/>
+            <a:r>
+              <a:rPr lang="en-US" b="1" dirty="0" smtClean="0"/>
+              <a:t>Bake</a:t>
+            </a:r>
+            <a:r>
+              <a:rPr lang="en-US" dirty="0" smtClean="0"/>
+              <a:t>: pre-generate a software image which contains an OS and all the required software components.</a:t>
+            </a:r>
+          </a:p>
+          <a:p>
+            <a:pPr lvl="2"/>
+            <a:r>
+              <a:rPr lang="en-US" dirty="0" smtClean="0"/>
+              <a:t>Example: Use an AMI based on a snapshot of a fully working system.</a:t>
+            </a:r>
+          </a:p>
+          <a:p>
+            <a:pPr lvl="2"/>
+            <a:r>
+              <a:rPr lang="en-US" dirty="0" smtClean="0"/>
+              <a:t>May need to perform a few configuration tasks once it’s launched.</a:t>
+            </a:r>
+          </a:p>
+          <a:p>
+            <a:pPr lvl="2"/>
+            <a:r>
+              <a:rPr lang="en-US" dirty="0" smtClean="0"/>
+              <a:t>Benefit: Allows you to launch a new server quickly.</a:t>
+            </a:r>
+          </a:p>
+          <a:p>
+            <a:pPr lvl="2"/>
+            <a:r>
+              <a:rPr lang="en-US" dirty="0" smtClean="0"/>
+              <a:t>Risk: May require you to frequently create and manage new images.</a:t>
+            </a:r>
+          </a:p>
+          <a:p>
+            <a:pPr lvl="2"/>
+            <a:r>
+              <a:rPr lang="en-US" dirty="0"/>
+              <a:t>Practice: minimize amount of software in a template</a:t>
+            </a:r>
+            <a:r>
+              <a:rPr lang="en-US" dirty="0" smtClean="0"/>
+              <a:t>.</a:t>
+            </a:r>
+          </a:p>
+          <a:p>
+            <a:pPr lvl="2"/>
+            <a:endParaRPr lang="en-US" dirty="0" smtClean="0"/>
+          </a:p>
+          <a:p>
+            <a:pPr lvl="1"/>
+            <a:r>
+              <a:rPr lang="en-US" b="1" dirty="0" smtClean="0"/>
+              <a:t>Fry</a:t>
+            </a:r>
+            <a:r>
+              <a:rPr lang="en-US" dirty="0" smtClean="0"/>
+              <a:t>: launch a server with a plain OS distribution and then install required software on-the-fly.</a:t>
+            </a:r>
+          </a:p>
+          <a:p>
+            <a:pPr lvl="2"/>
+            <a:r>
+              <a:rPr lang="en-US" dirty="0" smtClean="0"/>
+              <a:t>Example: Use a base AMI image and run a </a:t>
+            </a:r>
+            <a:r>
+              <a:rPr lang="en-US" dirty="0" err="1" smtClean="0"/>
+              <a:t>userdata</a:t>
+            </a:r>
+            <a:r>
+              <a:rPr lang="en-US" dirty="0" smtClean="0"/>
+              <a:t> shell script.</a:t>
+            </a:r>
+          </a:p>
+          <a:p>
+            <a:pPr lvl="2"/>
+            <a:r>
+              <a:rPr lang="en-US" dirty="0" smtClean="0"/>
+              <a:t>Benefit: No need to manage images.</a:t>
+            </a:r>
+          </a:p>
+          <a:p>
+            <a:pPr lvl="2"/>
+            <a:r>
+              <a:rPr lang="en-US" dirty="0" smtClean="0"/>
+              <a:t>Risk: New instances may take a long time to deploy.</a:t>
+            </a:r>
+          </a:p>
+        </p:txBody>
+      </p:sp>
+    </p:spTree>
+    <p:extLst>
+      <p:ext uri="{BB962C8B-B14F-4D97-AF65-F5344CB8AC3E}">
+        <p14:creationId xmlns:p14="http://schemas.microsoft.com/office/powerpoint/2010/main" val="1394062895"/>
+      </p:ext>
+    </p:extLst>
+  </p:cSld>
+  <p:clrMapOvr>
+    <a:masterClrMapping/>
+  </p:clrMapOvr>
+  <p:timing>
+    <p:tnLst>
+      <p:par>
+        <p:cTn id="1" dur="indefinite" restart="never" nodeType="tmRoot"/>
+      </p:par>
+    </p:tnLst>
+  </p:timing>
+</p:sld>
+</file>
+
+<file path=ppt/slides/slide13.xml><?xml version="1.0" encoding="utf-8"?>
+<p:sld xmlns:a="http://schemas.openxmlformats.org/drawingml/2006/main" xmlns:r="http://schemas.openxmlformats.org/officeDocument/2006/relationships" xmlns:p="http://schemas.openxmlformats.org/presentationml/2006/main">
+  <p:cSld>
+    <p:spTree>
+      <p:nvGrpSpPr>
+        <p:cNvPr id="1" name=""/>
+        <p:cNvGrpSpPr/>
+        <p:nvPr/>
+      </p:nvGrpSpPr>
+      <p:grpSpPr>
+        <a:xfrm>
+          <a:off x="0" y="0"/>
+          <a:ext cx="0" cy="0"/>
+          <a:chOff x="0" y="0"/>
+          <a:chExt cx="0" cy="0"/>
+        </a:xfrm>
+      </p:grpSpPr>
+      <p:sp>
+        <p:nvSpPr>
+          <p:cNvPr id="2" name="Title 1"/>
+          <p:cNvSpPr>
+            <a:spLocks noGrp="1"/>
+          </p:cNvSpPr>
+          <p:nvPr>
+            <p:ph type="title"/>
+          </p:nvPr>
+        </p:nvSpPr>
+        <p:spPr/>
+        <p:txBody>
+          <a:bodyPr/>
+          <a:lstStyle/>
+          <a:p>
+            <a:r>
+              <a:rPr lang="en-US" dirty="0" smtClean="0"/>
               <a:t>Packer</a:t>
             </a:r>
             <a:endParaRPr lang="en-US" dirty="0"/>
@@ -4244,7 +4328,7 @@
 </p:sld>
 </file>
 
-<file path=ppt/slides/slide13.xml><?xml version="1.0" encoding="utf-8"?>
+<file path=ppt/slides/slide14.xml><?xml version="1.0" encoding="utf-8"?>
 <p:sld xmlns:a="http://schemas.openxmlformats.org/drawingml/2006/main" xmlns:r="http://schemas.openxmlformats.org/officeDocument/2006/relationships" xmlns:p="http://schemas.openxmlformats.org/presentationml/2006/main">
   <p:cSld>
     <p:spTree>
@@ -4425,166 +4509,6 @@
 </p:sld>
 </file>
 
-<file path=ppt/slides/slide14.xml><?xml version="1.0" encoding="utf-8"?>
-<p:sld xmlns:a="http://schemas.openxmlformats.org/drawingml/2006/main" xmlns:r="http://schemas.openxmlformats.org/officeDocument/2006/relationships" xmlns:p="http://schemas.openxmlformats.org/presentationml/2006/main">
-  <p:cSld>
-    <p:spTree>
-      <p:nvGrpSpPr>
-        <p:cNvPr id="1" name=""/>
-        <p:cNvGrpSpPr/>
-        <p:nvPr/>
-      </p:nvGrpSpPr>
-      <p:grpSpPr>
-        <a:xfrm>
-          <a:off x="0" y="0"/>
-          <a:ext cx="0" cy="0"/>
-          <a:chOff x="0" y="0"/>
-          <a:chExt cx="0" cy="0"/>
-        </a:xfrm>
-      </p:grpSpPr>
-      <p:sp>
-        <p:nvSpPr>
-          <p:cNvPr id="2" name="Title 1"/>
-          <p:cNvSpPr>
-            <a:spLocks noGrp="1"/>
-          </p:cNvSpPr>
-          <p:nvPr>
-            <p:ph type="title"/>
-          </p:nvPr>
-        </p:nvSpPr>
-        <p:spPr/>
-        <p:txBody>
-          <a:bodyPr/>
-          <a:lstStyle/>
-          <a:p>
-            <a:r>
-              <a:rPr lang="en-US" dirty="0" smtClean="0"/>
-              <a:t>Update a server</a:t>
-            </a:r>
-            <a:endParaRPr lang="en-US" dirty="0"/>
-          </a:p>
-        </p:txBody>
-      </p:sp>
-      <p:sp>
-        <p:nvSpPr>
-          <p:cNvPr id="3" name="Content Placeholder 2"/>
-          <p:cNvSpPr>
-            <a:spLocks noGrp="1"/>
-          </p:cNvSpPr>
-          <p:nvPr>
-            <p:ph idx="1"/>
-          </p:nvPr>
-        </p:nvSpPr>
-        <p:spPr>
-          <a:xfrm>
-            <a:off x="457200" y="1600200"/>
-            <a:ext cx="8229600" cy="4903342"/>
-          </a:xfrm>
-        </p:spPr>
-        <p:txBody>
-          <a:bodyPr>
-            <a:normAutofit fontScale="77500" lnSpcReduction="20000"/>
-          </a:bodyPr>
-          <a:lstStyle/>
-          <a:p>
-            <a:r>
-              <a:rPr lang="en-US" dirty="0" smtClean="0"/>
-              <a:t>4 models for making configuration changes to servers:</a:t>
-            </a:r>
-          </a:p>
-          <a:p>
-            <a:pPr lvl="1"/>
-            <a:r>
-              <a:rPr lang="en-US" b="1" dirty="0" smtClean="0"/>
-              <a:t>Ad hoc </a:t>
-            </a:r>
-            <a:r>
-              <a:rPr lang="en-US" dirty="0" smtClean="0"/>
-              <a:t>change management: leave server alone until a specific change needs to be made and manually make the change.</a:t>
-            </a:r>
-          </a:p>
-          <a:p>
-            <a:pPr lvl="2"/>
-            <a:r>
-              <a:rPr lang="en-US" dirty="0" smtClean="0"/>
-              <a:t>Tends to leave servers inconsistently configured.</a:t>
-            </a:r>
-          </a:p>
-          <a:p>
-            <a:pPr lvl="2"/>
-            <a:endParaRPr lang="en-US" dirty="0" smtClean="0"/>
-          </a:p>
-          <a:p>
-            <a:pPr lvl="2"/>
-            <a:r>
-              <a:rPr lang="en-US" dirty="0" smtClean="0"/>
-              <a:t>Leads to </a:t>
-            </a:r>
-            <a:r>
-              <a:rPr lang="en-US" b="1" dirty="0" smtClean="0"/>
-              <a:t>configuration drift </a:t>
-            </a:r>
-            <a:r>
-              <a:rPr lang="en-US" dirty="0" smtClean="0"/>
-              <a:t>– a set of servers identically configured will gradually drift apart.</a:t>
-            </a:r>
-          </a:p>
-          <a:p>
-            <a:pPr lvl="1"/>
-            <a:endParaRPr lang="en-US" dirty="0"/>
-          </a:p>
-          <a:p>
-            <a:pPr lvl="1"/>
-            <a:r>
-              <a:rPr lang="en-US" b="1" dirty="0" smtClean="0"/>
-              <a:t>Continuous configuration synchronization</a:t>
-            </a:r>
-            <a:r>
-              <a:rPr lang="en-US" dirty="0" smtClean="0"/>
-              <a:t>: server configuration tool runs on an unattended schedule and applies the current set of configuration definitions.</a:t>
-            </a:r>
-          </a:p>
-          <a:p>
-            <a:pPr lvl="2"/>
-            <a:r>
-              <a:rPr lang="en-US" dirty="0" smtClean="0"/>
-              <a:t>Minimizes configuration drift by continuously reapplying configuration.</a:t>
-            </a:r>
-          </a:p>
-          <a:p>
-            <a:pPr lvl="2"/>
-            <a:endParaRPr lang="en-US" dirty="0" smtClean="0"/>
-          </a:p>
-          <a:p>
-            <a:pPr lvl="2"/>
-            <a:r>
-              <a:rPr lang="en-US" dirty="0" smtClean="0"/>
-              <a:t>Only manages configuration covered by definition files, creating opportunities for other parts of the server configuration to drift.</a:t>
-            </a:r>
-            <a:endParaRPr lang="en-US" dirty="0"/>
-          </a:p>
-        </p:txBody>
-      </p:sp>
-    </p:spTree>
-    <p:extLst>
-      <p:ext uri="{BB962C8B-B14F-4D97-AF65-F5344CB8AC3E}">
-        <p14:creationId xmlns:p14="http://schemas.microsoft.com/office/powerpoint/2010/main" val="2022118344"/>
-      </p:ext>
-    </p:extLst>
-  </p:cSld>
-  <p:clrMapOvr>
-    <a:masterClrMapping/>
-  </p:clrMapOvr>
-  <p:timing>
-    <p:tnLst>
-      <p:par>
-        <p:cTn id="1" dur="indefinite" restart="never" nodeType="tmRoot"/>
-      </p:par>
-    </p:tnLst>
-  </p:timing>
-</p:sld>
-</file>
-
 <file path=ppt/slides/slide15.xml><?xml version="1.0" encoding="utf-8"?>
 <p:sld xmlns:a="http://schemas.openxmlformats.org/drawingml/2006/main" xmlns:r="http://schemas.openxmlformats.org/officeDocument/2006/relationships" xmlns:p="http://schemas.openxmlformats.org/presentationml/2006/main">
   <p:cSld>
@@ -4638,30 +4562,36 @@
         <p:spPr>
           <a:xfrm>
             <a:off x="457200" y="1600200"/>
-            <a:ext cx="8229600" cy="4687584"/>
+            <a:ext cx="8229600" cy="4903342"/>
           </a:xfrm>
         </p:spPr>
         <p:txBody>
           <a:bodyPr>
-            <a:normAutofit fontScale="70000" lnSpcReduction="20000"/>
+            <a:normAutofit fontScale="77500" lnSpcReduction="20000"/>
           </a:bodyPr>
           <a:lstStyle/>
           <a:p>
+            <a:r>
+              <a:rPr lang="en-US" dirty="0" smtClean="0"/>
+              <a:t>4 models for making configuration changes to servers:</a:t>
+            </a:r>
+          </a:p>
+          <a:p>
             <a:pPr lvl="1"/>
             <a:r>
               <a:rPr lang="en-US" b="1" dirty="0" smtClean="0"/>
-              <a:t>Immutable servers</a:t>
-            </a:r>
-            <a:r>
-              <a:rPr lang="en-US" dirty="0" smtClean="0"/>
-              <a:t>: a deployment methodology where we replace systems instead of updating them.</a:t>
+              <a:t>Ad hoc </a:t>
+            </a:r>
+            <a:r>
+              <a:rPr lang="en-US" dirty="0" smtClean="0"/>
+              <a:t>change management: leave server alone until a specific change needs to be made and manually make the change.</a:t>
             </a:r>
           </a:p>
           <a:p>
             <a:pPr lvl="2"/>
             <a:r>
               <a:rPr lang="en-US" dirty="0" smtClean="0"/>
-              <a:t>Allows us to fully test configuration changes and not worry about unexpected effects of changing running systems.</a:t>
+              <a:t>Tends to leave servers inconsistently configured.</a:t>
             </a:r>
           </a:p>
           <a:p>
@@ -4672,29 +4602,15 @@
             <a:pPr lvl="2"/>
             <a:r>
               <a:rPr lang="en-US" dirty="0" smtClean="0"/>
-              <a:t>Eliminates pets from the infrastructure environment.</a:t>
-            </a:r>
-          </a:p>
-          <a:p>
-            <a:pPr lvl="1"/>
-            <a:endParaRPr lang="en-US" dirty="0" smtClean="0"/>
-          </a:p>
-          <a:p>
-            <a:pPr lvl="2"/>
-            <a:r>
-              <a:rPr lang="en-US" dirty="0" smtClean="0"/>
-              <a:t>Mitigates configuration drift because systems don’t live long.</a:t>
-            </a:r>
-          </a:p>
-          <a:p>
-            <a:pPr lvl="2"/>
-            <a:endParaRPr lang="en-US" dirty="0"/>
-          </a:p>
-          <a:p>
-            <a:pPr lvl="2"/>
-            <a:r>
-              <a:rPr lang="en-US" dirty="0" smtClean="0"/>
-              <a:t>Practice: replace servers anytime a server template changes.</a:t>
+              <a:t>Leads to </a:t>
+            </a:r>
+            <a:r>
+              <a:rPr lang="en-US" b="1" dirty="0" smtClean="0"/>
+              <a:t>configuration drift </a:t>
+            </a:r>
+            <a:r>
+              <a:rPr lang="en-US" dirty="0" smtClean="0"/>
+              <a:t>– a set of servers identically configured will gradually drift apart.</a:t>
             </a:r>
           </a:p>
           <a:p>
@@ -4702,36 +4618,21 @@
             <a:endParaRPr lang="en-US" dirty="0"/>
           </a:p>
           <a:p>
+            <a:pPr lvl="1"/>
+            <a:r>
+              <a:rPr lang="en-US" b="1" dirty="0" smtClean="0"/>
+              <a:t>Continuous configuration synchronization</a:t>
+            </a:r>
+            <a:r>
+              <a:rPr lang="en-US" dirty="0" smtClean="0"/>
+              <a:t>: server configuration tool runs on an unattended schedule and applies the current set of configuration definitions.</a:t>
+            </a:r>
+          </a:p>
+          <a:p>
             <a:pPr lvl="2"/>
             <a:r>
-              <a:rPr lang="en-US" b="1" dirty="0" smtClean="0"/>
-              <a:t>Phoenix server </a:t>
-            </a:r>
-            <a:r>
-              <a:rPr lang="en-US" dirty="0" smtClean="0"/>
-              <a:t>pattern: replace servers on a scheduled basis regardless of whether changes need to be made or not. </a:t>
-            </a:r>
-          </a:p>
-          <a:p>
-            <a:pPr lvl="1"/>
-            <a:endParaRPr lang="en-US" dirty="0"/>
-          </a:p>
-          <a:p>
-            <a:pPr lvl="1"/>
-            <a:r>
-              <a:rPr lang="en-US" b="1" dirty="0" smtClean="0"/>
-              <a:t>Containerized servers</a:t>
-            </a:r>
-            <a:r>
-              <a:rPr lang="en-US" dirty="0" smtClean="0"/>
-              <a:t>: use containers to package applications and their dependencies.</a:t>
-            </a:r>
-          </a:p>
-          <a:p>
-            <a:pPr lvl="2"/>
-            <a:r>
-              <a:rPr lang="en-US" dirty="0" smtClean="0"/>
-              <a:t>Basically immutable servers, but with containers.</a:t>
+              <a:rPr lang="en-US" dirty="0" smtClean="0"/>
+              <a:t>Minimizes configuration drift by continuously reapplying configuration.</a:t>
             </a:r>
           </a:p>
           <a:p>
@@ -4739,7 +4640,11 @@
             <a:endParaRPr lang="en-US" dirty="0" smtClean="0"/>
           </a:p>
           <a:p>
-            <a:pPr lvl="1"/>
+            <a:pPr lvl="2"/>
+            <a:r>
+              <a:rPr lang="en-US" dirty="0" smtClean="0"/>
+              <a:t>Only manages configuration covered by definition files, creating opportunities for other parts of the server configuration to drift.</a:t>
+            </a:r>
             <a:endParaRPr lang="en-US" dirty="0"/>
           </a:p>
         </p:txBody>
@@ -4747,7 +4652,7 @@
     </p:spTree>
     <p:extLst>
       <p:ext uri="{BB962C8B-B14F-4D97-AF65-F5344CB8AC3E}">
-        <p14:creationId xmlns:p14="http://schemas.microsoft.com/office/powerpoint/2010/main" val="1969535460"/>
+        <p14:creationId xmlns:p14="http://schemas.microsoft.com/office/powerpoint/2010/main" val="2022118344"/>
       </p:ext>
     </p:extLst>
   </p:cSld>
@@ -4798,7 +4703,7 @@
           <a:p>
             <a:r>
               <a:rPr lang="en-US" dirty="0" smtClean="0"/>
-              <a:t>Dynamic Infrastructure Challenges</a:t>
+              <a:t>Update a server</a:t>
             </a:r>
             <a:endParaRPr lang="en-US" dirty="0"/>
           </a:p>
@@ -4816,33 +4721,42 @@
         </p:nvSpPr>
         <p:spPr>
           <a:xfrm>
-            <a:off x="457200" y="1600199"/>
-            <a:ext cx="8229600" cy="4625940"/>
+            <a:off x="457200" y="1600200"/>
+            <a:ext cx="8229600" cy="4687584"/>
           </a:xfrm>
         </p:spPr>
         <p:txBody>
           <a:bodyPr>
-            <a:normAutofit fontScale="55000" lnSpcReduction="20000"/>
+            <a:normAutofit fontScale="70000" lnSpcReduction="20000"/>
           </a:bodyPr>
           <a:lstStyle/>
           <a:p>
-            <a:r>
-              <a:rPr lang="en-US" dirty="0" smtClean="0"/>
-              <a:t>Server sprawl</a:t>
-            </a:r>
-          </a:p>
-          <a:p>
             <a:pPr lvl="1"/>
             <a:r>
-              <a:rPr lang="en-US" sz="2900" dirty="0" smtClean="0"/>
-              <a:t>It’s really easy to provision new servers.</a:t>
-            </a:r>
-          </a:p>
-          <a:p>
-            <a:pPr lvl="1"/>
-            <a:r>
-              <a:rPr lang="en-US" sz="2900" dirty="0" smtClean="0"/>
-              <a:t>It becomes difficult to patch and consistently maintain servers and the numbers grow.</a:t>
+              <a:rPr lang="en-US" b="1" dirty="0" smtClean="0"/>
+              <a:t>Immutable servers</a:t>
+            </a:r>
+            <a:r>
+              <a:rPr lang="en-US" dirty="0" smtClean="0"/>
+              <a:t>: a deployment methodology where we replace systems instead of updating them.</a:t>
+            </a:r>
+          </a:p>
+          <a:p>
+            <a:pPr lvl="2"/>
+            <a:r>
+              <a:rPr lang="en-US" dirty="0" smtClean="0"/>
+              <a:t>Allows us to fully test configuration changes and not worry about unexpected effects of changing running systems.</a:t>
+            </a:r>
+          </a:p>
+          <a:p>
+            <a:pPr lvl="2"/>
+            <a:endParaRPr lang="en-US" dirty="0" smtClean="0"/>
+          </a:p>
+          <a:p>
+            <a:pPr lvl="2"/>
+            <a:r>
+              <a:rPr lang="en-US" dirty="0" smtClean="0"/>
+              <a:t>Eliminates pets from the infrastructure environment.</a:t>
             </a:r>
           </a:p>
           <a:p>
@@ -4850,89 +4764,74 @@
             <a:endParaRPr lang="en-US" dirty="0" smtClean="0"/>
           </a:p>
           <a:p>
-            <a:r>
-              <a:rPr lang="en-US" dirty="0" smtClean="0"/>
-              <a:t>Configuration drift</a:t>
+            <a:pPr lvl="2"/>
+            <a:r>
+              <a:rPr lang="en-US" dirty="0" smtClean="0"/>
+              <a:t>Mitigates configuration drift because systems don’t live long.</a:t>
+            </a:r>
+          </a:p>
+          <a:p>
+            <a:pPr lvl="2"/>
+            <a:endParaRPr lang="en-US" dirty="0"/>
+          </a:p>
+          <a:p>
+            <a:pPr lvl="2"/>
+            <a:r>
+              <a:rPr lang="en-US" dirty="0" smtClean="0"/>
+              <a:t>Practice: replace servers anytime a server template changes.</a:t>
             </a:r>
           </a:p>
           <a:p>
             <a:pPr lvl="1"/>
-            <a:r>
-              <a:rPr lang="en-US" sz="2900" dirty="0" smtClean="0"/>
-              <a:t>Configuration of servers gradually change over time.</a:t>
+            <a:endParaRPr lang="en-US" dirty="0"/>
+          </a:p>
+          <a:p>
+            <a:pPr lvl="2"/>
+            <a:r>
+              <a:rPr lang="en-US" b="1" dirty="0" smtClean="0"/>
+              <a:t>Phoenix server </a:t>
+            </a:r>
+            <a:r>
+              <a:rPr lang="en-US" dirty="0" smtClean="0"/>
+              <a:t>pattern: replace servers on a scheduled basis regardless of whether changes need to be made or not. </a:t>
             </a:r>
           </a:p>
           <a:p>
             <a:pPr lvl="1"/>
-            <a:r>
-              <a:rPr lang="en-US" sz="2900" dirty="0" smtClean="0"/>
-              <a:t>Unmanaged variation leads to support and maintenance challenges.</a:t>
-            </a:r>
+            <a:endParaRPr lang="en-US" dirty="0"/>
           </a:p>
           <a:p>
             <a:pPr lvl="1"/>
+            <a:r>
+              <a:rPr lang="en-US" b="1" dirty="0" smtClean="0"/>
+              <a:t>Containerized servers</a:t>
+            </a:r>
+            <a:r>
+              <a:rPr lang="en-US" dirty="0" smtClean="0"/>
+              <a:t>: use containers to package applications and their dependencies.</a:t>
+            </a:r>
+          </a:p>
+          <a:p>
+            <a:pPr lvl="2"/>
+            <a:r>
+              <a:rPr lang="en-US" dirty="0" smtClean="0"/>
+              <a:t>Basically immutable servers, but with containers.</a:t>
+            </a:r>
+          </a:p>
+          <a:p>
+            <a:pPr lvl="2"/>
             <a:endParaRPr lang="en-US" dirty="0" smtClean="0"/>
           </a:p>
           <a:p>
-            <a:r>
-              <a:rPr lang="en-US" dirty="0" smtClean="0"/>
-              <a:t>Snowflake servers</a:t>
-            </a:r>
-          </a:p>
-          <a:p>
             <a:pPr lvl="1"/>
-            <a:r>
-              <a:rPr lang="en-US" sz="2900" dirty="0" smtClean="0"/>
-              <a:t>Unique servers that cannot be easily replicated.</a:t>
-            </a:r>
-          </a:p>
-          <a:p>
-            <a:pPr lvl="1"/>
-            <a:r>
-              <a:rPr lang="en-US" sz="2900" dirty="0" smtClean="0"/>
-              <a:t>Leads to fragile infrastructure and components that nobody knows how to fix.</a:t>
-            </a:r>
-          </a:p>
-          <a:p>
-            <a:endParaRPr lang="en-US" dirty="0" smtClean="0"/>
-          </a:p>
-          <a:p>
-            <a:r>
-              <a:rPr lang="en-US" dirty="0" smtClean="0"/>
-              <a:t>Automation fear</a:t>
-            </a:r>
-          </a:p>
-          <a:p>
-            <a:pPr lvl="1"/>
-            <a:r>
-              <a:rPr lang="en-US" sz="2900" dirty="0" smtClean="0"/>
-              <a:t>Fear of running automation tools because so much infrastructure is hand-cranked.</a:t>
-            </a:r>
-          </a:p>
-          <a:p>
-            <a:pPr lvl="1"/>
-            <a:endParaRPr lang="en-US" dirty="0" smtClean="0"/>
-          </a:p>
-          <a:p>
-            <a:r>
-              <a:rPr lang="en-US" dirty="0" smtClean="0"/>
-              <a:t>Erosion</a:t>
-            </a:r>
-          </a:p>
-          <a:p>
-            <a:pPr lvl="1"/>
-            <a:r>
-              <a:rPr lang="en-US" sz="2900" dirty="0" smtClean="0"/>
-              <a:t>Natural entropy suggests that problems will creep into systems over time.</a:t>
-            </a:r>
-            <a:endParaRPr lang="en-US" sz="2900" dirty="0"/>
+            <a:endParaRPr lang="en-US" dirty="0"/>
           </a:p>
         </p:txBody>
       </p:sp>
     </p:spTree>
     <p:extLst>
       <p:ext uri="{BB962C8B-B14F-4D97-AF65-F5344CB8AC3E}">
-        <p14:creationId xmlns:p14="http://schemas.microsoft.com/office/powerpoint/2010/main" val="1937070469"/>
+        <p14:creationId xmlns:p14="http://schemas.microsoft.com/office/powerpoint/2010/main" val="1969535460"/>
       </p:ext>
     </p:extLst>
   </p:cSld>
@@ -4983,6 +4882,191 @@
           <a:p>
             <a:r>
               <a:rPr lang="en-US" dirty="0" smtClean="0"/>
+              <a:t>Dynamic Infrastructure Challenges</a:t>
+            </a:r>
+            <a:endParaRPr lang="en-US" dirty="0"/>
+          </a:p>
+        </p:txBody>
+      </p:sp>
+      <p:sp>
+        <p:nvSpPr>
+          <p:cNvPr id="3" name="Content Placeholder 2"/>
+          <p:cNvSpPr>
+            <a:spLocks noGrp="1"/>
+          </p:cNvSpPr>
+          <p:nvPr>
+            <p:ph idx="1"/>
+          </p:nvPr>
+        </p:nvSpPr>
+        <p:spPr>
+          <a:xfrm>
+            <a:off x="457200" y="1600199"/>
+            <a:ext cx="8229600" cy="4625940"/>
+          </a:xfrm>
+        </p:spPr>
+        <p:txBody>
+          <a:bodyPr>
+            <a:normAutofit fontScale="55000" lnSpcReduction="20000"/>
+          </a:bodyPr>
+          <a:lstStyle/>
+          <a:p>
+            <a:r>
+              <a:rPr lang="en-US" dirty="0" smtClean="0"/>
+              <a:t>Server sprawl</a:t>
+            </a:r>
+          </a:p>
+          <a:p>
+            <a:pPr lvl="1"/>
+            <a:r>
+              <a:rPr lang="en-US" sz="2900" dirty="0" smtClean="0"/>
+              <a:t>It’s really easy to provision new servers.</a:t>
+            </a:r>
+          </a:p>
+          <a:p>
+            <a:pPr lvl="1"/>
+            <a:r>
+              <a:rPr lang="en-US" sz="2900" dirty="0" smtClean="0"/>
+              <a:t>It becomes difficult to patch and consistently maintain servers and the numbers grow.</a:t>
+            </a:r>
+          </a:p>
+          <a:p>
+            <a:pPr lvl="1"/>
+            <a:endParaRPr lang="en-US" dirty="0" smtClean="0"/>
+          </a:p>
+          <a:p>
+            <a:r>
+              <a:rPr lang="en-US" dirty="0" smtClean="0"/>
+              <a:t>Configuration drift</a:t>
+            </a:r>
+          </a:p>
+          <a:p>
+            <a:pPr lvl="1"/>
+            <a:r>
+              <a:rPr lang="en-US" sz="2900" dirty="0" smtClean="0"/>
+              <a:t>Configuration of servers gradually change over time.</a:t>
+            </a:r>
+          </a:p>
+          <a:p>
+            <a:pPr lvl="1"/>
+            <a:r>
+              <a:rPr lang="en-US" sz="2900" dirty="0" smtClean="0"/>
+              <a:t>Unmanaged variation leads to support and maintenance challenges.</a:t>
+            </a:r>
+          </a:p>
+          <a:p>
+            <a:pPr lvl="1"/>
+            <a:endParaRPr lang="en-US" dirty="0" smtClean="0"/>
+          </a:p>
+          <a:p>
+            <a:r>
+              <a:rPr lang="en-US" dirty="0" smtClean="0"/>
+              <a:t>Snowflake servers</a:t>
+            </a:r>
+          </a:p>
+          <a:p>
+            <a:pPr lvl="1"/>
+            <a:r>
+              <a:rPr lang="en-US" sz="2900" dirty="0" smtClean="0"/>
+              <a:t>Unique servers that cannot be easily replicated.</a:t>
+            </a:r>
+          </a:p>
+          <a:p>
+            <a:pPr lvl="1"/>
+            <a:r>
+              <a:rPr lang="en-US" sz="2900" dirty="0" smtClean="0"/>
+              <a:t>Leads to fragile infrastructure and components that nobody knows how to fix.</a:t>
+            </a:r>
+          </a:p>
+          <a:p>
+            <a:endParaRPr lang="en-US" dirty="0" smtClean="0"/>
+          </a:p>
+          <a:p>
+            <a:r>
+              <a:rPr lang="en-US" dirty="0" smtClean="0"/>
+              <a:t>Automation fear</a:t>
+            </a:r>
+          </a:p>
+          <a:p>
+            <a:pPr lvl="1"/>
+            <a:r>
+              <a:rPr lang="en-US" sz="2900" dirty="0" smtClean="0"/>
+              <a:t>Fear of running automation tools because so much infrastructure is hand-cranked.</a:t>
+            </a:r>
+          </a:p>
+          <a:p>
+            <a:pPr lvl="1"/>
+            <a:endParaRPr lang="en-US" dirty="0" smtClean="0"/>
+          </a:p>
+          <a:p>
+            <a:r>
+              <a:rPr lang="en-US" dirty="0" smtClean="0"/>
+              <a:t>Erosion</a:t>
+            </a:r>
+          </a:p>
+          <a:p>
+            <a:pPr lvl="1"/>
+            <a:r>
+              <a:rPr lang="en-US" sz="2900" dirty="0" smtClean="0"/>
+              <a:t>Natural entropy suggests that problems will creep into systems over time.</a:t>
+            </a:r>
+            <a:endParaRPr lang="en-US" sz="2900" dirty="0"/>
+          </a:p>
+        </p:txBody>
+      </p:sp>
+    </p:spTree>
+    <p:extLst>
+      <p:ext uri="{BB962C8B-B14F-4D97-AF65-F5344CB8AC3E}">
+        <p14:creationId xmlns:p14="http://schemas.microsoft.com/office/powerpoint/2010/main" val="1937070469"/>
+      </p:ext>
+    </p:extLst>
+  </p:cSld>
+  <p:clrMapOvr>
+    <a:masterClrMapping/>
+  </p:clrMapOvr>
+  <p:timing>
+    <p:tnLst>
+      <p:par>
+        <p:cTn id="1" dur="indefinite" restart="never" nodeType="tmRoot"/>
+      </p:par>
+    </p:tnLst>
+  </p:timing>
+</p:sld>
+</file>
+
+<file path=ppt/slides/slide18.xml><?xml version="1.0" encoding="utf-8"?>
+<p:sld xmlns:a="http://schemas.openxmlformats.org/drawingml/2006/main" xmlns:r="http://schemas.openxmlformats.org/officeDocument/2006/relationships" xmlns:p="http://schemas.openxmlformats.org/presentationml/2006/main">
+  <p:cSld>
+    <p:spTree>
+      <p:nvGrpSpPr>
+        <p:cNvPr id="1" name=""/>
+        <p:cNvGrpSpPr/>
+        <p:nvPr/>
+      </p:nvGrpSpPr>
+      <p:grpSpPr>
+        <a:xfrm>
+          <a:off x="0" y="0"/>
+          <a:ext cx="0" cy="0"/>
+          <a:chOff x="0" y="0"/>
+          <a:chExt cx="0" cy="0"/>
+        </a:xfrm>
+      </p:grpSpPr>
+      <p:sp>
+        <p:nvSpPr>
+          <p:cNvPr id="2" name="Title 1"/>
+          <p:cNvSpPr>
+            <a:spLocks noGrp="1"/>
+          </p:cNvSpPr>
+          <p:nvPr>
+            <p:ph type="title"/>
+          </p:nvPr>
+        </p:nvSpPr>
+        <p:spPr/>
+        <p:txBody>
+          <a:bodyPr/>
+          <a:lstStyle/>
+          <a:p>
+            <a:r>
+              <a:rPr lang="en-US" dirty="0" smtClean="0"/>
               <a:t>Continuous synchronization</a:t>
             </a:r>
             <a:endParaRPr lang="en-US" dirty="0"/>
@@ -5141,7 +5225,7 @@
 </p:sld>
 </file>
 
-<file path=ppt/slides/slide18.xml><?xml version="1.0" encoding="utf-8"?>
+<file path=ppt/slides/slide19.xml><?xml version="1.0" encoding="utf-8"?>
 <p:sld xmlns:a="http://schemas.openxmlformats.org/drawingml/2006/main" xmlns:r="http://schemas.openxmlformats.org/officeDocument/2006/relationships" xmlns:p="http://schemas.openxmlformats.org/presentationml/2006/main">
   <p:cSld>
     <p:spTree>
@@ -5350,7 +5434,114 @@
 </p:sld>
 </file>
 
-<file path=ppt/slides/slide19.xml><?xml version="1.0" encoding="utf-8"?>
+<file path=ppt/slides/slide2.xml><?xml version="1.0" encoding="utf-8"?>
+<p:sld xmlns:a="http://schemas.openxmlformats.org/drawingml/2006/main" xmlns:r="http://schemas.openxmlformats.org/officeDocument/2006/relationships" xmlns:p="http://schemas.openxmlformats.org/presentationml/2006/main">
+  <p:cSld>
+    <p:spTree>
+      <p:nvGrpSpPr>
+        <p:cNvPr id="1" name=""/>
+        <p:cNvGrpSpPr/>
+        <p:nvPr/>
+      </p:nvGrpSpPr>
+      <p:grpSpPr>
+        <a:xfrm>
+          <a:off x="0" y="0"/>
+          <a:ext cx="0" cy="0"/>
+          <a:chOff x="0" y="0"/>
+          <a:chExt cx="0" cy="0"/>
+        </a:xfrm>
+      </p:grpSpPr>
+      <p:sp>
+        <p:nvSpPr>
+          <p:cNvPr id="2" name="Title 1"/>
+          <p:cNvSpPr>
+            <a:spLocks noGrp="1"/>
+          </p:cNvSpPr>
+          <p:nvPr>
+            <p:ph type="title"/>
+          </p:nvPr>
+        </p:nvSpPr>
+        <p:spPr/>
+        <p:txBody>
+          <a:bodyPr/>
+          <a:lstStyle/>
+          <a:p>
+            <a:r>
+              <a:rPr lang="en-US" dirty="0" smtClean="0"/>
+              <a:t>Agenda</a:t>
+            </a:r>
+            <a:endParaRPr lang="en-US" dirty="0"/>
+          </a:p>
+        </p:txBody>
+      </p:sp>
+      <p:sp>
+        <p:nvSpPr>
+          <p:cNvPr id="3" name="Content Placeholder 2"/>
+          <p:cNvSpPr>
+            <a:spLocks noGrp="1"/>
+          </p:cNvSpPr>
+          <p:nvPr>
+            <p:ph idx="1"/>
+          </p:nvPr>
+        </p:nvSpPr>
+        <p:spPr/>
+        <p:txBody>
+          <a:bodyPr/>
+          <a:lstStyle/>
+          <a:p>
+            <a:r>
+              <a:rPr lang="en-US" dirty="0" smtClean="0"/>
+              <a:t>Application Deployment Strategies</a:t>
+            </a:r>
+          </a:p>
+          <a:p>
+            <a:r>
+              <a:rPr lang="en-US" dirty="0" smtClean="0"/>
+              <a:t>Immutable Infrastructure</a:t>
+            </a:r>
+          </a:p>
+          <a:p>
+            <a:r>
+              <a:rPr lang="en-US" dirty="0" smtClean="0"/>
+              <a:t>Packer</a:t>
+            </a:r>
+          </a:p>
+          <a:p>
+            <a:r>
+              <a:rPr lang="en-US" dirty="0" smtClean="0"/>
+              <a:t>Configuration Management</a:t>
+            </a:r>
+          </a:p>
+          <a:p>
+            <a:r>
+              <a:rPr lang="en-US" dirty="0" err="1" smtClean="0"/>
+              <a:t>Ansible</a:t>
+            </a:r>
+            <a:endParaRPr lang="en-US" dirty="0" smtClean="0"/>
+          </a:p>
+        </p:txBody>
+      </p:sp>
+    </p:spTree>
+    <p:extLst>
+      <p:ext uri="{BB962C8B-B14F-4D97-AF65-F5344CB8AC3E}">
+        <p14:creationId xmlns:p14="http://schemas.microsoft.com/office/powerpoint/2010/main" val="1923720609"/>
+      </p:ext>
+    </p:extLst>
+  </p:cSld>
+  <p:clrMapOvr>
+    <a:masterClrMapping/>
+  </p:clrMapOvr>
+  <p:timing>
+    <p:tnLst>
+      <p:par>
+        <p:cTn id="1" dur="indefinite" restart="never" nodeType="tmRoot"/>
+      </p:par>
+    </p:tnLst>
+  </p:timing>
+</p:sld>
+</file>
+
+<file path=ppt/slides/slide20.xml><?xml version="1.0" encoding="utf-8"?>
 <p:sld xmlns:a="http://schemas.openxmlformats.org/drawingml/2006/main" xmlns:r="http://schemas.openxmlformats.org/officeDocument/2006/relationships" xmlns:p="http://schemas.openxmlformats.org/presentationml/2006/main">
   <p:cSld>
     <p:spTree>
@@ -5438,114 +5629,7 @@
 </p:sld>
 </file>
 
-<file path=ppt/slides/slide2.xml><?xml version="1.0" encoding="utf-8"?>
-<p:sld xmlns:a="http://schemas.openxmlformats.org/drawingml/2006/main" xmlns:r="http://schemas.openxmlformats.org/officeDocument/2006/relationships" xmlns:p="http://schemas.openxmlformats.org/presentationml/2006/main">
-  <p:cSld>
-    <p:spTree>
-      <p:nvGrpSpPr>
-        <p:cNvPr id="1" name=""/>
-        <p:cNvGrpSpPr/>
-        <p:nvPr/>
-      </p:nvGrpSpPr>
-      <p:grpSpPr>
-        <a:xfrm>
-          <a:off x="0" y="0"/>
-          <a:ext cx="0" cy="0"/>
-          <a:chOff x="0" y="0"/>
-          <a:chExt cx="0" cy="0"/>
-        </a:xfrm>
-      </p:grpSpPr>
-      <p:sp>
-        <p:nvSpPr>
-          <p:cNvPr id="2" name="Title 1"/>
-          <p:cNvSpPr>
-            <a:spLocks noGrp="1"/>
-          </p:cNvSpPr>
-          <p:nvPr>
-            <p:ph type="title"/>
-          </p:nvPr>
-        </p:nvSpPr>
-        <p:spPr/>
-        <p:txBody>
-          <a:bodyPr/>
-          <a:lstStyle/>
-          <a:p>
-            <a:r>
-              <a:rPr lang="en-US" dirty="0" smtClean="0"/>
-              <a:t>Agenda</a:t>
-            </a:r>
-            <a:endParaRPr lang="en-US" dirty="0"/>
-          </a:p>
-        </p:txBody>
-      </p:sp>
-      <p:sp>
-        <p:nvSpPr>
-          <p:cNvPr id="3" name="Content Placeholder 2"/>
-          <p:cNvSpPr>
-            <a:spLocks noGrp="1"/>
-          </p:cNvSpPr>
-          <p:nvPr>
-            <p:ph idx="1"/>
-          </p:nvPr>
-        </p:nvSpPr>
-        <p:spPr/>
-        <p:txBody>
-          <a:bodyPr/>
-          <a:lstStyle/>
-          <a:p>
-            <a:r>
-              <a:rPr lang="en-US" dirty="0" smtClean="0"/>
-              <a:t>Application Deployment Strategies</a:t>
-            </a:r>
-          </a:p>
-          <a:p>
-            <a:r>
-              <a:rPr lang="en-US" dirty="0" smtClean="0"/>
-              <a:t>Immutable Infrastructure</a:t>
-            </a:r>
-          </a:p>
-          <a:p>
-            <a:r>
-              <a:rPr lang="en-US" dirty="0" smtClean="0"/>
-              <a:t>Packer</a:t>
-            </a:r>
-          </a:p>
-          <a:p>
-            <a:r>
-              <a:rPr lang="en-US" dirty="0" smtClean="0"/>
-              <a:t>Configuration Management</a:t>
-            </a:r>
-          </a:p>
-          <a:p>
-            <a:r>
-              <a:rPr lang="en-US" dirty="0" err="1" smtClean="0"/>
-              <a:t>Ansible</a:t>
-            </a:r>
-            <a:endParaRPr lang="en-US" dirty="0" smtClean="0"/>
-          </a:p>
-        </p:txBody>
-      </p:sp>
-    </p:spTree>
-    <p:extLst>
-      <p:ext uri="{BB962C8B-B14F-4D97-AF65-F5344CB8AC3E}">
-        <p14:creationId xmlns:p14="http://schemas.microsoft.com/office/powerpoint/2010/main" val="1923720609"/>
-      </p:ext>
-    </p:extLst>
-  </p:cSld>
-  <p:clrMapOvr>
-    <a:masterClrMapping/>
-  </p:clrMapOvr>
-  <p:timing>
-    <p:tnLst>
-      <p:par>
-        <p:cTn id="1" dur="indefinite" restart="never" nodeType="tmRoot"/>
-      </p:par>
-    </p:tnLst>
-  </p:timing>
-</p:sld>
-</file>
-
-<file path=ppt/slides/slide20.xml><?xml version="1.0" encoding="utf-8"?>
+<file path=ppt/slides/slide21.xml><?xml version="1.0" encoding="utf-8"?>
 <p:sld xmlns:a="http://schemas.openxmlformats.org/drawingml/2006/main" xmlns:r="http://schemas.openxmlformats.org/officeDocument/2006/relationships" xmlns:p="http://schemas.openxmlformats.org/presentationml/2006/main">
   <p:cSld>
     <p:spTree>
@@ -5741,7 +5825,7 @@
 </p:sld>
 </file>
 
-<file path=ppt/slides/slide21.xml><?xml version="1.0" encoding="utf-8"?>
+<file path=ppt/slides/slide22.xml><?xml version="1.0" encoding="utf-8"?>
 <p:sld xmlns:a="http://schemas.openxmlformats.org/drawingml/2006/main" xmlns:r="http://schemas.openxmlformats.org/officeDocument/2006/relationships" xmlns:p="http://schemas.openxmlformats.org/presentationml/2006/main">
   <p:cSld>
     <p:spTree>
@@ -5825,323 +5909,6 @@
 </p:sld>
 </file>
 
-<file path=ppt/slides/slide22.xml><?xml version="1.0" encoding="utf-8"?>
-<p:sld xmlns:a="http://schemas.openxmlformats.org/drawingml/2006/main" xmlns:r="http://schemas.openxmlformats.org/officeDocument/2006/relationships" xmlns:p="http://schemas.openxmlformats.org/presentationml/2006/main">
-  <p:cSld>
-    <p:spTree>
-      <p:nvGrpSpPr>
-        <p:cNvPr id="1" name=""/>
-        <p:cNvGrpSpPr/>
-        <p:nvPr/>
-      </p:nvGrpSpPr>
-      <p:grpSpPr>
-        <a:xfrm>
-          <a:off x="0" y="0"/>
-          <a:ext cx="0" cy="0"/>
-          <a:chOff x="0" y="0"/>
-          <a:chExt cx="0" cy="0"/>
-        </a:xfrm>
-      </p:grpSpPr>
-      <p:sp>
-        <p:nvSpPr>
-          <p:cNvPr id="2" name="Title 1"/>
-          <p:cNvSpPr>
-            <a:spLocks noGrp="1"/>
-          </p:cNvSpPr>
-          <p:nvPr>
-            <p:ph type="title"/>
-          </p:nvPr>
-        </p:nvSpPr>
-        <p:spPr/>
-        <p:txBody>
-          <a:bodyPr/>
-          <a:lstStyle/>
-          <a:p>
-            <a:r>
-              <a:rPr lang="en-US" dirty="0" smtClean="0"/>
-              <a:t>Inventory</a:t>
-            </a:r>
-            <a:endParaRPr lang="en-US" dirty="0"/>
-          </a:p>
-        </p:txBody>
-      </p:sp>
-      <p:sp>
-        <p:nvSpPr>
-          <p:cNvPr id="3" name="Content Placeholder 2"/>
-          <p:cNvSpPr>
-            <a:spLocks noGrp="1"/>
-          </p:cNvSpPr>
-          <p:nvPr>
-            <p:ph idx="1"/>
-          </p:nvPr>
-        </p:nvSpPr>
-        <p:spPr/>
-        <p:txBody>
-          <a:bodyPr>
-            <a:normAutofit fontScale="92500" lnSpcReduction="10000"/>
-          </a:bodyPr>
-          <a:lstStyle/>
-          <a:p>
-            <a:r>
-              <a:rPr lang="en-US" dirty="0" err="1" smtClean="0"/>
-              <a:t>Ansible</a:t>
-            </a:r>
-            <a:r>
-              <a:rPr lang="en-US" dirty="0" smtClean="0"/>
-              <a:t> uses an inventory file, named </a:t>
-            </a:r>
-            <a:r>
-              <a:rPr lang="en-US" sz="2800" b="1" dirty="0" smtClean="0">
-                <a:latin typeface="Consolas" charset="0"/>
-                <a:ea typeface="Consolas" charset="0"/>
-                <a:cs typeface="Consolas" charset="0"/>
-              </a:rPr>
-              <a:t>hosts</a:t>
-            </a:r>
-            <a:r>
-              <a:rPr lang="en-US" dirty="0" smtClean="0"/>
-              <a:t>, to store a list of systems that may be configured.</a:t>
-            </a:r>
-          </a:p>
-          <a:p>
-            <a:endParaRPr lang="en-US" dirty="0" smtClean="0"/>
-          </a:p>
-          <a:p>
-            <a:pPr lvl="1"/>
-            <a:r>
-              <a:rPr lang="en-US" dirty="0" smtClean="0"/>
-              <a:t>The hosts file uses an INI-like format:</a:t>
-            </a:r>
-          </a:p>
-          <a:p>
-            <a:pPr lvl="1"/>
-            <a:endParaRPr lang="en-US" dirty="0" smtClean="0"/>
-          </a:p>
-          <a:p>
-            <a:pPr marL="457200" lvl="1" indent="0">
-              <a:buNone/>
-            </a:pPr>
-            <a:r>
-              <a:rPr lang="en-US" sz="1600" dirty="0">
-                <a:latin typeface="Consolas" charset="0"/>
-                <a:ea typeface="Consolas" charset="0"/>
-                <a:cs typeface="Consolas" charset="0"/>
-              </a:rPr>
-              <a:t>[webservers</a:t>
-            </a:r>
-            <a:r>
-              <a:rPr lang="en-US" sz="1600" dirty="0" smtClean="0">
-                <a:latin typeface="Consolas" charset="0"/>
-                <a:ea typeface="Consolas" charset="0"/>
-                <a:cs typeface="Consolas" charset="0"/>
-              </a:rPr>
-              <a:t>]</a:t>
-            </a:r>
-          </a:p>
-          <a:p>
-            <a:pPr marL="457200" lvl="1" indent="0">
-              <a:buNone/>
-            </a:pPr>
-            <a:r>
-              <a:rPr lang="en-US" sz="1600" dirty="0" smtClean="0">
-                <a:latin typeface="Consolas" charset="0"/>
-                <a:ea typeface="Consolas" charset="0"/>
-                <a:cs typeface="Consolas" charset="0"/>
-              </a:rPr>
-              <a:t>web1 </a:t>
-            </a:r>
-            <a:r>
-              <a:rPr lang="en-US" sz="1600" dirty="0" err="1">
-                <a:latin typeface="Consolas" charset="0"/>
-                <a:ea typeface="Consolas" charset="0"/>
-                <a:cs typeface="Consolas" charset="0"/>
-              </a:rPr>
-              <a:t>ansible_host</a:t>
-            </a:r>
-            <a:r>
-              <a:rPr lang="en-US" sz="1600" dirty="0">
-                <a:latin typeface="Consolas" charset="0"/>
-                <a:ea typeface="Consolas" charset="0"/>
-                <a:cs typeface="Consolas" charset="0"/>
-              </a:rPr>
-              <a:t>=54.162.154.245 </a:t>
-            </a:r>
-            <a:r>
-              <a:rPr lang="en-US" sz="1600" dirty="0" err="1" smtClean="0">
-                <a:latin typeface="Consolas" charset="0"/>
-                <a:ea typeface="Consolas" charset="0"/>
-                <a:cs typeface="Consolas" charset="0"/>
-              </a:rPr>
-              <a:t>ansible_user</a:t>
-            </a:r>
-            <a:r>
-              <a:rPr lang="en-US" sz="1600" dirty="0" smtClean="0">
-                <a:latin typeface="Consolas" charset="0"/>
-                <a:ea typeface="Consolas" charset="0"/>
-                <a:cs typeface="Consolas" charset="0"/>
-              </a:rPr>
-              <a:t>=ec2-user</a:t>
-            </a:r>
-          </a:p>
-          <a:p>
-            <a:pPr marL="457200" lvl="1" indent="0">
-              <a:buNone/>
-            </a:pPr>
-            <a:r>
-              <a:rPr lang="en-US" sz="1600" dirty="0">
-                <a:latin typeface="Consolas" charset="0"/>
-                <a:ea typeface="Consolas" charset="0"/>
-                <a:cs typeface="Consolas" charset="0"/>
-              </a:rPr>
-              <a:t>w</a:t>
-            </a:r>
-            <a:r>
-              <a:rPr lang="en-US" sz="1600" dirty="0" smtClean="0">
-                <a:latin typeface="Consolas" charset="0"/>
-                <a:ea typeface="Consolas" charset="0"/>
-                <a:cs typeface="Consolas" charset="0"/>
-              </a:rPr>
-              <a:t>eb2.mydomain.com </a:t>
-            </a:r>
-            <a:r>
-              <a:rPr lang="en-US" sz="1600" dirty="0" err="1" smtClean="0">
-                <a:latin typeface="Consolas" charset="0"/>
-                <a:ea typeface="Consolas" charset="0"/>
-                <a:cs typeface="Consolas" charset="0"/>
-              </a:rPr>
-              <a:t>ansible_user</a:t>
-            </a:r>
-            <a:r>
-              <a:rPr lang="en-US" sz="1600" dirty="0" smtClean="0">
-                <a:latin typeface="Consolas" charset="0"/>
-                <a:ea typeface="Consolas" charset="0"/>
-                <a:cs typeface="Consolas" charset="0"/>
-              </a:rPr>
-              <a:t>=ec2-user</a:t>
-            </a:r>
-          </a:p>
-          <a:p>
-            <a:pPr marL="457200" lvl="1" indent="0">
-              <a:buNone/>
-            </a:pPr>
-            <a:endParaRPr lang="en-US" sz="1600" dirty="0">
-              <a:latin typeface="Consolas" charset="0"/>
-              <a:ea typeface="Consolas" charset="0"/>
-              <a:cs typeface="Consolas" charset="0"/>
-            </a:endParaRPr>
-          </a:p>
-          <a:p>
-            <a:pPr marL="457200" lvl="1" indent="0">
-              <a:buNone/>
-            </a:pPr>
-            <a:r>
-              <a:rPr lang="en-US" sz="1600" dirty="0" smtClean="0">
-                <a:latin typeface="Consolas" charset="0"/>
-                <a:ea typeface="Consolas" charset="0"/>
-                <a:cs typeface="Consolas" charset="0"/>
-              </a:rPr>
-              <a:t>[databases]</a:t>
-            </a:r>
-          </a:p>
-          <a:p>
-            <a:pPr marL="457200" lvl="1" indent="0">
-              <a:buNone/>
-            </a:pPr>
-            <a:r>
-              <a:rPr lang="en-US" sz="1600" dirty="0" err="1" smtClean="0">
-                <a:latin typeface="Consolas" charset="0"/>
-                <a:ea typeface="Consolas" charset="0"/>
-                <a:cs typeface="Consolas" charset="0"/>
-              </a:rPr>
-              <a:t>db</a:t>
-            </a:r>
-            <a:r>
-              <a:rPr lang="en-US" sz="1600" dirty="0" smtClean="0">
-                <a:latin typeface="Consolas" charset="0"/>
-                <a:ea typeface="Consolas" charset="0"/>
-                <a:cs typeface="Consolas" charset="0"/>
-              </a:rPr>
-              <a:t>[01:10].</a:t>
-            </a:r>
-            <a:r>
-              <a:rPr lang="en-US" sz="1600" dirty="0" err="1" smtClean="0">
-                <a:latin typeface="Consolas" charset="0"/>
-                <a:ea typeface="Consolas" charset="0"/>
-                <a:cs typeface="Consolas" charset="0"/>
-              </a:rPr>
-              <a:t>mydomain.com</a:t>
-            </a:r>
-            <a:r>
-              <a:rPr lang="en-US" sz="1600" dirty="0" smtClean="0">
-                <a:latin typeface="Consolas" charset="0"/>
-                <a:ea typeface="Consolas" charset="0"/>
-                <a:cs typeface="Consolas" charset="0"/>
-              </a:rPr>
-              <a:t> </a:t>
-            </a:r>
-            <a:r>
-              <a:rPr lang="en-US" sz="1600" dirty="0" err="1" smtClean="0">
-                <a:latin typeface="Consolas" charset="0"/>
-                <a:ea typeface="Consolas" charset="0"/>
-                <a:cs typeface="Consolas" charset="0"/>
-              </a:rPr>
-              <a:t>maxRequests</a:t>
-            </a:r>
-            <a:r>
-              <a:rPr lang="en-US" sz="1600" dirty="0" smtClean="0">
-                <a:latin typeface="Consolas" charset="0"/>
-                <a:ea typeface="Consolas" charset="0"/>
-                <a:cs typeface="Consolas" charset="0"/>
-              </a:rPr>
-              <a:t>=1000</a:t>
-            </a:r>
-          </a:p>
-          <a:p>
-            <a:pPr marL="457200" lvl="1" indent="0">
-              <a:buNone/>
-            </a:pPr>
-            <a:endParaRPr lang="en-US" sz="1600" dirty="0">
-              <a:latin typeface="Consolas" charset="0"/>
-              <a:ea typeface="Consolas" charset="0"/>
-              <a:cs typeface="Consolas" charset="0"/>
-            </a:endParaRPr>
-          </a:p>
-          <a:p>
-            <a:pPr lvl="1"/>
-            <a:r>
-              <a:rPr lang="en-US" dirty="0" smtClean="0">
-                <a:ea typeface="Consolas" charset="0"/>
-                <a:cs typeface="Consolas" charset="0"/>
-              </a:rPr>
-              <a:t>Hosts may be members of one or more groups.</a:t>
-            </a:r>
-            <a:endParaRPr lang="en-US" dirty="0">
-              <a:ea typeface="Consolas" charset="0"/>
-              <a:cs typeface="Consolas" charset="0"/>
-            </a:endParaRPr>
-          </a:p>
-        </p:txBody>
-      </p:sp>
-    </p:spTree>
-    <p:extLst>
-      <p:ext uri="{BB962C8B-B14F-4D97-AF65-F5344CB8AC3E}">
-        <p14:creationId xmlns:p14="http://schemas.microsoft.com/office/powerpoint/2010/main" val="246243568"/>
-      </p:ext>
-    </p:extLst>
-  </p:cSld>
-  <p:clrMapOvr>
-    <a:masterClrMapping/>
-  </p:clrMapOvr>
-  <p:timing>
-    <p:tnLst>
-      <p:par>
-        <p:cTn id="1" dur="indefinite" restart="never" nodeType="tmRoot"/>
-      </p:par>
-    </p:tnLst>
-  </p:timing>
-</p:sld>
-</file>
-
 <file path=ppt/slides/slide23.xml><?xml version="1.0" encoding="utf-8"?>
 <p:sld xmlns:a="http://schemas.openxmlformats.org/drawingml/2006/main" xmlns:r="http://schemas.openxmlformats.org/officeDocument/2006/relationships" xmlns:p="http://schemas.openxmlformats.org/presentationml/2006/main">
   <p:cSld>
@@ -6176,7 +5943,7 @@
           <a:p>
             <a:r>
               <a:rPr lang="en-US" dirty="0" smtClean="0"/>
-              <a:t>Inventory Variables</a:t>
+              <a:t>Inventory</a:t>
             </a:r>
             <a:endParaRPr lang="en-US" dirty="0"/>
           </a:p>
@@ -6195,187 +5962,254 @@
         <p:spPr/>
         <p:txBody>
           <a:bodyPr>
-            <a:normAutofit fontScale="85000" lnSpcReduction="20000"/>
+            <a:normAutofit fontScale="92500" lnSpcReduction="10000"/>
           </a:bodyPr>
           <a:lstStyle/>
           <a:p>
             <a:r>
-              <a:rPr lang="en-US" dirty="0" smtClean="0"/>
-              <a:t>Variables hold values that hosts or groups of hosts can use for configuration.</a:t>
-            </a:r>
+              <a:rPr lang="en-US" dirty="0" err="1" smtClean="0"/>
+              <a:t>Ansible</a:t>
+            </a:r>
+            <a:r>
+              <a:rPr lang="en-US" dirty="0" smtClean="0"/>
+              <a:t> uses an inventory file, named </a:t>
+            </a:r>
+            <a:r>
+              <a:rPr lang="en-US" sz="2800" b="1" dirty="0" smtClean="0">
+                <a:latin typeface="Consolas" charset="0"/>
+                <a:ea typeface="Consolas" charset="0"/>
+                <a:cs typeface="Consolas" charset="0"/>
+              </a:rPr>
+              <a:t>hosts</a:t>
+            </a:r>
+            <a:r>
+              <a:rPr lang="en-US" dirty="0" smtClean="0"/>
+              <a:t>, to store a list of systems that may be configured.</a:t>
+            </a:r>
+          </a:p>
+          <a:p>
+            <a:endParaRPr lang="en-US" dirty="0" smtClean="0"/>
           </a:p>
           <a:p>
             <a:pPr lvl="1"/>
             <a:r>
               <a:rPr lang="en-US" dirty="0" smtClean="0"/>
-              <a:t>Dynamically alter how playbooks run.</a:t>
-            </a:r>
-          </a:p>
-          <a:p>
-            <a:endParaRPr lang="en-US" dirty="0"/>
-          </a:p>
-          <a:p>
-            <a:r>
-              <a:rPr lang="en-US" dirty="0" smtClean="0"/>
-              <a:t>We can pass in variables via the inventory (</a:t>
-            </a:r>
-            <a:r>
-              <a:rPr lang="en-US" b="1" dirty="0" err="1" smtClean="0"/>
-              <a:t>group_vars</a:t>
-            </a:r>
-            <a:r>
-              <a:rPr lang="en-US" dirty="0" smtClean="0"/>
-              <a:t> or </a:t>
-            </a:r>
-            <a:r>
-              <a:rPr lang="en-US" b="1" dirty="0" err="1" smtClean="0"/>
-              <a:t>host_vars</a:t>
-            </a:r>
-            <a:r>
-              <a:rPr lang="en-US" dirty="0"/>
-              <a:t> </a:t>
-            </a:r>
-            <a:r>
-              <a:rPr lang="en-US" dirty="0" smtClean="0"/>
-              <a:t>directories), command line, or using facts.</a:t>
-            </a:r>
-          </a:p>
-          <a:p>
+              <a:t>The hosts file uses an INI-like format:</a:t>
+            </a:r>
+          </a:p>
+          <a:p>
+            <a:pPr lvl="1"/>
             <a:endParaRPr lang="en-US" dirty="0" smtClean="0"/>
           </a:p>
           <a:p>
-            <a:r>
-              <a:rPr lang="en-US" dirty="0" smtClean="0"/>
-              <a:t>Example for ../</a:t>
-            </a:r>
-            <a:r>
-              <a:rPr lang="en-US" dirty="0" err="1" smtClean="0"/>
-              <a:t>group_vars</a:t>
-            </a:r>
-            <a:r>
-              <a:rPr lang="en-US" dirty="0" smtClean="0"/>
-              <a:t>/</a:t>
-            </a:r>
-            <a:r>
-              <a:rPr lang="en-US" dirty="0" err="1" smtClean="0"/>
-              <a:t>webservers.yml</a:t>
-            </a:r>
-            <a:endParaRPr lang="en-US" dirty="0" smtClean="0"/>
-          </a:p>
-          <a:p>
-            <a:endParaRPr lang="en-US" dirty="0"/>
-          </a:p>
-          <a:p>
-            <a:pPr marL="0" indent="0">
-              <a:buNone/>
-            </a:pPr>
-            <a:r>
-              <a:rPr lang="en-US" dirty="0" smtClean="0">
-                <a:latin typeface="Consolas" charset="0"/>
-                <a:ea typeface="Consolas" charset="0"/>
-                <a:cs typeface="Consolas" charset="0"/>
-              </a:rPr>
-              <a:t>	</a:t>
-            </a:r>
-            <a:r>
-              <a:rPr lang="en-US" sz="2400" dirty="0" smtClean="0">
-                <a:latin typeface="Consolas" charset="0"/>
-                <a:ea typeface="Consolas" charset="0"/>
-                <a:cs typeface="Consolas" charset="0"/>
-              </a:rPr>
-              <a:t>---</a:t>
-            </a:r>
-          </a:p>
-          <a:p>
-            <a:pPr marL="0" indent="0">
-              <a:buNone/>
-            </a:pPr>
-            <a:r>
-              <a:rPr lang="en-US" sz="2400" dirty="0">
-                <a:latin typeface="Consolas" charset="0"/>
-                <a:ea typeface="Consolas" charset="0"/>
-                <a:cs typeface="Consolas" charset="0"/>
-              </a:rPr>
-              <a:t>	</a:t>
-            </a:r>
-            <a:r>
-              <a:rPr lang="en-US" sz="2400" dirty="0" err="1" smtClean="0">
-                <a:latin typeface="Consolas" charset="0"/>
-                <a:ea typeface="Consolas" charset="0"/>
-                <a:cs typeface="Consolas" charset="0"/>
-              </a:rPr>
-              <a:t>ntp_server</a:t>
-            </a:r>
-            <a:r>
-              <a:rPr lang="en-US" sz="2400" dirty="0" smtClean="0">
-                <a:latin typeface="Consolas" charset="0"/>
-                <a:ea typeface="Consolas" charset="0"/>
-                <a:cs typeface="Consolas" charset="0"/>
-              </a:rPr>
-              <a:t>: </a:t>
-            </a:r>
-            <a:r>
-              <a:rPr lang="en-US" sz="2400" dirty="0" err="1" smtClean="0">
-                <a:latin typeface="Consolas" charset="0"/>
-                <a:ea typeface="Consolas" charset="0"/>
-                <a:cs typeface="Consolas" charset="0"/>
-              </a:rPr>
-              <a:t>ntp.google.com</a:t>
-            </a:r>
-            <a:endParaRPr lang="en-US" sz="2400" dirty="0" smtClean="0">
+            <a:pPr marL="457200" lvl="1" indent="0">
+              <a:buNone/>
+            </a:pPr>
+            <a:r>
+              <a:rPr lang="en-US" sz="1600" dirty="0">
+                <a:latin typeface="Consolas" charset="0"/>
+                <a:ea typeface="Consolas" charset="0"/>
+                <a:cs typeface="Consolas" charset="0"/>
+              </a:rPr>
+              <a:t>[webservers</a:t>
+            </a:r>
+            <a:r>
+              <a:rPr lang="en-US" sz="1600" dirty="0" smtClean="0">
+                <a:latin typeface="Consolas" charset="0"/>
+                <a:ea typeface="Consolas" charset="0"/>
+                <a:cs typeface="Consolas" charset="0"/>
+              </a:rPr>
+              <a:t>]</a:t>
+            </a:r>
+          </a:p>
+          <a:p>
+            <a:pPr marL="457200" lvl="1" indent="0">
+              <a:buNone/>
+            </a:pPr>
+            <a:r>
+              <a:rPr lang="en-US" sz="1600" dirty="0" smtClean="0">
+                <a:latin typeface="Consolas" charset="0"/>
+                <a:ea typeface="Consolas" charset="0"/>
+                <a:cs typeface="Consolas" charset="0"/>
+              </a:rPr>
+              <a:t>web1 </a:t>
+            </a:r>
+            <a:r>
+              <a:rPr lang="en-US" sz="1600" dirty="0" err="1">
+                <a:latin typeface="Consolas" charset="0"/>
+                <a:ea typeface="Consolas" charset="0"/>
+                <a:cs typeface="Consolas" charset="0"/>
+              </a:rPr>
+              <a:t>ansible_host</a:t>
+            </a:r>
+            <a:r>
+              <a:rPr lang="en-US" sz="1600" dirty="0">
+                <a:latin typeface="Consolas" charset="0"/>
+                <a:ea typeface="Consolas" charset="0"/>
+                <a:cs typeface="Consolas" charset="0"/>
+              </a:rPr>
+              <a:t>=54.162.154.245 </a:t>
+            </a:r>
+            <a:r>
+              <a:rPr lang="en-US" sz="1600" dirty="0" err="1" smtClean="0">
+                <a:latin typeface="Consolas" charset="0"/>
+                <a:ea typeface="Consolas" charset="0"/>
+                <a:cs typeface="Consolas" charset="0"/>
+              </a:rPr>
+              <a:t>ansible_user</a:t>
+            </a:r>
+            <a:r>
+              <a:rPr lang="en-US" sz="1600" dirty="0" smtClean="0">
+                <a:latin typeface="Consolas" charset="0"/>
+                <a:ea typeface="Consolas" charset="0"/>
+                <a:cs typeface="Consolas" charset="0"/>
+              </a:rPr>
+              <a:t>=ec2-user</a:t>
+            </a:r>
+          </a:p>
+          <a:p>
+            <a:pPr marL="457200" lvl="1" indent="0">
+              <a:buNone/>
+            </a:pPr>
+            <a:r>
+              <a:rPr lang="en-US" sz="1600" dirty="0">
+                <a:latin typeface="Consolas" charset="0"/>
+                <a:ea typeface="Consolas" charset="0"/>
+                <a:cs typeface="Consolas" charset="0"/>
+              </a:rPr>
+              <a:t>w</a:t>
+            </a:r>
+            <a:r>
+              <a:rPr lang="en-US" sz="1600" dirty="0" smtClean="0">
+                <a:latin typeface="Consolas" charset="0"/>
+                <a:ea typeface="Consolas" charset="0"/>
+                <a:cs typeface="Consolas" charset="0"/>
+              </a:rPr>
+              <a:t>eb2.mydomain.com </a:t>
+            </a:r>
+            <a:r>
+              <a:rPr lang="en-US" sz="1600" dirty="0" err="1" smtClean="0">
+                <a:latin typeface="Consolas" charset="0"/>
+                <a:ea typeface="Consolas" charset="0"/>
+                <a:cs typeface="Consolas" charset="0"/>
+              </a:rPr>
+              <a:t>ansible_user</a:t>
+            </a:r>
+            <a:r>
+              <a:rPr lang="en-US" sz="1600" dirty="0" smtClean="0">
+                <a:latin typeface="Consolas" charset="0"/>
+                <a:ea typeface="Consolas" charset="0"/>
+                <a:cs typeface="Consolas" charset="0"/>
+              </a:rPr>
+              <a:t>=ec2-user</a:t>
+            </a:r>
+          </a:p>
+          <a:p>
+            <a:pPr marL="457200" lvl="1" indent="0">
+              <a:buNone/>
+            </a:pPr>
+            <a:endParaRPr lang="en-US" sz="1600" dirty="0">
               <a:latin typeface="Consolas" charset="0"/>
               <a:ea typeface="Consolas" charset="0"/>
               <a:cs typeface="Consolas" charset="0"/>
             </a:endParaRPr>
           </a:p>
           <a:p>
-            <a:pPr marL="0" indent="0">
-              <a:buNone/>
-            </a:pPr>
-            <a:r>
-              <a:rPr lang="en-US" sz="2400" dirty="0">
-                <a:latin typeface="Consolas" charset="0"/>
-                <a:ea typeface="Consolas" charset="0"/>
-                <a:cs typeface="Consolas" charset="0"/>
-              </a:rPr>
-              <a:t>	</a:t>
-            </a:r>
-            <a:r>
-              <a:rPr lang="en-US" sz="2400" dirty="0" err="1" smtClean="0">
-                <a:latin typeface="Consolas" charset="0"/>
-                <a:ea typeface="Consolas" charset="0"/>
-                <a:cs typeface="Consolas" charset="0"/>
-              </a:rPr>
-              <a:t>database_server</a:t>
-            </a:r>
-            <a:r>
-              <a:rPr lang="en-US" sz="2400" dirty="0" smtClean="0">
-                <a:latin typeface="Consolas" charset="0"/>
-                <a:ea typeface="Consolas" charset="0"/>
-                <a:cs typeface="Consolas" charset="0"/>
-              </a:rPr>
-              <a:t>: </a:t>
-            </a:r>
-            <a:r>
-              <a:rPr lang="en-US" sz="2400" dirty="0" err="1" smtClean="0">
-                <a:latin typeface="Consolas" charset="0"/>
-                <a:ea typeface="Consolas" charset="0"/>
-                <a:cs typeface="Consolas" charset="0"/>
-              </a:rPr>
-              <a:t>storage.mydomain.com</a:t>
-            </a:r>
-            <a:endParaRPr lang="en-US" sz="2400" dirty="0" smtClean="0">
+            <a:pPr marL="457200" lvl="1" indent="0">
+              <a:buNone/>
+            </a:pPr>
+            <a:r>
+              <a:rPr lang="en-US" sz="1600" dirty="0" smtClean="0">
+                <a:latin typeface="Consolas" charset="0"/>
+                <a:ea typeface="Consolas" charset="0"/>
+                <a:cs typeface="Consolas" charset="0"/>
+              </a:rPr>
+              <a:t>[databases]</a:t>
+            </a:r>
+          </a:p>
+          <a:p>
+            <a:pPr marL="457200" lvl="1" indent="0">
+              <a:buNone/>
+            </a:pPr>
+            <a:r>
+              <a:rPr lang="en-US" sz="1600" dirty="0" err="1" smtClean="0">
+                <a:latin typeface="Consolas" charset="0"/>
+                <a:ea typeface="Consolas" charset="0"/>
+                <a:cs typeface="Consolas" charset="0"/>
+              </a:rPr>
+              <a:t>db</a:t>
+            </a:r>
+            <a:r>
+              <a:rPr lang="en-US" sz="1600" dirty="0" smtClean="0">
+                <a:latin typeface="Consolas" charset="0"/>
+                <a:ea typeface="Consolas" charset="0"/>
+                <a:cs typeface="Consolas" charset="0"/>
+              </a:rPr>
+              <a:t>[01:10].</a:t>
+            </a:r>
+            <a:r>
+              <a:rPr lang="en-US" sz="1600" dirty="0" err="1" smtClean="0">
+                <a:latin typeface="Consolas" charset="0"/>
+                <a:ea typeface="Consolas" charset="0"/>
+                <a:cs typeface="Consolas" charset="0"/>
+              </a:rPr>
+              <a:t>mydomain.com</a:t>
+            </a:r>
+            <a:r>
+              <a:rPr lang="en-US" sz="1600" dirty="0" smtClean="0">
+                <a:latin typeface="Consolas" charset="0"/>
+                <a:ea typeface="Consolas" charset="0"/>
+                <a:cs typeface="Consolas" charset="0"/>
+              </a:rPr>
+              <a:t> </a:t>
+            </a:r>
+            <a:r>
+              <a:rPr lang="en-US" sz="1600" dirty="0" err="1" smtClean="0">
+                <a:latin typeface="Consolas" charset="0"/>
+                <a:ea typeface="Consolas" charset="0"/>
+                <a:cs typeface="Consolas" charset="0"/>
+              </a:rPr>
+              <a:t>maxRequests</a:t>
+            </a:r>
+            <a:r>
+              <a:rPr lang="en-US" sz="1600" dirty="0" smtClean="0">
+                <a:latin typeface="Consolas" charset="0"/>
+                <a:ea typeface="Consolas" charset="0"/>
+                <a:cs typeface="Consolas" charset="0"/>
+              </a:rPr>
+              <a:t>=1000</a:t>
+            </a:r>
+          </a:p>
+          <a:p>
+            <a:pPr marL="457200" lvl="1" indent="0">
+              <a:buNone/>
+            </a:pPr>
+            <a:endParaRPr lang="en-US" sz="1600" dirty="0">
               <a:latin typeface="Consolas" charset="0"/>
               <a:ea typeface="Consolas" charset="0"/>
               <a:cs typeface="Consolas" charset="0"/>
             </a:endParaRPr>
           </a:p>
+          <a:p>
+            <a:pPr lvl="1"/>
+            <a:r>
+              <a:rPr lang="en-US" dirty="0" smtClean="0">
+                <a:ea typeface="Consolas" charset="0"/>
+                <a:cs typeface="Consolas" charset="0"/>
+              </a:rPr>
+              <a:t>Hosts may be members of one or more groups.</a:t>
+            </a:r>
+            <a:endParaRPr lang="en-US" dirty="0">
+              <a:ea typeface="Consolas" charset="0"/>
+              <a:cs typeface="Consolas" charset="0"/>
+            </a:endParaRPr>
+          </a:p>
         </p:txBody>
       </p:sp>
     </p:spTree>
     <p:extLst>
       <p:ext uri="{BB962C8B-B14F-4D97-AF65-F5344CB8AC3E}">
-        <p14:creationId xmlns:p14="http://schemas.microsoft.com/office/powerpoint/2010/main" val="1896023455"/>
+        <p14:creationId xmlns:p14="http://schemas.microsoft.com/office/powerpoint/2010/main" val="246243568"/>
       </p:ext>
     </p:extLst>
   </p:cSld>
@@ -6426,7 +6260,7 @@
           <a:p>
             <a:r>
               <a:rPr lang="en-US" dirty="0" smtClean="0"/>
-              <a:t>Dynamic Inventory</a:t>
+              <a:t>Inventory Variables</a:t>
             </a:r>
             <a:endParaRPr lang="en-US" dirty="0"/>
           </a:p>
@@ -6451,7 +6285,14 @@
           <a:p>
             <a:r>
               <a:rPr lang="en-US" dirty="0" smtClean="0"/>
-              <a:t>Oftentimes the set of hosts in an environment is not static because of mechanisms like auto scaling.</a:t>
+              <a:t>Variables hold values that hosts or groups of hosts can use for configuration.</a:t>
+            </a:r>
+          </a:p>
+          <a:p>
+            <a:pPr lvl="1"/>
+            <a:r>
+              <a:rPr lang="en-US" dirty="0" smtClean="0"/>
+              <a:t>Dynamically alter how playbooks run.</a:t>
             </a:r>
           </a:p>
           <a:p>
@@ -6459,42 +6300,75 @@
           </a:p>
           <a:p>
             <a:r>
+              <a:rPr lang="en-US" dirty="0" smtClean="0"/>
+              <a:t>We can pass in variables via the inventory (</a:t>
+            </a:r>
+            <a:r>
+              <a:rPr lang="en-US" b="1" dirty="0" err="1" smtClean="0"/>
+              <a:t>group_vars</a:t>
+            </a:r>
+            <a:r>
+              <a:rPr lang="en-US" dirty="0" smtClean="0"/>
+              <a:t> or </a:t>
+            </a:r>
+            <a:r>
+              <a:rPr lang="en-US" b="1" dirty="0" err="1" smtClean="0"/>
+              <a:t>host_vars</a:t>
+            </a:r>
+            <a:r>
+              <a:rPr lang="en-US" dirty="0"/>
+              <a:t> </a:t>
+            </a:r>
+            <a:r>
+              <a:rPr lang="en-US" dirty="0" smtClean="0"/>
+              <a:t>directories), command line, or using facts.</a:t>
+            </a:r>
+          </a:p>
+          <a:p>
+            <a:endParaRPr lang="en-US" dirty="0" smtClean="0"/>
+          </a:p>
+          <a:p>
+            <a:r>
+              <a:rPr lang="en-US" dirty="0" smtClean="0"/>
+              <a:t>Example for ../</a:t>
+            </a:r>
+            <a:r>
               <a:rPr lang="en-US" dirty="0" err="1" smtClean="0"/>
-              <a:t>Ansible</a:t>
-            </a:r>
-            <a:r>
-              <a:rPr lang="en-US" dirty="0" smtClean="0"/>
-              <a:t> can use inventory data generated dynamically by scripts.</a:t>
-            </a:r>
-          </a:p>
-          <a:p>
-            <a:pPr lvl="1"/>
-            <a:r>
-              <a:rPr lang="en-US" dirty="0" smtClean="0"/>
-              <a:t>Gather the current list of running EC2 instances.</a:t>
-            </a:r>
-          </a:p>
-          <a:p>
-            <a:pPr lvl="1"/>
-            <a:r>
-              <a:rPr lang="en-US" dirty="0" smtClean="0"/>
-              <a:t>Pull host list from enterprise CMDB.</a:t>
-            </a:r>
+              <a:t>group_vars</a:t>
+            </a:r>
+            <a:r>
+              <a:rPr lang="en-US" dirty="0" smtClean="0"/>
+              <a:t>/</a:t>
+            </a:r>
+            <a:r>
+              <a:rPr lang="en-US" dirty="0" err="1" smtClean="0"/>
+              <a:t>webservers.yml</a:t>
+            </a:r>
+            <a:endParaRPr lang="en-US" dirty="0" smtClean="0"/>
           </a:p>
           <a:p>
             <a:endParaRPr lang="en-US" dirty="0"/>
           </a:p>
           <a:p>
-            <a:r>
-              <a:rPr lang="en-US" dirty="0" smtClean="0"/>
-              <a:t>Example using Terraform:</a:t>
-            </a:r>
-          </a:p>
-          <a:p>
             <a:pPr marL="0" indent="0">
               <a:buNone/>
             </a:pPr>
-            <a:endParaRPr lang="en-US" dirty="0" smtClean="0"/>
+            <a:r>
+              <a:rPr lang="en-US" dirty="0" smtClean="0">
+                <a:latin typeface="Consolas" charset="0"/>
+                <a:ea typeface="Consolas" charset="0"/>
+                <a:cs typeface="Consolas" charset="0"/>
+              </a:rPr>
+              <a:t>	</a:t>
+            </a:r>
+            <a:r>
+              <a:rPr lang="en-US" sz="2400" dirty="0" smtClean="0">
+                <a:latin typeface="Consolas" charset="0"/>
+                <a:ea typeface="Consolas" charset="0"/>
+                <a:cs typeface="Consolas" charset="0"/>
+              </a:rPr>
+              <a:t>---</a:t>
+            </a:r>
           </a:p>
           <a:p>
             <a:pPr marL="0" indent="0">
@@ -6509,12 +6383,20 @@
               <a:t>	</a:t>
             </a:r>
             <a:r>
+              <a:rPr lang="en-US" sz="2400" dirty="0" err="1" smtClean="0">
+                <a:latin typeface="Consolas" charset="0"/>
+                <a:ea typeface="Consolas" charset="0"/>
+                <a:cs typeface="Consolas" charset="0"/>
+              </a:rPr>
+              <a:t>ntp_server</a:t>
+            </a:r>
+            <a:r>
               <a:rPr lang="en-US" sz="2400" dirty="0" smtClean="0">
                 <a:latin typeface="Consolas" charset="0"/>
                 <a:ea typeface="Consolas" charset="0"/>
                 <a:cs typeface="Consolas" charset="0"/>
               </a:rPr>
-              <a:t>$ </a:t>
+              <a:t>: </a:t>
             </a:r>
             <a:r>
               <a:rPr lang="en-US" sz="2400" dirty="0" err="1" smtClean="0">
@@ -6522,7 +6404,33 @@
                 <a:ea typeface="Consolas" charset="0"/>
                 <a:cs typeface="Consolas" charset="0"/>
               </a:rPr>
-              <a:t>ansible</a:t>
+              <a:t>ntp.google.com</a:t>
+            </a:r>
+            <a:endParaRPr lang="en-US" sz="2400" dirty="0" smtClean="0">
+              <a:latin typeface="Consolas" charset="0"/>
+              <a:ea typeface="Consolas" charset="0"/>
+              <a:cs typeface="Consolas" charset="0"/>
+            </a:endParaRPr>
+          </a:p>
+          <a:p>
+            <a:pPr marL="0" indent="0">
+              <a:buNone/>
+            </a:pPr>
+            <a:r>
+              <a:rPr lang="en-US" sz="2400" dirty="0">
+                <a:latin typeface="Consolas" charset="0"/>
+                <a:ea typeface="Consolas" charset="0"/>
+                <a:cs typeface="Consolas" charset="0"/>
+              </a:rPr>
+              <a:t>	</a:t>
+            </a:r>
+            <a:r>
+              <a:rPr lang="en-US" sz="2400" dirty="0" err="1" smtClean="0">
+                <a:latin typeface="Consolas" charset="0"/>
+                <a:ea typeface="Consolas" charset="0"/>
+                <a:cs typeface="Consolas" charset="0"/>
+              </a:rPr>
+              <a:t>database_server</a:t>
             </a:r>
             <a:r>
               <a:rPr lang="en-US" sz="2400" dirty="0" smtClean="0">
@@ -6530,59 +6438,28 @@
                 <a:ea typeface="Consolas" charset="0"/>
                 <a:cs typeface="Consolas" charset="0"/>
               </a:rPr>
-              <a:t> </a:t>
-            </a:r>
-            <a:r>
-              <a:rPr lang="en-US" sz="2400" dirty="0">
-                <a:latin typeface="Consolas" charset="0"/>
-                <a:ea typeface="Consolas" charset="0"/>
-                <a:cs typeface="Consolas" charset="0"/>
-              </a:rPr>
-              <a:t>-</a:t>
-            </a:r>
-            <a:r>
-              <a:rPr lang="en-US" sz="2400" dirty="0" err="1">
-                <a:latin typeface="Consolas" charset="0"/>
-                <a:ea typeface="Consolas" charset="0"/>
-                <a:cs typeface="Consolas" charset="0"/>
-              </a:rPr>
-              <a:t>i</a:t>
-            </a:r>
-            <a:r>
-              <a:rPr lang="en-US" sz="2400" dirty="0">
-                <a:latin typeface="Consolas" charset="0"/>
-                <a:ea typeface="Consolas" charset="0"/>
-                <a:cs typeface="Consolas" charset="0"/>
-              </a:rPr>
-              <a:t> </a:t>
-            </a:r>
-            <a:r>
-              <a:rPr lang="en-US" sz="2400" dirty="0" err="1">
-                <a:latin typeface="Consolas" charset="0"/>
-                <a:ea typeface="Consolas" charset="0"/>
-                <a:cs typeface="Consolas" charset="0"/>
-              </a:rPr>
-              <a:t>terraform.py</a:t>
-            </a:r>
-            <a:r>
-              <a:rPr lang="en-US" sz="2400" dirty="0">
-                <a:latin typeface="Consolas" charset="0"/>
-                <a:ea typeface="Consolas" charset="0"/>
-                <a:cs typeface="Consolas" charset="0"/>
-              </a:rPr>
-              <a:t> -m ping all</a:t>
-            </a:r>
-          </a:p>
-          <a:p>
-            <a:pPr lvl="1"/>
-            <a:endParaRPr lang="en-US" dirty="0" smtClean="0"/>
+              <a:t>: </a:t>
+            </a:r>
+            <a:r>
+              <a:rPr lang="en-US" sz="2400" dirty="0" err="1" smtClean="0">
+                <a:latin typeface="Consolas" charset="0"/>
+                <a:ea typeface="Consolas" charset="0"/>
+                <a:cs typeface="Consolas" charset="0"/>
+              </a:rPr>
+              <a:t>storage.mydomain.com</a:t>
+            </a:r>
+            <a:endParaRPr lang="en-US" sz="2400" dirty="0" smtClean="0">
+              <a:latin typeface="Consolas" charset="0"/>
+              <a:ea typeface="Consolas" charset="0"/>
+              <a:cs typeface="Consolas" charset="0"/>
+            </a:endParaRPr>
           </a:p>
         </p:txBody>
       </p:sp>
     </p:spTree>
     <p:extLst>
       <p:ext uri="{BB962C8B-B14F-4D97-AF65-F5344CB8AC3E}">
-        <p14:creationId xmlns:p14="http://schemas.microsoft.com/office/powerpoint/2010/main" val="902307781"/>
+        <p14:creationId xmlns:p14="http://schemas.microsoft.com/office/powerpoint/2010/main" val="1896023455"/>
       </p:ext>
     </p:extLst>
   </p:cSld>
@@ -7142,7 +7019,7 @@
         <p:spPr/>
         <p:txBody>
           <a:bodyPr>
-            <a:normAutofit fontScale="92500" lnSpcReduction="20000"/>
+            <a:normAutofit fontScale="85000" lnSpcReduction="10000"/>
           </a:bodyPr>
           <a:lstStyle/>
           <a:p>
@@ -7156,8 +7033,13 @@
             </a:r>
             <a:r>
               <a:rPr lang="en-US" dirty="0" smtClean="0"/>
-              <a:t> uses to automate every part of your infrastructure.</a:t>
-            </a:r>
+              <a:t> uses to automate every part of your </a:t>
+            </a:r>
+            <a:r>
+              <a:rPr lang="en-US" smtClean="0"/>
+              <a:t>server configuration.</a:t>
+            </a:r>
+            <a:endParaRPr lang="en-US" dirty="0" smtClean="0"/>
           </a:p>
           <a:p>
             <a:pPr lvl="1"/>
@@ -7784,7 +7666,15 @@
             </a:r>
             <a:r>
               <a:rPr lang="en-US" sz="2000" dirty="0" smtClean="0"/>
-              <a:t> web1 command –a “uptime”</a:t>
+              <a:t> web1 </a:t>
+            </a:r>
+            <a:r>
+              <a:rPr lang="en-US" sz="2000" smtClean="0"/>
+              <a:t>-m command </a:t>
+            </a:r>
+            <a:r>
+              <a:rPr lang="en-US" sz="2000" dirty="0" smtClean="0"/>
+              <a:t>–a “uptime”</a:t>
             </a:r>
           </a:p>
           <a:p>
@@ -8487,7 +8377,7 @@
         </p:spPr>
         <p:txBody>
           <a:bodyPr>
-            <a:normAutofit fontScale="55000" lnSpcReduction="20000"/>
+            <a:normAutofit fontScale="77500" lnSpcReduction="20000"/>
           </a:bodyPr>
           <a:lstStyle/>
           <a:p>
@@ -8516,78 +8406,13 @@
               <a:rPr lang="en-US" u="sng" dirty="0" smtClean="0">
                 <a:hlinkClick r:id="rId2"/>
               </a:rPr>
-              <a:t>s3.amazonaws.com/seis665/AnsibleClass.json</a:t>
+              <a:t>s3.amazonaws.com/seis665/AnsibleSystems.json</a:t>
             </a:r>
             <a:endParaRPr lang="en-US" u="sng" dirty="0" smtClean="0"/>
           </a:p>
           <a:p>
             <a:pPr lvl="1"/>
             <a:endParaRPr lang="en-US" u="sng" dirty="0"/>
-          </a:p>
-          <a:p>
-            <a:r>
-              <a:rPr lang="en-US" dirty="0" smtClean="0"/>
-              <a:t>Configure security keys for secure communications:</a:t>
-            </a:r>
-          </a:p>
-          <a:p>
-            <a:pPr lvl="1"/>
-            <a:r>
-              <a:rPr lang="en-US" dirty="0" smtClean="0"/>
-              <a:t>cd ~/.</a:t>
-            </a:r>
-            <a:r>
-              <a:rPr lang="en-US" dirty="0" err="1" smtClean="0"/>
-              <a:t>ssh</a:t>
-            </a:r>
-            <a:endParaRPr lang="en-US" dirty="0" smtClean="0"/>
-          </a:p>
-          <a:p>
-            <a:pPr lvl="1"/>
-            <a:r>
-              <a:rPr lang="en-US" dirty="0" err="1" smtClean="0"/>
-              <a:t>ssh-keygen</a:t>
-            </a:r>
-            <a:r>
-              <a:rPr lang="en-US" dirty="0" smtClean="0"/>
-              <a:t> -f </a:t>
-            </a:r>
-            <a:r>
-              <a:rPr lang="en-US" dirty="0" err="1" smtClean="0"/>
-              <a:t>key.pem</a:t>
-            </a:r>
-            <a:endParaRPr lang="en-US" dirty="0" smtClean="0"/>
-          </a:p>
-          <a:p>
-            <a:pPr lvl="1"/>
-            <a:r>
-              <a:rPr lang="en-US" dirty="0" smtClean="0"/>
-              <a:t>Append the </a:t>
-            </a:r>
-            <a:r>
-              <a:rPr lang="en-US" dirty="0" err="1" smtClean="0"/>
-              <a:t>key.pem.pub</a:t>
-            </a:r>
-            <a:r>
-              <a:rPr lang="en-US" dirty="0" smtClean="0"/>
-              <a:t> contents into the ~/.</a:t>
-            </a:r>
-            <a:r>
-              <a:rPr lang="en-US" dirty="0" err="1" smtClean="0"/>
-              <a:t>ssh</a:t>
-            </a:r>
-            <a:r>
-              <a:rPr lang="en-US" dirty="0" smtClean="0"/>
-              <a:t>/</a:t>
-            </a:r>
-            <a:r>
-              <a:rPr lang="en-US" dirty="0" err="1" smtClean="0"/>
-              <a:t>authorized_keys</a:t>
-            </a:r>
-            <a:r>
-              <a:rPr lang="en-US" dirty="0" smtClean="0"/>
-              <a:t> file on web1 (make sure newlines are removed!)</a:t>
-            </a:r>
           </a:p>
           <a:p>
             <a:pPr lvl="1"/>
@@ -16377,19 +16202,7 @@
             </a:r>
             <a:r>
               <a:rPr lang="en-US" i="1" smtClean="0"/>
-              <a:t> </a:t>
-            </a:r>
-            <a:r>
-              <a:rPr lang="en-US" i="1" smtClean="0"/>
-              <a:t>12 </a:t>
-            </a:r>
-            <a:r>
-              <a:rPr lang="en-US" i="1" smtClean="0"/>
-              <a:t>&amp; </a:t>
-            </a:r>
-            <a:r>
-              <a:rPr lang="en-US" i="1" smtClean="0"/>
-              <a:t>13</a:t>
+              <a:t> 12 &amp; 13</a:t>
             </a:r>
             <a:endParaRPr lang="en-US" dirty="0"/>
           </a:p>
@@ -20137,40 +19950,91 @@
           <a:p>
             <a:r>
               <a:rPr lang="en-US" dirty="0" smtClean="0"/>
-              <a:t>Server Lifecycle</a:t>
+              <a:t>Deployment Challenges Summary</a:t>
             </a:r>
             <a:endParaRPr lang="en-US" dirty="0"/>
           </a:p>
         </p:txBody>
       </p:sp>
-      <p:pic>
-        <p:nvPicPr>
-          <p:cNvPr id="4" name="Picture 3"/>
-          <p:cNvPicPr>
-            <a:picLocks noChangeAspect="1"/>
-          </p:cNvPicPr>
-          <p:nvPr/>
-        </p:nvPicPr>
-        <p:blipFill>
-          <a:blip r:embed="rId2"/>
-          <a:stretch>
-            <a:fillRect/>
-          </a:stretch>
-        </p:blipFill>
-        <p:spPr>
-          <a:xfrm>
-            <a:off x="554804" y="2252234"/>
-            <a:ext cx="8332342" cy="2812428"/>
-          </a:xfrm>
-          <a:prstGeom prst="rect">
-            <a:avLst/>
-          </a:prstGeom>
-        </p:spPr>
-      </p:pic>
+      <p:sp>
+        <p:nvSpPr>
+          <p:cNvPr id="3" name="Content Placeholder 2"/>
+          <p:cNvSpPr>
+            <a:spLocks noGrp="1"/>
+          </p:cNvSpPr>
+          <p:nvPr>
+            <p:ph idx="1"/>
+          </p:nvPr>
+        </p:nvSpPr>
+        <p:spPr/>
+        <p:txBody>
+          <a:bodyPr>
+            <a:normAutofit fontScale="85000" lnSpcReduction="10000"/>
+          </a:bodyPr>
+          <a:lstStyle/>
+          <a:p>
+            <a:r>
+              <a:rPr lang="en-US" dirty="0" smtClean="0"/>
+              <a:t>Minimizing disruption to customer services.</a:t>
+            </a:r>
+          </a:p>
+          <a:p>
+            <a:endParaRPr lang="en-US" dirty="0"/>
+          </a:p>
+          <a:p>
+            <a:r>
+              <a:rPr lang="en-US" dirty="0" smtClean="0"/>
+              <a:t>Supporting multiple versions of application simultaneously.</a:t>
+            </a:r>
+          </a:p>
+          <a:p>
+            <a:pPr lvl="1"/>
+            <a:r>
+              <a:rPr lang="en-US" dirty="0" smtClean="0"/>
+              <a:t>Database scheme must support multiple app versions.</a:t>
+            </a:r>
+          </a:p>
+          <a:p>
+            <a:pPr lvl="1"/>
+            <a:r>
+              <a:rPr lang="en-US" dirty="0" smtClean="0"/>
+              <a:t>Application APIs must support multiple contract versions.</a:t>
+            </a:r>
+          </a:p>
+          <a:p>
+            <a:endParaRPr lang="en-US" dirty="0"/>
+          </a:p>
+          <a:p>
+            <a:r>
+              <a:rPr lang="en-US" dirty="0" smtClean="0"/>
+              <a:t>Gracefully recovering from failure.</a:t>
+            </a:r>
+          </a:p>
+          <a:p>
+            <a:pPr lvl="1"/>
+            <a:r>
+              <a:rPr lang="en-US" dirty="0" smtClean="0"/>
+              <a:t>Rolling back updates -- what about the database?</a:t>
+            </a:r>
+          </a:p>
+          <a:p>
+            <a:pPr lvl="1"/>
+            <a:r>
+              <a:rPr lang="en-US" dirty="0" smtClean="0"/>
+              <a:t>Maybe we just roll forward</a:t>
+            </a:r>
+            <a:r>
+              <a:rPr lang="mr-IN" dirty="0" smtClean="0"/>
+              <a:t>…</a:t>
+            </a:r>
+            <a:endParaRPr lang="en-US" dirty="0"/>
+          </a:p>
+        </p:txBody>
+      </p:sp>
     </p:spTree>
     <p:extLst>
       <p:ext uri="{BB962C8B-B14F-4D97-AF65-F5344CB8AC3E}">
-        <p14:creationId xmlns:p14="http://schemas.microsoft.com/office/powerpoint/2010/main" val="845040489"/>
+        <p14:creationId xmlns:p14="http://schemas.microsoft.com/office/powerpoint/2010/main" val="1442105712"/>
       </p:ext>
     </p:extLst>
   </p:cSld>

--- a/lectures/infrastructure-week-10.pptx
+++ b/lectures/infrastructure-week-10.pptx
@@ -3144,7 +3144,7 @@
           <a:p>
             <a:fld id="{EAA08BAD-04ED-244C-92B6-E3671520D864}" type="datetimeFigureOut">
               <a:rPr lang="en-US" smtClean="0"/>
-              <a:t>7/8/19</a:t>
+              <a:t>7/9/19</a:t>
             </a:fld>
             <a:endParaRPr lang="en-US"/>
           </a:p>
@@ -3411,6 +3411,491 @@
 </p:notesMaster>
 </file>
 
+<file path=ppt/notesSlides/notesSlide1.xml><?xml version="1.0" encoding="utf-8"?>
+<p:notes xmlns:a="http://schemas.openxmlformats.org/drawingml/2006/main" xmlns:r="http://schemas.openxmlformats.org/officeDocument/2006/relationships" xmlns:p="http://schemas.openxmlformats.org/presentationml/2006/main">
+  <p:cSld>
+    <p:spTree>
+      <p:nvGrpSpPr>
+        <p:cNvPr id="1" name=""/>
+        <p:cNvGrpSpPr/>
+        <p:nvPr/>
+      </p:nvGrpSpPr>
+      <p:grpSpPr>
+        <a:xfrm>
+          <a:off x="0" y="0"/>
+          <a:ext cx="0" cy="0"/>
+          <a:chOff x="0" y="0"/>
+          <a:chExt cx="0" cy="0"/>
+        </a:xfrm>
+      </p:grpSpPr>
+      <p:sp>
+        <p:nvSpPr>
+          <p:cNvPr id="2" name="Slide Image Placeholder 1"/>
+          <p:cNvSpPr>
+            <a:spLocks noGrp="1" noRot="1" noChangeAspect="1"/>
+          </p:cNvSpPr>
+          <p:nvPr>
+            <p:ph type="sldImg"/>
+          </p:nvPr>
+        </p:nvSpPr>
+        <p:spPr/>
+      </p:sp>
+      <p:sp>
+        <p:nvSpPr>
+          <p:cNvPr id="3" name="Notes Placeholder 2"/>
+          <p:cNvSpPr>
+            <a:spLocks noGrp="1"/>
+          </p:cNvSpPr>
+          <p:nvPr>
+            <p:ph type="body" idx="1"/>
+          </p:nvPr>
+        </p:nvSpPr>
+        <p:spPr/>
+        <p:txBody>
+          <a:bodyPr/>
+          <a:lstStyle/>
+          <a:p>
+            <a:endParaRPr lang="en-US"/>
+          </a:p>
+        </p:txBody>
+      </p:sp>
+      <p:sp>
+        <p:nvSpPr>
+          <p:cNvPr id="4" name="Slide Number Placeholder 3"/>
+          <p:cNvSpPr>
+            <a:spLocks noGrp="1"/>
+          </p:cNvSpPr>
+          <p:nvPr>
+            <p:ph type="sldNum" sz="quarter" idx="5"/>
+          </p:nvPr>
+        </p:nvSpPr>
+        <p:spPr/>
+        <p:txBody>
+          <a:bodyPr/>
+          <a:lstStyle/>
+          <a:p>
+            <a:fld id="{2CB9420B-0DAF-E943-A682-96A9F2947B10}" type="slidenum">
+              <a:rPr lang="en-US" smtClean="0"/>
+              <a:t>24</a:t>
+            </a:fld>
+            <a:endParaRPr lang="en-US"/>
+          </a:p>
+        </p:txBody>
+      </p:sp>
+    </p:spTree>
+    <p:extLst>
+      <p:ext uri="{BB962C8B-B14F-4D97-AF65-F5344CB8AC3E}">
+        <p14:creationId xmlns:p14="http://schemas.microsoft.com/office/powerpoint/2010/main" val="612630252"/>
+      </p:ext>
+    </p:extLst>
+  </p:cSld>
+  <p:clrMapOvr>
+    <a:masterClrMapping/>
+  </p:clrMapOvr>
+</p:notes>
+</file>
+
+<file path=ppt/notesSlides/notesSlide2.xml><?xml version="1.0" encoding="utf-8"?>
+<p:notes xmlns:a="http://schemas.openxmlformats.org/drawingml/2006/main" xmlns:r="http://schemas.openxmlformats.org/officeDocument/2006/relationships" xmlns:p="http://schemas.openxmlformats.org/presentationml/2006/main">
+  <p:cSld>
+    <p:spTree>
+      <p:nvGrpSpPr>
+        <p:cNvPr id="1" name=""/>
+        <p:cNvGrpSpPr/>
+        <p:nvPr/>
+      </p:nvGrpSpPr>
+      <p:grpSpPr>
+        <a:xfrm>
+          <a:off x="0" y="0"/>
+          <a:ext cx="0" cy="0"/>
+          <a:chOff x="0" y="0"/>
+          <a:chExt cx="0" cy="0"/>
+        </a:xfrm>
+      </p:grpSpPr>
+      <p:sp>
+        <p:nvSpPr>
+          <p:cNvPr id="2" name="Slide Image Placeholder 1"/>
+          <p:cNvSpPr>
+            <a:spLocks noGrp="1" noRot="1" noChangeAspect="1"/>
+          </p:cNvSpPr>
+          <p:nvPr>
+            <p:ph type="sldImg"/>
+          </p:nvPr>
+        </p:nvSpPr>
+        <p:spPr/>
+      </p:sp>
+      <p:sp>
+        <p:nvSpPr>
+          <p:cNvPr id="3" name="Notes Placeholder 2"/>
+          <p:cNvSpPr>
+            <a:spLocks noGrp="1"/>
+          </p:cNvSpPr>
+          <p:nvPr>
+            <p:ph type="body" idx="1"/>
+          </p:nvPr>
+        </p:nvSpPr>
+        <p:spPr/>
+        <p:txBody>
+          <a:bodyPr/>
+          <a:lstStyle/>
+          <a:p>
+            <a:r>
+              <a:rPr lang="en-US" sz="1000" dirty="0"/>
+              <a:t>Create build project:</a:t>
+            </a:r>
+          </a:p>
+          <a:p>
+            <a:br>
+              <a:rPr lang="en-US" sz="1000" dirty="0"/>
+            </a:br>
+            <a:endParaRPr lang="en-US" sz="1000" dirty="0"/>
+          </a:p>
+          <a:p>
+            <a:r>
+              <a:rPr lang="en-US" sz="1000" dirty="0"/>
+              <a:t>Click on Create build project link</a:t>
+            </a:r>
+          </a:p>
+          <a:p>
+            <a:r>
+              <a:rPr lang="en-US" sz="1000" dirty="0"/>
+              <a:t>Project configuration:</a:t>
+            </a:r>
+          </a:p>
+          <a:p>
+            <a:pPr lvl="1"/>
+            <a:r>
+              <a:rPr lang="en-US" sz="1000" dirty="0"/>
+              <a:t>Project name: java-project</a:t>
+            </a:r>
+          </a:p>
+          <a:p>
+            <a:r>
+              <a:rPr lang="en-US" sz="1000" dirty="0"/>
+              <a:t>Source:</a:t>
+            </a:r>
+          </a:p>
+          <a:p>
+            <a:pPr lvl="1"/>
+            <a:r>
+              <a:rPr lang="en-US" sz="1000" dirty="0"/>
+              <a:t>Source provider: GitHub</a:t>
+            </a:r>
+          </a:p>
+          <a:p>
+            <a:pPr lvl="1"/>
+            <a:r>
+              <a:rPr lang="en-US" sz="1000" dirty="0"/>
+              <a:t>Repository: Connect using OAuth</a:t>
+            </a:r>
+          </a:p>
+          <a:p>
+            <a:pPr lvl="1"/>
+            <a:r>
+              <a:rPr lang="en-US" sz="1000" dirty="0" err="1"/>
+              <a:t>CodeCommit</a:t>
+            </a:r>
+            <a:r>
+              <a:rPr lang="en-US" sz="1000" dirty="0"/>
+              <a:t> connects to GitHub</a:t>
+            </a:r>
+          </a:p>
+          <a:p>
+            <a:pPr lvl="1"/>
+            <a:r>
+              <a:rPr lang="en-US" sz="1000" dirty="0"/>
+              <a:t>Repository URL: Repository in my GitHub account</a:t>
+            </a:r>
+          </a:p>
+          <a:p>
+            <a:pPr lvl="1"/>
+            <a:r>
+              <a:rPr lang="en-US" sz="1000" dirty="0"/>
+              <a:t>GitHub repository: </a:t>
+            </a:r>
+            <a:r>
+              <a:rPr lang="en-US" sz="1000" dirty="0" err="1"/>
+              <a:t>jasondbaker</a:t>
+            </a:r>
+            <a:r>
+              <a:rPr lang="en-US" sz="1000" dirty="0"/>
+              <a:t>/java-project</a:t>
+            </a:r>
+          </a:p>
+          <a:p>
+            <a:r>
+              <a:rPr lang="en-US" sz="1000" dirty="0"/>
+              <a:t>Primary source webhook events:</a:t>
+            </a:r>
+          </a:p>
+          <a:p>
+            <a:pPr lvl="1"/>
+            <a:r>
+              <a:rPr lang="en-US" sz="1000" dirty="0"/>
+              <a:t>Enable: Rebuild every time a code change is pushed to this repository</a:t>
+            </a:r>
+          </a:p>
+          <a:p>
+            <a:r>
+              <a:rPr lang="en-US" sz="1000" dirty="0"/>
+              <a:t>Environment:</a:t>
+            </a:r>
+          </a:p>
+          <a:p>
+            <a:pPr lvl="1"/>
+            <a:r>
+              <a:rPr lang="en-US" sz="1000" dirty="0"/>
+              <a:t>Environment image: Managed image</a:t>
+            </a:r>
+          </a:p>
+          <a:p>
+            <a:pPr lvl="1"/>
+            <a:r>
+              <a:rPr lang="en-US" sz="1000" dirty="0"/>
+              <a:t>Operating system: Ubuntu</a:t>
+            </a:r>
+          </a:p>
+          <a:p>
+            <a:pPr lvl="1"/>
+            <a:r>
+              <a:rPr lang="en-US" sz="1000" dirty="0"/>
+              <a:t>Runtime(s): Standard</a:t>
+            </a:r>
+          </a:p>
+          <a:p>
+            <a:pPr lvl="1"/>
+            <a:r>
+              <a:rPr lang="en-US" sz="1000" dirty="0"/>
+              <a:t>Image: </a:t>
+            </a:r>
+            <a:r>
+              <a:rPr lang="en-US" sz="1000" dirty="0" err="1"/>
+              <a:t>aws</a:t>
+            </a:r>
+            <a:r>
+              <a:rPr lang="en-US" sz="1000" dirty="0"/>
+              <a:t>/</a:t>
+            </a:r>
+            <a:r>
+              <a:rPr lang="en-US" sz="1000" dirty="0" err="1"/>
+              <a:t>codebuild</a:t>
+            </a:r>
+            <a:r>
+              <a:rPr lang="en-US" sz="1000" dirty="0"/>
+              <a:t>//standard:2.0</a:t>
+            </a:r>
+          </a:p>
+          <a:p>
+            <a:pPr lvl="1"/>
+            <a:r>
+              <a:rPr lang="en-US" sz="1000" dirty="0"/>
+              <a:t>Service role: New service role</a:t>
+            </a:r>
+          </a:p>
+          <a:p>
+            <a:r>
+              <a:rPr lang="en-US" sz="1000" dirty="0" err="1"/>
+              <a:t>Buildspec</a:t>
+            </a:r>
+            <a:r>
+              <a:rPr lang="en-US" sz="1000" dirty="0"/>
+              <a:t>:</a:t>
+            </a:r>
+          </a:p>
+          <a:p>
+            <a:pPr lvl="1"/>
+            <a:r>
+              <a:rPr lang="en-US" sz="1000" dirty="0"/>
+              <a:t>Build specifications: Use a </a:t>
+            </a:r>
+            <a:r>
+              <a:rPr lang="en-US" sz="1000" dirty="0" err="1"/>
+              <a:t>buildspec</a:t>
+            </a:r>
+            <a:r>
+              <a:rPr lang="en-US" sz="1000" dirty="0"/>
+              <a:t> file</a:t>
+            </a:r>
+          </a:p>
+          <a:p>
+            <a:r>
+              <a:rPr lang="en-US" sz="1000" dirty="0"/>
+              <a:t>Artifacts:</a:t>
+            </a:r>
+          </a:p>
+          <a:p>
+            <a:pPr lvl="1"/>
+            <a:r>
+              <a:rPr lang="en-US" sz="1000" dirty="0"/>
+              <a:t>Type: Amazon S3</a:t>
+            </a:r>
+          </a:p>
+          <a:p>
+            <a:pPr lvl="1"/>
+            <a:r>
+              <a:rPr lang="en-US" sz="1000" dirty="0"/>
+              <a:t>Bucket name: &lt;your </a:t>
+            </a:r>
+            <a:r>
+              <a:rPr lang="en-US" sz="1000" dirty="0" err="1"/>
+              <a:t>codebuild</a:t>
+            </a:r>
+            <a:r>
+              <a:rPr lang="en-US" sz="1000" dirty="0"/>
+              <a:t> bucket name&gt;</a:t>
+            </a:r>
+          </a:p>
+          <a:p>
+            <a:pPr lvl="1"/>
+            <a:r>
+              <a:rPr lang="en-US" sz="1000" dirty="0"/>
+              <a:t>Enable semantic versioning</a:t>
+            </a:r>
+          </a:p>
+          <a:p>
+            <a:r>
+              <a:rPr lang="en-US" sz="1000" dirty="0"/>
+              <a:t>Logs:</a:t>
+            </a:r>
+          </a:p>
+          <a:p>
+            <a:pPr lvl="1"/>
+            <a:r>
+              <a:rPr lang="en-US" sz="1000" dirty="0"/>
+              <a:t>CloudWatch: Enable CloudWatch logs</a:t>
+            </a:r>
+          </a:p>
+          <a:p>
+            <a:r>
+              <a:rPr lang="en-US" sz="1000" dirty="0"/>
+              <a:t>Click Create Project button</a:t>
+            </a:r>
+          </a:p>
+          <a:p>
+            <a:endParaRPr lang="en-US" dirty="0"/>
+          </a:p>
+        </p:txBody>
+      </p:sp>
+      <p:sp>
+        <p:nvSpPr>
+          <p:cNvPr id="4" name="Slide Number Placeholder 3"/>
+          <p:cNvSpPr>
+            <a:spLocks noGrp="1"/>
+          </p:cNvSpPr>
+          <p:nvPr>
+            <p:ph type="sldNum" sz="quarter" idx="5"/>
+          </p:nvPr>
+        </p:nvSpPr>
+        <p:spPr/>
+        <p:txBody>
+          <a:bodyPr/>
+          <a:lstStyle/>
+          <a:p>
+            <a:fld id="{2CB9420B-0DAF-E943-A682-96A9F2947B10}" type="slidenum">
+              <a:rPr lang="en-US" smtClean="0"/>
+              <a:t>25</a:t>
+            </a:fld>
+            <a:endParaRPr lang="en-US"/>
+          </a:p>
+        </p:txBody>
+      </p:sp>
+    </p:spTree>
+    <p:extLst>
+      <p:ext uri="{BB962C8B-B14F-4D97-AF65-F5344CB8AC3E}">
+        <p14:creationId xmlns:p14="http://schemas.microsoft.com/office/powerpoint/2010/main" val="3613317981"/>
+      </p:ext>
+    </p:extLst>
+  </p:cSld>
+  <p:clrMapOvr>
+    <a:masterClrMapping/>
+  </p:clrMapOvr>
+</p:notes>
+</file>
+
+<file path=ppt/notesSlides/notesSlide3.xml><?xml version="1.0" encoding="utf-8"?>
+<p:notes xmlns:a="http://schemas.openxmlformats.org/drawingml/2006/main" xmlns:r="http://schemas.openxmlformats.org/officeDocument/2006/relationships" xmlns:p="http://schemas.openxmlformats.org/presentationml/2006/main">
+  <p:cSld>
+    <p:spTree>
+      <p:nvGrpSpPr>
+        <p:cNvPr id="1" name=""/>
+        <p:cNvGrpSpPr/>
+        <p:nvPr/>
+      </p:nvGrpSpPr>
+      <p:grpSpPr>
+        <a:xfrm>
+          <a:off x="0" y="0"/>
+          <a:ext cx="0" cy="0"/>
+          <a:chOff x="0" y="0"/>
+          <a:chExt cx="0" cy="0"/>
+        </a:xfrm>
+      </p:grpSpPr>
+      <p:sp>
+        <p:nvSpPr>
+          <p:cNvPr id="2" name="Slide Image Placeholder 1"/>
+          <p:cNvSpPr>
+            <a:spLocks noGrp="1" noRot="1" noChangeAspect="1"/>
+          </p:cNvSpPr>
+          <p:nvPr>
+            <p:ph type="sldImg"/>
+          </p:nvPr>
+        </p:nvSpPr>
+        <p:spPr/>
+      </p:sp>
+      <p:sp>
+        <p:nvSpPr>
+          <p:cNvPr id="3" name="Notes Placeholder 2"/>
+          <p:cNvSpPr>
+            <a:spLocks noGrp="1"/>
+          </p:cNvSpPr>
+          <p:nvPr>
+            <p:ph type="body" idx="1"/>
+          </p:nvPr>
+        </p:nvSpPr>
+        <p:spPr/>
+        <p:txBody>
+          <a:bodyPr/>
+          <a:lstStyle/>
+          <a:p>
+            <a:endParaRPr lang="en-US"/>
+          </a:p>
+        </p:txBody>
+      </p:sp>
+      <p:sp>
+        <p:nvSpPr>
+          <p:cNvPr id="4" name="Slide Number Placeholder 3"/>
+          <p:cNvSpPr>
+            <a:spLocks noGrp="1"/>
+          </p:cNvSpPr>
+          <p:nvPr>
+            <p:ph type="sldNum" sz="quarter" idx="5"/>
+          </p:nvPr>
+        </p:nvSpPr>
+        <p:spPr/>
+        <p:txBody>
+          <a:bodyPr/>
+          <a:lstStyle/>
+          <a:p>
+            <a:fld id="{2CB9420B-0DAF-E943-A682-96A9F2947B10}" type="slidenum">
+              <a:rPr lang="en-US" smtClean="0"/>
+              <a:t>26</a:t>
+            </a:fld>
+            <a:endParaRPr lang="en-US"/>
+          </a:p>
+        </p:txBody>
+      </p:sp>
+    </p:spTree>
+    <p:extLst>
+      <p:ext uri="{BB962C8B-B14F-4D97-AF65-F5344CB8AC3E}">
+        <p14:creationId xmlns:p14="http://schemas.microsoft.com/office/powerpoint/2010/main" val="3421418325"/>
+      </p:ext>
+    </p:extLst>
+  </p:cSld>
+  <p:clrMapOvr>
+    <a:masterClrMapping/>
+  </p:clrMapOvr>
+</p:notes>
+</file>
+
 <file path=ppt/slideLayouts/slideLayout1.xml><?xml version="1.0" encoding="utf-8"?>
 <p:sldLayout xmlns:a="http://schemas.openxmlformats.org/drawingml/2006/main" xmlns:r="http://schemas.openxmlformats.org/officeDocument/2006/relationships" xmlns:p="http://schemas.openxmlformats.org/presentationml/2006/main" type="title" preserve="1">
   <p:cSld name="Title Slide">
@@ -3590,7 +4075,7 @@
           <a:p>
             <a:fld id="{972605B8-2E90-124E-924E-6F58993143C6}" type="datetimeFigureOut">
               <a:rPr lang="en-US" smtClean="0"/>
-              <a:t>7/8/19</a:t>
+              <a:t>7/9/19</a:t>
             </a:fld>
             <a:endParaRPr lang="en-US"/>
           </a:p>
@@ -3758,7 +4243,7 @@
           <a:p>
             <a:fld id="{972605B8-2E90-124E-924E-6F58993143C6}" type="datetimeFigureOut">
               <a:rPr lang="en-US" smtClean="0"/>
-              <a:t>7/8/19</a:t>
+              <a:t>7/9/19</a:t>
             </a:fld>
             <a:endParaRPr lang="en-US"/>
           </a:p>
@@ -3936,7 +4421,7 @@
           <a:p>
             <a:fld id="{972605B8-2E90-124E-924E-6F58993143C6}" type="datetimeFigureOut">
               <a:rPr lang="en-US" smtClean="0"/>
-              <a:t>7/8/19</a:t>
+              <a:t>7/9/19</a:t>
             </a:fld>
             <a:endParaRPr lang="en-US"/>
           </a:p>
@@ -4104,7 +4589,7 @@
           <a:p>
             <a:fld id="{972605B8-2E90-124E-924E-6F58993143C6}" type="datetimeFigureOut">
               <a:rPr lang="en-US" smtClean="0"/>
-              <a:t>7/8/19</a:t>
+              <a:t>7/9/19</a:t>
             </a:fld>
             <a:endParaRPr lang="en-US"/>
           </a:p>
@@ -4349,7 +4834,7 @@
           <a:p>
             <a:fld id="{972605B8-2E90-124E-924E-6F58993143C6}" type="datetimeFigureOut">
               <a:rPr lang="en-US" smtClean="0"/>
-              <a:t>7/8/19</a:t>
+              <a:t>7/9/19</a:t>
             </a:fld>
             <a:endParaRPr lang="en-US"/>
           </a:p>
@@ -4634,7 +5119,7 @@
           <a:p>
             <a:fld id="{972605B8-2E90-124E-924E-6F58993143C6}" type="datetimeFigureOut">
               <a:rPr lang="en-US" smtClean="0"/>
-              <a:t>7/8/19</a:t>
+              <a:t>7/9/19</a:t>
             </a:fld>
             <a:endParaRPr lang="en-US"/>
           </a:p>
@@ -5053,7 +5538,7 @@
           <a:p>
             <a:fld id="{972605B8-2E90-124E-924E-6F58993143C6}" type="datetimeFigureOut">
               <a:rPr lang="en-US" smtClean="0"/>
-              <a:t>7/8/19</a:t>
+              <a:t>7/9/19</a:t>
             </a:fld>
             <a:endParaRPr lang="en-US"/>
           </a:p>
@@ -5170,7 +5655,7 @@
           <a:p>
             <a:fld id="{972605B8-2E90-124E-924E-6F58993143C6}" type="datetimeFigureOut">
               <a:rPr lang="en-US" smtClean="0"/>
-              <a:t>7/8/19</a:t>
+              <a:t>7/9/19</a:t>
             </a:fld>
             <a:endParaRPr lang="en-US"/>
           </a:p>
@@ -5265,7 +5750,7 @@
           <a:p>
             <a:fld id="{972605B8-2E90-124E-924E-6F58993143C6}" type="datetimeFigureOut">
               <a:rPr lang="en-US" smtClean="0"/>
-              <a:t>7/8/19</a:t>
+              <a:t>7/9/19</a:t>
             </a:fld>
             <a:endParaRPr lang="en-US"/>
           </a:p>
@@ -5540,7 +6025,7 @@
           <a:p>
             <a:fld id="{972605B8-2E90-124E-924E-6F58993143C6}" type="datetimeFigureOut">
               <a:rPr lang="en-US" smtClean="0"/>
-              <a:t>7/8/19</a:t>
+              <a:t>7/9/19</a:t>
             </a:fld>
             <a:endParaRPr lang="en-US"/>
           </a:p>
@@ -5792,7 +6277,7 @@
           <a:p>
             <a:fld id="{972605B8-2E90-124E-924E-6F58993143C6}" type="datetimeFigureOut">
               <a:rPr lang="en-US" smtClean="0"/>
-              <a:t>7/8/19</a:t>
+              <a:t>7/9/19</a:t>
             </a:fld>
             <a:endParaRPr lang="en-US"/>
           </a:p>
@@ -6003,7 +6488,7 @@
           <a:p>
             <a:fld id="{972605B8-2E90-124E-924E-6F58993143C6}" type="datetimeFigureOut">
               <a:rPr lang="en-US" smtClean="0"/>
-              <a:t>7/8/19</a:t>
+              <a:t>7/9/19</a:t>
             </a:fld>
             <a:endParaRPr lang="en-US"/>
           </a:p>
@@ -9329,7 +9814,7 @@
         </p:spPr>
         <p:txBody>
           <a:bodyPr>
-            <a:normAutofit fontScale="62500" lnSpcReduction="20000"/>
+            <a:normAutofit fontScale="92500" lnSpcReduction="20000"/>
           </a:bodyPr>
           <a:lstStyle/>
           <a:p>
@@ -9376,7 +9861,7 @@
             </a:pPr>
             <a:r>
               <a:rPr lang="en-US" dirty="0">
-                <a:hlinkClick r:id="rId2"/>
+                <a:hlinkClick r:id="rId3"/>
               </a:rPr>
               <a:t>https://github.com/seis665/java-project</a:t>
             </a:r>
@@ -9391,73 +9876,20 @@
           <a:p>
             <a:r>
               <a:rPr lang="en-US" dirty="0"/>
-              <a:t>Generate GitHub personal access token</a:t>
-            </a:r>
-          </a:p>
-          <a:p>
-            <a:pPr lvl="1"/>
-            <a:r>
-              <a:rPr lang="en-US" dirty="0"/>
-              <a:t>Log into GitHub</a:t>
-            </a:r>
-          </a:p>
-          <a:p>
-            <a:pPr lvl="1"/>
-            <a:r>
-              <a:rPr lang="en-US" dirty="0"/>
-              <a:t>Go to Settings -&gt; Developer Settings -&gt; Personal access tokens page</a:t>
-            </a:r>
-          </a:p>
-          <a:p>
-            <a:pPr lvl="1"/>
-            <a:r>
-              <a:rPr lang="en-US" dirty="0"/>
-              <a:t>Generate a new personal token</a:t>
-            </a:r>
-          </a:p>
-          <a:p>
-            <a:pPr lvl="2"/>
-            <a:r>
-              <a:rPr lang="en-US" dirty="0"/>
-              <a:t>Description: </a:t>
-            </a:r>
-            <a:r>
-              <a:rPr lang="en-US" dirty="0" err="1"/>
-              <a:t>CodeBuild</a:t>
-            </a:r>
-            <a:r>
-              <a:rPr lang="en-US" dirty="0"/>
-              <a:t> access</a:t>
-            </a:r>
-          </a:p>
-          <a:p>
-            <a:pPr lvl="3"/>
-            <a:r>
-              <a:rPr lang="en-US" dirty="0"/>
-              <a:t>Required permissions:</a:t>
-            </a:r>
-          </a:p>
-          <a:p>
-            <a:pPr lvl="4"/>
-            <a:r>
-              <a:rPr lang="en-US" dirty="0"/>
-              <a:t>repo</a:t>
-            </a:r>
-          </a:p>
-          <a:p>
-            <a:pPr lvl="4"/>
-            <a:r>
-              <a:rPr lang="en-US" dirty="0" err="1"/>
-              <a:t>admin:repo_hook</a:t>
-            </a:r>
+              <a:t>Create an output artifact S3 bucket.</a:t>
+            </a:r>
+          </a:p>
+          <a:p>
+            <a:pPr marL="457200" lvl="1" indent="0">
+              <a:buNone/>
+            </a:pPr>
             <a:endParaRPr lang="en-US" dirty="0"/>
           </a:p>
           <a:p>
-            <a:pPr lvl="1"/>
-            <a:r>
-              <a:rPr lang="en-US" dirty="0"/>
-              <a:t>Copy generated token and store in safe place.</a:t>
-            </a:r>
+            <a:pPr marL="457200" lvl="1" indent="0">
+              <a:buNone/>
+            </a:pPr>
+            <a:endParaRPr lang="en-US" dirty="0"/>
           </a:p>
           <a:p>
             <a:endParaRPr lang="en-US" dirty="0"/>
@@ -9479,7 +9911,7 @@
           <p:nvPr/>
         </p:nvPicPr>
         <p:blipFill>
-          <a:blip r:embed="rId3"/>
+          <a:blip r:embed="rId4"/>
           <a:stretch>
             <a:fillRect/>
           </a:stretch>
@@ -9563,13 +9995,13 @@
         <p:spPr/>
         <p:txBody>
           <a:bodyPr>
-            <a:normAutofit fontScale="77500" lnSpcReduction="20000"/>
+            <a:normAutofit fontScale="70000" lnSpcReduction="20000"/>
           </a:bodyPr>
           <a:lstStyle/>
           <a:p>
             <a:r>
               <a:rPr lang="en-US" dirty="0"/>
-              <a:t>Create an output artifact S3 bucket.</a:t>
+              <a:t>Create a build project.</a:t>
             </a:r>
           </a:p>
           <a:p>
@@ -9578,16 +10010,7 @@
           <a:p>
             <a:r>
               <a:rPr lang="en-US" dirty="0"/>
-              <a:t>Create a build project.</a:t>
-            </a:r>
-          </a:p>
-          <a:p>
-            <a:endParaRPr lang="en-US" dirty="0"/>
-          </a:p>
-          <a:p>
-            <a:r>
-              <a:rPr lang="en-US" dirty="0"/>
-              <a:t>Initiate a build using Apache Ant (a Java build manager).</a:t>
+              <a:t>Start a build and run Apache Ant (a Java build manager).</a:t>
             </a:r>
           </a:p>
           <a:p>
@@ -9627,8 +10050,35 @@
           <a:p>
             <a:r>
               <a:rPr lang="en-US" dirty="0"/>
-              <a:t>Update build project to use webhooks to create new builds automatically when code repository is updated.</a:t>
-            </a:r>
+              <a:t>Update the source code repository and trigger an automated build.</a:t>
+            </a:r>
+          </a:p>
+          <a:p>
+            <a:endParaRPr lang="en-US" dirty="0"/>
+          </a:p>
+          <a:p>
+            <a:r>
+              <a:rPr lang="en-US" dirty="0"/>
+              <a:t>We can automate this entire configuration using CloudFormation </a:t>
+            </a:r>
+            <a:r>
+              <a:rPr lang="en-US" dirty="0">
+                <a:sym typeface="Wingdings" pitchFamily="2" charset="2"/>
+              </a:rPr>
+              <a:t></a:t>
+            </a:r>
+          </a:p>
+          <a:p>
+            <a:pPr lvl="1"/>
+            <a:r>
+              <a:rPr lang="en-US" dirty="0"/>
+              <a:t>https://seis665.s3.amazonaws.com/java-build-</a:t>
+            </a:r>
+            <a:r>
+              <a:rPr lang="en-US" dirty="0" err="1"/>
+              <a:t>template.json</a:t>
+            </a:r>
+            <a:endParaRPr lang="en-US" dirty="0"/>
           </a:p>
         </p:txBody>
       </p:sp>
@@ -9647,7 +10097,7 @@
           <p:nvPr/>
         </p:nvPicPr>
         <p:blipFill>
-          <a:blip r:embed="rId2"/>
+          <a:blip r:embed="rId3"/>
           <a:stretch>
             <a:fillRect/>
           </a:stretch>

--- a/lectures/infrastructure-week-10.pptx
+++ b/lectures/infrastructure-week-10.pptx
@@ -5,7 +5,7 @@
     <p:sldMasterId id="2147483648" r:id="rId1"/>
   </p:sldMasterIdLst>
   <p:notesMasterIdLst>
-    <p:notesMasterId r:id="rId30"/>
+    <p:notesMasterId r:id="rId37"/>
   </p:notesMasterIdLst>
   <p:sldIdLst>
     <p:sldId id="256" r:id="rId2"/>
@@ -34,8 +34,15 @@
     <p:sldId id="328" r:id="rId25"/>
     <p:sldId id="281" r:id="rId26"/>
     <p:sldId id="330" r:id="rId27"/>
-    <p:sldId id="302" r:id="rId28"/>
-    <p:sldId id="303" r:id="rId29"/>
+    <p:sldId id="331" r:id="rId28"/>
+    <p:sldId id="332" r:id="rId29"/>
+    <p:sldId id="333" r:id="rId30"/>
+    <p:sldId id="334" r:id="rId31"/>
+    <p:sldId id="335" r:id="rId32"/>
+    <p:sldId id="336" r:id="rId33"/>
+    <p:sldId id="337" r:id="rId34"/>
+    <p:sldId id="302" r:id="rId35"/>
+    <p:sldId id="303" r:id="rId36"/>
   </p:sldIdLst>
   <p:sldSz cx="9144000" cy="6858000" type="screen4x3"/>
   <p:notesSz cx="6858000" cy="9144000"/>
@@ -3896,6 +3903,90 @@
 </p:notes>
 </file>
 
+<file path=ppt/notesSlides/notesSlide4.xml><?xml version="1.0" encoding="utf-8"?>
+<p:notes xmlns:a="http://schemas.openxmlformats.org/drawingml/2006/main" xmlns:r="http://schemas.openxmlformats.org/officeDocument/2006/relationships" xmlns:p="http://schemas.openxmlformats.org/presentationml/2006/main">
+  <p:cSld>
+    <p:spTree>
+      <p:nvGrpSpPr>
+        <p:cNvPr id="1" name=""/>
+        <p:cNvGrpSpPr/>
+        <p:nvPr/>
+      </p:nvGrpSpPr>
+      <p:grpSpPr>
+        <a:xfrm>
+          <a:off x="0" y="0"/>
+          <a:ext cx="0" cy="0"/>
+          <a:chOff x="0" y="0"/>
+          <a:chExt cx="0" cy="0"/>
+        </a:xfrm>
+      </p:grpSpPr>
+      <p:sp>
+        <p:nvSpPr>
+          <p:cNvPr id="2" name="Slide Image Placeholder 1"/>
+          <p:cNvSpPr>
+            <a:spLocks noGrp="1" noRot="1" noChangeAspect="1"/>
+          </p:cNvSpPr>
+          <p:nvPr>
+            <p:ph type="sldImg"/>
+          </p:nvPr>
+        </p:nvSpPr>
+        <p:spPr/>
+      </p:sp>
+      <p:sp>
+        <p:nvSpPr>
+          <p:cNvPr id="3" name="Notes Placeholder 2"/>
+          <p:cNvSpPr>
+            <a:spLocks noGrp="1"/>
+          </p:cNvSpPr>
+          <p:nvPr>
+            <p:ph type="body" idx="1"/>
+          </p:nvPr>
+        </p:nvSpPr>
+        <p:spPr/>
+        <p:txBody>
+          <a:bodyPr/>
+          <a:lstStyle/>
+          <a:p>
+            <a:endParaRPr lang="en-US"/>
+          </a:p>
+        </p:txBody>
+      </p:sp>
+      <p:sp>
+        <p:nvSpPr>
+          <p:cNvPr id="4" name="Slide Number Placeholder 3"/>
+          <p:cNvSpPr>
+            <a:spLocks noGrp="1"/>
+          </p:cNvSpPr>
+          <p:nvPr>
+            <p:ph type="sldNum" sz="quarter" idx="5"/>
+          </p:nvPr>
+        </p:nvSpPr>
+        <p:spPr/>
+        <p:txBody>
+          <a:bodyPr/>
+          <a:lstStyle/>
+          <a:p>
+            <a:fld id="{2CB9420B-0DAF-E943-A682-96A9F2947B10}" type="slidenum">
+              <a:rPr lang="en-US" smtClean="0"/>
+              <a:t>33</a:t>
+            </a:fld>
+            <a:endParaRPr lang="en-US"/>
+          </a:p>
+        </p:txBody>
+      </p:sp>
+    </p:spTree>
+    <p:extLst>
+      <p:ext uri="{BB962C8B-B14F-4D97-AF65-F5344CB8AC3E}">
+        <p14:creationId xmlns:p14="http://schemas.microsoft.com/office/powerpoint/2010/main" val="3684734468"/>
+      </p:ext>
+    </p:extLst>
+  </p:cSld>
+  <p:clrMapOvr>
+    <a:masterClrMapping/>
+  </p:clrMapOvr>
+</p:notes>
+</file>
+
 <file path=ppt/slideLayouts/slideLayout1.xml><?xml version="1.0" encoding="utf-8"?>
 <p:sldLayout xmlns:a="http://schemas.openxmlformats.org/drawingml/2006/main" xmlns:r="http://schemas.openxmlformats.org/officeDocument/2006/relationships" xmlns:p="http://schemas.openxmlformats.org/presentationml/2006/main" type="title" preserve="1">
   <p:cSld name="Title Slide">
@@ -10144,7 +10235,13 @@
       </p:grpSpPr>
       <p:sp>
         <p:nvSpPr>
-          <p:cNvPr id="2" name="Title 1"/>
+          <p:cNvPr id="2" name="Title 1">
+            <a:extLst>
+              <a:ext uri="{FF2B5EF4-FFF2-40B4-BE49-F238E27FC236}">
+                <a16:creationId xmlns:a16="http://schemas.microsoft.com/office/drawing/2014/main" id="{7E66EE6B-BFEC-654C-9A64-26BCFB95BE60}"/>
+              </a:ext>
+            </a:extLst>
+          </p:cNvPr>
           <p:cNvSpPr>
             <a:spLocks noGrp="1"/>
           </p:cNvSpPr>
@@ -10158,15 +10255,22 @@
           <a:lstStyle/>
           <a:p>
             <a:r>
-              <a:rPr lang="en-US" dirty="0"/>
-              <a:t>Infrastructure Pipelines</a:t>
-            </a:r>
-          </a:p>
-        </p:txBody>
-      </p:sp>
-      <p:sp>
-        <p:nvSpPr>
-          <p:cNvPr id="3" name="Content Placeholder 2"/>
+              <a:rPr lang="en-US" dirty="0" err="1"/>
+              <a:t>CodeDeploy</a:t>
+            </a:r>
+            <a:endParaRPr lang="en-US" dirty="0"/>
+          </a:p>
+        </p:txBody>
+      </p:sp>
+      <p:sp>
+        <p:nvSpPr>
+          <p:cNvPr id="3" name="Content Placeholder 2">
+            <a:extLst>
+              <a:ext uri="{FF2B5EF4-FFF2-40B4-BE49-F238E27FC236}">
+                <a16:creationId xmlns:a16="http://schemas.microsoft.com/office/drawing/2014/main" id="{01DF21DF-01D6-4843-8AFC-4153FB2E233D}"/>
+              </a:ext>
+            </a:extLst>
+          </p:cNvPr>
           <p:cNvSpPr>
             <a:spLocks noGrp="1"/>
           </p:cNvSpPr>
@@ -10177,58 +10281,91 @@
         <p:spPr/>
         <p:txBody>
           <a:bodyPr>
-            <a:normAutofit fontScale="92500" lnSpcReduction="20000"/>
+            <a:normAutofit fontScale="85000" lnSpcReduction="20000"/>
           </a:bodyPr>
           <a:lstStyle/>
           <a:p>
             <a:r>
               <a:rPr lang="en-US" dirty="0"/>
-              <a:t>CI/CD pipelines aren’t just used to build software, we also use them to build infrastructure.</a:t>
-            </a:r>
-          </a:p>
-          <a:p>
+              <a:t>A service which automates application code deployments to:</a:t>
+            </a:r>
+          </a:p>
+          <a:p>
+            <a:pPr lvl="1"/>
+            <a:r>
+              <a:rPr lang="en-US" dirty="0"/>
+              <a:t>EC2 instances</a:t>
+            </a:r>
+          </a:p>
+          <a:p>
+            <a:pPr lvl="1"/>
+            <a:r>
+              <a:rPr lang="en-US" dirty="0"/>
+              <a:t>Lambda functions</a:t>
+            </a:r>
+          </a:p>
+          <a:p>
+            <a:pPr lvl="1"/>
+            <a:r>
+              <a:rPr lang="en-US" dirty="0"/>
+              <a:t>Containers (ECS)</a:t>
+            </a:r>
+          </a:p>
+          <a:p>
+            <a:pPr lvl="1"/>
+            <a:r>
+              <a:rPr lang="en-US" dirty="0"/>
+              <a:t>On-premise servers</a:t>
+            </a:r>
+          </a:p>
+          <a:p>
+            <a:pPr lvl="1"/>
             <a:endParaRPr lang="en-US" dirty="0"/>
           </a:p>
           <a:p>
             <a:r>
               <a:rPr lang="en-US" dirty="0"/>
-              <a:t>Two general use cases:</a:t>
-            </a:r>
-          </a:p>
-          <a:p>
+              <a:t>Benefits:</a:t>
+            </a:r>
+          </a:p>
+          <a:p>
+            <a:pPr lvl="1"/>
+            <a:r>
+              <a:rPr lang="en-US" dirty="0"/>
+              <a:t>Rapidly release new features.</a:t>
+            </a:r>
+          </a:p>
+          <a:p>
+            <a:pPr lvl="1"/>
+            <a:r>
+              <a:rPr lang="en-US" dirty="0"/>
+              <a:t>Avoid downtime during application deployment.</a:t>
+            </a:r>
+          </a:p>
+          <a:p>
+            <a:pPr lvl="1"/>
+            <a:r>
+              <a:rPr lang="en-US" dirty="0"/>
+              <a:t>Automate deployments and eliminate manual steps.</a:t>
+            </a:r>
+          </a:p>
+          <a:p>
+            <a:pPr lvl="1"/>
+            <a:r>
+              <a:rPr lang="en-US" dirty="0"/>
+              <a:t>Scales deployments from a single instance to thousands.</a:t>
+            </a:r>
+          </a:p>
+          <a:p>
+            <a:pPr lvl="1"/>
             <a:endParaRPr lang="en-US" dirty="0"/>
-          </a:p>
-          <a:p>
-            <a:pPr lvl="1"/>
-            <a:r>
-              <a:rPr lang="en-US" dirty="0"/>
-              <a:t>Automate testing of our infrastructure.</a:t>
-            </a:r>
-          </a:p>
-          <a:p>
-            <a:pPr lvl="2"/>
-            <a:r>
-              <a:rPr lang="en-US" dirty="0"/>
-              <a:t>A change to a configuration management or infrastructure definition script triggers a pipeline.</a:t>
-            </a:r>
-          </a:p>
-          <a:p>
-            <a:pPr lvl="1"/>
-            <a:endParaRPr lang="en-US" dirty="0"/>
-          </a:p>
-          <a:p>
-            <a:pPr lvl="1"/>
-            <a:r>
-              <a:rPr lang="en-US" dirty="0"/>
-              <a:t>Automate deployment of infrastructure and our software.</a:t>
-            </a:r>
           </a:p>
         </p:txBody>
       </p:sp>
     </p:spTree>
     <p:extLst>
       <p:ext uri="{BB962C8B-B14F-4D97-AF65-F5344CB8AC3E}">
-        <p14:creationId xmlns:p14="http://schemas.microsoft.com/office/powerpoint/2010/main" val="219701665"/>
+        <p14:creationId xmlns:p14="http://schemas.microsoft.com/office/powerpoint/2010/main" val="1430834894"/>
       </p:ext>
     </p:extLst>
   </p:cSld>
@@ -10257,7 +10394,13 @@
       </p:grpSpPr>
       <p:sp>
         <p:nvSpPr>
-          <p:cNvPr id="2" name="Title 1"/>
+          <p:cNvPr id="2" name="Title 1">
+            <a:extLst>
+              <a:ext uri="{FF2B5EF4-FFF2-40B4-BE49-F238E27FC236}">
+                <a16:creationId xmlns:a16="http://schemas.microsoft.com/office/drawing/2014/main" id="{7E66EE6B-BFEC-654C-9A64-26BCFB95BE60}"/>
+              </a:ext>
+            </a:extLst>
+          </p:cNvPr>
           <p:cNvSpPr>
             <a:spLocks noGrp="1"/>
           </p:cNvSpPr>
@@ -10271,15 +10414,22 @@
           <a:lstStyle/>
           <a:p>
             <a:r>
-              <a:rPr lang="en-US" dirty="0"/>
-              <a:t>Infrastructure Pipeline</a:t>
-            </a:r>
-          </a:p>
-        </p:txBody>
-      </p:sp>
-      <p:sp>
-        <p:nvSpPr>
-          <p:cNvPr id="3" name="Content Placeholder 2"/>
+              <a:rPr lang="en-US" dirty="0" err="1"/>
+              <a:t>CodeDeploy</a:t>
+            </a:r>
+            <a:endParaRPr lang="en-US" dirty="0"/>
+          </a:p>
+        </p:txBody>
+      </p:sp>
+      <p:sp>
+        <p:nvSpPr>
+          <p:cNvPr id="3" name="Content Placeholder 2">
+            <a:extLst>
+              <a:ext uri="{FF2B5EF4-FFF2-40B4-BE49-F238E27FC236}">
+                <a16:creationId xmlns:a16="http://schemas.microsoft.com/office/drawing/2014/main" id="{01DF21DF-01D6-4843-8AFC-4153FB2E233D}"/>
+              </a:ext>
+            </a:extLst>
+          </p:cNvPr>
           <p:cNvSpPr>
             <a:spLocks noGrp="1"/>
           </p:cNvSpPr>
@@ -10290,23 +10440,39 @@
         <p:spPr/>
         <p:txBody>
           <a:bodyPr>
-            <a:normAutofit fontScale="77500" lnSpcReduction="20000"/>
+            <a:normAutofit fontScale="92500" lnSpcReduction="20000"/>
           </a:bodyPr>
           <a:lstStyle/>
           <a:p>
             <a:r>
               <a:rPr lang="en-US" dirty="0"/>
-              <a:t>CloudFormation template pipeline example:</a:t>
-            </a:r>
-          </a:p>
-          <a:p>
+              <a:t>Key components:</a:t>
+            </a:r>
+          </a:p>
+          <a:p>
+            <a:pPr lvl="1"/>
+            <a:r>
+              <a:rPr lang="en-US" b="1" dirty="0"/>
+              <a:t>Application</a:t>
+            </a:r>
+            <a:r>
+              <a:rPr lang="en-US" dirty="0"/>
+              <a:t>: code components you want to deploy.</a:t>
+            </a:r>
+          </a:p>
+          <a:p>
+            <a:pPr lvl="1"/>
             <a:endParaRPr lang="en-US" dirty="0"/>
           </a:p>
           <a:p>
             <a:pPr lvl="1"/>
             <a:r>
-              <a:rPr lang="en-US" dirty="0"/>
-              <a:t>Lint CloudFormation template to validate syntax</a:t>
+              <a:rPr lang="en-US" b="1" dirty="0"/>
+              <a:t>Compute platform</a:t>
+            </a:r>
+            <a:r>
+              <a:rPr lang="en-US" dirty="0"/>
+              <a:t>: where you want to deploy application code to (EC2, Lambda, ECS…)</a:t>
             </a:r>
           </a:p>
           <a:p>
@@ -10316,56 +10482,187 @@
           <a:p>
             <a:pPr lvl="1"/>
             <a:r>
-              <a:rPr lang="en-US" dirty="0"/>
-              <a:t>Deploy CloudFormation template</a:t>
-            </a:r>
-          </a:p>
-          <a:p>
-            <a:pPr lvl="2"/>
-            <a:r>
-              <a:rPr lang="en-US" dirty="0"/>
-              <a:t>Wait for AWS resources to be built</a:t>
-            </a:r>
-          </a:p>
-          <a:p>
-            <a:pPr lvl="2"/>
+              <a:rPr lang="en-US" b="1" dirty="0"/>
+              <a:t>Deployment group</a:t>
+            </a:r>
+            <a:r>
+              <a:rPr lang="en-US" dirty="0"/>
+              <a:t>: a set of individual compute instances (EC2)</a:t>
+            </a:r>
+          </a:p>
+          <a:p>
+            <a:pPr lvl="1"/>
             <a:endParaRPr lang="en-US" dirty="0"/>
           </a:p>
           <a:p>
             <a:pPr lvl="1"/>
             <a:r>
-              <a:rPr lang="en-US" dirty="0"/>
-              <a:t>Test AWS resources to verify that required resources are installed and working properly</a:t>
+              <a:rPr lang="en-US" b="1" dirty="0"/>
+              <a:t>Deployment type</a:t>
+            </a:r>
+            <a:r>
+              <a:rPr lang="en-US" dirty="0"/>
+              <a:t>:  the method used to make the latest application version available.</a:t>
             </a:r>
           </a:p>
           <a:p>
             <a:pPr lvl="1"/>
             <a:endParaRPr lang="en-US" dirty="0"/>
-          </a:p>
-          <a:p>
-            <a:pPr lvl="1"/>
-            <a:r>
-              <a:rPr lang="en-US" dirty="0"/>
-              <a:t>Terminate AWS resources</a:t>
-            </a:r>
-          </a:p>
-          <a:p>
-            <a:pPr lvl="1"/>
-            <a:endParaRPr lang="en-US" dirty="0"/>
-          </a:p>
-          <a:p>
-            <a:pPr lvl="1"/>
-            <a:r>
-              <a:rPr lang="en-US" dirty="0"/>
-              <a:t>Publish new template</a:t>
-            </a:r>
           </a:p>
         </p:txBody>
       </p:sp>
     </p:spTree>
     <p:extLst>
       <p:ext uri="{BB962C8B-B14F-4D97-AF65-F5344CB8AC3E}">
-        <p14:creationId xmlns:p14="http://schemas.microsoft.com/office/powerpoint/2010/main" val="804898301"/>
+        <p14:creationId xmlns:p14="http://schemas.microsoft.com/office/powerpoint/2010/main" val="453861540"/>
+      </p:ext>
+    </p:extLst>
+  </p:cSld>
+  <p:clrMapOvr>
+    <a:masterClrMapping/>
+  </p:clrMapOvr>
+</p:sld>
+</file>
+
+<file path=ppt/slides/slide29.xml><?xml version="1.0" encoding="utf-8"?>
+<p:sld xmlns:a="http://schemas.openxmlformats.org/drawingml/2006/main" xmlns:r="http://schemas.openxmlformats.org/officeDocument/2006/relationships" xmlns:p="http://schemas.openxmlformats.org/presentationml/2006/main">
+  <p:cSld>
+    <p:spTree>
+      <p:nvGrpSpPr>
+        <p:cNvPr id="1" name=""/>
+        <p:cNvGrpSpPr/>
+        <p:nvPr/>
+      </p:nvGrpSpPr>
+      <p:grpSpPr>
+        <a:xfrm>
+          <a:off x="0" y="0"/>
+          <a:ext cx="0" cy="0"/>
+          <a:chOff x="0" y="0"/>
+          <a:chExt cx="0" cy="0"/>
+        </a:xfrm>
+      </p:grpSpPr>
+      <p:sp>
+        <p:nvSpPr>
+          <p:cNvPr id="2" name="Title 1">
+            <a:extLst>
+              <a:ext uri="{FF2B5EF4-FFF2-40B4-BE49-F238E27FC236}">
+                <a16:creationId xmlns:a16="http://schemas.microsoft.com/office/drawing/2014/main" id="{7E66EE6B-BFEC-654C-9A64-26BCFB95BE60}"/>
+              </a:ext>
+            </a:extLst>
+          </p:cNvPr>
+          <p:cNvSpPr>
+            <a:spLocks noGrp="1"/>
+          </p:cNvSpPr>
+          <p:nvPr>
+            <p:ph type="title"/>
+          </p:nvPr>
+        </p:nvSpPr>
+        <p:spPr/>
+        <p:txBody>
+          <a:bodyPr/>
+          <a:lstStyle/>
+          <a:p>
+            <a:r>
+              <a:rPr lang="en-US" dirty="0" err="1"/>
+              <a:t>CodeDeploy</a:t>
+            </a:r>
+            <a:endParaRPr lang="en-US" dirty="0"/>
+          </a:p>
+        </p:txBody>
+      </p:sp>
+      <p:sp>
+        <p:nvSpPr>
+          <p:cNvPr id="3" name="Content Placeholder 2">
+            <a:extLst>
+              <a:ext uri="{FF2B5EF4-FFF2-40B4-BE49-F238E27FC236}">
+                <a16:creationId xmlns:a16="http://schemas.microsoft.com/office/drawing/2014/main" id="{01DF21DF-01D6-4843-8AFC-4153FB2E233D}"/>
+              </a:ext>
+            </a:extLst>
+          </p:cNvPr>
+          <p:cNvSpPr>
+            <a:spLocks noGrp="1"/>
+          </p:cNvSpPr>
+          <p:nvPr>
+            <p:ph idx="1"/>
+          </p:nvPr>
+        </p:nvSpPr>
+        <p:spPr/>
+        <p:txBody>
+          <a:bodyPr>
+            <a:normAutofit/>
+          </a:bodyPr>
+          <a:lstStyle/>
+          <a:p>
+            <a:r>
+              <a:rPr lang="en-US" dirty="0"/>
+              <a:t>Two deployment types:</a:t>
+            </a:r>
+          </a:p>
+          <a:p>
+            <a:pPr lvl="1"/>
+            <a:r>
+              <a:rPr lang="en-US" dirty="0"/>
+              <a:t>In-place deployment</a:t>
+            </a:r>
+          </a:p>
+          <a:p>
+            <a:pPr lvl="2"/>
+            <a:r>
+              <a:rPr lang="en-US" dirty="0" err="1"/>
+              <a:t>OneAtATime</a:t>
+            </a:r>
+            <a:r>
+              <a:rPr lang="en-US" dirty="0"/>
+              <a:t> (Rolling release)</a:t>
+            </a:r>
+          </a:p>
+          <a:p>
+            <a:pPr lvl="2"/>
+            <a:r>
+              <a:rPr lang="en-US" dirty="0" err="1"/>
+              <a:t>HalfAtATime</a:t>
+            </a:r>
+            <a:r>
+              <a:rPr lang="en-US" dirty="0"/>
+              <a:t> (Rolling release/Min in service)</a:t>
+            </a:r>
+          </a:p>
+          <a:p>
+            <a:pPr lvl="2"/>
+            <a:r>
+              <a:rPr lang="en-US" dirty="0" err="1"/>
+              <a:t>AllAtOnce</a:t>
+            </a:r>
+            <a:r>
+              <a:rPr lang="en-US" dirty="0"/>
+              <a:t> (Big Bang release)</a:t>
+            </a:r>
+          </a:p>
+          <a:p>
+            <a:pPr lvl="1"/>
+            <a:endParaRPr lang="en-US" dirty="0"/>
+          </a:p>
+          <a:p>
+            <a:pPr lvl="1"/>
+            <a:r>
+              <a:rPr lang="en-US" dirty="0"/>
+              <a:t>Blue/green</a:t>
+            </a:r>
+          </a:p>
+          <a:p>
+            <a:pPr lvl="2"/>
+            <a:endParaRPr lang="en-US" dirty="0"/>
+          </a:p>
+          <a:p>
+            <a:pPr lvl="1"/>
+            <a:endParaRPr lang="en-US" dirty="0"/>
+          </a:p>
+        </p:txBody>
+      </p:sp>
+    </p:spTree>
+    <p:extLst>
+      <p:ext uri="{BB962C8B-B14F-4D97-AF65-F5344CB8AC3E}">
+        <p14:creationId xmlns:p14="http://schemas.microsoft.com/office/powerpoint/2010/main" val="2644914098"/>
       </p:ext>
     </p:extLst>
   </p:cSld>
@@ -10494,6 +10791,1011 @@
     <p:extLst>
       <p:ext uri="{BB962C8B-B14F-4D97-AF65-F5344CB8AC3E}">
         <p14:creationId xmlns:p14="http://schemas.microsoft.com/office/powerpoint/2010/main" val="1820130156"/>
+      </p:ext>
+    </p:extLst>
+  </p:cSld>
+  <p:clrMapOvr>
+    <a:masterClrMapping/>
+  </p:clrMapOvr>
+</p:sld>
+</file>
+
+<file path=ppt/slides/slide30.xml><?xml version="1.0" encoding="utf-8"?>
+<p:sld xmlns:a="http://schemas.openxmlformats.org/drawingml/2006/main" xmlns:r="http://schemas.openxmlformats.org/officeDocument/2006/relationships" xmlns:p="http://schemas.openxmlformats.org/presentationml/2006/main">
+  <p:cSld>
+    <p:spTree>
+      <p:nvGrpSpPr>
+        <p:cNvPr id="1" name=""/>
+        <p:cNvGrpSpPr/>
+        <p:nvPr/>
+      </p:nvGrpSpPr>
+      <p:grpSpPr>
+        <a:xfrm>
+          <a:off x="0" y="0"/>
+          <a:ext cx="0" cy="0"/>
+          <a:chOff x="0" y="0"/>
+          <a:chExt cx="0" cy="0"/>
+        </a:xfrm>
+      </p:grpSpPr>
+      <p:sp>
+        <p:nvSpPr>
+          <p:cNvPr id="2" name="Title 1">
+            <a:extLst>
+              <a:ext uri="{FF2B5EF4-FFF2-40B4-BE49-F238E27FC236}">
+                <a16:creationId xmlns:a16="http://schemas.microsoft.com/office/drawing/2014/main" id="{7E66EE6B-BFEC-654C-9A64-26BCFB95BE60}"/>
+              </a:ext>
+            </a:extLst>
+          </p:cNvPr>
+          <p:cNvSpPr>
+            <a:spLocks noGrp="1"/>
+          </p:cNvSpPr>
+          <p:nvPr>
+            <p:ph type="title"/>
+          </p:nvPr>
+        </p:nvSpPr>
+        <p:spPr/>
+        <p:txBody>
+          <a:bodyPr/>
+          <a:lstStyle/>
+          <a:p>
+            <a:r>
+              <a:rPr lang="en-US" dirty="0" err="1"/>
+              <a:t>CodeDeploy</a:t>
+            </a:r>
+            <a:endParaRPr lang="en-US" dirty="0"/>
+          </a:p>
+        </p:txBody>
+      </p:sp>
+      <p:sp>
+        <p:nvSpPr>
+          <p:cNvPr id="3" name="Content Placeholder 2">
+            <a:extLst>
+              <a:ext uri="{FF2B5EF4-FFF2-40B4-BE49-F238E27FC236}">
+                <a16:creationId xmlns:a16="http://schemas.microsoft.com/office/drawing/2014/main" id="{01DF21DF-01D6-4843-8AFC-4153FB2E233D}"/>
+              </a:ext>
+            </a:extLst>
+          </p:cNvPr>
+          <p:cNvSpPr>
+            <a:spLocks noGrp="1"/>
+          </p:cNvSpPr>
+          <p:nvPr>
+            <p:ph idx="1"/>
+          </p:nvPr>
+        </p:nvSpPr>
+        <p:spPr/>
+        <p:txBody>
+          <a:bodyPr>
+            <a:normAutofit/>
+          </a:bodyPr>
+          <a:lstStyle/>
+          <a:p>
+            <a:r>
+              <a:rPr lang="en-US" dirty="0" err="1"/>
+              <a:t>AppSpec</a:t>
+            </a:r>
+            <a:r>
+              <a:rPr lang="en-US" dirty="0"/>
+              <a:t> file:</a:t>
+            </a:r>
+          </a:p>
+          <a:p>
+            <a:pPr lvl="1"/>
+            <a:r>
+              <a:rPr lang="en-US" dirty="0"/>
+              <a:t>YAML file which describes how to install the application on the compute platform.</a:t>
+            </a:r>
+          </a:p>
+          <a:p>
+            <a:pPr lvl="1"/>
+            <a:r>
+              <a:rPr lang="en-US" dirty="0"/>
+              <a:t>Maps application files to destinations on the instance.</a:t>
+            </a:r>
+          </a:p>
+          <a:p>
+            <a:pPr lvl="1"/>
+            <a:r>
+              <a:rPr lang="en-US" dirty="0"/>
+              <a:t>Specifies custom permissions for deployed files.</a:t>
+            </a:r>
+          </a:p>
+          <a:p>
+            <a:pPr lvl="1"/>
+            <a:r>
+              <a:rPr lang="en-US" dirty="0"/>
+              <a:t>Specifies scripts to run during stages of the deployment process.</a:t>
+            </a:r>
+          </a:p>
+          <a:p>
+            <a:pPr lvl="2"/>
+            <a:endParaRPr lang="en-US" dirty="0"/>
+          </a:p>
+          <a:p>
+            <a:pPr lvl="1"/>
+            <a:endParaRPr lang="en-US" dirty="0"/>
+          </a:p>
+        </p:txBody>
+      </p:sp>
+    </p:spTree>
+    <p:extLst>
+      <p:ext uri="{BB962C8B-B14F-4D97-AF65-F5344CB8AC3E}">
+        <p14:creationId xmlns:p14="http://schemas.microsoft.com/office/powerpoint/2010/main" val="3794057545"/>
+      </p:ext>
+    </p:extLst>
+  </p:cSld>
+  <p:clrMapOvr>
+    <a:masterClrMapping/>
+  </p:clrMapOvr>
+</p:sld>
+</file>
+
+<file path=ppt/slides/slide31.xml><?xml version="1.0" encoding="utf-8"?>
+<p:sld xmlns:a="http://schemas.openxmlformats.org/drawingml/2006/main" xmlns:r="http://schemas.openxmlformats.org/officeDocument/2006/relationships" xmlns:p="http://schemas.openxmlformats.org/presentationml/2006/main">
+  <p:cSld>
+    <p:spTree>
+      <p:nvGrpSpPr>
+        <p:cNvPr id="1" name=""/>
+        <p:cNvGrpSpPr/>
+        <p:nvPr/>
+      </p:nvGrpSpPr>
+      <p:grpSpPr>
+        <a:xfrm>
+          <a:off x="0" y="0"/>
+          <a:ext cx="0" cy="0"/>
+          <a:chOff x="0" y="0"/>
+          <a:chExt cx="0" cy="0"/>
+        </a:xfrm>
+      </p:grpSpPr>
+      <p:sp>
+        <p:nvSpPr>
+          <p:cNvPr id="2" name="Title 1">
+            <a:extLst>
+              <a:ext uri="{FF2B5EF4-FFF2-40B4-BE49-F238E27FC236}">
+                <a16:creationId xmlns:a16="http://schemas.microsoft.com/office/drawing/2014/main" id="{7E66EE6B-BFEC-654C-9A64-26BCFB95BE60}"/>
+              </a:ext>
+            </a:extLst>
+          </p:cNvPr>
+          <p:cNvSpPr>
+            <a:spLocks noGrp="1"/>
+          </p:cNvSpPr>
+          <p:nvPr>
+            <p:ph type="title"/>
+          </p:nvPr>
+        </p:nvSpPr>
+        <p:spPr/>
+        <p:txBody>
+          <a:bodyPr/>
+          <a:lstStyle/>
+          <a:p>
+            <a:r>
+              <a:rPr lang="en-US" dirty="0" err="1"/>
+              <a:t>CodeDeploy</a:t>
+            </a:r>
+            <a:r>
+              <a:rPr lang="en-US" dirty="0"/>
+              <a:t> </a:t>
+            </a:r>
+            <a:r>
+              <a:rPr lang="en-US" dirty="0" err="1"/>
+              <a:t>appspec.yml</a:t>
+            </a:r>
+            <a:endParaRPr lang="en-US" dirty="0"/>
+          </a:p>
+        </p:txBody>
+      </p:sp>
+      <p:sp>
+        <p:nvSpPr>
+          <p:cNvPr id="3" name="Content Placeholder 2">
+            <a:extLst>
+              <a:ext uri="{FF2B5EF4-FFF2-40B4-BE49-F238E27FC236}">
+                <a16:creationId xmlns:a16="http://schemas.microsoft.com/office/drawing/2014/main" id="{01DF21DF-01D6-4843-8AFC-4153FB2E233D}"/>
+              </a:ext>
+            </a:extLst>
+          </p:cNvPr>
+          <p:cNvSpPr>
+            <a:spLocks noGrp="1"/>
+          </p:cNvSpPr>
+          <p:nvPr>
+            <p:ph idx="1"/>
+          </p:nvPr>
+        </p:nvSpPr>
+        <p:spPr/>
+        <p:txBody>
+          <a:bodyPr>
+            <a:normAutofit fontScale="77500" lnSpcReduction="20000"/>
+          </a:bodyPr>
+          <a:lstStyle/>
+          <a:p>
+            <a:pPr marL="914400" lvl="2" indent="0">
+              <a:buNone/>
+            </a:pPr>
+            <a:r>
+              <a:rPr lang="en-US" dirty="0"/>
+              <a:t>version: 0.0</a:t>
+            </a:r>
+          </a:p>
+          <a:p>
+            <a:pPr marL="914400" lvl="2" indent="0">
+              <a:buNone/>
+            </a:pPr>
+            <a:r>
+              <a:rPr lang="en-US" dirty="0" err="1"/>
+              <a:t>os</a:t>
+            </a:r>
+            <a:r>
+              <a:rPr lang="en-US" dirty="0"/>
+              <a:t>: </a:t>
+            </a:r>
+            <a:r>
+              <a:rPr lang="en-US" dirty="0" err="1"/>
+              <a:t>linux</a:t>
+            </a:r>
+            <a:endParaRPr lang="en-US" dirty="0"/>
+          </a:p>
+          <a:p>
+            <a:pPr marL="914400" lvl="2" indent="0">
+              <a:buNone/>
+            </a:pPr>
+            <a:r>
+              <a:rPr lang="en-US" dirty="0"/>
+              <a:t>files:</a:t>
+            </a:r>
+          </a:p>
+          <a:p>
+            <a:pPr marL="914400" lvl="2" indent="0">
+              <a:buNone/>
+            </a:pPr>
+            <a:r>
+              <a:rPr lang="en-US" dirty="0"/>
+              <a:t>	- source: </a:t>
+            </a:r>
+            <a:r>
+              <a:rPr lang="en-US" dirty="0" err="1"/>
+              <a:t>myApp.jar</a:t>
+            </a:r>
+            <a:endParaRPr lang="en-US" dirty="0"/>
+          </a:p>
+          <a:p>
+            <a:pPr marL="914400" lvl="2" indent="0">
+              <a:buNone/>
+            </a:pPr>
+            <a:r>
+              <a:rPr lang="en-US" dirty="0"/>
+              <a:t>	  destination: /var/app/</a:t>
+            </a:r>
+            <a:r>
+              <a:rPr lang="en-US" dirty="0" err="1"/>
+              <a:t>myApp.jar</a:t>
+            </a:r>
+            <a:endParaRPr lang="en-US" dirty="0"/>
+          </a:p>
+          <a:p>
+            <a:pPr marL="914400" lvl="2" indent="0">
+              <a:buNone/>
+            </a:pPr>
+            <a:r>
+              <a:rPr lang="en-US" dirty="0"/>
+              <a:t>permissions:</a:t>
+            </a:r>
+          </a:p>
+          <a:p>
+            <a:pPr marL="914400" lvl="2" indent="0">
+              <a:buNone/>
+            </a:pPr>
+            <a:r>
+              <a:rPr lang="en-US" dirty="0"/>
+              <a:t>	- object: /var/app</a:t>
+            </a:r>
+          </a:p>
+          <a:p>
+            <a:pPr marL="914400" lvl="2" indent="0">
+              <a:buNone/>
+            </a:pPr>
+            <a:r>
+              <a:rPr lang="en-US" dirty="0"/>
+              <a:t>	  group: wheel</a:t>
+            </a:r>
+          </a:p>
+          <a:p>
+            <a:pPr marL="914400" lvl="2" indent="0">
+              <a:buNone/>
+            </a:pPr>
+            <a:r>
+              <a:rPr lang="en-US" dirty="0"/>
+              <a:t>	  mode: 440</a:t>
+            </a:r>
+          </a:p>
+          <a:p>
+            <a:pPr marL="914400" lvl="2" indent="0">
+              <a:buNone/>
+            </a:pPr>
+            <a:r>
+              <a:rPr lang="en-US" dirty="0"/>
+              <a:t>	  type:</a:t>
+            </a:r>
+          </a:p>
+          <a:p>
+            <a:pPr marL="914400" lvl="2" indent="0">
+              <a:buNone/>
+            </a:pPr>
+            <a:r>
+              <a:rPr lang="en-US" dirty="0"/>
+              <a:t>	    - directory</a:t>
+            </a:r>
+          </a:p>
+          <a:p>
+            <a:pPr marL="914400" lvl="2" indent="0">
+              <a:buNone/>
+            </a:pPr>
+            <a:r>
+              <a:rPr lang="en-US" dirty="0"/>
+              <a:t>hooks:</a:t>
+            </a:r>
+          </a:p>
+          <a:p>
+            <a:pPr marL="914400" lvl="2" indent="0">
+              <a:buNone/>
+            </a:pPr>
+            <a:r>
+              <a:rPr lang="en-US" dirty="0"/>
+              <a:t>	</a:t>
+            </a:r>
+            <a:r>
+              <a:rPr lang="en-US" dirty="0" err="1"/>
+              <a:t>AfterInstall</a:t>
+            </a:r>
+            <a:r>
+              <a:rPr lang="en-US" dirty="0"/>
+              <a:t>:</a:t>
+            </a:r>
+          </a:p>
+          <a:p>
+            <a:pPr marL="914400" lvl="2" indent="0">
+              <a:buNone/>
+            </a:pPr>
+            <a:r>
+              <a:rPr lang="en-US" dirty="0"/>
+              <a:t>		- location: scripts/</a:t>
+            </a:r>
+            <a:r>
+              <a:rPr lang="en-US" dirty="0" err="1"/>
+              <a:t>run_tests.sh</a:t>
+            </a:r>
+            <a:endParaRPr lang="en-US" dirty="0"/>
+          </a:p>
+          <a:p>
+            <a:pPr marL="914400" lvl="2" indent="0">
+              <a:buNone/>
+            </a:pPr>
+            <a:r>
+              <a:rPr lang="en-US" dirty="0"/>
+              <a:t>		  timeout: 90</a:t>
+            </a:r>
+          </a:p>
+          <a:p>
+            <a:pPr lvl="1"/>
+            <a:endParaRPr lang="en-US" dirty="0"/>
+          </a:p>
+        </p:txBody>
+      </p:sp>
+    </p:spTree>
+    <p:extLst>
+      <p:ext uri="{BB962C8B-B14F-4D97-AF65-F5344CB8AC3E}">
+        <p14:creationId xmlns:p14="http://schemas.microsoft.com/office/powerpoint/2010/main" val="3367741918"/>
+      </p:ext>
+    </p:extLst>
+  </p:cSld>
+  <p:clrMapOvr>
+    <a:masterClrMapping/>
+  </p:clrMapOvr>
+</p:sld>
+</file>
+
+<file path=ppt/slides/slide32.xml><?xml version="1.0" encoding="utf-8"?>
+<p:sld xmlns:a="http://schemas.openxmlformats.org/drawingml/2006/main" xmlns:r="http://schemas.openxmlformats.org/officeDocument/2006/relationships" xmlns:p="http://schemas.openxmlformats.org/presentationml/2006/main">
+  <p:cSld>
+    <p:spTree>
+      <p:nvGrpSpPr>
+        <p:cNvPr id="1" name=""/>
+        <p:cNvGrpSpPr/>
+        <p:nvPr/>
+      </p:nvGrpSpPr>
+      <p:grpSpPr>
+        <a:xfrm>
+          <a:off x="0" y="0"/>
+          <a:ext cx="0" cy="0"/>
+          <a:chOff x="0" y="0"/>
+          <a:chExt cx="0" cy="0"/>
+        </a:xfrm>
+      </p:grpSpPr>
+      <p:sp>
+        <p:nvSpPr>
+          <p:cNvPr id="2" name="Title 1">
+            <a:extLst>
+              <a:ext uri="{FF2B5EF4-FFF2-40B4-BE49-F238E27FC236}">
+                <a16:creationId xmlns:a16="http://schemas.microsoft.com/office/drawing/2014/main" id="{7E66EE6B-BFEC-654C-9A64-26BCFB95BE60}"/>
+              </a:ext>
+            </a:extLst>
+          </p:cNvPr>
+          <p:cNvSpPr>
+            <a:spLocks noGrp="1"/>
+          </p:cNvSpPr>
+          <p:nvPr>
+            <p:ph type="title"/>
+          </p:nvPr>
+        </p:nvSpPr>
+        <p:spPr/>
+        <p:txBody>
+          <a:bodyPr/>
+          <a:lstStyle/>
+          <a:p>
+            <a:r>
+              <a:rPr lang="en-US" dirty="0" err="1"/>
+              <a:t>CodeDeploy</a:t>
+            </a:r>
+            <a:r>
+              <a:rPr lang="en-US" dirty="0"/>
+              <a:t> </a:t>
+            </a:r>
+            <a:r>
+              <a:rPr lang="en-US" dirty="0" err="1"/>
+              <a:t>appspec.yml</a:t>
+            </a:r>
+            <a:endParaRPr lang="en-US" dirty="0"/>
+          </a:p>
+        </p:txBody>
+      </p:sp>
+      <p:sp>
+        <p:nvSpPr>
+          <p:cNvPr id="3" name="Content Placeholder 2">
+            <a:extLst>
+              <a:ext uri="{FF2B5EF4-FFF2-40B4-BE49-F238E27FC236}">
+                <a16:creationId xmlns:a16="http://schemas.microsoft.com/office/drawing/2014/main" id="{01DF21DF-01D6-4843-8AFC-4153FB2E233D}"/>
+              </a:ext>
+            </a:extLst>
+          </p:cNvPr>
+          <p:cNvSpPr>
+            <a:spLocks noGrp="1"/>
+          </p:cNvSpPr>
+          <p:nvPr>
+            <p:ph idx="1"/>
+          </p:nvPr>
+        </p:nvSpPr>
+        <p:spPr>
+          <a:xfrm>
+            <a:off x="457200" y="1600200"/>
+            <a:ext cx="6185338" cy="4525963"/>
+          </a:xfrm>
+        </p:spPr>
+        <p:txBody>
+          <a:bodyPr>
+            <a:normAutofit fontScale="92500" lnSpcReduction="20000"/>
+          </a:bodyPr>
+          <a:lstStyle/>
+          <a:p>
+            <a:r>
+              <a:rPr lang="en-US" dirty="0"/>
+              <a:t>Hooks describe lifecycle events which occur during the deployment process.</a:t>
+            </a:r>
+          </a:p>
+          <a:p>
+            <a:endParaRPr lang="en-US" dirty="0"/>
+          </a:p>
+          <a:p>
+            <a:pPr lvl="1"/>
+            <a:r>
+              <a:rPr lang="en-US" dirty="0"/>
+              <a:t>Events differ based on compute platform and deployment type.</a:t>
+            </a:r>
+          </a:p>
+          <a:p>
+            <a:pPr lvl="1"/>
+            <a:endParaRPr lang="en-US" dirty="0"/>
+          </a:p>
+          <a:p>
+            <a:pPr lvl="1"/>
+            <a:r>
+              <a:rPr lang="en-US" dirty="0"/>
+              <a:t>We can specify scripts to run at each event.</a:t>
+            </a:r>
+          </a:p>
+          <a:p>
+            <a:pPr lvl="2"/>
+            <a:r>
+              <a:rPr lang="en-US" dirty="0"/>
+              <a:t>Install application dependencies</a:t>
+            </a:r>
+          </a:p>
+          <a:p>
+            <a:pPr lvl="2"/>
+            <a:r>
+              <a:rPr lang="en-US" dirty="0"/>
+              <a:t>Configure application settings</a:t>
+            </a:r>
+          </a:p>
+          <a:p>
+            <a:pPr lvl="2"/>
+            <a:r>
+              <a:rPr lang="en-US" dirty="0"/>
+              <a:t>Run post-installation smoke tests</a:t>
+            </a:r>
+          </a:p>
+        </p:txBody>
+      </p:sp>
+      <p:pic>
+        <p:nvPicPr>
+          <p:cNvPr id="4" name="Picture 3">
+            <a:extLst>
+              <a:ext uri="{FF2B5EF4-FFF2-40B4-BE49-F238E27FC236}">
+                <a16:creationId xmlns:a16="http://schemas.microsoft.com/office/drawing/2014/main" id="{09A21C8A-D194-F049-AD1C-6D2F007589ED}"/>
+              </a:ext>
+            </a:extLst>
+          </p:cNvPr>
+          <p:cNvPicPr>
+            <a:picLocks noChangeAspect="1"/>
+          </p:cNvPicPr>
+          <p:nvPr/>
+        </p:nvPicPr>
+        <p:blipFill>
+          <a:blip r:embed="rId2"/>
+          <a:stretch>
+            <a:fillRect/>
+          </a:stretch>
+        </p:blipFill>
+        <p:spPr>
+          <a:xfrm>
+            <a:off x="6876921" y="1600200"/>
+            <a:ext cx="1809879" cy="4159879"/>
+          </a:xfrm>
+          <a:prstGeom prst="rect">
+            <a:avLst/>
+          </a:prstGeom>
+        </p:spPr>
+      </p:pic>
+    </p:spTree>
+    <p:extLst>
+      <p:ext uri="{BB962C8B-B14F-4D97-AF65-F5344CB8AC3E}">
+        <p14:creationId xmlns:p14="http://schemas.microsoft.com/office/powerpoint/2010/main" val="3238344813"/>
+      </p:ext>
+    </p:extLst>
+  </p:cSld>
+  <p:clrMapOvr>
+    <a:masterClrMapping/>
+  </p:clrMapOvr>
+</p:sld>
+</file>
+
+<file path=ppt/slides/slide33.xml><?xml version="1.0" encoding="utf-8"?>
+<p:sld xmlns:a="http://schemas.openxmlformats.org/drawingml/2006/main" xmlns:r="http://schemas.openxmlformats.org/officeDocument/2006/relationships" xmlns:p="http://schemas.openxmlformats.org/presentationml/2006/main">
+  <p:cSld>
+    <p:spTree>
+      <p:nvGrpSpPr>
+        <p:cNvPr id="1" name=""/>
+        <p:cNvGrpSpPr/>
+        <p:nvPr/>
+      </p:nvGrpSpPr>
+      <p:grpSpPr>
+        <a:xfrm>
+          <a:off x="0" y="0"/>
+          <a:ext cx="0" cy="0"/>
+          <a:chOff x="0" y="0"/>
+          <a:chExt cx="0" cy="0"/>
+        </a:xfrm>
+      </p:grpSpPr>
+      <p:sp>
+        <p:nvSpPr>
+          <p:cNvPr id="2" name="Title 1"/>
+          <p:cNvSpPr>
+            <a:spLocks noGrp="1"/>
+          </p:cNvSpPr>
+          <p:nvPr>
+            <p:ph type="title"/>
+          </p:nvPr>
+        </p:nvSpPr>
+        <p:spPr/>
+        <p:txBody>
+          <a:bodyPr/>
+          <a:lstStyle/>
+          <a:p>
+            <a:r>
+              <a:rPr lang="en-US" dirty="0" err="1"/>
+              <a:t>CodeDeploy</a:t>
+            </a:r>
+            <a:r>
+              <a:rPr lang="en-US" dirty="0"/>
+              <a:t> Hands-on</a:t>
+            </a:r>
+          </a:p>
+        </p:txBody>
+      </p:sp>
+      <p:sp>
+        <p:nvSpPr>
+          <p:cNvPr id="3" name="Content Placeholder 2"/>
+          <p:cNvSpPr>
+            <a:spLocks noGrp="1"/>
+          </p:cNvSpPr>
+          <p:nvPr>
+            <p:ph idx="1"/>
+          </p:nvPr>
+        </p:nvSpPr>
+        <p:spPr/>
+        <p:txBody>
+          <a:bodyPr>
+            <a:normAutofit fontScale="62500" lnSpcReduction="20000"/>
+          </a:bodyPr>
+          <a:lstStyle/>
+          <a:p>
+            <a:r>
+              <a:rPr lang="en-US" dirty="0"/>
+              <a:t>Goal: Deploy and application update to a simulated production environment.</a:t>
+            </a:r>
+          </a:p>
+          <a:p>
+            <a:endParaRPr lang="en-US" dirty="0"/>
+          </a:p>
+          <a:p>
+            <a:r>
+              <a:rPr lang="en-US" dirty="0"/>
+              <a:t>Deploy production environment stack:</a:t>
+            </a:r>
+          </a:p>
+          <a:p>
+            <a:pPr lvl="1"/>
+            <a:r>
+              <a:rPr lang="en-US" dirty="0">
+                <a:hlinkClick r:id="rId3"/>
+              </a:rPr>
+              <a:t>https://seis665.s3.amazonaws.com/app-prod-env-template.json</a:t>
+            </a:r>
+            <a:endParaRPr lang="en-US" dirty="0"/>
+          </a:p>
+          <a:p>
+            <a:pPr lvl="1"/>
+            <a:endParaRPr lang="en-US" dirty="0"/>
+          </a:p>
+          <a:p>
+            <a:r>
+              <a:rPr lang="en-US" dirty="0"/>
+              <a:t>Upload </a:t>
+            </a:r>
+            <a:r>
+              <a:rPr lang="en-US" dirty="0" err="1"/>
+              <a:t>website.zip</a:t>
+            </a:r>
+            <a:r>
+              <a:rPr lang="en-US" dirty="0"/>
+              <a:t> file to S3 artifact bucket in stack.</a:t>
+            </a:r>
+          </a:p>
+          <a:p>
+            <a:endParaRPr lang="en-US" dirty="0"/>
+          </a:p>
+          <a:p>
+            <a:r>
+              <a:rPr lang="en-US" dirty="0"/>
+              <a:t>Test access to production ALB</a:t>
+            </a:r>
+          </a:p>
+          <a:p>
+            <a:endParaRPr lang="en-US" dirty="0"/>
+          </a:p>
+          <a:p>
+            <a:r>
+              <a:rPr lang="en-US" dirty="0"/>
+              <a:t>Create </a:t>
+            </a:r>
+            <a:r>
+              <a:rPr lang="en-US" dirty="0" err="1"/>
+              <a:t>CodeDeploy</a:t>
+            </a:r>
+            <a:r>
+              <a:rPr lang="en-US" dirty="0"/>
+              <a:t> resources:</a:t>
+            </a:r>
+          </a:p>
+          <a:p>
+            <a:pPr lvl="1"/>
+            <a:r>
+              <a:rPr lang="en-US" dirty="0"/>
+              <a:t>Application, Deployment Group, Deployment</a:t>
+            </a:r>
+          </a:p>
+          <a:p>
+            <a:pPr lvl="1"/>
+            <a:endParaRPr lang="en-US" dirty="0"/>
+          </a:p>
+          <a:p>
+            <a:r>
+              <a:rPr lang="en-US" dirty="0"/>
+              <a:t>Watch the deployment process and lifecycle events.</a:t>
+            </a:r>
+          </a:p>
+        </p:txBody>
+      </p:sp>
+      <p:pic>
+        <p:nvPicPr>
+          <p:cNvPr id="4" name="Picture 3">
+            <a:extLst>
+              <a:ext uri="{FF2B5EF4-FFF2-40B4-BE49-F238E27FC236}">
+                <a16:creationId xmlns:a16="http://schemas.microsoft.com/office/drawing/2014/main" id="{5AA7886C-BCF1-334D-8175-46E1B6E5200D}"/>
+              </a:ext>
+            </a:extLst>
+          </p:cNvPr>
+          <p:cNvPicPr>
+            <a:picLocks noChangeAspect="1"/>
+          </p:cNvPicPr>
+          <p:nvPr/>
+        </p:nvPicPr>
+        <p:blipFill>
+          <a:blip r:embed="rId4"/>
+          <a:stretch>
+            <a:fillRect/>
+          </a:stretch>
+        </p:blipFill>
+        <p:spPr>
+          <a:xfrm>
+            <a:off x="7891174" y="403586"/>
+            <a:ext cx="1014052" cy="1014052"/>
+          </a:xfrm>
+          <a:prstGeom prst="rect">
+            <a:avLst/>
+          </a:prstGeom>
+        </p:spPr>
+      </p:pic>
+    </p:spTree>
+    <p:extLst>
+      <p:ext uri="{BB962C8B-B14F-4D97-AF65-F5344CB8AC3E}">
+        <p14:creationId xmlns:p14="http://schemas.microsoft.com/office/powerpoint/2010/main" val="761670131"/>
+      </p:ext>
+    </p:extLst>
+  </p:cSld>
+  <p:clrMapOvr>
+    <a:masterClrMapping/>
+  </p:clrMapOvr>
+</p:sld>
+</file>
+
+<file path=ppt/slides/slide34.xml><?xml version="1.0" encoding="utf-8"?>
+<p:sld xmlns:a="http://schemas.openxmlformats.org/drawingml/2006/main" xmlns:r="http://schemas.openxmlformats.org/officeDocument/2006/relationships" xmlns:p="http://schemas.openxmlformats.org/presentationml/2006/main">
+  <p:cSld>
+    <p:spTree>
+      <p:nvGrpSpPr>
+        <p:cNvPr id="1" name=""/>
+        <p:cNvGrpSpPr/>
+        <p:nvPr/>
+      </p:nvGrpSpPr>
+      <p:grpSpPr>
+        <a:xfrm>
+          <a:off x="0" y="0"/>
+          <a:ext cx="0" cy="0"/>
+          <a:chOff x="0" y="0"/>
+          <a:chExt cx="0" cy="0"/>
+        </a:xfrm>
+      </p:grpSpPr>
+      <p:sp>
+        <p:nvSpPr>
+          <p:cNvPr id="2" name="Title 1"/>
+          <p:cNvSpPr>
+            <a:spLocks noGrp="1"/>
+          </p:cNvSpPr>
+          <p:nvPr>
+            <p:ph type="title"/>
+          </p:nvPr>
+        </p:nvSpPr>
+        <p:spPr/>
+        <p:txBody>
+          <a:bodyPr/>
+          <a:lstStyle/>
+          <a:p>
+            <a:r>
+              <a:rPr lang="en-US" dirty="0"/>
+              <a:t>Infrastructure Pipelines</a:t>
+            </a:r>
+          </a:p>
+        </p:txBody>
+      </p:sp>
+      <p:sp>
+        <p:nvSpPr>
+          <p:cNvPr id="3" name="Content Placeholder 2"/>
+          <p:cNvSpPr>
+            <a:spLocks noGrp="1"/>
+          </p:cNvSpPr>
+          <p:nvPr>
+            <p:ph idx="1"/>
+          </p:nvPr>
+        </p:nvSpPr>
+        <p:spPr/>
+        <p:txBody>
+          <a:bodyPr>
+            <a:normAutofit fontScale="92500" lnSpcReduction="20000"/>
+          </a:bodyPr>
+          <a:lstStyle/>
+          <a:p>
+            <a:r>
+              <a:rPr lang="en-US" dirty="0"/>
+              <a:t>CI/CD pipelines aren’t just used to build software, we also use them to build infrastructure.</a:t>
+            </a:r>
+          </a:p>
+          <a:p>
+            <a:endParaRPr lang="en-US" dirty="0"/>
+          </a:p>
+          <a:p>
+            <a:r>
+              <a:rPr lang="en-US" dirty="0"/>
+              <a:t>Two general use cases:</a:t>
+            </a:r>
+          </a:p>
+          <a:p>
+            <a:endParaRPr lang="en-US" dirty="0"/>
+          </a:p>
+          <a:p>
+            <a:pPr lvl="1"/>
+            <a:r>
+              <a:rPr lang="en-US" dirty="0"/>
+              <a:t>Automate testing of our infrastructure.</a:t>
+            </a:r>
+          </a:p>
+          <a:p>
+            <a:pPr lvl="2"/>
+            <a:r>
+              <a:rPr lang="en-US" dirty="0"/>
+              <a:t>A change to a configuration management or infrastructure definition script triggers a pipeline.</a:t>
+            </a:r>
+          </a:p>
+          <a:p>
+            <a:pPr lvl="1"/>
+            <a:endParaRPr lang="en-US" dirty="0"/>
+          </a:p>
+          <a:p>
+            <a:pPr lvl="1"/>
+            <a:r>
+              <a:rPr lang="en-US" dirty="0"/>
+              <a:t>Automate deployment of infrastructure and our software.</a:t>
+            </a:r>
+          </a:p>
+        </p:txBody>
+      </p:sp>
+    </p:spTree>
+    <p:extLst>
+      <p:ext uri="{BB962C8B-B14F-4D97-AF65-F5344CB8AC3E}">
+        <p14:creationId xmlns:p14="http://schemas.microsoft.com/office/powerpoint/2010/main" val="219701665"/>
+      </p:ext>
+    </p:extLst>
+  </p:cSld>
+  <p:clrMapOvr>
+    <a:masterClrMapping/>
+  </p:clrMapOvr>
+</p:sld>
+</file>
+
+<file path=ppt/slides/slide35.xml><?xml version="1.0" encoding="utf-8"?>
+<p:sld xmlns:a="http://schemas.openxmlformats.org/drawingml/2006/main" xmlns:r="http://schemas.openxmlformats.org/officeDocument/2006/relationships" xmlns:p="http://schemas.openxmlformats.org/presentationml/2006/main">
+  <p:cSld>
+    <p:spTree>
+      <p:nvGrpSpPr>
+        <p:cNvPr id="1" name=""/>
+        <p:cNvGrpSpPr/>
+        <p:nvPr/>
+      </p:nvGrpSpPr>
+      <p:grpSpPr>
+        <a:xfrm>
+          <a:off x="0" y="0"/>
+          <a:ext cx="0" cy="0"/>
+          <a:chOff x="0" y="0"/>
+          <a:chExt cx="0" cy="0"/>
+        </a:xfrm>
+      </p:grpSpPr>
+      <p:sp>
+        <p:nvSpPr>
+          <p:cNvPr id="2" name="Title 1"/>
+          <p:cNvSpPr>
+            <a:spLocks noGrp="1"/>
+          </p:cNvSpPr>
+          <p:nvPr>
+            <p:ph type="title"/>
+          </p:nvPr>
+        </p:nvSpPr>
+        <p:spPr/>
+        <p:txBody>
+          <a:bodyPr/>
+          <a:lstStyle/>
+          <a:p>
+            <a:r>
+              <a:rPr lang="en-US" dirty="0"/>
+              <a:t>Infrastructure Pipeline</a:t>
+            </a:r>
+          </a:p>
+        </p:txBody>
+      </p:sp>
+      <p:sp>
+        <p:nvSpPr>
+          <p:cNvPr id="3" name="Content Placeholder 2"/>
+          <p:cNvSpPr>
+            <a:spLocks noGrp="1"/>
+          </p:cNvSpPr>
+          <p:nvPr>
+            <p:ph idx="1"/>
+          </p:nvPr>
+        </p:nvSpPr>
+        <p:spPr/>
+        <p:txBody>
+          <a:bodyPr>
+            <a:normAutofit fontScale="77500" lnSpcReduction="20000"/>
+          </a:bodyPr>
+          <a:lstStyle/>
+          <a:p>
+            <a:r>
+              <a:rPr lang="en-US" dirty="0"/>
+              <a:t>CloudFormation template pipeline example:</a:t>
+            </a:r>
+          </a:p>
+          <a:p>
+            <a:endParaRPr lang="en-US" dirty="0"/>
+          </a:p>
+          <a:p>
+            <a:pPr lvl="1"/>
+            <a:r>
+              <a:rPr lang="en-US" dirty="0"/>
+              <a:t>Lint CloudFormation template to validate syntax</a:t>
+            </a:r>
+          </a:p>
+          <a:p>
+            <a:pPr lvl="1"/>
+            <a:endParaRPr lang="en-US" dirty="0"/>
+          </a:p>
+          <a:p>
+            <a:pPr lvl="1"/>
+            <a:r>
+              <a:rPr lang="en-US" dirty="0"/>
+              <a:t>Deploy CloudFormation template</a:t>
+            </a:r>
+          </a:p>
+          <a:p>
+            <a:pPr lvl="2"/>
+            <a:r>
+              <a:rPr lang="en-US" dirty="0"/>
+              <a:t>Wait for AWS resources to be built</a:t>
+            </a:r>
+          </a:p>
+          <a:p>
+            <a:pPr lvl="2"/>
+            <a:endParaRPr lang="en-US" dirty="0"/>
+          </a:p>
+          <a:p>
+            <a:pPr lvl="1"/>
+            <a:r>
+              <a:rPr lang="en-US" dirty="0"/>
+              <a:t>Test AWS resources to verify that required resources are installed and working properly</a:t>
+            </a:r>
+          </a:p>
+          <a:p>
+            <a:pPr lvl="1"/>
+            <a:endParaRPr lang="en-US" dirty="0"/>
+          </a:p>
+          <a:p>
+            <a:pPr lvl="1"/>
+            <a:r>
+              <a:rPr lang="en-US" dirty="0"/>
+              <a:t>Terminate AWS resources</a:t>
+            </a:r>
+          </a:p>
+          <a:p>
+            <a:pPr lvl="1"/>
+            <a:endParaRPr lang="en-US" dirty="0"/>
+          </a:p>
+          <a:p>
+            <a:pPr lvl="1"/>
+            <a:r>
+              <a:rPr lang="en-US" dirty="0"/>
+              <a:t>Publish new template</a:t>
+            </a:r>
+          </a:p>
+        </p:txBody>
+      </p:sp>
+    </p:spTree>
+    <p:extLst>
+      <p:ext uri="{BB962C8B-B14F-4D97-AF65-F5344CB8AC3E}">
+        <p14:creationId xmlns:p14="http://schemas.microsoft.com/office/powerpoint/2010/main" val="804898301"/>
       </p:ext>
     </p:extLst>
   </p:cSld>

--- a/lectures/infrastructure-week-10.pptx
+++ b/lectures/infrastructure-week-10.pptx
@@ -5,7 +5,7 @@
     <p:sldMasterId id="2147483648" r:id="rId1"/>
   </p:sldMasterIdLst>
   <p:notesMasterIdLst>
-    <p:notesMasterId r:id="rId37"/>
+    <p:notesMasterId r:id="rId38"/>
   </p:notesMasterIdLst>
   <p:sldIdLst>
     <p:sldId id="256" r:id="rId2"/>
@@ -35,14 +35,15 @@
     <p:sldId id="281" r:id="rId26"/>
     <p:sldId id="330" r:id="rId27"/>
     <p:sldId id="331" r:id="rId28"/>
-    <p:sldId id="332" r:id="rId29"/>
-    <p:sldId id="333" r:id="rId30"/>
-    <p:sldId id="334" r:id="rId31"/>
-    <p:sldId id="335" r:id="rId32"/>
-    <p:sldId id="336" r:id="rId33"/>
-    <p:sldId id="337" r:id="rId34"/>
-    <p:sldId id="302" r:id="rId35"/>
-    <p:sldId id="303" r:id="rId36"/>
+    <p:sldId id="338" r:id="rId29"/>
+    <p:sldId id="332" r:id="rId30"/>
+    <p:sldId id="333" r:id="rId31"/>
+    <p:sldId id="334" r:id="rId32"/>
+    <p:sldId id="335" r:id="rId33"/>
+    <p:sldId id="336" r:id="rId34"/>
+    <p:sldId id="337" r:id="rId35"/>
+    <p:sldId id="302" r:id="rId36"/>
+    <p:sldId id="303" r:id="rId37"/>
   </p:sldIdLst>
   <p:sldSz cx="9144000" cy="6858000" type="screen4x3"/>
   <p:notesSz cx="6858000" cy="9144000"/>
@@ -3968,7 +3969,7 @@
           <a:p>
             <a:fld id="{2CB9420B-0DAF-E943-A682-96A9F2947B10}" type="slidenum">
               <a:rPr lang="en-US" smtClean="0"/>
-              <a:t>33</a:t>
+              <a:t>34</a:t>
             </a:fld>
             <a:endParaRPr lang="en-US"/>
           </a:p>
@@ -10397,7 +10398,7 @@
           <p:cNvPr id="2" name="Title 1">
             <a:extLst>
               <a:ext uri="{FF2B5EF4-FFF2-40B4-BE49-F238E27FC236}">
-                <a16:creationId xmlns:a16="http://schemas.microsoft.com/office/drawing/2014/main" id="{7E66EE6B-BFEC-654C-9A64-26BCFB95BE60}"/>
+                <a16:creationId xmlns:a16="http://schemas.microsoft.com/office/drawing/2014/main" id="{0F5098AB-4357-1542-8526-CFA9CF9294DF}"/>
               </a:ext>
             </a:extLst>
           </p:cNvPr>
@@ -10426,7 +10427,7 @@
           <p:cNvPr id="3" name="Content Placeholder 2">
             <a:extLst>
               <a:ext uri="{FF2B5EF4-FFF2-40B4-BE49-F238E27FC236}">
-                <a16:creationId xmlns:a16="http://schemas.microsoft.com/office/drawing/2014/main" id="{01DF21DF-01D6-4843-8AFC-4153FB2E233D}"/>
+                <a16:creationId xmlns:a16="http://schemas.microsoft.com/office/drawing/2014/main" id="{3BE64051-BFD6-E549-85BA-2311BBDF27D0}"/>
               </a:ext>
             </a:extLst>
           </p:cNvPr>
@@ -10446,33 +10447,25 @@
           <a:p>
             <a:r>
               <a:rPr lang="en-US" dirty="0"/>
-              <a:t>Key components:</a:t>
-            </a:r>
-          </a:p>
-          <a:p>
-            <a:pPr lvl="1"/>
-            <a:r>
-              <a:rPr lang="en-US" b="1" dirty="0"/>
-              <a:t>Application</a:t>
-            </a:r>
-            <a:r>
-              <a:rPr lang="en-US" dirty="0"/>
-              <a:t>: code components you want to deploy.</a:t>
-            </a:r>
-          </a:p>
-          <a:p>
-            <a:pPr lvl="1"/>
+              <a:t>Overall process:</a:t>
+            </a:r>
+          </a:p>
+          <a:p>
             <a:endParaRPr lang="en-US" dirty="0"/>
           </a:p>
           <a:p>
             <a:pPr lvl="1"/>
             <a:r>
-              <a:rPr lang="en-US" b="1" dirty="0"/>
-              <a:t>Compute platform</a:t>
-            </a:r>
-            <a:r>
-              <a:rPr lang="en-US" dirty="0"/>
-              <a:t>: where you want to deploy application code to (EC2, Lambda, ECS…)</a:t>
+              <a:rPr lang="en-US" dirty="0"/>
+              <a:t>Tell </a:t>
+            </a:r>
+            <a:r>
+              <a:rPr lang="en-US" dirty="0" err="1"/>
+              <a:t>CodeDeploy</a:t>
+            </a:r>
+            <a:r>
+              <a:rPr lang="en-US" dirty="0"/>
+              <a:t> about your application, how it should be deployed, and where it should be deployed to.</a:t>
             </a:r>
           </a:p>
           <a:p>
@@ -10482,12 +10475,16 @@
           <a:p>
             <a:pPr lvl="1"/>
             <a:r>
-              <a:rPr lang="en-US" b="1" dirty="0"/>
-              <a:t>Deployment group</a:t>
-            </a:r>
-            <a:r>
-              <a:rPr lang="en-US" dirty="0"/>
-              <a:t>: a set of individual compute instances (EC2)</a:t>
+              <a:rPr lang="en-US" dirty="0"/>
+              <a:t>Add a special configuration file (</a:t>
+            </a:r>
+            <a:r>
+              <a:rPr lang="en-US" dirty="0" err="1"/>
+              <a:t>appspec.yml</a:t>
+            </a:r>
+            <a:r>
+              <a:rPr lang="en-US" dirty="0"/>
+              <a:t>) to your application bundle which describes how to install the software.</a:t>
             </a:r>
           </a:p>
           <a:p>
@@ -10497,24 +10494,16 @@
           <a:p>
             <a:pPr lvl="1"/>
             <a:r>
-              <a:rPr lang="en-US" b="1" dirty="0"/>
-              <a:t>Deployment type</a:t>
-            </a:r>
-            <a:r>
-              <a:rPr lang="en-US" dirty="0"/>
-              <a:t>:  the method used to make the latest application version available.</a:t>
-            </a:r>
-          </a:p>
-          <a:p>
-            <a:pPr lvl="1"/>
-            <a:endParaRPr lang="en-US" dirty="0"/>
+              <a:rPr lang="en-US" dirty="0"/>
+              <a:t>Create a deployment which initiates the deployment of the application bundle to a set of compute resources.</a:t>
+            </a:r>
           </a:p>
         </p:txBody>
       </p:sp>
     </p:spTree>
     <p:extLst>
       <p:ext uri="{BB962C8B-B14F-4D97-AF65-F5344CB8AC3E}">
-        <p14:creationId xmlns:p14="http://schemas.microsoft.com/office/powerpoint/2010/main" val="453861540"/>
+        <p14:creationId xmlns:p14="http://schemas.microsoft.com/office/powerpoint/2010/main" val="2937429377"/>
       </p:ext>
     </p:extLst>
   </p:cSld>
@@ -10589,53 +10578,24 @@
         <p:spPr/>
         <p:txBody>
           <a:bodyPr>
-            <a:normAutofit/>
+            <a:normAutofit fontScale="92500" lnSpcReduction="20000"/>
           </a:bodyPr>
           <a:lstStyle/>
           <a:p>
             <a:r>
               <a:rPr lang="en-US" dirty="0"/>
-              <a:t>Two deployment types:</a:t>
-            </a:r>
-          </a:p>
-          <a:p>
-            <a:pPr lvl="1"/>
-            <a:r>
-              <a:rPr lang="en-US" dirty="0"/>
-              <a:t>In-place deployment</a:t>
-            </a:r>
-          </a:p>
-          <a:p>
-            <a:pPr lvl="2"/>
-            <a:r>
-              <a:rPr lang="en-US" dirty="0" err="1"/>
-              <a:t>OneAtATime</a:t>
-            </a:r>
-            <a:r>
-              <a:rPr lang="en-US" dirty="0"/>
-              <a:t> (Rolling release)</a:t>
-            </a:r>
-          </a:p>
-          <a:p>
-            <a:pPr lvl="2"/>
-            <a:r>
-              <a:rPr lang="en-US" dirty="0" err="1"/>
-              <a:t>HalfAtATime</a:t>
-            </a:r>
-            <a:r>
-              <a:rPr lang="en-US" dirty="0"/>
-              <a:t> (Rolling release/Min in service)</a:t>
-            </a:r>
-          </a:p>
-          <a:p>
-            <a:pPr lvl="2"/>
-            <a:r>
-              <a:rPr lang="en-US" dirty="0" err="1"/>
-              <a:t>AllAtOnce</a:t>
-            </a:r>
-            <a:r>
-              <a:rPr lang="en-US" dirty="0"/>
-              <a:t> (Big Bang release)</a:t>
+              <a:t>Key components:</a:t>
+            </a:r>
+          </a:p>
+          <a:p>
+            <a:pPr lvl="1"/>
+            <a:r>
+              <a:rPr lang="en-US" b="1" dirty="0"/>
+              <a:t>Application</a:t>
+            </a:r>
+            <a:r>
+              <a:rPr lang="en-US" dirty="0"/>
+              <a:t>: code components you want to deploy.</a:t>
             </a:r>
           </a:p>
           <a:p>
@@ -10645,13 +10605,43 @@
           <a:p>
             <a:pPr lvl="1"/>
             <a:r>
-              <a:rPr lang="en-US" dirty="0"/>
-              <a:t>Blue/green</a:t>
-            </a:r>
-          </a:p>
-          <a:p>
-            <a:pPr lvl="2"/>
+              <a:rPr lang="en-US" b="1" dirty="0"/>
+              <a:t>Compute platform</a:t>
+            </a:r>
+            <a:r>
+              <a:rPr lang="en-US" dirty="0"/>
+              <a:t>: where you want to deploy application code to (EC2, Lambda, ECS…)</a:t>
+            </a:r>
+          </a:p>
+          <a:p>
+            <a:pPr lvl="1"/>
             <a:endParaRPr lang="en-US" dirty="0"/>
+          </a:p>
+          <a:p>
+            <a:pPr lvl="1"/>
+            <a:r>
+              <a:rPr lang="en-US" b="1" dirty="0"/>
+              <a:t>Deployment group</a:t>
+            </a:r>
+            <a:r>
+              <a:rPr lang="en-US" dirty="0"/>
+              <a:t>: a set of individual compute instances (EC2)</a:t>
+            </a:r>
+          </a:p>
+          <a:p>
+            <a:pPr lvl="1"/>
+            <a:endParaRPr lang="en-US" dirty="0"/>
+          </a:p>
+          <a:p>
+            <a:pPr lvl="1"/>
+            <a:r>
+              <a:rPr lang="en-US" b="1" dirty="0"/>
+              <a:t>Deployment type</a:t>
+            </a:r>
+            <a:r>
+              <a:rPr lang="en-US" dirty="0"/>
+              <a:t>:  the method used to make the latest application version available.</a:t>
+            </a:r>
           </a:p>
           <a:p>
             <a:pPr lvl="1"/>
@@ -10662,7 +10652,7 @@
     </p:spTree>
     <p:extLst>
       <p:ext uri="{BB962C8B-B14F-4D97-AF65-F5344CB8AC3E}">
-        <p14:creationId xmlns:p14="http://schemas.microsoft.com/office/powerpoint/2010/main" val="2644914098"/>
+        <p14:creationId xmlns:p14="http://schemas.microsoft.com/office/powerpoint/2010/main" val="453861540"/>
       </p:ext>
     </p:extLst>
   </p:cSld>
@@ -10870,40 +10860,59 @@
           <a:lstStyle/>
           <a:p>
             <a:r>
+              <a:rPr lang="en-US" dirty="0"/>
+              <a:t>Two deployment types:</a:t>
+            </a:r>
+          </a:p>
+          <a:p>
+            <a:pPr lvl="1"/>
+            <a:r>
+              <a:rPr lang="en-US" dirty="0"/>
+              <a:t>In-place deployment</a:t>
+            </a:r>
+          </a:p>
+          <a:p>
+            <a:pPr lvl="2"/>
+            <a:r>
               <a:rPr lang="en-US" dirty="0" err="1"/>
-              <a:t>AppSpec</a:t>
-            </a:r>
-            <a:r>
-              <a:rPr lang="en-US" dirty="0"/>
-              <a:t> file:</a:t>
-            </a:r>
-          </a:p>
-          <a:p>
-            <a:pPr lvl="1"/>
-            <a:r>
-              <a:rPr lang="en-US" dirty="0"/>
-              <a:t>YAML file which describes how to install the application on the compute platform.</a:t>
-            </a:r>
-          </a:p>
-          <a:p>
-            <a:pPr lvl="1"/>
-            <a:r>
-              <a:rPr lang="en-US" dirty="0"/>
-              <a:t>Maps application files to destinations on the instance.</a:t>
-            </a:r>
-          </a:p>
-          <a:p>
-            <a:pPr lvl="1"/>
-            <a:r>
-              <a:rPr lang="en-US" dirty="0"/>
-              <a:t>Specifies custom permissions for deployed files.</a:t>
-            </a:r>
-          </a:p>
-          <a:p>
-            <a:pPr lvl="1"/>
-            <a:r>
-              <a:rPr lang="en-US" dirty="0"/>
-              <a:t>Specifies scripts to run during stages of the deployment process.</a:t>
+              <a:t>OneAtATime</a:t>
+            </a:r>
+            <a:r>
+              <a:rPr lang="en-US" dirty="0"/>
+              <a:t> (Rolling release)</a:t>
+            </a:r>
+          </a:p>
+          <a:p>
+            <a:pPr lvl="2"/>
+            <a:r>
+              <a:rPr lang="en-US" dirty="0" err="1"/>
+              <a:t>HalfAtATime</a:t>
+            </a:r>
+            <a:r>
+              <a:rPr lang="en-US" dirty="0"/>
+              <a:t> (Rolling release/Min in service)</a:t>
+            </a:r>
+          </a:p>
+          <a:p>
+            <a:pPr lvl="2"/>
+            <a:r>
+              <a:rPr lang="en-US" dirty="0" err="1"/>
+              <a:t>AllAtOnce</a:t>
+            </a:r>
+            <a:r>
+              <a:rPr lang="en-US" dirty="0"/>
+              <a:t> (Big Bang release)</a:t>
+            </a:r>
+          </a:p>
+          <a:p>
+            <a:pPr lvl="1"/>
+            <a:endParaRPr lang="en-US" dirty="0"/>
+          </a:p>
+          <a:p>
+            <a:pPr lvl="1"/>
+            <a:r>
+              <a:rPr lang="en-US" dirty="0"/>
+              <a:t>Blue/green</a:t>
             </a:r>
           </a:p>
           <a:p>
@@ -10919,7 +10928,7 @@
     </p:spTree>
     <p:extLst>
       <p:ext uri="{BB962C8B-B14F-4D97-AF65-F5344CB8AC3E}">
-        <p14:creationId xmlns:p14="http://schemas.microsoft.com/office/powerpoint/2010/main" val="3794057545"/>
+        <p14:creationId xmlns:p14="http://schemas.microsoft.com/office/powerpoint/2010/main" val="2644914098"/>
       </p:ext>
     </p:extLst>
   </p:cSld>
@@ -10971,6 +10980,135 @@
               <a:rPr lang="en-US" dirty="0" err="1"/>
               <a:t>CodeDeploy</a:t>
             </a:r>
+            <a:endParaRPr lang="en-US" dirty="0"/>
+          </a:p>
+        </p:txBody>
+      </p:sp>
+      <p:sp>
+        <p:nvSpPr>
+          <p:cNvPr id="3" name="Content Placeholder 2">
+            <a:extLst>
+              <a:ext uri="{FF2B5EF4-FFF2-40B4-BE49-F238E27FC236}">
+                <a16:creationId xmlns:a16="http://schemas.microsoft.com/office/drawing/2014/main" id="{01DF21DF-01D6-4843-8AFC-4153FB2E233D}"/>
+              </a:ext>
+            </a:extLst>
+          </p:cNvPr>
+          <p:cNvSpPr>
+            <a:spLocks noGrp="1"/>
+          </p:cNvSpPr>
+          <p:nvPr>
+            <p:ph idx="1"/>
+          </p:nvPr>
+        </p:nvSpPr>
+        <p:spPr/>
+        <p:txBody>
+          <a:bodyPr>
+            <a:normAutofit/>
+          </a:bodyPr>
+          <a:lstStyle/>
+          <a:p>
+            <a:r>
+              <a:rPr lang="en-US" dirty="0" err="1"/>
+              <a:t>AppSpec</a:t>
+            </a:r>
+            <a:r>
+              <a:rPr lang="en-US" dirty="0"/>
+              <a:t> file:</a:t>
+            </a:r>
+          </a:p>
+          <a:p>
+            <a:pPr lvl="1"/>
+            <a:r>
+              <a:rPr lang="en-US" dirty="0"/>
+              <a:t>YAML file which describes how to install the application on the compute platform.</a:t>
+            </a:r>
+          </a:p>
+          <a:p>
+            <a:pPr lvl="1"/>
+            <a:r>
+              <a:rPr lang="en-US" dirty="0"/>
+              <a:t>Maps application files to destinations on the instance.</a:t>
+            </a:r>
+          </a:p>
+          <a:p>
+            <a:pPr lvl="1"/>
+            <a:r>
+              <a:rPr lang="en-US" dirty="0"/>
+              <a:t>Specifies custom permissions for deployed files.</a:t>
+            </a:r>
+          </a:p>
+          <a:p>
+            <a:pPr lvl="1"/>
+            <a:r>
+              <a:rPr lang="en-US" dirty="0"/>
+              <a:t>Specifies scripts to run during stages of the deployment process.</a:t>
+            </a:r>
+          </a:p>
+          <a:p>
+            <a:pPr lvl="2"/>
+            <a:endParaRPr lang="en-US" dirty="0"/>
+          </a:p>
+          <a:p>
+            <a:pPr lvl="1"/>
+            <a:endParaRPr lang="en-US" dirty="0"/>
+          </a:p>
+        </p:txBody>
+      </p:sp>
+    </p:spTree>
+    <p:extLst>
+      <p:ext uri="{BB962C8B-B14F-4D97-AF65-F5344CB8AC3E}">
+        <p14:creationId xmlns:p14="http://schemas.microsoft.com/office/powerpoint/2010/main" val="3794057545"/>
+      </p:ext>
+    </p:extLst>
+  </p:cSld>
+  <p:clrMapOvr>
+    <a:masterClrMapping/>
+  </p:clrMapOvr>
+</p:sld>
+</file>
+
+<file path=ppt/slides/slide32.xml><?xml version="1.0" encoding="utf-8"?>
+<p:sld xmlns:a="http://schemas.openxmlformats.org/drawingml/2006/main" xmlns:r="http://schemas.openxmlformats.org/officeDocument/2006/relationships" xmlns:p="http://schemas.openxmlformats.org/presentationml/2006/main">
+  <p:cSld>
+    <p:spTree>
+      <p:nvGrpSpPr>
+        <p:cNvPr id="1" name=""/>
+        <p:cNvGrpSpPr/>
+        <p:nvPr/>
+      </p:nvGrpSpPr>
+      <p:grpSpPr>
+        <a:xfrm>
+          <a:off x="0" y="0"/>
+          <a:ext cx="0" cy="0"/>
+          <a:chOff x="0" y="0"/>
+          <a:chExt cx="0" cy="0"/>
+        </a:xfrm>
+      </p:grpSpPr>
+      <p:sp>
+        <p:nvSpPr>
+          <p:cNvPr id="2" name="Title 1">
+            <a:extLst>
+              <a:ext uri="{FF2B5EF4-FFF2-40B4-BE49-F238E27FC236}">
+                <a16:creationId xmlns:a16="http://schemas.microsoft.com/office/drawing/2014/main" id="{7E66EE6B-BFEC-654C-9A64-26BCFB95BE60}"/>
+              </a:ext>
+            </a:extLst>
+          </p:cNvPr>
+          <p:cNvSpPr>
+            <a:spLocks noGrp="1"/>
+          </p:cNvSpPr>
+          <p:nvPr>
+            <p:ph type="title"/>
+          </p:nvPr>
+        </p:nvSpPr>
+        <p:spPr/>
+        <p:txBody>
+          <a:bodyPr/>
+          <a:lstStyle/>
+          <a:p>
+            <a:r>
+              <a:rPr lang="en-US" dirty="0" err="1"/>
+              <a:t>CodeDeploy</a:t>
+            </a:r>
             <a:r>
               <a:rPr lang="en-US" dirty="0"/>
               <a:t> </a:t>
@@ -11191,7 +11329,7 @@
 </p:sld>
 </file>
 
-<file path=ppt/slides/slide32.xml><?xml version="1.0" encoding="utf-8"?>
+<file path=ppt/slides/slide33.xml><?xml version="1.0" encoding="utf-8"?>
 <p:sld xmlns:a="http://schemas.openxmlformats.org/drawingml/2006/main" xmlns:r="http://schemas.openxmlformats.org/officeDocument/2006/relationships" xmlns:p="http://schemas.openxmlformats.org/presentationml/2006/main">
   <p:cSld>
     <p:spTree>
@@ -11365,7 +11503,7 @@
 </p:sld>
 </file>
 
-<file path=ppt/slides/slide33.xml><?xml version="1.0" encoding="utf-8"?>
+<file path=ppt/slides/slide34.xml><?xml version="1.0" encoding="utf-8"?>
 <p:sld xmlns:a="http://schemas.openxmlformats.org/drawingml/2006/main" xmlns:r="http://schemas.openxmlformats.org/officeDocument/2006/relationships" xmlns:p="http://schemas.openxmlformats.org/presentationml/2006/main">
   <p:cSld>
     <p:spTree>
@@ -11418,10 +11556,15 @@
             <p:ph idx="1"/>
           </p:nvPr>
         </p:nvSpPr>
-        <p:spPr/>
+        <p:spPr>
+          <a:xfrm>
+            <a:off x="457200" y="1600200"/>
+            <a:ext cx="8229600" cy="4525963"/>
+          </a:xfrm>
+        </p:spPr>
         <p:txBody>
           <a:bodyPr>
-            <a:normAutofit fontScale="62500" lnSpcReduction="20000"/>
+            <a:normAutofit fontScale="55000" lnSpcReduction="20000"/>
           </a:bodyPr>
           <a:lstStyle/>
           <a:p>
@@ -11442,12 +11585,9 @@
           <a:p>
             <a:pPr lvl="1"/>
             <a:r>
-              <a:rPr lang="en-US" dirty="0">
-                <a:hlinkClick r:id="rId3"/>
-              </a:rPr>
+              <a:rPr lang="en-US" dirty="0"/>
               <a:t>https://seis665.s3.amazonaws.com/app-prod-env-template.json</a:t>
             </a:r>
-            <a:endParaRPr lang="en-US" dirty="0"/>
           </a:p>
           <a:p>
             <a:pPr lvl="1"/>
@@ -11509,6 +11649,35 @@
               <a:rPr lang="en-US" dirty="0"/>
               <a:t>Watch the deployment process and lifecycle events.</a:t>
             </a:r>
+          </a:p>
+          <a:p>
+            <a:endParaRPr lang="en-US" dirty="0"/>
+          </a:p>
+          <a:p>
+            <a:r>
+              <a:rPr lang="en-US" dirty="0"/>
+              <a:t>Of course we can always build this configuration using code!</a:t>
+            </a:r>
+          </a:p>
+          <a:p>
+            <a:pPr lvl="1"/>
+            <a:r>
+              <a:rPr lang="en-US" dirty="0"/>
+              <a:t>https://seis665.s3.amazonaws.com/app-</a:t>
+            </a:r>
+            <a:r>
+              <a:rPr lang="en-US" dirty="0" err="1"/>
+              <a:t>codedeploy</a:t>
+            </a:r>
+            <a:r>
+              <a:rPr lang="en-US" dirty="0"/>
+              <a:t>-</a:t>
+            </a:r>
+            <a:r>
+              <a:rPr lang="en-US" dirty="0" err="1"/>
+              <a:t>template.json</a:t>
+            </a:r>
+            <a:endParaRPr lang="en-US" dirty="0"/>
           </a:p>
         </p:txBody>
       </p:sp>
@@ -11527,7 +11696,7 @@
           <p:nvPr/>
         </p:nvPicPr>
         <p:blipFill>
-          <a:blip r:embed="rId4"/>
+          <a:blip r:embed="rId3"/>
           <a:stretch>
             <a:fillRect/>
           </a:stretch>
@@ -11555,7 +11724,7 @@
 </p:sld>
 </file>
 
-<file path=ppt/slides/slide34.xml><?xml version="1.0" encoding="utf-8"?>
+<file path=ppt/slides/slide35.xml><?xml version="1.0" encoding="utf-8"?>
 <p:sld xmlns:a="http://schemas.openxmlformats.org/drawingml/2006/main" xmlns:r="http://schemas.openxmlformats.org/officeDocument/2006/relationships" xmlns:p="http://schemas.openxmlformats.org/presentationml/2006/main">
   <p:cSld>
     <p:spTree>
@@ -11668,7 +11837,7 @@
 </p:sld>
 </file>
 
-<file path=ppt/slides/slide35.xml><?xml version="1.0" encoding="utf-8"?>
+<file path=ppt/slides/slide36.xml><?xml version="1.0" encoding="utf-8"?>
 <p:sld xmlns:a="http://schemas.openxmlformats.org/drawingml/2006/main" xmlns:r="http://schemas.openxmlformats.org/officeDocument/2006/relationships" xmlns:p="http://schemas.openxmlformats.org/presentationml/2006/main">
   <p:cSld>
     <p:spTree>

--- a/lectures/infrastructure-week-10.pptx
+++ b/lectures/infrastructure-week-10.pptx
@@ -5,7 +5,7 @@
     <p:sldMasterId id="2147483648" r:id="rId1"/>
   </p:sldMasterIdLst>
   <p:notesMasterIdLst>
-    <p:notesMasterId r:id="rId38"/>
+    <p:notesMasterId r:id="rId43"/>
   </p:notesMasterIdLst>
   <p:sldIdLst>
     <p:sldId id="256" r:id="rId2"/>
@@ -42,8 +42,13 @@
     <p:sldId id="335" r:id="rId33"/>
     <p:sldId id="336" r:id="rId34"/>
     <p:sldId id="337" r:id="rId35"/>
-    <p:sldId id="302" r:id="rId36"/>
-    <p:sldId id="303" r:id="rId37"/>
+    <p:sldId id="339" r:id="rId36"/>
+    <p:sldId id="340" r:id="rId37"/>
+    <p:sldId id="342" r:id="rId38"/>
+    <p:sldId id="341" r:id="rId39"/>
+    <p:sldId id="343" r:id="rId40"/>
+    <p:sldId id="302" r:id="rId41"/>
+    <p:sldId id="303" r:id="rId42"/>
   </p:sldIdLst>
   <p:sldSz cx="9144000" cy="6858000" type="screen4x3"/>
   <p:notesSz cx="6858000" cy="9144000"/>
@@ -3988,6 +3993,90 @@
 </p:notes>
 </file>
 
+<file path=ppt/notesSlides/notesSlide5.xml><?xml version="1.0" encoding="utf-8"?>
+<p:notes xmlns:a="http://schemas.openxmlformats.org/drawingml/2006/main" xmlns:r="http://schemas.openxmlformats.org/officeDocument/2006/relationships" xmlns:p="http://schemas.openxmlformats.org/presentationml/2006/main">
+  <p:cSld>
+    <p:spTree>
+      <p:nvGrpSpPr>
+        <p:cNvPr id="1" name=""/>
+        <p:cNvGrpSpPr/>
+        <p:nvPr/>
+      </p:nvGrpSpPr>
+      <p:grpSpPr>
+        <a:xfrm>
+          <a:off x="0" y="0"/>
+          <a:ext cx="0" cy="0"/>
+          <a:chOff x="0" y="0"/>
+          <a:chExt cx="0" cy="0"/>
+        </a:xfrm>
+      </p:grpSpPr>
+      <p:sp>
+        <p:nvSpPr>
+          <p:cNvPr id="2" name="Slide Image Placeholder 1"/>
+          <p:cNvSpPr>
+            <a:spLocks noGrp="1" noRot="1" noChangeAspect="1"/>
+          </p:cNvSpPr>
+          <p:nvPr>
+            <p:ph type="sldImg"/>
+          </p:nvPr>
+        </p:nvSpPr>
+        <p:spPr/>
+      </p:sp>
+      <p:sp>
+        <p:nvSpPr>
+          <p:cNvPr id="3" name="Notes Placeholder 2"/>
+          <p:cNvSpPr>
+            <a:spLocks noGrp="1"/>
+          </p:cNvSpPr>
+          <p:nvPr>
+            <p:ph type="body" idx="1"/>
+          </p:nvPr>
+        </p:nvSpPr>
+        <p:spPr/>
+        <p:txBody>
+          <a:bodyPr/>
+          <a:lstStyle/>
+          <a:p>
+            <a:endParaRPr lang="en-US"/>
+          </a:p>
+        </p:txBody>
+      </p:sp>
+      <p:sp>
+        <p:nvSpPr>
+          <p:cNvPr id="4" name="Slide Number Placeholder 3"/>
+          <p:cNvSpPr>
+            <a:spLocks noGrp="1"/>
+          </p:cNvSpPr>
+          <p:nvPr>
+            <p:ph type="sldNum" sz="quarter" idx="5"/>
+          </p:nvPr>
+        </p:nvSpPr>
+        <p:spPr/>
+        <p:txBody>
+          <a:bodyPr/>
+          <a:lstStyle/>
+          <a:p>
+            <a:fld id="{2CB9420B-0DAF-E943-A682-96A9F2947B10}" type="slidenum">
+              <a:rPr lang="en-US" smtClean="0"/>
+              <a:t>39</a:t>
+            </a:fld>
+            <a:endParaRPr lang="en-US"/>
+          </a:p>
+        </p:txBody>
+      </p:sp>
+    </p:spTree>
+    <p:extLst>
+      <p:ext uri="{BB962C8B-B14F-4D97-AF65-F5344CB8AC3E}">
+        <p14:creationId xmlns:p14="http://schemas.microsoft.com/office/powerpoint/2010/main" val="2549585890"/>
+      </p:ext>
+    </p:extLst>
+  </p:cSld>
+  <p:clrMapOvr>
+    <a:masterClrMapping/>
+  </p:clrMapOvr>
+</p:notes>
+</file>
+
 <file path=ppt/slideLayouts/slideLayout1.xml><?xml version="1.0" encoding="utf-8"?>
 <p:sldLayout xmlns:a="http://schemas.openxmlformats.org/drawingml/2006/main" xmlns:r="http://schemas.openxmlformats.org/officeDocument/2006/relationships" xmlns:p="http://schemas.openxmlformats.org/presentationml/2006/main" type="title" preserve="1">
   <p:cSld name="Title Slide">
@@ -10164,7 +10253,15 @@
             <a:pPr lvl="1"/>
             <a:r>
               <a:rPr lang="en-US" dirty="0"/>
-              <a:t>https://seis665.s3.amazonaws.com/java-build-</a:t>
+              <a:t>https://seis665.s3.amazonaws.com/app-</a:t>
+            </a:r>
+            <a:r>
+              <a:rPr lang="en-US" dirty="0" err="1"/>
+              <a:t>codebuild</a:t>
+            </a:r>
+            <a:r>
+              <a:rPr lang="en-US" dirty="0"/>
+              <a:t>-</a:t>
             </a:r>
             <a:r>
               <a:rPr lang="en-US" dirty="0" err="1"/>
@@ -11743,7 +11840,13 @@
       </p:grpSpPr>
       <p:sp>
         <p:nvSpPr>
-          <p:cNvPr id="2" name="Title 1"/>
+          <p:cNvPr id="2" name="Title 1">
+            <a:extLst>
+              <a:ext uri="{FF2B5EF4-FFF2-40B4-BE49-F238E27FC236}">
+                <a16:creationId xmlns:a16="http://schemas.microsoft.com/office/drawing/2014/main" id="{58167F65-EEB8-5544-A0B9-1C68B678369E}"/>
+              </a:ext>
+            </a:extLst>
+          </p:cNvPr>
           <p:cNvSpPr>
             <a:spLocks noGrp="1"/>
           </p:cNvSpPr>
@@ -11757,15 +11860,22 @@
           <a:lstStyle/>
           <a:p>
             <a:r>
-              <a:rPr lang="en-US" dirty="0"/>
-              <a:t>Infrastructure Pipelines</a:t>
-            </a:r>
-          </a:p>
-        </p:txBody>
-      </p:sp>
-      <p:sp>
-        <p:nvSpPr>
-          <p:cNvPr id="3" name="Content Placeholder 2"/>
+              <a:rPr lang="en-US" dirty="0" err="1"/>
+              <a:t>CodePipeline</a:t>
+            </a:r>
+            <a:endParaRPr lang="en-US" dirty="0"/>
+          </a:p>
+        </p:txBody>
+      </p:sp>
+      <p:sp>
+        <p:nvSpPr>
+          <p:cNvPr id="3" name="Content Placeholder 2">
+            <a:extLst>
+              <a:ext uri="{FF2B5EF4-FFF2-40B4-BE49-F238E27FC236}">
+                <a16:creationId xmlns:a16="http://schemas.microsoft.com/office/drawing/2014/main" id="{FC4487D2-3443-1B4A-A3EB-ED03DE6D271E}"/>
+              </a:ext>
+            </a:extLst>
+          </p:cNvPr>
           <p:cNvSpPr>
             <a:spLocks noGrp="1"/>
           </p:cNvSpPr>
@@ -11782,7 +11892,28 @@
           <a:p>
             <a:r>
               <a:rPr lang="en-US" dirty="0"/>
-              <a:t>CI/CD pipelines aren’t just used to build software, we also use them to build infrastructure.</a:t>
+              <a:t>A fully managed continuous delivery service.</a:t>
+            </a:r>
+          </a:p>
+          <a:p>
+            <a:pPr lvl="1"/>
+            <a:r>
+              <a:rPr lang="en-US" dirty="0"/>
+              <a:t>Check in code to source control.</a:t>
+            </a:r>
+          </a:p>
+          <a:p>
+            <a:pPr lvl="1"/>
+            <a:r>
+              <a:rPr lang="en-US" dirty="0"/>
+              <a:t>Build software artifacts.</a:t>
+            </a:r>
+          </a:p>
+          <a:p>
+            <a:pPr lvl="1"/>
+            <a:r>
+              <a:rPr lang="en-US" dirty="0"/>
+              <a:t>Automatically deploy artifacts to compute environment.</a:t>
             </a:r>
           </a:p>
           <a:p>
@@ -11791,43 +11922,54 @@
           <a:p>
             <a:r>
               <a:rPr lang="en-US" dirty="0"/>
-              <a:t>Two general use cases:</a:t>
+              <a:t>Basically automates the integration of </a:t>
+            </a:r>
+            <a:r>
+              <a:rPr lang="en-US" dirty="0" err="1"/>
+              <a:t>CodeCommit</a:t>
+            </a:r>
+            <a:r>
+              <a:rPr lang="en-US" dirty="0"/>
+              <a:t>/GitHub, </a:t>
+            </a:r>
+            <a:r>
+              <a:rPr lang="en-US" dirty="0" err="1"/>
+              <a:t>CodeBuild</a:t>
+            </a:r>
+            <a:r>
+              <a:rPr lang="en-US" dirty="0"/>
+              <a:t>, and </a:t>
+            </a:r>
+            <a:r>
+              <a:rPr lang="en-US" dirty="0" err="1"/>
+              <a:t>CodeDeploy</a:t>
+            </a:r>
+            <a:r>
+              <a:rPr lang="en-US" dirty="0"/>
+              <a:t>.</a:t>
             </a:r>
           </a:p>
           <a:p>
             <a:endParaRPr lang="en-US" dirty="0"/>
           </a:p>
           <a:p>
-            <a:pPr lvl="1"/>
-            <a:r>
-              <a:rPr lang="en-US" dirty="0"/>
-              <a:t>Automate testing of our infrastructure.</a:t>
-            </a:r>
-          </a:p>
-          <a:p>
-            <a:pPr lvl="2"/>
-            <a:r>
-              <a:rPr lang="en-US" dirty="0"/>
-              <a:t>A change to a configuration management or infrastructure definition script triggers a pipeline.</a:t>
-            </a:r>
-          </a:p>
-          <a:p>
-            <a:pPr lvl="1"/>
+            <a:r>
+              <a:rPr lang="en-US" dirty="0"/>
+              <a:t>Pricing: $1 month/pipeline (first month free)</a:t>
+            </a:r>
+          </a:p>
+          <a:p>
             <a:endParaRPr lang="en-US" dirty="0"/>
           </a:p>
           <a:p>
-            <a:pPr lvl="1"/>
-            <a:r>
-              <a:rPr lang="en-US" dirty="0"/>
-              <a:t>Automate deployment of infrastructure and our software.</a:t>
-            </a:r>
+            <a:endParaRPr lang="en-US" dirty="0"/>
           </a:p>
         </p:txBody>
       </p:sp>
     </p:spTree>
     <p:extLst>
       <p:ext uri="{BB962C8B-B14F-4D97-AF65-F5344CB8AC3E}">
-        <p14:creationId xmlns:p14="http://schemas.microsoft.com/office/powerpoint/2010/main" val="219701665"/>
+        <p14:creationId xmlns:p14="http://schemas.microsoft.com/office/powerpoint/2010/main" val="1526798479"/>
       </p:ext>
     </p:extLst>
   </p:cSld>
@@ -11856,7 +11998,13 @@
       </p:grpSpPr>
       <p:sp>
         <p:nvSpPr>
-          <p:cNvPr id="2" name="Title 1"/>
+          <p:cNvPr id="2" name="Title 1">
+            <a:extLst>
+              <a:ext uri="{FF2B5EF4-FFF2-40B4-BE49-F238E27FC236}">
+                <a16:creationId xmlns:a16="http://schemas.microsoft.com/office/drawing/2014/main" id="{D4AB4CA4-3594-0240-883F-5CB54D6B2A27}"/>
+              </a:ext>
+            </a:extLst>
+          </p:cNvPr>
           <p:cNvSpPr>
             <a:spLocks noGrp="1"/>
           </p:cNvSpPr>
@@ -11870,15 +12018,22 @@
           <a:lstStyle/>
           <a:p>
             <a:r>
-              <a:rPr lang="en-US" dirty="0"/>
-              <a:t>Infrastructure Pipeline</a:t>
-            </a:r>
-          </a:p>
-        </p:txBody>
-      </p:sp>
-      <p:sp>
-        <p:nvSpPr>
-          <p:cNvPr id="3" name="Content Placeholder 2"/>
+              <a:rPr lang="en-US" dirty="0" err="1"/>
+              <a:t>CodePipeline</a:t>
+            </a:r>
+            <a:endParaRPr lang="en-US" dirty="0"/>
+          </a:p>
+        </p:txBody>
+      </p:sp>
+      <p:sp>
+        <p:nvSpPr>
+          <p:cNvPr id="3" name="Content Placeholder 2">
+            <a:extLst>
+              <a:ext uri="{FF2B5EF4-FFF2-40B4-BE49-F238E27FC236}">
+                <a16:creationId xmlns:a16="http://schemas.microsoft.com/office/drawing/2014/main" id="{838BE46F-0287-4942-93BF-9216E8AE9A13}"/>
+              </a:ext>
+            </a:extLst>
+          </p:cNvPr>
           <p:cNvSpPr>
             <a:spLocks noGrp="1"/>
           </p:cNvSpPr>
@@ -11889,52 +12044,73 @@
         <p:spPr/>
         <p:txBody>
           <a:bodyPr>
-            <a:normAutofit fontScale="77500" lnSpcReduction="20000"/>
+            <a:normAutofit fontScale="70000" lnSpcReduction="20000"/>
           </a:bodyPr>
           <a:lstStyle/>
           <a:p>
             <a:r>
               <a:rPr lang="en-US" dirty="0"/>
-              <a:t>CloudFormation template pipeline example:</a:t>
+              <a:t>Pipeline architecture:</a:t>
+            </a:r>
+          </a:p>
+          <a:p>
+            <a:pPr lvl="1"/>
+            <a:r>
+              <a:rPr lang="en-US" dirty="0"/>
+              <a:t>A pipeline consists of a set of stages executed sequentially.</a:t>
+            </a:r>
+          </a:p>
+          <a:p>
+            <a:pPr lvl="1"/>
+            <a:r>
+              <a:rPr lang="en-US" dirty="0"/>
+              <a:t>Each stage consists of a set of actions.</a:t>
             </a:r>
           </a:p>
           <a:p>
             <a:endParaRPr lang="en-US" dirty="0"/>
           </a:p>
           <a:p>
-            <a:pPr lvl="1"/>
-            <a:r>
-              <a:rPr lang="en-US" dirty="0"/>
-              <a:t>Lint CloudFormation template to validate syntax</a:t>
-            </a:r>
-          </a:p>
-          <a:p>
-            <a:pPr lvl="1"/>
+            <a:r>
+              <a:rPr lang="en-US" dirty="0"/>
+              <a:t>Example stages:</a:t>
+            </a:r>
+          </a:p>
+          <a:p>
             <a:endParaRPr lang="en-US" dirty="0"/>
           </a:p>
           <a:p>
             <a:pPr lvl="1"/>
             <a:r>
-              <a:rPr lang="en-US" dirty="0"/>
-              <a:t>Deploy CloudFormation template</a:t>
-            </a:r>
-          </a:p>
-          <a:p>
-            <a:pPr lvl="2"/>
-            <a:r>
-              <a:rPr lang="en-US" dirty="0"/>
-              <a:t>Wait for AWS resources to be built</a:t>
-            </a:r>
-          </a:p>
-          <a:p>
-            <a:pPr lvl="2"/>
+              <a:rPr lang="en-US" b="1" dirty="0"/>
+              <a:t>Source</a:t>
+            </a:r>
+            <a:r>
+              <a:rPr lang="en-US" dirty="0"/>
+              <a:t>: Retrieve source code from repository (</a:t>
+            </a:r>
+            <a:r>
+              <a:rPr lang="en-US" dirty="0" err="1"/>
+              <a:t>CodeCommit</a:t>
+            </a:r>
+            <a:r>
+              <a:rPr lang="en-US" dirty="0"/>
+              <a:t>, GitHub, S3).</a:t>
+            </a:r>
+          </a:p>
+          <a:p>
+            <a:pPr lvl="1"/>
             <a:endParaRPr lang="en-US" dirty="0"/>
           </a:p>
           <a:p>
             <a:pPr lvl="1"/>
             <a:r>
-              <a:rPr lang="en-US" dirty="0"/>
-              <a:t>Test AWS resources to verify that required resources are installed and working properly</a:t>
+              <a:rPr lang="en-US" b="1" dirty="0"/>
+              <a:t>Test</a:t>
+            </a:r>
+            <a:r>
+              <a:rPr lang="en-US" dirty="0"/>
+              <a:t>: Run unit test suite.</a:t>
             </a:r>
           </a:p>
           <a:p>
@@ -11944,8 +12120,12 @@
           <a:p>
             <a:pPr lvl="1"/>
             <a:r>
-              <a:rPr lang="en-US" dirty="0"/>
-              <a:t>Terminate AWS resources</a:t>
+              <a:rPr lang="en-US" b="1" dirty="0"/>
+              <a:t>Build</a:t>
+            </a:r>
+            <a:r>
+              <a:rPr lang="en-US" dirty="0"/>
+              <a:t>: Compile and/or package source code into output artifact.</a:t>
             </a:r>
           </a:p>
           <a:p>
@@ -11955,8 +12135,12 @@
           <a:p>
             <a:pPr lvl="1"/>
             <a:r>
-              <a:rPr lang="en-US" dirty="0"/>
-              <a:t>Publish new template</a:t>
+              <a:rPr lang="en-US" b="1" dirty="0"/>
+              <a:t>Deploy</a:t>
+            </a:r>
+            <a:r>
+              <a:rPr lang="en-US" dirty="0"/>
+              <a:t>: Install artifact in compute environment.</a:t>
             </a:r>
           </a:p>
         </p:txBody>
@@ -11964,7 +12148,441 @@
     </p:spTree>
     <p:extLst>
       <p:ext uri="{BB962C8B-B14F-4D97-AF65-F5344CB8AC3E}">
-        <p14:creationId xmlns:p14="http://schemas.microsoft.com/office/powerpoint/2010/main" val="804898301"/>
+        <p14:creationId xmlns:p14="http://schemas.microsoft.com/office/powerpoint/2010/main" val="710641239"/>
+      </p:ext>
+    </p:extLst>
+  </p:cSld>
+  <p:clrMapOvr>
+    <a:masterClrMapping/>
+  </p:clrMapOvr>
+</p:sld>
+</file>
+
+<file path=ppt/slides/slide37.xml><?xml version="1.0" encoding="utf-8"?>
+<p:sld xmlns:a="http://schemas.openxmlformats.org/drawingml/2006/main" xmlns:r="http://schemas.openxmlformats.org/officeDocument/2006/relationships" xmlns:p="http://schemas.openxmlformats.org/presentationml/2006/main">
+  <p:cSld>
+    <p:spTree>
+      <p:nvGrpSpPr>
+        <p:cNvPr id="1" name=""/>
+        <p:cNvGrpSpPr/>
+        <p:nvPr/>
+      </p:nvGrpSpPr>
+      <p:grpSpPr>
+        <a:xfrm>
+          <a:off x="0" y="0"/>
+          <a:ext cx="0" cy="0"/>
+          <a:chOff x="0" y="0"/>
+          <a:chExt cx="0" cy="0"/>
+        </a:xfrm>
+      </p:grpSpPr>
+      <p:sp>
+        <p:nvSpPr>
+          <p:cNvPr id="2" name="Title 1">
+            <a:extLst>
+              <a:ext uri="{FF2B5EF4-FFF2-40B4-BE49-F238E27FC236}">
+                <a16:creationId xmlns:a16="http://schemas.microsoft.com/office/drawing/2014/main" id="{D4AB4CA4-3594-0240-883F-5CB54D6B2A27}"/>
+              </a:ext>
+            </a:extLst>
+          </p:cNvPr>
+          <p:cNvSpPr>
+            <a:spLocks noGrp="1"/>
+          </p:cNvSpPr>
+          <p:nvPr>
+            <p:ph type="title"/>
+          </p:nvPr>
+        </p:nvSpPr>
+        <p:spPr/>
+        <p:txBody>
+          <a:bodyPr/>
+          <a:lstStyle/>
+          <a:p>
+            <a:r>
+              <a:rPr lang="en-US" dirty="0" err="1"/>
+              <a:t>CodePipeline</a:t>
+            </a:r>
+            <a:endParaRPr lang="en-US" dirty="0"/>
+          </a:p>
+        </p:txBody>
+      </p:sp>
+      <p:sp>
+        <p:nvSpPr>
+          <p:cNvPr id="3" name="Content Placeholder 2">
+            <a:extLst>
+              <a:ext uri="{FF2B5EF4-FFF2-40B4-BE49-F238E27FC236}">
+                <a16:creationId xmlns:a16="http://schemas.microsoft.com/office/drawing/2014/main" id="{838BE46F-0287-4942-93BF-9216E8AE9A13}"/>
+              </a:ext>
+            </a:extLst>
+          </p:cNvPr>
+          <p:cNvSpPr>
+            <a:spLocks noGrp="1"/>
+          </p:cNvSpPr>
+          <p:nvPr>
+            <p:ph idx="1"/>
+          </p:nvPr>
+        </p:nvSpPr>
+        <p:spPr/>
+        <p:txBody>
+          <a:bodyPr>
+            <a:normAutofit lnSpcReduction="10000"/>
+          </a:bodyPr>
+          <a:lstStyle/>
+          <a:p>
+            <a:r>
+              <a:rPr lang="en-US" dirty="0"/>
+              <a:t>Stage action types:</a:t>
+            </a:r>
+          </a:p>
+          <a:p>
+            <a:pPr lvl="1"/>
+            <a:r>
+              <a:rPr lang="en-US" dirty="0"/>
+              <a:t>Source, Build, Test, Deploy, Approval, Invoke</a:t>
+            </a:r>
+          </a:p>
+          <a:p>
+            <a:pPr lvl="1"/>
+            <a:endParaRPr lang="en-US" dirty="0"/>
+          </a:p>
+          <a:p>
+            <a:r>
+              <a:rPr lang="en-US" dirty="0"/>
+              <a:t>Each action type supports a specific set of providers: </a:t>
+            </a:r>
+          </a:p>
+          <a:p>
+            <a:pPr lvl="1"/>
+            <a:r>
+              <a:rPr lang="en-US" dirty="0"/>
+              <a:t>Source: S3, </a:t>
+            </a:r>
+            <a:r>
+              <a:rPr lang="en-US" dirty="0" err="1"/>
+              <a:t>CodeCommit</a:t>
+            </a:r>
+            <a:r>
+              <a:rPr lang="en-US" dirty="0"/>
+              <a:t>, GitHub</a:t>
+            </a:r>
+          </a:p>
+          <a:p>
+            <a:pPr lvl="1"/>
+            <a:r>
+              <a:rPr lang="en-US" dirty="0"/>
+              <a:t>Build: </a:t>
+            </a:r>
+            <a:r>
+              <a:rPr lang="en-US" dirty="0" err="1"/>
+              <a:t>CodeBuild</a:t>
+            </a:r>
+            <a:r>
+              <a:rPr lang="en-US" dirty="0"/>
+              <a:t>, </a:t>
+            </a:r>
+            <a:r>
+              <a:rPr lang="en-US" dirty="0" err="1"/>
+              <a:t>CloudBees</a:t>
+            </a:r>
+            <a:r>
+              <a:rPr lang="en-US" dirty="0"/>
+              <a:t>, Jenkins, TeamCity</a:t>
+            </a:r>
+          </a:p>
+          <a:p>
+            <a:pPr lvl="1"/>
+            <a:r>
+              <a:rPr lang="en-US" dirty="0"/>
+              <a:t>Test: </a:t>
+            </a:r>
+            <a:r>
+              <a:rPr lang="en-US" dirty="0" err="1"/>
+              <a:t>CodeBuild</a:t>
+            </a:r>
+            <a:r>
+              <a:rPr lang="en-US" dirty="0"/>
+              <a:t>, Device Farm, Jenkins, </a:t>
+            </a:r>
+            <a:r>
+              <a:rPr lang="en-US" dirty="0" err="1"/>
+              <a:t>Runscope</a:t>
+            </a:r>
+            <a:r>
+              <a:rPr lang="en-US" dirty="0"/>
+              <a:t>…</a:t>
+            </a:r>
+          </a:p>
+          <a:p>
+            <a:pPr lvl="1"/>
+            <a:r>
+              <a:rPr lang="en-US" dirty="0"/>
+              <a:t>Deploy: S3, CloudFormation, </a:t>
+            </a:r>
+            <a:r>
+              <a:rPr lang="en-US" dirty="0" err="1"/>
+              <a:t>CodeDeploy</a:t>
+            </a:r>
+            <a:r>
+              <a:rPr lang="en-US" dirty="0"/>
+              <a:t>…</a:t>
+            </a:r>
+          </a:p>
+        </p:txBody>
+      </p:sp>
+    </p:spTree>
+    <p:extLst>
+      <p:ext uri="{BB962C8B-B14F-4D97-AF65-F5344CB8AC3E}">
+        <p14:creationId xmlns:p14="http://schemas.microsoft.com/office/powerpoint/2010/main" val="2904818167"/>
+      </p:ext>
+    </p:extLst>
+  </p:cSld>
+  <p:clrMapOvr>
+    <a:masterClrMapping/>
+  </p:clrMapOvr>
+</p:sld>
+</file>
+
+<file path=ppt/slides/slide38.xml><?xml version="1.0" encoding="utf-8"?>
+<p:sld xmlns:a="http://schemas.openxmlformats.org/drawingml/2006/main" xmlns:r="http://schemas.openxmlformats.org/officeDocument/2006/relationships" xmlns:p="http://schemas.openxmlformats.org/presentationml/2006/main">
+  <p:cSld>
+    <p:spTree>
+      <p:nvGrpSpPr>
+        <p:cNvPr id="1" name=""/>
+        <p:cNvGrpSpPr/>
+        <p:nvPr/>
+      </p:nvGrpSpPr>
+      <p:grpSpPr>
+        <a:xfrm>
+          <a:off x="0" y="0"/>
+          <a:ext cx="0" cy="0"/>
+          <a:chOff x="0" y="0"/>
+          <a:chExt cx="0" cy="0"/>
+        </a:xfrm>
+      </p:grpSpPr>
+      <p:sp>
+        <p:nvSpPr>
+          <p:cNvPr id="2" name="Title 1">
+            <a:extLst>
+              <a:ext uri="{FF2B5EF4-FFF2-40B4-BE49-F238E27FC236}">
+                <a16:creationId xmlns:a16="http://schemas.microsoft.com/office/drawing/2014/main" id="{D4AB4CA4-3594-0240-883F-5CB54D6B2A27}"/>
+              </a:ext>
+            </a:extLst>
+          </p:cNvPr>
+          <p:cNvSpPr>
+            <a:spLocks noGrp="1"/>
+          </p:cNvSpPr>
+          <p:nvPr>
+            <p:ph type="title"/>
+          </p:nvPr>
+        </p:nvSpPr>
+        <p:spPr/>
+        <p:txBody>
+          <a:bodyPr/>
+          <a:lstStyle/>
+          <a:p>
+            <a:r>
+              <a:rPr lang="en-US" dirty="0" err="1"/>
+              <a:t>CodePipeline</a:t>
+            </a:r>
+            <a:endParaRPr lang="en-US" dirty="0"/>
+          </a:p>
+        </p:txBody>
+      </p:sp>
+      <p:sp>
+        <p:nvSpPr>
+          <p:cNvPr id="3" name="Content Placeholder 2">
+            <a:extLst>
+              <a:ext uri="{FF2B5EF4-FFF2-40B4-BE49-F238E27FC236}">
+                <a16:creationId xmlns:a16="http://schemas.microsoft.com/office/drawing/2014/main" id="{838BE46F-0287-4942-93BF-9216E8AE9A13}"/>
+              </a:ext>
+            </a:extLst>
+          </p:cNvPr>
+          <p:cNvSpPr>
+            <a:spLocks noGrp="1"/>
+          </p:cNvSpPr>
+          <p:nvPr>
+            <p:ph idx="1"/>
+          </p:nvPr>
+        </p:nvSpPr>
+        <p:spPr/>
+        <p:txBody>
+          <a:bodyPr>
+            <a:normAutofit fontScale="92500" lnSpcReduction="20000"/>
+          </a:bodyPr>
+          <a:lstStyle/>
+          <a:p>
+            <a:r>
+              <a:rPr lang="en-US" dirty="0"/>
+              <a:t>Technical constraints:</a:t>
+            </a:r>
+          </a:p>
+          <a:p>
+            <a:endParaRPr lang="en-US" dirty="0"/>
+          </a:p>
+          <a:p>
+            <a:pPr lvl="1"/>
+            <a:r>
+              <a:rPr lang="en-US" dirty="0"/>
+              <a:t>Pipeline must contain at least two stages.</a:t>
+            </a:r>
+          </a:p>
+          <a:p>
+            <a:pPr lvl="1"/>
+            <a:endParaRPr lang="en-US" dirty="0"/>
+          </a:p>
+          <a:p>
+            <a:pPr lvl="1"/>
+            <a:r>
+              <a:rPr lang="en-US" dirty="0"/>
+              <a:t>First stage must contain source actions (i.e., must retrieve source code).</a:t>
+            </a:r>
+          </a:p>
+          <a:p>
+            <a:pPr lvl="1"/>
+            <a:endParaRPr lang="en-US" dirty="0"/>
+          </a:p>
+          <a:p>
+            <a:pPr lvl="1"/>
+            <a:r>
+              <a:rPr lang="en-US" dirty="0"/>
+              <a:t>At least one of the stages </a:t>
+            </a:r>
+            <a:r>
+              <a:rPr lang="en-US" u="sng" dirty="0"/>
+              <a:t>must not </a:t>
+            </a:r>
+            <a:r>
+              <a:rPr lang="en-US" dirty="0"/>
+              <a:t>contain a source action.</a:t>
+            </a:r>
+          </a:p>
+          <a:p>
+            <a:pPr lvl="1"/>
+            <a:endParaRPr lang="en-US" dirty="0"/>
+          </a:p>
+          <a:p>
+            <a:pPr lvl="1"/>
+            <a:r>
+              <a:rPr lang="en-US" dirty="0"/>
+              <a:t>Stage names must be unique.</a:t>
+            </a:r>
+          </a:p>
+        </p:txBody>
+      </p:sp>
+    </p:spTree>
+    <p:extLst>
+      <p:ext uri="{BB962C8B-B14F-4D97-AF65-F5344CB8AC3E}">
+        <p14:creationId xmlns:p14="http://schemas.microsoft.com/office/powerpoint/2010/main" val="3848805068"/>
+      </p:ext>
+    </p:extLst>
+  </p:cSld>
+  <p:clrMapOvr>
+    <a:masterClrMapping/>
+  </p:clrMapOvr>
+</p:sld>
+</file>
+
+<file path=ppt/slides/slide39.xml><?xml version="1.0" encoding="utf-8"?>
+<p:sld xmlns:a="http://schemas.openxmlformats.org/drawingml/2006/main" xmlns:r="http://schemas.openxmlformats.org/officeDocument/2006/relationships" xmlns:p="http://schemas.openxmlformats.org/presentationml/2006/main">
+  <p:cSld>
+    <p:spTree>
+      <p:nvGrpSpPr>
+        <p:cNvPr id="1" name=""/>
+        <p:cNvGrpSpPr/>
+        <p:nvPr/>
+      </p:nvGrpSpPr>
+      <p:grpSpPr>
+        <a:xfrm>
+          <a:off x="0" y="0"/>
+          <a:ext cx="0" cy="0"/>
+          <a:chOff x="0" y="0"/>
+          <a:chExt cx="0" cy="0"/>
+        </a:xfrm>
+      </p:grpSpPr>
+      <p:sp>
+        <p:nvSpPr>
+          <p:cNvPr id="2" name="Title 1"/>
+          <p:cNvSpPr>
+            <a:spLocks noGrp="1"/>
+          </p:cNvSpPr>
+          <p:nvPr>
+            <p:ph type="title"/>
+          </p:nvPr>
+        </p:nvSpPr>
+        <p:spPr/>
+        <p:txBody>
+          <a:bodyPr/>
+          <a:lstStyle/>
+          <a:p>
+            <a:r>
+              <a:rPr lang="en-US" dirty="0" err="1"/>
+              <a:t>CodePipeline</a:t>
+            </a:r>
+            <a:r>
+              <a:rPr lang="en-US" dirty="0"/>
+              <a:t> Hands-on</a:t>
+            </a:r>
+          </a:p>
+        </p:txBody>
+      </p:sp>
+      <p:sp>
+        <p:nvSpPr>
+          <p:cNvPr id="3" name="Content Placeholder 2"/>
+          <p:cNvSpPr>
+            <a:spLocks noGrp="1"/>
+          </p:cNvSpPr>
+          <p:nvPr>
+            <p:ph idx="1"/>
+          </p:nvPr>
+        </p:nvSpPr>
+        <p:spPr>
+          <a:xfrm>
+            <a:off x="457200" y="1600200"/>
+            <a:ext cx="8229600" cy="4525963"/>
+          </a:xfrm>
+        </p:spPr>
+        <p:txBody>
+          <a:bodyPr>
+            <a:normAutofit/>
+          </a:bodyPr>
+          <a:lstStyle/>
+          <a:p>
+            <a:endParaRPr lang="en-US" dirty="0"/>
+          </a:p>
+        </p:txBody>
+      </p:sp>
+      <p:pic>
+        <p:nvPicPr>
+          <p:cNvPr id="4" name="Picture 3">
+            <a:extLst>
+              <a:ext uri="{FF2B5EF4-FFF2-40B4-BE49-F238E27FC236}">
+                <a16:creationId xmlns:a16="http://schemas.microsoft.com/office/drawing/2014/main" id="{5AA7886C-BCF1-334D-8175-46E1B6E5200D}"/>
+              </a:ext>
+            </a:extLst>
+          </p:cNvPr>
+          <p:cNvPicPr>
+            <a:picLocks noChangeAspect="1"/>
+          </p:cNvPicPr>
+          <p:nvPr/>
+        </p:nvPicPr>
+        <p:blipFill>
+          <a:blip r:embed="rId3"/>
+          <a:stretch>
+            <a:fillRect/>
+          </a:stretch>
+        </p:blipFill>
+        <p:spPr>
+          <a:xfrm>
+            <a:off x="7891174" y="403586"/>
+            <a:ext cx="1014052" cy="1014052"/>
+          </a:xfrm>
+          <a:prstGeom prst="rect">
+            <a:avLst/>
+          </a:prstGeom>
+        </p:spPr>
+      </p:pic>
+    </p:spTree>
+    <p:extLst>
+      <p:ext uri="{BB962C8B-B14F-4D97-AF65-F5344CB8AC3E}">
+        <p14:creationId xmlns:p14="http://schemas.microsoft.com/office/powerpoint/2010/main" val="1783639349"/>
       </p:ext>
     </p:extLst>
   </p:cSld>
@@ -12106,6 +12724,256 @@
     <p:extLst>
       <p:ext uri="{BB962C8B-B14F-4D97-AF65-F5344CB8AC3E}">
         <p14:creationId xmlns:p14="http://schemas.microsoft.com/office/powerpoint/2010/main" val="645478110"/>
+      </p:ext>
+    </p:extLst>
+  </p:cSld>
+  <p:clrMapOvr>
+    <a:masterClrMapping/>
+  </p:clrMapOvr>
+</p:sld>
+</file>
+
+<file path=ppt/slides/slide40.xml><?xml version="1.0" encoding="utf-8"?>
+<p:sld xmlns:a="http://schemas.openxmlformats.org/drawingml/2006/main" xmlns:r="http://schemas.openxmlformats.org/officeDocument/2006/relationships" xmlns:p="http://schemas.openxmlformats.org/presentationml/2006/main">
+  <p:cSld>
+    <p:spTree>
+      <p:nvGrpSpPr>
+        <p:cNvPr id="1" name=""/>
+        <p:cNvGrpSpPr/>
+        <p:nvPr/>
+      </p:nvGrpSpPr>
+      <p:grpSpPr>
+        <a:xfrm>
+          <a:off x="0" y="0"/>
+          <a:ext cx="0" cy="0"/>
+          <a:chOff x="0" y="0"/>
+          <a:chExt cx="0" cy="0"/>
+        </a:xfrm>
+      </p:grpSpPr>
+      <p:sp>
+        <p:nvSpPr>
+          <p:cNvPr id="2" name="Title 1"/>
+          <p:cNvSpPr>
+            <a:spLocks noGrp="1"/>
+          </p:cNvSpPr>
+          <p:nvPr>
+            <p:ph type="title"/>
+          </p:nvPr>
+        </p:nvSpPr>
+        <p:spPr/>
+        <p:txBody>
+          <a:bodyPr/>
+          <a:lstStyle/>
+          <a:p>
+            <a:r>
+              <a:rPr lang="en-US" dirty="0"/>
+              <a:t>Infrastructure Pipelines</a:t>
+            </a:r>
+          </a:p>
+        </p:txBody>
+      </p:sp>
+      <p:sp>
+        <p:nvSpPr>
+          <p:cNvPr id="3" name="Content Placeholder 2"/>
+          <p:cNvSpPr>
+            <a:spLocks noGrp="1"/>
+          </p:cNvSpPr>
+          <p:nvPr>
+            <p:ph idx="1"/>
+          </p:nvPr>
+        </p:nvSpPr>
+        <p:spPr/>
+        <p:txBody>
+          <a:bodyPr>
+            <a:normAutofit fontScale="92500" lnSpcReduction="20000"/>
+          </a:bodyPr>
+          <a:lstStyle/>
+          <a:p>
+            <a:r>
+              <a:rPr lang="en-US" dirty="0"/>
+              <a:t>CI/CD pipelines aren’t just used to build software, we also use them to build infrastructure.</a:t>
+            </a:r>
+          </a:p>
+          <a:p>
+            <a:endParaRPr lang="en-US" dirty="0"/>
+          </a:p>
+          <a:p>
+            <a:r>
+              <a:rPr lang="en-US" dirty="0"/>
+              <a:t>Two general use cases:</a:t>
+            </a:r>
+          </a:p>
+          <a:p>
+            <a:endParaRPr lang="en-US" dirty="0"/>
+          </a:p>
+          <a:p>
+            <a:pPr lvl="1"/>
+            <a:r>
+              <a:rPr lang="en-US" dirty="0"/>
+              <a:t>Automate testing of our infrastructure.</a:t>
+            </a:r>
+          </a:p>
+          <a:p>
+            <a:pPr lvl="2"/>
+            <a:r>
+              <a:rPr lang="en-US" dirty="0"/>
+              <a:t>A change to a configuration management or infrastructure definition script triggers a pipeline.</a:t>
+            </a:r>
+          </a:p>
+          <a:p>
+            <a:pPr lvl="1"/>
+            <a:endParaRPr lang="en-US" dirty="0"/>
+          </a:p>
+          <a:p>
+            <a:pPr lvl="1"/>
+            <a:r>
+              <a:rPr lang="en-US" dirty="0"/>
+              <a:t>Automate deployment of infrastructure and our software.</a:t>
+            </a:r>
+          </a:p>
+        </p:txBody>
+      </p:sp>
+    </p:spTree>
+    <p:extLst>
+      <p:ext uri="{BB962C8B-B14F-4D97-AF65-F5344CB8AC3E}">
+        <p14:creationId xmlns:p14="http://schemas.microsoft.com/office/powerpoint/2010/main" val="219701665"/>
+      </p:ext>
+    </p:extLst>
+  </p:cSld>
+  <p:clrMapOvr>
+    <a:masterClrMapping/>
+  </p:clrMapOvr>
+</p:sld>
+</file>
+
+<file path=ppt/slides/slide41.xml><?xml version="1.0" encoding="utf-8"?>
+<p:sld xmlns:a="http://schemas.openxmlformats.org/drawingml/2006/main" xmlns:r="http://schemas.openxmlformats.org/officeDocument/2006/relationships" xmlns:p="http://schemas.openxmlformats.org/presentationml/2006/main">
+  <p:cSld>
+    <p:spTree>
+      <p:nvGrpSpPr>
+        <p:cNvPr id="1" name=""/>
+        <p:cNvGrpSpPr/>
+        <p:nvPr/>
+      </p:nvGrpSpPr>
+      <p:grpSpPr>
+        <a:xfrm>
+          <a:off x="0" y="0"/>
+          <a:ext cx="0" cy="0"/>
+          <a:chOff x="0" y="0"/>
+          <a:chExt cx="0" cy="0"/>
+        </a:xfrm>
+      </p:grpSpPr>
+      <p:sp>
+        <p:nvSpPr>
+          <p:cNvPr id="2" name="Title 1"/>
+          <p:cNvSpPr>
+            <a:spLocks noGrp="1"/>
+          </p:cNvSpPr>
+          <p:nvPr>
+            <p:ph type="title"/>
+          </p:nvPr>
+        </p:nvSpPr>
+        <p:spPr/>
+        <p:txBody>
+          <a:bodyPr/>
+          <a:lstStyle/>
+          <a:p>
+            <a:r>
+              <a:rPr lang="en-US" dirty="0"/>
+              <a:t>Infrastructure Pipeline</a:t>
+            </a:r>
+          </a:p>
+        </p:txBody>
+      </p:sp>
+      <p:sp>
+        <p:nvSpPr>
+          <p:cNvPr id="3" name="Content Placeholder 2"/>
+          <p:cNvSpPr>
+            <a:spLocks noGrp="1"/>
+          </p:cNvSpPr>
+          <p:nvPr>
+            <p:ph idx="1"/>
+          </p:nvPr>
+        </p:nvSpPr>
+        <p:spPr/>
+        <p:txBody>
+          <a:bodyPr>
+            <a:normAutofit fontScale="77500" lnSpcReduction="20000"/>
+          </a:bodyPr>
+          <a:lstStyle/>
+          <a:p>
+            <a:r>
+              <a:rPr lang="en-US" dirty="0"/>
+              <a:t>CloudFormation template pipeline example:</a:t>
+            </a:r>
+          </a:p>
+          <a:p>
+            <a:endParaRPr lang="en-US" dirty="0"/>
+          </a:p>
+          <a:p>
+            <a:pPr lvl="1"/>
+            <a:r>
+              <a:rPr lang="en-US" dirty="0"/>
+              <a:t>Lint CloudFormation template to validate syntax</a:t>
+            </a:r>
+          </a:p>
+          <a:p>
+            <a:pPr lvl="1"/>
+            <a:endParaRPr lang="en-US" dirty="0"/>
+          </a:p>
+          <a:p>
+            <a:pPr lvl="1"/>
+            <a:r>
+              <a:rPr lang="en-US" dirty="0"/>
+              <a:t>Deploy CloudFormation template</a:t>
+            </a:r>
+          </a:p>
+          <a:p>
+            <a:pPr lvl="2"/>
+            <a:r>
+              <a:rPr lang="en-US" dirty="0"/>
+              <a:t>Wait for AWS resources to be built</a:t>
+            </a:r>
+          </a:p>
+          <a:p>
+            <a:pPr lvl="2"/>
+            <a:endParaRPr lang="en-US" dirty="0"/>
+          </a:p>
+          <a:p>
+            <a:pPr lvl="1"/>
+            <a:r>
+              <a:rPr lang="en-US" dirty="0"/>
+              <a:t>Test AWS resources to verify that required resources are installed and working properly</a:t>
+            </a:r>
+          </a:p>
+          <a:p>
+            <a:pPr lvl="1"/>
+            <a:endParaRPr lang="en-US" dirty="0"/>
+          </a:p>
+          <a:p>
+            <a:pPr lvl="1"/>
+            <a:r>
+              <a:rPr lang="en-US" dirty="0"/>
+              <a:t>Terminate AWS resources</a:t>
+            </a:r>
+          </a:p>
+          <a:p>
+            <a:pPr lvl="1"/>
+            <a:endParaRPr lang="en-US" dirty="0"/>
+          </a:p>
+          <a:p>
+            <a:pPr lvl="1"/>
+            <a:r>
+              <a:rPr lang="en-US" dirty="0"/>
+              <a:t>Publish new template</a:t>
+            </a:r>
+          </a:p>
+        </p:txBody>
+      </p:sp>
+    </p:spTree>
+    <p:extLst>
+      <p:ext uri="{BB962C8B-B14F-4D97-AF65-F5344CB8AC3E}">
+        <p14:creationId xmlns:p14="http://schemas.microsoft.com/office/powerpoint/2010/main" val="804898301"/>
       </p:ext>
     </p:extLst>
   </p:cSld>

--- a/lectures/infrastructure-week-10.pptx
+++ b/lectures/infrastructure-week-10.pptx
@@ -46,9 +46,9 @@
     <p:sldId id="340" r:id="rId37"/>
     <p:sldId id="342" r:id="rId38"/>
     <p:sldId id="341" r:id="rId39"/>
-    <p:sldId id="343" r:id="rId40"/>
-    <p:sldId id="302" r:id="rId41"/>
-    <p:sldId id="303" r:id="rId42"/>
+    <p:sldId id="302" r:id="rId40"/>
+    <p:sldId id="303" r:id="rId41"/>
+    <p:sldId id="343" r:id="rId42"/>
   </p:sldIdLst>
   <p:sldSz cx="9144000" cy="6858000" type="screen4x3"/>
   <p:notesSz cx="6858000" cy="9144000"/>
@@ -4058,7 +4058,7 @@
           <a:p>
             <a:fld id="{2CB9420B-0DAF-E943-A682-96A9F2947B10}" type="slidenum">
               <a:rPr lang="en-US" smtClean="0"/>
-              <a:t>39</a:t>
+              <a:t>41</a:t>
             </a:fld>
             <a:endParaRPr lang="en-US"/>
           </a:p>
@@ -8846,20 +8846,38 @@
           <a:p>
             <a:r>
               <a:rPr lang="en-US" dirty="0"/>
-              <a:t>Deployment Pipelines</a:t>
-            </a:r>
-          </a:p>
-          <a:p>
-            <a:r>
-              <a:rPr lang="en-US" dirty="0"/>
-              <a:t>Jenkins</a:t>
-            </a:r>
-          </a:p>
-          <a:p>
-            <a:r>
-              <a:rPr lang="en-US" dirty="0"/>
-              <a:t>Pipeline-as-Code</a:t>
-            </a:r>
+              <a:t>Delivery Pipelines</a:t>
+            </a:r>
+          </a:p>
+          <a:p>
+            <a:r>
+              <a:rPr lang="en-US" dirty="0"/>
+              <a:t>AWS services</a:t>
+            </a:r>
+          </a:p>
+          <a:p>
+            <a:pPr lvl="1"/>
+            <a:r>
+              <a:rPr lang="en-US" dirty="0" err="1"/>
+              <a:t>CodeBuild</a:t>
+            </a:r>
+            <a:endParaRPr lang="en-US" dirty="0"/>
+          </a:p>
+          <a:p>
+            <a:pPr lvl="1"/>
+            <a:r>
+              <a:rPr lang="en-US" dirty="0" err="1"/>
+              <a:t>CodeDeploy</a:t>
+            </a:r>
+            <a:endParaRPr lang="en-US" dirty="0"/>
+          </a:p>
+          <a:p>
+            <a:pPr lvl="1"/>
+            <a:r>
+              <a:rPr lang="en-US"/>
+              <a:t>CodePipeline</a:t>
+            </a:r>
+            <a:endParaRPr lang="en-US" dirty="0"/>
           </a:p>
         </p:txBody>
       </p:sp>
@@ -12513,6 +12531,397 @@
           <a:lstStyle/>
           <a:p>
             <a:r>
+              <a:rPr lang="en-US" dirty="0"/>
+              <a:t>Infrastructure Pipelines</a:t>
+            </a:r>
+          </a:p>
+        </p:txBody>
+      </p:sp>
+      <p:sp>
+        <p:nvSpPr>
+          <p:cNvPr id="3" name="Content Placeholder 2"/>
+          <p:cNvSpPr>
+            <a:spLocks noGrp="1"/>
+          </p:cNvSpPr>
+          <p:nvPr>
+            <p:ph idx="1"/>
+          </p:nvPr>
+        </p:nvSpPr>
+        <p:spPr/>
+        <p:txBody>
+          <a:bodyPr>
+            <a:normAutofit fontScale="92500" lnSpcReduction="20000"/>
+          </a:bodyPr>
+          <a:lstStyle/>
+          <a:p>
+            <a:r>
+              <a:rPr lang="en-US" dirty="0"/>
+              <a:t>CI/CD pipelines aren’t just used to build software, we also use them to build infrastructure.</a:t>
+            </a:r>
+          </a:p>
+          <a:p>
+            <a:endParaRPr lang="en-US" dirty="0"/>
+          </a:p>
+          <a:p>
+            <a:r>
+              <a:rPr lang="en-US" dirty="0"/>
+              <a:t>Two general use cases:</a:t>
+            </a:r>
+          </a:p>
+          <a:p>
+            <a:endParaRPr lang="en-US" dirty="0"/>
+          </a:p>
+          <a:p>
+            <a:pPr lvl="1"/>
+            <a:r>
+              <a:rPr lang="en-US" dirty="0"/>
+              <a:t>Automate testing of our infrastructure.</a:t>
+            </a:r>
+          </a:p>
+          <a:p>
+            <a:pPr lvl="2"/>
+            <a:r>
+              <a:rPr lang="en-US" dirty="0"/>
+              <a:t>A change to a configuration management or infrastructure definition script triggers a pipeline.</a:t>
+            </a:r>
+          </a:p>
+          <a:p>
+            <a:pPr lvl="1"/>
+            <a:endParaRPr lang="en-US" dirty="0"/>
+          </a:p>
+          <a:p>
+            <a:pPr lvl="1"/>
+            <a:r>
+              <a:rPr lang="en-US" dirty="0"/>
+              <a:t>Automate deployment of infrastructure and our software.</a:t>
+            </a:r>
+          </a:p>
+        </p:txBody>
+      </p:sp>
+    </p:spTree>
+    <p:extLst>
+      <p:ext uri="{BB962C8B-B14F-4D97-AF65-F5344CB8AC3E}">
+        <p14:creationId xmlns:p14="http://schemas.microsoft.com/office/powerpoint/2010/main" val="219701665"/>
+      </p:ext>
+    </p:extLst>
+  </p:cSld>
+  <p:clrMapOvr>
+    <a:masterClrMapping/>
+  </p:clrMapOvr>
+</p:sld>
+</file>
+
+<file path=ppt/slides/slide4.xml><?xml version="1.0" encoding="utf-8"?>
+<p:sld xmlns:a="http://schemas.openxmlformats.org/drawingml/2006/main" xmlns:r="http://schemas.openxmlformats.org/officeDocument/2006/relationships" xmlns:p="http://schemas.openxmlformats.org/presentationml/2006/main">
+  <p:cSld>
+    <p:spTree>
+      <p:nvGrpSpPr>
+        <p:cNvPr id="1" name=""/>
+        <p:cNvGrpSpPr/>
+        <p:nvPr/>
+      </p:nvGrpSpPr>
+      <p:grpSpPr>
+        <a:xfrm>
+          <a:off x="0" y="0"/>
+          <a:ext cx="0" cy="0"/>
+          <a:chOff x="0" y="0"/>
+          <a:chExt cx="0" cy="0"/>
+        </a:xfrm>
+      </p:grpSpPr>
+      <p:sp>
+        <p:nvSpPr>
+          <p:cNvPr id="2" name="Title 1"/>
+          <p:cNvSpPr>
+            <a:spLocks noGrp="1"/>
+          </p:cNvSpPr>
+          <p:nvPr>
+            <p:ph type="title"/>
+          </p:nvPr>
+        </p:nvSpPr>
+        <p:spPr/>
+        <p:txBody>
+          <a:bodyPr/>
+          <a:lstStyle/>
+          <a:p>
+            <a:r>
+              <a:rPr lang="en-US" dirty="0"/>
+              <a:t>Pipeline Benefits</a:t>
+            </a:r>
+          </a:p>
+        </p:txBody>
+      </p:sp>
+      <p:sp>
+        <p:nvSpPr>
+          <p:cNvPr id="3" name="Content Placeholder 2"/>
+          <p:cNvSpPr>
+            <a:spLocks noGrp="1"/>
+          </p:cNvSpPr>
+          <p:nvPr>
+            <p:ph idx="1"/>
+          </p:nvPr>
+        </p:nvSpPr>
+        <p:spPr/>
+        <p:txBody>
+          <a:bodyPr>
+            <a:normAutofit fontScale="85000" lnSpcReduction="20000"/>
+          </a:bodyPr>
+          <a:lstStyle/>
+          <a:p>
+            <a:r>
+              <a:rPr lang="en-US" b="1" dirty="0"/>
+              <a:t>Software is automatically built and tested. </a:t>
+            </a:r>
+          </a:p>
+          <a:p>
+            <a:pPr lvl="1"/>
+            <a:r>
+              <a:rPr lang="en-US" dirty="0"/>
+              <a:t>Ready to go to production at any time.</a:t>
+            </a:r>
+          </a:p>
+          <a:p>
+            <a:endParaRPr lang="en-US" dirty="0"/>
+          </a:p>
+          <a:p>
+            <a:r>
+              <a:rPr lang="en-US" b="1" dirty="0"/>
+              <a:t>Making changes to software is much easier.</a:t>
+            </a:r>
+          </a:p>
+          <a:p>
+            <a:pPr lvl="1"/>
+            <a:r>
+              <a:rPr lang="en-US" dirty="0"/>
+              <a:t>Every change is tested the same way</a:t>
+            </a:r>
+          </a:p>
+          <a:p>
+            <a:pPr lvl="1"/>
+            <a:r>
+              <a:rPr lang="en-US" dirty="0"/>
+              <a:t>Easier to automatically deploy changes versus using manual methods</a:t>
+            </a:r>
+          </a:p>
+          <a:p>
+            <a:pPr lvl="1"/>
+            <a:r>
+              <a:rPr lang="en-US" dirty="0"/>
+              <a:t>Reinforces practice of using small batch sizes</a:t>
+            </a:r>
+          </a:p>
+          <a:p>
+            <a:pPr lvl="1"/>
+            <a:endParaRPr lang="en-US" dirty="0"/>
+          </a:p>
+          <a:p>
+            <a:r>
+              <a:rPr lang="en-US" b="1" dirty="0"/>
+              <a:t>Compliance and governance tasks are easier.</a:t>
+            </a:r>
+          </a:p>
+          <a:p>
+            <a:pPr lvl="1"/>
+            <a:r>
+              <a:rPr lang="en-US" dirty="0"/>
+              <a:t>Traceability improved and tests are enforced.</a:t>
+            </a:r>
+          </a:p>
+          <a:p>
+            <a:pPr lvl="1"/>
+            <a:r>
+              <a:rPr lang="en-US" dirty="0"/>
+              <a:t>Reduces need for heavy change control tasks.</a:t>
+            </a:r>
+          </a:p>
+          <a:p>
+            <a:pPr lvl="1"/>
+            <a:endParaRPr lang="en-US" dirty="0"/>
+          </a:p>
+        </p:txBody>
+      </p:sp>
+    </p:spTree>
+    <p:extLst>
+      <p:ext uri="{BB962C8B-B14F-4D97-AF65-F5344CB8AC3E}">
+        <p14:creationId xmlns:p14="http://schemas.microsoft.com/office/powerpoint/2010/main" val="645478110"/>
+      </p:ext>
+    </p:extLst>
+  </p:cSld>
+  <p:clrMapOvr>
+    <a:masterClrMapping/>
+  </p:clrMapOvr>
+</p:sld>
+</file>
+
+<file path=ppt/slides/slide40.xml><?xml version="1.0" encoding="utf-8"?>
+<p:sld xmlns:a="http://schemas.openxmlformats.org/drawingml/2006/main" xmlns:r="http://schemas.openxmlformats.org/officeDocument/2006/relationships" xmlns:p="http://schemas.openxmlformats.org/presentationml/2006/main">
+  <p:cSld>
+    <p:spTree>
+      <p:nvGrpSpPr>
+        <p:cNvPr id="1" name=""/>
+        <p:cNvGrpSpPr/>
+        <p:nvPr/>
+      </p:nvGrpSpPr>
+      <p:grpSpPr>
+        <a:xfrm>
+          <a:off x="0" y="0"/>
+          <a:ext cx="0" cy="0"/>
+          <a:chOff x="0" y="0"/>
+          <a:chExt cx="0" cy="0"/>
+        </a:xfrm>
+      </p:grpSpPr>
+      <p:sp>
+        <p:nvSpPr>
+          <p:cNvPr id="2" name="Title 1"/>
+          <p:cNvSpPr>
+            <a:spLocks noGrp="1"/>
+          </p:cNvSpPr>
+          <p:nvPr>
+            <p:ph type="title"/>
+          </p:nvPr>
+        </p:nvSpPr>
+        <p:spPr/>
+        <p:txBody>
+          <a:bodyPr/>
+          <a:lstStyle/>
+          <a:p>
+            <a:r>
+              <a:rPr lang="en-US" dirty="0"/>
+              <a:t>Infrastructure Pipeline</a:t>
+            </a:r>
+          </a:p>
+        </p:txBody>
+      </p:sp>
+      <p:sp>
+        <p:nvSpPr>
+          <p:cNvPr id="3" name="Content Placeholder 2"/>
+          <p:cNvSpPr>
+            <a:spLocks noGrp="1"/>
+          </p:cNvSpPr>
+          <p:nvPr>
+            <p:ph idx="1"/>
+          </p:nvPr>
+        </p:nvSpPr>
+        <p:spPr/>
+        <p:txBody>
+          <a:bodyPr>
+            <a:normAutofit fontScale="77500" lnSpcReduction="20000"/>
+          </a:bodyPr>
+          <a:lstStyle/>
+          <a:p>
+            <a:r>
+              <a:rPr lang="en-US" dirty="0"/>
+              <a:t>CloudFormation template pipeline example:</a:t>
+            </a:r>
+          </a:p>
+          <a:p>
+            <a:endParaRPr lang="en-US" dirty="0"/>
+          </a:p>
+          <a:p>
+            <a:pPr lvl="1"/>
+            <a:r>
+              <a:rPr lang="en-US" dirty="0"/>
+              <a:t>Lint CloudFormation template to validate syntax</a:t>
+            </a:r>
+          </a:p>
+          <a:p>
+            <a:pPr lvl="1"/>
+            <a:endParaRPr lang="en-US" dirty="0"/>
+          </a:p>
+          <a:p>
+            <a:pPr lvl="1"/>
+            <a:r>
+              <a:rPr lang="en-US" dirty="0"/>
+              <a:t>Deploy CloudFormation template</a:t>
+            </a:r>
+          </a:p>
+          <a:p>
+            <a:pPr lvl="2"/>
+            <a:r>
+              <a:rPr lang="en-US" dirty="0"/>
+              <a:t>Wait for AWS resources to be built</a:t>
+            </a:r>
+          </a:p>
+          <a:p>
+            <a:pPr lvl="2"/>
+            <a:endParaRPr lang="en-US" dirty="0"/>
+          </a:p>
+          <a:p>
+            <a:pPr lvl="1"/>
+            <a:r>
+              <a:rPr lang="en-US" dirty="0"/>
+              <a:t>Test AWS resources to verify that required resources are installed and working properly</a:t>
+            </a:r>
+          </a:p>
+          <a:p>
+            <a:pPr lvl="1"/>
+            <a:endParaRPr lang="en-US" dirty="0"/>
+          </a:p>
+          <a:p>
+            <a:pPr lvl="1"/>
+            <a:r>
+              <a:rPr lang="en-US" dirty="0"/>
+              <a:t>Terminate AWS resources</a:t>
+            </a:r>
+          </a:p>
+          <a:p>
+            <a:pPr lvl="1"/>
+            <a:endParaRPr lang="en-US" dirty="0"/>
+          </a:p>
+          <a:p>
+            <a:pPr lvl="1"/>
+            <a:r>
+              <a:rPr lang="en-US" dirty="0"/>
+              <a:t>Publish new template</a:t>
+            </a:r>
+          </a:p>
+        </p:txBody>
+      </p:sp>
+    </p:spTree>
+    <p:extLst>
+      <p:ext uri="{BB962C8B-B14F-4D97-AF65-F5344CB8AC3E}">
+        <p14:creationId xmlns:p14="http://schemas.microsoft.com/office/powerpoint/2010/main" val="804898301"/>
+      </p:ext>
+    </p:extLst>
+  </p:cSld>
+  <p:clrMapOvr>
+    <a:masterClrMapping/>
+  </p:clrMapOvr>
+</p:sld>
+</file>
+
+<file path=ppt/slides/slide41.xml><?xml version="1.0" encoding="utf-8"?>
+<p:sld xmlns:a="http://schemas.openxmlformats.org/drawingml/2006/main" xmlns:r="http://schemas.openxmlformats.org/officeDocument/2006/relationships" xmlns:p="http://schemas.openxmlformats.org/presentationml/2006/main">
+  <p:cSld>
+    <p:spTree>
+      <p:nvGrpSpPr>
+        <p:cNvPr id="1" name=""/>
+        <p:cNvGrpSpPr/>
+        <p:nvPr/>
+      </p:nvGrpSpPr>
+      <p:grpSpPr>
+        <a:xfrm>
+          <a:off x="0" y="0"/>
+          <a:ext cx="0" cy="0"/>
+          <a:chOff x="0" y="0"/>
+          <a:chExt cx="0" cy="0"/>
+        </a:xfrm>
+      </p:grpSpPr>
+      <p:sp>
+        <p:nvSpPr>
+          <p:cNvPr id="2" name="Title 1"/>
+          <p:cNvSpPr>
+            <a:spLocks noGrp="1"/>
+          </p:cNvSpPr>
+          <p:nvPr>
+            <p:ph type="title"/>
+          </p:nvPr>
+        </p:nvSpPr>
+        <p:spPr/>
+        <p:txBody>
+          <a:bodyPr/>
+          <a:lstStyle/>
+          <a:p>
+            <a:r>
               <a:rPr lang="en-US" dirty="0" err="1"/>
               <a:t>CodePipeline</a:t>
             </a:r>
@@ -12541,11 +12950,113 @@
         </p:spPr>
         <p:txBody>
           <a:bodyPr>
-            <a:normAutofit/>
+            <a:normAutofit fontScale="70000" lnSpcReduction="20000"/>
           </a:bodyPr>
           <a:lstStyle/>
           <a:p>
+            <a:r>
+              <a:rPr lang="en-US" dirty="0"/>
+              <a:t>Create GitHub personal access token</a:t>
+            </a:r>
+          </a:p>
+          <a:p>
             <a:endParaRPr lang="en-US" dirty="0"/>
+          </a:p>
+          <a:p>
+            <a:r>
+              <a:rPr lang="en-US" dirty="0"/>
+              <a:t>Fork python-project repository:</a:t>
+            </a:r>
+          </a:p>
+          <a:p>
+            <a:pPr lvl="1"/>
+            <a:r>
+              <a:rPr lang="en-US" dirty="0"/>
+              <a:t>https://</a:t>
+            </a:r>
+            <a:r>
+              <a:rPr lang="en-US" dirty="0" err="1"/>
+              <a:t>github.com</a:t>
+            </a:r>
+            <a:r>
+              <a:rPr lang="en-US" dirty="0"/>
+              <a:t>/seis665/python-project</a:t>
+            </a:r>
+          </a:p>
+          <a:p>
+            <a:endParaRPr lang="en-US" dirty="0"/>
+          </a:p>
+          <a:p>
+            <a:r>
+              <a:rPr lang="en-US" dirty="0"/>
+              <a:t>Review changes to </a:t>
+            </a:r>
+            <a:r>
+              <a:rPr lang="en-US" dirty="0" err="1"/>
+              <a:t>CodeBuild</a:t>
+            </a:r>
+            <a:r>
+              <a:rPr lang="en-US" dirty="0"/>
+              <a:t> template code</a:t>
+            </a:r>
+          </a:p>
+          <a:p>
+            <a:pPr lvl="1"/>
+            <a:r>
+              <a:rPr lang="en-US" dirty="0"/>
+              <a:t>Source and Artifacts are managed by </a:t>
+            </a:r>
+            <a:r>
+              <a:rPr lang="en-US" dirty="0" err="1"/>
+              <a:t>CodePipeline</a:t>
+            </a:r>
+            <a:endParaRPr lang="en-US" dirty="0"/>
+          </a:p>
+          <a:p>
+            <a:endParaRPr lang="en-US" dirty="0"/>
+          </a:p>
+          <a:p>
+            <a:r>
+              <a:rPr lang="en-US" dirty="0"/>
+              <a:t>Deploy </a:t>
+            </a:r>
+            <a:r>
+              <a:rPr lang="en-US" dirty="0" err="1"/>
+              <a:t>CodePipeline</a:t>
+            </a:r>
+            <a:r>
+              <a:rPr lang="en-US" dirty="0"/>
+              <a:t> template</a:t>
+            </a:r>
+          </a:p>
+          <a:p>
+            <a:pPr lvl="1"/>
+            <a:r>
+              <a:rPr lang="en-US" dirty="0"/>
+              <a:t>https://seis665.s3.amazonaws.com/app-</a:t>
+            </a:r>
+            <a:r>
+              <a:rPr lang="en-US" dirty="0" err="1"/>
+              <a:t>codepipeline</a:t>
+            </a:r>
+            <a:r>
+              <a:rPr lang="en-US" dirty="0"/>
+              <a:t>-</a:t>
+            </a:r>
+            <a:r>
+              <a:rPr lang="en-US" dirty="0" err="1"/>
+              <a:t>template.json</a:t>
+            </a:r>
+            <a:endParaRPr lang="en-US" dirty="0"/>
+          </a:p>
+          <a:p>
+            <a:endParaRPr lang="en-US" dirty="0"/>
+          </a:p>
+          <a:p>
+            <a:r>
+              <a:rPr lang="en-US" dirty="0"/>
+              <a:t>Watch pipeline execute stages and test application deployment.</a:t>
+            </a:r>
           </a:p>
         </p:txBody>
       </p:sp>
@@ -12583,397 +13094,6 @@
     <p:extLst>
       <p:ext uri="{BB962C8B-B14F-4D97-AF65-F5344CB8AC3E}">
         <p14:creationId xmlns:p14="http://schemas.microsoft.com/office/powerpoint/2010/main" val="1783639349"/>
-      </p:ext>
-    </p:extLst>
-  </p:cSld>
-  <p:clrMapOvr>
-    <a:masterClrMapping/>
-  </p:clrMapOvr>
-</p:sld>
-</file>
-
-<file path=ppt/slides/slide4.xml><?xml version="1.0" encoding="utf-8"?>
-<p:sld xmlns:a="http://schemas.openxmlformats.org/drawingml/2006/main" xmlns:r="http://schemas.openxmlformats.org/officeDocument/2006/relationships" xmlns:p="http://schemas.openxmlformats.org/presentationml/2006/main">
-  <p:cSld>
-    <p:spTree>
-      <p:nvGrpSpPr>
-        <p:cNvPr id="1" name=""/>
-        <p:cNvGrpSpPr/>
-        <p:nvPr/>
-      </p:nvGrpSpPr>
-      <p:grpSpPr>
-        <a:xfrm>
-          <a:off x="0" y="0"/>
-          <a:ext cx="0" cy="0"/>
-          <a:chOff x="0" y="0"/>
-          <a:chExt cx="0" cy="0"/>
-        </a:xfrm>
-      </p:grpSpPr>
-      <p:sp>
-        <p:nvSpPr>
-          <p:cNvPr id="2" name="Title 1"/>
-          <p:cNvSpPr>
-            <a:spLocks noGrp="1"/>
-          </p:cNvSpPr>
-          <p:nvPr>
-            <p:ph type="title"/>
-          </p:nvPr>
-        </p:nvSpPr>
-        <p:spPr/>
-        <p:txBody>
-          <a:bodyPr/>
-          <a:lstStyle/>
-          <a:p>
-            <a:r>
-              <a:rPr lang="en-US" dirty="0"/>
-              <a:t>Pipeline Benefits</a:t>
-            </a:r>
-          </a:p>
-        </p:txBody>
-      </p:sp>
-      <p:sp>
-        <p:nvSpPr>
-          <p:cNvPr id="3" name="Content Placeholder 2"/>
-          <p:cNvSpPr>
-            <a:spLocks noGrp="1"/>
-          </p:cNvSpPr>
-          <p:nvPr>
-            <p:ph idx="1"/>
-          </p:nvPr>
-        </p:nvSpPr>
-        <p:spPr/>
-        <p:txBody>
-          <a:bodyPr>
-            <a:normAutofit fontScale="85000" lnSpcReduction="20000"/>
-          </a:bodyPr>
-          <a:lstStyle/>
-          <a:p>
-            <a:r>
-              <a:rPr lang="en-US" b="1" dirty="0"/>
-              <a:t>Software is automatically built and tested. </a:t>
-            </a:r>
-          </a:p>
-          <a:p>
-            <a:pPr lvl="1"/>
-            <a:r>
-              <a:rPr lang="en-US" dirty="0"/>
-              <a:t>Ready to go to production at any time.</a:t>
-            </a:r>
-          </a:p>
-          <a:p>
-            <a:endParaRPr lang="en-US" dirty="0"/>
-          </a:p>
-          <a:p>
-            <a:r>
-              <a:rPr lang="en-US" b="1" dirty="0"/>
-              <a:t>Making changes to software is much easier.</a:t>
-            </a:r>
-          </a:p>
-          <a:p>
-            <a:pPr lvl="1"/>
-            <a:r>
-              <a:rPr lang="en-US" dirty="0"/>
-              <a:t>Every change is tested the same way</a:t>
-            </a:r>
-          </a:p>
-          <a:p>
-            <a:pPr lvl="1"/>
-            <a:r>
-              <a:rPr lang="en-US" dirty="0"/>
-              <a:t>Easier to automatically deploy changes versus using manual methods</a:t>
-            </a:r>
-          </a:p>
-          <a:p>
-            <a:pPr lvl="1"/>
-            <a:r>
-              <a:rPr lang="en-US" dirty="0"/>
-              <a:t>Reinforces practice of using small batch sizes</a:t>
-            </a:r>
-          </a:p>
-          <a:p>
-            <a:pPr lvl="1"/>
-            <a:endParaRPr lang="en-US" dirty="0"/>
-          </a:p>
-          <a:p>
-            <a:r>
-              <a:rPr lang="en-US" b="1" dirty="0"/>
-              <a:t>Compliance and governance tasks are easier.</a:t>
-            </a:r>
-          </a:p>
-          <a:p>
-            <a:pPr lvl="1"/>
-            <a:r>
-              <a:rPr lang="en-US" dirty="0"/>
-              <a:t>Traceability improved and tests are enforced.</a:t>
-            </a:r>
-          </a:p>
-          <a:p>
-            <a:pPr lvl="1"/>
-            <a:r>
-              <a:rPr lang="en-US" dirty="0"/>
-              <a:t>Reduces need for heavy change control tasks.</a:t>
-            </a:r>
-          </a:p>
-          <a:p>
-            <a:pPr lvl="1"/>
-            <a:endParaRPr lang="en-US" dirty="0"/>
-          </a:p>
-        </p:txBody>
-      </p:sp>
-    </p:spTree>
-    <p:extLst>
-      <p:ext uri="{BB962C8B-B14F-4D97-AF65-F5344CB8AC3E}">
-        <p14:creationId xmlns:p14="http://schemas.microsoft.com/office/powerpoint/2010/main" val="645478110"/>
-      </p:ext>
-    </p:extLst>
-  </p:cSld>
-  <p:clrMapOvr>
-    <a:masterClrMapping/>
-  </p:clrMapOvr>
-</p:sld>
-</file>
-
-<file path=ppt/slides/slide40.xml><?xml version="1.0" encoding="utf-8"?>
-<p:sld xmlns:a="http://schemas.openxmlformats.org/drawingml/2006/main" xmlns:r="http://schemas.openxmlformats.org/officeDocument/2006/relationships" xmlns:p="http://schemas.openxmlformats.org/presentationml/2006/main">
-  <p:cSld>
-    <p:spTree>
-      <p:nvGrpSpPr>
-        <p:cNvPr id="1" name=""/>
-        <p:cNvGrpSpPr/>
-        <p:nvPr/>
-      </p:nvGrpSpPr>
-      <p:grpSpPr>
-        <a:xfrm>
-          <a:off x="0" y="0"/>
-          <a:ext cx="0" cy="0"/>
-          <a:chOff x="0" y="0"/>
-          <a:chExt cx="0" cy="0"/>
-        </a:xfrm>
-      </p:grpSpPr>
-      <p:sp>
-        <p:nvSpPr>
-          <p:cNvPr id="2" name="Title 1"/>
-          <p:cNvSpPr>
-            <a:spLocks noGrp="1"/>
-          </p:cNvSpPr>
-          <p:nvPr>
-            <p:ph type="title"/>
-          </p:nvPr>
-        </p:nvSpPr>
-        <p:spPr/>
-        <p:txBody>
-          <a:bodyPr/>
-          <a:lstStyle/>
-          <a:p>
-            <a:r>
-              <a:rPr lang="en-US" dirty="0"/>
-              <a:t>Infrastructure Pipelines</a:t>
-            </a:r>
-          </a:p>
-        </p:txBody>
-      </p:sp>
-      <p:sp>
-        <p:nvSpPr>
-          <p:cNvPr id="3" name="Content Placeholder 2"/>
-          <p:cNvSpPr>
-            <a:spLocks noGrp="1"/>
-          </p:cNvSpPr>
-          <p:nvPr>
-            <p:ph idx="1"/>
-          </p:nvPr>
-        </p:nvSpPr>
-        <p:spPr/>
-        <p:txBody>
-          <a:bodyPr>
-            <a:normAutofit fontScale="92500" lnSpcReduction="20000"/>
-          </a:bodyPr>
-          <a:lstStyle/>
-          <a:p>
-            <a:r>
-              <a:rPr lang="en-US" dirty="0"/>
-              <a:t>CI/CD pipelines aren’t just used to build software, we also use them to build infrastructure.</a:t>
-            </a:r>
-          </a:p>
-          <a:p>
-            <a:endParaRPr lang="en-US" dirty="0"/>
-          </a:p>
-          <a:p>
-            <a:r>
-              <a:rPr lang="en-US" dirty="0"/>
-              <a:t>Two general use cases:</a:t>
-            </a:r>
-          </a:p>
-          <a:p>
-            <a:endParaRPr lang="en-US" dirty="0"/>
-          </a:p>
-          <a:p>
-            <a:pPr lvl="1"/>
-            <a:r>
-              <a:rPr lang="en-US" dirty="0"/>
-              <a:t>Automate testing of our infrastructure.</a:t>
-            </a:r>
-          </a:p>
-          <a:p>
-            <a:pPr lvl="2"/>
-            <a:r>
-              <a:rPr lang="en-US" dirty="0"/>
-              <a:t>A change to a configuration management or infrastructure definition script triggers a pipeline.</a:t>
-            </a:r>
-          </a:p>
-          <a:p>
-            <a:pPr lvl="1"/>
-            <a:endParaRPr lang="en-US" dirty="0"/>
-          </a:p>
-          <a:p>
-            <a:pPr lvl="1"/>
-            <a:r>
-              <a:rPr lang="en-US" dirty="0"/>
-              <a:t>Automate deployment of infrastructure and our software.</a:t>
-            </a:r>
-          </a:p>
-        </p:txBody>
-      </p:sp>
-    </p:spTree>
-    <p:extLst>
-      <p:ext uri="{BB962C8B-B14F-4D97-AF65-F5344CB8AC3E}">
-        <p14:creationId xmlns:p14="http://schemas.microsoft.com/office/powerpoint/2010/main" val="219701665"/>
-      </p:ext>
-    </p:extLst>
-  </p:cSld>
-  <p:clrMapOvr>
-    <a:masterClrMapping/>
-  </p:clrMapOvr>
-</p:sld>
-</file>
-
-<file path=ppt/slides/slide41.xml><?xml version="1.0" encoding="utf-8"?>
-<p:sld xmlns:a="http://schemas.openxmlformats.org/drawingml/2006/main" xmlns:r="http://schemas.openxmlformats.org/officeDocument/2006/relationships" xmlns:p="http://schemas.openxmlformats.org/presentationml/2006/main">
-  <p:cSld>
-    <p:spTree>
-      <p:nvGrpSpPr>
-        <p:cNvPr id="1" name=""/>
-        <p:cNvGrpSpPr/>
-        <p:nvPr/>
-      </p:nvGrpSpPr>
-      <p:grpSpPr>
-        <a:xfrm>
-          <a:off x="0" y="0"/>
-          <a:ext cx="0" cy="0"/>
-          <a:chOff x="0" y="0"/>
-          <a:chExt cx="0" cy="0"/>
-        </a:xfrm>
-      </p:grpSpPr>
-      <p:sp>
-        <p:nvSpPr>
-          <p:cNvPr id="2" name="Title 1"/>
-          <p:cNvSpPr>
-            <a:spLocks noGrp="1"/>
-          </p:cNvSpPr>
-          <p:nvPr>
-            <p:ph type="title"/>
-          </p:nvPr>
-        </p:nvSpPr>
-        <p:spPr/>
-        <p:txBody>
-          <a:bodyPr/>
-          <a:lstStyle/>
-          <a:p>
-            <a:r>
-              <a:rPr lang="en-US" dirty="0"/>
-              <a:t>Infrastructure Pipeline</a:t>
-            </a:r>
-          </a:p>
-        </p:txBody>
-      </p:sp>
-      <p:sp>
-        <p:nvSpPr>
-          <p:cNvPr id="3" name="Content Placeholder 2"/>
-          <p:cNvSpPr>
-            <a:spLocks noGrp="1"/>
-          </p:cNvSpPr>
-          <p:nvPr>
-            <p:ph idx="1"/>
-          </p:nvPr>
-        </p:nvSpPr>
-        <p:spPr/>
-        <p:txBody>
-          <a:bodyPr>
-            <a:normAutofit fontScale="77500" lnSpcReduction="20000"/>
-          </a:bodyPr>
-          <a:lstStyle/>
-          <a:p>
-            <a:r>
-              <a:rPr lang="en-US" dirty="0"/>
-              <a:t>CloudFormation template pipeline example:</a:t>
-            </a:r>
-          </a:p>
-          <a:p>
-            <a:endParaRPr lang="en-US" dirty="0"/>
-          </a:p>
-          <a:p>
-            <a:pPr lvl="1"/>
-            <a:r>
-              <a:rPr lang="en-US" dirty="0"/>
-              <a:t>Lint CloudFormation template to validate syntax</a:t>
-            </a:r>
-          </a:p>
-          <a:p>
-            <a:pPr lvl="1"/>
-            <a:endParaRPr lang="en-US" dirty="0"/>
-          </a:p>
-          <a:p>
-            <a:pPr lvl="1"/>
-            <a:r>
-              <a:rPr lang="en-US" dirty="0"/>
-              <a:t>Deploy CloudFormation template</a:t>
-            </a:r>
-          </a:p>
-          <a:p>
-            <a:pPr lvl="2"/>
-            <a:r>
-              <a:rPr lang="en-US" dirty="0"/>
-              <a:t>Wait for AWS resources to be built</a:t>
-            </a:r>
-          </a:p>
-          <a:p>
-            <a:pPr lvl="2"/>
-            <a:endParaRPr lang="en-US" dirty="0"/>
-          </a:p>
-          <a:p>
-            <a:pPr lvl="1"/>
-            <a:r>
-              <a:rPr lang="en-US" dirty="0"/>
-              <a:t>Test AWS resources to verify that required resources are installed and working properly</a:t>
-            </a:r>
-          </a:p>
-          <a:p>
-            <a:pPr lvl="1"/>
-            <a:endParaRPr lang="en-US" dirty="0"/>
-          </a:p>
-          <a:p>
-            <a:pPr lvl="1"/>
-            <a:r>
-              <a:rPr lang="en-US" dirty="0"/>
-              <a:t>Terminate AWS resources</a:t>
-            </a:r>
-          </a:p>
-          <a:p>
-            <a:pPr lvl="1"/>
-            <a:endParaRPr lang="en-US" dirty="0"/>
-          </a:p>
-          <a:p>
-            <a:pPr lvl="1"/>
-            <a:r>
-              <a:rPr lang="en-US" dirty="0"/>
-              <a:t>Publish new template</a:t>
-            </a:r>
-          </a:p>
-        </p:txBody>
-      </p:sp>
-    </p:spTree>
-    <p:extLst>
-      <p:ext uri="{BB962C8B-B14F-4D97-AF65-F5344CB8AC3E}">
-        <p14:creationId xmlns:p14="http://schemas.microsoft.com/office/powerpoint/2010/main" val="804898301"/>
       </p:ext>
     </p:extLst>
   </p:cSld>

--- a/lectures/infrastructure-week-10.pptx
+++ b/lectures/infrastructure-week-10.pptx
@@ -161,6 +161,9 @@
           </p15:clr>
         </p15:guide>
       </p15:sldGuideLst>
+    </p:ext>
+    <p:ext uri="{2D200454-40CA-4A62-9FC3-DE9A4176ACB9}">
+      <p15:notesGuideLst xmlns:p15="http://schemas.microsoft.com/office/powerpoint/2012/main"/>
     </p:ext>
   </p:extLst>
 </p:presentation>
@@ -3157,7 +3160,7 @@
           <a:p>
             <a:fld id="{EAA08BAD-04ED-244C-92B6-E3671520D864}" type="datetimeFigureOut">
               <a:rPr lang="en-US" smtClean="0"/>
-              <a:t>7/9/19</a:t>
+              <a:t>7/20/19</a:t>
             </a:fld>
             <a:endParaRPr lang="en-US"/>
           </a:p>
@@ -4256,7 +4259,7 @@
           <a:p>
             <a:fld id="{972605B8-2E90-124E-924E-6F58993143C6}" type="datetimeFigureOut">
               <a:rPr lang="en-US" smtClean="0"/>
-              <a:t>7/9/19</a:t>
+              <a:t>7/20/19</a:t>
             </a:fld>
             <a:endParaRPr lang="en-US"/>
           </a:p>
@@ -4424,7 +4427,7 @@
           <a:p>
             <a:fld id="{972605B8-2E90-124E-924E-6F58993143C6}" type="datetimeFigureOut">
               <a:rPr lang="en-US" smtClean="0"/>
-              <a:t>7/9/19</a:t>
+              <a:t>7/20/19</a:t>
             </a:fld>
             <a:endParaRPr lang="en-US"/>
           </a:p>
@@ -4602,7 +4605,7 @@
           <a:p>
             <a:fld id="{972605B8-2E90-124E-924E-6F58993143C6}" type="datetimeFigureOut">
               <a:rPr lang="en-US" smtClean="0"/>
-              <a:t>7/9/19</a:t>
+              <a:t>7/20/19</a:t>
             </a:fld>
             <a:endParaRPr lang="en-US"/>
           </a:p>
@@ -4770,7 +4773,7 @@
           <a:p>
             <a:fld id="{972605B8-2E90-124E-924E-6F58993143C6}" type="datetimeFigureOut">
               <a:rPr lang="en-US" smtClean="0"/>
-              <a:t>7/9/19</a:t>
+              <a:t>7/20/19</a:t>
             </a:fld>
             <a:endParaRPr lang="en-US"/>
           </a:p>
@@ -5015,7 +5018,7 @@
           <a:p>
             <a:fld id="{972605B8-2E90-124E-924E-6F58993143C6}" type="datetimeFigureOut">
               <a:rPr lang="en-US" smtClean="0"/>
-              <a:t>7/9/19</a:t>
+              <a:t>7/20/19</a:t>
             </a:fld>
             <a:endParaRPr lang="en-US"/>
           </a:p>
@@ -5300,7 +5303,7 @@
           <a:p>
             <a:fld id="{972605B8-2E90-124E-924E-6F58993143C6}" type="datetimeFigureOut">
               <a:rPr lang="en-US" smtClean="0"/>
-              <a:t>7/9/19</a:t>
+              <a:t>7/20/19</a:t>
             </a:fld>
             <a:endParaRPr lang="en-US"/>
           </a:p>
@@ -5719,7 +5722,7 @@
           <a:p>
             <a:fld id="{972605B8-2E90-124E-924E-6F58993143C6}" type="datetimeFigureOut">
               <a:rPr lang="en-US" smtClean="0"/>
-              <a:t>7/9/19</a:t>
+              <a:t>7/20/19</a:t>
             </a:fld>
             <a:endParaRPr lang="en-US"/>
           </a:p>
@@ -5836,7 +5839,7 @@
           <a:p>
             <a:fld id="{972605B8-2E90-124E-924E-6F58993143C6}" type="datetimeFigureOut">
               <a:rPr lang="en-US" smtClean="0"/>
-              <a:t>7/9/19</a:t>
+              <a:t>7/20/19</a:t>
             </a:fld>
             <a:endParaRPr lang="en-US"/>
           </a:p>
@@ -5931,7 +5934,7 @@
           <a:p>
             <a:fld id="{972605B8-2E90-124E-924E-6F58993143C6}" type="datetimeFigureOut">
               <a:rPr lang="en-US" smtClean="0"/>
-              <a:t>7/9/19</a:t>
+              <a:t>7/20/19</a:t>
             </a:fld>
             <a:endParaRPr lang="en-US"/>
           </a:p>
@@ -6206,7 +6209,7 @@
           <a:p>
             <a:fld id="{972605B8-2E90-124E-924E-6F58993143C6}" type="datetimeFigureOut">
               <a:rPr lang="en-US" smtClean="0"/>
-              <a:t>7/9/19</a:t>
+              <a:t>7/20/19</a:t>
             </a:fld>
             <a:endParaRPr lang="en-US"/>
           </a:p>
@@ -6458,7 +6461,7 @@
           <a:p>
             <a:fld id="{972605B8-2E90-124E-924E-6F58993143C6}" type="datetimeFigureOut">
               <a:rPr lang="en-US" smtClean="0"/>
-              <a:t>7/9/19</a:t>
+              <a:t>7/20/19</a:t>
             </a:fld>
             <a:endParaRPr lang="en-US"/>
           </a:p>
@@ -6669,7 +6672,7 @@
           <a:p>
             <a:fld id="{972605B8-2E90-124E-924E-6F58993143C6}" type="datetimeFigureOut">
               <a:rPr lang="en-US" smtClean="0"/>
-              <a:t>7/9/19</a:t>
+              <a:t>7/20/19</a:t>
             </a:fld>
             <a:endParaRPr lang="en-US"/>
           </a:p>
@@ -10478,6 +10481,42 @@
           </a:p>
         </p:txBody>
       </p:sp>
+      <p:pic>
+        <p:nvPicPr>
+          <p:cNvPr id="6" name="Graphic 5">
+            <a:extLst>
+              <a:ext uri="{FF2B5EF4-FFF2-40B4-BE49-F238E27FC236}">
+                <a16:creationId xmlns:a16="http://schemas.microsoft.com/office/drawing/2014/main" id="{11C88377-D4E9-B746-9A3A-1075140371F5}"/>
+              </a:ext>
+            </a:extLst>
+          </p:cNvPr>
+          <p:cNvPicPr>
+            <a:picLocks noChangeAspect="1"/>
+          </p:cNvPicPr>
+          <p:nvPr/>
+        </p:nvPicPr>
+        <p:blipFill>
+          <a:blip r:embed="rId2">
+            <a:extLst>
+              <a:ext uri="{96DAC541-7B7A-43D3-8B79-37D633B846F1}">
+                <asvg:svgBlip xmlns:asvg="http://schemas.microsoft.com/office/drawing/2016/SVG/main" r:embed="rId3"/>
+              </a:ext>
+            </a:extLst>
+          </a:blip>
+          <a:stretch>
+            <a:fillRect/>
+          </a:stretch>
+        </p:blipFill>
+        <p:spPr>
+          <a:xfrm>
+            <a:off x="7750736" y="370738"/>
+            <a:ext cx="1046900" cy="1046900"/>
+          </a:xfrm>
+          <a:prstGeom prst="rect">
+            <a:avLst/>
+          </a:prstGeom>
+        </p:spPr>
+      </p:pic>
     </p:spTree>
     <p:extLst>
       <p:ext uri="{BB962C8B-B14F-4D97-AF65-F5344CB8AC3E}">
@@ -11984,6 +12023,42 @@
           </a:p>
         </p:txBody>
       </p:sp>
+      <p:pic>
+        <p:nvPicPr>
+          <p:cNvPr id="4" name="Graphic 3">
+            <a:extLst>
+              <a:ext uri="{FF2B5EF4-FFF2-40B4-BE49-F238E27FC236}">
+                <a16:creationId xmlns:a16="http://schemas.microsoft.com/office/drawing/2014/main" id="{956467BF-53BB-5647-AE39-F63677D733F3}"/>
+              </a:ext>
+            </a:extLst>
+          </p:cNvPr>
+          <p:cNvPicPr>
+            <a:picLocks noChangeAspect="1"/>
+          </p:cNvPicPr>
+          <p:nvPr/>
+        </p:nvPicPr>
+        <p:blipFill>
+          <a:blip r:embed="rId2">
+            <a:extLst>
+              <a:ext uri="{96DAC541-7B7A-43D3-8B79-37D633B846F1}">
+                <asvg:svgBlip xmlns:asvg="http://schemas.microsoft.com/office/drawing/2016/SVG/main" r:embed="rId3"/>
+              </a:ext>
+            </a:extLst>
+          </a:blip>
+          <a:stretch>
+            <a:fillRect/>
+          </a:stretch>
+        </p:blipFill>
+        <p:spPr>
+          <a:xfrm>
+            <a:off x="7712150" y="358813"/>
+            <a:ext cx="974650" cy="974650"/>
+          </a:xfrm>
+          <a:prstGeom prst="rect">
+            <a:avLst/>
+          </a:prstGeom>
+        </p:spPr>
+      </p:pic>
     </p:spTree>
     <p:extLst>
       <p:ext uri="{BB962C8B-B14F-4D97-AF65-F5344CB8AC3E}">

--- a/lectures/infrastructure-week-10.pptx
+++ b/lectures/infrastructure-week-10.pptx
@@ -3160,7 +3160,7 @@
           <a:p>
             <a:fld id="{EAA08BAD-04ED-244C-92B6-E3671520D864}" type="datetimeFigureOut">
               <a:rPr lang="en-US" smtClean="0"/>
-              <a:t>7/20/19</a:t>
+              <a:t>11/2/19</a:t>
             </a:fld>
             <a:endParaRPr lang="en-US"/>
           </a:p>
@@ -4259,7 +4259,7 @@
           <a:p>
             <a:fld id="{972605B8-2E90-124E-924E-6F58993143C6}" type="datetimeFigureOut">
               <a:rPr lang="en-US" smtClean="0"/>
-              <a:t>7/20/19</a:t>
+              <a:t>11/2/19</a:t>
             </a:fld>
             <a:endParaRPr lang="en-US"/>
           </a:p>
@@ -4427,7 +4427,7 @@
           <a:p>
             <a:fld id="{972605B8-2E90-124E-924E-6F58993143C6}" type="datetimeFigureOut">
               <a:rPr lang="en-US" smtClean="0"/>
-              <a:t>7/20/19</a:t>
+              <a:t>11/2/19</a:t>
             </a:fld>
             <a:endParaRPr lang="en-US"/>
           </a:p>
@@ -4605,7 +4605,7 @@
           <a:p>
             <a:fld id="{972605B8-2E90-124E-924E-6F58993143C6}" type="datetimeFigureOut">
               <a:rPr lang="en-US" smtClean="0"/>
-              <a:t>7/20/19</a:t>
+              <a:t>11/2/19</a:t>
             </a:fld>
             <a:endParaRPr lang="en-US"/>
           </a:p>
@@ -4773,7 +4773,7 @@
           <a:p>
             <a:fld id="{972605B8-2E90-124E-924E-6F58993143C6}" type="datetimeFigureOut">
               <a:rPr lang="en-US" smtClean="0"/>
-              <a:t>7/20/19</a:t>
+              <a:t>11/2/19</a:t>
             </a:fld>
             <a:endParaRPr lang="en-US"/>
           </a:p>
@@ -5018,7 +5018,7 @@
           <a:p>
             <a:fld id="{972605B8-2E90-124E-924E-6F58993143C6}" type="datetimeFigureOut">
               <a:rPr lang="en-US" smtClean="0"/>
-              <a:t>7/20/19</a:t>
+              <a:t>11/2/19</a:t>
             </a:fld>
             <a:endParaRPr lang="en-US"/>
           </a:p>
@@ -5303,7 +5303,7 @@
           <a:p>
             <a:fld id="{972605B8-2E90-124E-924E-6F58993143C6}" type="datetimeFigureOut">
               <a:rPr lang="en-US" smtClean="0"/>
-              <a:t>7/20/19</a:t>
+              <a:t>11/2/19</a:t>
             </a:fld>
             <a:endParaRPr lang="en-US"/>
           </a:p>
@@ -5722,7 +5722,7 @@
           <a:p>
             <a:fld id="{972605B8-2E90-124E-924E-6F58993143C6}" type="datetimeFigureOut">
               <a:rPr lang="en-US" smtClean="0"/>
-              <a:t>7/20/19</a:t>
+              <a:t>11/2/19</a:t>
             </a:fld>
             <a:endParaRPr lang="en-US"/>
           </a:p>
@@ -5839,7 +5839,7 @@
           <a:p>
             <a:fld id="{972605B8-2E90-124E-924E-6F58993143C6}" type="datetimeFigureOut">
               <a:rPr lang="en-US" smtClean="0"/>
-              <a:t>7/20/19</a:t>
+              <a:t>11/2/19</a:t>
             </a:fld>
             <a:endParaRPr lang="en-US"/>
           </a:p>
@@ -5934,7 +5934,7 @@
           <a:p>
             <a:fld id="{972605B8-2E90-124E-924E-6F58993143C6}" type="datetimeFigureOut">
               <a:rPr lang="en-US" smtClean="0"/>
-              <a:t>7/20/19</a:t>
+              <a:t>11/2/19</a:t>
             </a:fld>
             <a:endParaRPr lang="en-US"/>
           </a:p>
@@ -6209,7 +6209,7 @@
           <a:p>
             <a:fld id="{972605B8-2E90-124E-924E-6F58993143C6}" type="datetimeFigureOut">
               <a:rPr lang="en-US" smtClean="0"/>
-              <a:t>7/20/19</a:t>
+              <a:t>11/2/19</a:t>
             </a:fld>
             <a:endParaRPr lang="en-US"/>
           </a:p>
@@ -6461,7 +6461,7 @@
           <a:p>
             <a:fld id="{972605B8-2E90-124E-924E-6F58993143C6}" type="datetimeFigureOut">
               <a:rPr lang="en-US" smtClean="0"/>
-              <a:t>7/20/19</a:t>
+              <a:t>11/2/19</a:t>
             </a:fld>
             <a:endParaRPr lang="en-US"/>
           </a:p>
@@ -6672,7 +6672,7 @@
           <a:p>
             <a:fld id="{972605B8-2E90-124E-924E-6F58993143C6}" type="datetimeFigureOut">
               <a:rPr lang="en-US" smtClean="0"/>
-              <a:t>7/20/19</a:t>
+              <a:t>11/2/19</a:t>
             </a:fld>
             <a:endParaRPr lang="en-US"/>
           </a:p>
@@ -9735,7 +9735,7 @@
           <a:p>
             <a:r>
               <a:rPr lang="en-US" dirty="0" err="1"/>
-              <a:t>CodedBuild</a:t>
+              <a:t>CodeBuild</a:t>
             </a:r>
             <a:r>
               <a:rPr lang="en-US" dirty="0"/>
@@ -11157,7 +11157,7 @@
         <p:spPr/>
         <p:txBody>
           <a:bodyPr>
-            <a:normAutofit/>
+            <a:normAutofit fontScale="92500" lnSpcReduction="20000"/>
           </a:bodyPr>
           <a:lstStyle/>
           <a:p>
@@ -11179,10 +11179,23 @@
           </a:p>
           <a:p>
             <a:pPr lvl="1"/>
-            <a:r>
-              <a:rPr lang="en-US" dirty="0"/>
-              <a:t>Maps application files to destinations on the instance.</a:t>
-            </a:r>
+            <a:endParaRPr lang="en-US" dirty="0"/>
+          </a:p>
+          <a:p>
+            <a:pPr lvl="1"/>
+            <a:r>
+              <a:rPr lang="en-US" dirty="0"/>
+              <a:t>Describes where to install application files </a:t>
+            </a:r>
+            <a:r>
+              <a:rPr lang="en-US"/>
+              <a:t>on destination instances.</a:t>
+            </a:r>
+            <a:endParaRPr lang="en-US" dirty="0"/>
+          </a:p>
+          <a:p>
+            <a:pPr lvl="1"/>
+            <a:endParaRPr lang="en-US" dirty="0"/>
           </a:p>
           <a:p>
             <a:pPr lvl="1"/>
@@ -11190,6 +11203,10 @@
               <a:rPr lang="en-US" dirty="0"/>
               <a:t>Specifies custom permissions for deployed files.</a:t>
             </a:r>
+          </a:p>
+          <a:p>
+            <a:pPr lvl="1"/>
+            <a:endParaRPr lang="en-US" dirty="0"/>
           </a:p>
           <a:p>
             <a:pPr lvl="1"/>
@@ -11739,9 +11756,12 @@
           <a:p>
             <a:pPr lvl="1"/>
             <a:r>
-              <a:rPr lang="en-US" dirty="0"/>
+              <a:rPr lang="en-US" dirty="0">
+                <a:hlinkClick r:id="rId3"/>
+              </a:rPr>
               <a:t>https://seis665.s3.amazonaws.com/app-prod-env-template.json</a:t>
             </a:r>
+            <a:endParaRPr lang="en-US" dirty="0"/>
           </a:p>
           <a:p>
             <a:pPr lvl="1"/>
@@ -11758,8 +11778,18 @@
             </a:r>
             <a:r>
               <a:rPr lang="en-US" dirty="0"/>
-              <a:t> file to S3 artifact bucket in stack.</a:t>
-            </a:r>
+              <a:t> file to S3 artifact bucket in stack using encryption.</a:t>
+            </a:r>
+          </a:p>
+          <a:p>
+            <a:pPr lvl="1"/>
+            <a:r>
+              <a:rPr lang="en-US" u="sng" dirty="0">
+                <a:hlinkClick r:id="rId4"/>
+              </a:rPr>
+              <a:t>https://seis665.s3.amazonaws.com/website.zip</a:t>
+            </a:r>
+            <a:endParaRPr lang="en-US" dirty="0"/>
           </a:p>
           <a:p>
             <a:endParaRPr lang="en-US" dirty="0"/>
@@ -11810,25 +11840,43 @@
           <a:p>
             <a:r>
               <a:rPr lang="en-US" dirty="0"/>
-              <a:t>Of course we can always build this configuration using code!</a:t>
-            </a:r>
-          </a:p>
-          <a:p>
-            <a:pPr lvl="1"/>
-            <a:r>
-              <a:rPr lang="en-US" dirty="0"/>
+              <a:t>Of course we can </a:t>
+            </a:r>
+            <a:r>
+              <a:rPr lang="en-US" dirty="0">
+                <a:hlinkClick r:id="rId5"/>
+              </a:rPr>
+              <a:t>always</a:t>
+            </a:r>
+            <a:r>
+              <a:rPr lang="en-US" dirty="0"/>
+              <a:t> build this configuration using code!</a:t>
+            </a:r>
+          </a:p>
+          <a:p>
+            <a:pPr lvl="1"/>
+            <a:r>
+              <a:rPr lang="en-US" dirty="0">
+                <a:hlinkClick r:id="rId5"/>
+              </a:rPr>
               <a:t>https://seis665.s3.amazonaws.com/app-</a:t>
             </a:r>
             <a:r>
-              <a:rPr lang="en-US" dirty="0" err="1"/>
+              <a:rPr lang="en-US" dirty="0" err="1">
+                <a:hlinkClick r:id="rId5"/>
+              </a:rPr>
               <a:t>codedeploy</a:t>
             </a:r>
             <a:r>
-              <a:rPr lang="en-US" dirty="0"/>
+              <a:rPr lang="en-US" dirty="0">
+                <a:hlinkClick r:id="rId5"/>
+              </a:rPr>
               <a:t>-</a:t>
             </a:r>
             <a:r>
-              <a:rPr lang="en-US" dirty="0" err="1"/>
+              <a:rPr lang="en-US" dirty="0" err="1">
+                <a:hlinkClick r:id="rId5"/>
+              </a:rPr>
               <a:t>template.json</a:t>
             </a:r>
             <a:endParaRPr lang="en-US" dirty="0"/>
@@ -11850,7 +11898,7 @@
           <p:nvPr/>
         </p:nvPicPr>
         <p:blipFill>
-          <a:blip r:embed="rId3"/>
+          <a:blip r:embed="rId6"/>
           <a:stretch>
             <a:fillRect/>
           </a:stretch>

--- a/lectures/infrastructure-week-10.pptx
+++ b/lectures/infrastructure-week-10.pptx
@@ -3160,7 +3160,7 @@
           <a:p>
             <a:fld id="{EAA08BAD-04ED-244C-92B6-E3671520D864}" type="datetimeFigureOut">
               <a:rPr lang="en-US" smtClean="0"/>
-              <a:t>11/2/19</a:t>
+              <a:t>8/10/20</a:t>
             </a:fld>
             <a:endParaRPr lang="en-US"/>
           </a:p>
@@ -4259,7 +4259,7 @@
           <a:p>
             <a:fld id="{972605B8-2E90-124E-924E-6F58993143C6}" type="datetimeFigureOut">
               <a:rPr lang="en-US" smtClean="0"/>
-              <a:t>11/2/19</a:t>
+              <a:t>8/10/20</a:t>
             </a:fld>
             <a:endParaRPr lang="en-US"/>
           </a:p>
@@ -4427,7 +4427,7 @@
           <a:p>
             <a:fld id="{972605B8-2E90-124E-924E-6F58993143C6}" type="datetimeFigureOut">
               <a:rPr lang="en-US" smtClean="0"/>
-              <a:t>11/2/19</a:t>
+              <a:t>8/10/20</a:t>
             </a:fld>
             <a:endParaRPr lang="en-US"/>
           </a:p>
@@ -4605,7 +4605,7 @@
           <a:p>
             <a:fld id="{972605B8-2E90-124E-924E-6F58993143C6}" type="datetimeFigureOut">
               <a:rPr lang="en-US" smtClean="0"/>
-              <a:t>11/2/19</a:t>
+              <a:t>8/10/20</a:t>
             </a:fld>
             <a:endParaRPr lang="en-US"/>
           </a:p>
@@ -4773,7 +4773,7 @@
           <a:p>
             <a:fld id="{972605B8-2E90-124E-924E-6F58993143C6}" type="datetimeFigureOut">
               <a:rPr lang="en-US" smtClean="0"/>
-              <a:t>11/2/19</a:t>
+              <a:t>8/10/20</a:t>
             </a:fld>
             <a:endParaRPr lang="en-US"/>
           </a:p>
@@ -5018,7 +5018,7 @@
           <a:p>
             <a:fld id="{972605B8-2E90-124E-924E-6F58993143C6}" type="datetimeFigureOut">
               <a:rPr lang="en-US" smtClean="0"/>
-              <a:t>11/2/19</a:t>
+              <a:t>8/10/20</a:t>
             </a:fld>
             <a:endParaRPr lang="en-US"/>
           </a:p>
@@ -5303,7 +5303,7 @@
           <a:p>
             <a:fld id="{972605B8-2E90-124E-924E-6F58993143C6}" type="datetimeFigureOut">
               <a:rPr lang="en-US" smtClean="0"/>
-              <a:t>11/2/19</a:t>
+              <a:t>8/10/20</a:t>
             </a:fld>
             <a:endParaRPr lang="en-US"/>
           </a:p>
@@ -5722,7 +5722,7 @@
           <a:p>
             <a:fld id="{972605B8-2E90-124E-924E-6F58993143C6}" type="datetimeFigureOut">
               <a:rPr lang="en-US" smtClean="0"/>
-              <a:t>11/2/19</a:t>
+              <a:t>8/10/20</a:t>
             </a:fld>
             <a:endParaRPr lang="en-US"/>
           </a:p>
@@ -5839,7 +5839,7 @@
           <a:p>
             <a:fld id="{972605B8-2E90-124E-924E-6F58993143C6}" type="datetimeFigureOut">
               <a:rPr lang="en-US" smtClean="0"/>
-              <a:t>11/2/19</a:t>
+              <a:t>8/10/20</a:t>
             </a:fld>
             <a:endParaRPr lang="en-US"/>
           </a:p>
@@ -5934,7 +5934,7 @@
           <a:p>
             <a:fld id="{972605B8-2E90-124E-924E-6F58993143C6}" type="datetimeFigureOut">
               <a:rPr lang="en-US" smtClean="0"/>
-              <a:t>11/2/19</a:t>
+              <a:t>8/10/20</a:t>
             </a:fld>
             <a:endParaRPr lang="en-US"/>
           </a:p>
@@ -6209,7 +6209,7 @@
           <a:p>
             <a:fld id="{972605B8-2E90-124E-924E-6F58993143C6}" type="datetimeFigureOut">
               <a:rPr lang="en-US" smtClean="0"/>
-              <a:t>11/2/19</a:t>
+              <a:t>8/10/20</a:t>
             </a:fld>
             <a:endParaRPr lang="en-US"/>
           </a:p>
@@ -6461,7 +6461,7 @@
           <a:p>
             <a:fld id="{972605B8-2E90-124E-924E-6F58993143C6}" type="datetimeFigureOut">
               <a:rPr lang="en-US" smtClean="0"/>
-              <a:t>11/2/19</a:t>
+              <a:t>8/10/20</a:t>
             </a:fld>
             <a:endParaRPr lang="en-US"/>
           </a:p>
@@ -6672,7 +6672,7 @@
           <a:p>
             <a:fld id="{972605B8-2E90-124E-924E-6F58993143C6}" type="datetimeFigureOut">
               <a:rPr lang="en-US" smtClean="0"/>
-              <a:t>11/2/19</a:t>
+              <a:t>8/10/20</a:t>
             </a:fld>
             <a:endParaRPr lang="en-US"/>
           </a:p>
@@ -7077,8 +7077,8 @@
               <a:rPr lang="en-US" sz="3600" dirty="0"/>
             </a:br>
             <a:r>
-              <a:rPr lang="en-US" sz="3600" dirty="0"/>
-              <a:t>SEIS 665</a:t>
+              <a:rPr lang="en-US" sz="3600"/>
+              <a:t>SEIS 615</a:t>
             </a:r>
             <a:br>
               <a:rPr lang="en-US" sz="3600" dirty="0"/>

--- a/lectures/infrastructure-week-10.pptx
+++ b/lectures/infrastructure-week-10.pptx
@@ -3160,7 +3160,7 @@
           <a:p>
             <a:fld id="{EAA08BAD-04ED-244C-92B6-E3671520D864}" type="datetimeFigureOut">
               <a:rPr lang="en-US" smtClean="0"/>
-              <a:t>8/10/20</a:t>
+              <a:t>11/17/20</a:t>
             </a:fld>
             <a:endParaRPr lang="en-US"/>
           </a:p>
@@ -4259,7 +4259,7 @@
           <a:p>
             <a:fld id="{972605B8-2E90-124E-924E-6F58993143C6}" type="datetimeFigureOut">
               <a:rPr lang="en-US" smtClean="0"/>
-              <a:t>8/10/20</a:t>
+              <a:t>11/17/20</a:t>
             </a:fld>
             <a:endParaRPr lang="en-US"/>
           </a:p>
@@ -4427,7 +4427,7 @@
           <a:p>
             <a:fld id="{972605B8-2E90-124E-924E-6F58993143C6}" type="datetimeFigureOut">
               <a:rPr lang="en-US" smtClean="0"/>
-              <a:t>8/10/20</a:t>
+              <a:t>11/17/20</a:t>
             </a:fld>
             <a:endParaRPr lang="en-US"/>
           </a:p>
@@ -4605,7 +4605,7 @@
           <a:p>
             <a:fld id="{972605B8-2E90-124E-924E-6F58993143C6}" type="datetimeFigureOut">
               <a:rPr lang="en-US" smtClean="0"/>
-              <a:t>8/10/20</a:t>
+              <a:t>11/17/20</a:t>
             </a:fld>
             <a:endParaRPr lang="en-US"/>
           </a:p>
@@ -4773,7 +4773,7 @@
           <a:p>
             <a:fld id="{972605B8-2E90-124E-924E-6F58993143C6}" type="datetimeFigureOut">
               <a:rPr lang="en-US" smtClean="0"/>
-              <a:t>8/10/20</a:t>
+              <a:t>11/17/20</a:t>
             </a:fld>
             <a:endParaRPr lang="en-US"/>
           </a:p>
@@ -5018,7 +5018,7 @@
           <a:p>
             <a:fld id="{972605B8-2E90-124E-924E-6F58993143C6}" type="datetimeFigureOut">
               <a:rPr lang="en-US" smtClean="0"/>
-              <a:t>8/10/20</a:t>
+              <a:t>11/17/20</a:t>
             </a:fld>
             <a:endParaRPr lang="en-US"/>
           </a:p>
@@ -5303,7 +5303,7 @@
           <a:p>
             <a:fld id="{972605B8-2E90-124E-924E-6F58993143C6}" type="datetimeFigureOut">
               <a:rPr lang="en-US" smtClean="0"/>
-              <a:t>8/10/20</a:t>
+              <a:t>11/17/20</a:t>
             </a:fld>
             <a:endParaRPr lang="en-US"/>
           </a:p>
@@ -5722,7 +5722,7 @@
           <a:p>
             <a:fld id="{972605B8-2E90-124E-924E-6F58993143C6}" type="datetimeFigureOut">
               <a:rPr lang="en-US" smtClean="0"/>
-              <a:t>8/10/20</a:t>
+              <a:t>11/17/20</a:t>
             </a:fld>
             <a:endParaRPr lang="en-US"/>
           </a:p>
@@ -5839,7 +5839,7 @@
           <a:p>
             <a:fld id="{972605B8-2E90-124E-924E-6F58993143C6}" type="datetimeFigureOut">
               <a:rPr lang="en-US" smtClean="0"/>
-              <a:t>8/10/20</a:t>
+              <a:t>11/17/20</a:t>
             </a:fld>
             <a:endParaRPr lang="en-US"/>
           </a:p>
@@ -5934,7 +5934,7 @@
           <a:p>
             <a:fld id="{972605B8-2E90-124E-924E-6F58993143C6}" type="datetimeFigureOut">
               <a:rPr lang="en-US" smtClean="0"/>
-              <a:t>8/10/20</a:t>
+              <a:t>11/17/20</a:t>
             </a:fld>
             <a:endParaRPr lang="en-US"/>
           </a:p>
@@ -6209,7 +6209,7 @@
           <a:p>
             <a:fld id="{972605B8-2E90-124E-924E-6F58993143C6}" type="datetimeFigureOut">
               <a:rPr lang="en-US" smtClean="0"/>
-              <a:t>8/10/20</a:t>
+              <a:t>11/17/20</a:t>
             </a:fld>
             <a:endParaRPr lang="en-US"/>
           </a:p>
@@ -6461,7 +6461,7 @@
           <a:p>
             <a:fld id="{972605B8-2E90-124E-924E-6F58993143C6}" type="datetimeFigureOut">
               <a:rPr lang="en-US" smtClean="0"/>
-              <a:t>8/10/20</a:t>
+              <a:t>11/17/20</a:t>
             </a:fld>
             <a:endParaRPr lang="en-US"/>
           </a:p>
@@ -6672,7 +6672,7 @@
           <a:p>
             <a:fld id="{972605B8-2E90-124E-924E-6F58993143C6}" type="datetimeFigureOut">
               <a:rPr lang="en-US" smtClean="0"/>
-              <a:t>8/10/20</a:t>
+              <a:t>11/17/20</a:t>
             </a:fld>
             <a:endParaRPr lang="en-US"/>
           </a:p>
@@ -10065,7 +10065,7 @@
               <a:rPr lang="en-US" dirty="0">
                 <a:hlinkClick r:id="rId3"/>
               </a:rPr>
-              <a:t>https://github.com/seis665/java-project</a:t>
+              <a:t>https://github.com/seis615/java-project</a:t>
             </a:r>
             <a:endParaRPr lang="en-US" dirty="0"/>
           </a:p>
@@ -11759,7 +11759,7 @@
               <a:rPr lang="en-US" dirty="0">
                 <a:hlinkClick r:id="rId3"/>
               </a:rPr>
-              <a:t>https://seis665.s3.amazonaws.com/app-prod-env-template.json</a:t>
+              <a:t>https://seis615.s3.amazonaws.com/app-prod-env-template.json</a:t>
             </a:r>
             <a:endParaRPr lang="en-US" dirty="0"/>
           </a:p>
@@ -11787,7 +11787,7 @@
               <a:rPr lang="en-US" u="sng" dirty="0">
                 <a:hlinkClick r:id="rId4"/>
               </a:rPr>
-              <a:t>https://seis665.s3.amazonaws.com/website.zip</a:t>
+              <a:t>https://seis615.s3.amazonaws.com/website.zip</a:t>
             </a:r>
             <a:endParaRPr lang="en-US" dirty="0"/>
           </a:p>
@@ -11857,27 +11857,9 @@
             <a:pPr lvl="1"/>
             <a:r>
               <a:rPr lang="en-US" dirty="0">
-                <a:hlinkClick r:id="rId5"/>
+                <a:hlinkClick r:id="rId6"/>
               </a:rPr>
-              <a:t>https://seis665.s3.amazonaws.com/app-</a:t>
-            </a:r>
-            <a:r>
-              <a:rPr lang="en-US" dirty="0" err="1">
-                <a:hlinkClick r:id="rId5"/>
-              </a:rPr>
-              <a:t>codedeploy</a:t>
-            </a:r>
-            <a:r>
-              <a:rPr lang="en-US" dirty="0">
-                <a:hlinkClick r:id="rId5"/>
-              </a:rPr>
-              <a:t>-</a:t>
-            </a:r>
-            <a:r>
-              <a:rPr lang="en-US" dirty="0" err="1">
-                <a:hlinkClick r:id="rId5"/>
-              </a:rPr>
-              <a:t>template.json</a:t>
+              <a:t>https://seis615.s3.amazonaws.com/app-codedeploy-template.json</a:t>
             </a:r>
             <a:endParaRPr lang="en-US" dirty="0"/>
           </a:p>
@@ -11898,7 +11880,7 @@
           <p:nvPr/>
         </p:nvPicPr>
         <p:blipFill>
-          <a:blip r:embed="rId6"/>
+          <a:blip r:embed="rId7"/>
           <a:stretch>
             <a:fillRect/>
           </a:stretch>
@@ -13103,7 +13085,7 @@
             </a:r>
             <a:r>
               <a:rPr lang="en-US" dirty="0"/>
-              <a:t>/seis665/python-project</a:t>
+              <a:t>/seis615/python-project</a:t>
             </a:r>
           </a:p>
           <a:p>
@@ -13156,7 +13138,7 @@
             <a:pPr lvl="1"/>
             <a:r>
               <a:rPr lang="en-US" dirty="0"/>
-              <a:t>https://seis665.s3.amazonaws.com/app-</a:t>
+              <a:t>https://seis615.s3.amazonaws.com/app-</a:t>
             </a:r>
             <a:r>
               <a:rPr lang="en-US" dirty="0" err="1"/>

--- a/lectures/infrastructure-week-10.pptx
+++ b/lectures/infrastructure-week-10.pptx
@@ -3160,7 +3160,7 @@
           <a:p>
             <a:fld id="{EAA08BAD-04ED-244C-92B6-E3671520D864}" type="datetimeFigureOut">
               <a:rPr lang="en-US" smtClean="0"/>
-              <a:t>11/17/20</a:t>
+              <a:t>9/5/21</a:t>
             </a:fld>
             <a:endParaRPr lang="en-US"/>
           </a:p>
@@ -4259,7 +4259,7 @@
           <a:p>
             <a:fld id="{972605B8-2E90-124E-924E-6F58993143C6}" type="datetimeFigureOut">
               <a:rPr lang="en-US" smtClean="0"/>
-              <a:t>11/17/20</a:t>
+              <a:t>9/5/21</a:t>
             </a:fld>
             <a:endParaRPr lang="en-US"/>
           </a:p>
@@ -4427,7 +4427,7 @@
           <a:p>
             <a:fld id="{972605B8-2E90-124E-924E-6F58993143C6}" type="datetimeFigureOut">
               <a:rPr lang="en-US" smtClean="0"/>
-              <a:t>11/17/20</a:t>
+              <a:t>9/5/21</a:t>
             </a:fld>
             <a:endParaRPr lang="en-US"/>
           </a:p>
@@ -4605,7 +4605,7 @@
           <a:p>
             <a:fld id="{972605B8-2E90-124E-924E-6F58993143C6}" type="datetimeFigureOut">
               <a:rPr lang="en-US" smtClean="0"/>
-              <a:t>11/17/20</a:t>
+              <a:t>9/5/21</a:t>
             </a:fld>
             <a:endParaRPr lang="en-US"/>
           </a:p>
@@ -4773,7 +4773,7 @@
           <a:p>
             <a:fld id="{972605B8-2E90-124E-924E-6F58993143C6}" type="datetimeFigureOut">
               <a:rPr lang="en-US" smtClean="0"/>
-              <a:t>11/17/20</a:t>
+              <a:t>9/5/21</a:t>
             </a:fld>
             <a:endParaRPr lang="en-US"/>
           </a:p>
@@ -5018,7 +5018,7 @@
           <a:p>
             <a:fld id="{972605B8-2E90-124E-924E-6F58993143C6}" type="datetimeFigureOut">
               <a:rPr lang="en-US" smtClean="0"/>
-              <a:t>11/17/20</a:t>
+              <a:t>9/5/21</a:t>
             </a:fld>
             <a:endParaRPr lang="en-US"/>
           </a:p>
@@ -5303,7 +5303,7 @@
           <a:p>
             <a:fld id="{972605B8-2E90-124E-924E-6F58993143C6}" type="datetimeFigureOut">
               <a:rPr lang="en-US" smtClean="0"/>
-              <a:t>11/17/20</a:t>
+              <a:t>9/5/21</a:t>
             </a:fld>
             <a:endParaRPr lang="en-US"/>
           </a:p>
@@ -5722,7 +5722,7 @@
           <a:p>
             <a:fld id="{972605B8-2E90-124E-924E-6F58993143C6}" type="datetimeFigureOut">
               <a:rPr lang="en-US" smtClean="0"/>
-              <a:t>11/17/20</a:t>
+              <a:t>9/5/21</a:t>
             </a:fld>
             <a:endParaRPr lang="en-US"/>
           </a:p>
@@ -5839,7 +5839,7 @@
           <a:p>
             <a:fld id="{972605B8-2E90-124E-924E-6F58993143C6}" type="datetimeFigureOut">
               <a:rPr lang="en-US" smtClean="0"/>
-              <a:t>11/17/20</a:t>
+              <a:t>9/5/21</a:t>
             </a:fld>
             <a:endParaRPr lang="en-US"/>
           </a:p>
@@ -5934,7 +5934,7 @@
           <a:p>
             <a:fld id="{972605B8-2E90-124E-924E-6F58993143C6}" type="datetimeFigureOut">
               <a:rPr lang="en-US" smtClean="0"/>
-              <a:t>11/17/20</a:t>
+              <a:t>9/5/21</a:t>
             </a:fld>
             <a:endParaRPr lang="en-US"/>
           </a:p>
@@ -6209,7 +6209,7 @@
           <a:p>
             <a:fld id="{972605B8-2E90-124E-924E-6F58993143C6}" type="datetimeFigureOut">
               <a:rPr lang="en-US" smtClean="0"/>
-              <a:t>11/17/20</a:t>
+              <a:t>9/5/21</a:t>
             </a:fld>
             <a:endParaRPr lang="en-US"/>
           </a:p>
@@ -6461,7 +6461,7 @@
           <a:p>
             <a:fld id="{972605B8-2E90-124E-924E-6F58993143C6}" type="datetimeFigureOut">
               <a:rPr lang="en-US" smtClean="0"/>
-              <a:t>11/17/20</a:t>
+              <a:t>9/5/21</a:t>
             </a:fld>
             <a:endParaRPr lang="en-US"/>
           </a:p>
@@ -6672,7 +6672,7 @@
           <a:p>
             <a:fld id="{972605B8-2E90-124E-924E-6F58993143C6}" type="datetimeFigureOut">
               <a:rPr lang="en-US" smtClean="0"/>
-              <a:t>11/17/20</a:t>
+              <a:t>9/5/21</a:t>
             </a:fld>
             <a:endParaRPr lang="en-US"/>
           </a:p>
@@ -8770,12 +8770,16 @@
               <a:t>We use a YAML file called </a:t>
             </a:r>
             <a:r>
-              <a:rPr lang="en-US" dirty="0" err="1"/>
+              <a:rPr lang="en-US" b="1" dirty="0" err="1"/>
               <a:t>buildspec.yml</a:t>
             </a:r>
             <a:r>
-              <a:rPr lang="en-US" dirty="0"/>
-              <a:t> located within the root directory of the source code repository to store the build spec.</a:t>
+              <a:rPr lang="en-US" b="1" dirty="0"/>
+              <a:t> </a:t>
+            </a:r>
+            <a:r>
+              <a:rPr lang="en-US" dirty="0"/>
+              <a:t>located within the root directory of the source code repository to store the build spec.</a:t>
             </a:r>
           </a:p>
         </p:txBody>
@@ -10286,7 +10290,7 @@
             </a:r>
             <a:r>
               <a:rPr lang="en-US" dirty="0" err="1"/>
-              <a:t>template.json</a:t>
+              <a:t>template.yaml</a:t>
             </a:r>
             <a:endParaRPr lang="en-US" dirty="0"/>
           </a:p>

--- a/lectures/infrastructure-week-10.pptx
+++ b/lectures/infrastructure-week-10.pptx
@@ -3160,7 +3160,7 @@
           <a:p>
             <a:fld id="{EAA08BAD-04ED-244C-92B6-E3671520D864}" type="datetimeFigureOut">
               <a:rPr lang="en-US" smtClean="0"/>
-              <a:t>9/5/21</a:t>
+              <a:t>11/7/21</a:t>
             </a:fld>
             <a:endParaRPr lang="en-US"/>
           </a:p>
@@ -4259,7 +4259,7 @@
           <a:p>
             <a:fld id="{972605B8-2E90-124E-924E-6F58993143C6}" type="datetimeFigureOut">
               <a:rPr lang="en-US" smtClean="0"/>
-              <a:t>9/5/21</a:t>
+              <a:t>11/7/21</a:t>
             </a:fld>
             <a:endParaRPr lang="en-US"/>
           </a:p>
@@ -4427,7 +4427,7 @@
           <a:p>
             <a:fld id="{972605B8-2E90-124E-924E-6F58993143C6}" type="datetimeFigureOut">
               <a:rPr lang="en-US" smtClean="0"/>
-              <a:t>9/5/21</a:t>
+              <a:t>11/7/21</a:t>
             </a:fld>
             <a:endParaRPr lang="en-US"/>
           </a:p>
@@ -4605,7 +4605,7 @@
           <a:p>
             <a:fld id="{972605B8-2E90-124E-924E-6F58993143C6}" type="datetimeFigureOut">
               <a:rPr lang="en-US" smtClean="0"/>
-              <a:t>9/5/21</a:t>
+              <a:t>11/7/21</a:t>
             </a:fld>
             <a:endParaRPr lang="en-US"/>
           </a:p>
@@ -4773,7 +4773,7 @@
           <a:p>
             <a:fld id="{972605B8-2E90-124E-924E-6F58993143C6}" type="datetimeFigureOut">
               <a:rPr lang="en-US" smtClean="0"/>
-              <a:t>9/5/21</a:t>
+              <a:t>11/7/21</a:t>
             </a:fld>
             <a:endParaRPr lang="en-US"/>
           </a:p>
@@ -5018,7 +5018,7 @@
           <a:p>
             <a:fld id="{972605B8-2E90-124E-924E-6F58993143C6}" type="datetimeFigureOut">
               <a:rPr lang="en-US" smtClean="0"/>
-              <a:t>9/5/21</a:t>
+              <a:t>11/7/21</a:t>
             </a:fld>
             <a:endParaRPr lang="en-US"/>
           </a:p>
@@ -5303,7 +5303,7 @@
           <a:p>
             <a:fld id="{972605B8-2E90-124E-924E-6F58993143C6}" type="datetimeFigureOut">
               <a:rPr lang="en-US" smtClean="0"/>
-              <a:t>9/5/21</a:t>
+              <a:t>11/7/21</a:t>
             </a:fld>
             <a:endParaRPr lang="en-US"/>
           </a:p>
@@ -5722,7 +5722,7 @@
           <a:p>
             <a:fld id="{972605B8-2E90-124E-924E-6F58993143C6}" type="datetimeFigureOut">
               <a:rPr lang="en-US" smtClean="0"/>
-              <a:t>9/5/21</a:t>
+              <a:t>11/7/21</a:t>
             </a:fld>
             <a:endParaRPr lang="en-US"/>
           </a:p>
@@ -5839,7 +5839,7 @@
           <a:p>
             <a:fld id="{972605B8-2E90-124E-924E-6F58993143C6}" type="datetimeFigureOut">
               <a:rPr lang="en-US" smtClean="0"/>
-              <a:t>9/5/21</a:t>
+              <a:t>11/7/21</a:t>
             </a:fld>
             <a:endParaRPr lang="en-US"/>
           </a:p>
@@ -5934,7 +5934,7 @@
           <a:p>
             <a:fld id="{972605B8-2E90-124E-924E-6F58993143C6}" type="datetimeFigureOut">
               <a:rPr lang="en-US" smtClean="0"/>
-              <a:t>9/5/21</a:t>
+              <a:t>11/7/21</a:t>
             </a:fld>
             <a:endParaRPr lang="en-US"/>
           </a:p>
@@ -6209,7 +6209,7 @@
           <a:p>
             <a:fld id="{972605B8-2E90-124E-924E-6F58993143C6}" type="datetimeFigureOut">
               <a:rPr lang="en-US" smtClean="0"/>
-              <a:t>9/5/21</a:t>
+              <a:t>11/7/21</a:t>
             </a:fld>
             <a:endParaRPr lang="en-US"/>
           </a:p>
@@ -6461,7 +6461,7 @@
           <a:p>
             <a:fld id="{972605B8-2E90-124E-924E-6F58993143C6}" type="datetimeFigureOut">
               <a:rPr lang="en-US" smtClean="0"/>
-              <a:t>9/5/21</a:t>
+              <a:t>11/7/21</a:t>
             </a:fld>
             <a:endParaRPr lang="en-US"/>
           </a:p>
@@ -6672,7 +6672,7 @@
           <a:p>
             <a:fld id="{972605B8-2E90-124E-924E-6F58993143C6}" type="datetimeFigureOut">
               <a:rPr lang="en-US" smtClean="0"/>
-              <a:t>9/5/21</a:t>
+              <a:t>11/7/21</a:t>
             </a:fld>
             <a:endParaRPr lang="en-US"/>
           </a:p>
@@ -10020,7 +10020,7 @@
         </p:spPr>
         <p:txBody>
           <a:bodyPr>
-            <a:normAutofit fontScale="92500" lnSpcReduction="20000"/>
+            <a:normAutofit fontScale="70000" lnSpcReduction="20000"/>
           </a:bodyPr>
           <a:lstStyle/>
           <a:p>
@@ -10082,7 +10082,53 @@
           <a:p>
             <a:r>
               <a:rPr lang="en-US" dirty="0"/>
-              <a:t>Create an output artifact S3 bucket.</a:t>
+              <a:t>Create a GitHub personal access token with:</a:t>
+            </a:r>
+          </a:p>
+          <a:p>
+            <a:pPr lvl="1"/>
+            <a:r>
+              <a:rPr lang="en-US" dirty="0"/>
+              <a:t>Repo and </a:t>
+            </a:r>
+            <a:r>
+              <a:rPr lang="en-US" dirty="0" err="1"/>
+              <a:t>admin:repo_hook</a:t>
+            </a:r>
+            <a:r>
+              <a:rPr lang="en-US" dirty="0"/>
+              <a:t> scope privileges</a:t>
+            </a:r>
+          </a:p>
+          <a:p>
+            <a:endParaRPr lang="en-US" dirty="0"/>
+          </a:p>
+          <a:p>
+            <a:r>
+              <a:rPr lang="en-US" dirty="0"/>
+              <a:t>Create a secret in AWS Secrets Manager:</a:t>
+            </a:r>
+          </a:p>
+          <a:p>
+            <a:pPr lvl="1"/>
+            <a:r>
+              <a:rPr lang="en-US" dirty="0"/>
+              <a:t>Name: </a:t>
+            </a:r>
+            <a:r>
+              <a:rPr lang="en-US" dirty="0" err="1"/>
+              <a:t>github</a:t>
+            </a:r>
+            <a:r>
+              <a:rPr lang="en-US" dirty="0"/>
+              <a:t>-token</a:t>
+            </a:r>
+          </a:p>
+          <a:p>
+            <a:pPr lvl="1"/>
+            <a:r>
+              <a:rPr lang="en-US" dirty="0"/>
+              <a:t>Key: token, value: &lt;GitHub personal access token&gt;</a:t>
             </a:r>
           </a:p>
           <a:p>
@@ -10278,7 +10324,7 @@
             <a:pPr lvl="1"/>
             <a:r>
               <a:rPr lang="en-US" dirty="0"/>
-              <a:t>https://seis665.s3.amazonaws.com/app-</a:t>
+              <a:t>https://seis615.s3.amazonaws.com/app-</a:t>
             </a:r>
             <a:r>
               <a:rPr lang="en-US" dirty="0" err="1"/>
@@ -11763,7 +11809,7 @@
               <a:rPr lang="en-US" dirty="0">
                 <a:hlinkClick r:id="rId3"/>
               </a:rPr>
-              <a:t>https://seis615.s3.amazonaws.com/app-prod-env-template.json</a:t>
+              <a:t>https://seis615.s3.amazonaws.com/app-prod-env-template.yaml</a:t>
             </a:r>
             <a:endParaRPr lang="en-US" dirty="0"/>
           </a:p>
@@ -11863,7 +11909,7 @@
               <a:rPr lang="en-US" dirty="0">
                 <a:hlinkClick r:id="rId6"/>
               </a:rPr>
-              <a:t>https://seis615.s3.amazonaws.com/app-codedeploy-template.json</a:t>
+              <a:t>https://seis615.s3.amazonaws.com/app-codedeploy-template.yaml</a:t>
             </a:r>
             <a:endParaRPr lang="en-US" dirty="0"/>
           </a:p>
@@ -13153,8 +13199,12 @@
               <a:t>-</a:t>
             </a:r>
             <a:r>
-              <a:rPr lang="en-US" dirty="0" err="1"/>
-              <a:t>template.json</a:t>
+              <a:rPr lang="en-US" err="1"/>
+              <a:t>template</a:t>
+            </a:r>
+            <a:r>
+              <a:rPr lang="en-US"/>
+              <a:t>.yaml</a:t>
             </a:r>
             <a:endParaRPr lang="en-US" dirty="0"/>
           </a:p>

--- a/lectures/infrastructure-week-10.pptx
+++ b/lectures/infrastructure-week-10.pptx
@@ -3160,7 +3160,7 @@
           <a:p>
             <a:fld id="{EAA08BAD-04ED-244C-92B6-E3671520D864}" type="datetimeFigureOut">
               <a:rPr lang="en-US" smtClean="0"/>
-              <a:t>11/7/21</a:t>
+              <a:t>11/9/21</a:t>
             </a:fld>
             <a:endParaRPr lang="en-US"/>
           </a:p>
@@ -4259,7 +4259,7 @@
           <a:p>
             <a:fld id="{972605B8-2E90-124E-924E-6F58993143C6}" type="datetimeFigureOut">
               <a:rPr lang="en-US" smtClean="0"/>
-              <a:t>11/7/21</a:t>
+              <a:t>11/9/21</a:t>
             </a:fld>
             <a:endParaRPr lang="en-US"/>
           </a:p>
@@ -4427,7 +4427,7 @@
           <a:p>
             <a:fld id="{972605B8-2E90-124E-924E-6F58993143C6}" type="datetimeFigureOut">
               <a:rPr lang="en-US" smtClean="0"/>
-              <a:t>11/7/21</a:t>
+              <a:t>11/9/21</a:t>
             </a:fld>
             <a:endParaRPr lang="en-US"/>
           </a:p>
@@ -4605,7 +4605,7 @@
           <a:p>
             <a:fld id="{972605B8-2E90-124E-924E-6F58993143C6}" type="datetimeFigureOut">
               <a:rPr lang="en-US" smtClean="0"/>
-              <a:t>11/7/21</a:t>
+              <a:t>11/9/21</a:t>
             </a:fld>
             <a:endParaRPr lang="en-US"/>
           </a:p>
@@ -4773,7 +4773,7 @@
           <a:p>
             <a:fld id="{972605B8-2E90-124E-924E-6F58993143C6}" type="datetimeFigureOut">
               <a:rPr lang="en-US" smtClean="0"/>
-              <a:t>11/7/21</a:t>
+              <a:t>11/9/21</a:t>
             </a:fld>
             <a:endParaRPr lang="en-US"/>
           </a:p>
@@ -5018,7 +5018,7 @@
           <a:p>
             <a:fld id="{972605B8-2E90-124E-924E-6F58993143C6}" type="datetimeFigureOut">
               <a:rPr lang="en-US" smtClean="0"/>
-              <a:t>11/7/21</a:t>
+              <a:t>11/9/21</a:t>
             </a:fld>
             <a:endParaRPr lang="en-US"/>
           </a:p>
@@ -5303,7 +5303,7 @@
           <a:p>
             <a:fld id="{972605B8-2E90-124E-924E-6F58993143C6}" type="datetimeFigureOut">
               <a:rPr lang="en-US" smtClean="0"/>
-              <a:t>11/7/21</a:t>
+              <a:t>11/9/21</a:t>
             </a:fld>
             <a:endParaRPr lang="en-US"/>
           </a:p>
@@ -5722,7 +5722,7 @@
           <a:p>
             <a:fld id="{972605B8-2E90-124E-924E-6F58993143C6}" type="datetimeFigureOut">
               <a:rPr lang="en-US" smtClean="0"/>
-              <a:t>11/7/21</a:t>
+              <a:t>11/9/21</a:t>
             </a:fld>
             <a:endParaRPr lang="en-US"/>
           </a:p>
@@ -5839,7 +5839,7 @@
           <a:p>
             <a:fld id="{972605B8-2E90-124E-924E-6F58993143C6}" type="datetimeFigureOut">
               <a:rPr lang="en-US" smtClean="0"/>
-              <a:t>11/7/21</a:t>
+              <a:t>11/9/21</a:t>
             </a:fld>
             <a:endParaRPr lang="en-US"/>
           </a:p>
@@ -5934,7 +5934,7 @@
           <a:p>
             <a:fld id="{972605B8-2E90-124E-924E-6F58993143C6}" type="datetimeFigureOut">
               <a:rPr lang="en-US" smtClean="0"/>
-              <a:t>11/7/21</a:t>
+              <a:t>11/9/21</a:t>
             </a:fld>
             <a:endParaRPr lang="en-US"/>
           </a:p>
@@ -6209,7 +6209,7 @@
           <a:p>
             <a:fld id="{972605B8-2E90-124E-924E-6F58993143C6}" type="datetimeFigureOut">
               <a:rPr lang="en-US" smtClean="0"/>
-              <a:t>11/7/21</a:t>
+              <a:t>11/9/21</a:t>
             </a:fld>
             <a:endParaRPr lang="en-US"/>
           </a:p>
@@ -6461,7 +6461,7 @@
           <a:p>
             <a:fld id="{972605B8-2E90-124E-924E-6F58993143C6}" type="datetimeFigureOut">
               <a:rPr lang="en-US" smtClean="0"/>
-              <a:t>11/7/21</a:t>
+              <a:t>11/9/21</a:t>
             </a:fld>
             <a:endParaRPr lang="en-US"/>
           </a:p>
@@ -6672,7 +6672,7 @@
           <a:p>
             <a:fld id="{972605B8-2E90-124E-924E-6F58993143C6}" type="datetimeFigureOut">
               <a:rPr lang="en-US" smtClean="0"/>
-              <a:t>11/7/21</a:t>
+              <a:t>11/9/21</a:t>
             </a:fld>
             <a:endParaRPr lang="en-US"/>
           </a:p>
@@ -11785,7 +11785,7 @@
         </p:spPr>
         <p:txBody>
           <a:bodyPr>
-            <a:normAutofit fontScale="55000" lnSpcReduction="20000"/>
+            <a:normAutofit fontScale="62500" lnSpcReduction="20000"/>
           </a:bodyPr>
           <a:lstStyle/>
           <a:p>
@@ -11809,7 +11809,7 @@
               <a:rPr lang="en-US" dirty="0">
                 <a:hlinkClick r:id="rId3"/>
               </a:rPr>
-              <a:t>https://seis615.s3.amazonaws.com/app-prod-env-template.yaml</a:t>
+              <a:t>https://seis615.s3.amazonaws.com/app-codedeploy-template.yaml</a:t>
             </a:r>
             <a:endParaRPr lang="en-US" dirty="0"/>
           </a:p>
@@ -11883,35 +11883,6 @@
               <a:rPr lang="en-US" dirty="0"/>
               <a:t>Watch the deployment process and lifecycle events.</a:t>
             </a:r>
-          </a:p>
-          <a:p>
-            <a:endParaRPr lang="en-US" dirty="0"/>
-          </a:p>
-          <a:p>
-            <a:r>
-              <a:rPr lang="en-US" dirty="0"/>
-              <a:t>Of course we can </a:t>
-            </a:r>
-            <a:r>
-              <a:rPr lang="en-US" dirty="0">
-                <a:hlinkClick r:id="rId5"/>
-              </a:rPr>
-              <a:t>always</a:t>
-            </a:r>
-            <a:r>
-              <a:rPr lang="en-US" dirty="0"/>
-              <a:t> build this configuration using code!</a:t>
-            </a:r>
-          </a:p>
-          <a:p>
-            <a:pPr lvl="1"/>
-            <a:r>
-              <a:rPr lang="en-US" dirty="0">
-                <a:hlinkClick r:id="rId6"/>
-              </a:rPr>
-              <a:t>https://seis615.s3.amazonaws.com/app-codedeploy-template.yaml</a:t>
-            </a:r>
-            <a:endParaRPr lang="en-US" dirty="0"/>
           </a:p>
         </p:txBody>
       </p:sp>
@@ -11930,7 +11901,7 @@
           <p:nvPr/>
         </p:nvPicPr>
         <p:blipFill>
-          <a:blip r:embed="rId7"/>
+          <a:blip r:embed="rId5"/>
           <a:stretch>
             <a:fillRect/>
           </a:stretch>
@@ -13105,21 +13076,12 @@
         </p:spPr>
         <p:txBody>
           <a:bodyPr>
-            <a:normAutofit fontScale="70000" lnSpcReduction="20000"/>
+            <a:normAutofit/>
           </a:bodyPr>
           <a:lstStyle/>
           <a:p>
             <a:r>
               <a:rPr lang="en-US" dirty="0"/>
-              <a:t>Create GitHub personal access token</a:t>
-            </a:r>
-          </a:p>
-          <a:p>
-            <a:endParaRPr lang="en-US" dirty="0"/>
-          </a:p>
-          <a:p>
-            <a:r>
-              <a:rPr lang="en-US" dirty="0"/>
               <a:t>Fork python-project repository:</a:t>
             </a:r>
           </a:p>
@@ -13139,46 +13101,20 @@
             </a:r>
           </a:p>
           <a:p>
+            <a:pPr marL="0" indent="0">
+              <a:buNone/>
+            </a:pPr>
             <a:endParaRPr lang="en-US" dirty="0"/>
           </a:p>
           <a:p>
             <a:r>
               <a:rPr lang="en-US" dirty="0"/>
-              <a:t>Review changes to </a:t>
-            </a:r>
-            <a:r>
-              <a:rPr lang="en-US" dirty="0" err="1"/>
-              <a:t>CodeBuild</a:t>
-            </a:r>
-            <a:r>
-              <a:rPr lang="en-US" dirty="0"/>
-              <a:t> template code</a:t>
-            </a:r>
-          </a:p>
-          <a:p>
-            <a:pPr lvl="1"/>
-            <a:r>
-              <a:rPr lang="en-US" dirty="0"/>
-              <a:t>Source and Artifacts are managed by </a:t>
+              <a:t>Deploy </a:t>
             </a:r>
             <a:r>
               <a:rPr lang="en-US" dirty="0" err="1"/>
               <a:t>CodePipeline</a:t>
             </a:r>
-            <a:endParaRPr lang="en-US" dirty="0"/>
-          </a:p>
-          <a:p>
-            <a:endParaRPr lang="en-US" dirty="0"/>
-          </a:p>
-          <a:p>
-            <a:r>
-              <a:rPr lang="en-US" dirty="0"/>
-              <a:t>Deploy </a:t>
-            </a:r>
-            <a:r>
-              <a:rPr lang="en-US" dirty="0" err="1"/>
-              <a:t>CodePipeline</a:t>
-            </a:r>
             <a:r>
               <a:rPr lang="en-US" dirty="0"/>
               <a:t> template</a:t>
@@ -13187,26 +13123,22 @@
           <a:p>
             <a:pPr lvl="1"/>
             <a:r>
-              <a:rPr lang="en-US" dirty="0"/>
+              <a:rPr lang="en-US" sz="2000" dirty="0"/>
               <a:t>https://seis615.s3.amazonaws.com/app-</a:t>
             </a:r>
             <a:r>
-              <a:rPr lang="en-US" dirty="0" err="1"/>
+              <a:rPr lang="en-US" sz="2000" dirty="0" err="1"/>
               <a:t>codepipeline</a:t>
             </a:r>
             <a:r>
-              <a:rPr lang="en-US" dirty="0"/>
+              <a:rPr lang="en-US" sz="2000" dirty="0"/>
               <a:t>-</a:t>
             </a:r>
             <a:r>
-              <a:rPr lang="en-US" err="1"/>
-              <a:t>template</a:t>
-            </a:r>
-            <a:r>
-              <a:rPr lang="en-US"/>
-              <a:t>.yaml</a:t>
-            </a:r>
-            <a:endParaRPr lang="en-US" dirty="0"/>
+              <a:rPr lang="en-US" sz="2000" dirty="0" err="1"/>
+              <a:t>template.yaml</a:t>
+            </a:r>
+            <a:endParaRPr lang="en-US" sz="2000" dirty="0"/>
           </a:p>
           <a:p>
             <a:endParaRPr lang="en-US" dirty="0"/>
